--- a/pca.pptx
+++ b/pca.pptx
@@ -5,7 +5,7 @@
     <p:sldMasterId id="2147483660" r:id="rId1"/>
   </p:sldMasterIdLst>
   <p:notesMasterIdLst>
-    <p:notesMasterId r:id="rId18"/>
+    <p:notesMasterId r:id="rId19"/>
   </p:notesMasterIdLst>
   <p:sldIdLst>
     <p:sldId id="256" r:id="rId2"/>
@@ -17,13 +17,14 @@
     <p:sldId id="262" r:id="rId8"/>
     <p:sldId id="260" r:id="rId9"/>
     <p:sldId id="265" r:id="rId10"/>
-    <p:sldId id="261" r:id="rId11"/>
-    <p:sldId id="268" r:id="rId12"/>
-    <p:sldId id="269" r:id="rId13"/>
-    <p:sldId id="270" r:id="rId14"/>
-    <p:sldId id="271" r:id="rId15"/>
+    <p:sldId id="269" r:id="rId11"/>
+    <p:sldId id="270" r:id="rId12"/>
+    <p:sldId id="271" r:id="rId13"/>
+    <p:sldId id="272" r:id="rId14"/>
+    <p:sldId id="273" r:id="rId15"/>
     <p:sldId id="266" r:id="rId16"/>
     <p:sldId id="267" r:id="rId17"/>
+    <p:sldId id="274" r:id="rId18"/>
   </p:sldIdLst>
   <p:sldSz cx="12192000" cy="6858000"/>
   <p:notesSz cx="6858000" cy="9144000"/>
@@ -133,741 +134,10 @@
 <file path=ppt/revisionInfo.xml><?xml version="1.0" encoding="utf-8"?>
 <p1510:revInfo xmlns:a="http://schemas.openxmlformats.org/drawingml/2006/main" xmlns:r="http://schemas.openxmlformats.org/officeDocument/2006/relationships" xmlns:p1510="http://schemas.microsoft.com/office/powerpoint/2015/10/main">
   <p1510:revLst>
-    <p1510:client id="{0412FE47-2DCE-BBC0-D2E1-56C88D773C7C}" v="146" dt="2021-05-22T12:17:03.342"/>
-    <p1510:client id="{7E96E121-F512-3D4E-7634-11E7F95193A2}" v="20" dt="2021-05-23T12:44:28.924"/>
-    <p1510:client id="{8F5373AB-DE3D-06E1-D4E3-69BA52294CE0}" v="589" dt="2021-05-22T12:56:34.782"/>
-    <p1510:client id="{A0681675-83F4-B035-5D98-2B1A8E4DE79E}" v="50" dt="2021-05-22T12:58:08.845"/>
-    <p1510:client id="{C1F66314-38A4-65AC-7338-7C4E844C6282}" v="1" dt="2021-05-23T12:01:17.884"/>
-    <p1510:client id="{D1C40902-295D-304D-67B0-1D1A49C5AFDC}" v="324" dt="2021-05-22T15:38:40.032"/>
-    <p1510:client id="{E2363116-5540-EF68-DC9F-76A7314B5903}" v="1081" dt="2021-05-22T12:51:15.273"/>
+    <p1510:client id="{9E8D9C29-B76A-EE30-EA31-1308F72E8DF5}" v="282" dt="2021-05-30T13:40:51.236"/>
+    <p1510:client id="{CEFEA734-54BC-7973-AA16-3D8CD79CD957}" v="1" dt="2021-05-30T13:08:07.659"/>
   </p1510:revLst>
 </p1510:revInfo>
-</file>
-
-<file path=ppt/changesInfos/changesInfo1.xml><?xml version="1.0" encoding="utf-8"?>
-<pc:chgInfo xmlns:a="http://schemas.openxmlformats.org/drawingml/2006/main" xmlns:r="http://schemas.openxmlformats.org/officeDocument/2006/relationships" xmlns:ac="http://schemas.microsoft.com/office/drawing/2013/main/command" xmlns:pc="http://schemas.microsoft.com/office/powerpoint/2013/main/command">
-  <pc:docChgLst>
-    <pc:chgData name="陈恩婷" userId="S::chenent@ms.sysu.edu.cn::121524e8-c78b-4465-a461-3edab42cf960" providerId="AD" clId="Web-{8F5373AB-DE3D-06E1-D4E3-69BA52294CE0}"/>
-    <pc:docChg chg="modSld">
-      <pc:chgData name="陈恩婷" userId="S::chenent@ms.sysu.edu.cn::121524e8-c78b-4465-a461-3edab42cf960" providerId="AD" clId="Web-{8F5373AB-DE3D-06E1-D4E3-69BA52294CE0}" dt="2021-05-22T13:02:38.047" v="285"/>
-      <pc:docMkLst>
-        <pc:docMk/>
-      </pc:docMkLst>
-      <pc:sldChg chg="modNotes">
-        <pc:chgData name="陈恩婷" userId="S::chenent@ms.sysu.edu.cn::121524e8-c78b-4465-a461-3edab42cf960" providerId="AD" clId="Web-{8F5373AB-DE3D-06E1-D4E3-69BA52294CE0}" dt="2021-05-22T13:02:38.047" v="285"/>
-        <pc:sldMkLst>
-          <pc:docMk/>
-          <pc:sldMk cId="1946268039" sldId="259"/>
-        </pc:sldMkLst>
-      </pc:sldChg>
-      <pc:sldChg chg="modSp">
-        <pc:chgData name="陈恩婷" userId="S::chenent@ms.sysu.edu.cn::121524e8-c78b-4465-a461-3edab42cf960" providerId="AD" clId="Web-{8F5373AB-DE3D-06E1-D4E3-69BA52294CE0}" dt="2021-05-22T12:54:37.985" v="227" actId="20577"/>
-        <pc:sldMkLst>
-          <pc:docMk/>
-          <pc:sldMk cId="248967813" sldId="261"/>
-        </pc:sldMkLst>
-        <pc:spChg chg="mod">
-          <ac:chgData name="陈恩婷" userId="S::chenent@ms.sysu.edu.cn::121524e8-c78b-4465-a461-3edab42cf960" providerId="AD" clId="Web-{8F5373AB-DE3D-06E1-D4E3-69BA52294CE0}" dt="2021-05-22T12:54:18.657" v="200" actId="20577"/>
-          <ac:spMkLst>
-            <pc:docMk/>
-            <pc:sldMk cId="248967813" sldId="261"/>
-            <ac:spMk id="2" creationId="{23968D9C-BDD4-4621-B769-EE769DBDC4BE}"/>
-          </ac:spMkLst>
-        </pc:spChg>
-        <pc:spChg chg="mod">
-          <ac:chgData name="陈恩婷" userId="S::chenent@ms.sysu.edu.cn::121524e8-c78b-4465-a461-3edab42cf960" providerId="AD" clId="Web-{8F5373AB-DE3D-06E1-D4E3-69BA52294CE0}" dt="2021-05-22T12:54:37.985" v="227" actId="20577"/>
-          <ac:spMkLst>
-            <pc:docMk/>
-            <pc:sldMk cId="248967813" sldId="261"/>
-            <ac:spMk id="3" creationId="{FFCAFA71-F85C-4916-8102-0D04871EB89D}"/>
-          </ac:spMkLst>
-        </pc:spChg>
-      </pc:sldChg>
-      <pc:sldChg chg="modSp">
-        <pc:chgData name="陈恩婷" userId="S::chenent@ms.sysu.edu.cn::121524e8-c78b-4465-a461-3edab42cf960" providerId="AD" clId="Web-{8F5373AB-DE3D-06E1-D4E3-69BA52294CE0}" dt="2021-05-22T12:56:19.891" v="282" actId="20577"/>
-        <pc:sldMkLst>
-          <pc:docMk/>
-          <pc:sldMk cId="2149891297" sldId="262"/>
-        </pc:sldMkLst>
-        <pc:spChg chg="mod">
-          <ac:chgData name="陈恩婷" userId="S::chenent@ms.sysu.edu.cn::121524e8-c78b-4465-a461-3edab42cf960" providerId="AD" clId="Web-{8F5373AB-DE3D-06E1-D4E3-69BA52294CE0}" dt="2021-05-22T12:56:19.891" v="282" actId="20577"/>
-          <ac:spMkLst>
-            <pc:docMk/>
-            <pc:sldMk cId="2149891297" sldId="262"/>
-            <ac:spMk id="3" creationId="{268A4CD0-DA24-4FFD-87DC-E0525426943E}"/>
-          </ac:spMkLst>
-        </pc:spChg>
-      </pc:sldChg>
-    </pc:docChg>
-  </pc:docChgLst>
-  <pc:docChgLst>
-    <pc:chgData name="陈恩婷" userId="121524e8-c78b-4465-a461-3edab42cf960" providerId="ADAL" clId="{D4620B49-60FE-45DE-A41B-F3E70ED53272}"/>
-    <pc:docChg chg="modSld">
-      <pc:chgData name="陈恩婷" userId="121524e8-c78b-4465-a461-3edab42cf960" providerId="ADAL" clId="{D4620B49-60FE-45DE-A41B-F3E70ED53272}" dt="2021-05-22T12:10:53.747" v="59" actId="20577"/>
-      <pc:docMkLst>
-        <pc:docMk/>
-      </pc:docMkLst>
-      <pc:sldChg chg="modSp mod">
-        <pc:chgData name="陈恩婷" userId="121524e8-c78b-4465-a461-3edab42cf960" providerId="ADAL" clId="{D4620B49-60FE-45DE-A41B-F3E70ED53272}" dt="2021-05-22T12:10:53.747" v="59" actId="20577"/>
-        <pc:sldMkLst>
-          <pc:docMk/>
-          <pc:sldMk cId="1462570846" sldId="256"/>
-        </pc:sldMkLst>
-        <pc:spChg chg="mod">
-          <ac:chgData name="陈恩婷" userId="121524e8-c78b-4465-a461-3edab42cf960" providerId="ADAL" clId="{D4620B49-60FE-45DE-A41B-F3E70ED53272}" dt="2021-05-22T12:10:53.747" v="59" actId="20577"/>
-          <ac:spMkLst>
-            <pc:docMk/>
-            <pc:sldMk cId="1462570846" sldId="256"/>
-            <ac:spMk id="2" creationId="{F6DDF551-7BDC-4189-8EC1-EC4A73CE6E73}"/>
-          </ac:spMkLst>
-        </pc:spChg>
-      </pc:sldChg>
-    </pc:docChg>
-  </pc:docChgLst>
-  <pc:docChgLst>
-    <pc:chgData name="陈恩婷" userId="S::chenent@ms.sysu.edu.cn::121524e8-c78b-4465-a461-3edab42cf960" providerId="AD" clId="Web-{0412FE47-2DCE-BBC0-D2E1-56C88D773C7C}"/>
-    <pc:docChg chg="addSld modSld">
-      <pc:chgData name="陈恩婷" userId="S::chenent@ms.sysu.edu.cn::121524e8-c78b-4465-a461-3edab42cf960" providerId="AD" clId="Web-{0412FE47-2DCE-BBC0-D2E1-56C88D773C7C}" dt="2021-05-22T12:16:57.170" v="70" actId="20577"/>
-      <pc:docMkLst>
-        <pc:docMk/>
-      </pc:docMkLst>
-      <pc:sldChg chg="modSp">
-        <pc:chgData name="陈恩婷" userId="S::chenent@ms.sysu.edu.cn::121524e8-c78b-4465-a461-3edab42cf960" providerId="AD" clId="Web-{0412FE47-2DCE-BBC0-D2E1-56C88D773C7C}" dt="2021-05-22T12:16:57.170" v="70" actId="20577"/>
-        <pc:sldMkLst>
-          <pc:docMk/>
-          <pc:sldMk cId="4086405746" sldId="257"/>
-        </pc:sldMkLst>
-        <pc:spChg chg="mod">
-          <ac:chgData name="陈恩婷" userId="S::chenent@ms.sysu.edu.cn::121524e8-c78b-4465-a461-3edab42cf960" providerId="AD" clId="Web-{0412FE47-2DCE-BBC0-D2E1-56C88D773C7C}" dt="2021-05-22T12:16:57.170" v="70" actId="20577"/>
-          <ac:spMkLst>
-            <pc:docMk/>
-            <pc:sldMk cId="4086405746" sldId="257"/>
-            <ac:spMk id="2" creationId="{8ACDAE53-0620-4798-96E3-55C67BF7AF2E}"/>
-          </ac:spMkLst>
-        </pc:spChg>
-      </pc:sldChg>
-      <pc:sldChg chg="modSp new">
-        <pc:chgData name="陈恩婷" userId="S::chenent@ms.sysu.edu.cn::121524e8-c78b-4465-a461-3edab42cf960" providerId="AD" clId="Web-{0412FE47-2DCE-BBC0-D2E1-56C88D773C7C}" dt="2021-05-22T12:13:59.341" v="6" actId="20577"/>
-        <pc:sldMkLst>
-          <pc:docMk/>
-          <pc:sldMk cId="616393734" sldId="258"/>
-        </pc:sldMkLst>
-        <pc:spChg chg="mod">
-          <ac:chgData name="陈恩婷" userId="S::chenent@ms.sysu.edu.cn::121524e8-c78b-4465-a461-3edab42cf960" providerId="AD" clId="Web-{0412FE47-2DCE-BBC0-D2E1-56C88D773C7C}" dt="2021-05-22T12:13:59.341" v="6" actId="20577"/>
-          <ac:spMkLst>
-            <pc:docMk/>
-            <pc:sldMk cId="616393734" sldId="258"/>
-            <ac:spMk id="2" creationId="{48DF89A8-860C-46FE-936C-91B25D375020}"/>
-          </ac:spMkLst>
-        </pc:spChg>
-      </pc:sldChg>
-      <pc:sldChg chg="modSp new">
-        <pc:chgData name="陈恩婷" userId="S::chenent@ms.sysu.edu.cn::121524e8-c78b-4465-a461-3edab42cf960" providerId="AD" clId="Web-{0412FE47-2DCE-BBC0-D2E1-56C88D773C7C}" dt="2021-05-22T12:14:36.497" v="27" actId="20577"/>
-        <pc:sldMkLst>
-          <pc:docMk/>
-          <pc:sldMk cId="1946268039" sldId="259"/>
-        </pc:sldMkLst>
-        <pc:spChg chg="mod">
-          <ac:chgData name="陈恩婷" userId="S::chenent@ms.sysu.edu.cn::121524e8-c78b-4465-a461-3edab42cf960" providerId="AD" clId="Web-{0412FE47-2DCE-BBC0-D2E1-56C88D773C7C}" dt="2021-05-22T12:14:36.497" v="27" actId="20577"/>
-          <ac:spMkLst>
-            <pc:docMk/>
-            <pc:sldMk cId="1946268039" sldId="259"/>
-            <ac:spMk id="2" creationId="{46408E08-8220-499C-B463-91FF3FB2C151}"/>
-          </ac:spMkLst>
-        </pc:spChg>
-      </pc:sldChg>
-      <pc:sldChg chg="modSp new">
-        <pc:chgData name="陈恩婷" userId="S::chenent@ms.sysu.edu.cn::121524e8-c78b-4465-a461-3edab42cf960" providerId="AD" clId="Web-{0412FE47-2DCE-BBC0-D2E1-56C88D773C7C}" dt="2021-05-22T12:15:31.325" v="49" actId="20577"/>
-        <pc:sldMkLst>
-          <pc:docMk/>
-          <pc:sldMk cId="1694496651" sldId="260"/>
-        </pc:sldMkLst>
-        <pc:spChg chg="mod">
-          <ac:chgData name="陈恩婷" userId="S::chenent@ms.sysu.edu.cn::121524e8-c78b-4465-a461-3edab42cf960" providerId="AD" clId="Web-{0412FE47-2DCE-BBC0-D2E1-56C88D773C7C}" dt="2021-05-22T12:15:31.325" v="49" actId="20577"/>
-          <ac:spMkLst>
-            <pc:docMk/>
-            <pc:sldMk cId="1694496651" sldId="260"/>
-            <ac:spMk id="2" creationId="{A6CC5602-0FCF-4C28-A043-50434C0FF771}"/>
-          </ac:spMkLst>
-        </pc:spChg>
-      </pc:sldChg>
-      <pc:sldChg chg="modSp new">
-        <pc:chgData name="陈恩婷" userId="S::chenent@ms.sysu.edu.cn::121524e8-c78b-4465-a461-3edab42cf960" providerId="AD" clId="Web-{0412FE47-2DCE-BBC0-D2E1-56C88D773C7C}" dt="2021-05-22T12:15:42.497" v="51" actId="20577"/>
-        <pc:sldMkLst>
-          <pc:docMk/>
-          <pc:sldMk cId="248967813" sldId="261"/>
-        </pc:sldMkLst>
-        <pc:spChg chg="mod">
-          <ac:chgData name="陈恩婷" userId="S::chenent@ms.sysu.edu.cn::121524e8-c78b-4465-a461-3edab42cf960" providerId="AD" clId="Web-{0412FE47-2DCE-BBC0-D2E1-56C88D773C7C}" dt="2021-05-22T12:15:42.497" v="51" actId="20577"/>
-          <ac:spMkLst>
-            <pc:docMk/>
-            <pc:sldMk cId="248967813" sldId="261"/>
-            <ac:spMk id="2" creationId="{23968D9C-BDD4-4621-B769-EE769DBDC4BE}"/>
-          </ac:spMkLst>
-        </pc:spChg>
-      </pc:sldChg>
-    </pc:docChg>
-  </pc:docChgLst>
-  <pc:docChgLst>
-    <pc:chgData name="陈恩婷" userId="S::chenent@ms.sysu.edu.cn::121524e8-c78b-4465-a461-3edab42cf960" providerId="AD" clId="Web-{D1C40902-295D-304D-67B0-1D1A49C5AFDC}"/>
-    <pc:docChg chg="addSld modSld">
-      <pc:chgData name="陈恩婷" userId="S::chenent@ms.sysu.edu.cn::121524e8-c78b-4465-a461-3edab42cf960" providerId="AD" clId="Web-{D1C40902-295D-304D-67B0-1D1A49C5AFDC}" dt="2021-05-22T15:38:37.125" v="164" actId="20577"/>
-      <pc:docMkLst>
-        <pc:docMk/>
-      </pc:docMkLst>
-      <pc:sldChg chg="modSp">
-        <pc:chgData name="陈恩婷" userId="S::chenent@ms.sysu.edu.cn::121524e8-c78b-4465-a461-3edab42cf960" providerId="AD" clId="Web-{D1C40902-295D-304D-67B0-1D1A49C5AFDC}" dt="2021-05-22T15:38:37.125" v="164" actId="20577"/>
-        <pc:sldMkLst>
-          <pc:docMk/>
-          <pc:sldMk cId="1694496651" sldId="260"/>
-        </pc:sldMkLst>
-        <pc:spChg chg="mod">
-          <ac:chgData name="陈恩婷" userId="S::chenent@ms.sysu.edu.cn::121524e8-c78b-4465-a461-3edab42cf960" providerId="AD" clId="Web-{D1C40902-295D-304D-67B0-1D1A49C5AFDC}" dt="2021-05-22T15:38:37.125" v="164" actId="20577"/>
-          <ac:spMkLst>
-            <pc:docMk/>
-            <pc:sldMk cId="1694496651" sldId="260"/>
-            <ac:spMk id="3" creationId="{46DE4FEC-CD29-4BF9-BF2C-B4213271FD6A}"/>
-          </ac:spMkLst>
-        </pc:spChg>
-      </pc:sldChg>
-      <pc:sldChg chg="addSp modSp new">
-        <pc:chgData name="陈恩婷" userId="S::chenent@ms.sysu.edu.cn::121524e8-c78b-4465-a461-3edab42cf960" providerId="AD" clId="Web-{D1C40902-295D-304D-67B0-1D1A49C5AFDC}" dt="2021-05-22T15:33:56.731" v="46" actId="14100"/>
-        <pc:sldMkLst>
-          <pc:docMk/>
-          <pc:sldMk cId="556245329" sldId="262"/>
-        </pc:sldMkLst>
-        <pc:spChg chg="mod">
-          <ac:chgData name="陈恩婷" userId="S::chenent@ms.sysu.edu.cn::121524e8-c78b-4465-a461-3edab42cf960" providerId="AD" clId="Web-{D1C40902-295D-304D-67B0-1D1A49C5AFDC}" dt="2021-05-22T15:10:48.740" v="4" actId="20577"/>
-          <ac:spMkLst>
-            <pc:docMk/>
-            <pc:sldMk cId="556245329" sldId="262"/>
-            <ac:spMk id="2" creationId="{13A8CDE5-059C-4CF8-B253-AB10535E9AC7}"/>
-          </ac:spMkLst>
-        </pc:spChg>
-        <pc:spChg chg="mod">
-          <ac:chgData name="陈恩婷" userId="S::chenent@ms.sysu.edu.cn::121524e8-c78b-4465-a461-3edab42cf960" providerId="AD" clId="Web-{D1C40902-295D-304D-67B0-1D1A49C5AFDC}" dt="2021-05-22T15:26:30.318" v="40" actId="20577"/>
-          <ac:spMkLst>
-            <pc:docMk/>
-            <pc:sldMk cId="556245329" sldId="262"/>
-            <ac:spMk id="3" creationId="{5BC23814-9A48-468E-9573-217C43B30475}"/>
-          </ac:spMkLst>
-        </pc:spChg>
-        <pc:picChg chg="add mod">
-          <ac:chgData name="陈恩婷" userId="S::chenent@ms.sysu.edu.cn::121524e8-c78b-4465-a461-3edab42cf960" providerId="AD" clId="Web-{D1C40902-295D-304D-67B0-1D1A49C5AFDC}" dt="2021-05-22T15:33:40.444" v="43" actId="14100"/>
-          <ac:picMkLst>
-            <pc:docMk/>
-            <pc:sldMk cId="556245329" sldId="262"/>
-            <ac:picMk id="4" creationId="{273875E7-CE32-4B66-B5E0-BCF5F4CA2EBF}"/>
-          </ac:picMkLst>
-        </pc:picChg>
-        <pc:picChg chg="add mod">
-          <ac:chgData name="陈恩婷" userId="S::chenent@ms.sysu.edu.cn::121524e8-c78b-4465-a461-3edab42cf960" providerId="AD" clId="Web-{D1C40902-295D-304D-67B0-1D1A49C5AFDC}" dt="2021-05-22T15:33:56.731" v="46" actId="14100"/>
-          <ac:picMkLst>
-            <pc:docMk/>
-            <pc:sldMk cId="556245329" sldId="262"/>
-            <ac:picMk id="5" creationId="{C1D2E16A-AF9F-4B85-83B0-2A1367DF68E8}"/>
-          </ac:picMkLst>
-        </pc:picChg>
-      </pc:sldChg>
-    </pc:docChg>
-  </pc:docChgLst>
-  <pc:docChgLst>
-    <pc:chgData name="陈恩婷" userId="S::chenent@ms.sysu.edu.cn::121524e8-c78b-4465-a461-3edab42cf960" providerId="AD" clId="Web-{7E96E121-F512-3D4E-7634-11E7F95193A2}"/>
-    <pc:docChg chg="addSld modSld">
-      <pc:chgData name="陈恩婷" userId="S::chenent@ms.sysu.edu.cn::121524e8-c78b-4465-a461-3edab42cf960" providerId="AD" clId="Web-{7E96E121-F512-3D4E-7634-11E7F95193A2}" dt="2021-05-23T12:45:02.662" v="21"/>
-      <pc:docMkLst>
-        <pc:docMk/>
-      </pc:docMkLst>
-      <pc:sldChg chg="addSp delSp modSp new mod setBg">
-        <pc:chgData name="陈恩婷" userId="S::chenent@ms.sysu.edu.cn::121524e8-c78b-4465-a461-3edab42cf960" providerId="AD" clId="Web-{7E96E121-F512-3D4E-7634-11E7F95193A2}" dt="2021-05-23T12:45:02.662" v="21"/>
-        <pc:sldMkLst>
-          <pc:docMk/>
-          <pc:sldMk cId="3386360409" sldId="263"/>
-        </pc:sldMkLst>
-        <pc:spChg chg="mod">
-          <ac:chgData name="陈恩婷" userId="S::chenent@ms.sysu.edu.cn::121524e8-c78b-4465-a461-3edab42cf960" providerId="AD" clId="Web-{7E96E121-F512-3D4E-7634-11E7F95193A2}" dt="2021-05-23T12:45:02.662" v="21"/>
-          <ac:spMkLst>
-            <pc:docMk/>
-            <pc:sldMk cId="3386360409" sldId="263"/>
-            <ac:spMk id="2" creationId="{4A137514-3573-4045-88B5-2D720C80947C}"/>
-          </ac:spMkLst>
-        </pc:spChg>
-        <pc:spChg chg="del">
-          <ac:chgData name="陈恩婷" userId="S::chenent@ms.sysu.edu.cn::121524e8-c78b-4465-a461-3edab42cf960" providerId="AD" clId="Web-{7E96E121-F512-3D4E-7634-11E7F95193A2}" dt="2021-05-23T12:42:38.868" v="1"/>
-          <ac:spMkLst>
-            <pc:docMk/>
-            <pc:sldMk cId="3386360409" sldId="263"/>
-            <ac:spMk id="3" creationId="{51E16D4F-B9A8-45E9-9125-9DF8CFE3A6E6}"/>
-          </ac:spMkLst>
-        </pc:spChg>
-        <pc:spChg chg="add del">
-          <ac:chgData name="陈恩婷" userId="S::chenent@ms.sysu.edu.cn::121524e8-c78b-4465-a461-3edab42cf960" providerId="AD" clId="Web-{7E96E121-F512-3D4E-7634-11E7F95193A2}" dt="2021-05-23T12:45:02.646" v="20"/>
-          <ac:spMkLst>
-            <pc:docMk/>
-            <pc:sldMk cId="3386360409" sldId="263"/>
-            <ac:spMk id="8" creationId="{3F87243A-F810-42AD-AA74-3FA38B1D8A8F}"/>
-          </ac:spMkLst>
-        </pc:spChg>
-        <pc:spChg chg="add del">
-          <ac:chgData name="陈恩婷" userId="S::chenent@ms.sysu.edu.cn::121524e8-c78b-4465-a461-3edab42cf960" providerId="AD" clId="Web-{7E96E121-F512-3D4E-7634-11E7F95193A2}" dt="2021-05-23T12:45:02.646" v="20"/>
-          <ac:spMkLst>
-            <pc:docMk/>
-            <pc:sldMk cId="3386360409" sldId="263"/>
-            <ac:spMk id="9" creationId="{E4710C0A-057C-4274-BA2D-001F1025E83E}"/>
-          </ac:spMkLst>
-        </pc:spChg>
-        <pc:spChg chg="add del">
-          <ac:chgData name="陈恩婷" userId="S::chenent@ms.sysu.edu.cn::121524e8-c78b-4465-a461-3edab42cf960" providerId="AD" clId="Web-{7E96E121-F512-3D4E-7634-11E7F95193A2}" dt="2021-05-23T12:44:55.724" v="18"/>
-          <ac:spMkLst>
-            <pc:docMk/>
-            <pc:sldMk cId="3386360409" sldId="263"/>
-            <ac:spMk id="11" creationId="{3F87243A-F810-42AD-AA74-3FA38B1D8A8F}"/>
-          </ac:spMkLst>
-        </pc:spChg>
-        <pc:spChg chg="add del">
-          <ac:chgData name="陈恩婷" userId="S::chenent@ms.sysu.edu.cn::121524e8-c78b-4465-a461-3edab42cf960" providerId="AD" clId="Web-{7E96E121-F512-3D4E-7634-11E7F95193A2}" dt="2021-05-23T12:45:02.646" v="20"/>
-          <ac:spMkLst>
-            <pc:docMk/>
-            <pc:sldMk cId="3386360409" sldId="263"/>
-            <ac:spMk id="12" creationId="{401AB748-B9E7-4AEC-AAB9-0EABDE63F84B}"/>
-          </ac:spMkLst>
-        </pc:spChg>
-        <pc:spChg chg="add del">
-          <ac:chgData name="陈恩婷" userId="S::chenent@ms.sysu.edu.cn::121524e8-c78b-4465-a461-3edab42cf960" providerId="AD" clId="Web-{7E96E121-F512-3D4E-7634-11E7F95193A2}" dt="2021-05-23T12:44:55.724" v="18"/>
-          <ac:spMkLst>
-            <pc:docMk/>
-            <pc:sldMk cId="3386360409" sldId="263"/>
-            <ac:spMk id="13" creationId="{E4710C0A-057C-4274-BA2D-001F1025E83E}"/>
-          </ac:spMkLst>
-        </pc:spChg>
-        <pc:spChg chg="add del">
-          <ac:chgData name="陈恩婷" userId="S::chenent@ms.sysu.edu.cn::121524e8-c78b-4465-a461-3edab42cf960" providerId="AD" clId="Web-{7E96E121-F512-3D4E-7634-11E7F95193A2}" dt="2021-05-23T12:45:02.646" v="20"/>
-          <ac:spMkLst>
-            <pc:docMk/>
-            <pc:sldMk cId="3386360409" sldId="263"/>
-            <ac:spMk id="14" creationId="{E0954B38-9C23-4C8B-AC5D-0E80CEA3BD48}"/>
-          </ac:spMkLst>
-        </pc:spChg>
-        <pc:spChg chg="add del">
-          <ac:chgData name="陈恩婷" userId="S::chenent@ms.sysu.edu.cn::121524e8-c78b-4465-a461-3edab42cf960" providerId="AD" clId="Web-{7E96E121-F512-3D4E-7634-11E7F95193A2}" dt="2021-05-23T12:45:02.646" v="20"/>
-          <ac:spMkLst>
-            <pc:docMk/>
-            <pc:sldMk cId="3386360409" sldId="263"/>
-            <ac:spMk id="16" creationId="{791376A8-6B7C-49D5-B3B0-B1D81BC15C2C}"/>
-          </ac:spMkLst>
-        </pc:spChg>
-        <pc:spChg chg="add del">
-          <ac:chgData name="陈恩婷" userId="S::chenent@ms.sysu.edu.cn::121524e8-c78b-4465-a461-3edab42cf960" providerId="AD" clId="Web-{7E96E121-F512-3D4E-7634-11E7F95193A2}" dt="2021-05-23T12:44:55.724" v="18"/>
-          <ac:spMkLst>
-            <pc:docMk/>
-            <pc:sldMk cId="3386360409" sldId="263"/>
-            <ac:spMk id="17" creationId="{7527CA15-1C7B-4C0C-86EE-385C1D6C98C0}"/>
-          </ac:spMkLst>
-        </pc:spChg>
-        <pc:spChg chg="add del">
-          <ac:chgData name="陈恩婷" userId="S::chenent@ms.sysu.edu.cn::121524e8-c78b-4465-a461-3edab42cf960" providerId="AD" clId="Web-{7E96E121-F512-3D4E-7634-11E7F95193A2}" dt="2021-05-23T12:44:55.724" v="18"/>
-          <ac:spMkLst>
-            <pc:docMk/>
-            <pc:sldMk cId="3386360409" sldId="263"/>
-            <ac:spMk id="19" creationId="{ED643915-9209-40AB-8194-9D9125C0A3F3}"/>
-          </ac:spMkLst>
-        </pc:spChg>
-        <pc:spChg chg="add del">
-          <ac:chgData name="陈恩婷" userId="S::chenent@ms.sysu.edu.cn::121524e8-c78b-4465-a461-3edab42cf960" providerId="AD" clId="Web-{7E96E121-F512-3D4E-7634-11E7F95193A2}" dt="2021-05-23T12:45:02.646" v="20"/>
-          <ac:spMkLst>
-            <pc:docMk/>
-            <pc:sldMk cId="3386360409" sldId="263"/>
-            <ac:spMk id="20" creationId="{3B0D8F16-5F3B-465F-9D06-983E2E8267E5}"/>
-          </ac:spMkLst>
-        </pc:spChg>
-        <pc:spChg chg="add del">
-          <ac:chgData name="陈恩婷" userId="S::chenent@ms.sysu.edu.cn::121524e8-c78b-4465-a461-3edab42cf960" providerId="AD" clId="Web-{7E96E121-F512-3D4E-7634-11E7F95193A2}" dt="2021-05-23T12:44:55.724" v="18"/>
-          <ac:spMkLst>
-            <pc:docMk/>
-            <pc:sldMk cId="3386360409" sldId="263"/>
-            <ac:spMk id="21" creationId="{8A54198A-4950-48AB-BDD3-16D7F9084A50}"/>
-          </ac:spMkLst>
-        </pc:spChg>
-        <pc:spChg chg="add">
-          <ac:chgData name="陈恩婷" userId="S::chenent@ms.sysu.edu.cn::121524e8-c78b-4465-a461-3edab42cf960" providerId="AD" clId="Web-{7E96E121-F512-3D4E-7634-11E7F95193A2}" dt="2021-05-23T12:45:02.662" v="21"/>
-          <ac:spMkLst>
-            <pc:docMk/>
-            <pc:sldMk cId="3386360409" sldId="263"/>
-            <ac:spMk id="22" creationId="{3F87243A-F810-42AD-AA74-3FA38B1D8A8F}"/>
-          </ac:spMkLst>
-        </pc:spChg>
-        <pc:spChg chg="add del">
-          <ac:chgData name="陈恩婷" userId="S::chenent@ms.sysu.edu.cn::121524e8-c78b-4465-a461-3edab42cf960" providerId="AD" clId="Web-{7E96E121-F512-3D4E-7634-11E7F95193A2}" dt="2021-05-23T12:44:55.724" v="18"/>
-          <ac:spMkLst>
-            <pc:docMk/>
-            <pc:sldMk cId="3386360409" sldId="263"/>
-            <ac:spMk id="23" creationId="{30F05B05-D1D0-4D96-A6C6-E0095E789EF8}"/>
-          </ac:spMkLst>
-        </pc:spChg>
-        <pc:spChg chg="add">
-          <ac:chgData name="陈恩婷" userId="S::chenent@ms.sysu.edu.cn::121524e8-c78b-4465-a461-3edab42cf960" providerId="AD" clId="Web-{7E96E121-F512-3D4E-7634-11E7F95193A2}" dt="2021-05-23T12:45:02.662" v="21"/>
-          <ac:spMkLst>
-            <pc:docMk/>
-            <pc:sldMk cId="3386360409" sldId="263"/>
-            <ac:spMk id="24" creationId="{E4710C0A-057C-4274-BA2D-001F1025E83E}"/>
-          </ac:spMkLst>
-        </pc:spChg>
-        <pc:spChg chg="add del">
-          <ac:chgData name="陈恩婷" userId="S::chenent@ms.sysu.edu.cn::121524e8-c78b-4465-a461-3edab42cf960" providerId="AD" clId="Web-{7E96E121-F512-3D4E-7634-11E7F95193A2}" dt="2021-05-23T12:44:55.724" v="18"/>
-          <ac:spMkLst>
-            <pc:docMk/>
-            <pc:sldMk cId="3386360409" sldId="263"/>
-            <ac:spMk id="25" creationId="{6561554E-8EEC-420C-93A0-4E77A8A0EB7B}"/>
-          </ac:spMkLst>
-        </pc:spChg>
-        <pc:spChg chg="add del">
-          <ac:chgData name="陈恩婷" userId="S::chenent@ms.sysu.edu.cn::121524e8-c78b-4465-a461-3edab42cf960" providerId="AD" clId="Web-{7E96E121-F512-3D4E-7634-11E7F95193A2}" dt="2021-05-23T12:45:02.646" v="20"/>
-          <ac:spMkLst>
-            <pc:docMk/>
-            <pc:sldMk cId="3386360409" sldId="263"/>
-            <ac:spMk id="27" creationId="{5DED356E-7923-4393-BAEA-0116D9D7635D}"/>
-          </ac:spMkLst>
-        </pc:spChg>
-        <pc:spChg chg="add">
-          <ac:chgData name="陈恩婷" userId="S::chenent@ms.sysu.edu.cn::121524e8-c78b-4465-a461-3edab42cf960" providerId="AD" clId="Web-{7E96E121-F512-3D4E-7634-11E7F95193A2}" dt="2021-05-23T12:45:02.662" v="21"/>
-          <ac:spMkLst>
-            <pc:docMk/>
-            <pc:sldMk cId="3386360409" sldId="263"/>
-            <ac:spMk id="28" creationId="{7527CA15-1C7B-4C0C-86EE-385C1D6C98C0}"/>
-          </ac:spMkLst>
-        </pc:spChg>
-        <pc:spChg chg="add">
-          <ac:chgData name="陈恩婷" userId="S::chenent@ms.sysu.edu.cn::121524e8-c78b-4465-a461-3edab42cf960" providerId="AD" clId="Web-{7E96E121-F512-3D4E-7634-11E7F95193A2}" dt="2021-05-23T12:45:02.662" v="21"/>
-          <ac:spMkLst>
-            <pc:docMk/>
-            <pc:sldMk cId="3386360409" sldId="263"/>
-            <ac:spMk id="29" creationId="{ED643915-9209-40AB-8194-9D9125C0A3F3}"/>
-          </ac:spMkLst>
-        </pc:spChg>
-        <pc:spChg chg="add">
-          <ac:chgData name="陈恩婷" userId="S::chenent@ms.sysu.edu.cn::121524e8-c78b-4465-a461-3edab42cf960" providerId="AD" clId="Web-{7E96E121-F512-3D4E-7634-11E7F95193A2}" dt="2021-05-23T12:45:02.662" v="21"/>
-          <ac:spMkLst>
-            <pc:docMk/>
-            <pc:sldMk cId="3386360409" sldId="263"/>
-            <ac:spMk id="30" creationId="{8A54198A-4950-48AB-BDD3-16D7F9084A50}"/>
-          </ac:spMkLst>
-        </pc:spChg>
-        <pc:spChg chg="add">
-          <ac:chgData name="陈恩婷" userId="S::chenent@ms.sysu.edu.cn::121524e8-c78b-4465-a461-3edab42cf960" providerId="AD" clId="Web-{7E96E121-F512-3D4E-7634-11E7F95193A2}" dt="2021-05-23T12:45:02.662" v="21"/>
-          <ac:spMkLst>
-            <pc:docMk/>
-            <pc:sldMk cId="3386360409" sldId="263"/>
-            <ac:spMk id="31" creationId="{30F05B05-D1D0-4D96-A6C6-E0095E789EF8}"/>
-          </ac:spMkLst>
-        </pc:spChg>
-        <pc:spChg chg="add">
-          <ac:chgData name="陈恩婷" userId="S::chenent@ms.sysu.edu.cn::121524e8-c78b-4465-a461-3edab42cf960" providerId="AD" clId="Web-{7E96E121-F512-3D4E-7634-11E7F95193A2}" dt="2021-05-23T12:45:02.662" v="21"/>
-          <ac:spMkLst>
-            <pc:docMk/>
-            <pc:sldMk cId="3386360409" sldId="263"/>
-            <ac:spMk id="32" creationId="{6561554E-8EEC-420C-93A0-4E77A8A0EB7B}"/>
-          </ac:spMkLst>
-        </pc:spChg>
-        <pc:picChg chg="add mod ord">
-          <ac:chgData name="陈恩婷" userId="S::chenent@ms.sysu.edu.cn::121524e8-c78b-4465-a461-3edab42cf960" providerId="AD" clId="Web-{7E96E121-F512-3D4E-7634-11E7F95193A2}" dt="2021-05-23T12:45:02.662" v="21"/>
-          <ac:picMkLst>
-            <pc:docMk/>
-            <pc:sldMk cId="3386360409" sldId="263"/>
-            <ac:picMk id="4" creationId="{A5EB5B36-46F2-44FA-A77F-8627EE83AEAB}"/>
-          </ac:picMkLst>
-        </pc:picChg>
-        <pc:picChg chg="add mod ord">
-          <ac:chgData name="陈恩婷" userId="S::chenent@ms.sysu.edu.cn::121524e8-c78b-4465-a461-3edab42cf960" providerId="AD" clId="Web-{7E96E121-F512-3D4E-7634-11E7F95193A2}" dt="2021-05-23T12:45:02.662" v="21"/>
-          <ac:picMkLst>
-            <pc:docMk/>
-            <pc:sldMk cId="3386360409" sldId="263"/>
-            <ac:picMk id="5" creationId="{56D64595-7F6E-43C1-9CBF-531DAEF5ECE8}"/>
-          </ac:picMkLst>
-        </pc:picChg>
-        <pc:picChg chg="add mod">
-          <ac:chgData name="陈恩婷" userId="S::chenent@ms.sysu.edu.cn::121524e8-c78b-4465-a461-3edab42cf960" providerId="AD" clId="Web-{7E96E121-F512-3D4E-7634-11E7F95193A2}" dt="2021-05-23T12:45:02.662" v="21"/>
-          <ac:picMkLst>
-            <pc:docMk/>
-            <pc:sldMk cId="3386360409" sldId="263"/>
-            <ac:picMk id="6" creationId="{E564B181-FD8E-4368-95CE-78DC64479B3A}"/>
-          </ac:picMkLst>
-        </pc:picChg>
-        <pc:cxnChg chg="add del">
-          <ac:chgData name="陈恩婷" userId="S::chenent@ms.sysu.edu.cn::121524e8-c78b-4465-a461-3edab42cf960" providerId="AD" clId="Web-{7E96E121-F512-3D4E-7634-11E7F95193A2}" dt="2021-05-23T12:45:02.646" v="20"/>
-          <ac:cxnSpMkLst>
-            <pc:docMk/>
-            <pc:sldMk cId="3386360409" sldId="263"/>
-            <ac:cxnSpMk id="10" creationId="{BEFAE2A0-B30D-40C7-BB2F-AE3D6D5D001F}"/>
-          </ac:cxnSpMkLst>
-        </pc:cxnChg>
-        <pc:cxnChg chg="add del">
-          <ac:chgData name="陈恩婷" userId="S::chenent@ms.sysu.edu.cn::121524e8-c78b-4465-a461-3edab42cf960" providerId="AD" clId="Web-{7E96E121-F512-3D4E-7634-11E7F95193A2}" dt="2021-05-23T12:44:55.724" v="18"/>
-          <ac:cxnSpMkLst>
-            <pc:docMk/>
-            <pc:sldMk cId="3386360409" sldId="263"/>
-            <ac:cxnSpMk id="15" creationId="{BEFAE2A0-B30D-40C7-BB2F-AE3D6D5D001F}"/>
-          </ac:cxnSpMkLst>
-        </pc:cxnChg>
-        <pc:cxnChg chg="add del">
-          <ac:chgData name="陈恩婷" userId="S::chenent@ms.sysu.edu.cn::121524e8-c78b-4465-a461-3edab42cf960" providerId="AD" clId="Web-{7E96E121-F512-3D4E-7634-11E7F95193A2}" dt="2021-05-23T12:45:02.646" v="20"/>
-          <ac:cxnSpMkLst>
-            <pc:docMk/>
-            <pc:sldMk cId="3386360409" sldId="263"/>
-            <ac:cxnSpMk id="18" creationId="{73A16B78-E8EF-4C99-BDA5-80142980AE93}"/>
-          </ac:cxnSpMkLst>
-        </pc:cxnChg>
-        <pc:cxnChg chg="add">
-          <ac:chgData name="陈恩婷" userId="S::chenent@ms.sysu.edu.cn::121524e8-c78b-4465-a461-3edab42cf960" providerId="AD" clId="Web-{7E96E121-F512-3D4E-7634-11E7F95193A2}" dt="2021-05-23T12:45:02.662" v="21"/>
-          <ac:cxnSpMkLst>
-            <pc:docMk/>
-            <pc:sldMk cId="3386360409" sldId="263"/>
-            <ac:cxnSpMk id="26" creationId="{BEFAE2A0-B30D-40C7-BB2F-AE3D6D5D001F}"/>
-          </ac:cxnSpMkLst>
-        </pc:cxnChg>
-      </pc:sldChg>
-    </pc:docChg>
-  </pc:docChgLst>
-  <pc:docChgLst>
-    <pc:chgData name="陈恩婷" userId="S::chenent@ms.sysu.edu.cn::121524e8-c78b-4465-a461-3edab42cf960" providerId="AD" clId="Web-{A0681675-83F4-B035-5D98-2B1A8E4DE79E}"/>
-    <pc:docChg chg="delSld modSld">
-      <pc:chgData name="陈恩婷" userId="S::chenent@ms.sysu.edu.cn::121524e8-c78b-4465-a461-3edab42cf960" providerId="AD" clId="Web-{A0681675-83F4-B035-5D98-2B1A8E4DE79E}" dt="2021-05-22T12:58:08.845" v="41"/>
-      <pc:docMkLst>
-        <pc:docMk/>
-      </pc:docMkLst>
-      <pc:sldChg chg="modNotes">
-        <pc:chgData name="陈恩婷" userId="S::chenent@ms.sysu.edu.cn::121524e8-c78b-4465-a461-3edab42cf960" providerId="AD" clId="Web-{A0681675-83F4-B035-5D98-2B1A8E4DE79E}" dt="2021-05-22T12:58:00.033" v="40"/>
-        <pc:sldMkLst>
-          <pc:docMk/>
-          <pc:sldMk cId="4086405746" sldId="257"/>
-        </pc:sldMkLst>
-      </pc:sldChg>
-      <pc:sldChg chg="modSp">
-        <pc:chgData name="陈恩婷" userId="S::chenent@ms.sysu.edu.cn::121524e8-c78b-4465-a461-3edab42cf960" providerId="AD" clId="Web-{A0681675-83F4-B035-5D98-2B1A8E4DE79E}" dt="2021-05-22T12:56:40.715" v="25" actId="20577"/>
-        <pc:sldMkLst>
-          <pc:docMk/>
-          <pc:sldMk cId="1946268039" sldId="259"/>
-        </pc:sldMkLst>
-        <pc:spChg chg="mod">
-          <ac:chgData name="陈恩婷" userId="S::chenent@ms.sysu.edu.cn::121524e8-c78b-4465-a461-3edab42cf960" providerId="AD" clId="Web-{A0681675-83F4-B035-5D98-2B1A8E4DE79E}" dt="2021-05-22T12:56:40.715" v="25" actId="20577"/>
-          <ac:spMkLst>
-            <pc:docMk/>
-            <pc:sldMk cId="1946268039" sldId="259"/>
-            <ac:spMk id="3" creationId="{5C75B50E-5BE1-4A07-82A3-95F37C1B1F1A}"/>
-          </ac:spMkLst>
-        </pc:spChg>
-      </pc:sldChg>
-      <pc:sldChg chg="modSp">
-        <pc:chgData name="陈恩婷" userId="S::chenent@ms.sysu.edu.cn::121524e8-c78b-4465-a461-3edab42cf960" providerId="AD" clId="Web-{A0681675-83F4-B035-5D98-2B1A8E4DE79E}" dt="2021-05-22T12:54:55.028" v="2"/>
-        <pc:sldMkLst>
-          <pc:docMk/>
-          <pc:sldMk cId="248967813" sldId="261"/>
-        </pc:sldMkLst>
-        <pc:spChg chg="mod">
-          <ac:chgData name="陈恩婷" userId="S::chenent@ms.sysu.edu.cn::121524e8-c78b-4465-a461-3edab42cf960" providerId="AD" clId="Web-{A0681675-83F4-B035-5D98-2B1A8E4DE79E}" dt="2021-05-22T12:52:51.918" v="0"/>
-          <ac:spMkLst>
-            <pc:docMk/>
-            <pc:sldMk cId="248967813" sldId="261"/>
-            <ac:spMk id="2" creationId="{23968D9C-BDD4-4621-B769-EE769DBDC4BE}"/>
-          </ac:spMkLst>
-        </pc:spChg>
-        <pc:spChg chg="mod">
-          <ac:chgData name="陈恩婷" userId="S::chenent@ms.sysu.edu.cn::121524e8-c78b-4465-a461-3edab42cf960" providerId="AD" clId="Web-{A0681675-83F4-B035-5D98-2B1A8E4DE79E}" dt="2021-05-22T12:54:55.028" v="2"/>
-          <ac:spMkLst>
-            <pc:docMk/>
-            <pc:sldMk cId="248967813" sldId="261"/>
-            <ac:spMk id="3" creationId="{FFCAFA71-F85C-4916-8102-0D04871EB89D}"/>
-          </ac:spMkLst>
-        </pc:spChg>
-      </pc:sldChg>
-      <pc:sldChg chg="modSp del">
-        <pc:chgData name="陈恩婷" userId="S::chenent@ms.sysu.edu.cn::121524e8-c78b-4465-a461-3edab42cf960" providerId="AD" clId="Web-{A0681675-83F4-B035-5D98-2B1A8E4DE79E}" dt="2021-05-22T12:58:08.845" v="41"/>
-        <pc:sldMkLst>
-          <pc:docMk/>
-          <pc:sldMk cId="2149891297" sldId="262"/>
-        </pc:sldMkLst>
-        <pc:spChg chg="mod">
-          <ac:chgData name="陈恩婷" userId="S::chenent@ms.sysu.edu.cn::121524e8-c78b-4465-a461-3edab42cf960" providerId="AD" clId="Web-{A0681675-83F4-B035-5D98-2B1A8E4DE79E}" dt="2021-05-22T12:55:07.168" v="3"/>
-          <ac:spMkLst>
-            <pc:docMk/>
-            <pc:sldMk cId="2149891297" sldId="262"/>
-            <ac:spMk id="2" creationId="{7B8FAC80-0CE6-4F80-9877-22A47380B255}"/>
-          </ac:spMkLst>
-        </pc:spChg>
-        <pc:spChg chg="mod">
-          <ac:chgData name="陈恩婷" userId="S::chenent@ms.sysu.edu.cn::121524e8-c78b-4465-a461-3edab42cf960" providerId="AD" clId="Web-{A0681675-83F4-B035-5D98-2B1A8E4DE79E}" dt="2021-05-22T12:56:47.387" v="26"/>
-          <ac:spMkLst>
-            <pc:docMk/>
-            <pc:sldMk cId="2149891297" sldId="262"/>
-            <ac:spMk id="3" creationId="{268A4CD0-DA24-4FFD-87DC-E0525426943E}"/>
-          </ac:spMkLst>
-        </pc:spChg>
-      </pc:sldChg>
-    </pc:docChg>
-  </pc:docChgLst>
-  <pc:docChgLst>
-    <pc:chgData name="陈恩婷" userId="S::chenent@ms.sysu.edu.cn::121524e8-c78b-4465-a461-3edab42cf960" providerId="AD" clId="Web-{C1F66314-38A4-65AC-7338-7C4E844C6282}"/>
-    <pc:docChg chg="modSld">
-      <pc:chgData name="陈恩婷" userId="S::chenent@ms.sysu.edu.cn::121524e8-c78b-4465-a461-3edab42cf960" providerId="AD" clId="Web-{C1F66314-38A4-65AC-7338-7C4E844C6282}" dt="2021-05-23T12:01:17.884" v="0" actId="1076"/>
-      <pc:docMkLst>
-        <pc:docMk/>
-      </pc:docMkLst>
-      <pc:sldChg chg="modSp">
-        <pc:chgData name="陈恩婷" userId="S::chenent@ms.sysu.edu.cn::121524e8-c78b-4465-a461-3edab42cf960" providerId="AD" clId="Web-{C1F66314-38A4-65AC-7338-7C4E844C6282}" dt="2021-05-23T12:01:17.884" v="0" actId="1076"/>
-        <pc:sldMkLst>
-          <pc:docMk/>
-          <pc:sldMk cId="556245329" sldId="262"/>
-        </pc:sldMkLst>
-        <pc:picChg chg="mod">
-          <ac:chgData name="陈恩婷" userId="S::chenent@ms.sysu.edu.cn::121524e8-c78b-4465-a461-3edab42cf960" providerId="AD" clId="Web-{C1F66314-38A4-65AC-7338-7C4E844C6282}" dt="2021-05-23T12:01:17.884" v="0" actId="1076"/>
-          <ac:picMkLst>
-            <pc:docMk/>
-            <pc:sldMk cId="556245329" sldId="262"/>
-            <ac:picMk id="5" creationId="{C1D2E16A-AF9F-4B85-83B0-2A1367DF68E8}"/>
-          </ac:picMkLst>
-        </pc:picChg>
-      </pc:sldChg>
-    </pc:docChg>
-  </pc:docChgLst>
-  <pc:docChgLst>
-    <pc:chgData name="陈恩婷" userId="S::chenent@ms.sysu.edu.cn::121524e8-c78b-4465-a461-3edab42cf960" providerId="AD" clId="Web-{E2363116-5540-EF68-DC9F-76A7314B5903}"/>
-    <pc:docChg chg="addSld modSld">
-      <pc:chgData name="陈恩婷" userId="S::chenent@ms.sysu.edu.cn::121524e8-c78b-4465-a461-3edab42cf960" providerId="AD" clId="Web-{E2363116-5540-EF68-DC9F-76A7314B5903}" dt="2021-05-22T12:51:01.288" v="542" actId="20577"/>
-      <pc:docMkLst>
-        <pc:docMk/>
-      </pc:docMkLst>
-      <pc:sldChg chg="modSp">
-        <pc:chgData name="陈恩婷" userId="S::chenent@ms.sysu.edu.cn::121524e8-c78b-4465-a461-3edab42cf960" providerId="AD" clId="Web-{E2363116-5540-EF68-DC9F-76A7314B5903}" dt="2021-05-22T12:21:25.195" v="135"/>
-        <pc:sldMkLst>
-          <pc:docMk/>
-          <pc:sldMk cId="1462570846" sldId="256"/>
-        </pc:sldMkLst>
-        <pc:spChg chg="mod">
-          <ac:chgData name="陈恩婷" userId="S::chenent@ms.sysu.edu.cn::121524e8-c78b-4465-a461-3edab42cf960" providerId="AD" clId="Web-{E2363116-5540-EF68-DC9F-76A7314B5903}" dt="2021-05-22T12:11:52.608" v="47" actId="20577"/>
-          <ac:spMkLst>
-            <pc:docMk/>
-            <pc:sldMk cId="1462570846" sldId="256"/>
-            <ac:spMk id="2" creationId="{F6DDF551-7BDC-4189-8EC1-EC4A73CE6E73}"/>
-          </ac:spMkLst>
-        </pc:spChg>
-        <pc:spChg chg="mod">
-          <ac:chgData name="陈恩婷" userId="S::chenent@ms.sysu.edu.cn::121524e8-c78b-4465-a461-3edab42cf960" providerId="AD" clId="Web-{E2363116-5540-EF68-DC9F-76A7314B5903}" dt="2021-05-22T12:21:25.195" v="135"/>
-          <ac:spMkLst>
-            <pc:docMk/>
-            <pc:sldMk cId="1462570846" sldId="256"/>
-            <ac:spMk id="3" creationId="{BBFC9D1E-FF5D-4FB7-BF5D-B5254320024D}"/>
-          </ac:spMkLst>
-        </pc:spChg>
-      </pc:sldChg>
-      <pc:sldChg chg="modSp new">
-        <pc:chgData name="陈恩婷" userId="S::chenent@ms.sysu.edu.cn::121524e8-c78b-4465-a461-3edab42cf960" providerId="AD" clId="Web-{E2363116-5540-EF68-DC9F-76A7314B5903}" dt="2021-05-22T12:18:35.449" v="134" actId="20577"/>
-        <pc:sldMkLst>
-          <pc:docMk/>
-          <pc:sldMk cId="4086405746" sldId="257"/>
-        </pc:sldMkLst>
-        <pc:spChg chg="mod">
-          <ac:chgData name="陈恩婷" userId="S::chenent@ms.sysu.edu.cn::121524e8-c78b-4465-a461-3edab42cf960" providerId="AD" clId="Web-{E2363116-5540-EF68-DC9F-76A7314B5903}" dt="2021-05-22T12:15:29.447" v="68" actId="20577"/>
-          <ac:spMkLst>
-            <pc:docMk/>
-            <pc:sldMk cId="4086405746" sldId="257"/>
-            <ac:spMk id="2" creationId="{8ACDAE53-0620-4798-96E3-55C67BF7AF2E}"/>
-          </ac:spMkLst>
-        </pc:spChg>
-        <pc:spChg chg="mod">
-          <ac:chgData name="陈恩婷" userId="S::chenent@ms.sysu.edu.cn::121524e8-c78b-4465-a461-3edab42cf960" providerId="AD" clId="Web-{E2363116-5540-EF68-DC9F-76A7314B5903}" dt="2021-05-22T12:18:35.449" v="134" actId="20577"/>
-          <ac:spMkLst>
-            <pc:docMk/>
-            <pc:sldMk cId="4086405746" sldId="257"/>
-            <ac:spMk id="3" creationId="{8949C34B-5C55-4570-B7BB-3C3AA9018C3B}"/>
-          </ac:spMkLst>
-        </pc:spChg>
-      </pc:sldChg>
-      <pc:sldChg chg="modSp">
-        <pc:chgData name="陈恩婷" userId="S::chenent@ms.sysu.edu.cn::121524e8-c78b-4465-a461-3edab42cf960" providerId="AD" clId="Web-{E2363116-5540-EF68-DC9F-76A7314B5903}" dt="2021-05-22T12:28:51.913" v="330" actId="20577"/>
-        <pc:sldMkLst>
-          <pc:docMk/>
-          <pc:sldMk cId="616393734" sldId="258"/>
-        </pc:sldMkLst>
-        <pc:spChg chg="mod">
-          <ac:chgData name="陈恩婷" userId="S::chenent@ms.sysu.edu.cn::121524e8-c78b-4465-a461-3edab42cf960" providerId="AD" clId="Web-{E2363116-5540-EF68-DC9F-76A7314B5903}" dt="2021-05-22T12:15:41.572" v="69"/>
-          <ac:spMkLst>
-            <pc:docMk/>
-            <pc:sldMk cId="616393734" sldId="258"/>
-            <ac:spMk id="2" creationId="{48DF89A8-860C-46FE-936C-91B25D375020}"/>
-          </ac:spMkLst>
-        </pc:spChg>
-        <pc:spChg chg="mod">
-          <ac:chgData name="陈恩婷" userId="S::chenent@ms.sysu.edu.cn::121524e8-c78b-4465-a461-3edab42cf960" providerId="AD" clId="Web-{E2363116-5540-EF68-DC9F-76A7314B5903}" dt="2021-05-22T12:28:51.913" v="330" actId="20577"/>
-          <ac:spMkLst>
-            <pc:docMk/>
-            <pc:sldMk cId="616393734" sldId="258"/>
-            <ac:spMk id="3" creationId="{8B798B28-8FB8-4931-A121-4E813374C853}"/>
-          </ac:spMkLst>
-        </pc:spChg>
-      </pc:sldChg>
-      <pc:sldChg chg="modSp">
-        <pc:chgData name="陈恩婷" userId="S::chenent@ms.sysu.edu.cn::121524e8-c78b-4465-a461-3edab42cf960" providerId="AD" clId="Web-{E2363116-5540-EF68-DC9F-76A7314B5903}" dt="2021-05-22T12:38:18.131" v="527" actId="20577"/>
-        <pc:sldMkLst>
-          <pc:docMk/>
-          <pc:sldMk cId="1946268039" sldId="259"/>
-        </pc:sldMkLst>
-        <pc:spChg chg="mod">
-          <ac:chgData name="陈恩婷" userId="S::chenent@ms.sysu.edu.cn::121524e8-c78b-4465-a461-3edab42cf960" providerId="AD" clId="Web-{E2363116-5540-EF68-DC9F-76A7314B5903}" dt="2021-05-22T12:15:54.604" v="70"/>
-          <ac:spMkLst>
-            <pc:docMk/>
-            <pc:sldMk cId="1946268039" sldId="259"/>
-            <ac:spMk id="2" creationId="{46408E08-8220-499C-B463-91FF3FB2C151}"/>
-          </ac:spMkLst>
-        </pc:spChg>
-        <pc:spChg chg="mod">
-          <ac:chgData name="陈恩婷" userId="S::chenent@ms.sysu.edu.cn::121524e8-c78b-4465-a461-3edab42cf960" providerId="AD" clId="Web-{E2363116-5540-EF68-DC9F-76A7314B5903}" dt="2021-05-22T12:38:18.131" v="527" actId="20577"/>
-          <ac:spMkLst>
-            <pc:docMk/>
-            <pc:sldMk cId="1946268039" sldId="259"/>
-            <ac:spMk id="3" creationId="{5C75B50E-5BE1-4A07-82A3-95F37C1B1F1A}"/>
-          </ac:spMkLst>
-        </pc:spChg>
-      </pc:sldChg>
-      <pc:sldChg chg="modSp">
-        <pc:chgData name="陈恩婷" userId="S::chenent@ms.sysu.edu.cn::121524e8-c78b-4465-a461-3edab42cf960" providerId="AD" clId="Web-{E2363116-5540-EF68-DC9F-76A7314B5903}" dt="2021-05-22T12:38:26.912" v="528"/>
-        <pc:sldMkLst>
-          <pc:docMk/>
-          <pc:sldMk cId="1694496651" sldId="260"/>
-        </pc:sldMkLst>
-        <pc:spChg chg="mod">
-          <ac:chgData name="陈恩婷" userId="S::chenent@ms.sysu.edu.cn::121524e8-c78b-4465-a461-3edab42cf960" providerId="AD" clId="Web-{E2363116-5540-EF68-DC9F-76A7314B5903}" dt="2021-05-22T12:38:26.912" v="528"/>
-          <ac:spMkLst>
-            <pc:docMk/>
-            <pc:sldMk cId="1694496651" sldId="260"/>
-            <ac:spMk id="2" creationId="{A6CC5602-0FCF-4C28-A043-50434C0FF771}"/>
-          </ac:spMkLst>
-        </pc:spChg>
-      </pc:sldChg>
-      <pc:sldChg chg="modSp new">
-        <pc:chgData name="陈恩婷" userId="S::chenent@ms.sysu.edu.cn::121524e8-c78b-4465-a461-3edab42cf960" providerId="AD" clId="Web-{E2363116-5540-EF68-DC9F-76A7314B5903}" dt="2021-05-22T12:51:01.288" v="542" actId="20577"/>
-        <pc:sldMkLst>
-          <pc:docMk/>
-          <pc:sldMk cId="2149891297" sldId="262"/>
-        </pc:sldMkLst>
-        <pc:spChg chg="mod">
-          <ac:chgData name="陈恩婷" userId="S::chenent@ms.sysu.edu.cn::121524e8-c78b-4465-a461-3edab42cf960" providerId="AD" clId="Web-{E2363116-5540-EF68-DC9F-76A7314B5903}" dt="2021-05-22T12:49:00.862" v="531" actId="20577"/>
-          <ac:spMkLst>
-            <pc:docMk/>
-            <pc:sldMk cId="2149891297" sldId="262"/>
-            <ac:spMk id="2" creationId="{7B8FAC80-0CE6-4F80-9877-22A47380B255}"/>
-          </ac:spMkLst>
-        </pc:spChg>
-        <pc:spChg chg="mod">
-          <ac:chgData name="陈恩婷" userId="S::chenent@ms.sysu.edu.cn::121524e8-c78b-4465-a461-3edab42cf960" providerId="AD" clId="Web-{E2363116-5540-EF68-DC9F-76A7314B5903}" dt="2021-05-22T12:51:01.288" v="542" actId="20577"/>
-          <ac:spMkLst>
-            <pc:docMk/>
-            <pc:sldMk cId="2149891297" sldId="262"/>
-            <ac:spMk id="3" creationId="{268A4CD0-DA24-4FFD-87DC-E0525426943E}"/>
-          </ac:spMkLst>
-        </pc:spChg>
-      </pc:sldChg>
-    </pc:docChg>
-  </pc:docChgLst>
-</pc:chgInfo>
 </file>
 
 <file path=ppt/charts/chart1.xml><?xml version="1.0" encoding="utf-8"?>
@@ -2986,6 +2256,5930 @@
 </cs:chartStyle>
 </file>
 
+<file path=ppt/diagrams/colors1.xml><?xml version="1.0" encoding="utf-8"?>
+<dgm:colorsDef xmlns:dgm="http://schemas.openxmlformats.org/drawingml/2006/diagram" xmlns:a="http://schemas.openxmlformats.org/drawingml/2006/main" uniqueId="urn:microsoft.com/office/officeart/2005/8/colors/accent3_2">
+  <dgm:title val=""/>
+  <dgm:desc val=""/>
+  <dgm:catLst>
+    <dgm:cat type="accent3" pri="11200"/>
+  </dgm:catLst>
+  <dgm:styleLbl name="node0">
+    <dgm:fillClrLst meth="repeat">
+      <a:schemeClr val="accent3"/>
+    </dgm:fillClrLst>
+    <dgm:linClrLst meth="repeat">
+      <a:schemeClr val="lt1"/>
+    </dgm:linClrLst>
+    <dgm:effectClrLst/>
+    <dgm:txLinClrLst/>
+    <dgm:txFillClrLst/>
+    <dgm:txEffectClrLst/>
+  </dgm:styleLbl>
+  <dgm:styleLbl name="node1">
+    <dgm:fillClrLst meth="repeat">
+      <a:schemeClr val="accent3"/>
+    </dgm:fillClrLst>
+    <dgm:linClrLst meth="repeat">
+      <a:schemeClr val="lt1"/>
+    </dgm:linClrLst>
+    <dgm:effectClrLst/>
+    <dgm:txLinClrLst/>
+    <dgm:txFillClrLst/>
+    <dgm:txEffectClrLst/>
+  </dgm:styleLbl>
+  <dgm:styleLbl name="alignNode1">
+    <dgm:fillClrLst meth="repeat">
+      <a:schemeClr val="accent3"/>
+    </dgm:fillClrLst>
+    <dgm:linClrLst meth="repeat">
+      <a:schemeClr val="accent3"/>
+    </dgm:linClrLst>
+    <dgm:effectClrLst/>
+    <dgm:txLinClrLst/>
+    <dgm:txFillClrLst/>
+    <dgm:txEffectClrLst/>
+  </dgm:styleLbl>
+  <dgm:styleLbl name="lnNode1">
+    <dgm:fillClrLst meth="repeat">
+      <a:schemeClr val="accent3"/>
+    </dgm:fillClrLst>
+    <dgm:linClrLst meth="repeat">
+      <a:schemeClr val="lt1"/>
+    </dgm:linClrLst>
+    <dgm:effectClrLst/>
+    <dgm:txLinClrLst/>
+    <dgm:txFillClrLst/>
+    <dgm:txEffectClrLst/>
+  </dgm:styleLbl>
+  <dgm:styleLbl name="vennNode1">
+    <dgm:fillClrLst meth="repeat">
+      <a:schemeClr val="accent3">
+        <a:alpha val="50000"/>
+      </a:schemeClr>
+    </dgm:fillClrLst>
+    <dgm:linClrLst meth="repeat">
+      <a:schemeClr val="lt1"/>
+    </dgm:linClrLst>
+    <dgm:effectClrLst/>
+    <dgm:txLinClrLst/>
+    <dgm:txFillClrLst/>
+    <dgm:txEffectClrLst/>
+  </dgm:styleLbl>
+  <dgm:styleLbl name="node2">
+    <dgm:fillClrLst meth="repeat">
+      <a:schemeClr val="accent3"/>
+    </dgm:fillClrLst>
+    <dgm:linClrLst meth="repeat">
+      <a:schemeClr val="lt1"/>
+    </dgm:linClrLst>
+    <dgm:effectClrLst/>
+    <dgm:txLinClrLst/>
+    <dgm:txFillClrLst/>
+    <dgm:txEffectClrLst/>
+  </dgm:styleLbl>
+  <dgm:styleLbl name="node3">
+    <dgm:fillClrLst meth="repeat">
+      <a:schemeClr val="accent3"/>
+    </dgm:fillClrLst>
+    <dgm:linClrLst meth="repeat">
+      <a:schemeClr val="lt1"/>
+    </dgm:linClrLst>
+    <dgm:effectClrLst/>
+    <dgm:txLinClrLst/>
+    <dgm:txFillClrLst/>
+    <dgm:txEffectClrLst/>
+  </dgm:styleLbl>
+  <dgm:styleLbl name="node4">
+    <dgm:fillClrLst meth="repeat">
+      <a:schemeClr val="accent3"/>
+    </dgm:fillClrLst>
+    <dgm:linClrLst meth="repeat">
+      <a:schemeClr val="lt1"/>
+    </dgm:linClrLst>
+    <dgm:effectClrLst/>
+    <dgm:txLinClrLst/>
+    <dgm:txFillClrLst/>
+    <dgm:txEffectClrLst/>
+  </dgm:styleLbl>
+  <dgm:styleLbl name="fgImgPlace1">
+    <dgm:fillClrLst meth="repeat">
+      <a:schemeClr val="accent3">
+        <a:tint val="50000"/>
+      </a:schemeClr>
+    </dgm:fillClrLst>
+    <dgm:linClrLst meth="repeat">
+      <a:schemeClr val="lt1"/>
+    </dgm:linClrLst>
+    <dgm:effectClrLst/>
+    <dgm:txLinClrLst/>
+    <dgm:txFillClrLst meth="repeat">
+      <a:schemeClr val="lt1"/>
+    </dgm:txFillClrLst>
+    <dgm:txEffectClrLst/>
+  </dgm:styleLbl>
+  <dgm:styleLbl name="alignImgPlace1">
+    <dgm:fillClrLst meth="repeat">
+      <a:schemeClr val="accent3">
+        <a:tint val="50000"/>
+      </a:schemeClr>
+    </dgm:fillClrLst>
+    <dgm:linClrLst meth="repeat">
+      <a:schemeClr val="lt1"/>
+    </dgm:linClrLst>
+    <dgm:effectClrLst/>
+    <dgm:txLinClrLst/>
+    <dgm:txFillClrLst meth="repeat">
+      <a:schemeClr val="lt1"/>
+    </dgm:txFillClrLst>
+    <dgm:txEffectClrLst/>
+  </dgm:styleLbl>
+  <dgm:styleLbl name="bgImgPlace1">
+    <dgm:fillClrLst meth="repeat">
+      <a:schemeClr val="accent3">
+        <a:tint val="50000"/>
+      </a:schemeClr>
+    </dgm:fillClrLst>
+    <dgm:linClrLst meth="repeat">
+      <a:schemeClr val="lt1"/>
+    </dgm:linClrLst>
+    <dgm:effectClrLst/>
+    <dgm:txLinClrLst/>
+    <dgm:txFillClrLst meth="repeat">
+      <a:schemeClr val="lt1"/>
+    </dgm:txFillClrLst>
+    <dgm:txEffectClrLst/>
+  </dgm:styleLbl>
+  <dgm:styleLbl name="sibTrans2D1">
+    <dgm:fillClrLst meth="repeat">
+      <a:schemeClr val="accent3">
+        <a:tint val="60000"/>
+      </a:schemeClr>
+    </dgm:fillClrLst>
+    <dgm:linClrLst meth="repeat">
+      <a:schemeClr val="accent3">
+        <a:tint val="60000"/>
+      </a:schemeClr>
+    </dgm:linClrLst>
+    <dgm:effectClrLst/>
+    <dgm:txLinClrLst/>
+    <dgm:txFillClrLst/>
+    <dgm:txEffectClrLst/>
+  </dgm:styleLbl>
+  <dgm:styleLbl name="fgSibTrans2D1">
+    <dgm:fillClrLst meth="repeat">
+      <a:schemeClr val="accent3">
+        <a:tint val="60000"/>
+      </a:schemeClr>
+    </dgm:fillClrLst>
+    <dgm:linClrLst meth="repeat">
+      <a:schemeClr val="accent3">
+        <a:tint val="60000"/>
+      </a:schemeClr>
+    </dgm:linClrLst>
+    <dgm:effectClrLst/>
+    <dgm:txLinClrLst/>
+    <dgm:txFillClrLst/>
+    <dgm:txEffectClrLst/>
+  </dgm:styleLbl>
+  <dgm:styleLbl name="bgSibTrans2D1">
+    <dgm:fillClrLst meth="repeat">
+      <a:schemeClr val="accent3">
+        <a:tint val="60000"/>
+      </a:schemeClr>
+    </dgm:fillClrLst>
+    <dgm:linClrLst meth="repeat">
+      <a:schemeClr val="accent3">
+        <a:tint val="60000"/>
+      </a:schemeClr>
+    </dgm:linClrLst>
+    <dgm:effectClrLst/>
+    <dgm:txLinClrLst/>
+    <dgm:txFillClrLst/>
+    <dgm:txEffectClrLst/>
+  </dgm:styleLbl>
+  <dgm:styleLbl name="sibTrans1D1">
+    <dgm:fillClrLst meth="repeat">
+      <a:schemeClr val="accent3"/>
+    </dgm:fillClrLst>
+    <dgm:linClrLst meth="repeat">
+      <a:schemeClr val="accent3"/>
+    </dgm:linClrLst>
+    <dgm:effectClrLst/>
+    <dgm:txLinClrLst/>
+    <dgm:txFillClrLst meth="repeat">
+      <a:schemeClr val="tx1"/>
+    </dgm:txFillClrLst>
+    <dgm:txEffectClrLst/>
+  </dgm:styleLbl>
+  <dgm:styleLbl name="callout">
+    <dgm:fillClrLst meth="repeat">
+      <a:schemeClr val="accent3"/>
+    </dgm:fillClrLst>
+    <dgm:linClrLst meth="repeat">
+      <a:schemeClr val="accent3">
+        <a:tint val="50000"/>
+      </a:schemeClr>
+    </dgm:linClrLst>
+    <dgm:effectClrLst/>
+    <dgm:txLinClrLst/>
+    <dgm:txFillClrLst meth="repeat">
+      <a:schemeClr val="tx1"/>
+    </dgm:txFillClrLst>
+    <dgm:txEffectClrLst/>
+  </dgm:styleLbl>
+  <dgm:styleLbl name="asst0">
+    <dgm:fillClrLst meth="repeat">
+      <a:schemeClr val="accent3"/>
+    </dgm:fillClrLst>
+    <dgm:linClrLst meth="repeat">
+      <a:schemeClr val="lt1"/>
+    </dgm:linClrLst>
+    <dgm:effectClrLst/>
+    <dgm:txLinClrLst/>
+    <dgm:txFillClrLst/>
+    <dgm:txEffectClrLst/>
+  </dgm:styleLbl>
+  <dgm:styleLbl name="asst1">
+    <dgm:fillClrLst meth="repeat">
+      <a:schemeClr val="accent3"/>
+    </dgm:fillClrLst>
+    <dgm:linClrLst meth="repeat">
+      <a:schemeClr val="lt1"/>
+    </dgm:linClrLst>
+    <dgm:effectClrLst/>
+    <dgm:txLinClrLst/>
+    <dgm:txFillClrLst/>
+    <dgm:txEffectClrLst/>
+  </dgm:styleLbl>
+  <dgm:styleLbl name="asst2">
+    <dgm:fillClrLst meth="repeat">
+      <a:schemeClr val="accent3"/>
+    </dgm:fillClrLst>
+    <dgm:linClrLst meth="repeat">
+      <a:schemeClr val="lt1"/>
+    </dgm:linClrLst>
+    <dgm:effectClrLst/>
+    <dgm:txLinClrLst/>
+    <dgm:txFillClrLst/>
+    <dgm:txEffectClrLst/>
+  </dgm:styleLbl>
+  <dgm:styleLbl name="asst3">
+    <dgm:fillClrLst meth="repeat">
+      <a:schemeClr val="accent3"/>
+    </dgm:fillClrLst>
+    <dgm:linClrLst meth="repeat">
+      <a:schemeClr val="lt1"/>
+    </dgm:linClrLst>
+    <dgm:effectClrLst/>
+    <dgm:txLinClrLst/>
+    <dgm:txFillClrLst/>
+    <dgm:txEffectClrLst/>
+  </dgm:styleLbl>
+  <dgm:styleLbl name="asst4">
+    <dgm:fillClrLst meth="repeat">
+      <a:schemeClr val="accent3"/>
+    </dgm:fillClrLst>
+    <dgm:linClrLst meth="repeat">
+      <a:schemeClr val="lt1"/>
+    </dgm:linClrLst>
+    <dgm:effectClrLst/>
+    <dgm:txLinClrLst/>
+    <dgm:txFillClrLst/>
+    <dgm:txEffectClrLst/>
+  </dgm:styleLbl>
+  <dgm:styleLbl name="parChTrans2D1">
+    <dgm:fillClrLst meth="repeat">
+      <a:schemeClr val="accent3">
+        <a:tint val="60000"/>
+      </a:schemeClr>
+    </dgm:fillClrLst>
+    <dgm:linClrLst meth="repeat">
+      <a:schemeClr val="accent3">
+        <a:tint val="60000"/>
+      </a:schemeClr>
+    </dgm:linClrLst>
+    <dgm:effectClrLst/>
+    <dgm:txLinClrLst/>
+    <dgm:txFillClrLst meth="repeat">
+      <a:schemeClr val="lt1"/>
+    </dgm:txFillClrLst>
+    <dgm:txEffectClrLst/>
+  </dgm:styleLbl>
+  <dgm:styleLbl name="parChTrans2D2">
+    <dgm:fillClrLst meth="repeat">
+      <a:schemeClr val="accent3"/>
+    </dgm:fillClrLst>
+    <dgm:linClrLst meth="repeat">
+      <a:schemeClr val="accent3"/>
+    </dgm:linClrLst>
+    <dgm:effectClrLst/>
+    <dgm:txLinClrLst/>
+    <dgm:txFillClrLst meth="repeat">
+      <a:schemeClr val="lt1"/>
+    </dgm:txFillClrLst>
+    <dgm:txEffectClrLst/>
+  </dgm:styleLbl>
+  <dgm:styleLbl name="parChTrans2D3">
+    <dgm:fillClrLst meth="repeat">
+      <a:schemeClr val="accent3"/>
+    </dgm:fillClrLst>
+    <dgm:linClrLst meth="repeat">
+      <a:schemeClr val="accent3"/>
+    </dgm:linClrLst>
+    <dgm:effectClrLst/>
+    <dgm:txLinClrLst/>
+    <dgm:txFillClrLst meth="repeat">
+      <a:schemeClr val="lt1"/>
+    </dgm:txFillClrLst>
+    <dgm:txEffectClrLst/>
+  </dgm:styleLbl>
+  <dgm:styleLbl name="parChTrans2D4">
+    <dgm:fillClrLst meth="repeat">
+      <a:schemeClr val="accent3"/>
+    </dgm:fillClrLst>
+    <dgm:linClrLst meth="repeat">
+      <a:schemeClr val="accent3"/>
+    </dgm:linClrLst>
+    <dgm:effectClrLst/>
+    <dgm:txLinClrLst/>
+    <dgm:txFillClrLst meth="repeat">
+      <a:schemeClr val="lt1"/>
+    </dgm:txFillClrLst>
+    <dgm:txEffectClrLst/>
+  </dgm:styleLbl>
+  <dgm:styleLbl name="parChTrans1D1">
+    <dgm:fillClrLst meth="repeat">
+      <a:schemeClr val="accent3"/>
+    </dgm:fillClrLst>
+    <dgm:linClrLst meth="repeat">
+      <a:schemeClr val="accent3">
+        <a:shade val="60000"/>
+      </a:schemeClr>
+    </dgm:linClrLst>
+    <dgm:effectClrLst/>
+    <dgm:txLinClrLst/>
+    <dgm:txFillClrLst meth="repeat">
+      <a:schemeClr val="tx1"/>
+    </dgm:txFillClrLst>
+    <dgm:txEffectClrLst/>
+  </dgm:styleLbl>
+  <dgm:styleLbl name="parChTrans1D2">
+    <dgm:fillClrLst meth="repeat">
+      <a:schemeClr val="accent3"/>
+    </dgm:fillClrLst>
+    <dgm:linClrLst meth="repeat">
+      <a:schemeClr val="accent3">
+        <a:shade val="60000"/>
+      </a:schemeClr>
+    </dgm:linClrLst>
+    <dgm:effectClrLst/>
+    <dgm:txLinClrLst/>
+    <dgm:txFillClrLst meth="repeat">
+      <a:schemeClr val="tx1"/>
+    </dgm:txFillClrLst>
+    <dgm:txEffectClrLst/>
+  </dgm:styleLbl>
+  <dgm:styleLbl name="parChTrans1D3">
+    <dgm:fillClrLst meth="repeat">
+      <a:schemeClr val="accent3"/>
+    </dgm:fillClrLst>
+    <dgm:linClrLst meth="repeat">
+      <a:schemeClr val="accent3">
+        <a:shade val="80000"/>
+      </a:schemeClr>
+    </dgm:linClrLst>
+    <dgm:effectClrLst/>
+    <dgm:txLinClrLst/>
+    <dgm:txFillClrLst meth="repeat">
+      <a:schemeClr val="tx1"/>
+    </dgm:txFillClrLst>
+    <dgm:txEffectClrLst/>
+  </dgm:styleLbl>
+  <dgm:styleLbl name="parChTrans1D4">
+    <dgm:fillClrLst meth="repeat">
+      <a:schemeClr val="accent3"/>
+    </dgm:fillClrLst>
+    <dgm:linClrLst meth="repeat">
+      <a:schemeClr val="accent3">
+        <a:shade val="80000"/>
+      </a:schemeClr>
+    </dgm:linClrLst>
+    <dgm:effectClrLst/>
+    <dgm:txLinClrLst/>
+    <dgm:txFillClrLst meth="repeat">
+      <a:schemeClr val="tx1"/>
+    </dgm:txFillClrLst>
+    <dgm:txEffectClrLst/>
+  </dgm:styleLbl>
+  <dgm:styleLbl name="fgAcc1">
+    <dgm:fillClrLst meth="repeat">
+      <a:schemeClr val="lt1">
+        <a:alpha val="90000"/>
+      </a:schemeClr>
+    </dgm:fillClrLst>
+    <dgm:linClrLst meth="repeat">
+      <a:schemeClr val="accent3"/>
+    </dgm:linClrLst>
+    <dgm:effectClrLst/>
+    <dgm:txLinClrLst/>
+    <dgm:txFillClrLst meth="repeat">
+      <a:schemeClr val="dk1"/>
+    </dgm:txFillClrLst>
+    <dgm:txEffectClrLst/>
+  </dgm:styleLbl>
+  <dgm:styleLbl name="conFgAcc1">
+    <dgm:fillClrLst meth="repeat">
+      <a:schemeClr val="lt1">
+        <a:alpha val="90000"/>
+      </a:schemeClr>
+    </dgm:fillClrLst>
+    <dgm:linClrLst meth="repeat">
+      <a:schemeClr val="accent3"/>
+    </dgm:linClrLst>
+    <dgm:effectClrLst/>
+    <dgm:txLinClrLst/>
+    <dgm:txFillClrLst meth="repeat">
+      <a:schemeClr val="dk1"/>
+    </dgm:txFillClrLst>
+    <dgm:txEffectClrLst/>
+  </dgm:styleLbl>
+  <dgm:styleLbl name="alignAcc1">
+    <dgm:fillClrLst meth="repeat">
+      <a:schemeClr val="lt1">
+        <a:alpha val="90000"/>
+      </a:schemeClr>
+    </dgm:fillClrLst>
+    <dgm:linClrLst meth="repeat">
+      <a:schemeClr val="accent3"/>
+    </dgm:linClrLst>
+    <dgm:effectClrLst/>
+    <dgm:txLinClrLst/>
+    <dgm:txFillClrLst meth="repeat">
+      <a:schemeClr val="dk1"/>
+    </dgm:txFillClrLst>
+    <dgm:txEffectClrLst/>
+  </dgm:styleLbl>
+  <dgm:styleLbl name="trAlignAcc1">
+    <dgm:fillClrLst meth="repeat">
+      <a:schemeClr val="lt1">
+        <a:alpha val="40000"/>
+      </a:schemeClr>
+    </dgm:fillClrLst>
+    <dgm:linClrLst meth="repeat">
+      <a:schemeClr val="accent3"/>
+    </dgm:linClrLst>
+    <dgm:effectClrLst/>
+    <dgm:txLinClrLst/>
+    <dgm:txFillClrLst meth="repeat">
+      <a:schemeClr val="dk1"/>
+    </dgm:txFillClrLst>
+    <dgm:txEffectClrLst/>
+  </dgm:styleLbl>
+  <dgm:styleLbl name="bgAcc1">
+    <dgm:fillClrLst meth="repeat">
+      <a:schemeClr val="lt1">
+        <a:alpha val="90000"/>
+      </a:schemeClr>
+    </dgm:fillClrLst>
+    <dgm:linClrLst meth="repeat">
+      <a:schemeClr val="accent3"/>
+    </dgm:linClrLst>
+    <dgm:effectClrLst/>
+    <dgm:txLinClrLst/>
+    <dgm:txFillClrLst meth="repeat">
+      <a:schemeClr val="dk1"/>
+    </dgm:txFillClrLst>
+    <dgm:txEffectClrLst/>
+  </dgm:styleLbl>
+  <dgm:styleLbl name="solidFgAcc1">
+    <dgm:fillClrLst meth="repeat">
+      <a:schemeClr val="lt1"/>
+    </dgm:fillClrLst>
+    <dgm:linClrLst meth="repeat">
+      <a:schemeClr val="accent3"/>
+    </dgm:linClrLst>
+    <dgm:effectClrLst/>
+    <dgm:txLinClrLst/>
+    <dgm:txFillClrLst meth="repeat">
+      <a:schemeClr val="dk1"/>
+    </dgm:txFillClrLst>
+    <dgm:txEffectClrLst/>
+  </dgm:styleLbl>
+  <dgm:styleLbl name="solidAlignAcc1">
+    <dgm:fillClrLst meth="repeat">
+      <a:schemeClr val="lt1"/>
+    </dgm:fillClrLst>
+    <dgm:linClrLst meth="repeat">
+      <a:schemeClr val="accent3"/>
+    </dgm:linClrLst>
+    <dgm:effectClrLst/>
+    <dgm:txLinClrLst/>
+    <dgm:txFillClrLst meth="repeat">
+      <a:schemeClr val="dk1"/>
+    </dgm:txFillClrLst>
+    <dgm:txEffectClrLst/>
+  </dgm:styleLbl>
+  <dgm:styleLbl name="solidBgAcc1">
+    <dgm:fillClrLst meth="repeat">
+      <a:schemeClr val="lt1"/>
+    </dgm:fillClrLst>
+    <dgm:linClrLst meth="repeat">
+      <a:schemeClr val="accent3"/>
+    </dgm:linClrLst>
+    <dgm:effectClrLst/>
+    <dgm:txLinClrLst/>
+    <dgm:txFillClrLst meth="repeat">
+      <a:schemeClr val="dk1"/>
+    </dgm:txFillClrLst>
+    <dgm:txEffectClrLst/>
+  </dgm:styleLbl>
+  <dgm:styleLbl name="fgAccFollowNode1">
+    <dgm:fillClrLst meth="repeat">
+      <a:schemeClr val="accent3">
+        <a:alpha val="90000"/>
+        <a:tint val="40000"/>
+      </a:schemeClr>
+    </dgm:fillClrLst>
+    <dgm:linClrLst meth="repeat">
+      <a:schemeClr val="accent3">
+        <a:alpha val="90000"/>
+        <a:tint val="40000"/>
+      </a:schemeClr>
+    </dgm:linClrLst>
+    <dgm:effectClrLst/>
+    <dgm:txLinClrLst/>
+    <dgm:txFillClrLst meth="repeat">
+      <a:schemeClr val="dk1"/>
+    </dgm:txFillClrLst>
+    <dgm:txEffectClrLst/>
+  </dgm:styleLbl>
+  <dgm:styleLbl name="alignAccFollowNode1">
+    <dgm:fillClrLst meth="repeat">
+      <a:schemeClr val="accent3">
+        <a:alpha val="90000"/>
+        <a:tint val="40000"/>
+      </a:schemeClr>
+    </dgm:fillClrLst>
+    <dgm:linClrLst meth="repeat">
+      <a:schemeClr val="accent3">
+        <a:alpha val="90000"/>
+        <a:tint val="40000"/>
+      </a:schemeClr>
+    </dgm:linClrLst>
+    <dgm:effectClrLst/>
+    <dgm:txLinClrLst/>
+    <dgm:txFillClrLst meth="repeat">
+      <a:schemeClr val="dk1"/>
+    </dgm:txFillClrLst>
+    <dgm:txEffectClrLst/>
+  </dgm:styleLbl>
+  <dgm:styleLbl name="bgAccFollowNode1">
+    <dgm:fillClrLst meth="repeat">
+      <a:schemeClr val="accent3">
+        <a:alpha val="90000"/>
+        <a:tint val="40000"/>
+      </a:schemeClr>
+    </dgm:fillClrLst>
+    <dgm:linClrLst meth="repeat">
+      <a:schemeClr val="accent3">
+        <a:alpha val="90000"/>
+        <a:tint val="40000"/>
+      </a:schemeClr>
+    </dgm:linClrLst>
+    <dgm:effectClrLst/>
+    <dgm:txLinClrLst/>
+    <dgm:txFillClrLst meth="repeat">
+      <a:schemeClr val="dk1"/>
+    </dgm:txFillClrLst>
+    <dgm:txEffectClrLst/>
+  </dgm:styleLbl>
+  <dgm:styleLbl name="fgAcc0">
+    <dgm:fillClrLst meth="repeat">
+      <a:schemeClr val="lt1">
+        <a:alpha val="90000"/>
+      </a:schemeClr>
+    </dgm:fillClrLst>
+    <dgm:linClrLst meth="repeat">
+      <a:schemeClr val="accent3"/>
+    </dgm:linClrLst>
+    <dgm:effectClrLst/>
+    <dgm:txLinClrLst/>
+    <dgm:txFillClrLst meth="repeat">
+      <a:schemeClr val="dk1"/>
+    </dgm:txFillClrLst>
+    <dgm:txEffectClrLst/>
+  </dgm:styleLbl>
+  <dgm:styleLbl name="fgAcc2">
+    <dgm:fillClrLst meth="repeat">
+      <a:schemeClr val="lt1">
+        <a:alpha val="90000"/>
+      </a:schemeClr>
+    </dgm:fillClrLst>
+    <dgm:linClrLst meth="repeat">
+      <a:schemeClr val="accent3"/>
+    </dgm:linClrLst>
+    <dgm:effectClrLst/>
+    <dgm:txLinClrLst/>
+    <dgm:txFillClrLst meth="repeat">
+      <a:schemeClr val="dk1"/>
+    </dgm:txFillClrLst>
+    <dgm:txEffectClrLst/>
+  </dgm:styleLbl>
+  <dgm:styleLbl name="fgAcc3">
+    <dgm:fillClrLst meth="repeat">
+      <a:schemeClr val="lt1">
+        <a:alpha val="90000"/>
+      </a:schemeClr>
+    </dgm:fillClrLst>
+    <dgm:linClrLst meth="repeat">
+      <a:schemeClr val="accent3"/>
+    </dgm:linClrLst>
+    <dgm:effectClrLst/>
+    <dgm:txLinClrLst/>
+    <dgm:txFillClrLst meth="repeat">
+      <a:schemeClr val="dk1"/>
+    </dgm:txFillClrLst>
+    <dgm:txEffectClrLst/>
+  </dgm:styleLbl>
+  <dgm:styleLbl name="fgAcc4">
+    <dgm:fillClrLst meth="repeat">
+      <a:schemeClr val="lt1">
+        <a:alpha val="90000"/>
+      </a:schemeClr>
+    </dgm:fillClrLst>
+    <dgm:linClrLst meth="repeat">
+      <a:schemeClr val="accent3"/>
+    </dgm:linClrLst>
+    <dgm:effectClrLst/>
+    <dgm:txLinClrLst/>
+    <dgm:txFillClrLst meth="repeat">
+      <a:schemeClr val="dk1"/>
+    </dgm:txFillClrLst>
+    <dgm:txEffectClrLst/>
+  </dgm:styleLbl>
+  <dgm:styleLbl name="bgShp">
+    <dgm:fillClrLst meth="repeat">
+      <a:schemeClr val="accent3">
+        <a:tint val="40000"/>
+      </a:schemeClr>
+    </dgm:fillClrLst>
+    <dgm:linClrLst meth="repeat">
+      <a:schemeClr val="accent3"/>
+    </dgm:linClrLst>
+    <dgm:effectClrLst/>
+    <dgm:txLinClrLst/>
+    <dgm:txFillClrLst meth="repeat">
+      <a:schemeClr val="dk1"/>
+    </dgm:txFillClrLst>
+    <dgm:txEffectClrLst/>
+  </dgm:styleLbl>
+  <dgm:styleLbl name="dkBgShp">
+    <dgm:fillClrLst meth="repeat">
+      <a:schemeClr val="accent3">
+        <a:shade val="80000"/>
+      </a:schemeClr>
+    </dgm:fillClrLst>
+    <dgm:linClrLst meth="repeat">
+      <a:schemeClr val="accent3"/>
+    </dgm:linClrLst>
+    <dgm:effectClrLst/>
+    <dgm:txLinClrLst/>
+    <dgm:txFillClrLst meth="repeat">
+      <a:schemeClr val="lt1"/>
+    </dgm:txFillClrLst>
+    <dgm:txEffectClrLst/>
+  </dgm:styleLbl>
+  <dgm:styleLbl name="trBgShp">
+    <dgm:fillClrLst meth="repeat">
+      <a:schemeClr val="accent3">
+        <a:tint val="50000"/>
+        <a:alpha val="40000"/>
+      </a:schemeClr>
+    </dgm:fillClrLst>
+    <dgm:linClrLst meth="repeat">
+      <a:schemeClr val="accent3"/>
+    </dgm:linClrLst>
+    <dgm:effectClrLst/>
+    <dgm:txLinClrLst/>
+    <dgm:txFillClrLst meth="repeat">
+      <a:schemeClr val="lt1"/>
+    </dgm:txFillClrLst>
+    <dgm:txEffectClrLst/>
+  </dgm:styleLbl>
+  <dgm:styleLbl name="fgShp">
+    <dgm:fillClrLst meth="repeat">
+      <a:schemeClr val="accent3">
+        <a:tint val="60000"/>
+      </a:schemeClr>
+    </dgm:fillClrLst>
+    <dgm:linClrLst meth="repeat">
+      <a:schemeClr val="lt1"/>
+    </dgm:linClrLst>
+    <dgm:effectClrLst/>
+    <dgm:txLinClrLst/>
+    <dgm:txFillClrLst meth="repeat">
+      <a:schemeClr val="dk1"/>
+    </dgm:txFillClrLst>
+    <dgm:txEffectClrLst/>
+  </dgm:styleLbl>
+  <dgm:styleLbl name="revTx">
+    <dgm:fillClrLst meth="repeat">
+      <a:schemeClr val="lt1">
+        <a:alpha val="0"/>
+      </a:schemeClr>
+    </dgm:fillClrLst>
+    <dgm:linClrLst meth="repeat">
+      <a:schemeClr val="dk1">
+        <a:alpha val="0"/>
+      </a:schemeClr>
+    </dgm:linClrLst>
+    <dgm:effectClrLst/>
+    <dgm:txLinClrLst/>
+    <dgm:txFillClrLst meth="repeat">
+      <a:schemeClr val="tx1"/>
+    </dgm:txFillClrLst>
+    <dgm:txEffectClrLst/>
+  </dgm:styleLbl>
+</dgm:colorsDef>
+</file>
+
+<file path=ppt/diagrams/colors2.xml><?xml version="1.0" encoding="utf-8"?>
+<dgm:colorsDef xmlns:dgm="http://schemas.openxmlformats.org/drawingml/2006/diagram" xmlns:a="http://schemas.openxmlformats.org/drawingml/2006/main" uniqueId="urn:microsoft.com/office/officeart/2005/8/colors/colorful2">
+  <dgm:title val=""/>
+  <dgm:desc val=""/>
+  <dgm:catLst>
+    <dgm:cat type="colorful" pri="10200"/>
+  </dgm:catLst>
+  <dgm:styleLbl name="node0">
+    <dgm:fillClrLst meth="repeat">
+      <a:schemeClr val="accent1"/>
+    </dgm:fillClrLst>
+    <dgm:linClrLst meth="repeat">
+      <a:schemeClr val="lt1"/>
+    </dgm:linClrLst>
+    <dgm:effectClrLst/>
+    <dgm:txLinClrLst/>
+    <dgm:txFillClrLst/>
+    <dgm:txEffectClrLst/>
+  </dgm:styleLbl>
+  <dgm:styleLbl name="node1">
+    <dgm:fillClrLst>
+      <a:schemeClr val="accent2"/>
+      <a:schemeClr val="accent3"/>
+    </dgm:fillClrLst>
+    <dgm:linClrLst meth="repeat">
+      <a:schemeClr val="lt1"/>
+    </dgm:linClrLst>
+    <dgm:effectClrLst/>
+    <dgm:txLinClrLst/>
+    <dgm:txFillClrLst/>
+    <dgm:txEffectClrLst/>
+  </dgm:styleLbl>
+  <dgm:styleLbl name="alignNode1">
+    <dgm:fillClrLst>
+      <a:schemeClr val="accent2"/>
+      <a:schemeClr val="accent3"/>
+    </dgm:fillClrLst>
+    <dgm:linClrLst>
+      <a:schemeClr val="accent2"/>
+      <a:schemeClr val="accent3"/>
+    </dgm:linClrLst>
+    <dgm:effectClrLst/>
+    <dgm:txLinClrLst/>
+    <dgm:txFillClrLst/>
+    <dgm:txEffectClrLst/>
+  </dgm:styleLbl>
+  <dgm:styleLbl name="lnNode1">
+    <dgm:fillClrLst>
+      <a:schemeClr val="accent2"/>
+      <a:schemeClr val="accent3"/>
+    </dgm:fillClrLst>
+    <dgm:linClrLst meth="repeat">
+      <a:schemeClr val="lt1"/>
+    </dgm:linClrLst>
+    <dgm:effectClrLst/>
+    <dgm:txLinClrLst/>
+    <dgm:txFillClrLst/>
+    <dgm:txEffectClrLst/>
+  </dgm:styleLbl>
+  <dgm:styleLbl name="vennNode1">
+    <dgm:fillClrLst>
+      <a:schemeClr val="accent2">
+        <a:alpha val="50000"/>
+      </a:schemeClr>
+      <a:schemeClr val="accent3">
+        <a:alpha val="50000"/>
+      </a:schemeClr>
+    </dgm:fillClrLst>
+    <dgm:linClrLst meth="repeat">
+      <a:schemeClr val="lt1"/>
+    </dgm:linClrLst>
+    <dgm:effectClrLst/>
+    <dgm:txLinClrLst/>
+    <dgm:txFillClrLst/>
+    <dgm:txEffectClrLst/>
+  </dgm:styleLbl>
+  <dgm:styleLbl name="node2">
+    <dgm:fillClrLst>
+      <a:schemeClr val="accent3"/>
+    </dgm:fillClrLst>
+    <dgm:linClrLst meth="repeat">
+      <a:schemeClr val="lt1"/>
+    </dgm:linClrLst>
+    <dgm:effectClrLst/>
+    <dgm:txLinClrLst/>
+    <dgm:txFillClrLst/>
+    <dgm:txEffectClrLst/>
+  </dgm:styleLbl>
+  <dgm:styleLbl name="node3">
+    <dgm:fillClrLst>
+      <a:schemeClr val="accent4"/>
+    </dgm:fillClrLst>
+    <dgm:linClrLst meth="repeat">
+      <a:schemeClr val="lt1"/>
+    </dgm:linClrLst>
+    <dgm:effectClrLst/>
+    <dgm:txLinClrLst/>
+    <dgm:txFillClrLst/>
+    <dgm:txEffectClrLst/>
+  </dgm:styleLbl>
+  <dgm:styleLbl name="node4">
+    <dgm:fillClrLst>
+      <a:schemeClr val="accent5"/>
+    </dgm:fillClrLst>
+    <dgm:linClrLst meth="repeat">
+      <a:schemeClr val="lt1"/>
+    </dgm:linClrLst>
+    <dgm:effectClrLst/>
+    <dgm:txLinClrLst/>
+    <dgm:txFillClrLst/>
+    <dgm:txEffectClrLst/>
+  </dgm:styleLbl>
+  <dgm:styleLbl name="fgImgPlace1">
+    <dgm:fillClrLst>
+      <a:schemeClr val="accent2">
+        <a:tint val="50000"/>
+      </a:schemeClr>
+      <a:schemeClr val="accent3">
+        <a:tint val="50000"/>
+      </a:schemeClr>
+    </dgm:fillClrLst>
+    <dgm:linClrLst meth="repeat">
+      <a:schemeClr val="lt1"/>
+    </dgm:linClrLst>
+    <dgm:effectClrLst/>
+    <dgm:txLinClrLst/>
+    <dgm:txFillClrLst meth="repeat">
+      <a:schemeClr val="lt1"/>
+    </dgm:txFillClrLst>
+    <dgm:txEffectClrLst/>
+  </dgm:styleLbl>
+  <dgm:styleLbl name="alignImgPlace1">
+    <dgm:fillClrLst>
+      <a:schemeClr val="accent2">
+        <a:tint val="50000"/>
+      </a:schemeClr>
+      <a:schemeClr val="accent3">
+        <a:tint val="20000"/>
+      </a:schemeClr>
+    </dgm:fillClrLst>
+    <dgm:linClrLst meth="repeat">
+      <a:schemeClr val="lt1"/>
+    </dgm:linClrLst>
+    <dgm:effectClrLst/>
+    <dgm:txLinClrLst/>
+    <dgm:txFillClrLst meth="repeat">
+      <a:schemeClr val="lt1"/>
+    </dgm:txFillClrLst>
+    <dgm:txEffectClrLst/>
+  </dgm:styleLbl>
+  <dgm:styleLbl name="bgImgPlace1">
+    <dgm:fillClrLst>
+      <a:schemeClr val="accent2">
+        <a:tint val="50000"/>
+      </a:schemeClr>
+      <a:schemeClr val="accent3">
+        <a:tint val="20000"/>
+      </a:schemeClr>
+    </dgm:fillClrLst>
+    <dgm:linClrLst meth="repeat">
+      <a:schemeClr val="lt1"/>
+    </dgm:linClrLst>
+    <dgm:effectClrLst/>
+    <dgm:txLinClrLst/>
+    <dgm:txFillClrLst meth="repeat">
+      <a:schemeClr val="lt1"/>
+    </dgm:txFillClrLst>
+    <dgm:txEffectClrLst/>
+  </dgm:styleLbl>
+  <dgm:styleLbl name="sibTrans2D1">
+    <dgm:fillClrLst>
+      <a:schemeClr val="accent2"/>
+      <a:schemeClr val="accent3"/>
+    </dgm:fillClrLst>
+    <dgm:linClrLst meth="repeat">
+      <a:schemeClr val="lt1"/>
+    </dgm:linClrLst>
+    <dgm:effectClrLst/>
+    <dgm:txLinClrLst/>
+    <dgm:txFillClrLst/>
+    <dgm:txEffectClrLst/>
+  </dgm:styleLbl>
+  <dgm:styleLbl name="fgSibTrans2D1">
+    <dgm:fillClrLst>
+      <a:schemeClr val="accent2"/>
+      <a:schemeClr val="accent3"/>
+    </dgm:fillClrLst>
+    <dgm:linClrLst meth="repeat">
+      <a:schemeClr val="lt1"/>
+    </dgm:linClrLst>
+    <dgm:effectClrLst/>
+    <dgm:txLinClrLst/>
+    <dgm:txFillClrLst meth="repeat">
+      <a:schemeClr val="lt1"/>
+    </dgm:txFillClrLst>
+    <dgm:txEffectClrLst/>
+  </dgm:styleLbl>
+  <dgm:styleLbl name="bgSibTrans2D1">
+    <dgm:fillClrLst>
+      <a:schemeClr val="accent2"/>
+      <a:schemeClr val="accent3"/>
+    </dgm:fillClrLst>
+    <dgm:linClrLst meth="repeat">
+      <a:schemeClr val="lt1"/>
+    </dgm:linClrLst>
+    <dgm:effectClrLst/>
+    <dgm:txLinClrLst/>
+    <dgm:txFillClrLst meth="repeat">
+      <a:schemeClr val="lt1"/>
+    </dgm:txFillClrLst>
+    <dgm:txEffectClrLst/>
+  </dgm:styleLbl>
+  <dgm:styleLbl name="sibTrans1D1">
+    <dgm:fillClrLst/>
+    <dgm:linClrLst>
+      <a:schemeClr val="accent2"/>
+      <a:schemeClr val="accent3"/>
+    </dgm:linClrLst>
+    <dgm:effectClrLst/>
+    <dgm:txLinClrLst/>
+    <dgm:txFillClrLst meth="repeat">
+      <a:schemeClr val="tx1"/>
+    </dgm:txFillClrLst>
+    <dgm:txEffectClrLst/>
+  </dgm:styleLbl>
+  <dgm:styleLbl name="callout">
+    <dgm:fillClrLst meth="repeat">
+      <a:schemeClr val="accent2"/>
+    </dgm:fillClrLst>
+    <dgm:linClrLst meth="repeat">
+      <a:schemeClr val="accent2">
+        <a:tint val="50000"/>
+      </a:schemeClr>
+    </dgm:linClrLst>
+    <dgm:effectClrLst/>
+    <dgm:txLinClrLst/>
+    <dgm:txFillClrLst meth="repeat">
+      <a:schemeClr val="tx1"/>
+    </dgm:txFillClrLst>
+    <dgm:txEffectClrLst/>
+  </dgm:styleLbl>
+  <dgm:styleLbl name="asst0">
+    <dgm:fillClrLst meth="repeat">
+      <a:schemeClr val="accent2"/>
+    </dgm:fillClrLst>
+    <dgm:linClrLst meth="repeat">
+      <a:schemeClr val="lt1">
+        <a:shade val="80000"/>
+      </a:schemeClr>
+    </dgm:linClrLst>
+    <dgm:effectClrLst/>
+    <dgm:txLinClrLst/>
+    <dgm:txFillClrLst/>
+    <dgm:txEffectClrLst/>
+  </dgm:styleLbl>
+  <dgm:styleLbl name="asst1">
+    <dgm:fillClrLst meth="repeat">
+      <a:schemeClr val="accent3"/>
+    </dgm:fillClrLst>
+    <dgm:linClrLst meth="repeat">
+      <a:schemeClr val="lt1">
+        <a:shade val="80000"/>
+      </a:schemeClr>
+    </dgm:linClrLst>
+    <dgm:effectClrLst/>
+    <dgm:txLinClrLst/>
+    <dgm:txFillClrLst/>
+    <dgm:txEffectClrLst/>
+  </dgm:styleLbl>
+  <dgm:styleLbl name="asst2">
+    <dgm:fillClrLst>
+      <a:schemeClr val="accent4"/>
+    </dgm:fillClrLst>
+    <dgm:linClrLst meth="repeat">
+      <a:schemeClr val="lt1"/>
+    </dgm:linClrLst>
+    <dgm:effectClrLst/>
+    <dgm:txLinClrLst/>
+    <dgm:txFillClrLst/>
+    <dgm:txEffectClrLst/>
+  </dgm:styleLbl>
+  <dgm:styleLbl name="asst3">
+    <dgm:fillClrLst>
+      <a:schemeClr val="accent5"/>
+    </dgm:fillClrLst>
+    <dgm:linClrLst meth="repeat">
+      <a:schemeClr val="lt1"/>
+    </dgm:linClrLst>
+    <dgm:effectClrLst/>
+    <dgm:txLinClrLst/>
+    <dgm:txFillClrLst/>
+    <dgm:txEffectClrLst/>
+  </dgm:styleLbl>
+  <dgm:styleLbl name="asst4">
+    <dgm:fillClrLst>
+      <a:schemeClr val="accent6"/>
+    </dgm:fillClrLst>
+    <dgm:linClrLst meth="repeat">
+      <a:schemeClr val="lt1"/>
+    </dgm:linClrLst>
+    <dgm:effectClrLst/>
+    <dgm:txLinClrLst/>
+    <dgm:txFillClrLst/>
+    <dgm:txEffectClrLst/>
+  </dgm:styleLbl>
+  <dgm:styleLbl name="parChTrans2D1">
+    <dgm:fillClrLst meth="repeat">
+      <a:schemeClr val="accent2"/>
+    </dgm:fillClrLst>
+    <dgm:linClrLst meth="repeat">
+      <a:schemeClr val="lt1"/>
+    </dgm:linClrLst>
+    <dgm:effectClrLst/>
+    <dgm:txLinClrLst/>
+    <dgm:txFillClrLst meth="repeat">
+      <a:schemeClr val="lt1"/>
+    </dgm:txFillClrLst>
+    <dgm:txEffectClrLst/>
+  </dgm:styleLbl>
+  <dgm:styleLbl name="parChTrans2D2">
+    <dgm:fillClrLst meth="repeat">
+      <a:schemeClr val="accent3"/>
+    </dgm:fillClrLst>
+    <dgm:linClrLst meth="repeat">
+      <a:schemeClr val="lt1"/>
+    </dgm:linClrLst>
+    <dgm:effectClrLst/>
+    <dgm:txLinClrLst/>
+    <dgm:txFillClrLst/>
+    <dgm:txEffectClrLst/>
+  </dgm:styleLbl>
+  <dgm:styleLbl name="parChTrans2D3">
+    <dgm:fillClrLst meth="repeat">
+      <a:schemeClr val="accent4"/>
+    </dgm:fillClrLst>
+    <dgm:linClrLst meth="repeat">
+      <a:schemeClr val="lt1"/>
+    </dgm:linClrLst>
+    <dgm:effectClrLst/>
+    <dgm:txLinClrLst/>
+    <dgm:txFillClrLst/>
+    <dgm:txEffectClrLst/>
+  </dgm:styleLbl>
+  <dgm:styleLbl name="parChTrans2D4">
+    <dgm:fillClrLst meth="repeat">
+      <a:schemeClr val="accent5"/>
+    </dgm:fillClrLst>
+    <dgm:linClrLst meth="repeat">
+      <a:schemeClr val="lt1"/>
+    </dgm:linClrLst>
+    <dgm:effectClrLst/>
+    <dgm:txLinClrLst/>
+    <dgm:txFillClrLst meth="repeat">
+      <a:schemeClr val="lt1"/>
+    </dgm:txFillClrLst>
+    <dgm:txEffectClrLst/>
+  </dgm:styleLbl>
+  <dgm:styleLbl name="parChTrans1D1">
+    <dgm:fillClrLst meth="repeat">
+      <a:schemeClr val="accent2"/>
+    </dgm:fillClrLst>
+    <dgm:linClrLst meth="repeat">
+      <a:schemeClr val="accent2"/>
+    </dgm:linClrLst>
+    <dgm:effectClrLst/>
+    <dgm:txLinClrLst/>
+    <dgm:txFillClrLst meth="repeat">
+      <a:schemeClr val="tx1"/>
+    </dgm:txFillClrLst>
+    <dgm:txEffectClrLst/>
+  </dgm:styleLbl>
+  <dgm:styleLbl name="parChTrans1D2">
+    <dgm:fillClrLst meth="repeat">
+      <a:schemeClr val="accent2">
+        <a:tint val="90000"/>
+      </a:schemeClr>
+    </dgm:fillClrLst>
+    <dgm:linClrLst meth="repeat">
+      <a:schemeClr val="accent3"/>
+    </dgm:linClrLst>
+    <dgm:effectClrLst/>
+    <dgm:txLinClrLst/>
+    <dgm:txFillClrLst meth="repeat">
+      <a:schemeClr val="tx1"/>
+    </dgm:txFillClrLst>
+    <dgm:txEffectClrLst/>
+  </dgm:styleLbl>
+  <dgm:styleLbl name="parChTrans1D3">
+    <dgm:fillClrLst meth="repeat">
+      <a:schemeClr val="accent2">
+        <a:tint val="70000"/>
+      </a:schemeClr>
+    </dgm:fillClrLst>
+    <dgm:linClrLst meth="repeat">
+      <a:schemeClr val="accent4"/>
+    </dgm:linClrLst>
+    <dgm:effectClrLst/>
+    <dgm:txLinClrLst/>
+    <dgm:txFillClrLst meth="repeat">
+      <a:schemeClr val="tx1"/>
+    </dgm:txFillClrLst>
+    <dgm:txEffectClrLst/>
+  </dgm:styleLbl>
+  <dgm:styleLbl name="parChTrans1D4">
+    <dgm:fillClrLst meth="repeat">
+      <a:schemeClr val="accent2">
+        <a:tint val="50000"/>
+      </a:schemeClr>
+    </dgm:fillClrLst>
+    <dgm:linClrLst meth="repeat">
+      <a:schemeClr val="accent5"/>
+    </dgm:linClrLst>
+    <dgm:effectClrLst/>
+    <dgm:txLinClrLst/>
+    <dgm:txFillClrLst meth="repeat">
+      <a:schemeClr val="tx1"/>
+    </dgm:txFillClrLst>
+    <dgm:txEffectClrLst/>
+  </dgm:styleLbl>
+  <dgm:styleLbl name="fgAcc1">
+    <dgm:fillClrLst meth="repeat">
+      <a:schemeClr val="lt1">
+        <a:alpha val="90000"/>
+      </a:schemeClr>
+    </dgm:fillClrLst>
+    <dgm:linClrLst>
+      <a:schemeClr val="accent2"/>
+      <a:schemeClr val="accent3"/>
+    </dgm:linClrLst>
+    <dgm:effectClrLst/>
+    <dgm:txLinClrLst/>
+    <dgm:txFillClrLst meth="repeat">
+      <a:schemeClr val="dk1"/>
+    </dgm:txFillClrLst>
+    <dgm:txEffectClrLst/>
+  </dgm:styleLbl>
+  <dgm:styleLbl name="conFgAcc1">
+    <dgm:fillClrLst meth="repeat">
+      <a:schemeClr val="lt1">
+        <a:alpha val="90000"/>
+      </a:schemeClr>
+    </dgm:fillClrLst>
+    <dgm:linClrLst>
+      <a:schemeClr val="accent2"/>
+      <a:schemeClr val="accent3"/>
+    </dgm:linClrLst>
+    <dgm:effectClrLst/>
+    <dgm:txLinClrLst/>
+    <dgm:txFillClrLst meth="repeat">
+      <a:schemeClr val="dk1"/>
+    </dgm:txFillClrLst>
+    <dgm:txEffectClrLst/>
+  </dgm:styleLbl>
+  <dgm:styleLbl name="alignAcc1">
+    <dgm:fillClrLst meth="repeat">
+      <a:schemeClr val="lt1">
+        <a:alpha val="90000"/>
+      </a:schemeClr>
+    </dgm:fillClrLst>
+    <dgm:linClrLst>
+      <a:schemeClr val="accent2"/>
+      <a:schemeClr val="accent3"/>
+    </dgm:linClrLst>
+    <dgm:effectClrLst/>
+    <dgm:txLinClrLst/>
+    <dgm:txFillClrLst meth="repeat">
+      <a:schemeClr val="dk1"/>
+    </dgm:txFillClrLst>
+    <dgm:txEffectClrLst/>
+  </dgm:styleLbl>
+  <dgm:styleLbl name="trAlignAcc1">
+    <dgm:fillClrLst meth="repeat">
+      <a:schemeClr val="lt1">
+        <a:alpha val="40000"/>
+      </a:schemeClr>
+    </dgm:fillClrLst>
+    <dgm:linClrLst meth="repeat">
+      <a:schemeClr val="accent2"/>
+    </dgm:linClrLst>
+    <dgm:effectClrLst/>
+    <dgm:txLinClrLst/>
+    <dgm:txFillClrLst meth="repeat">
+      <a:schemeClr val="dk1"/>
+    </dgm:txFillClrLst>
+    <dgm:txEffectClrLst/>
+  </dgm:styleLbl>
+  <dgm:styleLbl name="bgAcc1">
+    <dgm:fillClrLst meth="repeat">
+      <a:schemeClr val="lt1">
+        <a:alpha val="90000"/>
+      </a:schemeClr>
+    </dgm:fillClrLst>
+    <dgm:linClrLst>
+      <a:schemeClr val="accent2"/>
+      <a:schemeClr val="accent3"/>
+    </dgm:linClrLst>
+    <dgm:effectClrLst/>
+    <dgm:txLinClrLst/>
+    <dgm:txFillClrLst meth="repeat">
+      <a:schemeClr val="dk1"/>
+    </dgm:txFillClrLst>
+    <dgm:txEffectClrLst/>
+  </dgm:styleLbl>
+  <dgm:styleLbl name="solidFgAcc1">
+    <dgm:fillClrLst meth="repeat">
+      <a:schemeClr val="lt1"/>
+    </dgm:fillClrLst>
+    <dgm:linClrLst>
+      <a:schemeClr val="accent2"/>
+      <a:schemeClr val="accent3"/>
+    </dgm:linClrLst>
+    <dgm:effectClrLst/>
+    <dgm:txLinClrLst/>
+    <dgm:txFillClrLst meth="repeat">
+      <a:schemeClr val="dk1"/>
+    </dgm:txFillClrLst>
+    <dgm:txEffectClrLst/>
+  </dgm:styleLbl>
+  <dgm:styleLbl name="solidAlignAcc1">
+    <dgm:fillClrLst meth="repeat">
+      <a:schemeClr val="lt1"/>
+    </dgm:fillClrLst>
+    <dgm:linClrLst>
+      <a:schemeClr val="accent2"/>
+      <a:schemeClr val="accent3"/>
+    </dgm:linClrLst>
+    <dgm:effectClrLst/>
+    <dgm:txLinClrLst/>
+    <dgm:txFillClrLst meth="repeat">
+      <a:schemeClr val="dk1"/>
+    </dgm:txFillClrLst>
+    <dgm:txEffectClrLst/>
+  </dgm:styleLbl>
+  <dgm:styleLbl name="solidBgAcc1">
+    <dgm:fillClrLst meth="repeat">
+      <a:schemeClr val="lt1"/>
+    </dgm:fillClrLst>
+    <dgm:linClrLst>
+      <a:schemeClr val="accent2"/>
+      <a:schemeClr val="accent3"/>
+    </dgm:linClrLst>
+    <dgm:effectClrLst/>
+    <dgm:txLinClrLst/>
+    <dgm:txFillClrLst meth="repeat">
+      <a:schemeClr val="dk1"/>
+    </dgm:txFillClrLst>
+    <dgm:txEffectClrLst/>
+  </dgm:styleLbl>
+  <dgm:styleLbl name="fgAccFollowNode1">
+    <dgm:fillClrLst>
+      <a:schemeClr val="accent2">
+        <a:tint val="40000"/>
+        <a:alpha val="90000"/>
+      </a:schemeClr>
+      <a:schemeClr val="accent3">
+        <a:tint val="40000"/>
+        <a:alpha val="90000"/>
+      </a:schemeClr>
+    </dgm:fillClrLst>
+    <dgm:linClrLst>
+      <a:schemeClr val="accent2">
+        <a:tint val="40000"/>
+        <a:alpha val="90000"/>
+      </a:schemeClr>
+      <a:schemeClr val="accent3">
+        <a:tint val="40000"/>
+        <a:alpha val="90000"/>
+      </a:schemeClr>
+    </dgm:linClrLst>
+    <dgm:effectClrLst/>
+    <dgm:txLinClrLst/>
+    <dgm:txFillClrLst meth="repeat">
+      <a:schemeClr val="dk1"/>
+    </dgm:txFillClrLst>
+    <dgm:txEffectClrLst/>
+  </dgm:styleLbl>
+  <dgm:styleLbl name="alignAccFollowNode1">
+    <dgm:fillClrLst>
+      <a:schemeClr val="accent2">
+        <a:tint val="40000"/>
+        <a:alpha val="90000"/>
+      </a:schemeClr>
+      <a:schemeClr val="accent3">
+        <a:tint val="40000"/>
+        <a:alpha val="90000"/>
+      </a:schemeClr>
+    </dgm:fillClrLst>
+    <dgm:linClrLst>
+      <a:schemeClr val="accent2">
+        <a:tint val="40000"/>
+        <a:alpha val="90000"/>
+      </a:schemeClr>
+      <a:schemeClr val="accent3">
+        <a:tint val="40000"/>
+        <a:alpha val="90000"/>
+      </a:schemeClr>
+    </dgm:linClrLst>
+    <dgm:effectClrLst/>
+    <dgm:txLinClrLst/>
+    <dgm:txFillClrLst meth="repeat">
+      <a:schemeClr val="dk1"/>
+    </dgm:txFillClrLst>
+    <dgm:txEffectClrLst/>
+  </dgm:styleLbl>
+  <dgm:styleLbl name="bgAccFollowNode1">
+    <dgm:fillClrLst>
+      <a:schemeClr val="accent2">
+        <a:tint val="40000"/>
+        <a:alpha val="90000"/>
+      </a:schemeClr>
+      <a:schemeClr val="accent3">
+        <a:tint val="40000"/>
+        <a:alpha val="90000"/>
+      </a:schemeClr>
+    </dgm:fillClrLst>
+    <dgm:linClrLst>
+      <a:schemeClr val="accent2">
+        <a:tint val="40000"/>
+        <a:alpha val="90000"/>
+      </a:schemeClr>
+      <a:schemeClr val="accent3">
+        <a:tint val="40000"/>
+        <a:alpha val="90000"/>
+      </a:schemeClr>
+    </dgm:linClrLst>
+    <dgm:effectClrLst/>
+    <dgm:txLinClrLst/>
+    <dgm:txFillClrLst meth="repeat">
+      <a:schemeClr val="dk1"/>
+    </dgm:txFillClrLst>
+    <dgm:txEffectClrLst/>
+  </dgm:styleLbl>
+  <dgm:styleLbl name="fgAcc0">
+    <dgm:fillClrLst meth="repeat">
+      <a:schemeClr val="lt1">
+        <a:alpha val="90000"/>
+      </a:schemeClr>
+    </dgm:fillClrLst>
+    <dgm:linClrLst>
+      <a:schemeClr val="accent1"/>
+    </dgm:linClrLst>
+    <dgm:effectClrLst/>
+    <dgm:txLinClrLst/>
+    <dgm:txFillClrLst meth="repeat">
+      <a:schemeClr val="dk1"/>
+    </dgm:txFillClrLst>
+    <dgm:txEffectClrLst/>
+  </dgm:styleLbl>
+  <dgm:styleLbl name="fgAcc2">
+    <dgm:fillClrLst meth="repeat">
+      <a:schemeClr val="lt1">
+        <a:alpha val="90000"/>
+      </a:schemeClr>
+    </dgm:fillClrLst>
+    <dgm:linClrLst>
+      <a:schemeClr val="accent3"/>
+    </dgm:linClrLst>
+    <dgm:effectClrLst/>
+    <dgm:txLinClrLst/>
+    <dgm:txFillClrLst meth="repeat">
+      <a:schemeClr val="dk1"/>
+    </dgm:txFillClrLst>
+    <dgm:txEffectClrLst/>
+  </dgm:styleLbl>
+  <dgm:styleLbl name="fgAcc3">
+    <dgm:fillClrLst meth="repeat">
+      <a:schemeClr val="lt1">
+        <a:alpha val="90000"/>
+      </a:schemeClr>
+    </dgm:fillClrLst>
+    <dgm:linClrLst>
+      <a:schemeClr val="accent4"/>
+    </dgm:linClrLst>
+    <dgm:effectClrLst/>
+    <dgm:txLinClrLst/>
+    <dgm:txFillClrLst meth="repeat">
+      <a:schemeClr val="dk1"/>
+    </dgm:txFillClrLst>
+    <dgm:txEffectClrLst/>
+  </dgm:styleLbl>
+  <dgm:styleLbl name="fgAcc4">
+    <dgm:fillClrLst meth="repeat">
+      <a:schemeClr val="lt1">
+        <a:alpha val="90000"/>
+      </a:schemeClr>
+    </dgm:fillClrLst>
+    <dgm:linClrLst>
+      <a:schemeClr val="accent5"/>
+    </dgm:linClrLst>
+    <dgm:effectClrLst/>
+    <dgm:txLinClrLst/>
+    <dgm:txFillClrLst meth="repeat">
+      <a:schemeClr val="dk1"/>
+    </dgm:txFillClrLst>
+    <dgm:txEffectClrLst/>
+  </dgm:styleLbl>
+  <dgm:styleLbl name="bgShp">
+    <dgm:fillClrLst meth="repeat">
+      <a:schemeClr val="accent2">
+        <a:tint val="40000"/>
+      </a:schemeClr>
+    </dgm:fillClrLst>
+    <dgm:linClrLst meth="repeat">
+      <a:schemeClr val="dk1"/>
+    </dgm:linClrLst>
+    <dgm:effectClrLst/>
+    <dgm:txLinClrLst/>
+    <dgm:txFillClrLst meth="repeat">
+      <a:schemeClr val="dk1"/>
+    </dgm:txFillClrLst>
+    <dgm:txEffectClrLst/>
+  </dgm:styleLbl>
+  <dgm:styleLbl name="dkBgShp">
+    <dgm:fillClrLst meth="repeat">
+      <a:schemeClr val="accent2">
+        <a:shade val="90000"/>
+      </a:schemeClr>
+    </dgm:fillClrLst>
+    <dgm:linClrLst meth="repeat">
+      <a:schemeClr val="dk1"/>
+    </dgm:linClrLst>
+    <dgm:effectClrLst/>
+    <dgm:txLinClrLst/>
+    <dgm:txFillClrLst meth="repeat">
+      <a:schemeClr val="lt1"/>
+    </dgm:txFillClrLst>
+    <dgm:txEffectClrLst/>
+  </dgm:styleLbl>
+  <dgm:styleLbl name="trBgShp">
+    <dgm:fillClrLst meth="repeat">
+      <a:schemeClr val="accent2">
+        <a:tint val="50000"/>
+        <a:alpha val="40000"/>
+      </a:schemeClr>
+    </dgm:fillClrLst>
+    <dgm:linClrLst meth="repeat">
+      <a:schemeClr val="accent2"/>
+    </dgm:linClrLst>
+    <dgm:effectClrLst/>
+    <dgm:txLinClrLst/>
+    <dgm:txFillClrLst meth="repeat">
+      <a:schemeClr val="lt1"/>
+    </dgm:txFillClrLst>
+    <dgm:txEffectClrLst/>
+  </dgm:styleLbl>
+  <dgm:styleLbl name="fgShp">
+    <dgm:fillClrLst meth="repeat">
+      <a:schemeClr val="accent2">
+        <a:tint val="40000"/>
+      </a:schemeClr>
+    </dgm:fillClrLst>
+    <dgm:linClrLst meth="repeat">
+      <a:schemeClr val="lt1"/>
+    </dgm:linClrLst>
+    <dgm:effectClrLst/>
+    <dgm:txLinClrLst/>
+    <dgm:txFillClrLst meth="repeat">
+      <a:schemeClr val="dk1"/>
+    </dgm:txFillClrLst>
+    <dgm:txEffectClrLst/>
+  </dgm:styleLbl>
+  <dgm:styleLbl name="revTx">
+    <dgm:fillClrLst meth="repeat">
+      <a:schemeClr val="lt1">
+        <a:alpha val="0"/>
+      </a:schemeClr>
+    </dgm:fillClrLst>
+    <dgm:linClrLst meth="repeat">
+      <a:schemeClr val="dk1">
+        <a:alpha val="0"/>
+      </a:schemeClr>
+    </dgm:linClrLst>
+    <dgm:effectClrLst/>
+    <dgm:txLinClrLst/>
+    <dgm:txFillClrLst meth="repeat">
+      <a:schemeClr val="tx1"/>
+    </dgm:txFillClrLst>
+    <dgm:txEffectClrLst/>
+  </dgm:styleLbl>
+</dgm:colorsDef>
+</file>
+
+<file path=ppt/diagrams/data1.xml><?xml version="1.0" encoding="utf-8"?>
+<dgm:dataModel xmlns:dgm="http://schemas.openxmlformats.org/drawingml/2006/diagram" xmlns:a="http://schemas.openxmlformats.org/drawingml/2006/main">
+  <dgm:ptLst>
+    <dgm:pt modelId="{3340A971-4CD3-4982-B255-1D2C46BED41D}" type="doc">
+      <dgm:prSet loTypeId="urn:microsoft.com/office/officeart/2008/layout/LinedList" loCatId="list" qsTypeId="urn:microsoft.com/office/officeart/2005/8/quickstyle/simple1" qsCatId="simple" csTypeId="urn:microsoft.com/office/officeart/2005/8/colors/accent3_2" csCatId="accent3"/>
+      <dgm:spPr/>
+      <dgm:t>
+        <a:bodyPr/>
+        <a:lstStyle/>
+        <a:p>
+          <a:endParaRPr lang="en-US"/>
+        </a:p>
+      </dgm:t>
+    </dgm:pt>
+    <dgm:pt modelId="{E55F6FFE-83F7-4117-96D8-13F19E23BAB7}">
+      <dgm:prSet/>
+      <dgm:spPr/>
+      <dgm:t>
+        <a:bodyPr/>
+        <a:lstStyle/>
+        <a:p>
+          <a:r>
+            <a:rPr lang="en-US" dirty="0">
+              <a:latin typeface="微软雅黑" panose="020B0503020204020204" pitchFamily="34" charset="-122"/>
+              <a:ea typeface="微软雅黑" panose="020B0503020204020204" pitchFamily="34" charset="-122"/>
+            </a:rPr>
+            <a:t>1. </a:t>
+          </a:r>
+          <a:r>
+            <a:rPr lang="zh-CN" dirty="0">
+              <a:latin typeface="微软雅黑" panose="020B0503020204020204" pitchFamily="34" charset="-122"/>
+              <a:ea typeface="微软雅黑" panose="020B0503020204020204" pitchFamily="34" charset="-122"/>
+            </a:rPr>
+            <a:t>用</a:t>
+          </a:r>
+          <a:r>
+            <a:rPr lang="en-US" dirty="0">
+              <a:latin typeface="微软雅黑" panose="020B0503020204020204" pitchFamily="34" charset="-122"/>
+              <a:ea typeface="微软雅黑" panose="020B0503020204020204" pitchFamily="34" charset="-122"/>
+            </a:rPr>
+            <a:t>PCA</a:t>
+          </a:r>
+          <a:r>
+            <a:rPr lang="zh-CN" dirty="0">
+              <a:latin typeface="微软雅黑" panose="020B0503020204020204" pitchFamily="34" charset="-122"/>
+              <a:ea typeface="微软雅黑" panose="020B0503020204020204" pitchFamily="34" charset="-122"/>
+            </a:rPr>
+            <a:t>降维（压缩）后，所得到的人脸图片与原始人脸图片对比。</a:t>
+          </a:r>
+          <a:endParaRPr lang="en-US" dirty="0">
+            <a:latin typeface="微软雅黑" panose="020B0503020204020204" pitchFamily="34" charset="-122"/>
+            <a:ea typeface="微软雅黑" panose="020B0503020204020204" pitchFamily="34" charset="-122"/>
+          </a:endParaRPr>
+        </a:p>
+      </dgm:t>
+    </dgm:pt>
+    <dgm:pt modelId="{EAE86FF7-5965-4CA0-B5C0-2A335DA4DA5A}" type="parTrans" cxnId="{A49CF63E-C812-4B42-8B2F-EF3CEC7C45D3}">
+      <dgm:prSet/>
+      <dgm:spPr/>
+      <dgm:t>
+        <a:bodyPr/>
+        <a:lstStyle/>
+        <a:p>
+          <a:endParaRPr lang="en-US">
+            <a:latin typeface="微软雅黑" panose="020B0503020204020204" pitchFamily="34" charset="-122"/>
+            <a:ea typeface="微软雅黑" panose="020B0503020204020204" pitchFamily="34" charset="-122"/>
+          </a:endParaRPr>
+        </a:p>
+      </dgm:t>
+    </dgm:pt>
+    <dgm:pt modelId="{7EAADDDE-1654-4FA3-9273-5D8A9B08959F}" type="sibTrans" cxnId="{A49CF63E-C812-4B42-8B2F-EF3CEC7C45D3}">
+      <dgm:prSet/>
+      <dgm:spPr/>
+      <dgm:t>
+        <a:bodyPr/>
+        <a:lstStyle/>
+        <a:p>
+          <a:endParaRPr lang="en-US">
+            <a:latin typeface="微软雅黑" panose="020B0503020204020204" pitchFamily="34" charset="-122"/>
+            <a:ea typeface="微软雅黑" panose="020B0503020204020204" pitchFamily="34" charset="-122"/>
+          </a:endParaRPr>
+        </a:p>
+      </dgm:t>
+    </dgm:pt>
+    <dgm:pt modelId="{801FEC95-2D9C-496D-944A-AF5C90A68FF8}">
+      <dgm:prSet/>
+      <dgm:spPr/>
+      <dgm:t>
+        <a:bodyPr/>
+        <a:lstStyle/>
+        <a:p>
+          <a:r>
+            <a:rPr lang="en-US">
+              <a:latin typeface="微软雅黑" panose="020B0503020204020204" pitchFamily="34" charset="-122"/>
+              <a:ea typeface="微软雅黑" panose="020B0503020204020204" pitchFamily="34" charset="-122"/>
+            </a:rPr>
+            <a:t>2. </a:t>
+          </a:r>
+          <a:r>
+            <a:rPr lang="zh-CN">
+              <a:latin typeface="微软雅黑" panose="020B0503020204020204" pitchFamily="34" charset="-122"/>
+              <a:ea typeface="微软雅黑" panose="020B0503020204020204" pitchFamily="34" charset="-122"/>
+            </a:rPr>
+            <a:t>结合最近邻分类器，测试</a:t>
+          </a:r>
+          <a:r>
+            <a:rPr lang="en-US">
+              <a:latin typeface="微软雅黑" panose="020B0503020204020204" pitchFamily="34" charset="-122"/>
+              <a:ea typeface="微软雅黑" panose="020B0503020204020204" pitchFamily="34" charset="-122"/>
+            </a:rPr>
+            <a:t>PCA</a:t>
+          </a:r>
+          <a:r>
+            <a:rPr lang="zh-CN">
+              <a:latin typeface="微软雅黑" panose="020B0503020204020204" pitchFamily="34" charset="-122"/>
+              <a:ea typeface="微软雅黑" panose="020B0503020204020204" pitchFamily="34" charset="-122"/>
+            </a:rPr>
+            <a:t>降维算法的识别率。</a:t>
+          </a:r>
+          <a:endParaRPr lang="en-US">
+            <a:latin typeface="微软雅黑" panose="020B0503020204020204" pitchFamily="34" charset="-122"/>
+            <a:ea typeface="微软雅黑" panose="020B0503020204020204" pitchFamily="34" charset="-122"/>
+          </a:endParaRPr>
+        </a:p>
+      </dgm:t>
+    </dgm:pt>
+    <dgm:pt modelId="{CD997D85-222A-4712-9E90-BCDADE8183B1}" type="parTrans" cxnId="{8026FF71-CAAC-4AE4-A69A-80603866D0E3}">
+      <dgm:prSet/>
+      <dgm:spPr/>
+      <dgm:t>
+        <a:bodyPr/>
+        <a:lstStyle/>
+        <a:p>
+          <a:endParaRPr lang="en-US">
+            <a:latin typeface="微软雅黑" panose="020B0503020204020204" pitchFamily="34" charset="-122"/>
+            <a:ea typeface="微软雅黑" panose="020B0503020204020204" pitchFamily="34" charset="-122"/>
+          </a:endParaRPr>
+        </a:p>
+      </dgm:t>
+    </dgm:pt>
+    <dgm:pt modelId="{DC049864-2D9E-4ABF-9F43-3ACC7DDF8319}" type="sibTrans" cxnId="{8026FF71-CAAC-4AE4-A69A-80603866D0E3}">
+      <dgm:prSet/>
+      <dgm:spPr/>
+      <dgm:t>
+        <a:bodyPr/>
+        <a:lstStyle/>
+        <a:p>
+          <a:endParaRPr lang="en-US">
+            <a:latin typeface="微软雅黑" panose="020B0503020204020204" pitchFamily="34" charset="-122"/>
+            <a:ea typeface="微软雅黑" panose="020B0503020204020204" pitchFamily="34" charset="-122"/>
+          </a:endParaRPr>
+        </a:p>
+      </dgm:t>
+    </dgm:pt>
+    <dgm:pt modelId="{4193DADE-0FF9-4520-B449-8E48389043C1}">
+      <dgm:prSet/>
+      <dgm:spPr/>
+      <dgm:t>
+        <a:bodyPr/>
+        <a:lstStyle/>
+        <a:p>
+          <a:r>
+            <a:rPr lang="zh-CN">
+              <a:latin typeface="微软雅黑" panose="020B0503020204020204" pitchFamily="34" charset="-122"/>
+              <a:ea typeface="微软雅黑" panose="020B0503020204020204" pitchFamily="34" charset="-122"/>
+            </a:rPr>
+            <a:t>解决两个问题：</a:t>
+          </a:r>
+          <a:endParaRPr lang="en-US">
+            <a:latin typeface="微软雅黑" panose="020B0503020204020204" pitchFamily="34" charset="-122"/>
+            <a:ea typeface="微软雅黑" panose="020B0503020204020204" pitchFamily="34" charset="-122"/>
+          </a:endParaRPr>
+        </a:p>
+      </dgm:t>
+    </dgm:pt>
+    <dgm:pt modelId="{2FF0DC44-19CA-4475-9C00-C4DAB4883793}" type="parTrans" cxnId="{664732C5-1DC4-4322-A174-3A9D6A09E616}">
+      <dgm:prSet/>
+      <dgm:spPr/>
+      <dgm:t>
+        <a:bodyPr/>
+        <a:lstStyle/>
+        <a:p>
+          <a:endParaRPr lang="en-US">
+            <a:latin typeface="微软雅黑" panose="020B0503020204020204" pitchFamily="34" charset="-122"/>
+            <a:ea typeface="微软雅黑" panose="020B0503020204020204" pitchFamily="34" charset="-122"/>
+          </a:endParaRPr>
+        </a:p>
+      </dgm:t>
+    </dgm:pt>
+    <dgm:pt modelId="{A7D94581-8EBC-4F24-B176-7E9038B265A0}" type="sibTrans" cxnId="{664732C5-1DC4-4322-A174-3A9D6A09E616}">
+      <dgm:prSet/>
+      <dgm:spPr/>
+      <dgm:t>
+        <a:bodyPr/>
+        <a:lstStyle/>
+        <a:p>
+          <a:endParaRPr lang="en-US">
+            <a:latin typeface="微软雅黑" panose="020B0503020204020204" pitchFamily="34" charset="-122"/>
+            <a:ea typeface="微软雅黑" panose="020B0503020204020204" pitchFamily="34" charset="-122"/>
+          </a:endParaRPr>
+        </a:p>
+      </dgm:t>
+    </dgm:pt>
+    <dgm:pt modelId="{A43EB28A-1526-4B80-AD44-10EC073D44FF}">
+      <dgm:prSet/>
+      <dgm:spPr/>
+      <dgm:t>
+        <a:bodyPr/>
+        <a:lstStyle/>
+        <a:p>
+          <a:r>
+            <a:rPr lang="zh-CN">
+              <a:latin typeface="微软雅黑" panose="020B0503020204020204" pitchFamily="34" charset="-122"/>
+              <a:ea typeface="微软雅黑" panose="020B0503020204020204" pitchFamily="34" charset="-122"/>
+            </a:rPr>
+            <a:t>1. 如何用</a:t>
+          </a:r>
+          <a:r>
+            <a:rPr lang="en-US">
+              <a:latin typeface="微软雅黑" panose="020B0503020204020204" pitchFamily="34" charset="-122"/>
+              <a:ea typeface="微软雅黑" panose="020B0503020204020204" pitchFamily="34" charset="-122"/>
+            </a:rPr>
+            <a:t>PCA</a:t>
+          </a:r>
+          <a:r>
+            <a:rPr lang="zh-CN" altLang="en-US">
+              <a:latin typeface="微软雅黑" panose="020B0503020204020204" pitchFamily="34" charset="-122"/>
+              <a:ea typeface="微软雅黑" panose="020B0503020204020204" pitchFamily="34" charset="-122"/>
+            </a:rPr>
+            <a:t>实现图片的</a:t>
+          </a:r>
+          <a:r>
+            <a:rPr lang="zh-CN">
+              <a:latin typeface="微软雅黑" panose="020B0503020204020204" pitchFamily="34" charset="-122"/>
+              <a:ea typeface="微软雅黑" panose="020B0503020204020204" pitchFamily="34" charset="-122"/>
+            </a:rPr>
+            <a:t>降维压缩？</a:t>
+          </a:r>
+          <a:endParaRPr lang="en-US">
+            <a:latin typeface="微软雅黑" panose="020B0503020204020204" pitchFamily="34" charset="-122"/>
+            <a:ea typeface="微软雅黑" panose="020B0503020204020204" pitchFamily="34" charset="-122"/>
+          </a:endParaRPr>
+        </a:p>
+      </dgm:t>
+    </dgm:pt>
+    <dgm:pt modelId="{4A17A990-D2D4-4D74-822E-ADC5F1596466}" type="parTrans" cxnId="{8E7AC5B5-178C-4902-93E8-0EDA5A2C0558}">
+      <dgm:prSet/>
+      <dgm:spPr/>
+      <dgm:t>
+        <a:bodyPr/>
+        <a:lstStyle/>
+        <a:p>
+          <a:endParaRPr lang="en-US">
+            <a:latin typeface="微软雅黑" panose="020B0503020204020204" pitchFamily="34" charset="-122"/>
+            <a:ea typeface="微软雅黑" panose="020B0503020204020204" pitchFamily="34" charset="-122"/>
+          </a:endParaRPr>
+        </a:p>
+      </dgm:t>
+    </dgm:pt>
+    <dgm:pt modelId="{267818A0-15DA-4D45-94C3-ED73E7C617CB}" type="sibTrans" cxnId="{8E7AC5B5-178C-4902-93E8-0EDA5A2C0558}">
+      <dgm:prSet/>
+      <dgm:spPr/>
+      <dgm:t>
+        <a:bodyPr/>
+        <a:lstStyle/>
+        <a:p>
+          <a:endParaRPr lang="en-US">
+            <a:latin typeface="微软雅黑" panose="020B0503020204020204" pitchFamily="34" charset="-122"/>
+            <a:ea typeface="微软雅黑" panose="020B0503020204020204" pitchFamily="34" charset="-122"/>
+          </a:endParaRPr>
+        </a:p>
+      </dgm:t>
+    </dgm:pt>
+    <dgm:pt modelId="{0E44FC09-7B39-48C9-8678-1441851424CC}">
+      <dgm:prSet/>
+      <dgm:spPr/>
+      <dgm:t>
+        <a:bodyPr/>
+        <a:lstStyle/>
+        <a:p>
+          <a:r>
+            <a:rPr lang="en-US">
+              <a:latin typeface="微软雅黑" panose="020B0503020204020204" pitchFamily="34" charset="-122"/>
+              <a:ea typeface="微软雅黑" panose="020B0503020204020204" pitchFamily="34" charset="-122"/>
+            </a:rPr>
+            <a:t>2. </a:t>
+          </a:r>
+          <a:r>
+            <a:rPr lang="zh-CN">
+              <a:latin typeface="微软雅黑" panose="020B0503020204020204" pitchFamily="34" charset="-122"/>
+              <a:ea typeface="微软雅黑" panose="020B0503020204020204" pitchFamily="34" charset="-122"/>
+            </a:rPr>
+            <a:t>如何用最近邻分类器实现人脸识别？</a:t>
+          </a:r>
+          <a:endParaRPr lang="en-US">
+            <a:latin typeface="微软雅黑" panose="020B0503020204020204" pitchFamily="34" charset="-122"/>
+            <a:ea typeface="微软雅黑" panose="020B0503020204020204" pitchFamily="34" charset="-122"/>
+          </a:endParaRPr>
+        </a:p>
+      </dgm:t>
+    </dgm:pt>
+    <dgm:pt modelId="{2FA2BEE6-AA9E-47A2-B036-28A8B00C617F}" type="parTrans" cxnId="{40190AAC-1F75-45AC-909C-8E246770EF07}">
+      <dgm:prSet/>
+      <dgm:spPr/>
+      <dgm:t>
+        <a:bodyPr/>
+        <a:lstStyle/>
+        <a:p>
+          <a:endParaRPr lang="en-US">
+            <a:latin typeface="微软雅黑" panose="020B0503020204020204" pitchFamily="34" charset="-122"/>
+            <a:ea typeface="微软雅黑" panose="020B0503020204020204" pitchFamily="34" charset="-122"/>
+          </a:endParaRPr>
+        </a:p>
+      </dgm:t>
+    </dgm:pt>
+    <dgm:pt modelId="{46C9002C-56CD-4911-A6D6-8E4AB5DCAE0C}" type="sibTrans" cxnId="{40190AAC-1F75-45AC-909C-8E246770EF07}">
+      <dgm:prSet/>
+      <dgm:spPr/>
+      <dgm:t>
+        <a:bodyPr/>
+        <a:lstStyle/>
+        <a:p>
+          <a:endParaRPr lang="en-US">
+            <a:latin typeface="微软雅黑" panose="020B0503020204020204" pitchFamily="34" charset="-122"/>
+            <a:ea typeface="微软雅黑" panose="020B0503020204020204" pitchFamily="34" charset="-122"/>
+          </a:endParaRPr>
+        </a:p>
+      </dgm:t>
+    </dgm:pt>
+    <dgm:pt modelId="{770E2525-044C-4173-B3B2-A996960EDBD4}" type="pres">
+      <dgm:prSet presAssocID="{3340A971-4CD3-4982-B255-1D2C46BED41D}" presName="vert0" presStyleCnt="0">
+        <dgm:presLayoutVars>
+          <dgm:dir/>
+          <dgm:animOne val="branch"/>
+          <dgm:animLvl val="lvl"/>
+        </dgm:presLayoutVars>
+      </dgm:prSet>
+      <dgm:spPr/>
+    </dgm:pt>
+    <dgm:pt modelId="{BF34E299-6F68-4F3D-B7C2-1487E1247A90}" type="pres">
+      <dgm:prSet presAssocID="{E55F6FFE-83F7-4117-96D8-13F19E23BAB7}" presName="thickLine" presStyleLbl="alignNode1" presStyleIdx="0" presStyleCnt="5"/>
+      <dgm:spPr/>
+    </dgm:pt>
+    <dgm:pt modelId="{25109FBB-0C40-4A01-8C82-0662CF730A5D}" type="pres">
+      <dgm:prSet presAssocID="{E55F6FFE-83F7-4117-96D8-13F19E23BAB7}" presName="horz1" presStyleCnt="0"/>
+      <dgm:spPr/>
+    </dgm:pt>
+    <dgm:pt modelId="{62B1A725-705C-4EAB-8CE2-F27E057E0F63}" type="pres">
+      <dgm:prSet presAssocID="{E55F6FFE-83F7-4117-96D8-13F19E23BAB7}" presName="tx1" presStyleLbl="revTx" presStyleIdx="0" presStyleCnt="5"/>
+      <dgm:spPr/>
+    </dgm:pt>
+    <dgm:pt modelId="{5BB12D70-A40F-4B8A-BE14-3D05EF37232E}" type="pres">
+      <dgm:prSet presAssocID="{E55F6FFE-83F7-4117-96D8-13F19E23BAB7}" presName="vert1" presStyleCnt="0"/>
+      <dgm:spPr/>
+    </dgm:pt>
+    <dgm:pt modelId="{0687B0F2-8718-4672-82EB-785D488A3EC2}" type="pres">
+      <dgm:prSet presAssocID="{801FEC95-2D9C-496D-944A-AF5C90A68FF8}" presName="thickLine" presStyleLbl="alignNode1" presStyleIdx="1" presStyleCnt="5"/>
+      <dgm:spPr/>
+    </dgm:pt>
+    <dgm:pt modelId="{CDE13E6E-0B20-4744-B0CA-06C6EF8E2937}" type="pres">
+      <dgm:prSet presAssocID="{801FEC95-2D9C-496D-944A-AF5C90A68FF8}" presName="horz1" presStyleCnt="0"/>
+      <dgm:spPr/>
+    </dgm:pt>
+    <dgm:pt modelId="{B39D0521-503F-41BD-9FA0-E99580C73C10}" type="pres">
+      <dgm:prSet presAssocID="{801FEC95-2D9C-496D-944A-AF5C90A68FF8}" presName="tx1" presStyleLbl="revTx" presStyleIdx="1" presStyleCnt="5"/>
+      <dgm:spPr/>
+    </dgm:pt>
+    <dgm:pt modelId="{59ED3EB8-02A1-4B1A-B467-A383922D6674}" type="pres">
+      <dgm:prSet presAssocID="{801FEC95-2D9C-496D-944A-AF5C90A68FF8}" presName="vert1" presStyleCnt="0"/>
+      <dgm:spPr/>
+    </dgm:pt>
+    <dgm:pt modelId="{067FA116-62F4-4303-816D-838AC254E89D}" type="pres">
+      <dgm:prSet presAssocID="{4193DADE-0FF9-4520-B449-8E48389043C1}" presName="thickLine" presStyleLbl="alignNode1" presStyleIdx="2" presStyleCnt="5"/>
+      <dgm:spPr/>
+    </dgm:pt>
+    <dgm:pt modelId="{B61C89A7-4CD7-4673-92DA-02D1A08EB95B}" type="pres">
+      <dgm:prSet presAssocID="{4193DADE-0FF9-4520-B449-8E48389043C1}" presName="horz1" presStyleCnt="0"/>
+      <dgm:spPr/>
+    </dgm:pt>
+    <dgm:pt modelId="{EB5EC58C-D621-4ECE-8DBA-05E60B7C7309}" type="pres">
+      <dgm:prSet presAssocID="{4193DADE-0FF9-4520-B449-8E48389043C1}" presName="tx1" presStyleLbl="revTx" presStyleIdx="2" presStyleCnt="5"/>
+      <dgm:spPr/>
+    </dgm:pt>
+    <dgm:pt modelId="{C35D2D4C-B652-4126-9A32-6933EF863ABE}" type="pres">
+      <dgm:prSet presAssocID="{4193DADE-0FF9-4520-B449-8E48389043C1}" presName="vert1" presStyleCnt="0"/>
+      <dgm:spPr/>
+    </dgm:pt>
+    <dgm:pt modelId="{D94C6F5B-820A-4043-ABCC-EE21FF6D1B05}" type="pres">
+      <dgm:prSet presAssocID="{A43EB28A-1526-4B80-AD44-10EC073D44FF}" presName="thickLine" presStyleLbl="alignNode1" presStyleIdx="3" presStyleCnt="5"/>
+      <dgm:spPr/>
+    </dgm:pt>
+    <dgm:pt modelId="{B7EF554E-6260-4BA7-A4E3-F0F9FFBB183B}" type="pres">
+      <dgm:prSet presAssocID="{A43EB28A-1526-4B80-AD44-10EC073D44FF}" presName="horz1" presStyleCnt="0"/>
+      <dgm:spPr/>
+    </dgm:pt>
+    <dgm:pt modelId="{A3825A68-E79D-4CFC-ADB1-50859E8C597E}" type="pres">
+      <dgm:prSet presAssocID="{A43EB28A-1526-4B80-AD44-10EC073D44FF}" presName="tx1" presStyleLbl="revTx" presStyleIdx="3" presStyleCnt="5"/>
+      <dgm:spPr/>
+    </dgm:pt>
+    <dgm:pt modelId="{D47A899A-AAF8-49BC-A69D-8193BD5DCE7C}" type="pres">
+      <dgm:prSet presAssocID="{A43EB28A-1526-4B80-AD44-10EC073D44FF}" presName="vert1" presStyleCnt="0"/>
+      <dgm:spPr/>
+    </dgm:pt>
+    <dgm:pt modelId="{C4B6CA03-E045-47B7-8260-93CF6C0B727D}" type="pres">
+      <dgm:prSet presAssocID="{0E44FC09-7B39-48C9-8678-1441851424CC}" presName="thickLine" presStyleLbl="alignNode1" presStyleIdx="4" presStyleCnt="5"/>
+      <dgm:spPr/>
+    </dgm:pt>
+    <dgm:pt modelId="{D3FFBCC3-142A-43A1-B218-0CA94506B2D0}" type="pres">
+      <dgm:prSet presAssocID="{0E44FC09-7B39-48C9-8678-1441851424CC}" presName="horz1" presStyleCnt="0"/>
+      <dgm:spPr/>
+    </dgm:pt>
+    <dgm:pt modelId="{C8E47EDC-33F2-4D69-B70B-14AC41230EB6}" type="pres">
+      <dgm:prSet presAssocID="{0E44FC09-7B39-48C9-8678-1441851424CC}" presName="tx1" presStyleLbl="revTx" presStyleIdx="4" presStyleCnt="5"/>
+      <dgm:spPr/>
+    </dgm:pt>
+    <dgm:pt modelId="{B62D9FB0-C710-48C6-886D-BA191C5C2567}" type="pres">
+      <dgm:prSet presAssocID="{0E44FC09-7B39-48C9-8678-1441851424CC}" presName="vert1" presStyleCnt="0"/>
+      <dgm:spPr/>
+    </dgm:pt>
+  </dgm:ptLst>
+  <dgm:cxnLst>
+    <dgm:cxn modelId="{CB8A242E-43C7-4395-B4E9-04621176D1DF}" type="presOf" srcId="{A43EB28A-1526-4B80-AD44-10EC073D44FF}" destId="{A3825A68-E79D-4CFC-ADB1-50859E8C597E}" srcOrd="0" destOrd="0" presId="urn:microsoft.com/office/officeart/2008/layout/LinedList"/>
+    <dgm:cxn modelId="{A49CF63E-C812-4B42-8B2F-EF3CEC7C45D3}" srcId="{3340A971-4CD3-4982-B255-1D2C46BED41D}" destId="{E55F6FFE-83F7-4117-96D8-13F19E23BAB7}" srcOrd="0" destOrd="0" parTransId="{EAE86FF7-5965-4CA0-B5C0-2A335DA4DA5A}" sibTransId="{7EAADDDE-1654-4FA3-9273-5D8A9B08959F}"/>
+    <dgm:cxn modelId="{8026FF71-CAAC-4AE4-A69A-80603866D0E3}" srcId="{3340A971-4CD3-4982-B255-1D2C46BED41D}" destId="{801FEC95-2D9C-496D-944A-AF5C90A68FF8}" srcOrd="1" destOrd="0" parTransId="{CD997D85-222A-4712-9E90-BCDADE8183B1}" sibTransId="{DC049864-2D9E-4ABF-9F43-3ACC7DDF8319}"/>
+    <dgm:cxn modelId="{81CB8D56-D896-4FF3-B046-8C945CAE1F09}" type="presOf" srcId="{3340A971-4CD3-4982-B255-1D2C46BED41D}" destId="{770E2525-044C-4173-B3B2-A996960EDBD4}" srcOrd="0" destOrd="0" presId="urn:microsoft.com/office/officeart/2008/layout/LinedList"/>
+    <dgm:cxn modelId="{D3C38D96-C0E2-4F8E-BFC0-12505C5F9B61}" type="presOf" srcId="{801FEC95-2D9C-496D-944A-AF5C90A68FF8}" destId="{B39D0521-503F-41BD-9FA0-E99580C73C10}" srcOrd="0" destOrd="0" presId="urn:microsoft.com/office/officeart/2008/layout/LinedList"/>
+    <dgm:cxn modelId="{40190AAC-1F75-45AC-909C-8E246770EF07}" srcId="{3340A971-4CD3-4982-B255-1D2C46BED41D}" destId="{0E44FC09-7B39-48C9-8678-1441851424CC}" srcOrd="4" destOrd="0" parTransId="{2FA2BEE6-AA9E-47A2-B036-28A8B00C617F}" sibTransId="{46C9002C-56CD-4911-A6D6-8E4AB5DCAE0C}"/>
+    <dgm:cxn modelId="{95A028B5-E990-4728-8F7B-0BB91418E517}" type="presOf" srcId="{E55F6FFE-83F7-4117-96D8-13F19E23BAB7}" destId="{62B1A725-705C-4EAB-8CE2-F27E057E0F63}" srcOrd="0" destOrd="0" presId="urn:microsoft.com/office/officeart/2008/layout/LinedList"/>
+    <dgm:cxn modelId="{8E7AC5B5-178C-4902-93E8-0EDA5A2C0558}" srcId="{3340A971-4CD3-4982-B255-1D2C46BED41D}" destId="{A43EB28A-1526-4B80-AD44-10EC073D44FF}" srcOrd="3" destOrd="0" parTransId="{4A17A990-D2D4-4D74-822E-ADC5F1596466}" sibTransId="{267818A0-15DA-4D45-94C3-ED73E7C617CB}"/>
+    <dgm:cxn modelId="{47A6FEBC-9306-4676-8424-6633B8FCC657}" type="presOf" srcId="{0E44FC09-7B39-48C9-8678-1441851424CC}" destId="{C8E47EDC-33F2-4D69-B70B-14AC41230EB6}" srcOrd="0" destOrd="0" presId="urn:microsoft.com/office/officeart/2008/layout/LinedList"/>
+    <dgm:cxn modelId="{664732C5-1DC4-4322-A174-3A9D6A09E616}" srcId="{3340A971-4CD3-4982-B255-1D2C46BED41D}" destId="{4193DADE-0FF9-4520-B449-8E48389043C1}" srcOrd="2" destOrd="0" parTransId="{2FF0DC44-19CA-4475-9C00-C4DAB4883793}" sibTransId="{A7D94581-8EBC-4F24-B176-7E9038B265A0}"/>
+    <dgm:cxn modelId="{A8E4D1EC-F928-44E8-B712-3DA3FED65379}" type="presOf" srcId="{4193DADE-0FF9-4520-B449-8E48389043C1}" destId="{EB5EC58C-D621-4ECE-8DBA-05E60B7C7309}" srcOrd="0" destOrd="0" presId="urn:microsoft.com/office/officeart/2008/layout/LinedList"/>
+    <dgm:cxn modelId="{A7E34A8A-4773-4613-8062-97DA1A253687}" type="presParOf" srcId="{770E2525-044C-4173-B3B2-A996960EDBD4}" destId="{BF34E299-6F68-4F3D-B7C2-1487E1247A90}" srcOrd="0" destOrd="0" presId="urn:microsoft.com/office/officeart/2008/layout/LinedList"/>
+    <dgm:cxn modelId="{E900D9C7-C871-4333-BC5A-A29A4B1A2DF5}" type="presParOf" srcId="{770E2525-044C-4173-B3B2-A996960EDBD4}" destId="{25109FBB-0C40-4A01-8C82-0662CF730A5D}" srcOrd="1" destOrd="0" presId="urn:microsoft.com/office/officeart/2008/layout/LinedList"/>
+    <dgm:cxn modelId="{226C21BD-4C95-49FB-8D4D-D2D949911F50}" type="presParOf" srcId="{25109FBB-0C40-4A01-8C82-0662CF730A5D}" destId="{62B1A725-705C-4EAB-8CE2-F27E057E0F63}" srcOrd="0" destOrd="0" presId="urn:microsoft.com/office/officeart/2008/layout/LinedList"/>
+    <dgm:cxn modelId="{F3E0F6E6-B7DC-41B8-87B9-3AAE8CE2627F}" type="presParOf" srcId="{25109FBB-0C40-4A01-8C82-0662CF730A5D}" destId="{5BB12D70-A40F-4B8A-BE14-3D05EF37232E}" srcOrd="1" destOrd="0" presId="urn:microsoft.com/office/officeart/2008/layout/LinedList"/>
+    <dgm:cxn modelId="{59CC787E-38C6-40CC-8CE1-D8838589CC22}" type="presParOf" srcId="{770E2525-044C-4173-B3B2-A996960EDBD4}" destId="{0687B0F2-8718-4672-82EB-785D488A3EC2}" srcOrd="2" destOrd="0" presId="urn:microsoft.com/office/officeart/2008/layout/LinedList"/>
+    <dgm:cxn modelId="{F9B4C1E2-1930-4927-8080-03058B396B85}" type="presParOf" srcId="{770E2525-044C-4173-B3B2-A996960EDBD4}" destId="{CDE13E6E-0B20-4744-B0CA-06C6EF8E2937}" srcOrd="3" destOrd="0" presId="urn:microsoft.com/office/officeart/2008/layout/LinedList"/>
+    <dgm:cxn modelId="{5B33DADE-872C-43D7-A855-9CE3993EA183}" type="presParOf" srcId="{CDE13E6E-0B20-4744-B0CA-06C6EF8E2937}" destId="{B39D0521-503F-41BD-9FA0-E99580C73C10}" srcOrd="0" destOrd="0" presId="urn:microsoft.com/office/officeart/2008/layout/LinedList"/>
+    <dgm:cxn modelId="{8109E572-9916-4175-9763-7F5BBC3EF4E5}" type="presParOf" srcId="{CDE13E6E-0B20-4744-B0CA-06C6EF8E2937}" destId="{59ED3EB8-02A1-4B1A-B467-A383922D6674}" srcOrd="1" destOrd="0" presId="urn:microsoft.com/office/officeart/2008/layout/LinedList"/>
+    <dgm:cxn modelId="{34A8D3AB-22B6-4A5D-A4B7-013FDD92209E}" type="presParOf" srcId="{770E2525-044C-4173-B3B2-A996960EDBD4}" destId="{067FA116-62F4-4303-816D-838AC254E89D}" srcOrd="4" destOrd="0" presId="urn:microsoft.com/office/officeart/2008/layout/LinedList"/>
+    <dgm:cxn modelId="{2F582F16-267E-4FA6-909C-8FAE370E55EF}" type="presParOf" srcId="{770E2525-044C-4173-B3B2-A996960EDBD4}" destId="{B61C89A7-4CD7-4673-92DA-02D1A08EB95B}" srcOrd="5" destOrd="0" presId="urn:microsoft.com/office/officeart/2008/layout/LinedList"/>
+    <dgm:cxn modelId="{D70BB207-7479-4E94-A95A-65EC2A962EDC}" type="presParOf" srcId="{B61C89A7-4CD7-4673-92DA-02D1A08EB95B}" destId="{EB5EC58C-D621-4ECE-8DBA-05E60B7C7309}" srcOrd="0" destOrd="0" presId="urn:microsoft.com/office/officeart/2008/layout/LinedList"/>
+    <dgm:cxn modelId="{C7F25C0E-A3C0-4C58-A6E4-EE0E47FFB6CF}" type="presParOf" srcId="{B61C89A7-4CD7-4673-92DA-02D1A08EB95B}" destId="{C35D2D4C-B652-4126-9A32-6933EF863ABE}" srcOrd="1" destOrd="0" presId="urn:microsoft.com/office/officeart/2008/layout/LinedList"/>
+    <dgm:cxn modelId="{E02345BA-C5D5-4595-8229-F29E5234ABC2}" type="presParOf" srcId="{770E2525-044C-4173-B3B2-A996960EDBD4}" destId="{D94C6F5B-820A-4043-ABCC-EE21FF6D1B05}" srcOrd="6" destOrd="0" presId="urn:microsoft.com/office/officeart/2008/layout/LinedList"/>
+    <dgm:cxn modelId="{0F2FD5BB-2B96-4068-A848-DB249A06CE93}" type="presParOf" srcId="{770E2525-044C-4173-B3B2-A996960EDBD4}" destId="{B7EF554E-6260-4BA7-A4E3-F0F9FFBB183B}" srcOrd="7" destOrd="0" presId="urn:microsoft.com/office/officeart/2008/layout/LinedList"/>
+    <dgm:cxn modelId="{68BD50E8-0568-4AC5-B4BE-1017FF6DCC58}" type="presParOf" srcId="{B7EF554E-6260-4BA7-A4E3-F0F9FFBB183B}" destId="{A3825A68-E79D-4CFC-ADB1-50859E8C597E}" srcOrd="0" destOrd="0" presId="urn:microsoft.com/office/officeart/2008/layout/LinedList"/>
+    <dgm:cxn modelId="{9529A064-4B1E-4D46-AC65-60309DA62970}" type="presParOf" srcId="{B7EF554E-6260-4BA7-A4E3-F0F9FFBB183B}" destId="{D47A899A-AAF8-49BC-A69D-8193BD5DCE7C}" srcOrd="1" destOrd="0" presId="urn:microsoft.com/office/officeart/2008/layout/LinedList"/>
+    <dgm:cxn modelId="{150981DA-6E85-47A7-AFF6-44506D4B750C}" type="presParOf" srcId="{770E2525-044C-4173-B3B2-A996960EDBD4}" destId="{C4B6CA03-E045-47B7-8260-93CF6C0B727D}" srcOrd="8" destOrd="0" presId="urn:microsoft.com/office/officeart/2008/layout/LinedList"/>
+    <dgm:cxn modelId="{97DBBF28-9D2B-4FD2-B620-43F1C92464F2}" type="presParOf" srcId="{770E2525-044C-4173-B3B2-A996960EDBD4}" destId="{D3FFBCC3-142A-43A1-B218-0CA94506B2D0}" srcOrd="9" destOrd="0" presId="urn:microsoft.com/office/officeart/2008/layout/LinedList"/>
+    <dgm:cxn modelId="{0CBC7EAC-99F3-4F15-8FAB-C3BCBFAB7DC2}" type="presParOf" srcId="{D3FFBCC3-142A-43A1-B218-0CA94506B2D0}" destId="{C8E47EDC-33F2-4D69-B70B-14AC41230EB6}" srcOrd="0" destOrd="0" presId="urn:microsoft.com/office/officeart/2008/layout/LinedList"/>
+    <dgm:cxn modelId="{AFE58097-A214-4969-916A-40F6CEA8962A}" type="presParOf" srcId="{D3FFBCC3-142A-43A1-B218-0CA94506B2D0}" destId="{B62D9FB0-C710-48C6-886D-BA191C5C2567}" srcOrd="1" destOrd="0" presId="urn:microsoft.com/office/officeart/2008/layout/LinedList"/>
+  </dgm:cxnLst>
+  <dgm:bg/>
+  <dgm:whole/>
+  <dgm:extLst>
+    <a:ext uri="http://schemas.microsoft.com/office/drawing/2008/diagram">
+      <dsp:dataModelExt xmlns:dsp="http://schemas.microsoft.com/office/drawing/2008/diagram" relId="rId7" minVer="http://schemas.openxmlformats.org/drawingml/2006/diagram"/>
+    </a:ext>
+  </dgm:extLst>
+</dgm:dataModel>
+</file>
+
+<file path=ppt/diagrams/data2.xml><?xml version="1.0" encoding="utf-8"?>
+<dgm:dataModel xmlns:dgm="http://schemas.openxmlformats.org/drawingml/2006/diagram" xmlns:a="http://schemas.openxmlformats.org/drawingml/2006/main">
+  <dgm:ptLst>
+    <dgm:pt modelId="{7D942F3F-2553-4DCE-902E-5EB5742EE1AE}" type="doc">
+      <dgm:prSet loTypeId="urn:microsoft.com/office/officeart/2005/8/layout/default" loCatId="list" qsTypeId="urn:microsoft.com/office/officeart/2005/8/quickstyle/simple1" qsCatId="simple" csTypeId="urn:microsoft.com/office/officeart/2005/8/colors/colorful2" csCatId="colorful"/>
+      <dgm:spPr/>
+      <dgm:t>
+        <a:bodyPr/>
+        <a:lstStyle/>
+        <a:p>
+          <a:endParaRPr lang="en-US"/>
+        </a:p>
+      </dgm:t>
+    </dgm:pt>
+    <dgm:pt modelId="{B11950FC-1986-4BCE-970B-DB409EA5355E}">
+      <dgm:prSet/>
+      <dgm:spPr/>
+      <dgm:t>
+        <a:bodyPr/>
+        <a:lstStyle/>
+        <a:p>
+          <a:r>
+            <a:rPr lang="en-US" dirty="0">
+              <a:latin typeface="微软雅黑" panose="020B0503020204020204" pitchFamily="34" charset="-122"/>
+              <a:ea typeface="微软雅黑" panose="020B0503020204020204" pitchFamily="34" charset="-122"/>
+            </a:rPr>
+            <a:t>1. </a:t>
+          </a:r>
+          <a:r>
+            <a:rPr lang="zh-CN" dirty="0">
+              <a:latin typeface="微软雅黑" panose="020B0503020204020204" pitchFamily="34" charset="-122"/>
+              <a:ea typeface="微软雅黑" panose="020B0503020204020204" pitchFamily="34" charset="-122"/>
+            </a:rPr>
+            <a:t>图片预处理：如何将人脸照片转换为</a:t>
+          </a:r>
+          <a:r>
+            <a:rPr lang="en-US" dirty="0">
+              <a:latin typeface="微软雅黑" panose="020B0503020204020204" pitchFamily="34" charset="-122"/>
+              <a:ea typeface="微软雅黑" panose="020B0503020204020204" pitchFamily="34" charset="-122"/>
+            </a:rPr>
+            <a:t>PCA</a:t>
+          </a:r>
+          <a:r>
+            <a:rPr lang="zh-CN" dirty="0">
+              <a:latin typeface="微软雅黑" panose="020B0503020204020204" pitchFamily="34" charset="-122"/>
+              <a:ea typeface="微软雅黑" panose="020B0503020204020204" pitchFamily="34" charset="-122"/>
+            </a:rPr>
+            <a:t>需要的数据？</a:t>
+          </a:r>
+          <a:endParaRPr lang="en-US" dirty="0">
+            <a:latin typeface="微软雅黑" panose="020B0503020204020204" pitchFamily="34" charset="-122"/>
+            <a:ea typeface="微软雅黑" panose="020B0503020204020204" pitchFamily="34" charset="-122"/>
+          </a:endParaRPr>
+        </a:p>
+      </dgm:t>
+    </dgm:pt>
+    <dgm:pt modelId="{B89E116C-FF30-4998-B92C-78FE13EA3AF3}" type="parTrans" cxnId="{7E8458EA-BB9B-40EA-9634-86D00921646C}">
+      <dgm:prSet/>
+      <dgm:spPr/>
+      <dgm:t>
+        <a:bodyPr/>
+        <a:lstStyle/>
+        <a:p>
+          <a:endParaRPr lang="en-US">
+            <a:latin typeface="微软雅黑" panose="020B0503020204020204" pitchFamily="34" charset="-122"/>
+            <a:ea typeface="微软雅黑" panose="020B0503020204020204" pitchFamily="34" charset="-122"/>
+          </a:endParaRPr>
+        </a:p>
+      </dgm:t>
+    </dgm:pt>
+    <dgm:pt modelId="{A31A3A59-5AA1-4AEE-AF6E-D615570FDA6B}" type="sibTrans" cxnId="{7E8458EA-BB9B-40EA-9634-86D00921646C}">
+      <dgm:prSet/>
+      <dgm:spPr/>
+      <dgm:t>
+        <a:bodyPr/>
+        <a:lstStyle/>
+        <a:p>
+          <a:endParaRPr lang="en-US">
+            <a:latin typeface="微软雅黑" panose="020B0503020204020204" pitchFamily="34" charset="-122"/>
+            <a:ea typeface="微软雅黑" panose="020B0503020204020204" pitchFamily="34" charset="-122"/>
+          </a:endParaRPr>
+        </a:p>
+      </dgm:t>
+    </dgm:pt>
+    <dgm:pt modelId="{E1046B36-9C8F-461E-B4DA-E88F926DE504}">
+      <dgm:prSet/>
+      <dgm:spPr/>
+      <dgm:t>
+        <a:bodyPr/>
+        <a:lstStyle/>
+        <a:p>
+          <a:r>
+            <a:rPr lang="en-US">
+              <a:latin typeface="微软雅黑" panose="020B0503020204020204" pitchFamily="34" charset="-122"/>
+              <a:ea typeface="微软雅黑" panose="020B0503020204020204" pitchFamily="34" charset="-122"/>
+            </a:rPr>
+            <a:t>2. PCA</a:t>
+          </a:r>
+          <a:r>
+            <a:rPr lang="zh-CN">
+              <a:latin typeface="微软雅黑" panose="020B0503020204020204" pitchFamily="34" charset="-122"/>
+              <a:ea typeface="微软雅黑" panose="020B0503020204020204" pitchFamily="34" charset="-122"/>
+            </a:rPr>
+            <a:t>的实现：如何自己写出</a:t>
+          </a:r>
+          <a:r>
+            <a:rPr lang="en-US">
+              <a:latin typeface="微软雅黑" panose="020B0503020204020204" pitchFamily="34" charset="-122"/>
+              <a:ea typeface="微软雅黑" panose="020B0503020204020204" pitchFamily="34" charset="-122"/>
+            </a:rPr>
+            <a:t>PCA</a:t>
+          </a:r>
+          <a:r>
+            <a:rPr lang="zh-CN">
+              <a:latin typeface="微软雅黑" panose="020B0503020204020204" pitchFamily="34" charset="-122"/>
+              <a:ea typeface="微软雅黑" panose="020B0503020204020204" pitchFamily="34" charset="-122"/>
+            </a:rPr>
+            <a:t>函数并利用它提取主要信息？</a:t>
+          </a:r>
+          <a:endParaRPr lang="en-US">
+            <a:latin typeface="微软雅黑" panose="020B0503020204020204" pitchFamily="34" charset="-122"/>
+            <a:ea typeface="微软雅黑" panose="020B0503020204020204" pitchFamily="34" charset="-122"/>
+          </a:endParaRPr>
+        </a:p>
+      </dgm:t>
+    </dgm:pt>
+    <dgm:pt modelId="{59EF4556-C1C5-4D0E-B44E-DF64E19E3736}" type="parTrans" cxnId="{DD485A09-BC7D-42AB-A980-502C2B218E2A}">
+      <dgm:prSet/>
+      <dgm:spPr/>
+      <dgm:t>
+        <a:bodyPr/>
+        <a:lstStyle/>
+        <a:p>
+          <a:endParaRPr lang="en-US">
+            <a:latin typeface="微软雅黑" panose="020B0503020204020204" pitchFamily="34" charset="-122"/>
+            <a:ea typeface="微软雅黑" panose="020B0503020204020204" pitchFamily="34" charset="-122"/>
+          </a:endParaRPr>
+        </a:p>
+      </dgm:t>
+    </dgm:pt>
+    <dgm:pt modelId="{EDB00BCC-80B6-4159-BFA3-7E8B662E7BB8}" type="sibTrans" cxnId="{DD485A09-BC7D-42AB-A980-502C2B218E2A}">
+      <dgm:prSet/>
+      <dgm:spPr/>
+      <dgm:t>
+        <a:bodyPr/>
+        <a:lstStyle/>
+        <a:p>
+          <a:endParaRPr lang="en-US">
+            <a:latin typeface="微软雅黑" panose="020B0503020204020204" pitchFamily="34" charset="-122"/>
+            <a:ea typeface="微软雅黑" panose="020B0503020204020204" pitchFamily="34" charset="-122"/>
+          </a:endParaRPr>
+        </a:p>
+      </dgm:t>
+    </dgm:pt>
+    <dgm:pt modelId="{E37163C5-4075-4E9A-BA6F-0025F7E68C85}">
+      <dgm:prSet/>
+      <dgm:spPr/>
+      <dgm:t>
+        <a:bodyPr/>
+        <a:lstStyle/>
+        <a:p>
+          <a:r>
+            <a:rPr lang="en-US">
+              <a:latin typeface="微软雅黑" panose="020B0503020204020204" pitchFamily="34" charset="-122"/>
+              <a:ea typeface="微软雅黑" panose="020B0503020204020204" pitchFamily="34" charset="-122"/>
+            </a:rPr>
+            <a:t>3. </a:t>
+          </a:r>
+          <a:r>
+            <a:rPr lang="zh-CN">
+              <a:latin typeface="微软雅黑" panose="020B0503020204020204" pitchFamily="34" charset="-122"/>
+              <a:ea typeface="微软雅黑" panose="020B0503020204020204" pitchFamily="34" charset="-122"/>
+            </a:rPr>
+            <a:t>降维压缩：如何利用提取到的信息压缩照片？</a:t>
+          </a:r>
+          <a:endParaRPr lang="en-US">
+            <a:latin typeface="微软雅黑" panose="020B0503020204020204" pitchFamily="34" charset="-122"/>
+            <a:ea typeface="微软雅黑" panose="020B0503020204020204" pitchFamily="34" charset="-122"/>
+          </a:endParaRPr>
+        </a:p>
+      </dgm:t>
+    </dgm:pt>
+    <dgm:pt modelId="{E806FB0A-E191-43DD-B553-EA6B8862FB29}" type="parTrans" cxnId="{A7F7954E-6A09-4B92-A567-A327E47EA725}">
+      <dgm:prSet/>
+      <dgm:spPr/>
+      <dgm:t>
+        <a:bodyPr/>
+        <a:lstStyle/>
+        <a:p>
+          <a:endParaRPr lang="en-US">
+            <a:latin typeface="微软雅黑" panose="020B0503020204020204" pitchFamily="34" charset="-122"/>
+            <a:ea typeface="微软雅黑" panose="020B0503020204020204" pitchFamily="34" charset="-122"/>
+          </a:endParaRPr>
+        </a:p>
+      </dgm:t>
+    </dgm:pt>
+    <dgm:pt modelId="{9B46CE15-F651-4EEC-BEB2-94241BF2E485}" type="sibTrans" cxnId="{A7F7954E-6A09-4B92-A567-A327E47EA725}">
+      <dgm:prSet/>
+      <dgm:spPr/>
+      <dgm:t>
+        <a:bodyPr/>
+        <a:lstStyle/>
+        <a:p>
+          <a:endParaRPr lang="en-US">
+            <a:latin typeface="微软雅黑" panose="020B0503020204020204" pitchFamily="34" charset="-122"/>
+            <a:ea typeface="微软雅黑" panose="020B0503020204020204" pitchFamily="34" charset="-122"/>
+          </a:endParaRPr>
+        </a:p>
+      </dgm:t>
+    </dgm:pt>
+    <dgm:pt modelId="{F060798A-8A30-44D2-891C-2E4031095D50}" type="pres">
+      <dgm:prSet presAssocID="{7D942F3F-2553-4DCE-902E-5EB5742EE1AE}" presName="diagram" presStyleCnt="0">
+        <dgm:presLayoutVars>
+          <dgm:dir/>
+          <dgm:resizeHandles val="exact"/>
+        </dgm:presLayoutVars>
+      </dgm:prSet>
+      <dgm:spPr/>
+    </dgm:pt>
+    <dgm:pt modelId="{31FC160A-B8CA-460A-BCC2-C91F528E3641}" type="pres">
+      <dgm:prSet presAssocID="{B11950FC-1986-4BCE-970B-DB409EA5355E}" presName="node" presStyleLbl="node1" presStyleIdx="0" presStyleCnt="3">
+        <dgm:presLayoutVars>
+          <dgm:bulletEnabled val="1"/>
+        </dgm:presLayoutVars>
+      </dgm:prSet>
+      <dgm:spPr/>
+    </dgm:pt>
+    <dgm:pt modelId="{A114AB84-C697-43B5-9604-DB9BC59A7041}" type="pres">
+      <dgm:prSet presAssocID="{A31A3A59-5AA1-4AEE-AF6E-D615570FDA6B}" presName="sibTrans" presStyleCnt="0"/>
+      <dgm:spPr/>
+    </dgm:pt>
+    <dgm:pt modelId="{0AE75ADE-9597-4139-AE2B-C20221491B49}" type="pres">
+      <dgm:prSet presAssocID="{E1046B36-9C8F-461E-B4DA-E88F926DE504}" presName="node" presStyleLbl="node1" presStyleIdx="1" presStyleCnt="3">
+        <dgm:presLayoutVars>
+          <dgm:bulletEnabled val="1"/>
+        </dgm:presLayoutVars>
+      </dgm:prSet>
+      <dgm:spPr/>
+    </dgm:pt>
+    <dgm:pt modelId="{54C69896-D201-4BF9-B463-E00F3C05BF10}" type="pres">
+      <dgm:prSet presAssocID="{EDB00BCC-80B6-4159-BFA3-7E8B662E7BB8}" presName="sibTrans" presStyleCnt="0"/>
+      <dgm:spPr/>
+    </dgm:pt>
+    <dgm:pt modelId="{79CDEA11-2AF7-48C8-A757-77155AC2C5DE}" type="pres">
+      <dgm:prSet presAssocID="{E37163C5-4075-4E9A-BA6F-0025F7E68C85}" presName="node" presStyleLbl="node1" presStyleIdx="2" presStyleCnt="3">
+        <dgm:presLayoutVars>
+          <dgm:bulletEnabled val="1"/>
+        </dgm:presLayoutVars>
+      </dgm:prSet>
+      <dgm:spPr/>
+    </dgm:pt>
+  </dgm:ptLst>
+  <dgm:cxnLst>
+    <dgm:cxn modelId="{DD485A09-BC7D-42AB-A980-502C2B218E2A}" srcId="{7D942F3F-2553-4DCE-902E-5EB5742EE1AE}" destId="{E1046B36-9C8F-461E-B4DA-E88F926DE504}" srcOrd="1" destOrd="0" parTransId="{59EF4556-C1C5-4D0E-B44E-DF64E19E3736}" sibTransId="{EDB00BCC-80B6-4159-BFA3-7E8B662E7BB8}"/>
+    <dgm:cxn modelId="{71B3AE5F-7D22-419C-A721-EA4760D45190}" type="presOf" srcId="{B11950FC-1986-4BCE-970B-DB409EA5355E}" destId="{31FC160A-B8CA-460A-BCC2-C91F528E3641}" srcOrd="0" destOrd="0" presId="urn:microsoft.com/office/officeart/2005/8/layout/default"/>
+    <dgm:cxn modelId="{87C14460-F359-4C8B-BF4B-0EC9494A1EBE}" type="presOf" srcId="{E37163C5-4075-4E9A-BA6F-0025F7E68C85}" destId="{79CDEA11-2AF7-48C8-A757-77155AC2C5DE}" srcOrd="0" destOrd="0" presId="urn:microsoft.com/office/officeart/2005/8/layout/default"/>
+    <dgm:cxn modelId="{A7F7954E-6A09-4B92-A567-A327E47EA725}" srcId="{7D942F3F-2553-4DCE-902E-5EB5742EE1AE}" destId="{E37163C5-4075-4E9A-BA6F-0025F7E68C85}" srcOrd="2" destOrd="0" parTransId="{E806FB0A-E191-43DD-B553-EA6B8862FB29}" sibTransId="{9B46CE15-F651-4EEC-BEB2-94241BF2E485}"/>
+    <dgm:cxn modelId="{DD85C18D-C591-455A-8DEF-581FBD0A929C}" type="presOf" srcId="{E1046B36-9C8F-461E-B4DA-E88F926DE504}" destId="{0AE75ADE-9597-4139-AE2B-C20221491B49}" srcOrd="0" destOrd="0" presId="urn:microsoft.com/office/officeart/2005/8/layout/default"/>
+    <dgm:cxn modelId="{7E8458EA-BB9B-40EA-9634-86D00921646C}" srcId="{7D942F3F-2553-4DCE-902E-5EB5742EE1AE}" destId="{B11950FC-1986-4BCE-970B-DB409EA5355E}" srcOrd="0" destOrd="0" parTransId="{B89E116C-FF30-4998-B92C-78FE13EA3AF3}" sibTransId="{A31A3A59-5AA1-4AEE-AF6E-D615570FDA6B}"/>
+    <dgm:cxn modelId="{A80AF3F7-0054-4D96-94F9-3F9F57C330B5}" type="presOf" srcId="{7D942F3F-2553-4DCE-902E-5EB5742EE1AE}" destId="{F060798A-8A30-44D2-891C-2E4031095D50}" srcOrd="0" destOrd="0" presId="urn:microsoft.com/office/officeart/2005/8/layout/default"/>
+    <dgm:cxn modelId="{78C3C5A2-0EEB-43B6-974B-4390B4FCEC62}" type="presParOf" srcId="{F060798A-8A30-44D2-891C-2E4031095D50}" destId="{31FC160A-B8CA-460A-BCC2-C91F528E3641}" srcOrd="0" destOrd="0" presId="urn:microsoft.com/office/officeart/2005/8/layout/default"/>
+    <dgm:cxn modelId="{B4643D47-CF3E-4FD0-B63D-7169002D1A18}" type="presParOf" srcId="{F060798A-8A30-44D2-891C-2E4031095D50}" destId="{A114AB84-C697-43B5-9604-DB9BC59A7041}" srcOrd="1" destOrd="0" presId="urn:microsoft.com/office/officeart/2005/8/layout/default"/>
+    <dgm:cxn modelId="{8CFB8FD5-6FCE-453B-874B-740717D620C0}" type="presParOf" srcId="{F060798A-8A30-44D2-891C-2E4031095D50}" destId="{0AE75ADE-9597-4139-AE2B-C20221491B49}" srcOrd="2" destOrd="0" presId="urn:microsoft.com/office/officeart/2005/8/layout/default"/>
+    <dgm:cxn modelId="{546F645C-58E1-4C5F-ADEA-F562456E5170}" type="presParOf" srcId="{F060798A-8A30-44D2-891C-2E4031095D50}" destId="{54C69896-D201-4BF9-B463-E00F3C05BF10}" srcOrd="3" destOrd="0" presId="urn:microsoft.com/office/officeart/2005/8/layout/default"/>
+    <dgm:cxn modelId="{D6797336-8AFB-496F-999C-8069B135DF47}" type="presParOf" srcId="{F060798A-8A30-44D2-891C-2E4031095D50}" destId="{79CDEA11-2AF7-48C8-A757-77155AC2C5DE}" srcOrd="4" destOrd="0" presId="urn:microsoft.com/office/officeart/2005/8/layout/default"/>
+  </dgm:cxnLst>
+  <dgm:bg/>
+  <dgm:whole/>
+  <dgm:extLst>
+    <a:ext uri="http://schemas.microsoft.com/office/drawing/2008/diagram">
+      <dsp:dataModelExt xmlns:dsp="http://schemas.microsoft.com/office/drawing/2008/diagram" relId="rId6" minVer="http://schemas.openxmlformats.org/drawingml/2006/diagram"/>
+    </a:ext>
+  </dgm:extLst>
+</dgm:dataModel>
+</file>
+
+<file path=ppt/diagrams/drawing1.xml><?xml version="1.0" encoding="utf-8"?>
+<dsp:drawing xmlns:dgm="http://schemas.openxmlformats.org/drawingml/2006/diagram" xmlns:dsp="http://schemas.microsoft.com/office/drawing/2008/diagram" xmlns:a="http://schemas.openxmlformats.org/drawingml/2006/main">
+  <dsp:spTree>
+    <dsp:nvGrpSpPr>
+      <dsp:cNvPr id="0" name=""/>
+      <dsp:cNvGrpSpPr/>
+    </dsp:nvGrpSpPr>
+    <dsp:grpSpPr/>
+    <dsp:sp modelId="{BF34E299-6F68-4F3D-B7C2-1487E1247A90}">
+      <dsp:nvSpPr>
+        <dsp:cNvPr id="0" name=""/>
+        <dsp:cNvSpPr/>
+      </dsp:nvSpPr>
+      <dsp:spPr>
+        <a:xfrm>
+          <a:off x="0" y="462"/>
+          <a:ext cx="10058399" cy="0"/>
+        </a:xfrm>
+        <a:prstGeom prst="line">
+          <a:avLst/>
+        </a:prstGeom>
+        <a:solidFill>
+          <a:schemeClr val="accent3">
+            <a:hueOff val="0"/>
+            <a:satOff val="0"/>
+            <a:lumOff val="0"/>
+            <a:alphaOff val="0"/>
+          </a:schemeClr>
+        </a:solidFill>
+        <a:ln w="15875" cap="flat" cmpd="sng" algn="ctr">
+          <a:solidFill>
+            <a:schemeClr val="accent3">
+              <a:hueOff val="0"/>
+              <a:satOff val="0"/>
+              <a:lumOff val="0"/>
+              <a:alphaOff val="0"/>
+            </a:schemeClr>
+          </a:solidFill>
+          <a:prstDash val="solid"/>
+        </a:ln>
+        <a:effectLst/>
+      </dsp:spPr>
+      <dsp:style>
+        <a:lnRef idx="2">
+          <a:scrgbClr r="0" g="0" b="0"/>
+        </a:lnRef>
+        <a:fillRef idx="1">
+          <a:scrgbClr r="0" g="0" b="0"/>
+        </a:fillRef>
+        <a:effectRef idx="0">
+          <a:scrgbClr r="0" g="0" b="0"/>
+        </a:effectRef>
+        <a:fontRef idx="minor">
+          <a:schemeClr val="lt1"/>
+        </a:fontRef>
+      </dsp:style>
+    </dsp:sp>
+    <dsp:sp modelId="{62B1A725-705C-4EAB-8CE2-F27E057E0F63}">
+      <dsp:nvSpPr>
+        <dsp:cNvPr id="0" name=""/>
+        <dsp:cNvSpPr/>
+      </dsp:nvSpPr>
+      <dsp:spPr>
+        <a:xfrm>
+          <a:off x="0" y="462"/>
+          <a:ext cx="10058399" cy="757031"/>
+        </a:xfrm>
+        <a:prstGeom prst="rect">
+          <a:avLst/>
+        </a:prstGeom>
+        <a:noFill/>
+        <a:ln>
+          <a:noFill/>
+        </a:ln>
+        <a:effectLst/>
+      </dsp:spPr>
+      <dsp:style>
+        <a:lnRef idx="0">
+          <a:scrgbClr r="0" g="0" b="0"/>
+        </a:lnRef>
+        <a:fillRef idx="0">
+          <a:scrgbClr r="0" g="0" b="0"/>
+        </a:fillRef>
+        <a:effectRef idx="0">
+          <a:scrgbClr r="0" g="0" b="0"/>
+        </a:effectRef>
+        <a:fontRef idx="minor"/>
+      </dsp:style>
+      <dsp:txBody>
+        <a:bodyPr spcFirstLastPara="0" vert="horz" wrap="square" lIns="99060" tIns="99060" rIns="99060" bIns="99060" numCol="1" spcCol="1270" anchor="t" anchorCtr="0">
+          <a:noAutofit/>
+        </a:bodyPr>
+        <a:lstStyle/>
+        <a:p>
+          <a:pPr marL="0" lvl="0" indent="0" algn="l" defTabSz="1155700">
+            <a:lnSpc>
+              <a:spcPct val="90000"/>
+            </a:lnSpc>
+            <a:spcBef>
+              <a:spcPct val="0"/>
+            </a:spcBef>
+            <a:spcAft>
+              <a:spcPct val="35000"/>
+            </a:spcAft>
+            <a:buNone/>
+          </a:pPr>
+          <a:r>
+            <a:rPr lang="en-US" sz="2600" kern="1200" dirty="0">
+              <a:latin typeface="微软雅黑" panose="020B0503020204020204" pitchFamily="34" charset="-122"/>
+              <a:ea typeface="微软雅黑" panose="020B0503020204020204" pitchFamily="34" charset="-122"/>
+            </a:rPr>
+            <a:t>1. </a:t>
+          </a:r>
+          <a:r>
+            <a:rPr lang="zh-CN" sz="2600" kern="1200" dirty="0">
+              <a:latin typeface="微软雅黑" panose="020B0503020204020204" pitchFamily="34" charset="-122"/>
+              <a:ea typeface="微软雅黑" panose="020B0503020204020204" pitchFamily="34" charset="-122"/>
+            </a:rPr>
+            <a:t>用</a:t>
+          </a:r>
+          <a:r>
+            <a:rPr lang="en-US" sz="2600" kern="1200" dirty="0">
+              <a:latin typeface="微软雅黑" panose="020B0503020204020204" pitchFamily="34" charset="-122"/>
+              <a:ea typeface="微软雅黑" panose="020B0503020204020204" pitchFamily="34" charset="-122"/>
+            </a:rPr>
+            <a:t>PCA</a:t>
+          </a:r>
+          <a:r>
+            <a:rPr lang="zh-CN" sz="2600" kern="1200" dirty="0">
+              <a:latin typeface="微软雅黑" panose="020B0503020204020204" pitchFamily="34" charset="-122"/>
+              <a:ea typeface="微软雅黑" panose="020B0503020204020204" pitchFamily="34" charset="-122"/>
+            </a:rPr>
+            <a:t>降维（压缩）后，所得到的人脸图片与原始人脸图片对比。</a:t>
+          </a:r>
+          <a:endParaRPr lang="en-US" sz="2600" kern="1200" dirty="0">
+            <a:latin typeface="微软雅黑" panose="020B0503020204020204" pitchFamily="34" charset="-122"/>
+            <a:ea typeface="微软雅黑" panose="020B0503020204020204" pitchFamily="34" charset="-122"/>
+          </a:endParaRPr>
+        </a:p>
+      </dsp:txBody>
+      <dsp:txXfrm>
+        <a:off x="0" y="462"/>
+        <a:ext cx="10058399" cy="757031"/>
+      </dsp:txXfrm>
+    </dsp:sp>
+    <dsp:sp modelId="{0687B0F2-8718-4672-82EB-785D488A3EC2}">
+      <dsp:nvSpPr>
+        <dsp:cNvPr id="0" name=""/>
+        <dsp:cNvSpPr/>
+      </dsp:nvSpPr>
+      <dsp:spPr>
+        <a:xfrm>
+          <a:off x="0" y="757493"/>
+          <a:ext cx="10058399" cy="0"/>
+        </a:xfrm>
+        <a:prstGeom prst="line">
+          <a:avLst/>
+        </a:prstGeom>
+        <a:solidFill>
+          <a:schemeClr val="accent3">
+            <a:hueOff val="0"/>
+            <a:satOff val="0"/>
+            <a:lumOff val="0"/>
+            <a:alphaOff val="0"/>
+          </a:schemeClr>
+        </a:solidFill>
+        <a:ln w="15875" cap="flat" cmpd="sng" algn="ctr">
+          <a:solidFill>
+            <a:schemeClr val="accent3">
+              <a:hueOff val="0"/>
+              <a:satOff val="0"/>
+              <a:lumOff val="0"/>
+              <a:alphaOff val="0"/>
+            </a:schemeClr>
+          </a:solidFill>
+          <a:prstDash val="solid"/>
+        </a:ln>
+        <a:effectLst/>
+      </dsp:spPr>
+      <dsp:style>
+        <a:lnRef idx="2">
+          <a:scrgbClr r="0" g="0" b="0"/>
+        </a:lnRef>
+        <a:fillRef idx="1">
+          <a:scrgbClr r="0" g="0" b="0"/>
+        </a:fillRef>
+        <a:effectRef idx="0">
+          <a:scrgbClr r="0" g="0" b="0"/>
+        </a:effectRef>
+        <a:fontRef idx="minor">
+          <a:schemeClr val="lt1"/>
+        </a:fontRef>
+      </dsp:style>
+    </dsp:sp>
+    <dsp:sp modelId="{B39D0521-503F-41BD-9FA0-E99580C73C10}">
+      <dsp:nvSpPr>
+        <dsp:cNvPr id="0" name=""/>
+        <dsp:cNvSpPr/>
+      </dsp:nvSpPr>
+      <dsp:spPr>
+        <a:xfrm>
+          <a:off x="0" y="757493"/>
+          <a:ext cx="10058399" cy="757031"/>
+        </a:xfrm>
+        <a:prstGeom prst="rect">
+          <a:avLst/>
+        </a:prstGeom>
+        <a:noFill/>
+        <a:ln>
+          <a:noFill/>
+        </a:ln>
+        <a:effectLst/>
+      </dsp:spPr>
+      <dsp:style>
+        <a:lnRef idx="0">
+          <a:scrgbClr r="0" g="0" b="0"/>
+        </a:lnRef>
+        <a:fillRef idx="0">
+          <a:scrgbClr r="0" g="0" b="0"/>
+        </a:fillRef>
+        <a:effectRef idx="0">
+          <a:scrgbClr r="0" g="0" b="0"/>
+        </a:effectRef>
+        <a:fontRef idx="minor"/>
+      </dsp:style>
+      <dsp:txBody>
+        <a:bodyPr spcFirstLastPara="0" vert="horz" wrap="square" lIns="99060" tIns="99060" rIns="99060" bIns="99060" numCol="1" spcCol="1270" anchor="t" anchorCtr="0">
+          <a:noAutofit/>
+        </a:bodyPr>
+        <a:lstStyle/>
+        <a:p>
+          <a:pPr marL="0" lvl="0" indent="0" algn="l" defTabSz="1155700">
+            <a:lnSpc>
+              <a:spcPct val="90000"/>
+            </a:lnSpc>
+            <a:spcBef>
+              <a:spcPct val="0"/>
+            </a:spcBef>
+            <a:spcAft>
+              <a:spcPct val="35000"/>
+            </a:spcAft>
+            <a:buNone/>
+          </a:pPr>
+          <a:r>
+            <a:rPr lang="en-US" sz="2600" kern="1200">
+              <a:latin typeface="微软雅黑" panose="020B0503020204020204" pitchFamily="34" charset="-122"/>
+              <a:ea typeface="微软雅黑" panose="020B0503020204020204" pitchFamily="34" charset="-122"/>
+            </a:rPr>
+            <a:t>2. </a:t>
+          </a:r>
+          <a:r>
+            <a:rPr lang="zh-CN" sz="2600" kern="1200">
+              <a:latin typeface="微软雅黑" panose="020B0503020204020204" pitchFamily="34" charset="-122"/>
+              <a:ea typeface="微软雅黑" panose="020B0503020204020204" pitchFamily="34" charset="-122"/>
+            </a:rPr>
+            <a:t>结合最近邻分类器，测试</a:t>
+          </a:r>
+          <a:r>
+            <a:rPr lang="en-US" sz="2600" kern="1200">
+              <a:latin typeface="微软雅黑" panose="020B0503020204020204" pitchFamily="34" charset="-122"/>
+              <a:ea typeface="微软雅黑" panose="020B0503020204020204" pitchFamily="34" charset="-122"/>
+            </a:rPr>
+            <a:t>PCA</a:t>
+          </a:r>
+          <a:r>
+            <a:rPr lang="zh-CN" sz="2600" kern="1200">
+              <a:latin typeface="微软雅黑" panose="020B0503020204020204" pitchFamily="34" charset="-122"/>
+              <a:ea typeface="微软雅黑" panose="020B0503020204020204" pitchFamily="34" charset="-122"/>
+            </a:rPr>
+            <a:t>降维算法的识别率。</a:t>
+          </a:r>
+          <a:endParaRPr lang="en-US" sz="2600" kern="1200">
+            <a:latin typeface="微软雅黑" panose="020B0503020204020204" pitchFamily="34" charset="-122"/>
+            <a:ea typeface="微软雅黑" panose="020B0503020204020204" pitchFamily="34" charset="-122"/>
+          </a:endParaRPr>
+        </a:p>
+      </dsp:txBody>
+      <dsp:txXfrm>
+        <a:off x="0" y="757493"/>
+        <a:ext cx="10058399" cy="757031"/>
+      </dsp:txXfrm>
+    </dsp:sp>
+    <dsp:sp modelId="{067FA116-62F4-4303-816D-838AC254E89D}">
+      <dsp:nvSpPr>
+        <dsp:cNvPr id="0" name=""/>
+        <dsp:cNvSpPr/>
+      </dsp:nvSpPr>
+      <dsp:spPr>
+        <a:xfrm>
+          <a:off x="0" y="1514524"/>
+          <a:ext cx="10058399" cy="0"/>
+        </a:xfrm>
+        <a:prstGeom prst="line">
+          <a:avLst/>
+        </a:prstGeom>
+        <a:solidFill>
+          <a:schemeClr val="accent3">
+            <a:hueOff val="0"/>
+            <a:satOff val="0"/>
+            <a:lumOff val="0"/>
+            <a:alphaOff val="0"/>
+          </a:schemeClr>
+        </a:solidFill>
+        <a:ln w="15875" cap="flat" cmpd="sng" algn="ctr">
+          <a:solidFill>
+            <a:schemeClr val="accent3">
+              <a:hueOff val="0"/>
+              <a:satOff val="0"/>
+              <a:lumOff val="0"/>
+              <a:alphaOff val="0"/>
+            </a:schemeClr>
+          </a:solidFill>
+          <a:prstDash val="solid"/>
+        </a:ln>
+        <a:effectLst/>
+      </dsp:spPr>
+      <dsp:style>
+        <a:lnRef idx="2">
+          <a:scrgbClr r="0" g="0" b="0"/>
+        </a:lnRef>
+        <a:fillRef idx="1">
+          <a:scrgbClr r="0" g="0" b="0"/>
+        </a:fillRef>
+        <a:effectRef idx="0">
+          <a:scrgbClr r="0" g="0" b="0"/>
+        </a:effectRef>
+        <a:fontRef idx="minor">
+          <a:schemeClr val="lt1"/>
+        </a:fontRef>
+      </dsp:style>
+    </dsp:sp>
+    <dsp:sp modelId="{EB5EC58C-D621-4ECE-8DBA-05E60B7C7309}">
+      <dsp:nvSpPr>
+        <dsp:cNvPr id="0" name=""/>
+        <dsp:cNvSpPr/>
+      </dsp:nvSpPr>
+      <dsp:spPr>
+        <a:xfrm>
+          <a:off x="0" y="1514524"/>
+          <a:ext cx="10058399" cy="757031"/>
+        </a:xfrm>
+        <a:prstGeom prst="rect">
+          <a:avLst/>
+        </a:prstGeom>
+        <a:noFill/>
+        <a:ln>
+          <a:noFill/>
+        </a:ln>
+        <a:effectLst/>
+      </dsp:spPr>
+      <dsp:style>
+        <a:lnRef idx="0">
+          <a:scrgbClr r="0" g="0" b="0"/>
+        </a:lnRef>
+        <a:fillRef idx="0">
+          <a:scrgbClr r="0" g="0" b="0"/>
+        </a:fillRef>
+        <a:effectRef idx="0">
+          <a:scrgbClr r="0" g="0" b="0"/>
+        </a:effectRef>
+        <a:fontRef idx="minor"/>
+      </dsp:style>
+      <dsp:txBody>
+        <a:bodyPr spcFirstLastPara="0" vert="horz" wrap="square" lIns="99060" tIns="99060" rIns="99060" bIns="99060" numCol="1" spcCol="1270" anchor="t" anchorCtr="0">
+          <a:noAutofit/>
+        </a:bodyPr>
+        <a:lstStyle/>
+        <a:p>
+          <a:pPr marL="0" lvl="0" indent="0" algn="l" defTabSz="1155700">
+            <a:lnSpc>
+              <a:spcPct val="90000"/>
+            </a:lnSpc>
+            <a:spcBef>
+              <a:spcPct val="0"/>
+            </a:spcBef>
+            <a:spcAft>
+              <a:spcPct val="35000"/>
+            </a:spcAft>
+            <a:buNone/>
+          </a:pPr>
+          <a:r>
+            <a:rPr lang="zh-CN" sz="2600" kern="1200">
+              <a:latin typeface="微软雅黑" panose="020B0503020204020204" pitchFamily="34" charset="-122"/>
+              <a:ea typeface="微软雅黑" panose="020B0503020204020204" pitchFamily="34" charset="-122"/>
+            </a:rPr>
+            <a:t>解决两个问题：</a:t>
+          </a:r>
+          <a:endParaRPr lang="en-US" sz="2600" kern="1200">
+            <a:latin typeface="微软雅黑" panose="020B0503020204020204" pitchFamily="34" charset="-122"/>
+            <a:ea typeface="微软雅黑" panose="020B0503020204020204" pitchFamily="34" charset="-122"/>
+          </a:endParaRPr>
+        </a:p>
+      </dsp:txBody>
+      <dsp:txXfrm>
+        <a:off x="0" y="1514524"/>
+        <a:ext cx="10058399" cy="757031"/>
+      </dsp:txXfrm>
+    </dsp:sp>
+    <dsp:sp modelId="{D94C6F5B-820A-4043-ABCC-EE21FF6D1B05}">
+      <dsp:nvSpPr>
+        <dsp:cNvPr id="0" name=""/>
+        <dsp:cNvSpPr/>
+      </dsp:nvSpPr>
+      <dsp:spPr>
+        <a:xfrm>
+          <a:off x="0" y="2271555"/>
+          <a:ext cx="10058399" cy="0"/>
+        </a:xfrm>
+        <a:prstGeom prst="line">
+          <a:avLst/>
+        </a:prstGeom>
+        <a:solidFill>
+          <a:schemeClr val="accent3">
+            <a:hueOff val="0"/>
+            <a:satOff val="0"/>
+            <a:lumOff val="0"/>
+            <a:alphaOff val="0"/>
+          </a:schemeClr>
+        </a:solidFill>
+        <a:ln w="15875" cap="flat" cmpd="sng" algn="ctr">
+          <a:solidFill>
+            <a:schemeClr val="accent3">
+              <a:hueOff val="0"/>
+              <a:satOff val="0"/>
+              <a:lumOff val="0"/>
+              <a:alphaOff val="0"/>
+            </a:schemeClr>
+          </a:solidFill>
+          <a:prstDash val="solid"/>
+        </a:ln>
+        <a:effectLst/>
+      </dsp:spPr>
+      <dsp:style>
+        <a:lnRef idx="2">
+          <a:scrgbClr r="0" g="0" b="0"/>
+        </a:lnRef>
+        <a:fillRef idx="1">
+          <a:scrgbClr r="0" g="0" b="0"/>
+        </a:fillRef>
+        <a:effectRef idx="0">
+          <a:scrgbClr r="0" g="0" b="0"/>
+        </a:effectRef>
+        <a:fontRef idx="minor">
+          <a:schemeClr val="lt1"/>
+        </a:fontRef>
+      </dsp:style>
+    </dsp:sp>
+    <dsp:sp modelId="{A3825A68-E79D-4CFC-ADB1-50859E8C597E}">
+      <dsp:nvSpPr>
+        <dsp:cNvPr id="0" name=""/>
+        <dsp:cNvSpPr/>
+      </dsp:nvSpPr>
+      <dsp:spPr>
+        <a:xfrm>
+          <a:off x="0" y="2271555"/>
+          <a:ext cx="10058399" cy="757031"/>
+        </a:xfrm>
+        <a:prstGeom prst="rect">
+          <a:avLst/>
+        </a:prstGeom>
+        <a:noFill/>
+        <a:ln>
+          <a:noFill/>
+        </a:ln>
+        <a:effectLst/>
+      </dsp:spPr>
+      <dsp:style>
+        <a:lnRef idx="0">
+          <a:scrgbClr r="0" g="0" b="0"/>
+        </a:lnRef>
+        <a:fillRef idx="0">
+          <a:scrgbClr r="0" g="0" b="0"/>
+        </a:fillRef>
+        <a:effectRef idx="0">
+          <a:scrgbClr r="0" g="0" b="0"/>
+        </a:effectRef>
+        <a:fontRef idx="minor"/>
+      </dsp:style>
+      <dsp:txBody>
+        <a:bodyPr spcFirstLastPara="0" vert="horz" wrap="square" lIns="99060" tIns="99060" rIns="99060" bIns="99060" numCol="1" spcCol="1270" anchor="t" anchorCtr="0">
+          <a:noAutofit/>
+        </a:bodyPr>
+        <a:lstStyle/>
+        <a:p>
+          <a:pPr marL="0" lvl="0" indent="0" algn="l" defTabSz="1155700">
+            <a:lnSpc>
+              <a:spcPct val="90000"/>
+            </a:lnSpc>
+            <a:spcBef>
+              <a:spcPct val="0"/>
+            </a:spcBef>
+            <a:spcAft>
+              <a:spcPct val="35000"/>
+            </a:spcAft>
+            <a:buNone/>
+          </a:pPr>
+          <a:r>
+            <a:rPr lang="zh-CN" sz="2600" kern="1200">
+              <a:latin typeface="微软雅黑" panose="020B0503020204020204" pitchFamily="34" charset="-122"/>
+              <a:ea typeface="微软雅黑" panose="020B0503020204020204" pitchFamily="34" charset="-122"/>
+            </a:rPr>
+            <a:t>1. 如何用</a:t>
+          </a:r>
+          <a:r>
+            <a:rPr lang="en-US" sz="2600" kern="1200">
+              <a:latin typeface="微软雅黑" panose="020B0503020204020204" pitchFamily="34" charset="-122"/>
+              <a:ea typeface="微软雅黑" panose="020B0503020204020204" pitchFamily="34" charset="-122"/>
+            </a:rPr>
+            <a:t>PCA</a:t>
+          </a:r>
+          <a:r>
+            <a:rPr lang="zh-CN" altLang="en-US" sz="2600" kern="1200">
+              <a:latin typeface="微软雅黑" panose="020B0503020204020204" pitchFamily="34" charset="-122"/>
+              <a:ea typeface="微软雅黑" panose="020B0503020204020204" pitchFamily="34" charset="-122"/>
+            </a:rPr>
+            <a:t>实现图片的</a:t>
+          </a:r>
+          <a:r>
+            <a:rPr lang="zh-CN" sz="2600" kern="1200">
+              <a:latin typeface="微软雅黑" panose="020B0503020204020204" pitchFamily="34" charset="-122"/>
+              <a:ea typeface="微软雅黑" panose="020B0503020204020204" pitchFamily="34" charset="-122"/>
+            </a:rPr>
+            <a:t>降维压缩？</a:t>
+          </a:r>
+          <a:endParaRPr lang="en-US" sz="2600" kern="1200">
+            <a:latin typeface="微软雅黑" panose="020B0503020204020204" pitchFamily="34" charset="-122"/>
+            <a:ea typeface="微软雅黑" panose="020B0503020204020204" pitchFamily="34" charset="-122"/>
+          </a:endParaRPr>
+        </a:p>
+      </dsp:txBody>
+      <dsp:txXfrm>
+        <a:off x="0" y="2271555"/>
+        <a:ext cx="10058399" cy="757031"/>
+      </dsp:txXfrm>
+    </dsp:sp>
+    <dsp:sp modelId="{C4B6CA03-E045-47B7-8260-93CF6C0B727D}">
+      <dsp:nvSpPr>
+        <dsp:cNvPr id="0" name=""/>
+        <dsp:cNvSpPr/>
+      </dsp:nvSpPr>
+      <dsp:spPr>
+        <a:xfrm>
+          <a:off x="0" y="3028586"/>
+          <a:ext cx="10058399" cy="0"/>
+        </a:xfrm>
+        <a:prstGeom prst="line">
+          <a:avLst/>
+        </a:prstGeom>
+        <a:solidFill>
+          <a:schemeClr val="accent3">
+            <a:hueOff val="0"/>
+            <a:satOff val="0"/>
+            <a:lumOff val="0"/>
+            <a:alphaOff val="0"/>
+          </a:schemeClr>
+        </a:solidFill>
+        <a:ln w="15875" cap="flat" cmpd="sng" algn="ctr">
+          <a:solidFill>
+            <a:schemeClr val="accent3">
+              <a:hueOff val="0"/>
+              <a:satOff val="0"/>
+              <a:lumOff val="0"/>
+              <a:alphaOff val="0"/>
+            </a:schemeClr>
+          </a:solidFill>
+          <a:prstDash val="solid"/>
+        </a:ln>
+        <a:effectLst/>
+      </dsp:spPr>
+      <dsp:style>
+        <a:lnRef idx="2">
+          <a:scrgbClr r="0" g="0" b="0"/>
+        </a:lnRef>
+        <a:fillRef idx="1">
+          <a:scrgbClr r="0" g="0" b="0"/>
+        </a:fillRef>
+        <a:effectRef idx="0">
+          <a:scrgbClr r="0" g="0" b="0"/>
+        </a:effectRef>
+        <a:fontRef idx="minor">
+          <a:schemeClr val="lt1"/>
+        </a:fontRef>
+      </dsp:style>
+    </dsp:sp>
+    <dsp:sp modelId="{C8E47EDC-33F2-4D69-B70B-14AC41230EB6}">
+      <dsp:nvSpPr>
+        <dsp:cNvPr id="0" name=""/>
+        <dsp:cNvSpPr/>
+      </dsp:nvSpPr>
+      <dsp:spPr>
+        <a:xfrm>
+          <a:off x="0" y="3028586"/>
+          <a:ext cx="10058399" cy="757031"/>
+        </a:xfrm>
+        <a:prstGeom prst="rect">
+          <a:avLst/>
+        </a:prstGeom>
+        <a:noFill/>
+        <a:ln>
+          <a:noFill/>
+        </a:ln>
+        <a:effectLst/>
+      </dsp:spPr>
+      <dsp:style>
+        <a:lnRef idx="0">
+          <a:scrgbClr r="0" g="0" b="0"/>
+        </a:lnRef>
+        <a:fillRef idx="0">
+          <a:scrgbClr r="0" g="0" b="0"/>
+        </a:fillRef>
+        <a:effectRef idx="0">
+          <a:scrgbClr r="0" g="0" b="0"/>
+        </a:effectRef>
+        <a:fontRef idx="minor"/>
+      </dsp:style>
+      <dsp:txBody>
+        <a:bodyPr spcFirstLastPara="0" vert="horz" wrap="square" lIns="99060" tIns="99060" rIns="99060" bIns="99060" numCol="1" spcCol="1270" anchor="t" anchorCtr="0">
+          <a:noAutofit/>
+        </a:bodyPr>
+        <a:lstStyle/>
+        <a:p>
+          <a:pPr marL="0" lvl="0" indent="0" algn="l" defTabSz="1155700">
+            <a:lnSpc>
+              <a:spcPct val="90000"/>
+            </a:lnSpc>
+            <a:spcBef>
+              <a:spcPct val="0"/>
+            </a:spcBef>
+            <a:spcAft>
+              <a:spcPct val="35000"/>
+            </a:spcAft>
+            <a:buNone/>
+          </a:pPr>
+          <a:r>
+            <a:rPr lang="en-US" sz="2600" kern="1200">
+              <a:latin typeface="微软雅黑" panose="020B0503020204020204" pitchFamily="34" charset="-122"/>
+              <a:ea typeface="微软雅黑" panose="020B0503020204020204" pitchFamily="34" charset="-122"/>
+            </a:rPr>
+            <a:t>2. </a:t>
+          </a:r>
+          <a:r>
+            <a:rPr lang="zh-CN" sz="2600" kern="1200">
+              <a:latin typeface="微软雅黑" panose="020B0503020204020204" pitchFamily="34" charset="-122"/>
+              <a:ea typeface="微软雅黑" panose="020B0503020204020204" pitchFamily="34" charset="-122"/>
+            </a:rPr>
+            <a:t>如何用最近邻分类器实现人脸识别？</a:t>
+          </a:r>
+          <a:endParaRPr lang="en-US" sz="2600" kern="1200">
+            <a:latin typeface="微软雅黑" panose="020B0503020204020204" pitchFamily="34" charset="-122"/>
+            <a:ea typeface="微软雅黑" panose="020B0503020204020204" pitchFamily="34" charset="-122"/>
+          </a:endParaRPr>
+        </a:p>
+      </dsp:txBody>
+      <dsp:txXfrm>
+        <a:off x="0" y="3028586"/>
+        <a:ext cx="10058399" cy="757031"/>
+      </dsp:txXfrm>
+    </dsp:sp>
+  </dsp:spTree>
+</dsp:drawing>
+</file>
+
+<file path=ppt/diagrams/drawing2.xml><?xml version="1.0" encoding="utf-8"?>
+<dsp:drawing xmlns:dgm="http://schemas.openxmlformats.org/drawingml/2006/diagram" xmlns:dsp="http://schemas.microsoft.com/office/drawing/2008/diagram" xmlns:a="http://schemas.openxmlformats.org/drawingml/2006/main">
+  <dsp:spTree>
+    <dsp:nvGrpSpPr>
+      <dsp:cNvPr id="0" name=""/>
+      <dsp:cNvGrpSpPr/>
+    </dsp:nvGrpSpPr>
+    <dsp:grpSpPr/>
+    <dsp:sp modelId="{31FC160A-B8CA-460A-BCC2-C91F528E3641}">
+      <dsp:nvSpPr>
+        <dsp:cNvPr id="0" name=""/>
+        <dsp:cNvSpPr/>
+      </dsp:nvSpPr>
+      <dsp:spPr>
+        <a:xfrm>
+          <a:off x="0" y="950065"/>
+          <a:ext cx="3143249" cy="1885950"/>
+        </a:xfrm>
+        <a:prstGeom prst="rect">
+          <a:avLst/>
+        </a:prstGeom>
+        <a:solidFill>
+          <a:schemeClr val="accent2">
+            <a:hueOff val="0"/>
+            <a:satOff val="0"/>
+            <a:lumOff val="0"/>
+            <a:alphaOff val="0"/>
+          </a:schemeClr>
+        </a:solidFill>
+        <a:ln w="15875" cap="flat" cmpd="sng" algn="ctr">
+          <a:solidFill>
+            <a:schemeClr val="lt1">
+              <a:hueOff val="0"/>
+              <a:satOff val="0"/>
+              <a:lumOff val="0"/>
+              <a:alphaOff val="0"/>
+            </a:schemeClr>
+          </a:solidFill>
+          <a:prstDash val="solid"/>
+        </a:ln>
+        <a:effectLst/>
+      </dsp:spPr>
+      <dsp:style>
+        <a:lnRef idx="2">
+          <a:scrgbClr r="0" g="0" b="0"/>
+        </a:lnRef>
+        <a:fillRef idx="1">
+          <a:scrgbClr r="0" g="0" b="0"/>
+        </a:fillRef>
+        <a:effectRef idx="0">
+          <a:scrgbClr r="0" g="0" b="0"/>
+        </a:effectRef>
+        <a:fontRef idx="minor">
+          <a:schemeClr val="lt1"/>
+        </a:fontRef>
+      </dsp:style>
+      <dsp:txBody>
+        <a:bodyPr spcFirstLastPara="0" vert="horz" wrap="square" lIns="95250" tIns="95250" rIns="95250" bIns="95250" numCol="1" spcCol="1270" anchor="ctr" anchorCtr="0">
+          <a:noAutofit/>
+        </a:bodyPr>
+        <a:lstStyle/>
+        <a:p>
+          <a:pPr marL="0" lvl="0" indent="0" algn="ctr" defTabSz="1111250">
+            <a:lnSpc>
+              <a:spcPct val="90000"/>
+            </a:lnSpc>
+            <a:spcBef>
+              <a:spcPct val="0"/>
+            </a:spcBef>
+            <a:spcAft>
+              <a:spcPct val="35000"/>
+            </a:spcAft>
+            <a:buNone/>
+          </a:pPr>
+          <a:r>
+            <a:rPr lang="en-US" sz="2500" kern="1200" dirty="0">
+              <a:latin typeface="微软雅黑" panose="020B0503020204020204" pitchFamily="34" charset="-122"/>
+              <a:ea typeface="微软雅黑" panose="020B0503020204020204" pitchFamily="34" charset="-122"/>
+            </a:rPr>
+            <a:t>1. </a:t>
+          </a:r>
+          <a:r>
+            <a:rPr lang="zh-CN" sz="2500" kern="1200" dirty="0">
+              <a:latin typeface="微软雅黑" panose="020B0503020204020204" pitchFamily="34" charset="-122"/>
+              <a:ea typeface="微软雅黑" panose="020B0503020204020204" pitchFamily="34" charset="-122"/>
+            </a:rPr>
+            <a:t>图片预处理：如何将人脸照片转换为</a:t>
+          </a:r>
+          <a:r>
+            <a:rPr lang="en-US" sz="2500" kern="1200" dirty="0">
+              <a:latin typeface="微软雅黑" panose="020B0503020204020204" pitchFamily="34" charset="-122"/>
+              <a:ea typeface="微软雅黑" panose="020B0503020204020204" pitchFamily="34" charset="-122"/>
+            </a:rPr>
+            <a:t>PCA</a:t>
+          </a:r>
+          <a:r>
+            <a:rPr lang="zh-CN" sz="2500" kern="1200" dirty="0">
+              <a:latin typeface="微软雅黑" panose="020B0503020204020204" pitchFamily="34" charset="-122"/>
+              <a:ea typeface="微软雅黑" panose="020B0503020204020204" pitchFamily="34" charset="-122"/>
+            </a:rPr>
+            <a:t>需要的数据？</a:t>
+          </a:r>
+          <a:endParaRPr lang="en-US" sz="2500" kern="1200" dirty="0">
+            <a:latin typeface="微软雅黑" panose="020B0503020204020204" pitchFamily="34" charset="-122"/>
+            <a:ea typeface="微软雅黑" panose="020B0503020204020204" pitchFamily="34" charset="-122"/>
+          </a:endParaRPr>
+        </a:p>
+      </dsp:txBody>
+      <dsp:txXfrm>
+        <a:off x="0" y="950065"/>
+        <a:ext cx="3143249" cy="1885950"/>
+      </dsp:txXfrm>
+    </dsp:sp>
+    <dsp:sp modelId="{0AE75ADE-9597-4139-AE2B-C20221491B49}">
+      <dsp:nvSpPr>
+        <dsp:cNvPr id="0" name=""/>
+        <dsp:cNvSpPr/>
+      </dsp:nvSpPr>
+      <dsp:spPr>
+        <a:xfrm>
+          <a:off x="3457575" y="950065"/>
+          <a:ext cx="3143249" cy="1885950"/>
+        </a:xfrm>
+        <a:prstGeom prst="rect">
+          <a:avLst/>
+        </a:prstGeom>
+        <a:solidFill>
+          <a:schemeClr val="accent2">
+            <a:hueOff val="19519"/>
+            <a:satOff val="-13438"/>
+            <a:lumOff val="-3431"/>
+            <a:alphaOff val="0"/>
+          </a:schemeClr>
+        </a:solidFill>
+        <a:ln w="15875" cap="flat" cmpd="sng" algn="ctr">
+          <a:solidFill>
+            <a:schemeClr val="lt1">
+              <a:hueOff val="0"/>
+              <a:satOff val="0"/>
+              <a:lumOff val="0"/>
+              <a:alphaOff val="0"/>
+            </a:schemeClr>
+          </a:solidFill>
+          <a:prstDash val="solid"/>
+        </a:ln>
+        <a:effectLst/>
+      </dsp:spPr>
+      <dsp:style>
+        <a:lnRef idx="2">
+          <a:scrgbClr r="0" g="0" b="0"/>
+        </a:lnRef>
+        <a:fillRef idx="1">
+          <a:scrgbClr r="0" g="0" b="0"/>
+        </a:fillRef>
+        <a:effectRef idx="0">
+          <a:scrgbClr r="0" g="0" b="0"/>
+        </a:effectRef>
+        <a:fontRef idx="minor">
+          <a:schemeClr val="lt1"/>
+        </a:fontRef>
+      </dsp:style>
+      <dsp:txBody>
+        <a:bodyPr spcFirstLastPara="0" vert="horz" wrap="square" lIns="95250" tIns="95250" rIns="95250" bIns="95250" numCol="1" spcCol="1270" anchor="ctr" anchorCtr="0">
+          <a:noAutofit/>
+        </a:bodyPr>
+        <a:lstStyle/>
+        <a:p>
+          <a:pPr marL="0" lvl="0" indent="0" algn="ctr" defTabSz="1111250">
+            <a:lnSpc>
+              <a:spcPct val="90000"/>
+            </a:lnSpc>
+            <a:spcBef>
+              <a:spcPct val="0"/>
+            </a:spcBef>
+            <a:spcAft>
+              <a:spcPct val="35000"/>
+            </a:spcAft>
+            <a:buNone/>
+          </a:pPr>
+          <a:r>
+            <a:rPr lang="en-US" sz="2500" kern="1200">
+              <a:latin typeface="微软雅黑" panose="020B0503020204020204" pitchFamily="34" charset="-122"/>
+              <a:ea typeface="微软雅黑" panose="020B0503020204020204" pitchFamily="34" charset="-122"/>
+            </a:rPr>
+            <a:t>2. PCA</a:t>
+          </a:r>
+          <a:r>
+            <a:rPr lang="zh-CN" sz="2500" kern="1200">
+              <a:latin typeface="微软雅黑" panose="020B0503020204020204" pitchFamily="34" charset="-122"/>
+              <a:ea typeface="微软雅黑" panose="020B0503020204020204" pitchFamily="34" charset="-122"/>
+            </a:rPr>
+            <a:t>的实现：如何自己写出</a:t>
+          </a:r>
+          <a:r>
+            <a:rPr lang="en-US" sz="2500" kern="1200">
+              <a:latin typeface="微软雅黑" panose="020B0503020204020204" pitchFamily="34" charset="-122"/>
+              <a:ea typeface="微软雅黑" panose="020B0503020204020204" pitchFamily="34" charset="-122"/>
+            </a:rPr>
+            <a:t>PCA</a:t>
+          </a:r>
+          <a:r>
+            <a:rPr lang="zh-CN" sz="2500" kern="1200">
+              <a:latin typeface="微软雅黑" panose="020B0503020204020204" pitchFamily="34" charset="-122"/>
+              <a:ea typeface="微软雅黑" panose="020B0503020204020204" pitchFamily="34" charset="-122"/>
+            </a:rPr>
+            <a:t>函数并利用它提取主要信息？</a:t>
+          </a:r>
+          <a:endParaRPr lang="en-US" sz="2500" kern="1200">
+            <a:latin typeface="微软雅黑" panose="020B0503020204020204" pitchFamily="34" charset="-122"/>
+            <a:ea typeface="微软雅黑" panose="020B0503020204020204" pitchFamily="34" charset="-122"/>
+          </a:endParaRPr>
+        </a:p>
+      </dsp:txBody>
+      <dsp:txXfrm>
+        <a:off x="3457575" y="950065"/>
+        <a:ext cx="3143249" cy="1885950"/>
+      </dsp:txXfrm>
+    </dsp:sp>
+    <dsp:sp modelId="{79CDEA11-2AF7-48C8-A757-77155AC2C5DE}">
+      <dsp:nvSpPr>
+        <dsp:cNvPr id="0" name=""/>
+        <dsp:cNvSpPr/>
+      </dsp:nvSpPr>
+      <dsp:spPr>
+        <a:xfrm>
+          <a:off x="6915149" y="950065"/>
+          <a:ext cx="3143249" cy="1885950"/>
+        </a:xfrm>
+        <a:prstGeom prst="rect">
+          <a:avLst/>
+        </a:prstGeom>
+        <a:solidFill>
+          <a:schemeClr val="accent2">
+            <a:hueOff val="39038"/>
+            <a:satOff val="-26876"/>
+            <a:lumOff val="-6863"/>
+            <a:alphaOff val="0"/>
+          </a:schemeClr>
+        </a:solidFill>
+        <a:ln w="15875" cap="flat" cmpd="sng" algn="ctr">
+          <a:solidFill>
+            <a:schemeClr val="lt1">
+              <a:hueOff val="0"/>
+              <a:satOff val="0"/>
+              <a:lumOff val="0"/>
+              <a:alphaOff val="0"/>
+            </a:schemeClr>
+          </a:solidFill>
+          <a:prstDash val="solid"/>
+        </a:ln>
+        <a:effectLst/>
+      </dsp:spPr>
+      <dsp:style>
+        <a:lnRef idx="2">
+          <a:scrgbClr r="0" g="0" b="0"/>
+        </a:lnRef>
+        <a:fillRef idx="1">
+          <a:scrgbClr r="0" g="0" b="0"/>
+        </a:fillRef>
+        <a:effectRef idx="0">
+          <a:scrgbClr r="0" g="0" b="0"/>
+        </a:effectRef>
+        <a:fontRef idx="minor">
+          <a:schemeClr val="lt1"/>
+        </a:fontRef>
+      </dsp:style>
+      <dsp:txBody>
+        <a:bodyPr spcFirstLastPara="0" vert="horz" wrap="square" lIns="95250" tIns="95250" rIns="95250" bIns="95250" numCol="1" spcCol="1270" anchor="ctr" anchorCtr="0">
+          <a:noAutofit/>
+        </a:bodyPr>
+        <a:lstStyle/>
+        <a:p>
+          <a:pPr marL="0" lvl="0" indent="0" algn="ctr" defTabSz="1111250">
+            <a:lnSpc>
+              <a:spcPct val="90000"/>
+            </a:lnSpc>
+            <a:spcBef>
+              <a:spcPct val="0"/>
+            </a:spcBef>
+            <a:spcAft>
+              <a:spcPct val="35000"/>
+            </a:spcAft>
+            <a:buNone/>
+          </a:pPr>
+          <a:r>
+            <a:rPr lang="en-US" sz="2500" kern="1200">
+              <a:latin typeface="微软雅黑" panose="020B0503020204020204" pitchFamily="34" charset="-122"/>
+              <a:ea typeface="微软雅黑" panose="020B0503020204020204" pitchFamily="34" charset="-122"/>
+            </a:rPr>
+            <a:t>3. </a:t>
+          </a:r>
+          <a:r>
+            <a:rPr lang="zh-CN" sz="2500" kern="1200">
+              <a:latin typeface="微软雅黑" panose="020B0503020204020204" pitchFamily="34" charset="-122"/>
+              <a:ea typeface="微软雅黑" panose="020B0503020204020204" pitchFamily="34" charset="-122"/>
+            </a:rPr>
+            <a:t>降维压缩：如何利用提取到的信息压缩照片？</a:t>
+          </a:r>
+          <a:endParaRPr lang="en-US" sz="2500" kern="1200">
+            <a:latin typeface="微软雅黑" panose="020B0503020204020204" pitchFamily="34" charset="-122"/>
+            <a:ea typeface="微软雅黑" panose="020B0503020204020204" pitchFamily="34" charset="-122"/>
+          </a:endParaRPr>
+        </a:p>
+      </dsp:txBody>
+      <dsp:txXfrm>
+        <a:off x="6915149" y="950065"/>
+        <a:ext cx="3143249" cy="1885950"/>
+      </dsp:txXfrm>
+    </dsp:sp>
+  </dsp:spTree>
+</dsp:drawing>
+</file>
+
+<file path=ppt/diagrams/layout1.xml><?xml version="1.0" encoding="utf-8"?>
+<dgm:layoutDef xmlns:dgm="http://schemas.openxmlformats.org/drawingml/2006/diagram" xmlns:a="http://schemas.openxmlformats.org/drawingml/2006/main" uniqueId="urn:microsoft.com/office/officeart/2008/layout/LinedList">
+  <dgm:title val=""/>
+  <dgm:desc val=""/>
+  <dgm:catLst>
+    <dgm:cat type="hierarchy" pri="8000"/>
+    <dgm:cat type="list" pri="2500"/>
+  </dgm:catLst>
+  <dgm:sampData>
+    <dgm:dataModel>
+      <dgm:ptLst>
+        <dgm:pt modelId="0" type="doc"/>
+        <dgm:pt modelId="1">
+          <dgm:prSet phldr="1"/>
+        </dgm:pt>
+        <dgm:pt modelId="11">
+          <dgm:prSet phldr="1"/>
+        </dgm:pt>
+        <dgm:pt modelId="12">
+          <dgm:prSet phldr="1"/>
+        </dgm:pt>
+        <dgm:pt modelId="13">
+          <dgm:prSet phldr="1"/>
+        </dgm:pt>
+      </dgm:ptLst>
+      <dgm:cxnLst>
+        <dgm:cxn modelId="2" srcId="0" destId="1" srcOrd="0" destOrd="0"/>
+        <dgm:cxn modelId="3" srcId="1" destId="11" srcOrd="0" destOrd="0"/>
+        <dgm:cxn modelId="4" srcId="1" destId="12" srcOrd="1" destOrd="0"/>
+        <dgm:cxn modelId="5" srcId="1" destId="13" srcOrd="2" destOrd="0"/>
+      </dgm:cxnLst>
+      <dgm:bg/>
+      <dgm:whole/>
+    </dgm:dataModel>
+  </dgm:sampData>
+  <dgm:styleData>
+    <dgm:dataModel>
+      <dgm:ptLst>
+        <dgm:pt modelId="0" type="doc"/>
+        <dgm:pt modelId="1">
+          <dgm:prSet phldr="1"/>
+        </dgm:pt>
+        <dgm:pt modelId="11">
+          <dgm:prSet phldr="1"/>
+        </dgm:pt>
+        <dgm:pt modelId="12">
+          <dgm:prSet phldr="1"/>
+        </dgm:pt>
+      </dgm:ptLst>
+      <dgm:cxnLst>
+        <dgm:cxn modelId="2" srcId="0" destId="1" srcOrd="0" destOrd="0"/>
+        <dgm:cxn modelId="3" srcId="1" destId="11" srcOrd="0" destOrd="0"/>
+        <dgm:cxn modelId="4" srcId="1" destId="12" srcOrd="1" destOrd="0"/>
+      </dgm:cxnLst>
+      <dgm:bg/>
+      <dgm:whole/>
+    </dgm:dataModel>
+  </dgm:styleData>
+  <dgm:clrData>
+    <dgm:dataModel>
+      <dgm:ptLst>
+        <dgm:pt modelId="0" type="doc"/>
+        <dgm:pt modelId="1">
+          <dgm:prSet phldr="1"/>
+        </dgm:pt>
+        <dgm:pt modelId="11">
+          <dgm:prSet phldr="1"/>
+        </dgm:pt>
+        <dgm:pt modelId="12">
+          <dgm:prSet phldr="1"/>
+        </dgm:pt>
+      </dgm:ptLst>
+      <dgm:cxnLst>
+        <dgm:cxn modelId="2" srcId="0" destId="1" srcOrd="0" destOrd="0"/>
+        <dgm:cxn modelId="3" srcId="1" destId="11" srcOrd="0" destOrd="0"/>
+        <dgm:cxn modelId="4" srcId="1" destId="12" srcOrd="1" destOrd="0"/>
+      </dgm:cxnLst>
+      <dgm:bg/>
+      <dgm:whole/>
+    </dgm:dataModel>
+  </dgm:clrData>
+  <dgm:layoutNode name="vert0">
+    <dgm:varLst>
+      <dgm:dir/>
+      <dgm:animOne val="branch"/>
+      <dgm:animLvl val="lvl"/>
+    </dgm:varLst>
+    <dgm:choose name="Name0">
+      <dgm:if name="Name1" func="var" arg="dir" op="equ" val="norm">
+        <dgm:alg type="lin">
+          <dgm:param type="linDir" val="fromT"/>
+          <dgm:param type="nodeHorzAlign" val="l"/>
+        </dgm:alg>
+      </dgm:if>
+      <dgm:else name="Name2">
+        <dgm:alg type="lin">
+          <dgm:param type="linDir" val="fromT"/>
+          <dgm:param type="nodeHorzAlign" val="r"/>
+        </dgm:alg>
+      </dgm:else>
+    </dgm:choose>
+    <dgm:shape xmlns:r="http://schemas.openxmlformats.org/officeDocument/2006/relationships" r:blip="">
+      <dgm:adjLst/>
+    </dgm:shape>
+    <dgm:presOf/>
+    <dgm:constrLst>
+      <dgm:constr type="w" for="ch" forName="horz1" refType="w"/>
+      <dgm:constr type="h" for="ch" forName="horz1" refType="h"/>
+      <dgm:constr type="h" for="des" forName="vert1" refType="h"/>
+      <dgm:constr type="h" for="des" forName="tx1" refType="h"/>
+      <dgm:constr type="h" for="des" forName="horz2" refType="h"/>
+      <dgm:constr type="h" for="des" forName="vert2" refType="h"/>
+      <dgm:constr type="h" for="des" forName="horz3" refType="h"/>
+      <dgm:constr type="h" for="des" forName="vert3" refType="h"/>
+      <dgm:constr type="h" for="des" forName="horz4" refType="h"/>
+      <dgm:constr type="h" for="des" ptType="node" refType="h"/>
+      <dgm:constr type="primFontSz" for="des" forName="tx1" op="equ" val="65"/>
+      <dgm:constr type="primFontSz" for="des" forName="tx2" op="equ" val="65"/>
+      <dgm:constr type="primFontSz" for="des" forName="tx3" op="equ" val="65"/>
+      <dgm:constr type="primFontSz" for="des" forName="tx4" op="equ" val="65"/>
+      <dgm:constr type="w" for="des" forName="thickLine" refType="w"/>
+      <dgm:constr type="h" for="des" forName="thickLine"/>
+      <dgm:constr type="h" for="des" forName="thinLine1"/>
+      <dgm:constr type="h" for="des" forName="thinLine2b"/>
+      <dgm:constr type="h" for="des" forName="thinLine3"/>
+      <dgm:constr type="h" for="des" forName="vertSpace2a" refType="h" fact="0.05"/>
+      <dgm:constr type="h" for="des" forName="vertSpace2b" refType="h" refFor="des" refForName="vertSpace2a"/>
+    </dgm:constrLst>
+    <dgm:forEach name="Name3" axis="ch" ptType="node">
+      <dgm:layoutNode name="thickLine" styleLbl="alignNode1">
+        <dgm:alg type="sp"/>
+        <dgm:shape xmlns:r="http://schemas.openxmlformats.org/officeDocument/2006/relationships" type="line" r:blip="">
+          <dgm:adjLst/>
+        </dgm:shape>
+        <dgm:presOf/>
+      </dgm:layoutNode>
+      <dgm:layoutNode name="horz1">
+        <dgm:choose name="Name4">
+          <dgm:if name="Name5" func="var" arg="dir" op="equ" val="norm">
+            <dgm:alg type="lin">
+              <dgm:param type="linDir" val="fromL"/>
+              <dgm:param type="nodeVertAlign" val="t"/>
+            </dgm:alg>
+          </dgm:if>
+          <dgm:else name="Name6">
+            <dgm:alg type="lin">
+              <dgm:param type="linDir" val="fromR"/>
+              <dgm:param type="nodeVertAlign" val="t"/>
+            </dgm:alg>
+          </dgm:else>
+        </dgm:choose>
+        <dgm:shape xmlns:r="http://schemas.openxmlformats.org/officeDocument/2006/relationships" r:blip="">
+          <dgm:adjLst/>
+        </dgm:shape>
+        <dgm:presOf/>
+        <dgm:choose name="Name7">
+          <dgm:if name="Name8" axis="root des" func="maxDepth" op="equ" val="1">
+            <dgm:constrLst>
+              <dgm:constr type="w" for="ch" forName="tx1" refType="w"/>
+            </dgm:constrLst>
+          </dgm:if>
+          <dgm:if name="Name9" axis="root des" func="maxDepth" op="equ" val="2">
+            <dgm:constrLst>
+              <dgm:constr type="w" for="ch" forName="tx1" refType="w" fact="0.2"/>
+              <dgm:constr type="w" for="des" forName="tx2" refType="w" fact="0.785"/>
+              <dgm:constr type="w" for="des" forName="horzSpace2" refType="w" fact="0.015"/>
+              <dgm:constr type="w" for="des" forName="thinLine2b" refType="w" fact="0.8"/>
+            </dgm:constrLst>
+          </dgm:if>
+          <dgm:if name="Name10" axis="root des" func="maxDepth" op="equ" val="3">
+            <dgm:constrLst>
+              <dgm:constr type="w" for="ch" forName="tx1" refType="w" fact="0.2"/>
+              <dgm:constr type="w" for="des" forName="tx2" refType="w" fact="0.385"/>
+              <dgm:constr type="w" for="des" forName="tx3" refType="w" fact="0.385"/>
+              <dgm:constr type="w" for="des" forName="horzSpace2" refType="w" fact="0.015"/>
+              <dgm:constr type="w" for="des" forName="horzSpace3" refType="w" fact="0.015"/>
+              <dgm:constr type="w" for="des" forName="thinLine2b" refType="w" fact="0.8"/>
+              <dgm:constr type="w" for="des" forName="thinLine3" refType="w" fact="0.385"/>
+            </dgm:constrLst>
+          </dgm:if>
+          <dgm:if name="Name11" axis="root des" func="maxDepth" op="gte" val="4">
+            <dgm:constrLst>
+              <dgm:constr type="w" for="ch" forName="tx1" refType="w" fact="0.2"/>
+              <dgm:constr type="w" for="des" forName="tx2" refType="w" fact="0.2516"/>
+              <dgm:constr type="w" for="des" forName="tx3" refType="w" fact="0.2516"/>
+              <dgm:constr type="w" for="des" forName="tx4" refType="w" fact="0.2516"/>
+              <dgm:constr type="w" for="des" forName="horzSpace2" refType="w" fact="0.015"/>
+              <dgm:constr type="w" for="des" forName="horzSpace3" refType="w" fact="0.015"/>
+              <dgm:constr type="w" for="des" forName="horzSpace4" refType="w" fact="0.015"/>
+              <dgm:constr type="w" for="des" forName="thinLine2b" refType="w" fact="0.8"/>
+              <dgm:constr type="w" for="des" forName="thinLine3" refType="w" fact="0.5332"/>
+            </dgm:constrLst>
+          </dgm:if>
+          <dgm:else name="Name12"/>
+        </dgm:choose>
+        <dgm:layoutNode name="tx1" styleLbl="revTx">
+          <dgm:alg type="tx">
+            <dgm:param type="parTxLTRAlign" val="l"/>
+            <dgm:param type="parTxRTLAlign" val="r"/>
+            <dgm:param type="txAnchorVert" val="t"/>
+          </dgm:alg>
+          <dgm:shape xmlns:r="http://schemas.openxmlformats.org/officeDocument/2006/relationships" type="rect" r:blip="">
+            <dgm:adjLst/>
+          </dgm:shape>
+          <dgm:presOf axis="self"/>
+          <dgm:constrLst>
+            <dgm:constr type="tMarg" refType="primFontSz" fact="0.3"/>
+            <dgm:constr type="bMarg" refType="primFontSz" fact="0.3"/>
+            <dgm:constr type="lMarg" refType="primFontSz" fact="0.3"/>
+            <dgm:constr type="rMarg" refType="primFontSz" fact="0.3"/>
+          </dgm:constrLst>
+          <dgm:ruleLst>
+            <dgm:rule type="primFontSz" val="5" fact="NaN" max="NaN"/>
+          </dgm:ruleLst>
+        </dgm:layoutNode>
+        <dgm:layoutNode name="vert1">
+          <dgm:choose name="Name13">
+            <dgm:if name="Name14" func="var" arg="dir" op="equ" val="norm">
+              <dgm:alg type="lin">
+                <dgm:param type="linDir" val="fromT"/>
+                <dgm:param type="nodeHorzAlign" val="l"/>
+              </dgm:alg>
+            </dgm:if>
+            <dgm:else name="Name15">
+              <dgm:alg type="lin">
+                <dgm:param type="linDir" val="fromT"/>
+                <dgm:param type="nodeHorzAlign" val="r"/>
+              </dgm:alg>
+            </dgm:else>
+          </dgm:choose>
+          <dgm:shape xmlns:r="http://schemas.openxmlformats.org/officeDocument/2006/relationships" r:blip="">
+            <dgm:adjLst/>
+          </dgm:shape>
+          <dgm:presOf/>
+          <dgm:forEach name="Name16" axis="ch" ptType="node">
+            <dgm:choose name="Name17">
+              <dgm:if name="Name18" axis="self" ptType="node" func="pos" op="equ" val="1">
+                <dgm:layoutNode name="vertSpace2a">
+                  <dgm:alg type="sp"/>
+                  <dgm:shape xmlns:r="http://schemas.openxmlformats.org/officeDocument/2006/relationships" r:blip="">
+                    <dgm:adjLst/>
+                  </dgm:shape>
+                  <dgm:presOf/>
+                </dgm:layoutNode>
+              </dgm:if>
+              <dgm:else name="Name19"/>
+            </dgm:choose>
+            <dgm:layoutNode name="horz2">
+              <dgm:choose name="Name20">
+                <dgm:if name="Name21" func="var" arg="dir" op="equ" val="norm">
+                  <dgm:alg type="lin">
+                    <dgm:param type="linDir" val="fromL"/>
+                    <dgm:param type="nodeVertAlign" val="t"/>
+                  </dgm:alg>
+                </dgm:if>
+                <dgm:else name="Name22">
+                  <dgm:alg type="lin">
+                    <dgm:param type="linDir" val="fromR"/>
+                    <dgm:param type="nodeVertAlign" val="t"/>
+                  </dgm:alg>
+                </dgm:else>
+              </dgm:choose>
+              <dgm:shape xmlns:r="http://schemas.openxmlformats.org/officeDocument/2006/relationships" r:blip="">
+                <dgm:adjLst/>
+              </dgm:shape>
+              <dgm:presOf/>
+              <dgm:layoutNode name="horzSpace2">
+                <dgm:alg type="sp"/>
+                <dgm:shape xmlns:r="http://schemas.openxmlformats.org/officeDocument/2006/relationships" r:blip="">
+                  <dgm:adjLst/>
+                </dgm:shape>
+                <dgm:presOf/>
+              </dgm:layoutNode>
+              <dgm:layoutNode name="tx2" styleLbl="revTx">
+                <dgm:alg type="tx">
+                  <dgm:param type="parTxLTRAlign" val="l"/>
+                  <dgm:param type="parTxRTLAlign" val="r"/>
+                  <dgm:param type="txAnchorVert" val="t"/>
+                </dgm:alg>
+                <dgm:shape xmlns:r="http://schemas.openxmlformats.org/officeDocument/2006/relationships" type="rect" r:blip="">
+                  <dgm:adjLst/>
+                </dgm:shape>
+                <dgm:presOf axis="self"/>
+                <dgm:constrLst>
+                  <dgm:constr type="tMarg" refType="primFontSz" fact="0.3"/>
+                  <dgm:constr type="bMarg" refType="primFontSz" fact="0.3"/>
+                  <dgm:constr type="lMarg" refType="primFontSz" fact="0.3"/>
+                  <dgm:constr type="rMarg" refType="primFontSz" fact="0.3"/>
+                </dgm:constrLst>
+                <dgm:ruleLst>
+                  <dgm:rule type="primFontSz" val="5" fact="NaN" max="NaN"/>
+                </dgm:ruleLst>
+              </dgm:layoutNode>
+              <dgm:layoutNode name="vert2">
+                <dgm:choose name="Name23">
+                  <dgm:if name="Name24" func="var" arg="dir" op="equ" val="norm">
+                    <dgm:alg type="lin">
+                      <dgm:param type="linDir" val="fromT"/>
+                      <dgm:param type="nodeHorzAlign" val="l"/>
+                    </dgm:alg>
+                  </dgm:if>
+                  <dgm:else name="Name25">
+                    <dgm:alg type="lin">
+                      <dgm:param type="linDir" val="fromT"/>
+                      <dgm:param type="nodeHorzAlign" val="r"/>
+                    </dgm:alg>
+                  </dgm:else>
+                </dgm:choose>
+                <dgm:shape xmlns:r="http://schemas.openxmlformats.org/officeDocument/2006/relationships" r:blip="">
+                  <dgm:adjLst/>
+                </dgm:shape>
+                <dgm:presOf/>
+                <dgm:forEach name="Name26" axis="ch" ptType="node">
+                  <dgm:layoutNode name="horz3">
+                    <dgm:choose name="Name27">
+                      <dgm:if name="Name28" func="var" arg="dir" op="equ" val="norm">
+                        <dgm:alg type="lin">
+                          <dgm:param type="linDir" val="fromL"/>
+                          <dgm:param type="nodeVertAlign" val="t"/>
+                        </dgm:alg>
+                      </dgm:if>
+                      <dgm:else name="Name29">
+                        <dgm:alg type="lin">
+                          <dgm:param type="linDir" val="fromR"/>
+                          <dgm:param type="nodeVertAlign" val="t"/>
+                        </dgm:alg>
+                      </dgm:else>
+                    </dgm:choose>
+                    <dgm:shape xmlns:r="http://schemas.openxmlformats.org/officeDocument/2006/relationships" r:blip="">
+                      <dgm:adjLst/>
+                    </dgm:shape>
+                    <dgm:presOf/>
+                    <dgm:layoutNode name="horzSpace3">
+                      <dgm:alg type="sp"/>
+                      <dgm:shape xmlns:r="http://schemas.openxmlformats.org/officeDocument/2006/relationships" r:blip="">
+                        <dgm:adjLst/>
+                      </dgm:shape>
+                      <dgm:presOf/>
+                    </dgm:layoutNode>
+                    <dgm:layoutNode name="tx3" styleLbl="revTx">
+                      <dgm:alg type="tx">
+                        <dgm:param type="parTxLTRAlign" val="l"/>
+                        <dgm:param type="parTxRTLAlign" val="r"/>
+                        <dgm:param type="txAnchorVert" val="t"/>
+                      </dgm:alg>
+                      <dgm:shape xmlns:r="http://schemas.openxmlformats.org/officeDocument/2006/relationships" type="rect" r:blip="">
+                        <dgm:adjLst/>
+                      </dgm:shape>
+                      <dgm:presOf axis="self"/>
+                      <dgm:constrLst>
+                        <dgm:constr type="tMarg" refType="primFontSz" fact="0.3"/>
+                        <dgm:constr type="bMarg" refType="primFontSz" fact="0.3"/>
+                        <dgm:constr type="lMarg" refType="primFontSz" fact="0.3"/>
+                        <dgm:constr type="rMarg" refType="primFontSz" fact="0.3"/>
+                      </dgm:constrLst>
+                      <dgm:ruleLst>
+                        <dgm:rule type="primFontSz" val="5" fact="NaN" max="NaN"/>
+                      </dgm:ruleLst>
+                    </dgm:layoutNode>
+                    <dgm:layoutNode name="vert3">
+                      <dgm:choose name="Name30">
+                        <dgm:if name="Name31" func="var" arg="dir" op="equ" val="norm">
+                          <dgm:alg type="lin">
+                            <dgm:param type="linDir" val="fromT"/>
+                            <dgm:param type="nodeHorzAlign" val="l"/>
+                          </dgm:alg>
+                        </dgm:if>
+                        <dgm:else name="Name32">
+                          <dgm:alg type="lin">
+                            <dgm:param type="linDir" val="fromT"/>
+                            <dgm:param type="nodeHorzAlign" val="r"/>
+                          </dgm:alg>
+                        </dgm:else>
+                      </dgm:choose>
+                      <dgm:shape xmlns:r="http://schemas.openxmlformats.org/officeDocument/2006/relationships" r:blip="">
+                        <dgm:adjLst/>
+                      </dgm:shape>
+                      <dgm:presOf/>
+                      <dgm:forEach name="Name33" axis="ch" ptType="node">
+                        <dgm:layoutNode name="horz4">
+                          <dgm:choose name="Name34">
+                            <dgm:if name="Name35" func="var" arg="dir" op="equ" val="norm">
+                              <dgm:alg type="lin">
+                                <dgm:param type="linDir" val="fromL"/>
+                                <dgm:param type="nodeVertAlign" val="t"/>
+                              </dgm:alg>
+                            </dgm:if>
+                            <dgm:else name="Name36">
+                              <dgm:alg type="lin">
+                                <dgm:param type="linDir" val="fromR"/>
+                                <dgm:param type="nodeVertAlign" val="t"/>
+                              </dgm:alg>
+                            </dgm:else>
+                          </dgm:choose>
+                          <dgm:shape xmlns:r="http://schemas.openxmlformats.org/officeDocument/2006/relationships" r:blip="">
+                            <dgm:adjLst/>
+                          </dgm:shape>
+                          <dgm:presOf/>
+                          <dgm:layoutNode name="horzSpace4">
+                            <dgm:alg type="sp"/>
+                            <dgm:shape xmlns:r="http://schemas.openxmlformats.org/officeDocument/2006/relationships" r:blip="">
+                              <dgm:adjLst/>
+                            </dgm:shape>
+                            <dgm:presOf/>
+                          </dgm:layoutNode>
+                          <dgm:layoutNode name="tx4" styleLbl="revTx">
+                            <dgm:varLst>
+                              <dgm:bulletEnabled val="1"/>
+                            </dgm:varLst>
+                            <dgm:alg type="tx">
+                              <dgm:param type="parTxLTRAlign" val="l"/>
+                              <dgm:param type="parTxRTLAlign" val="r"/>
+                              <dgm:param type="txAnchorVert" val="t"/>
+                            </dgm:alg>
+                            <dgm:shape xmlns:r="http://schemas.openxmlformats.org/officeDocument/2006/relationships" type="rect" r:blip="">
+                              <dgm:adjLst/>
+                            </dgm:shape>
+                            <dgm:presOf axis="desOrSelf" ptType="node"/>
+                            <dgm:constrLst>
+                              <dgm:constr type="tMarg" refType="primFontSz" fact="0.3"/>
+                              <dgm:constr type="bMarg" refType="primFontSz" fact="0.3"/>
+                              <dgm:constr type="lMarg" refType="primFontSz" fact="0.3"/>
+                              <dgm:constr type="rMarg" refType="primFontSz" fact="0.3"/>
+                            </dgm:constrLst>
+                            <dgm:ruleLst>
+                              <dgm:rule type="primFontSz" val="5" fact="NaN" max="NaN"/>
+                            </dgm:ruleLst>
+                          </dgm:layoutNode>
+                        </dgm:layoutNode>
+                      </dgm:forEach>
+                    </dgm:layoutNode>
+                  </dgm:layoutNode>
+                  <dgm:forEach name="Name37" axis="followSib" ptType="sibTrans" cnt="1">
+                    <dgm:layoutNode name="thinLine3" styleLbl="callout">
+                      <dgm:alg type="sp"/>
+                      <dgm:shape xmlns:r="http://schemas.openxmlformats.org/officeDocument/2006/relationships" type="line" r:blip="">
+                        <dgm:adjLst/>
+                      </dgm:shape>
+                      <dgm:presOf/>
+                    </dgm:layoutNode>
+                  </dgm:forEach>
+                </dgm:forEach>
+              </dgm:layoutNode>
+            </dgm:layoutNode>
+            <dgm:layoutNode name="thinLine2b" styleLbl="callout">
+              <dgm:alg type="sp"/>
+              <dgm:shape xmlns:r="http://schemas.openxmlformats.org/officeDocument/2006/relationships" type="line" r:blip="">
+                <dgm:adjLst/>
+              </dgm:shape>
+              <dgm:presOf/>
+            </dgm:layoutNode>
+            <dgm:layoutNode name="vertSpace2b">
+              <dgm:alg type="sp"/>
+              <dgm:shape xmlns:r="http://schemas.openxmlformats.org/officeDocument/2006/relationships" r:blip="">
+                <dgm:adjLst/>
+              </dgm:shape>
+              <dgm:presOf/>
+            </dgm:layoutNode>
+          </dgm:forEach>
+        </dgm:layoutNode>
+      </dgm:layoutNode>
+    </dgm:forEach>
+  </dgm:layoutNode>
+</dgm:layoutDef>
+</file>
+
+<file path=ppt/diagrams/layout2.xml><?xml version="1.0" encoding="utf-8"?>
+<dgm:layoutDef xmlns:dgm="http://schemas.openxmlformats.org/drawingml/2006/diagram" xmlns:a="http://schemas.openxmlformats.org/drawingml/2006/main" uniqueId="urn:microsoft.com/office/officeart/2005/8/layout/default">
+  <dgm:title val=""/>
+  <dgm:desc val=""/>
+  <dgm:catLst>
+    <dgm:cat type="list" pri="400"/>
+  </dgm:catLst>
+  <dgm:sampData>
+    <dgm:dataModel>
+      <dgm:ptLst>
+        <dgm:pt modelId="0" type="doc"/>
+        <dgm:pt modelId="1">
+          <dgm:prSet phldr="1"/>
+        </dgm:pt>
+        <dgm:pt modelId="2">
+          <dgm:prSet phldr="1"/>
+        </dgm:pt>
+        <dgm:pt modelId="3">
+          <dgm:prSet phldr="1"/>
+        </dgm:pt>
+        <dgm:pt modelId="4">
+          <dgm:prSet phldr="1"/>
+        </dgm:pt>
+        <dgm:pt modelId="5">
+          <dgm:prSet phldr="1"/>
+        </dgm:pt>
+      </dgm:ptLst>
+      <dgm:cxnLst>
+        <dgm:cxn modelId="6" srcId="0" destId="1" srcOrd="0" destOrd="0"/>
+        <dgm:cxn modelId="7" srcId="0" destId="2" srcOrd="1" destOrd="0"/>
+        <dgm:cxn modelId="8" srcId="0" destId="3" srcOrd="2" destOrd="0"/>
+        <dgm:cxn modelId="9" srcId="0" destId="4" srcOrd="3" destOrd="0"/>
+        <dgm:cxn modelId="10" srcId="0" destId="5" srcOrd="4" destOrd="0"/>
+      </dgm:cxnLst>
+      <dgm:bg/>
+      <dgm:whole/>
+    </dgm:dataModel>
+  </dgm:sampData>
+  <dgm:styleData>
+    <dgm:dataModel>
+      <dgm:ptLst>
+        <dgm:pt modelId="0" type="doc"/>
+        <dgm:pt modelId="1"/>
+        <dgm:pt modelId="2"/>
+      </dgm:ptLst>
+      <dgm:cxnLst>
+        <dgm:cxn modelId="3" srcId="0" destId="1" srcOrd="0" destOrd="0"/>
+        <dgm:cxn modelId="4" srcId="0" destId="2" srcOrd="1" destOrd="0"/>
+      </dgm:cxnLst>
+      <dgm:bg/>
+      <dgm:whole/>
+    </dgm:dataModel>
+  </dgm:styleData>
+  <dgm:clrData>
+    <dgm:dataModel>
+      <dgm:ptLst>
+        <dgm:pt modelId="0" type="doc"/>
+        <dgm:pt modelId="1"/>
+        <dgm:pt modelId="2"/>
+        <dgm:pt modelId="3"/>
+        <dgm:pt modelId="4"/>
+        <dgm:pt modelId="5"/>
+        <dgm:pt modelId="6"/>
+      </dgm:ptLst>
+      <dgm:cxnLst>
+        <dgm:cxn modelId="7" srcId="0" destId="1" srcOrd="0" destOrd="0"/>
+        <dgm:cxn modelId="8" srcId="0" destId="2" srcOrd="1" destOrd="0"/>
+        <dgm:cxn modelId="9" srcId="0" destId="3" srcOrd="2" destOrd="0"/>
+        <dgm:cxn modelId="10" srcId="0" destId="4" srcOrd="3" destOrd="0"/>
+        <dgm:cxn modelId="11" srcId="0" destId="5" srcOrd="4" destOrd="0"/>
+        <dgm:cxn modelId="12" srcId="0" destId="6" srcOrd="5" destOrd="0"/>
+      </dgm:cxnLst>
+      <dgm:bg/>
+      <dgm:whole/>
+    </dgm:dataModel>
+  </dgm:clrData>
+  <dgm:layoutNode name="diagram">
+    <dgm:varLst>
+      <dgm:dir/>
+      <dgm:resizeHandles val="exact"/>
+    </dgm:varLst>
+    <dgm:choose name="Name0">
+      <dgm:if name="Name1" func="var" arg="dir" op="equ" val="norm">
+        <dgm:alg type="snake">
+          <dgm:param type="grDir" val="tL"/>
+          <dgm:param type="flowDir" val="row"/>
+          <dgm:param type="contDir" val="sameDir"/>
+          <dgm:param type="off" val="ctr"/>
+        </dgm:alg>
+      </dgm:if>
+      <dgm:else name="Name2">
+        <dgm:alg type="snake">
+          <dgm:param type="grDir" val="tR"/>
+          <dgm:param type="flowDir" val="row"/>
+          <dgm:param type="contDir" val="sameDir"/>
+          <dgm:param type="off" val="ctr"/>
+        </dgm:alg>
+      </dgm:else>
+    </dgm:choose>
+    <dgm:shape xmlns:r="http://schemas.openxmlformats.org/officeDocument/2006/relationships" r:blip="">
+      <dgm:adjLst/>
+    </dgm:shape>
+    <dgm:presOf/>
+    <dgm:constrLst>
+      <dgm:constr type="w" for="ch" forName="node" refType="w"/>
+      <dgm:constr type="h" for="ch" forName="node" refType="w" refFor="ch" refForName="node" fact="0.6"/>
+      <dgm:constr type="w" for="ch" forName="sibTrans" refType="w" refFor="ch" refForName="node" fact="0.1"/>
+      <dgm:constr type="sp" refType="w" refFor="ch" refForName="sibTrans"/>
+      <dgm:constr type="primFontSz" for="ch" forName="node" op="equ" val="65"/>
+    </dgm:constrLst>
+    <dgm:ruleLst/>
+    <dgm:forEach name="Name3" axis="ch" ptType="node">
+      <dgm:layoutNode name="node">
+        <dgm:varLst>
+          <dgm:bulletEnabled val="1"/>
+        </dgm:varLst>
+        <dgm:alg type="tx"/>
+        <dgm:shape xmlns:r="http://schemas.openxmlformats.org/officeDocument/2006/relationships" type="rect" r:blip="">
+          <dgm:adjLst/>
+        </dgm:shape>
+        <dgm:presOf axis="desOrSelf" ptType="node"/>
+        <dgm:constrLst>
+          <dgm:constr type="lMarg" refType="primFontSz" fact="0.3"/>
+          <dgm:constr type="rMarg" refType="primFontSz" fact="0.3"/>
+          <dgm:constr type="tMarg" refType="primFontSz" fact="0.3"/>
+          <dgm:constr type="bMarg" refType="primFontSz" fact="0.3"/>
+        </dgm:constrLst>
+        <dgm:ruleLst>
+          <dgm:rule type="primFontSz" val="5" fact="NaN" max="NaN"/>
+        </dgm:ruleLst>
+      </dgm:layoutNode>
+      <dgm:forEach name="Name4" axis="followSib" ptType="sibTrans" cnt="1">
+        <dgm:layoutNode name="sibTrans">
+          <dgm:alg type="sp"/>
+          <dgm:shape xmlns:r="http://schemas.openxmlformats.org/officeDocument/2006/relationships" r:blip="">
+            <dgm:adjLst/>
+          </dgm:shape>
+          <dgm:presOf/>
+          <dgm:constrLst/>
+          <dgm:ruleLst/>
+        </dgm:layoutNode>
+      </dgm:forEach>
+    </dgm:forEach>
+  </dgm:layoutNode>
+</dgm:layoutDef>
+</file>
+
+<file path=ppt/diagrams/quickStyle1.xml><?xml version="1.0" encoding="utf-8"?>
+<dgm:styleDef xmlns:dgm="http://schemas.openxmlformats.org/drawingml/2006/diagram" xmlns:a="http://schemas.openxmlformats.org/drawingml/2006/main" uniqueId="urn:microsoft.com/office/officeart/2005/8/quickstyle/simple1">
+  <dgm:title val=""/>
+  <dgm:desc val=""/>
+  <dgm:catLst>
+    <dgm:cat type="simple" pri="10100"/>
+  </dgm:catLst>
+  <dgm:scene3d>
+    <a:camera prst="orthographicFront"/>
+    <a:lightRig rig="threePt" dir="t"/>
+  </dgm:scene3d>
+  <dgm:styleLbl name="node0">
+    <dgm:scene3d>
+      <a:camera prst="orthographicFront"/>
+      <a:lightRig rig="threePt" dir="t"/>
+    </dgm:scene3d>
+    <dgm:sp3d/>
+    <dgm:txPr/>
+    <dgm:style>
+      <a:lnRef idx="2">
+        <a:scrgbClr r="0" g="0" b="0"/>
+      </a:lnRef>
+      <a:fillRef idx="1">
+        <a:scrgbClr r="0" g="0" b="0"/>
+      </a:fillRef>
+      <a:effectRef idx="0">
+        <a:scrgbClr r="0" g="0" b="0"/>
+      </a:effectRef>
+      <a:fontRef idx="minor">
+        <a:schemeClr val="lt1"/>
+      </a:fontRef>
+    </dgm:style>
+  </dgm:styleLbl>
+  <dgm:styleLbl name="lnNode1">
+    <dgm:scene3d>
+      <a:camera prst="orthographicFront"/>
+      <a:lightRig rig="threePt" dir="t"/>
+    </dgm:scene3d>
+    <dgm:sp3d/>
+    <dgm:txPr/>
+    <dgm:style>
+      <a:lnRef idx="2">
+        <a:scrgbClr r="0" g="0" b="0"/>
+      </a:lnRef>
+      <a:fillRef idx="1">
+        <a:scrgbClr r="0" g="0" b="0"/>
+      </a:fillRef>
+      <a:effectRef idx="0">
+        <a:scrgbClr r="0" g="0" b="0"/>
+      </a:effectRef>
+      <a:fontRef idx="minor">
+        <a:schemeClr val="lt1"/>
+      </a:fontRef>
+    </dgm:style>
+  </dgm:styleLbl>
+  <dgm:styleLbl name="vennNode1">
+    <dgm:scene3d>
+      <a:camera prst="orthographicFront"/>
+      <a:lightRig rig="threePt" dir="t"/>
+    </dgm:scene3d>
+    <dgm:sp3d/>
+    <dgm:txPr/>
+    <dgm:style>
+      <a:lnRef idx="2">
+        <a:scrgbClr r="0" g="0" b="0"/>
+      </a:lnRef>
+      <a:fillRef idx="1">
+        <a:scrgbClr r="0" g="0" b="0"/>
+      </a:fillRef>
+      <a:effectRef idx="0">
+        <a:scrgbClr r="0" g="0" b="0"/>
+      </a:effectRef>
+      <a:fontRef idx="minor">
+        <a:schemeClr val="tx1"/>
+      </a:fontRef>
+    </dgm:style>
+  </dgm:styleLbl>
+  <dgm:styleLbl name="alignNode1">
+    <dgm:scene3d>
+      <a:camera prst="orthographicFront"/>
+      <a:lightRig rig="threePt" dir="t"/>
+    </dgm:scene3d>
+    <dgm:sp3d/>
+    <dgm:txPr/>
+    <dgm:style>
+      <a:lnRef idx="2">
+        <a:scrgbClr r="0" g="0" b="0"/>
+      </a:lnRef>
+      <a:fillRef idx="1">
+        <a:scrgbClr r="0" g="0" b="0"/>
+      </a:fillRef>
+      <a:effectRef idx="0">
+        <a:scrgbClr r="0" g="0" b="0"/>
+      </a:effectRef>
+      <a:fontRef idx="minor">
+        <a:schemeClr val="lt1"/>
+      </a:fontRef>
+    </dgm:style>
+  </dgm:styleLbl>
+  <dgm:styleLbl name="node1">
+    <dgm:scene3d>
+      <a:camera prst="orthographicFront"/>
+      <a:lightRig rig="threePt" dir="t"/>
+    </dgm:scene3d>
+    <dgm:sp3d/>
+    <dgm:txPr/>
+    <dgm:style>
+      <a:lnRef idx="2">
+        <a:scrgbClr r="0" g="0" b="0"/>
+      </a:lnRef>
+      <a:fillRef idx="1">
+        <a:scrgbClr r="0" g="0" b="0"/>
+      </a:fillRef>
+      <a:effectRef idx="0">
+        <a:scrgbClr r="0" g="0" b="0"/>
+      </a:effectRef>
+      <a:fontRef idx="minor">
+        <a:schemeClr val="lt1"/>
+      </a:fontRef>
+    </dgm:style>
+  </dgm:styleLbl>
+  <dgm:styleLbl name="node2">
+    <dgm:scene3d>
+      <a:camera prst="orthographicFront"/>
+      <a:lightRig rig="threePt" dir="t"/>
+    </dgm:scene3d>
+    <dgm:sp3d/>
+    <dgm:txPr/>
+    <dgm:style>
+      <a:lnRef idx="2">
+        <a:scrgbClr r="0" g="0" b="0"/>
+      </a:lnRef>
+      <a:fillRef idx="1">
+        <a:scrgbClr r="0" g="0" b="0"/>
+      </a:fillRef>
+      <a:effectRef idx="0">
+        <a:scrgbClr r="0" g="0" b="0"/>
+      </a:effectRef>
+      <a:fontRef idx="minor">
+        <a:schemeClr val="lt1"/>
+      </a:fontRef>
+    </dgm:style>
+  </dgm:styleLbl>
+  <dgm:styleLbl name="node3">
+    <dgm:scene3d>
+      <a:camera prst="orthographicFront"/>
+      <a:lightRig rig="threePt" dir="t"/>
+    </dgm:scene3d>
+    <dgm:sp3d/>
+    <dgm:txPr/>
+    <dgm:style>
+      <a:lnRef idx="2">
+        <a:scrgbClr r="0" g="0" b="0"/>
+      </a:lnRef>
+      <a:fillRef idx="1">
+        <a:scrgbClr r="0" g="0" b="0"/>
+      </a:fillRef>
+      <a:effectRef idx="0">
+        <a:scrgbClr r="0" g="0" b="0"/>
+      </a:effectRef>
+      <a:fontRef idx="minor">
+        <a:schemeClr val="lt1"/>
+      </a:fontRef>
+    </dgm:style>
+  </dgm:styleLbl>
+  <dgm:styleLbl name="node4">
+    <dgm:scene3d>
+      <a:camera prst="orthographicFront"/>
+      <a:lightRig rig="threePt" dir="t"/>
+    </dgm:scene3d>
+    <dgm:sp3d/>
+    <dgm:txPr/>
+    <dgm:style>
+      <a:lnRef idx="2">
+        <a:scrgbClr r="0" g="0" b="0"/>
+      </a:lnRef>
+      <a:fillRef idx="1">
+        <a:scrgbClr r="0" g="0" b="0"/>
+      </a:fillRef>
+      <a:effectRef idx="0">
+        <a:scrgbClr r="0" g="0" b="0"/>
+      </a:effectRef>
+      <a:fontRef idx="minor">
+        <a:schemeClr val="lt1"/>
+      </a:fontRef>
+    </dgm:style>
+  </dgm:styleLbl>
+  <dgm:styleLbl name="fgImgPlace1">
+    <dgm:scene3d>
+      <a:camera prst="orthographicFront"/>
+      <a:lightRig rig="threePt" dir="t"/>
+    </dgm:scene3d>
+    <dgm:sp3d/>
+    <dgm:txPr/>
+    <dgm:style>
+      <a:lnRef idx="2">
+        <a:scrgbClr r="0" g="0" b="0"/>
+      </a:lnRef>
+      <a:fillRef idx="1">
+        <a:scrgbClr r="0" g="0" b="0"/>
+      </a:fillRef>
+      <a:effectRef idx="0">
+        <a:scrgbClr r="0" g="0" b="0"/>
+      </a:effectRef>
+      <a:fontRef idx="minor"/>
+    </dgm:style>
+  </dgm:styleLbl>
+  <dgm:styleLbl name="alignImgPlace1">
+    <dgm:scene3d>
+      <a:camera prst="orthographicFront"/>
+      <a:lightRig rig="threePt" dir="t"/>
+    </dgm:scene3d>
+    <dgm:sp3d/>
+    <dgm:txPr/>
+    <dgm:style>
+      <a:lnRef idx="2">
+        <a:scrgbClr r="0" g="0" b="0"/>
+      </a:lnRef>
+      <a:fillRef idx="1">
+        <a:scrgbClr r="0" g="0" b="0"/>
+      </a:fillRef>
+      <a:effectRef idx="0">
+        <a:scrgbClr r="0" g="0" b="0"/>
+      </a:effectRef>
+      <a:fontRef idx="minor"/>
+    </dgm:style>
+  </dgm:styleLbl>
+  <dgm:styleLbl name="bgImgPlace1">
+    <dgm:scene3d>
+      <a:camera prst="orthographicFront"/>
+      <a:lightRig rig="threePt" dir="t"/>
+    </dgm:scene3d>
+    <dgm:sp3d/>
+    <dgm:txPr/>
+    <dgm:style>
+      <a:lnRef idx="2">
+        <a:scrgbClr r="0" g="0" b="0"/>
+      </a:lnRef>
+      <a:fillRef idx="1">
+        <a:scrgbClr r="0" g="0" b="0"/>
+      </a:fillRef>
+      <a:effectRef idx="0">
+        <a:scrgbClr r="0" g="0" b="0"/>
+      </a:effectRef>
+      <a:fontRef idx="minor"/>
+    </dgm:style>
+  </dgm:styleLbl>
+  <dgm:styleLbl name="sibTrans2D1">
+    <dgm:scene3d>
+      <a:camera prst="orthographicFront"/>
+      <a:lightRig rig="threePt" dir="t"/>
+    </dgm:scene3d>
+    <dgm:sp3d/>
+    <dgm:txPr/>
+    <dgm:style>
+      <a:lnRef idx="0">
+        <a:scrgbClr r="0" g="0" b="0"/>
+      </a:lnRef>
+      <a:fillRef idx="1">
+        <a:scrgbClr r="0" g="0" b="0"/>
+      </a:fillRef>
+      <a:effectRef idx="0">
+        <a:scrgbClr r="0" g="0" b="0"/>
+      </a:effectRef>
+      <a:fontRef idx="minor">
+        <a:schemeClr val="lt1"/>
+      </a:fontRef>
+    </dgm:style>
+  </dgm:styleLbl>
+  <dgm:styleLbl name="fgSibTrans2D1">
+    <dgm:scene3d>
+      <a:camera prst="orthographicFront"/>
+      <a:lightRig rig="threePt" dir="t"/>
+    </dgm:scene3d>
+    <dgm:sp3d/>
+    <dgm:txPr/>
+    <dgm:style>
+      <a:lnRef idx="0">
+        <a:scrgbClr r="0" g="0" b="0"/>
+      </a:lnRef>
+      <a:fillRef idx="1">
+        <a:scrgbClr r="0" g="0" b="0"/>
+      </a:fillRef>
+      <a:effectRef idx="0">
+        <a:scrgbClr r="0" g="0" b="0"/>
+      </a:effectRef>
+      <a:fontRef idx="minor">
+        <a:schemeClr val="lt1"/>
+      </a:fontRef>
+    </dgm:style>
+  </dgm:styleLbl>
+  <dgm:styleLbl name="bgSibTrans2D1">
+    <dgm:scene3d>
+      <a:camera prst="orthographicFront"/>
+      <a:lightRig rig="threePt" dir="t"/>
+    </dgm:scene3d>
+    <dgm:sp3d/>
+    <dgm:txPr/>
+    <dgm:style>
+      <a:lnRef idx="0">
+        <a:scrgbClr r="0" g="0" b="0"/>
+      </a:lnRef>
+      <a:fillRef idx="1">
+        <a:scrgbClr r="0" g="0" b="0"/>
+      </a:fillRef>
+      <a:effectRef idx="0">
+        <a:scrgbClr r="0" g="0" b="0"/>
+      </a:effectRef>
+      <a:fontRef idx="minor">
+        <a:schemeClr val="lt1"/>
+      </a:fontRef>
+    </dgm:style>
+  </dgm:styleLbl>
+  <dgm:styleLbl name="sibTrans1D1">
+    <dgm:scene3d>
+      <a:camera prst="orthographicFront"/>
+      <a:lightRig rig="threePt" dir="t"/>
+    </dgm:scene3d>
+    <dgm:sp3d/>
+    <dgm:txPr/>
+    <dgm:style>
+      <a:lnRef idx="1">
+        <a:scrgbClr r="0" g="0" b="0"/>
+      </a:lnRef>
+      <a:fillRef idx="0">
+        <a:scrgbClr r="0" g="0" b="0"/>
+      </a:fillRef>
+      <a:effectRef idx="0">
+        <a:scrgbClr r="0" g="0" b="0"/>
+      </a:effectRef>
+      <a:fontRef idx="minor"/>
+    </dgm:style>
+  </dgm:styleLbl>
+  <dgm:styleLbl name="callout">
+    <dgm:scene3d>
+      <a:camera prst="orthographicFront"/>
+      <a:lightRig rig="threePt" dir="t"/>
+    </dgm:scene3d>
+    <dgm:sp3d/>
+    <dgm:txPr/>
+    <dgm:style>
+      <a:lnRef idx="2">
+        <a:scrgbClr r="0" g="0" b="0"/>
+      </a:lnRef>
+      <a:fillRef idx="1">
+        <a:scrgbClr r="0" g="0" b="0"/>
+      </a:fillRef>
+      <a:effectRef idx="0">
+        <a:scrgbClr r="0" g="0" b="0"/>
+      </a:effectRef>
+      <a:fontRef idx="minor"/>
+    </dgm:style>
+  </dgm:styleLbl>
+  <dgm:styleLbl name="asst0">
+    <dgm:scene3d>
+      <a:camera prst="orthographicFront"/>
+      <a:lightRig rig="threePt" dir="t"/>
+    </dgm:scene3d>
+    <dgm:sp3d/>
+    <dgm:txPr/>
+    <dgm:style>
+      <a:lnRef idx="2">
+        <a:scrgbClr r="0" g="0" b="0"/>
+      </a:lnRef>
+      <a:fillRef idx="1">
+        <a:scrgbClr r="0" g="0" b="0"/>
+      </a:fillRef>
+      <a:effectRef idx="0">
+        <a:scrgbClr r="0" g="0" b="0"/>
+      </a:effectRef>
+      <a:fontRef idx="minor">
+        <a:schemeClr val="lt1"/>
+      </a:fontRef>
+    </dgm:style>
+  </dgm:styleLbl>
+  <dgm:styleLbl name="asst1">
+    <dgm:scene3d>
+      <a:camera prst="orthographicFront"/>
+      <a:lightRig rig="threePt" dir="t"/>
+    </dgm:scene3d>
+    <dgm:sp3d/>
+    <dgm:txPr/>
+    <dgm:style>
+      <a:lnRef idx="2">
+        <a:scrgbClr r="0" g="0" b="0"/>
+      </a:lnRef>
+      <a:fillRef idx="1">
+        <a:scrgbClr r="0" g="0" b="0"/>
+      </a:fillRef>
+      <a:effectRef idx="0">
+        <a:scrgbClr r="0" g="0" b="0"/>
+      </a:effectRef>
+      <a:fontRef idx="minor">
+        <a:schemeClr val="lt1"/>
+      </a:fontRef>
+    </dgm:style>
+  </dgm:styleLbl>
+  <dgm:styleLbl name="asst2">
+    <dgm:scene3d>
+      <a:camera prst="orthographicFront"/>
+      <a:lightRig rig="threePt" dir="t"/>
+    </dgm:scene3d>
+    <dgm:sp3d/>
+    <dgm:txPr/>
+    <dgm:style>
+      <a:lnRef idx="2">
+        <a:scrgbClr r="0" g="0" b="0"/>
+      </a:lnRef>
+      <a:fillRef idx="1">
+        <a:scrgbClr r="0" g="0" b="0"/>
+      </a:fillRef>
+      <a:effectRef idx="0">
+        <a:scrgbClr r="0" g="0" b="0"/>
+      </a:effectRef>
+      <a:fontRef idx="minor">
+        <a:schemeClr val="lt1"/>
+      </a:fontRef>
+    </dgm:style>
+  </dgm:styleLbl>
+  <dgm:styleLbl name="asst3">
+    <dgm:scene3d>
+      <a:camera prst="orthographicFront"/>
+      <a:lightRig rig="threePt" dir="t"/>
+    </dgm:scene3d>
+    <dgm:sp3d/>
+    <dgm:txPr/>
+    <dgm:style>
+      <a:lnRef idx="2">
+        <a:scrgbClr r="0" g="0" b="0"/>
+      </a:lnRef>
+      <a:fillRef idx="1">
+        <a:scrgbClr r="0" g="0" b="0"/>
+      </a:fillRef>
+      <a:effectRef idx="0">
+        <a:scrgbClr r="0" g="0" b="0"/>
+      </a:effectRef>
+      <a:fontRef idx="minor">
+        <a:schemeClr val="lt1"/>
+      </a:fontRef>
+    </dgm:style>
+  </dgm:styleLbl>
+  <dgm:styleLbl name="asst4">
+    <dgm:scene3d>
+      <a:camera prst="orthographicFront"/>
+      <a:lightRig rig="threePt" dir="t"/>
+    </dgm:scene3d>
+    <dgm:sp3d/>
+    <dgm:txPr/>
+    <dgm:style>
+      <a:lnRef idx="2">
+        <a:scrgbClr r="0" g="0" b="0"/>
+      </a:lnRef>
+      <a:fillRef idx="1">
+        <a:scrgbClr r="0" g="0" b="0"/>
+      </a:fillRef>
+      <a:effectRef idx="0">
+        <a:scrgbClr r="0" g="0" b="0"/>
+      </a:effectRef>
+      <a:fontRef idx="minor">
+        <a:schemeClr val="lt1"/>
+      </a:fontRef>
+    </dgm:style>
+  </dgm:styleLbl>
+  <dgm:styleLbl name="parChTrans2D1">
+    <dgm:scene3d>
+      <a:camera prst="orthographicFront"/>
+      <a:lightRig rig="threePt" dir="t"/>
+    </dgm:scene3d>
+    <dgm:sp3d/>
+    <dgm:txPr/>
+    <dgm:style>
+      <a:lnRef idx="2">
+        <a:scrgbClr r="0" g="0" b="0"/>
+      </a:lnRef>
+      <a:fillRef idx="1">
+        <a:scrgbClr r="0" g="0" b="0"/>
+      </a:fillRef>
+      <a:effectRef idx="0">
+        <a:scrgbClr r="0" g="0" b="0"/>
+      </a:effectRef>
+      <a:fontRef idx="minor">
+        <a:schemeClr val="lt1"/>
+      </a:fontRef>
+    </dgm:style>
+  </dgm:styleLbl>
+  <dgm:styleLbl name="parChTrans2D2">
+    <dgm:scene3d>
+      <a:camera prst="orthographicFront"/>
+      <a:lightRig rig="threePt" dir="t"/>
+    </dgm:scene3d>
+    <dgm:sp3d/>
+    <dgm:txPr/>
+    <dgm:style>
+      <a:lnRef idx="2">
+        <a:scrgbClr r="0" g="0" b="0"/>
+      </a:lnRef>
+      <a:fillRef idx="1">
+        <a:scrgbClr r="0" g="0" b="0"/>
+      </a:fillRef>
+      <a:effectRef idx="0">
+        <a:scrgbClr r="0" g="0" b="0"/>
+      </a:effectRef>
+      <a:fontRef idx="minor">
+        <a:schemeClr val="lt1"/>
+      </a:fontRef>
+    </dgm:style>
+  </dgm:styleLbl>
+  <dgm:styleLbl name="parChTrans2D3">
+    <dgm:scene3d>
+      <a:camera prst="orthographicFront"/>
+      <a:lightRig rig="threePt" dir="t"/>
+    </dgm:scene3d>
+    <dgm:sp3d/>
+    <dgm:txPr/>
+    <dgm:style>
+      <a:lnRef idx="2">
+        <a:scrgbClr r="0" g="0" b="0"/>
+      </a:lnRef>
+      <a:fillRef idx="1">
+        <a:scrgbClr r="0" g="0" b="0"/>
+      </a:fillRef>
+      <a:effectRef idx="0">
+        <a:scrgbClr r="0" g="0" b="0"/>
+      </a:effectRef>
+      <a:fontRef idx="minor">
+        <a:schemeClr val="lt1"/>
+      </a:fontRef>
+    </dgm:style>
+  </dgm:styleLbl>
+  <dgm:styleLbl name="parChTrans2D4">
+    <dgm:scene3d>
+      <a:camera prst="orthographicFront"/>
+      <a:lightRig rig="threePt" dir="t"/>
+    </dgm:scene3d>
+    <dgm:sp3d/>
+    <dgm:txPr/>
+    <dgm:style>
+      <a:lnRef idx="2">
+        <a:scrgbClr r="0" g="0" b="0"/>
+      </a:lnRef>
+      <a:fillRef idx="1">
+        <a:scrgbClr r="0" g="0" b="0"/>
+      </a:fillRef>
+      <a:effectRef idx="0">
+        <a:scrgbClr r="0" g="0" b="0"/>
+      </a:effectRef>
+      <a:fontRef idx="minor">
+        <a:schemeClr val="lt1"/>
+      </a:fontRef>
+    </dgm:style>
+  </dgm:styleLbl>
+  <dgm:styleLbl name="parChTrans1D1">
+    <dgm:scene3d>
+      <a:camera prst="orthographicFront"/>
+      <a:lightRig rig="threePt" dir="t"/>
+    </dgm:scene3d>
+    <dgm:sp3d/>
+    <dgm:txPr/>
+    <dgm:style>
+      <a:lnRef idx="2">
+        <a:scrgbClr r="0" g="0" b="0"/>
+      </a:lnRef>
+      <a:fillRef idx="0">
+        <a:scrgbClr r="0" g="0" b="0"/>
+      </a:fillRef>
+      <a:effectRef idx="0">
+        <a:scrgbClr r="0" g="0" b="0"/>
+      </a:effectRef>
+      <a:fontRef idx="minor"/>
+    </dgm:style>
+  </dgm:styleLbl>
+  <dgm:styleLbl name="parChTrans1D2">
+    <dgm:scene3d>
+      <a:camera prst="orthographicFront"/>
+      <a:lightRig rig="threePt" dir="t"/>
+    </dgm:scene3d>
+    <dgm:sp3d/>
+    <dgm:txPr/>
+    <dgm:style>
+      <a:lnRef idx="2">
+        <a:scrgbClr r="0" g="0" b="0"/>
+      </a:lnRef>
+      <a:fillRef idx="0">
+        <a:scrgbClr r="0" g="0" b="0"/>
+      </a:fillRef>
+      <a:effectRef idx="0">
+        <a:scrgbClr r="0" g="0" b="0"/>
+      </a:effectRef>
+      <a:fontRef idx="minor"/>
+    </dgm:style>
+  </dgm:styleLbl>
+  <dgm:styleLbl name="parChTrans1D3">
+    <dgm:scene3d>
+      <a:camera prst="orthographicFront"/>
+      <a:lightRig rig="threePt" dir="t"/>
+    </dgm:scene3d>
+    <dgm:sp3d/>
+    <dgm:txPr/>
+    <dgm:style>
+      <a:lnRef idx="2">
+        <a:scrgbClr r="0" g="0" b="0"/>
+      </a:lnRef>
+      <a:fillRef idx="0">
+        <a:scrgbClr r="0" g="0" b="0"/>
+      </a:fillRef>
+      <a:effectRef idx="0">
+        <a:scrgbClr r="0" g="0" b="0"/>
+      </a:effectRef>
+      <a:fontRef idx="minor"/>
+    </dgm:style>
+  </dgm:styleLbl>
+  <dgm:styleLbl name="parChTrans1D4">
+    <dgm:scene3d>
+      <a:camera prst="orthographicFront"/>
+      <a:lightRig rig="threePt" dir="t"/>
+    </dgm:scene3d>
+    <dgm:sp3d/>
+    <dgm:txPr/>
+    <dgm:style>
+      <a:lnRef idx="2">
+        <a:scrgbClr r="0" g="0" b="0"/>
+      </a:lnRef>
+      <a:fillRef idx="0">
+        <a:scrgbClr r="0" g="0" b="0"/>
+      </a:fillRef>
+      <a:effectRef idx="0">
+        <a:scrgbClr r="0" g="0" b="0"/>
+      </a:effectRef>
+      <a:fontRef idx="minor"/>
+    </dgm:style>
+  </dgm:styleLbl>
+  <dgm:styleLbl name="fgAcc1">
+    <dgm:scene3d>
+      <a:camera prst="orthographicFront"/>
+      <a:lightRig rig="threePt" dir="t"/>
+    </dgm:scene3d>
+    <dgm:sp3d/>
+    <dgm:txPr/>
+    <dgm:style>
+      <a:lnRef idx="2">
+        <a:scrgbClr r="0" g="0" b="0"/>
+      </a:lnRef>
+      <a:fillRef idx="1">
+        <a:scrgbClr r="0" g="0" b="0"/>
+      </a:fillRef>
+      <a:effectRef idx="0">
+        <a:scrgbClr r="0" g="0" b="0"/>
+      </a:effectRef>
+      <a:fontRef idx="minor"/>
+    </dgm:style>
+  </dgm:styleLbl>
+  <dgm:styleLbl name="conFgAcc1">
+    <dgm:scene3d>
+      <a:camera prst="orthographicFront"/>
+      <a:lightRig rig="threePt" dir="t"/>
+    </dgm:scene3d>
+    <dgm:sp3d/>
+    <dgm:txPr/>
+    <dgm:style>
+      <a:lnRef idx="2">
+        <a:scrgbClr r="0" g="0" b="0"/>
+      </a:lnRef>
+      <a:fillRef idx="1">
+        <a:scrgbClr r="0" g="0" b="0"/>
+      </a:fillRef>
+      <a:effectRef idx="0">
+        <a:scrgbClr r="0" g="0" b="0"/>
+      </a:effectRef>
+      <a:fontRef idx="minor"/>
+    </dgm:style>
+  </dgm:styleLbl>
+  <dgm:styleLbl name="alignAcc1">
+    <dgm:scene3d>
+      <a:camera prst="orthographicFront"/>
+      <a:lightRig rig="threePt" dir="t"/>
+    </dgm:scene3d>
+    <dgm:sp3d/>
+    <dgm:txPr/>
+    <dgm:style>
+      <a:lnRef idx="2">
+        <a:scrgbClr r="0" g="0" b="0"/>
+      </a:lnRef>
+      <a:fillRef idx="1">
+        <a:scrgbClr r="0" g="0" b="0"/>
+      </a:fillRef>
+      <a:effectRef idx="0">
+        <a:scrgbClr r="0" g="0" b="0"/>
+      </a:effectRef>
+      <a:fontRef idx="minor"/>
+    </dgm:style>
+  </dgm:styleLbl>
+  <dgm:styleLbl name="trAlignAcc1">
+    <dgm:scene3d>
+      <a:camera prst="orthographicFront"/>
+      <a:lightRig rig="threePt" dir="t"/>
+    </dgm:scene3d>
+    <dgm:sp3d/>
+    <dgm:txPr/>
+    <dgm:style>
+      <a:lnRef idx="1">
+        <a:scrgbClr r="0" g="0" b="0"/>
+      </a:lnRef>
+      <a:fillRef idx="1">
+        <a:scrgbClr r="0" g="0" b="0"/>
+      </a:fillRef>
+      <a:effectRef idx="0">
+        <a:scrgbClr r="0" g="0" b="0"/>
+      </a:effectRef>
+      <a:fontRef idx="minor"/>
+    </dgm:style>
+  </dgm:styleLbl>
+  <dgm:styleLbl name="bgAcc1">
+    <dgm:scene3d>
+      <a:camera prst="orthographicFront"/>
+      <a:lightRig rig="threePt" dir="t"/>
+    </dgm:scene3d>
+    <dgm:sp3d/>
+    <dgm:txPr/>
+    <dgm:style>
+      <a:lnRef idx="2">
+        <a:scrgbClr r="0" g="0" b="0"/>
+      </a:lnRef>
+      <a:fillRef idx="1">
+        <a:scrgbClr r="0" g="0" b="0"/>
+      </a:fillRef>
+      <a:effectRef idx="0">
+        <a:scrgbClr r="0" g="0" b="0"/>
+      </a:effectRef>
+      <a:fontRef idx="minor"/>
+    </dgm:style>
+  </dgm:styleLbl>
+  <dgm:styleLbl name="solidFgAcc1">
+    <dgm:scene3d>
+      <a:camera prst="orthographicFront"/>
+      <a:lightRig rig="threePt" dir="t"/>
+    </dgm:scene3d>
+    <dgm:sp3d/>
+    <dgm:txPr/>
+    <dgm:style>
+      <a:lnRef idx="2">
+        <a:scrgbClr r="0" g="0" b="0"/>
+      </a:lnRef>
+      <a:fillRef idx="1">
+        <a:scrgbClr r="0" g="0" b="0"/>
+      </a:fillRef>
+      <a:effectRef idx="0">
+        <a:scrgbClr r="0" g="0" b="0"/>
+      </a:effectRef>
+      <a:fontRef idx="minor"/>
+    </dgm:style>
+  </dgm:styleLbl>
+  <dgm:styleLbl name="solidAlignAcc1">
+    <dgm:scene3d>
+      <a:camera prst="orthographicFront"/>
+      <a:lightRig rig="threePt" dir="t"/>
+    </dgm:scene3d>
+    <dgm:sp3d/>
+    <dgm:txPr/>
+    <dgm:style>
+      <a:lnRef idx="2">
+        <a:scrgbClr r="0" g="0" b="0"/>
+      </a:lnRef>
+      <a:fillRef idx="1">
+        <a:scrgbClr r="0" g="0" b="0"/>
+      </a:fillRef>
+      <a:effectRef idx="0">
+        <a:scrgbClr r="0" g="0" b="0"/>
+      </a:effectRef>
+      <a:fontRef idx="minor"/>
+    </dgm:style>
+  </dgm:styleLbl>
+  <dgm:styleLbl name="solidBgAcc1">
+    <dgm:scene3d>
+      <a:camera prst="orthographicFront"/>
+      <a:lightRig rig="threePt" dir="t"/>
+    </dgm:scene3d>
+    <dgm:sp3d/>
+    <dgm:txPr/>
+    <dgm:style>
+      <a:lnRef idx="2">
+        <a:scrgbClr r="0" g="0" b="0"/>
+      </a:lnRef>
+      <a:fillRef idx="1">
+        <a:scrgbClr r="0" g="0" b="0"/>
+      </a:fillRef>
+      <a:effectRef idx="0">
+        <a:scrgbClr r="0" g="0" b="0"/>
+      </a:effectRef>
+      <a:fontRef idx="minor"/>
+    </dgm:style>
+  </dgm:styleLbl>
+  <dgm:styleLbl name="fgAccFollowNode1">
+    <dgm:scene3d>
+      <a:camera prst="orthographicFront"/>
+      <a:lightRig rig="threePt" dir="t"/>
+    </dgm:scene3d>
+    <dgm:sp3d/>
+    <dgm:txPr/>
+    <dgm:style>
+      <a:lnRef idx="2">
+        <a:scrgbClr r="0" g="0" b="0"/>
+      </a:lnRef>
+      <a:fillRef idx="1">
+        <a:scrgbClr r="0" g="0" b="0"/>
+      </a:fillRef>
+      <a:effectRef idx="0">
+        <a:scrgbClr r="0" g="0" b="0"/>
+      </a:effectRef>
+      <a:fontRef idx="minor"/>
+    </dgm:style>
+  </dgm:styleLbl>
+  <dgm:styleLbl name="alignAccFollowNode1">
+    <dgm:scene3d>
+      <a:camera prst="orthographicFront"/>
+      <a:lightRig rig="threePt" dir="t"/>
+    </dgm:scene3d>
+    <dgm:sp3d/>
+    <dgm:txPr/>
+    <dgm:style>
+      <a:lnRef idx="2">
+        <a:scrgbClr r="0" g="0" b="0"/>
+      </a:lnRef>
+      <a:fillRef idx="1">
+        <a:scrgbClr r="0" g="0" b="0"/>
+      </a:fillRef>
+      <a:effectRef idx="0">
+        <a:scrgbClr r="0" g="0" b="0"/>
+      </a:effectRef>
+      <a:fontRef idx="minor"/>
+    </dgm:style>
+  </dgm:styleLbl>
+  <dgm:styleLbl name="bgAccFollowNode1">
+    <dgm:scene3d>
+      <a:camera prst="orthographicFront"/>
+      <a:lightRig rig="threePt" dir="t"/>
+    </dgm:scene3d>
+    <dgm:sp3d/>
+    <dgm:txPr/>
+    <dgm:style>
+      <a:lnRef idx="2">
+        <a:scrgbClr r="0" g="0" b="0"/>
+      </a:lnRef>
+      <a:fillRef idx="1">
+        <a:scrgbClr r="0" g="0" b="0"/>
+      </a:fillRef>
+      <a:effectRef idx="0">
+        <a:scrgbClr r="0" g="0" b="0"/>
+      </a:effectRef>
+      <a:fontRef idx="minor"/>
+    </dgm:style>
+  </dgm:styleLbl>
+  <dgm:styleLbl name="fgAcc0">
+    <dgm:scene3d>
+      <a:camera prst="orthographicFront"/>
+      <a:lightRig rig="threePt" dir="t"/>
+    </dgm:scene3d>
+    <dgm:sp3d/>
+    <dgm:txPr/>
+    <dgm:style>
+      <a:lnRef idx="2">
+        <a:scrgbClr r="0" g="0" b="0"/>
+      </a:lnRef>
+      <a:fillRef idx="1">
+        <a:scrgbClr r="0" g="0" b="0"/>
+      </a:fillRef>
+      <a:effectRef idx="0">
+        <a:scrgbClr r="0" g="0" b="0"/>
+      </a:effectRef>
+      <a:fontRef idx="minor"/>
+    </dgm:style>
+  </dgm:styleLbl>
+  <dgm:styleLbl name="fgAcc2">
+    <dgm:scene3d>
+      <a:camera prst="orthographicFront"/>
+      <a:lightRig rig="threePt" dir="t"/>
+    </dgm:scene3d>
+    <dgm:sp3d/>
+    <dgm:txPr/>
+    <dgm:style>
+      <a:lnRef idx="2">
+        <a:scrgbClr r="0" g="0" b="0"/>
+      </a:lnRef>
+      <a:fillRef idx="1">
+        <a:scrgbClr r="0" g="0" b="0"/>
+      </a:fillRef>
+      <a:effectRef idx="0">
+        <a:scrgbClr r="0" g="0" b="0"/>
+      </a:effectRef>
+      <a:fontRef idx="minor"/>
+    </dgm:style>
+  </dgm:styleLbl>
+  <dgm:styleLbl name="fgAcc3">
+    <dgm:scene3d>
+      <a:camera prst="orthographicFront"/>
+      <a:lightRig rig="threePt" dir="t"/>
+    </dgm:scene3d>
+    <dgm:sp3d/>
+    <dgm:txPr/>
+    <dgm:style>
+      <a:lnRef idx="2">
+        <a:scrgbClr r="0" g="0" b="0"/>
+      </a:lnRef>
+      <a:fillRef idx="1">
+        <a:scrgbClr r="0" g="0" b="0"/>
+      </a:fillRef>
+      <a:effectRef idx="0">
+        <a:scrgbClr r="0" g="0" b="0"/>
+      </a:effectRef>
+      <a:fontRef idx="minor"/>
+    </dgm:style>
+  </dgm:styleLbl>
+  <dgm:styleLbl name="fgAcc4">
+    <dgm:scene3d>
+      <a:camera prst="orthographicFront"/>
+      <a:lightRig rig="threePt" dir="t"/>
+    </dgm:scene3d>
+    <dgm:sp3d/>
+    <dgm:txPr/>
+    <dgm:style>
+      <a:lnRef idx="2">
+        <a:scrgbClr r="0" g="0" b="0"/>
+      </a:lnRef>
+      <a:fillRef idx="1">
+        <a:scrgbClr r="0" g="0" b="0"/>
+      </a:fillRef>
+      <a:effectRef idx="0">
+        <a:scrgbClr r="0" g="0" b="0"/>
+      </a:effectRef>
+      <a:fontRef idx="minor"/>
+    </dgm:style>
+  </dgm:styleLbl>
+  <dgm:styleLbl name="bgShp">
+    <dgm:scene3d>
+      <a:camera prst="orthographicFront"/>
+      <a:lightRig rig="threePt" dir="t"/>
+    </dgm:scene3d>
+    <dgm:sp3d/>
+    <dgm:txPr/>
+    <dgm:style>
+      <a:lnRef idx="0">
+        <a:scrgbClr r="0" g="0" b="0"/>
+      </a:lnRef>
+      <a:fillRef idx="1">
+        <a:scrgbClr r="0" g="0" b="0"/>
+      </a:fillRef>
+      <a:effectRef idx="0">
+        <a:scrgbClr r="0" g="0" b="0"/>
+      </a:effectRef>
+      <a:fontRef idx="minor"/>
+    </dgm:style>
+  </dgm:styleLbl>
+  <dgm:styleLbl name="dkBgShp">
+    <dgm:scene3d>
+      <a:camera prst="orthographicFront"/>
+      <a:lightRig rig="threePt" dir="t"/>
+    </dgm:scene3d>
+    <dgm:sp3d/>
+    <dgm:txPr/>
+    <dgm:style>
+      <a:lnRef idx="0">
+        <a:scrgbClr r="0" g="0" b="0"/>
+      </a:lnRef>
+      <a:fillRef idx="1">
+        <a:scrgbClr r="0" g="0" b="0"/>
+      </a:fillRef>
+      <a:effectRef idx="0">
+        <a:scrgbClr r="0" g="0" b="0"/>
+      </a:effectRef>
+      <a:fontRef idx="minor"/>
+    </dgm:style>
+  </dgm:styleLbl>
+  <dgm:styleLbl name="trBgShp">
+    <dgm:scene3d>
+      <a:camera prst="orthographicFront"/>
+      <a:lightRig rig="threePt" dir="t"/>
+    </dgm:scene3d>
+    <dgm:sp3d/>
+    <dgm:txPr/>
+    <dgm:style>
+      <a:lnRef idx="0">
+        <a:scrgbClr r="0" g="0" b="0"/>
+      </a:lnRef>
+      <a:fillRef idx="1">
+        <a:scrgbClr r="0" g="0" b="0"/>
+      </a:fillRef>
+      <a:effectRef idx="0">
+        <a:scrgbClr r="0" g="0" b="0"/>
+      </a:effectRef>
+      <a:fontRef idx="minor"/>
+    </dgm:style>
+  </dgm:styleLbl>
+  <dgm:styleLbl name="fgShp">
+    <dgm:scene3d>
+      <a:camera prst="orthographicFront"/>
+      <a:lightRig rig="threePt" dir="t"/>
+    </dgm:scene3d>
+    <dgm:sp3d/>
+    <dgm:txPr/>
+    <dgm:style>
+      <a:lnRef idx="2">
+        <a:scrgbClr r="0" g="0" b="0"/>
+      </a:lnRef>
+      <a:fillRef idx="1">
+        <a:scrgbClr r="0" g="0" b="0"/>
+      </a:fillRef>
+      <a:effectRef idx="0">
+        <a:scrgbClr r="0" g="0" b="0"/>
+      </a:effectRef>
+      <a:fontRef idx="minor"/>
+    </dgm:style>
+  </dgm:styleLbl>
+  <dgm:styleLbl name="revTx">
+    <dgm:scene3d>
+      <a:camera prst="orthographicFront"/>
+      <a:lightRig rig="threePt" dir="t"/>
+    </dgm:scene3d>
+    <dgm:sp3d/>
+    <dgm:txPr/>
+    <dgm:style>
+      <a:lnRef idx="0">
+        <a:scrgbClr r="0" g="0" b="0"/>
+      </a:lnRef>
+      <a:fillRef idx="0">
+        <a:scrgbClr r="0" g="0" b="0"/>
+      </a:fillRef>
+      <a:effectRef idx="0">
+        <a:scrgbClr r="0" g="0" b="0"/>
+      </a:effectRef>
+      <a:fontRef idx="minor"/>
+    </dgm:style>
+  </dgm:styleLbl>
+</dgm:styleDef>
+</file>
+
+<file path=ppt/diagrams/quickStyle2.xml><?xml version="1.0" encoding="utf-8"?>
+<dgm:styleDef xmlns:dgm="http://schemas.openxmlformats.org/drawingml/2006/diagram" xmlns:a="http://schemas.openxmlformats.org/drawingml/2006/main" uniqueId="urn:microsoft.com/office/officeart/2005/8/quickstyle/simple1">
+  <dgm:title val=""/>
+  <dgm:desc val=""/>
+  <dgm:catLst>
+    <dgm:cat type="simple" pri="10100"/>
+  </dgm:catLst>
+  <dgm:scene3d>
+    <a:camera prst="orthographicFront"/>
+    <a:lightRig rig="threePt" dir="t"/>
+  </dgm:scene3d>
+  <dgm:styleLbl name="node0">
+    <dgm:scene3d>
+      <a:camera prst="orthographicFront"/>
+      <a:lightRig rig="threePt" dir="t"/>
+    </dgm:scene3d>
+    <dgm:sp3d/>
+    <dgm:txPr/>
+    <dgm:style>
+      <a:lnRef idx="2">
+        <a:scrgbClr r="0" g="0" b="0"/>
+      </a:lnRef>
+      <a:fillRef idx="1">
+        <a:scrgbClr r="0" g="0" b="0"/>
+      </a:fillRef>
+      <a:effectRef idx="0">
+        <a:scrgbClr r="0" g="0" b="0"/>
+      </a:effectRef>
+      <a:fontRef idx="minor">
+        <a:schemeClr val="lt1"/>
+      </a:fontRef>
+    </dgm:style>
+  </dgm:styleLbl>
+  <dgm:styleLbl name="lnNode1">
+    <dgm:scene3d>
+      <a:camera prst="orthographicFront"/>
+      <a:lightRig rig="threePt" dir="t"/>
+    </dgm:scene3d>
+    <dgm:sp3d/>
+    <dgm:txPr/>
+    <dgm:style>
+      <a:lnRef idx="2">
+        <a:scrgbClr r="0" g="0" b="0"/>
+      </a:lnRef>
+      <a:fillRef idx="1">
+        <a:scrgbClr r="0" g="0" b="0"/>
+      </a:fillRef>
+      <a:effectRef idx="0">
+        <a:scrgbClr r="0" g="0" b="0"/>
+      </a:effectRef>
+      <a:fontRef idx="minor">
+        <a:schemeClr val="lt1"/>
+      </a:fontRef>
+    </dgm:style>
+  </dgm:styleLbl>
+  <dgm:styleLbl name="vennNode1">
+    <dgm:scene3d>
+      <a:camera prst="orthographicFront"/>
+      <a:lightRig rig="threePt" dir="t"/>
+    </dgm:scene3d>
+    <dgm:sp3d/>
+    <dgm:txPr/>
+    <dgm:style>
+      <a:lnRef idx="2">
+        <a:scrgbClr r="0" g="0" b="0"/>
+      </a:lnRef>
+      <a:fillRef idx="1">
+        <a:scrgbClr r="0" g="0" b="0"/>
+      </a:fillRef>
+      <a:effectRef idx="0">
+        <a:scrgbClr r="0" g="0" b="0"/>
+      </a:effectRef>
+      <a:fontRef idx="minor">
+        <a:schemeClr val="tx1"/>
+      </a:fontRef>
+    </dgm:style>
+  </dgm:styleLbl>
+  <dgm:styleLbl name="alignNode1">
+    <dgm:scene3d>
+      <a:camera prst="orthographicFront"/>
+      <a:lightRig rig="threePt" dir="t"/>
+    </dgm:scene3d>
+    <dgm:sp3d/>
+    <dgm:txPr/>
+    <dgm:style>
+      <a:lnRef idx="2">
+        <a:scrgbClr r="0" g="0" b="0"/>
+      </a:lnRef>
+      <a:fillRef idx="1">
+        <a:scrgbClr r="0" g="0" b="0"/>
+      </a:fillRef>
+      <a:effectRef idx="0">
+        <a:scrgbClr r="0" g="0" b="0"/>
+      </a:effectRef>
+      <a:fontRef idx="minor">
+        <a:schemeClr val="lt1"/>
+      </a:fontRef>
+    </dgm:style>
+  </dgm:styleLbl>
+  <dgm:styleLbl name="node1">
+    <dgm:scene3d>
+      <a:camera prst="orthographicFront"/>
+      <a:lightRig rig="threePt" dir="t"/>
+    </dgm:scene3d>
+    <dgm:sp3d/>
+    <dgm:txPr/>
+    <dgm:style>
+      <a:lnRef idx="2">
+        <a:scrgbClr r="0" g="0" b="0"/>
+      </a:lnRef>
+      <a:fillRef idx="1">
+        <a:scrgbClr r="0" g="0" b="0"/>
+      </a:fillRef>
+      <a:effectRef idx="0">
+        <a:scrgbClr r="0" g="0" b="0"/>
+      </a:effectRef>
+      <a:fontRef idx="minor">
+        <a:schemeClr val="lt1"/>
+      </a:fontRef>
+    </dgm:style>
+  </dgm:styleLbl>
+  <dgm:styleLbl name="node2">
+    <dgm:scene3d>
+      <a:camera prst="orthographicFront"/>
+      <a:lightRig rig="threePt" dir="t"/>
+    </dgm:scene3d>
+    <dgm:sp3d/>
+    <dgm:txPr/>
+    <dgm:style>
+      <a:lnRef idx="2">
+        <a:scrgbClr r="0" g="0" b="0"/>
+      </a:lnRef>
+      <a:fillRef idx="1">
+        <a:scrgbClr r="0" g="0" b="0"/>
+      </a:fillRef>
+      <a:effectRef idx="0">
+        <a:scrgbClr r="0" g="0" b="0"/>
+      </a:effectRef>
+      <a:fontRef idx="minor">
+        <a:schemeClr val="lt1"/>
+      </a:fontRef>
+    </dgm:style>
+  </dgm:styleLbl>
+  <dgm:styleLbl name="node3">
+    <dgm:scene3d>
+      <a:camera prst="orthographicFront"/>
+      <a:lightRig rig="threePt" dir="t"/>
+    </dgm:scene3d>
+    <dgm:sp3d/>
+    <dgm:txPr/>
+    <dgm:style>
+      <a:lnRef idx="2">
+        <a:scrgbClr r="0" g="0" b="0"/>
+      </a:lnRef>
+      <a:fillRef idx="1">
+        <a:scrgbClr r="0" g="0" b="0"/>
+      </a:fillRef>
+      <a:effectRef idx="0">
+        <a:scrgbClr r="0" g="0" b="0"/>
+      </a:effectRef>
+      <a:fontRef idx="minor">
+        <a:schemeClr val="lt1"/>
+      </a:fontRef>
+    </dgm:style>
+  </dgm:styleLbl>
+  <dgm:styleLbl name="node4">
+    <dgm:scene3d>
+      <a:camera prst="orthographicFront"/>
+      <a:lightRig rig="threePt" dir="t"/>
+    </dgm:scene3d>
+    <dgm:sp3d/>
+    <dgm:txPr/>
+    <dgm:style>
+      <a:lnRef idx="2">
+        <a:scrgbClr r="0" g="0" b="0"/>
+      </a:lnRef>
+      <a:fillRef idx="1">
+        <a:scrgbClr r="0" g="0" b="0"/>
+      </a:fillRef>
+      <a:effectRef idx="0">
+        <a:scrgbClr r="0" g="0" b="0"/>
+      </a:effectRef>
+      <a:fontRef idx="minor">
+        <a:schemeClr val="lt1"/>
+      </a:fontRef>
+    </dgm:style>
+  </dgm:styleLbl>
+  <dgm:styleLbl name="fgImgPlace1">
+    <dgm:scene3d>
+      <a:camera prst="orthographicFront"/>
+      <a:lightRig rig="threePt" dir="t"/>
+    </dgm:scene3d>
+    <dgm:sp3d/>
+    <dgm:txPr/>
+    <dgm:style>
+      <a:lnRef idx="2">
+        <a:scrgbClr r="0" g="0" b="0"/>
+      </a:lnRef>
+      <a:fillRef idx="1">
+        <a:scrgbClr r="0" g="0" b="0"/>
+      </a:fillRef>
+      <a:effectRef idx="0">
+        <a:scrgbClr r="0" g="0" b="0"/>
+      </a:effectRef>
+      <a:fontRef idx="minor"/>
+    </dgm:style>
+  </dgm:styleLbl>
+  <dgm:styleLbl name="alignImgPlace1">
+    <dgm:scene3d>
+      <a:camera prst="orthographicFront"/>
+      <a:lightRig rig="threePt" dir="t"/>
+    </dgm:scene3d>
+    <dgm:sp3d/>
+    <dgm:txPr/>
+    <dgm:style>
+      <a:lnRef idx="2">
+        <a:scrgbClr r="0" g="0" b="0"/>
+      </a:lnRef>
+      <a:fillRef idx="1">
+        <a:scrgbClr r="0" g="0" b="0"/>
+      </a:fillRef>
+      <a:effectRef idx="0">
+        <a:scrgbClr r="0" g="0" b="0"/>
+      </a:effectRef>
+      <a:fontRef idx="minor"/>
+    </dgm:style>
+  </dgm:styleLbl>
+  <dgm:styleLbl name="bgImgPlace1">
+    <dgm:scene3d>
+      <a:camera prst="orthographicFront"/>
+      <a:lightRig rig="threePt" dir="t"/>
+    </dgm:scene3d>
+    <dgm:sp3d/>
+    <dgm:txPr/>
+    <dgm:style>
+      <a:lnRef idx="2">
+        <a:scrgbClr r="0" g="0" b="0"/>
+      </a:lnRef>
+      <a:fillRef idx="1">
+        <a:scrgbClr r="0" g="0" b="0"/>
+      </a:fillRef>
+      <a:effectRef idx="0">
+        <a:scrgbClr r="0" g="0" b="0"/>
+      </a:effectRef>
+      <a:fontRef idx="minor"/>
+    </dgm:style>
+  </dgm:styleLbl>
+  <dgm:styleLbl name="sibTrans2D1">
+    <dgm:scene3d>
+      <a:camera prst="orthographicFront"/>
+      <a:lightRig rig="threePt" dir="t"/>
+    </dgm:scene3d>
+    <dgm:sp3d/>
+    <dgm:txPr/>
+    <dgm:style>
+      <a:lnRef idx="0">
+        <a:scrgbClr r="0" g="0" b="0"/>
+      </a:lnRef>
+      <a:fillRef idx="1">
+        <a:scrgbClr r="0" g="0" b="0"/>
+      </a:fillRef>
+      <a:effectRef idx="0">
+        <a:scrgbClr r="0" g="0" b="0"/>
+      </a:effectRef>
+      <a:fontRef idx="minor">
+        <a:schemeClr val="lt1"/>
+      </a:fontRef>
+    </dgm:style>
+  </dgm:styleLbl>
+  <dgm:styleLbl name="fgSibTrans2D1">
+    <dgm:scene3d>
+      <a:camera prst="orthographicFront"/>
+      <a:lightRig rig="threePt" dir="t"/>
+    </dgm:scene3d>
+    <dgm:sp3d/>
+    <dgm:txPr/>
+    <dgm:style>
+      <a:lnRef idx="0">
+        <a:scrgbClr r="0" g="0" b="0"/>
+      </a:lnRef>
+      <a:fillRef idx="1">
+        <a:scrgbClr r="0" g="0" b="0"/>
+      </a:fillRef>
+      <a:effectRef idx="0">
+        <a:scrgbClr r="0" g="0" b="0"/>
+      </a:effectRef>
+      <a:fontRef idx="minor">
+        <a:schemeClr val="lt1"/>
+      </a:fontRef>
+    </dgm:style>
+  </dgm:styleLbl>
+  <dgm:styleLbl name="bgSibTrans2D1">
+    <dgm:scene3d>
+      <a:camera prst="orthographicFront"/>
+      <a:lightRig rig="threePt" dir="t"/>
+    </dgm:scene3d>
+    <dgm:sp3d/>
+    <dgm:txPr/>
+    <dgm:style>
+      <a:lnRef idx="0">
+        <a:scrgbClr r="0" g="0" b="0"/>
+      </a:lnRef>
+      <a:fillRef idx="1">
+        <a:scrgbClr r="0" g="0" b="0"/>
+      </a:fillRef>
+      <a:effectRef idx="0">
+        <a:scrgbClr r="0" g="0" b="0"/>
+      </a:effectRef>
+      <a:fontRef idx="minor">
+        <a:schemeClr val="lt1"/>
+      </a:fontRef>
+    </dgm:style>
+  </dgm:styleLbl>
+  <dgm:styleLbl name="sibTrans1D1">
+    <dgm:scene3d>
+      <a:camera prst="orthographicFront"/>
+      <a:lightRig rig="threePt" dir="t"/>
+    </dgm:scene3d>
+    <dgm:sp3d/>
+    <dgm:txPr/>
+    <dgm:style>
+      <a:lnRef idx="1">
+        <a:scrgbClr r="0" g="0" b="0"/>
+      </a:lnRef>
+      <a:fillRef idx="0">
+        <a:scrgbClr r="0" g="0" b="0"/>
+      </a:fillRef>
+      <a:effectRef idx="0">
+        <a:scrgbClr r="0" g="0" b="0"/>
+      </a:effectRef>
+      <a:fontRef idx="minor"/>
+    </dgm:style>
+  </dgm:styleLbl>
+  <dgm:styleLbl name="callout">
+    <dgm:scene3d>
+      <a:camera prst="orthographicFront"/>
+      <a:lightRig rig="threePt" dir="t"/>
+    </dgm:scene3d>
+    <dgm:sp3d/>
+    <dgm:txPr/>
+    <dgm:style>
+      <a:lnRef idx="2">
+        <a:scrgbClr r="0" g="0" b="0"/>
+      </a:lnRef>
+      <a:fillRef idx="1">
+        <a:scrgbClr r="0" g="0" b="0"/>
+      </a:fillRef>
+      <a:effectRef idx="0">
+        <a:scrgbClr r="0" g="0" b="0"/>
+      </a:effectRef>
+      <a:fontRef idx="minor"/>
+    </dgm:style>
+  </dgm:styleLbl>
+  <dgm:styleLbl name="asst0">
+    <dgm:scene3d>
+      <a:camera prst="orthographicFront"/>
+      <a:lightRig rig="threePt" dir="t"/>
+    </dgm:scene3d>
+    <dgm:sp3d/>
+    <dgm:txPr/>
+    <dgm:style>
+      <a:lnRef idx="2">
+        <a:scrgbClr r="0" g="0" b="0"/>
+      </a:lnRef>
+      <a:fillRef idx="1">
+        <a:scrgbClr r="0" g="0" b="0"/>
+      </a:fillRef>
+      <a:effectRef idx="0">
+        <a:scrgbClr r="0" g="0" b="0"/>
+      </a:effectRef>
+      <a:fontRef idx="minor">
+        <a:schemeClr val="lt1"/>
+      </a:fontRef>
+    </dgm:style>
+  </dgm:styleLbl>
+  <dgm:styleLbl name="asst1">
+    <dgm:scene3d>
+      <a:camera prst="orthographicFront"/>
+      <a:lightRig rig="threePt" dir="t"/>
+    </dgm:scene3d>
+    <dgm:sp3d/>
+    <dgm:txPr/>
+    <dgm:style>
+      <a:lnRef idx="2">
+        <a:scrgbClr r="0" g="0" b="0"/>
+      </a:lnRef>
+      <a:fillRef idx="1">
+        <a:scrgbClr r="0" g="0" b="0"/>
+      </a:fillRef>
+      <a:effectRef idx="0">
+        <a:scrgbClr r="0" g="0" b="0"/>
+      </a:effectRef>
+      <a:fontRef idx="minor">
+        <a:schemeClr val="lt1"/>
+      </a:fontRef>
+    </dgm:style>
+  </dgm:styleLbl>
+  <dgm:styleLbl name="asst2">
+    <dgm:scene3d>
+      <a:camera prst="orthographicFront"/>
+      <a:lightRig rig="threePt" dir="t"/>
+    </dgm:scene3d>
+    <dgm:sp3d/>
+    <dgm:txPr/>
+    <dgm:style>
+      <a:lnRef idx="2">
+        <a:scrgbClr r="0" g="0" b="0"/>
+      </a:lnRef>
+      <a:fillRef idx="1">
+        <a:scrgbClr r="0" g="0" b="0"/>
+      </a:fillRef>
+      <a:effectRef idx="0">
+        <a:scrgbClr r="0" g="0" b="0"/>
+      </a:effectRef>
+      <a:fontRef idx="minor">
+        <a:schemeClr val="lt1"/>
+      </a:fontRef>
+    </dgm:style>
+  </dgm:styleLbl>
+  <dgm:styleLbl name="asst3">
+    <dgm:scene3d>
+      <a:camera prst="orthographicFront"/>
+      <a:lightRig rig="threePt" dir="t"/>
+    </dgm:scene3d>
+    <dgm:sp3d/>
+    <dgm:txPr/>
+    <dgm:style>
+      <a:lnRef idx="2">
+        <a:scrgbClr r="0" g="0" b="0"/>
+      </a:lnRef>
+      <a:fillRef idx="1">
+        <a:scrgbClr r="0" g="0" b="0"/>
+      </a:fillRef>
+      <a:effectRef idx="0">
+        <a:scrgbClr r="0" g="0" b="0"/>
+      </a:effectRef>
+      <a:fontRef idx="minor">
+        <a:schemeClr val="lt1"/>
+      </a:fontRef>
+    </dgm:style>
+  </dgm:styleLbl>
+  <dgm:styleLbl name="asst4">
+    <dgm:scene3d>
+      <a:camera prst="orthographicFront"/>
+      <a:lightRig rig="threePt" dir="t"/>
+    </dgm:scene3d>
+    <dgm:sp3d/>
+    <dgm:txPr/>
+    <dgm:style>
+      <a:lnRef idx="2">
+        <a:scrgbClr r="0" g="0" b="0"/>
+      </a:lnRef>
+      <a:fillRef idx="1">
+        <a:scrgbClr r="0" g="0" b="0"/>
+      </a:fillRef>
+      <a:effectRef idx="0">
+        <a:scrgbClr r="0" g="0" b="0"/>
+      </a:effectRef>
+      <a:fontRef idx="minor">
+        <a:schemeClr val="lt1"/>
+      </a:fontRef>
+    </dgm:style>
+  </dgm:styleLbl>
+  <dgm:styleLbl name="parChTrans2D1">
+    <dgm:scene3d>
+      <a:camera prst="orthographicFront"/>
+      <a:lightRig rig="threePt" dir="t"/>
+    </dgm:scene3d>
+    <dgm:sp3d/>
+    <dgm:txPr/>
+    <dgm:style>
+      <a:lnRef idx="2">
+        <a:scrgbClr r="0" g="0" b="0"/>
+      </a:lnRef>
+      <a:fillRef idx="1">
+        <a:scrgbClr r="0" g="0" b="0"/>
+      </a:fillRef>
+      <a:effectRef idx="0">
+        <a:scrgbClr r="0" g="0" b="0"/>
+      </a:effectRef>
+      <a:fontRef idx="minor">
+        <a:schemeClr val="lt1"/>
+      </a:fontRef>
+    </dgm:style>
+  </dgm:styleLbl>
+  <dgm:styleLbl name="parChTrans2D2">
+    <dgm:scene3d>
+      <a:camera prst="orthographicFront"/>
+      <a:lightRig rig="threePt" dir="t"/>
+    </dgm:scene3d>
+    <dgm:sp3d/>
+    <dgm:txPr/>
+    <dgm:style>
+      <a:lnRef idx="2">
+        <a:scrgbClr r="0" g="0" b="0"/>
+      </a:lnRef>
+      <a:fillRef idx="1">
+        <a:scrgbClr r="0" g="0" b="0"/>
+      </a:fillRef>
+      <a:effectRef idx="0">
+        <a:scrgbClr r="0" g="0" b="0"/>
+      </a:effectRef>
+      <a:fontRef idx="minor">
+        <a:schemeClr val="lt1"/>
+      </a:fontRef>
+    </dgm:style>
+  </dgm:styleLbl>
+  <dgm:styleLbl name="parChTrans2D3">
+    <dgm:scene3d>
+      <a:camera prst="orthographicFront"/>
+      <a:lightRig rig="threePt" dir="t"/>
+    </dgm:scene3d>
+    <dgm:sp3d/>
+    <dgm:txPr/>
+    <dgm:style>
+      <a:lnRef idx="2">
+        <a:scrgbClr r="0" g="0" b="0"/>
+      </a:lnRef>
+      <a:fillRef idx="1">
+        <a:scrgbClr r="0" g="0" b="0"/>
+      </a:fillRef>
+      <a:effectRef idx="0">
+        <a:scrgbClr r="0" g="0" b="0"/>
+      </a:effectRef>
+      <a:fontRef idx="minor">
+        <a:schemeClr val="lt1"/>
+      </a:fontRef>
+    </dgm:style>
+  </dgm:styleLbl>
+  <dgm:styleLbl name="parChTrans2D4">
+    <dgm:scene3d>
+      <a:camera prst="orthographicFront"/>
+      <a:lightRig rig="threePt" dir="t"/>
+    </dgm:scene3d>
+    <dgm:sp3d/>
+    <dgm:txPr/>
+    <dgm:style>
+      <a:lnRef idx="2">
+        <a:scrgbClr r="0" g="0" b="0"/>
+      </a:lnRef>
+      <a:fillRef idx="1">
+        <a:scrgbClr r="0" g="0" b="0"/>
+      </a:fillRef>
+      <a:effectRef idx="0">
+        <a:scrgbClr r="0" g="0" b="0"/>
+      </a:effectRef>
+      <a:fontRef idx="minor">
+        <a:schemeClr val="lt1"/>
+      </a:fontRef>
+    </dgm:style>
+  </dgm:styleLbl>
+  <dgm:styleLbl name="parChTrans1D1">
+    <dgm:scene3d>
+      <a:camera prst="orthographicFront"/>
+      <a:lightRig rig="threePt" dir="t"/>
+    </dgm:scene3d>
+    <dgm:sp3d/>
+    <dgm:txPr/>
+    <dgm:style>
+      <a:lnRef idx="2">
+        <a:scrgbClr r="0" g="0" b="0"/>
+      </a:lnRef>
+      <a:fillRef idx="0">
+        <a:scrgbClr r="0" g="0" b="0"/>
+      </a:fillRef>
+      <a:effectRef idx="0">
+        <a:scrgbClr r="0" g="0" b="0"/>
+      </a:effectRef>
+      <a:fontRef idx="minor"/>
+    </dgm:style>
+  </dgm:styleLbl>
+  <dgm:styleLbl name="parChTrans1D2">
+    <dgm:scene3d>
+      <a:camera prst="orthographicFront"/>
+      <a:lightRig rig="threePt" dir="t"/>
+    </dgm:scene3d>
+    <dgm:sp3d/>
+    <dgm:txPr/>
+    <dgm:style>
+      <a:lnRef idx="2">
+        <a:scrgbClr r="0" g="0" b="0"/>
+      </a:lnRef>
+      <a:fillRef idx="0">
+        <a:scrgbClr r="0" g="0" b="0"/>
+      </a:fillRef>
+      <a:effectRef idx="0">
+        <a:scrgbClr r="0" g="0" b="0"/>
+      </a:effectRef>
+      <a:fontRef idx="minor"/>
+    </dgm:style>
+  </dgm:styleLbl>
+  <dgm:styleLbl name="parChTrans1D3">
+    <dgm:scene3d>
+      <a:camera prst="orthographicFront"/>
+      <a:lightRig rig="threePt" dir="t"/>
+    </dgm:scene3d>
+    <dgm:sp3d/>
+    <dgm:txPr/>
+    <dgm:style>
+      <a:lnRef idx="2">
+        <a:scrgbClr r="0" g="0" b="0"/>
+      </a:lnRef>
+      <a:fillRef idx="0">
+        <a:scrgbClr r="0" g="0" b="0"/>
+      </a:fillRef>
+      <a:effectRef idx="0">
+        <a:scrgbClr r="0" g="0" b="0"/>
+      </a:effectRef>
+      <a:fontRef idx="minor"/>
+    </dgm:style>
+  </dgm:styleLbl>
+  <dgm:styleLbl name="parChTrans1D4">
+    <dgm:scene3d>
+      <a:camera prst="orthographicFront"/>
+      <a:lightRig rig="threePt" dir="t"/>
+    </dgm:scene3d>
+    <dgm:sp3d/>
+    <dgm:txPr/>
+    <dgm:style>
+      <a:lnRef idx="2">
+        <a:scrgbClr r="0" g="0" b="0"/>
+      </a:lnRef>
+      <a:fillRef idx="0">
+        <a:scrgbClr r="0" g="0" b="0"/>
+      </a:fillRef>
+      <a:effectRef idx="0">
+        <a:scrgbClr r="0" g="0" b="0"/>
+      </a:effectRef>
+      <a:fontRef idx="minor"/>
+    </dgm:style>
+  </dgm:styleLbl>
+  <dgm:styleLbl name="fgAcc1">
+    <dgm:scene3d>
+      <a:camera prst="orthographicFront"/>
+      <a:lightRig rig="threePt" dir="t"/>
+    </dgm:scene3d>
+    <dgm:sp3d/>
+    <dgm:txPr/>
+    <dgm:style>
+      <a:lnRef idx="2">
+        <a:scrgbClr r="0" g="0" b="0"/>
+      </a:lnRef>
+      <a:fillRef idx="1">
+        <a:scrgbClr r="0" g="0" b="0"/>
+      </a:fillRef>
+      <a:effectRef idx="0">
+        <a:scrgbClr r="0" g="0" b="0"/>
+      </a:effectRef>
+      <a:fontRef idx="minor"/>
+    </dgm:style>
+  </dgm:styleLbl>
+  <dgm:styleLbl name="conFgAcc1">
+    <dgm:scene3d>
+      <a:camera prst="orthographicFront"/>
+      <a:lightRig rig="threePt" dir="t"/>
+    </dgm:scene3d>
+    <dgm:sp3d/>
+    <dgm:txPr/>
+    <dgm:style>
+      <a:lnRef idx="2">
+        <a:scrgbClr r="0" g="0" b="0"/>
+      </a:lnRef>
+      <a:fillRef idx="1">
+        <a:scrgbClr r="0" g="0" b="0"/>
+      </a:fillRef>
+      <a:effectRef idx="0">
+        <a:scrgbClr r="0" g="0" b="0"/>
+      </a:effectRef>
+      <a:fontRef idx="minor"/>
+    </dgm:style>
+  </dgm:styleLbl>
+  <dgm:styleLbl name="alignAcc1">
+    <dgm:scene3d>
+      <a:camera prst="orthographicFront"/>
+      <a:lightRig rig="threePt" dir="t"/>
+    </dgm:scene3d>
+    <dgm:sp3d/>
+    <dgm:txPr/>
+    <dgm:style>
+      <a:lnRef idx="2">
+        <a:scrgbClr r="0" g="0" b="0"/>
+      </a:lnRef>
+      <a:fillRef idx="1">
+        <a:scrgbClr r="0" g="0" b="0"/>
+      </a:fillRef>
+      <a:effectRef idx="0">
+        <a:scrgbClr r="0" g="0" b="0"/>
+      </a:effectRef>
+      <a:fontRef idx="minor"/>
+    </dgm:style>
+  </dgm:styleLbl>
+  <dgm:styleLbl name="trAlignAcc1">
+    <dgm:scene3d>
+      <a:camera prst="orthographicFront"/>
+      <a:lightRig rig="threePt" dir="t"/>
+    </dgm:scene3d>
+    <dgm:sp3d/>
+    <dgm:txPr/>
+    <dgm:style>
+      <a:lnRef idx="1">
+        <a:scrgbClr r="0" g="0" b="0"/>
+      </a:lnRef>
+      <a:fillRef idx="1">
+        <a:scrgbClr r="0" g="0" b="0"/>
+      </a:fillRef>
+      <a:effectRef idx="0">
+        <a:scrgbClr r="0" g="0" b="0"/>
+      </a:effectRef>
+      <a:fontRef idx="minor"/>
+    </dgm:style>
+  </dgm:styleLbl>
+  <dgm:styleLbl name="bgAcc1">
+    <dgm:scene3d>
+      <a:camera prst="orthographicFront"/>
+      <a:lightRig rig="threePt" dir="t"/>
+    </dgm:scene3d>
+    <dgm:sp3d/>
+    <dgm:txPr/>
+    <dgm:style>
+      <a:lnRef idx="2">
+        <a:scrgbClr r="0" g="0" b="0"/>
+      </a:lnRef>
+      <a:fillRef idx="1">
+        <a:scrgbClr r="0" g="0" b="0"/>
+      </a:fillRef>
+      <a:effectRef idx="0">
+        <a:scrgbClr r="0" g="0" b="0"/>
+      </a:effectRef>
+      <a:fontRef idx="minor"/>
+    </dgm:style>
+  </dgm:styleLbl>
+  <dgm:styleLbl name="solidFgAcc1">
+    <dgm:scene3d>
+      <a:camera prst="orthographicFront"/>
+      <a:lightRig rig="threePt" dir="t"/>
+    </dgm:scene3d>
+    <dgm:sp3d/>
+    <dgm:txPr/>
+    <dgm:style>
+      <a:lnRef idx="2">
+        <a:scrgbClr r="0" g="0" b="0"/>
+      </a:lnRef>
+      <a:fillRef idx="1">
+        <a:scrgbClr r="0" g="0" b="0"/>
+      </a:fillRef>
+      <a:effectRef idx="0">
+        <a:scrgbClr r="0" g="0" b="0"/>
+      </a:effectRef>
+      <a:fontRef idx="minor"/>
+    </dgm:style>
+  </dgm:styleLbl>
+  <dgm:styleLbl name="solidAlignAcc1">
+    <dgm:scene3d>
+      <a:camera prst="orthographicFront"/>
+      <a:lightRig rig="threePt" dir="t"/>
+    </dgm:scene3d>
+    <dgm:sp3d/>
+    <dgm:txPr/>
+    <dgm:style>
+      <a:lnRef idx="2">
+        <a:scrgbClr r="0" g="0" b="0"/>
+      </a:lnRef>
+      <a:fillRef idx="1">
+        <a:scrgbClr r="0" g="0" b="0"/>
+      </a:fillRef>
+      <a:effectRef idx="0">
+        <a:scrgbClr r="0" g="0" b="0"/>
+      </a:effectRef>
+      <a:fontRef idx="minor"/>
+    </dgm:style>
+  </dgm:styleLbl>
+  <dgm:styleLbl name="solidBgAcc1">
+    <dgm:scene3d>
+      <a:camera prst="orthographicFront"/>
+      <a:lightRig rig="threePt" dir="t"/>
+    </dgm:scene3d>
+    <dgm:sp3d/>
+    <dgm:txPr/>
+    <dgm:style>
+      <a:lnRef idx="2">
+        <a:scrgbClr r="0" g="0" b="0"/>
+      </a:lnRef>
+      <a:fillRef idx="1">
+        <a:scrgbClr r="0" g="0" b="0"/>
+      </a:fillRef>
+      <a:effectRef idx="0">
+        <a:scrgbClr r="0" g="0" b="0"/>
+      </a:effectRef>
+      <a:fontRef idx="minor"/>
+    </dgm:style>
+  </dgm:styleLbl>
+  <dgm:styleLbl name="fgAccFollowNode1">
+    <dgm:scene3d>
+      <a:camera prst="orthographicFront"/>
+      <a:lightRig rig="threePt" dir="t"/>
+    </dgm:scene3d>
+    <dgm:sp3d/>
+    <dgm:txPr/>
+    <dgm:style>
+      <a:lnRef idx="2">
+        <a:scrgbClr r="0" g="0" b="0"/>
+      </a:lnRef>
+      <a:fillRef idx="1">
+        <a:scrgbClr r="0" g="0" b="0"/>
+      </a:fillRef>
+      <a:effectRef idx="0">
+        <a:scrgbClr r="0" g="0" b="0"/>
+      </a:effectRef>
+      <a:fontRef idx="minor"/>
+    </dgm:style>
+  </dgm:styleLbl>
+  <dgm:styleLbl name="alignAccFollowNode1">
+    <dgm:scene3d>
+      <a:camera prst="orthographicFront"/>
+      <a:lightRig rig="threePt" dir="t"/>
+    </dgm:scene3d>
+    <dgm:sp3d/>
+    <dgm:txPr/>
+    <dgm:style>
+      <a:lnRef idx="2">
+        <a:scrgbClr r="0" g="0" b="0"/>
+      </a:lnRef>
+      <a:fillRef idx="1">
+        <a:scrgbClr r="0" g="0" b="0"/>
+      </a:fillRef>
+      <a:effectRef idx="0">
+        <a:scrgbClr r="0" g="0" b="0"/>
+      </a:effectRef>
+      <a:fontRef idx="minor"/>
+    </dgm:style>
+  </dgm:styleLbl>
+  <dgm:styleLbl name="bgAccFollowNode1">
+    <dgm:scene3d>
+      <a:camera prst="orthographicFront"/>
+      <a:lightRig rig="threePt" dir="t"/>
+    </dgm:scene3d>
+    <dgm:sp3d/>
+    <dgm:txPr/>
+    <dgm:style>
+      <a:lnRef idx="2">
+        <a:scrgbClr r="0" g="0" b="0"/>
+      </a:lnRef>
+      <a:fillRef idx="1">
+        <a:scrgbClr r="0" g="0" b="0"/>
+      </a:fillRef>
+      <a:effectRef idx="0">
+        <a:scrgbClr r="0" g="0" b="0"/>
+      </a:effectRef>
+      <a:fontRef idx="minor"/>
+    </dgm:style>
+  </dgm:styleLbl>
+  <dgm:styleLbl name="fgAcc0">
+    <dgm:scene3d>
+      <a:camera prst="orthographicFront"/>
+      <a:lightRig rig="threePt" dir="t"/>
+    </dgm:scene3d>
+    <dgm:sp3d/>
+    <dgm:txPr/>
+    <dgm:style>
+      <a:lnRef idx="2">
+        <a:scrgbClr r="0" g="0" b="0"/>
+      </a:lnRef>
+      <a:fillRef idx="1">
+        <a:scrgbClr r="0" g="0" b="0"/>
+      </a:fillRef>
+      <a:effectRef idx="0">
+        <a:scrgbClr r="0" g="0" b="0"/>
+      </a:effectRef>
+      <a:fontRef idx="minor"/>
+    </dgm:style>
+  </dgm:styleLbl>
+  <dgm:styleLbl name="fgAcc2">
+    <dgm:scene3d>
+      <a:camera prst="orthographicFront"/>
+      <a:lightRig rig="threePt" dir="t"/>
+    </dgm:scene3d>
+    <dgm:sp3d/>
+    <dgm:txPr/>
+    <dgm:style>
+      <a:lnRef idx="2">
+        <a:scrgbClr r="0" g="0" b="0"/>
+      </a:lnRef>
+      <a:fillRef idx="1">
+        <a:scrgbClr r="0" g="0" b="0"/>
+      </a:fillRef>
+      <a:effectRef idx="0">
+        <a:scrgbClr r="0" g="0" b="0"/>
+      </a:effectRef>
+      <a:fontRef idx="minor"/>
+    </dgm:style>
+  </dgm:styleLbl>
+  <dgm:styleLbl name="fgAcc3">
+    <dgm:scene3d>
+      <a:camera prst="orthographicFront"/>
+      <a:lightRig rig="threePt" dir="t"/>
+    </dgm:scene3d>
+    <dgm:sp3d/>
+    <dgm:txPr/>
+    <dgm:style>
+      <a:lnRef idx="2">
+        <a:scrgbClr r="0" g="0" b="0"/>
+      </a:lnRef>
+      <a:fillRef idx="1">
+        <a:scrgbClr r="0" g="0" b="0"/>
+      </a:fillRef>
+      <a:effectRef idx="0">
+        <a:scrgbClr r="0" g="0" b="0"/>
+      </a:effectRef>
+      <a:fontRef idx="minor"/>
+    </dgm:style>
+  </dgm:styleLbl>
+  <dgm:styleLbl name="fgAcc4">
+    <dgm:scene3d>
+      <a:camera prst="orthographicFront"/>
+      <a:lightRig rig="threePt" dir="t"/>
+    </dgm:scene3d>
+    <dgm:sp3d/>
+    <dgm:txPr/>
+    <dgm:style>
+      <a:lnRef idx="2">
+        <a:scrgbClr r="0" g="0" b="0"/>
+      </a:lnRef>
+      <a:fillRef idx="1">
+        <a:scrgbClr r="0" g="0" b="0"/>
+      </a:fillRef>
+      <a:effectRef idx="0">
+        <a:scrgbClr r="0" g="0" b="0"/>
+      </a:effectRef>
+      <a:fontRef idx="minor"/>
+    </dgm:style>
+  </dgm:styleLbl>
+  <dgm:styleLbl name="bgShp">
+    <dgm:scene3d>
+      <a:camera prst="orthographicFront"/>
+      <a:lightRig rig="threePt" dir="t"/>
+    </dgm:scene3d>
+    <dgm:sp3d/>
+    <dgm:txPr/>
+    <dgm:style>
+      <a:lnRef idx="0">
+        <a:scrgbClr r="0" g="0" b="0"/>
+      </a:lnRef>
+      <a:fillRef idx="1">
+        <a:scrgbClr r="0" g="0" b="0"/>
+      </a:fillRef>
+      <a:effectRef idx="0">
+        <a:scrgbClr r="0" g="0" b="0"/>
+      </a:effectRef>
+      <a:fontRef idx="minor"/>
+    </dgm:style>
+  </dgm:styleLbl>
+  <dgm:styleLbl name="dkBgShp">
+    <dgm:scene3d>
+      <a:camera prst="orthographicFront"/>
+      <a:lightRig rig="threePt" dir="t"/>
+    </dgm:scene3d>
+    <dgm:sp3d/>
+    <dgm:txPr/>
+    <dgm:style>
+      <a:lnRef idx="0">
+        <a:scrgbClr r="0" g="0" b="0"/>
+      </a:lnRef>
+      <a:fillRef idx="1">
+        <a:scrgbClr r="0" g="0" b="0"/>
+      </a:fillRef>
+      <a:effectRef idx="0">
+        <a:scrgbClr r="0" g="0" b="0"/>
+      </a:effectRef>
+      <a:fontRef idx="minor"/>
+    </dgm:style>
+  </dgm:styleLbl>
+  <dgm:styleLbl name="trBgShp">
+    <dgm:scene3d>
+      <a:camera prst="orthographicFront"/>
+      <a:lightRig rig="threePt" dir="t"/>
+    </dgm:scene3d>
+    <dgm:sp3d/>
+    <dgm:txPr/>
+    <dgm:style>
+      <a:lnRef idx="0">
+        <a:scrgbClr r="0" g="0" b="0"/>
+      </a:lnRef>
+      <a:fillRef idx="1">
+        <a:scrgbClr r="0" g="0" b="0"/>
+      </a:fillRef>
+      <a:effectRef idx="0">
+        <a:scrgbClr r="0" g="0" b="0"/>
+      </a:effectRef>
+      <a:fontRef idx="minor"/>
+    </dgm:style>
+  </dgm:styleLbl>
+  <dgm:styleLbl name="fgShp">
+    <dgm:scene3d>
+      <a:camera prst="orthographicFront"/>
+      <a:lightRig rig="threePt" dir="t"/>
+    </dgm:scene3d>
+    <dgm:sp3d/>
+    <dgm:txPr/>
+    <dgm:style>
+      <a:lnRef idx="2">
+        <a:scrgbClr r="0" g="0" b="0"/>
+      </a:lnRef>
+      <a:fillRef idx="1">
+        <a:scrgbClr r="0" g="0" b="0"/>
+      </a:fillRef>
+      <a:effectRef idx="0">
+        <a:scrgbClr r="0" g="0" b="0"/>
+      </a:effectRef>
+      <a:fontRef idx="minor"/>
+    </dgm:style>
+  </dgm:styleLbl>
+  <dgm:styleLbl name="revTx">
+    <dgm:scene3d>
+      <a:camera prst="orthographicFront"/>
+      <a:lightRig rig="threePt" dir="t"/>
+    </dgm:scene3d>
+    <dgm:sp3d/>
+    <dgm:txPr/>
+    <dgm:style>
+      <a:lnRef idx="0">
+        <a:scrgbClr r="0" g="0" b="0"/>
+      </a:lnRef>
+      <a:fillRef idx="0">
+        <a:scrgbClr r="0" g="0" b="0"/>
+      </a:fillRef>
+      <a:effectRef idx="0">
+        <a:scrgbClr r="0" g="0" b="0"/>
+      </a:effectRef>
+      <a:fontRef idx="minor"/>
+    </dgm:style>
+  </dgm:styleLbl>
+</dgm:styleDef>
+</file>
+
 <file path=ppt/notesMasters/notesMaster1.xml><?xml version="1.0" encoding="utf-8"?>
 <p:notesMaster xmlns:a="http://schemas.openxmlformats.org/drawingml/2006/main" xmlns:r="http://schemas.openxmlformats.org/officeDocument/2006/relationships" xmlns:p="http://schemas.openxmlformats.org/presentationml/2006/main">
   <p:cSld>
@@ -3068,7 +8262,7 @@
           <a:p>
             <a:fld id="{CCDF86C2-09E9-4EEF-B85B-56F05A0F6E32}" type="datetimeFigureOut">
               <a:rPr lang="en-US" altLang="zh-CN"/>
-              <a:t>5/30/2021</a:t>
+              <a:t>5/31/2021</a:t>
             </a:fld>
             <a:endParaRPr lang="zh-CN" altLang="en-US"/>
           </a:p>
@@ -3702,8 +8896,92 @@
           <a:bodyPr/>
           <a:lstStyle/>
           <a:p>
-            <a:r>
-              <a:rPr lang="ja-JP" altLang="en-GB" dirty="0">
+            <a:endParaRPr lang="zh-CN" altLang="en-US" dirty="0"/>
+          </a:p>
+        </p:txBody>
+      </p:sp>
+      <p:sp>
+        <p:nvSpPr>
+          <p:cNvPr id="4" name="灯片编号占位符 3"/>
+          <p:cNvSpPr>
+            <a:spLocks noGrp="1"/>
+          </p:cNvSpPr>
+          <p:nvPr>
+            <p:ph type="sldNum" sz="quarter" idx="5"/>
+          </p:nvPr>
+        </p:nvSpPr>
+        <p:spPr/>
+        <p:txBody>
+          <a:bodyPr/>
+          <a:lstStyle/>
+          <a:p>
+            <a:fld id="{EE67B760-5A86-450C-B98F-523F803C4830}" type="slidenum">
+              <a:rPr lang="en-US" altLang="zh-CN" smtClean="0"/>
+              <a:t>11</a:t>
+            </a:fld>
+            <a:endParaRPr lang="zh-CN" altLang="en-US"/>
+          </a:p>
+        </p:txBody>
+      </p:sp>
+    </p:spTree>
+    <p:extLst>
+      <p:ext uri="{BB962C8B-B14F-4D97-AF65-F5344CB8AC3E}">
+        <p14:creationId xmlns:p14="http://schemas.microsoft.com/office/powerpoint/2010/main" val="4090200833"/>
+      </p:ext>
+    </p:extLst>
+  </p:cSld>
+  <p:clrMapOvr>
+    <a:masterClrMapping/>
+  </p:clrMapOvr>
+</p:notes>
+</file>
+
+<file path=ppt/notesSlides/notesSlide4.xml><?xml version="1.0" encoding="utf-8"?>
+<p:notes xmlns:a="http://schemas.openxmlformats.org/drawingml/2006/main" xmlns:r="http://schemas.openxmlformats.org/officeDocument/2006/relationships" xmlns:p="http://schemas.openxmlformats.org/presentationml/2006/main">
+  <p:cSld>
+    <p:spTree>
+      <p:nvGrpSpPr>
+        <p:cNvPr id="1" name=""/>
+        <p:cNvGrpSpPr/>
+        <p:nvPr/>
+      </p:nvGrpSpPr>
+      <p:grpSpPr>
+        <a:xfrm>
+          <a:off x="0" y="0"/>
+          <a:ext cx="0" cy="0"/>
+          <a:chOff x="0" y="0"/>
+          <a:chExt cx="0" cy="0"/>
+        </a:xfrm>
+      </p:grpSpPr>
+      <p:sp>
+        <p:nvSpPr>
+          <p:cNvPr id="2" name="幻灯片图像占位符 1"/>
+          <p:cNvSpPr>
+            <a:spLocks noGrp="1" noRot="1" noChangeAspect="1"/>
+          </p:cNvSpPr>
+          <p:nvPr>
+            <p:ph type="sldImg"/>
+          </p:nvPr>
+        </p:nvSpPr>
+        <p:spPr/>
+      </p:sp>
+      <p:sp>
+        <p:nvSpPr>
+          <p:cNvPr id="3" name="备注占位符 2"/>
+          <p:cNvSpPr>
+            <a:spLocks noGrp="1"/>
+          </p:cNvSpPr>
+          <p:nvPr>
+            <p:ph type="body" idx="1"/>
+          </p:nvPr>
+        </p:nvSpPr>
+        <p:spPr/>
+        <p:txBody>
+          <a:bodyPr/>
+          <a:lstStyle/>
+          <a:p>
+            <a:r>
+              <a:rPr lang="ja-JP" altLang="en-GB">
                 <a:latin typeface="微软雅黑"/>
                 <a:ea typeface="微软雅黑"/>
                 <a:cs typeface="Calibri"/>
@@ -3713,7 +8991,7 @@
           </a:p>
           <a:p>
             <a:r>
-              <a:rPr lang="ja-JP" altLang="en-GB" dirty="0">
+              <a:rPr lang="ja-JP" altLang="en-GB">
                 <a:latin typeface="微软雅黑"/>
                 <a:ea typeface="微软雅黑"/>
                 <a:cs typeface="Calibri"/>
@@ -3723,7 +9001,7 @@
           </a:p>
           <a:p>
             <a:r>
-              <a:rPr lang="ja-JP" altLang="en-GB" dirty="0">
+              <a:rPr lang="ja-JP" altLang="en-GB">
                 <a:latin typeface="微软雅黑"/>
                 <a:ea typeface="微软雅黑"/>
                 <a:cs typeface="Calibri"/>
@@ -3733,7 +9011,7 @@
           </a:p>
           <a:p>
             <a:r>
-              <a:rPr lang="ja-JP" altLang="en-GB" dirty="0">
+              <a:rPr lang="ja-JP" altLang="en-GB">
                 <a:latin typeface="微软雅黑"/>
                 <a:ea typeface="微软雅黑"/>
                 <a:cs typeface="Calibri"/>
@@ -3742,7 +9020,7 @@
             </a:r>
           </a:p>
           <a:p>
-            <a:endParaRPr lang="zh-CN" altLang="en-US" dirty="0"/>
+            <a:endParaRPr lang="zh-CN" altLang="en-US"/>
           </a:p>
         </p:txBody>
       </p:sp>
@@ -4008,7 +9286,7 @@
           <a:p>
             <a:fld id="{0F384B0C-A975-4D28-9144-1D7AF2C43F2D}" type="datetimeFigureOut">
               <a:rPr lang="zh-CN" altLang="en-US" smtClean="0"/>
-              <a:t>2021/5/30</a:t>
+              <a:t>2021/5/31</a:t>
             </a:fld>
             <a:endParaRPr lang="zh-CN" altLang="en-US"/>
           </a:p>
@@ -4216,7 +9494,7 @@
           <a:p>
             <a:fld id="{0F384B0C-A975-4D28-9144-1D7AF2C43F2D}" type="datetimeFigureOut">
               <a:rPr lang="zh-CN" altLang="en-US" smtClean="0"/>
-              <a:t>2021/5/30</a:t>
+              <a:t>2021/5/31</a:t>
             </a:fld>
             <a:endParaRPr lang="zh-CN" altLang="en-US"/>
           </a:p>
@@ -4472,7 +9750,7 @@
           <a:p>
             <a:fld id="{0F384B0C-A975-4D28-9144-1D7AF2C43F2D}" type="datetimeFigureOut">
               <a:rPr lang="zh-CN" altLang="en-US" smtClean="0"/>
-              <a:t>2021/5/30</a:t>
+              <a:t>2021/5/31</a:t>
             </a:fld>
             <a:endParaRPr lang="zh-CN" altLang="en-US"/>
           </a:p>
@@ -4646,7 +9924,7 @@
           <a:p>
             <a:fld id="{0F384B0C-A975-4D28-9144-1D7AF2C43F2D}" type="datetimeFigureOut">
               <a:rPr lang="zh-CN" altLang="en-US" smtClean="0"/>
-              <a:t>2021/5/30</a:t>
+              <a:t>2021/5/31</a:t>
             </a:fld>
             <a:endParaRPr lang="zh-CN" altLang="en-US"/>
           </a:p>
@@ -4989,7 +10267,7 @@
           <a:p>
             <a:fld id="{0F384B0C-A975-4D28-9144-1D7AF2C43F2D}" type="datetimeFigureOut">
               <a:rPr lang="zh-CN" altLang="en-US" smtClean="0"/>
-              <a:t>2021/5/30</a:t>
+              <a:t>2021/5/31</a:t>
             </a:fld>
             <a:endParaRPr lang="zh-CN" altLang="en-US"/>
           </a:p>
@@ -5264,7 +10542,7 @@
           <a:p>
             <a:fld id="{0F384B0C-A975-4D28-9144-1D7AF2C43F2D}" type="datetimeFigureOut">
               <a:rPr lang="zh-CN" altLang="en-US" smtClean="0"/>
-              <a:t>2021/5/30</a:t>
+              <a:t>2021/5/31</a:t>
             </a:fld>
             <a:endParaRPr lang="zh-CN" altLang="en-US"/>
           </a:p>
@@ -5643,7 +10921,7 @@
           <a:p>
             <a:fld id="{0F384B0C-A975-4D28-9144-1D7AF2C43F2D}" type="datetimeFigureOut">
               <a:rPr lang="zh-CN" altLang="en-US" smtClean="0"/>
-              <a:t>2021/5/30</a:t>
+              <a:t>2021/5/31</a:t>
             </a:fld>
             <a:endParaRPr lang="zh-CN" altLang="en-US"/>
           </a:p>
@@ -5761,7 +11039,7 @@
           <a:p>
             <a:fld id="{0F384B0C-A975-4D28-9144-1D7AF2C43F2D}" type="datetimeFigureOut">
               <a:rPr lang="zh-CN" altLang="en-US" smtClean="0"/>
-              <a:t>2021/5/30</a:t>
+              <a:t>2021/5/31</a:t>
             </a:fld>
             <a:endParaRPr lang="zh-CN" altLang="en-US"/>
           </a:p>
@@ -5932,7 +11210,7 @@
           <a:p>
             <a:fld id="{0F384B0C-A975-4D28-9144-1D7AF2C43F2D}" type="datetimeFigureOut">
               <a:rPr lang="zh-CN" altLang="en-US" smtClean="0"/>
-              <a:t>2021/5/30</a:t>
+              <a:t>2021/5/31</a:t>
             </a:fld>
             <a:endParaRPr lang="zh-CN" altLang="en-US"/>
           </a:p>
@@ -6286,7 +11564,7 @@
           <a:p>
             <a:fld id="{0F384B0C-A975-4D28-9144-1D7AF2C43F2D}" type="datetimeFigureOut">
               <a:rPr lang="zh-CN" altLang="en-US" smtClean="0"/>
-              <a:t>2021/5/30</a:t>
+              <a:t>2021/5/31</a:t>
             </a:fld>
             <a:endParaRPr lang="zh-CN" altLang="en-US"/>
           </a:p>
@@ -6668,7 +11946,7 @@
           <a:p>
             <a:fld id="{0F384B0C-A975-4D28-9144-1D7AF2C43F2D}" type="datetimeFigureOut">
               <a:rPr lang="zh-CN" altLang="en-US" smtClean="0"/>
-              <a:t>2021/5/30</a:t>
+              <a:t>2021/5/31</a:t>
             </a:fld>
             <a:endParaRPr lang="zh-CN" altLang="en-US"/>
           </a:p>
@@ -6955,7 +12233,7 @@
           <a:p>
             <a:fld id="{0F384B0C-A975-4D28-9144-1D7AF2C43F2D}" type="datetimeFigureOut">
               <a:rPr lang="zh-CN" altLang="en-US" smtClean="0"/>
-              <a:t>2021/5/30</a:t>
+              <a:t>2021/5/31</a:t>
             </a:fld>
             <a:endParaRPr lang="zh-CN" altLang="en-US"/>
           </a:p>
@@ -7626,13 +12904,7 @@
           <p:cNvGraphicFramePr>
             <a:graphicFrameLocks noGrp="1"/>
           </p:cNvGraphicFramePr>
-          <p:nvPr>
-            <p:extLst>
-              <p:ext uri="{D42A27DB-BD31-4B8C-83A1-F6EECF244321}">
-                <p14:modId xmlns:p14="http://schemas.microsoft.com/office/powerpoint/2010/main" val="1537440353"/>
-              </p:ext>
-            </p:extLst>
-          </p:nvPr>
+          <p:nvPr/>
         </p:nvGraphicFramePr>
         <p:xfrm>
           <a:off x="2032000" y="2192140"/>
@@ -8085,7 +13357,7 @@
     </p:spTree>
     <p:extLst>
       <p:ext uri="{BB962C8B-B14F-4D97-AF65-F5344CB8AC3E}">
-        <p14:creationId xmlns:p14="http://schemas.microsoft.com/office/powerpoint/2010/main" val="248967813"/>
+        <p14:creationId xmlns:p14="http://schemas.microsoft.com/office/powerpoint/2010/main" val="3397154945"/>
       </p:ext>
     </p:extLst>
   </p:cSld>
@@ -8212,13 +13484,7 @@
           <p:cNvGraphicFramePr>
             <a:graphicFrameLocks/>
           </p:cNvGraphicFramePr>
-          <p:nvPr>
-            <p:extLst>
-              <p:ext uri="{D42A27DB-BD31-4B8C-83A1-F6EECF244321}">
-                <p14:modId xmlns:p14="http://schemas.microsoft.com/office/powerpoint/2010/main" val="1334577795"/>
-              </p:ext>
-            </p:extLst>
-          </p:nvPr>
+          <p:nvPr/>
         </p:nvGraphicFramePr>
         <p:xfrm>
           <a:off x="2820420" y="1869443"/>
@@ -8226,7 +13492,7 @@
         </p:xfrm>
         <a:graphic>
           <a:graphicData uri="http://schemas.openxmlformats.org/drawingml/2006/chart">
-            <c:chart xmlns:c="http://schemas.openxmlformats.org/drawingml/2006/chart" xmlns:r="http://schemas.openxmlformats.org/officeDocument/2006/relationships" r:id="rId2"/>
+            <c:chart xmlns:c="http://schemas.openxmlformats.org/drawingml/2006/chart" xmlns:r="http://schemas.openxmlformats.org/officeDocument/2006/relationships" r:id="rId3"/>
           </a:graphicData>
         </a:graphic>
       </p:graphicFrame>
@@ -8308,13 +13574,7 @@
           <p:cNvGraphicFramePr>
             <a:graphicFrameLocks noGrp="1"/>
           </p:cNvGraphicFramePr>
-          <p:nvPr>
-            <p:extLst>
-              <p:ext uri="{D42A27DB-BD31-4B8C-83A1-F6EECF244321}">
-                <p14:modId xmlns:p14="http://schemas.microsoft.com/office/powerpoint/2010/main" val="1651094428"/>
-              </p:ext>
-            </p:extLst>
-          </p:nvPr>
+          <p:nvPr/>
         </p:nvGraphicFramePr>
         <p:xfrm>
           <a:off x="2032000" y="2063327"/>
@@ -8835,13 +14095,7 @@
           <p:cNvGraphicFramePr>
             <a:graphicFrameLocks noGrp="1"/>
           </p:cNvGraphicFramePr>
-          <p:nvPr>
-            <p:extLst>
-              <p:ext uri="{D42A27DB-BD31-4B8C-83A1-F6EECF244321}">
-                <p14:modId xmlns:p14="http://schemas.microsoft.com/office/powerpoint/2010/main" val="2614151176"/>
-              </p:ext>
-            </p:extLst>
-          </p:nvPr>
+          <p:nvPr/>
         </p:nvGraphicFramePr>
         <p:xfrm>
           <a:off x="2055585" y="1862759"/>
@@ -9489,13 +14743,7 @@
           <p:cNvGraphicFramePr>
             <a:graphicFrameLocks/>
           </p:cNvGraphicFramePr>
-          <p:nvPr>
-            <p:extLst>
-              <p:ext uri="{D42A27DB-BD31-4B8C-83A1-F6EECF244321}">
-                <p14:modId xmlns:p14="http://schemas.microsoft.com/office/powerpoint/2010/main" val="172845827"/>
-              </p:ext>
-            </p:extLst>
-          </p:nvPr>
+          <p:nvPr/>
         </p:nvGraphicFramePr>
         <p:xfrm>
           <a:off x="2887102" y="2004274"/>
@@ -9600,6 +14848,14 @@
 <file path=ppt/slides/slide15.xml><?xml version="1.0" encoding="utf-8"?>
 <p:sld xmlns:a="http://schemas.openxmlformats.org/drawingml/2006/main" xmlns:r="http://schemas.openxmlformats.org/officeDocument/2006/relationships" xmlns:p="http://schemas.openxmlformats.org/presentationml/2006/main">
   <p:cSld>
+    <p:bg>
+      <p:bgPr>
+        <a:solidFill>
+          <a:schemeClr val="bg1"/>
+        </a:solidFill>
+        <a:effectLst/>
+      </p:bgPr>
+    </p:bg>
     <p:spTree>
       <p:nvGrpSpPr>
         <p:cNvPr id="1" name=""/>
@@ -9614,6 +14870,121 @@
           <a:chExt cx="0" cy="0"/>
         </a:xfrm>
       </p:grpSpPr>
+      <p:sp useBgFill="1">
+        <p:nvSpPr>
+          <p:cNvPr id="20" name="Rectangle 19">
+            <a:extLst>
+              <a:ext uri="{FF2B5EF4-FFF2-40B4-BE49-F238E27FC236}">
+                <a16:creationId xmlns:a16="http://schemas.microsoft.com/office/drawing/2014/main" id="{75896A25-D088-48F0-A2E7-9C44D9F6B409}"/>
+              </a:ext>
+              <a:ext uri="{C183D7F6-B498-43B3-948B-1728B52AA6E4}">
+                <adec:decorative xmlns:adec="http://schemas.microsoft.com/office/drawing/2017/decorative" val="1"/>
+              </a:ext>
+            </a:extLst>
+          </p:cNvPr>
+          <p:cNvSpPr>
+            <a:spLocks noGrp="1" noRot="1" noChangeAspect="1" noMove="1" noResize="1" noEditPoints="1" noAdjustHandles="1" noChangeArrowheads="1" noChangeShapeType="1" noTextEdit="1"/>
+          </p:cNvSpPr>
+          <p:nvPr>
+            <p:extLst>
+              <p:ext uri="{386F3935-93C4-4BCD-93E2-E3B085C9AB24}">
+                <p16:designElem xmlns:p16="http://schemas.microsoft.com/office/powerpoint/2015/main" val="1"/>
+              </p:ext>
+            </p:extLst>
+          </p:nvPr>
+        </p:nvSpPr>
+        <p:spPr>
+          <a:xfrm>
+            <a:off x="0" y="0"/>
+            <a:ext cx="12190459" cy="6858000"/>
+          </a:xfrm>
+          <a:prstGeom prst="rect">
+            <a:avLst/>
+          </a:prstGeom>
+          <a:ln>
+            <a:noFill/>
+          </a:ln>
+        </p:spPr>
+        <p:style>
+          <a:lnRef idx="2">
+            <a:schemeClr val="accent1">
+              <a:shade val="50000"/>
+            </a:schemeClr>
+          </a:lnRef>
+          <a:fillRef idx="1">
+            <a:schemeClr val="accent1"/>
+          </a:fillRef>
+          <a:effectRef idx="0">
+            <a:schemeClr val="accent1"/>
+          </a:effectRef>
+          <a:fontRef idx="minor">
+            <a:schemeClr val="lt1"/>
+          </a:fontRef>
+        </p:style>
+        <p:txBody>
+          <a:bodyPr rtlCol="0" anchor="ctr"/>
+          <a:lstStyle/>
+          <a:p>
+            <a:pPr algn="ctr"/>
+            <a:endParaRPr lang="en-US"/>
+          </a:p>
+        </p:txBody>
+      </p:sp>
+      <p:sp>
+        <p:nvSpPr>
+          <p:cNvPr id="22" name="Rectangle 21">
+            <a:extLst>
+              <a:ext uri="{FF2B5EF4-FFF2-40B4-BE49-F238E27FC236}">
+                <a16:creationId xmlns:a16="http://schemas.microsoft.com/office/drawing/2014/main" id="{DDCD6B11-13E6-4A46-9C85-F8EB0F35C5E1}"/>
+              </a:ext>
+              <a:ext uri="{C183D7F6-B498-43B3-948B-1728B52AA6E4}">
+                <adec:decorative xmlns:adec="http://schemas.microsoft.com/office/drawing/2017/decorative" val="1"/>
+              </a:ext>
+            </a:extLst>
+          </p:cNvPr>
+          <p:cNvSpPr>
+            <a:spLocks noGrp="1" noRot="1" noChangeAspect="1" noMove="1" noResize="1" noEditPoints="1" noAdjustHandles="1" noChangeArrowheads="1" noChangeShapeType="1" noTextEdit="1"/>
+          </p:cNvSpPr>
+          <p:nvPr>
+            <p:extLst>
+              <p:ext uri="{386F3935-93C4-4BCD-93E2-E3B085C9AB24}">
+                <p16:designElem xmlns:p16="http://schemas.microsoft.com/office/powerpoint/2015/main" val="1"/>
+              </p:ext>
+            </p:extLst>
+          </p:nvPr>
+        </p:nvSpPr>
+        <p:spPr bwMode="white">
+          <a:xfrm>
+            <a:off x="15" y="0"/>
+            <a:ext cx="7547879" cy="6858000"/>
+          </a:xfrm>
+          <a:prstGeom prst="rect">
+            <a:avLst/>
+          </a:prstGeom>
+          <a:solidFill>
+            <a:schemeClr val="accent2"/>
+          </a:solidFill>
+          <a:ln>
+            <a:noFill/>
+          </a:ln>
+        </p:spPr>
+        <p:style>
+          <a:lnRef idx="2">
+            <a:schemeClr val="accent1">
+              <a:shade val="50000"/>
+            </a:schemeClr>
+          </a:lnRef>
+          <a:fillRef idx="1">
+            <a:schemeClr val="accent1"/>
+          </a:fillRef>
+          <a:effectRef idx="0">
+            <a:schemeClr val="accent1"/>
+          </a:effectRef>
+          <a:fontRef idx="minor">
+            <a:schemeClr val="lt1"/>
+          </a:fontRef>
+        </p:style>
+      </p:sp>
       <p:sp>
         <p:nvSpPr>
           <p:cNvPr id="2" name="标题 1">
@@ -9630,20 +15001,33 @@
             <p:ph type="title"/>
           </p:nvPr>
         </p:nvSpPr>
-        <p:spPr/>
+        <p:spPr>
+          <a:xfrm>
+            <a:off x="1097280" y="516835"/>
+            <a:ext cx="5977937" cy="1666501"/>
+          </a:xfrm>
+        </p:spPr>
         <p:txBody>
-          <a:bodyPr/>
+          <a:bodyPr>
+            <a:normAutofit/>
+          </a:bodyPr>
           <a:lstStyle/>
           <a:p>
             <a:r>
-              <a:rPr lang="ja-JP" altLang="en-GB" dirty="0">
+              <a:rPr lang="ja-JP" altLang="en-GB" sz="4000">
+                <a:solidFill>
+                  <a:srgbClr val="FFFFFF"/>
+                </a:solidFill>
                 <a:latin typeface="微软雅黑"/>
                 <a:ea typeface="微软雅黑"/>
                 <a:cs typeface="Calibri Light"/>
               </a:rPr>
               <a:t>结果展示与讨论</a:t>
             </a:r>
-            <a:endParaRPr lang="zh-CN" altLang="en-US" dirty="0">
+            <a:endParaRPr lang="zh-CN" altLang="en-US" sz="4000">
+              <a:solidFill>
+                <a:srgbClr val="FFFFFF"/>
+              </a:solidFill>
               <a:latin typeface="微软雅黑" panose="020B0503020204020204" pitchFamily="34" charset="-122"/>
               <a:ea typeface="微软雅黑" panose="020B0503020204020204" pitchFamily="34" charset="-122"/>
             </a:endParaRPr>
@@ -9668,19 +15052,24 @@
         </p:nvSpPr>
         <p:spPr>
           <a:xfrm>
-            <a:off x="1097280" y="1902378"/>
-            <a:ext cx="10058400" cy="4023360"/>
+            <a:off x="1097279" y="2236304"/>
+            <a:ext cx="5977938" cy="3652667"/>
           </a:xfrm>
         </p:spPr>
         <p:txBody>
-          <a:bodyPr/>
+          <a:bodyPr>
+            <a:normAutofit/>
+          </a:bodyPr>
           <a:lstStyle/>
           <a:p>
             <a:pPr marL="0" indent="0">
               <a:buNone/>
             </a:pPr>
             <a:r>
-              <a:rPr lang="ja-JP" altLang="en-US" dirty="0">
+              <a:rPr lang="ja-JP" altLang="en-US" sz="1800">
+                <a:solidFill>
+                  <a:srgbClr val="FFFFFF"/>
+                </a:solidFill>
                 <a:latin typeface="微软雅黑"/>
                 <a:ea typeface="微软雅黑"/>
                 <a:cs typeface="Calibri"/>
@@ -9688,41 +15077,23 @@
               <a:t> </a:t>
             </a:r>
             <a:r>
-              <a:rPr lang="ja-JP" altLang="en-GB" dirty="0">
+              <a:rPr lang="ja-JP" altLang="en-GB" sz="1800">
+                <a:solidFill>
+                  <a:srgbClr val="FFFFFF"/>
+                </a:solidFill>
                 <a:latin typeface="微软雅黑"/>
                 <a:ea typeface="微软雅黑"/>
                 <a:cs typeface="Calibri"/>
               </a:rPr>
-              <a:t>识别率只有</a:t>
-            </a:r>
-            <a:r>
-              <a:rPr lang="en-US" altLang="ja-JP">
-                <a:latin typeface="微软雅黑"/>
-                <a:ea typeface="微软雅黑"/>
-                <a:cs typeface="Calibri"/>
-              </a:rPr>
-              <a:t>65.9</a:t>
-            </a:r>
-            <a:r>
-              <a:rPr lang="ja-JP" altLang="en-GB">
-                <a:latin typeface="微软雅黑"/>
-                <a:ea typeface="微软雅黑"/>
-                <a:cs typeface="Calibri"/>
-              </a:rPr>
-              <a:t>%</a:t>
-            </a:r>
-            <a:r>
-              <a:rPr lang="ja-JP" altLang="en-GB" dirty="0">
-                <a:latin typeface="微软雅黑"/>
-                <a:ea typeface="微软雅黑"/>
-                <a:cs typeface="Calibri"/>
-              </a:rPr>
-              <a:t>左右</a:t>
-            </a:r>
-          </a:p>
-          <a:p>
-            <a:r>
-              <a:rPr lang="en-US" altLang="ja-JP" dirty="0">
+              <a:t>识别率只有50%左右</a:t>
+            </a:r>
+          </a:p>
+          <a:p>
+            <a:r>
+              <a:rPr lang="en-US" altLang="ja-JP" sz="1800">
+                <a:solidFill>
+                  <a:srgbClr val="FFFFFF"/>
+                </a:solidFill>
                 <a:latin typeface="微软雅黑"/>
                 <a:ea typeface="微软雅黑"/>
                 <a:cs typeface="Calibri"/>
@@ -9730,7 +15101,10 @@
               <a:t>1. </a:t>
             </a:r>
             <a:r>
-              <a:rPr lang="ja-JP" altLang="en-GB" dirty="0">
+              <a:rPr lang="ja-JP" altLang="en-GB" sz="1800">
+                <a:solidFill>
+                  <a:srgbClr val="FFFFFF"/>
+                </a:solidFill>
                 <a:latin typeface="微软雅黑"/>
                 <a:ea typeface="微软雅黑"/>
                 <a:cs typeface="Calibri"/>
@@ -9740,7 +15114,10 @@
           </a:p>
           <a:p>
             <a:r>
-              <a:rPr lang="en-US" altLang="ja-JP" dirty="0">
+              <a:rPr lang="en-US" altLang="ja-JP" sz="1800">
+                <a:solidFill>
+                  <a:srgbClr val="FFFFFF"/>
+                </a:solidFill>
                 <a:latin typeface="微软雅黑"/>
                 <a:ea typeface="微软雅黑"/>
                 <a:cs typeface="Calibri"/>
@@ -9748,20 +15125,297 @@
               <a:t>2. </a:t>
             </a:r>
             <a:r>
-              <a:rPr lang="ja-JP" altLang="en-GB" dirty="0">
+              <a:rPr lang="ja-JP" altLang="en-GB" sz="1800">
+                <a:solidFill>
+                  <a:srgbClr val="FFFFFF"/>
+                </a:solidFill>
                 <a:latin typeface="微软雅黑"/>
                 <a:ea typeface="微软雅黑"/>
                 <a:cs typeface="Calibri"/>
               </a:rPr>
               <a:t>如果图像数据库更大（有多张同角度的照片），可以更加优化</a:t>
             </a:r>
-            <a:endParaRPr lang="zh-CN" altLang="en-US" dirty="0">
+            <a:endParaRPr lang="zh-CN" altLang="en-US" sz="1800">
+              <a:solidFill>
+                <a:srgbClr val="FFFFFF"/>
+              </a:solidFill>
               <a:latin typeface="微软雅黑" panose="020B0503020204020204" pitchFamily="34" charset="-122"/>
               <a:ea typeface="微软雅黑" panose="020B0503020204020204" pitchFamily="34" charset="-122"/>
             </a:endParaRPr>
           </a:p>
         </p:txBody>
       </p:sp>
+      <p:sp>
+        <p:nvSpPr>
+          <p:cNvPr id="24" name="Rectangle 23">
+            <a:extLst>
+              <a:ext uri="{FF2B5EF4-FFF2-40B4-BE49-F238E27FC236}">
+                <a16:creationId xmlns:a16="http://schemas.microsoft.com/office/drawing/2014/main" id="{75EBCDCE-0F4C-477C-AB15-886C5F27B118}"/>
+              </a:ext>
+              <a:ext uri="{C183D7F6-B498-43B3-948B-1728B52AA6E4}">
+                <adec:decorative xmlns:adec="http://schemas.microsoft.com/office/drawing/2017/decorative" val="1"/>
+              </a:ext>
+            </a:extLst>
+          </p:cNvPr>
+          <p:cNvSpPr>
+            <a:spLocks noGrp="1" noRot="1" noChangeAspect="1" noMove="1" noResize="1" noEditPoints="1" noAdjustHandles="1" noChangeArrowheads="1" noChangeShapeType="1" noTextEdit="1"/>
+          </p:cNvSpPr>
+          <p:nvPr>
+            <p:extLst>
+              <p:ext uri="{386F3935-93C4-4BCD-93E2-E3B085C9AB24}">
+                <p16:designElem xmlns:p16="http://schemas.microsoft.com/office/powerpoint/2015/main" val="1"/>
+              </p:ext>
+            </p:extLst>
+          </p:nvPr>
+        </p:nvSpPr>
+        <p:spPr>
+          <a:xfrm>
+            <a:off x="7547894" y="0"/>
+            <a:ext cx="64008" cy="6858000"/>
+          </a:xfrm>
+          <a:prstGeom prst="rect">
+            <a:avLst/>
+          </a:prstGeom>
+          <a:solidFill>
+            <a:schemeClr val="accent1"/>
+          </a:solidFill>
+          <a:ln>
+            <a:noFill/>
+          </a:ln>
+        </p:spPr>
+        <p:style>
+          <a:lnRef idx="2">
+            <a:schemeClr val="accent1">
+              <a:shade val="50000"/>
+            </a:schemeClr>
+          </a:lnRef>
+          <a:fillRef idx="1">
+            <a:schemeClr val="accent1"/>
+          </a:fillRef>
+          <a:effectRef idx="0">
+            <a:schemeClr val="accent1"/>
+          </a:effectRef>
+          <a:fontRef idx="minor">
+            <a:schemeClr val="lt1"/>
+          </a:fontRef>
+        </p:style>
+      </p:sp>
+      <p:pic>
+        <p:nvPicPr>
+          <p:cNvPr id="15" name="图片 4" descr="图片包含 图形用户界面&#10;&#10;已自动生成说明">
+            <a:extLst>
+              <a:ext uri="{FF2B5EF4-FFF2-40B4-BE49-F238E27FC236}">
+                <a16:creationId xmlns:a16="http://schemas.microsoft.com/office/drawing/2014/main" id="{CEB4521B-FFFC-466A-ADB3-9E216B1B72A0}"/>
+              </a:ext>
+            </a:extLst>
+          </p:cNvPr>
+          <p:cNvPicPr>
+            <a:picLocks noChangeAspect="1"/>
+          </p:cNvPicPr>
+          <p:nvPr/>
+        </p:nvPicPr>
+        <p:blipFill>
+          <a:blip r:embed="rId3"/>
+          <a:stretch>
+            <a:fillRect/>
+          </a:stretch>
+        </p:blipFill>
+        <p:spPr>
+          <a:xfrm>
+            <a:off x="8723611" y="484631"/>
+            <a:ext cx="2331229" cy="1748422"/>
+          </a:xfrm>
+          <a:prstGeom prst="rect">
+            <a:avLst/>
+          </a:prstGeom>
+        </p:spPr>
+      </p:pic>
+      <p:sp>
+        <p:nvSpPr>
+          <p:cNvPr id="26" name="Rectangle 25">
+            <a:extLst>
+              <a:ext uri="{FF2B5EF4-FFF2-40B4-BE49-F238E27FC236}">
+                <a16:creationId xmlns:a16="http://schemas.microsoft.com/office/drawing/2014/main" id="{17820F06-C1AE-4232-AEE8-3AC8189E4BA5}"/>
+              </a:ext>
+              <a:ext uri="{C183D7F6-B498-43B3-948B-1728B52AA6E4}">
+                <adec:decorative xmlns:adec="http://schemas.microsoft.com/office/drawing/2017/decorative" val="1"/>
+              </a:ext>
+            </a:extLst>
+          </p:cNvPr>
+          <p:cNvSpPr>
+            <a:spLocks noGrp="1" noRot="1" noChangeAspect="1" noMove="1" noResize="1" noEditPoints="1" noAdjustHandles="1" noChangeArrowheads="1" noChangeShapeType="1" noTextEdit="1"/>
+          </p:cNvSpPr>
+          <p:nvPr>
+            <p:extLst>
+              <p:ext uri="{386F3935-93C4-4BCD-93E2-E3B085C9AB24}">
+                <p16:designElem xmlns:p16="http://schemas.microsoft.com/office/powerpoint/2015/main" val="1"/>
+              </p:ext>
+            </p:extLst>
+          </p:nvPr>
+        </p:nvSpPr>
+        <p:spPr>
+          <a:xfrm>
+            <a:off x="7547894" y="2361916"/>
+            <a:ext cx="4642565" cy="64008"/>
+          </a:xfrm>
+          <a:prstGeom prst="rect">
+            <a:avLst/>
+          </a:prstGeom>
+          <a:solidFill>
+            <a:schemeClr val="accent1"/>
+          </a:solidFill>
+          <a:ln>
+            <a:noFill/>
+          </a:ln>
+        </p:spPr>
+        <p:style>
+          <a:lnRef idx="2">
+            <a:schemeClr val="accent1">
+              <a:shade val="50000"/>
+            </a:schemeClr>
+          </a:lnRef>
+          <a:fillRef idx="1">
+            <a:schemeClr val="accent1"/>
+          </a:fillRef>
+          <a:effectRef idx="0">
+            <a:schemeClr val="accent1"/>
+          </a:effectRef>
+          <a:fontRef idx="minor">
+            <a:schemeClr val="lt1"/>
+          </a:fontRef>
+        </p:style>
+        <p:txBody>
+          <a:bodyPr rtlCol="0" anchor="ctr"/>
+          <a:lstStyle/>
+          <a:p>
+            <a:pPr algn="ctr"/>
+            <a:endParaRPr lang="en-US"/>
+          </a:p>
+        </p:txBody>
+      </p:sp>
+      <p:pic>
+        <p:nvPicPr>
+          <p:cNvPr id="11" name="图片 5" descr="图片包含 图形用户界面&#10;&#10;已自动生成说明">
+            <a:extLst>
+              <a:ext uri="{FF2B5EF4-FFF2-40B4-BE49-F238E27FC236}">
+                <a16:creationId xmlns:a16="http://schemas.microsoft.com/office/drawing/2014/main" id="{3BD82A19-EBF3-46B4-A375-D55562869CF8}"/>
+              </a:ext>
+            </a:extLst>
+          </p:cNvPr>
+          <p:cNvPicPr>
+            <a:picLocks noChangeAspect="1"/>
+          </p:cNvPicPr>
+          <p:nvPr/>
+        </p:nvPicPr>
+        <p:blipFill>
+          <a:blip r:embed="rId4"/>
+          <a:stretch>
+            <a:fillRect/>
+          </a:stretch>
+        </p:blipFill>
+        <p:spPr>
+          <a:xfrm>
+            <a:off x="8723611" y="2554787"/>
+            <a:ext cx="2331229" cy="1748422"/>
+          </a:xfrm>
+          <a:prstGeom prst="rect">
+            <a:avLst/>
+          </a:prstGeom>
+        </p:spPr>
+      </p:pic>
+      <p:sp>
+        <p:nvSpPr>
+          <p:cNvPr id="28" name="Rectangle 27">
+            <a:extLst>
+              <a:ext uri="{FF2B5EF4-FFF2-40B4-BE49-F238E27FC236}">
+                <a16:creationId xmlns:a16="http://schemas.microsoft.com/office/drawing/2014/main" id="{9A62E9AA-DA4C-405A-B6ED-5B1FE7A8D1B4}"/>
+              </a:ext>
+              <a:ext uri="{C183D7F6-B498-43B3-948B-1728B52AA6E4}">
+                <adec:decorative xmlns:adec="http://schemas.microsoft.com/office/drawing/2017/decorative" val="1"/>
+              </a:ext>
+            </a:extLst>
+          </p:cNvPr>
+          <p:cNvSpPr>
+            <a:spLocks noGrp="1" noRot="1" noChangeAspect="1" noMove="1" noResize="1" noEditPoints="1" noAdjustHandles="1" noChangeArrowheads="1" noChangeShapeType="1" noTextEdit="1"/>
+          </p:cNvSpPr>
+          <p:nvPr>
+            <p:extLst>
+              <p:ext uri="{386F3935-93C4-4BCD-93E2-E3B085C9AB24}">
+                <p16:designElem xmlns:p16="http://schemas.microsoft.com/office/powerpoint/2015/main" val="1"/>
+              </p:ext>
+            </p:extLst>
+          </p:nvPr>
+        </p:nvSpPr>
+        <p:spPr>
+          <a:xfrm>
+            <a:off x="7547894" y="4432072"/>
+            <a:ext cx="4642565" cy="64008"/>
+          </a:xfrm>
+          <a:prstGeom prst="rect">
+            <a:avLst/>
+          </a:prstGeom>
+          <a:solidFill>
+            <a:schemeClr val="accent1"/>
+          </a:solidFill>
+          <a:ln>
+            <a:noFill/>
+          </a:ln>
+        </p:spPr>
+        <p:style>
+          <a:lnRef idx="2">
+            <a:schemeClr val="accent1">
+              <a:shade val="50000"/>
+            </a:schemeClr>
+          </a:lnRef>
+          <a:fillRef idx="1">
+            <a:schemeClr val="accent1"/>
+          </a:fillRef>
+          <a:effectRef idx="0">
+            <a:schemeClr val="accent1"/>
+          </a:effectRef>
+          <a:fontRef idx="minor">
+            <a:schemeClr val="lt1"/>
+          </a:fontRef>
+        </p:style>
+        <p:txBody>
+          <a:bodyPr rtlCol="0" anchor="ctr"/>
+          <a:lstStyle/>
+          <a:p>
+            <a:pPr algn="ctr"/>
+            <a:endParaRPr lang="en-US"/>
+          </a:p>
+        </p:txBody>
+      </p:sp>
+      <p:pic>
+        <p:nvPicPr>
+          <p:cNvPr id="7" name="图片 6" descr="图片包含 图形用户界面&#10;&#10;已自动生成说明">
+            <a:extLst>
+              <a:ext uri="{FF2B5EF4-FFF2-40B4-BE49-F238E27FC236}">
+                <a16:creationId xmlns:a16="http://schemas.microsoft.com/office/drawing/2014/main" id="{6C06F8AD-C291-4CB9-89F3-3D6B98595913}"/>
+              </a:ext>
+            </a:extLst>
+          </p:cNvPr>
+          <p:cNvPicPr>
+            <a:picLocks noChangeAspect="1"/>
+          </p:cNvPicPr>
+          <p:nvPr/>
+        </p:nvPicPr>
+        <p:blipFill>
+          <a:blip r:embed="rId5"/>
+          <a:stretch>
+            <a:fillRect/>
+          </a:stretch>
+        </p:blipFill>
+        <p:spPr>
+          <a:xfrm>
+            <a:off x="8723610" y="4624943"/>
+            <a:ext cx="2331232" cy="1748424"/>
+          </a:xfrm>
+          <a:prstGeom prst="rect">
+            <a:avLst/>
+          </a:prstGeom>
+        </p:spPr>
+      </p:pic>
     </p:spTree>
     <p:extLst>
       <p:ext uri="{BB962C8B-B14F-4D97-AF65-F5344CB8AC3E}">
@@ -9814,7 +15468,7 @@
           <a:lstStyle/>
           <a:p>
             <a:r>
-              <a:rPr lang="zh-CN" altLang="en-US" dirty="0">
+              <a:rPr lang="zh-CN" altLang="en-US">
                 <a:latin typeface="微软雅黑" panose="020B0503020204020204" pitchFamily="34" charset="-122"/>
                 <a:ea typeface="微软雅黑" panose="020B0503020204020204" pitchFamily="34" charset="-122"/>
               </a:rPr>
@@ -9861,9 +15515,174 @@
 </p:sld>
 </file>
 
+<file path=ppt/slides/slide17.xml><?xml version="1.0" encoding="utf-8"?>
+<p:sld xmlns:a="http://schemas.openxmlformats.org/drawingml/2006/main" xmlns:r="http://schemas.openxmlformats.org/officeDocument/2006/relationships" xmlns:p="http://schemas.openxmlformats.org/presentationml/2006/main">
+  <p:cSld>
+    <p:spTree>
+      <p:nvGrpSpPr>
+        <p:cNvPr id="1" name=""/>
+        <p:cNvGrpSpPr/>
+        <p:nvPr/>
+      </p:nvGrpSpPr>
+      <p:grpSpPr>
+        <a:xfrm>
+          <a:off x="0" y="0"/>
+          <a:ext cx="0" cy="0"/>
+          <a:chOff x="0" y="0"/>
+          <a:chExt cx="0" cy="0"/>
+        </a:xfrm>
+      </p:grpSpPr>
+      <p:sp>
+        <p:nvSpPr>
+          <p:cNvPr id="4" name="标题 3">
+            <a:extLst>
+              <a:ext uri="{FF2B5EF4-FFF2-40B4-BE49-F238E27FC236}">
+                <a16:creationId xmlns:a16="http://schemas.microsoft.com/office/drawing/2014/main" id="{B49A4070-A67E-4FD7-9992-E2EE93F6AECE}"/>
+              </a:ext>
+            </a:extLst>
+          </p:cNvPr>
+          <p:cNvSpPr>
+            <a:spLocks noGrp="1"/>
+          </p:cNvSpPr>
+          <p:nvPr>
+            <p:ph type="title"/>
+          </p:nvPr>
+        </p:nvSpPr>
+        <p:spPr/>
+        <p:txBody>
+          <a:bodyPr/>
+          <a:lstStyle/>
+          <a:p>
+            <a:r>
+              <a:rPr lang="zh-CN" altLang="en-US" dirty="0">
+                <a:latin typeface="微软雅黑" panose="020B0503020204020204" pitchFamily="34" charset="-122"/>
+                <a:ea typeface="微软雅黑" panose="020B0503020204020204" pitchFamily="34" charset="-122"/>
+              </a:rPr>
+              <a:t>参考文献</a:t>
+            </a:r>
+          </a:p>
+        </p:txBody>
+      </p:sp>
+      <p:sp>
+        <p:nvSpPr>
+          <p:cNvPr id="5" name="内容占位符 4">
+            <a:extLst>
+              <a:ext uri="{FF2B5EF4-FFF2-40B4-BE49-F238E27FC236}">
+                <a16:creationId xmlns:a16="http://schemas.microsoft.com/office/drawing/2014/main" id="{93AC7349-5CF3-4BA2-894A-8758D4E9E7F0}"/>
+              </a:ext>
+            </a:extLst>
+          </p:cNvPr>
+          <p:cNvSpPr>
+            <a:spLocks noGrp="1"/>
+          </p:cNvSpPr>
+          <p:nvPr>
+            <p:ph idx="1"/>
+          </p:nvPr>
+        </p:nvSpPr>
+        <p:spPr>
+          <a:xfrm>
+            <a:off x="1097280" y="1868786"/>
+            <a:ext cx="10058400" cy="4023360"/>
+          </a:xfrm>
+        </p:spPr>
+        <p:txBody>
+          <a:bodyPr/>
+          <a:lstStyle/>
+          <a:p>
+            <a:r>
+              <a:rPr lang="en-US" altLang="zh-CN" dirty="0">
+                <a:latin typeface="微软雅黑" panose="020B0503020204020204" pitchFamily="34" charset="-122"/>
+                <a:ea typeface="微软雅黑" panose="020B0503020204020204" pitchFamily="34" charset="-122"/>
+              </a:rPr>
+              <a:t>1. </a:t>
+            </a:r>
+            <a:r>
+              <a:rPr lang="en-US" altLang="zh-CN" dirty="0">
+                <a:latin typeface="微软雅黑" panose="020B0503020204020204" pitchFamily="34" charset="-122"/>
+                <a:ea typeface="微软雅黑" panose="020B0503020204020204" pitchFamily="34" charset="-122"/>
+                <a:hlinkClick r:id="rId2"/>
+              </a:rPr>
+              <a:t>https://www.cs.ait.ac.th/~mdailey/matlab/</a:t>
+            </a:r>
+            <a:endParaRPr lang="en-US" altLang="zh-CN" dirty="0">
+              <a:latin typeface="微软雅黑" panose="020B0503020204020204" pitchFamily="34" charset="-122"/>
+              <a:ea typeface="微软雅黑" panose="020B0503020204020204" pitchFamily="34" charset="-122"/>
+            </a:endParaRPr>
+          </a:p>
+          <a:p>
+            <a:r>
+              <a:rPr lang="en-US" altLang="zh-CN" dirty="0">
+                <a:latin typeface="微软雅黑" panose="020B0503020204020204" pitchFamily="34" charset="-122"/>
+                <a:ea typeface="微软雅黑" panose="020B0503020204020204" pitchFamily="34" charset="-122"/>
+              </a:rPr>
+              <a:t>2. </a:t>
+            </a:r>
+            <a:r>
+              <a:rPr lang="en-US" altLang="zh-CN" dirty="0">
+                <a:latin typeface="微软雅黑" panose="020B0503020204020204" pitchFamily="34" charset="-122"/>
+                <a:ea typeface="微软雅黑" panose="020B0503020204020204" pitchFamily="34" charset="-122"/>
+                <a:hlinkClick r:id="rId3"/>
+              </a:rPr>
+              <a:t>https://ww2.mathworks.cn/help/stats/classification-using-nearest-neighbors.html</a:t>
+            </a:r>
+            <a:endParaRPr lang="en-US" altLang="zh-CN" dirty="0">
+              <a:latin typeface="微软雅黑" panose="020B0503020204020204" pitchFamily="34" charset="-122"/>
+              <a:ea typeface="微软雅黑" panose="020B0503020204020204" pitchFamily="34" charset="-122"/>
+            </a:endParaRPr>
+          </a:p>
+          <a:p>
+            <a:r>
+              <a:rPr lang="en-US" altLang="zh-CN" dirty="0">
+                <a:latin typeface="微软雅黑" panose="020B0503020204020204" pitchFamily="34" charset="-122"/>
+                <a:ea typeface="微软雅黑" panose="020B0503020204020204" pitchFamily="34" charset="-122"/>
+              </a:rPr>
+              <a:t>3. </a:t>
+            </a:r>
+            <a:r>
+              <a:rPr lang="en-US" altLang="zh-CN" dirty="0">
+                <a:latin typeface="微软雅黑" panose="020B0503020204020204" pitchFamily="34" charset="-122"/>
+                <a:ea typeface="微软雅黑" panose="020B0503020204020204" pitchFamily="34" charset="-122"/>
+                <a:hlinkClick r:id="rId4"/>
+              </a:rPr>
+              <a:t>https://en.wikipedia.org/wiki/Eigenface</a:t>
+            </a:r>
+            <a:endParaRPr lang="en-US" altLang="zh-CN" dirty="0">
+              <a:latin typeface="微软雅黑" panose="020B0503020204020204" pitchFamily="34" charset="-122"/>
+              <a:ea typeface="微软雅黑" panose="020B0503020204020204" pitchFamily="34" charset="-122"/>
+            </a:endParaRPr>
+          </a:p>
+          <a:p>
+            <a:endParaRPr lang="zh-CN" altLang="en-US" dirty="0">
+              <a:latin typeface="微软雅黑" panose="020B0503020204020204" pitchFamily="34" charset="-122"/>
+              <a:ea typeface="微软雅黑" panose="020B0503020204020204" pitchFamily="34" charset="-122"/>
+            </a:endParaRPr>
+          </a:p>
+        </p:txBody>
+      </p:sp>
+    </p:spTree>
+    <p:extLst>
+      <p:ext uri="{BB962C8B-B14F-4D97-AF65-F5344CB8AC3E}">
+        <p14:creationId xmlns:p14="http://schemas.microsoft.com/office/powerpoint/2010/main" val="3786114598"/>
+      </p:ext>
+    </p:extLst>
+  </p:cSld>
+  <p:clrMapOvr>
+    <a:masterClrMapping/>
+  </p:clrMapOvr>
+</p:sld>
+</file>
+
 <file path=ppt/slides/slide2.xml><?xml version="1.0" encoding="utf-8"?>
 <p:sld xmlns:a="http://schemas.openxmlformats.org/drawingml/2006/main" xmlns:r="http://schemas.openxmlformats.org/officeDocument/2006/relationships" xmlns:p="http://schemas.openxmlformats.org/presentationml/2006/main">
   <p:cSld>
+    <p:bg>
+      <p:bgPr>
+        <a:solidFill>
+          <a:schemeClr val="bg1"/>
+        </a:solidFill>
+        <a:effectLst/>
+      </p:bgPr>
+    </p:bg>
     <p:spTree>
       <p:nvGrpSpPr>
         <p:cNvPr id="1" name=""/>
@@ -9894,194 +15713,64 @@
             <p:ph type="title"/>
           </p:nvPr>
         </p:nvSpPr>
-        <p:spPr/>
+        <p:spPr>
+          <a:xfrm>
+            <a:off x="1097280" y="286603"/>
+            <a:ext cx="10058400" cy="1450757"/>
+          </a:xfrm>
+        </p:spPr>
         <p:txBody>
-          <a:bodyPr/>
+          <a:bodyPr>
+            <a:normAutofit/>
+          </a:bodyPr>
           <a:lstStyle/>
           <a:p>
             <a:r>
-              <a:rPr lang="zh-CN" altLang="en-US" dirty="0">
+              <a:rPr lang="zh-CN" altLang="en-US">
                 <a:latin typeface="Microsoft YaHei"/>
                 <a:ea typeface="Microsoft YaHei"/>
                 <a:cs typeface="Calibri Light"/>
               </a:rPr>
               <a:t>实验设计思路</a:t>
             </a:r>
-            <a:endParaRPr lang="zh-CN" altLang="en-US" dirty="0">
+            <a:endParaRPr lang="zh-CN" altLang="en-US">
               <a:latin typeface="Microsoft YaHei"/>
               <a:ea typeface="Microsoft YaHei"/>
             </a:endParaRPr>
           </a:p>
         </p:txBody>
       </p:sp>
-      <p:sp>
-        <p:nvSpPr>
-          <p:cNvPr id="3" name="内容占位符 2">
+      <p:graphicFrame>
+        <p:nvGraphicFramePr>
+          <p:cNvPr id="5" name="内容占位符 2">
             <a:extLst>
               <a:ext uri="{FF2B5EF4-FFF2-40B4-BE49-F238E27FC236}">
-                <a16:creationId xmlns:a16="http://schemas.microsoft.com/office/drawing/2014/main" id="{8949C34B-5C55-4570-B7BB-3C3AA9018C3B}"/>
+                <a16:creationId xmlns:a16="http://schemas.microsoft.com/office/drawing/2014/main" id="{B0047B32-7320-4AF8-BA94-D0D69E8A62BB}"/>
               </a:ext>
             </a:extLst>
           </p:cNvPr>
-          <p:cNvSpPr>
-            <a:spLocks noGrp="1"/>
-          </p:cNvSpPr>
+          <p:cNvGraphicFramePr>
+            <a:graphicFrameLocks noGrp="1"/>
+          </p:cNvGraphicFramePr>
           <p:nvPr>
             <p:ph idx="1"/>
+            <p:extLst>
+              <p:ext uri="{D42A27DB-BD31-4B8C-83A1-F6EECF244321}">
+                <p14:modId xmlns:p14="http://schemas.microsoft.com/office/powerpoint/2010/main" val="566449095"/>
+              </p:ext>
+            </p:extLst>
           </p:nvPr>
-        </p:nvSpPr>
-        <p:spPr/>
-        <p:txBody>
-          <a:bodyPr vert="horz" lIns="0" tIns="45720" rIns="0" bIns="45720" rtlCol="0" anchor="t">
-            <a:normAutofit/>
-          </a:bodyPr>
-          <a:lstStyle/>
-          <a:p>
-            <a:r>
-              <a:rPr lang="en-US" altLang="zh-CN" dirty="0">
-                <a:latin typeface="微软雅黑"/>
-                <a:ea typeface="微软雅黑"/>
-                <a:cs typeface="Calibri"/>
-              </a:rPr>
-              <a:t>1. </a:t>
-            </a:r>
-            <a:r>
-              <a:rPr lang="zh-CN" altLang="en-US" dirty="0">
-                <a:latin typeface="微软雅黑"/>
-                <a:ea typeface="微软雅黑"/>
-                <a:cs typeface="Calibri"/>
-              </a:rPr>
-              <a:t>用</a:t>
-            </a:r>
-            <a:r>
-              <a:rPr lang="en-US" altLang="zh-CN" dirty="0">
-                <a:latin typeface="微软雅黑"/>
-                <a:ea typeface="微软雅黑"/>
-                <a:cs typeface="Calibri"/>
-              </a:rPr>
-              <a:t>PCA</a:t>
-            </a:r>
-            <a:r>
-              <a:rPr lang="zh-CN" altLang="en-US" dirty="0">
-                <a:latin typeface="微软雅黑"/>
-                <a:ea typeface="微软雅黑"/>
-                <a:cs typeface="Calibri"/>
-              </a:rPr>
-              <a:t>降维（压缩）后，所得到的人脸图片与原始人脸图片对比。</a:t>
-            </a:r>
-          </a:p>
-          <a:p>
-            <a:r>
-              <a:rPr lang="en-US" altLang="zh-CN" dirty="0">
-                <a:latin typeface="微软雅黑"/>
-                <a:ea typeface="微软雅黑"/>
-                <a:cs typeface="Calibri"/>
-              </a:rPr>
-              <a:t>2. </a:t>
-            </a:r>
-            <a:r>
-              <a:rPr lang="zh-CN" altLang="en-US" dirty="0">
-                <a:latin typeface="微软雅黑"/>
-                <a:ea typeface="微软雅黑"/>
-                <a:cs typeface="Calibri"/>
-              </a:rPr>
-              <a:t>结合最近邻分类器，测试</a:t>
-            </a:r>
-            <a:r>
-              <a:rPr lang="en-US" altLang="zh-CN" dirty="0">
-                <a:latin typeface="微软雅黑"/>
-                <a:ea typeface="微软雅黑"/>
-                <a:cs typeface="Calibri"/>
-              </a:rPr>
-              <a:t>PCA</a:t>
-            </a:r>
-            <a:r>
-              <a:rPr lang="zh-CN" altLang="en-US" dirty="0">
-                <a:latin typeface="微软雅黑"/>
-                <a:ea typeface="微软雅黑"/>
-                <a:cs typeface="Calibri"/>
-              </a:rPr>
-              <a:t>降维算法的识别率。</a:t>
-            </a:r>
-            <a:endParaRPr lang="en-US" altLang="zh-CN" dirty="0">
-              <a:latin typeface="微软雅黑"/>
-              <a:ea typeface="微软雅黑"/>
-              <a:cs typeface="Calibri"/>
-            </a:endParaRPr>
-          </a:p>
-          <a:p>
-            <a:endParaRPr lang="en-US" altLang="zh-CN" dirty="0">
-              <a:latin typeface="微软雅黑"/>
-              <a:ea typeface="微软雅黑"/>
-              <a:cs typeface="Calibri"/>
-            </a:endParaRPr>
-          </a:p>
-          <a:p>
-            <a:r>
-              <a:rPr lang="zh-CN" altLang="en-US" dirty="0">
-                <a:latin typeface="微软雅黑"/>
-                <a:ea typeface="微软雅黑"/>
-                <a:cs typeface="Calibri"/>
-              </a:rPr>
-              <a:t>解决两个问题：</a:t>
-            </a:r>
-            <a:endParaRPr lang="en-US" altLang="zh-CN" dirty="0">
-              <a:latin typeface="微软雅黑"/>
-              <a:ea typeface="微软雅黑"/>
-              <a:cs typeface="Calibri"/>
-            </a:endParaRPr>
-          </a:p>
-          <a:p>
-            <a:r>
-              <a:rPr lang="zh-CN" altLang="en-US" dirty="0">
-                <a:latin typeface="微软雅黑"/>
-                <a:ea typeface="微软雅黑"/>
-                <a:cs typeface="Calibri"/>
-              </a:rPr>
-              <a:t>1. 如何用</a:t>
-            </a:r>
-            <a:r>
-              <a:rPr lang="en-US" altLang="zh-CN" dirty="0">
-                <a:latin typeface="微软雅黑"/>
-                <a:ea typeface="微软雅黑"/>
-                <a:cs typeface="Calibri"/>
-              </a:rPr>
-              <a:t>PCA</a:t>
-            </a:r>
-            <a:r>
-              <a:rPr lang="zh-CN" altLang="en-US" dirty="0">
-                <a:latin typeface="微软雅黑"/>
-                <a:ea typeface="微软雅黑"/>
-                <a:cs typeface="Calibri"/>
-              </a:rPr>
-              <a:t>降维压缩？</a:t>
-            </a:r>
-            <a:endParaRPr lang="en-US" altLang="zh-CN" dirty="0">
-              <a:latin typeface="微软雅黑"/>
-              <a:ea typeface="微软雅黑"/>
-              <a:cs typeface="Calibri"/>
-            </a:endParaRPr>
-          </a:p>
-          <a:p>
-            <a:r>
-              <a:rPr lang="en-US" altLang="zh-CN" dirty="0">
-                <a:latin typeface="微软雅黑"/>
-                <a:ea typeface="微软雅黑"/>
-                <a:cs typeface="Calibri"/>
-              </a:rPr>
-              <a:t>2. </a:t>
-            </a:r>
-            <a:r>
-              <a:rPr lang="zh-CN" altLang="en-US" dirty="0">
-                <a:latin typeface="微软雅黑"/>
-                <a:ea typeface="微软雅黑"/>
-                <a:cs typeface="Calibri"/>
-              </a:rPr>
-              <a:t>如何用最近邻分类器实现人脸识别？</a:t>
-            </a:r>
-          </a:p>
-        </p:txBody>
-      </p:sp>
+        </p:nvGraphicFramePr>
+        <p:xfrm>
+          <a:off x="1096963" y="2098515"/>
+          <a:ext cx="10058400" cy="3786080"/>
+        </p:xfrm>
+        <a:graphic>
+          <a:graphicData uri="http://schemas.openxmlformats.org/drawingml/2006/diagram">
+            <dgm:relIds xmlns:dgm="http://schemas.openxmlformats.org/drawingml/2006/diagram" xmlns:r="http://schemas.openxmlformats.org/officeDocument/2006/relationships" r:dm="rId3" r:lo="rId4" r:qs="rId5" r:cs="rId6"/>
+          </a:graphicData>
+        </a:graphic>
+      </p:graphicFrame>
     </p:spTree>
     <p:extLst>
       <p:ext uri="{BB962C8B-B14F-4D97-AF65-F5344CB8AC3E}">
@@ -10098,6 +15787,14 @@
 <file path=ppt/slides/slide3.xml><?xml version="1.0" encoding="utf-8"?>
 <p:sld xmlns:a="http://schemas.openxmlformats.org/drawingml/2006/main" xmlns:r="http://schemas.openxmlformats.org/officeDocument/2006/relationships" xmlns:p="http://schemas.openxmlformats.org/presentationml/2006/main">
   <p:cSld>
+    <p:bg>
+      <p:bgPr>
+        <a:solidFill>
+          <a:schemeClr val="bg1"/>
+        </a:solidFill>
+        <a:effectLst/>
+      </p:bgPr>
+    </p:bg>
     <p:spTree>
       <p:nvGrpSpPr>
         <p:cNvPr id="1" name=""/>
@@ -10130,149 +15827,71 @@
         </p:nvSpPr>
         <p:spPr>
           <a:xfrm>
-            <a:off x="1097280" y="263527"/>
+            <a:off x="1097280" y="286603"/>
             <a:ext cx="10058400" cy="1450757"/>
           </a:xfrm>
         </p:spPr>
         <p:txBody>
-          <a:bodyPr/>
+          <a:bodyPr>
+            <a:normAutofit/>
+          </a:bodyPr>
           <a:lstStyle/>
           <a:p>
             <a:r>
-              <a:rPr lang="zh-CN" altLang="en-US" dirty="0">
-                <a:latin typeface="微软雅黑" panose="020B0503020204020204" pitchFamily="34" charset="-122"/>
-                <a:ea typeface="微软雅黑" panose="020B0503020204020204" pitchFamily="34" charset="-122"/>
+              <a:rPr lang="zh-CN" altLang="en-US">
+                <a:latin typeface="微软雅黑"/>
+                <a:ea typeface="微软雅黑"/>
               </a:rPr>
               <a:t>如何用</a:t>
             </a:r>
             <a:r>
-              <a:rPr lang="en-US" altLang="zh-CN" dirty="0">
-                <a:latin typeface="微软雅黑" panose="020B0503020204020204" pitchFamily="34" charset="-122"/>
-                <a:ea typeface="微软雅黑" panose="020B0503020204020204" pitchFamily="34" charset="-122"/>
+              <a:rPr lang="en-US" altLang="zh-CN" err="1">
+                <a:latin typeface="微软雅黑"/>
+                <a:ea typeface="微软雅黑"/>
               </a:rPr>
-              <a:t>PCA</a:t>
-            </a:r>
-            <a:r>
-              <a:rPr lang="zh-CN" altLang="en-US" dirty="0">
-                <a:latin typeface="微软雅黑" panose="020B0503020204020204" pitchFamily="34" charset="-122"/>
-                <a:ea typeface="微软雅黑" panose="020B0503020204020204" pitchFamily="34" charset="-122"/>
+              <a:t>PCA实现图片的</a:t>
+            </a:r>
+            <a:r>
+              <a:rPr lang="zh-CN" altLang="en-US">
+                <a:latin typeface="微软雅黑"/>
+                <a:ea typeface="微软雅黑"/>
               </a:rPr>
               <a:t>降维压缩？</a:t>
             </a:r>
           </a:p>
         </p:txBody>
       </p:sp>
-      <p:sp>
-        <p:nvSpPr>
-          <p:cNvPr id="3" name="内容占位符 2">
+      <p:graphicFrame>
+        <p:nvGraphicFramePr>
+          <p:cNvPr id="5" name="内容占位符 2">
             <a:extLst>
               <a:ext uri="{FF2B5EF4-FFF2-40B4-BE49-F238E27FC236}">
-                <a16:creationId xmlns:a16="http://schemas.microsoft.com/office/drawing/2014/main" id="{0F4DD835-D1E6-4F93-B890-6ACD7C53CB65}"/>
+                <a16:creationId xmlns:a16="http://schemas.microsoft.com/office/drawing/2014/main" id="{E8733640-58D3-4122-B7EB-7FC6C2AA5F0F}"/>
               </a:ext>
             </a:extLst>
           </p:cNvPr>
-          <p:cNvSpPr>
-            <a:spLocks noGrp="1"/>
-          </p:cNvSpPr>
+          <p:cNvGraphicFramePr>
+            <a:graphicFrameLocks noGrp="1"/>
+          </p:cNvGraphicFramePr>
           <p:nvPr>
             <p:ph idx="1"/>
+            <p:extLst>
+              <p:ext uri="{D42A27DB-BD31-4B8C-83A1-F6EECF244321}">
+                <p14:modId xmlns:p14="http://schemas.microsoft.com/office/powerpoint/2010/main" val="2664142857"/>
+              </p:ext>
+            </p:extLst>
           </p:nvPr>
-        </p:nvSpPr>
-        <p:spPr>
-          <a:xfrm>
-            <a:off x="1097280" y="1910470"/>
-            <a:ext cx="10058400" cy="4023360"/>
-          </a:xfrm>
-        </p:spPr>
-        <p:txBody>
-          <a:bodyPr/>
-          <a:lstStyle/>
-          <a:p>
-            <a:r>
-              <a:rPr lang="en-US" altLang="zh-CN" dirty="0">
-                <a:latin typeface="微软雅黑" panose="020B0503020204020204" pitchFamily="34" charset="-122"/>
-                <a:ea typeface="微软雅黑" panose="020B0503020204020204" pitchFamily="34" charset="-122"/>
-              </a:rPr>
-              <a:t>1. </a:t>
-            </a:r>
-            <a:r>
-              <a:rPr lang="zh-CN" altLang="en-US" dirty="0">
-                <a:latin typeface="微软雅黑" panose="020B0503020204020204" pitchFamily="34" charset="-122"/>
-                <a:ea typeface="微软雅黑" panose="020B0503020204020204" pitchFamily="34" charset="-122"/>
-              </a:rPr>
-              <a:t>图片预处理：如何将人脸照片转换为</a:t>
-            </a:r>
-            <a:r>
-              <a:rPr lang="en-US" altLang="zh-CN" dirty="0">
-                <a:latin typeface="微软雅黑" panose="020B0503020204020204" pitchFamily="34" charset="-122"/>
-                <a:ea typeface="微软雅黑" panose="020B0503020204020204" pitchFamily="34" charset="-122"/>
-              </a:rPr>
-              <a:t>PCA</a:t>
-            </a:r>
-            <a:r>
-              <a:rPr lang="zh-CN" altLang="en-US" dirty="0">
-                <a:latin typeface="微软雅黑" panose="020B0503020204020204" pitchFamily="34" charset="-122"/>
-                <a:ea typeface="微软雅黑" panose="020B0503020204020204" pitchFamily="34" charset="-122"/>
-              </a:rPr>
-              <a:t>需要的数据？</a:t>
-            </a:r>
-            <a:endParaRPr lang="en-US" altLang="zh-CN" dirty="0">
-              <a:latin typeface="微软雅黑" panose="020B0503020204020204" pitchFamily="34" charset="-122"/>
-              <a:ea typeface="微软雅黑" panose="020B0503020204020204" pitchFamily="34" charset="-122"/>
-            </a:endParaRPr>
-          </a:p>
-          <a:p>
-            <a:r>
-              <a:rPr lang="en-US" altLang="zh-CN" dirty="0">
-                <a:latin typeface="微软雅黑" panose="020B0503020204020204" pitchFamily="34" charset="-122"/>
-                <a:ea typeface="微软雅黑" panose="020B0503020204020204" pitchFamily="34" charset="-122"/>
-              </a:rPr>
-              <a:t>2. PCA</a:t>
-            </a:r>
-            <a:r>
-              <a:rPr lang="zh-CN" altLang="en-US" dirty="0">
-                <a:latin typeface="微软雅黑" panose="020B0503020204020204" pitchFamily="34" charset="-122"/>
-                <a:ea typeface="微软雅黑" panose="020B0503020204020204" pitchFamily="34" charset="-122"/>
-              </a:rPr>
-              <a:t>的实现：如何自己写出</a:t>
-            </a:r>
-            <a:r>
-              <a:rPr lang="en-US" altLang="zh-CN" dirty="0">
-                <a:latin typeface="微软雅黑" panose="020B0503020204020204" pitchFamily="34" charset="-122"/>
-                <a:ea typeface="微软雅黑" panose="020B0503020204020204" pitchFamily="34" charset="-122"/>
-              </a:rPr>
-              <a:t>PCA</a:t>
-            </a:r>
-            <a:r>
-              <a:rPr lang="zh-CN" altLang="en-US" dirty="0">
-                <a:latin typeface="微软雅黑" panose="020B0503020204020204" pitchFamily="34" charset="-122"/>
-                <a:ea typeface="微软雅黑" panose="020B0503020204020204" pitchFamily="34" charset="-122"/>
-              </a:rPr>
-              <a:t>函数并利用它提取主要信息？</a:t>
-            </a:r>
-            <a:endParaRPr lang="en-US" altLang="zh-CN" dirty="0">
-              <a:latin typeface="微软雅黑" panose="020B0503020204020204" pitchFamily="34" charset="-122"/>
-              <a:ea typeface="微软雅黑" panose="020B0503020204020204" pitchFamily="34" charset="-122"/>
-            </a:endParaRPr>
-          </a:p>
-          <a:p>
-            <a:r>
-              <a:rPr lang="en-US" altLang="zh-CN" dirty="0">
-                <a:latin typeface="微软雅黑" panose="020B0503020204020204" pitchFamily="34" charset="-122"/>
-                <a:ea typeface="微软雅黑" panose="020B0503020204020204" pitchFamily="34" charset="-122"/>
-              </a:rPr>
-              <a:t>3. </a:t>
-            </a:r>
-            <a:r>
-              <a:rPr lang="zh-CN" altLang="en-US" dirty="0">
-                <a:latin typeface="微软雅黑" panose="020B0503020204020204" pitchFamily="34" charset="-122"/>
-                <a:ea typeface="微软雅黑" panose="020B0503020204020204" pitchFamily="34" charset="-122"/>
-              </a:rPr>
-              <a:t>降维压缩：如何利用提取到的信息压缩照片？</a:t>
-            </a:r>
-          </a:p>
-        </p:txBody>
-      </p:sp>
+        </p:nvGraphicFramePr>
+        <p:xfrm>
+          <a:off x="1096963" y="2098515"/>
+          <a:ext cx="10058400" cy="3786080"/>
+        </p:xfrm>
+        <a:graphic>
+          <a:graphicData uri="http://schemas.openxmlformats.org/drawingml/2006/diagram">
+            <dgm:relIds xmlns:dgm="http://schemas.openxmlformats.org/drawingml/2006/diagram" xmlns:r="http://schemas.openxmlformats.org/officeDocument/2006/relationships" r:dm="rId2" r:lo="rId3" r:qs="rId4" r:cs="rId5"/>
+          </a:graphicData>
+        </a:graphic>
+      </p:graphicFrame>
     </p:spTree>
     <p:extLst>
       <p:ext uri="{BB962C8B-B14F-4D97-AF65-F5344CB8AC3E}">
@@ -10330,7 +15949,7 @@
           <a:lstStyle/>
           <a:p>
             <a:r>
-              <a:rPr lang="en-US" altLang="ja-JP" dirty="0">
+              <a:rPr lang="en-US" altLang="ja-JP">
                 <a:latin typeface="微软雅黑"/>
                 <a:ea typeface="微软雅黑"/>
                 <a:cs typeface="Calibri Light"/>
@@ -10338,7 +15957,7 @@
               <a:t>PCA Step 1</a:t>
             </a:r>
             <a:r>
-              <a:rPr lang="zh-CN" altLang="en-US" dirty="0">
+              <a:rPr lang="zh-CN" altLang="en-US">
                 <a:latin typeface="微软雅黑"/>
                 <a:ea typeface="微软雅黑"/>
                 <a:cs typeface="Calibri Light"/>
@@ -10346,14 +15965,14 @@
               <a:t>：</a:t>
             </a:r>
             <a:r>
-              <a:rPr lang="ja-JP" altLang="en-GB" dirty="0">
+              <a:rPr lang="ja-JP" altLang="en-GB">
                 <a:latin typeface="微软雅黑"/>
                 <a:ea typeface="微软雅黑"/>
                 <a:cs typeface="Calibri Light"/>
               </a:rPr>
               <a:t>图片预处理</a:t>
             </a:r>
-            <a:endParaRPr lang="en-GB" dirty="0">
+            <a:endParaRPr lang="en-GB">
               <a:latin typeface="微软雅黑"/>
               <a:ea typeface="微软雅黑"/>
             </a:endParaRPr>
@@ -10399,13 +16018,14 @@
             </a:r>
           </a:p>
           <a:p>
+            <a:pPr marL="383540" lvl="1"/>
             <a:r>
               <a:rPr lang="en-GB" dirty="0">
                 <a:latin typeface="微软雅黑"/>
                 <a:ea typeface="微软雅黑"/>
                 <a:cs typeface="+mn-lt"/>
               </a:rPr>
-              <a:t>     I = </a:t>
+              <a:t>I = </a:t>
             </a:r>
             <a:r>
               <a:rPr lang="en-GB" dirty="0" err="1">
@@ -10443,24 +16063,172 @@
           <a:p>
             <a:r>
               <a:rPr lang="en-GB" dirty="0">
-                <a:latin typeface="微软雅黑"/>
-                <a:ea typeface="微软雅黑"/>
+                <a:latin typeface="Microsoft YaHei"/>
+                <a:ea typeface="Microsoft YaHei"/>
                 <a:cs typeface="Calibri"/>
               </a:rPr>
-              <a:t>2. </a:t>
-            </a:r>
-            <a:r>
-              <a:rPr lang="zh-CN" altLang="en-GB" dirty="0">
-                <a:latin typeface="微软雅黑"/>
-                <a:ea typeface="微软雅黑"/>
+              <a:t>2.</a:t>
+            </a:r>
+            <a:r>
+              <a:rPr lang="en-GB" altLang="zh-CN" dirty="0">
+                <a:latin typeface="Microsoft YaHei"/>
+                <a:ea typeface="Microsoft YaHei"/>
+                <a:cs typeface="Calibri"/>
+              </a:rPr>
+              <a:t> </a:t>
+            </a:r>
+            <a:r>
+              <a:rPr lang="zh-CN" altLang="en-US" dirty="0">
+                <a:latin typeface="Microsoft YaHei"/>
+                <a:ea typeface="Microsoft YaHei"/>
                 <a:cs typeface="Calibri"/>
               </a:rPr>
               <a:t>处理成灰度图像</a:t>
             </a:r>
             <a:endParaRPr lang="en-GB" altLang="zh-CN" dirty="0">
-              <a:latin typeface="微软雅黑"/>
-              <a:ea typeface="微软雅黑"/>
-              <a:cs typeface="Calibri"/>
+              <a:ea typeface="+mn-lt"/>
+              <a:cs typeface="+mn-lt"/>
+            </a:endParaRPr>
+          </a:p>
+          <a:p>
+            <a:pPr marL="383540" lvl="1"/>
+            <a:r>
+              <a:rPr lang="en-US" altLang="zh-CN" dirty="0">
+                <a:latin typeface="Microsoft YaHei"/>
+                <a:ea typeface="Microsoft YaHei"/>
+                <a:cs typeface="Calibri"/>
+              </a:rPr>
+              <a:t>I</a:t>
+            </a:r>
+            <a:r>
+              <a:rPr lang="zh-CN" altLang="en-US" dirty="0">
+                <a:latin typeface="Microsoft YaHei"/>
+                <a:ea typeface="Microsoft YaHei"/>
+                <a:cs typeface="Calibri"/>
+              </a:rPr>
+              <a:t> </a:t>
+            </a:r>
+            <a:r>
+              <a:rPr lang="en-US" altLang="zh-CN" dirty="0">
+                <a:latin typeface="Microsoft YaHei"/>
+                <a:ea typeface="Microsoft YaHei"/>
+                <a:cs typeface="Calibri"/>
+              </a:rPr>
+              <a:t>=</a:t>
+            </a:r>
+            <a:r>
+              <a:rPr lang="zh-CN" altLang="en-US" dirty="0">
+                <a:latin typeface="Microsoft YaHei"/>
+                <a:ea typeface="Microsoft YaHei"/>
+                <a:cs typeface="Calibri"/>
+              </a:rPr>
+              <a:t> </a:t>
+            </a:r>
+            <a:r>
+              <a:rPr lang="en-US" altLang="zh-CN" dirty="0">
+                <a:latin typeface="Microsoft YaHei"/>
+                <a:ea typeface="Microsoft YaHei"/>
+                <a:cs typeface="Calibri"/>
+              </a:rPr>
+              <a:t>rgb2gray(I);</a:t>
+            </a:r>
+            <a:endParaRPr lang="en-GB" dirty="0">
+              <a:cs typeface="Calibri" panose="020F0502020204030204"/>
+            </a:endParaRPr>
+          </a:p>
+          <a:p>
+            <a:r>
+              <a:rPr lang="zh-CN" sz="2200" dirty="0">
+                <a:latin typeface="Microsoft YaHei"/>
+                <a:ea typeface="Microsoft YaHei"/>
+                <a:cs typeface="+mn-lt"/>
+              </a:rPr>
+              <a:t>3. 统一尺寸</a:t>
+            </a:r>
+            <a:endParaRPr lang="zh-CN" sz="2200" dirty="0">
+              <a:ea typeface="+mn-lt"/>
+              <a:cs typeface="+mn-lt"/>
+            </a:endParaRPr>
+          </a:p>
+          <a:p>
+            <a:pPr marL="383540" lvl="1"/>
+            <a:r>
+              <a:rPr lang="zh-CN" sz="2000" dirty="0">
+                <a:latin typeface="Microsoft YaHei"/>
+                <a:ea typeface="Microsoft YaHei"/>
+                <a:cs typeface="+mn-lt"/>
+              </a:rPr>
+              <a:t>I = imresize(I, [m, n]);</a:t>
+            </a:r>
+            <a:endParaRPr lang="zh-CN" dirty="0">
+              <a:cs typeface="Calibri" panose="020F0502020204030204"/>
+            </a:endParaRPr>
+          </a:p>
+          <a:p>
+            <a:r>
+              <a:rPr lang="en-US" altLang="zh-CN" sz="2400" dirty="0">
+                <a:ea typeface="+mn-lt"/>
+                <a:cs typeface="+mn-lt"/>
+              </a:rPr>
+              <a:t>4.</a:t>
+            </a:r>
+            <a:r>
+              <a:rPr lang="zh-CN" altLang="en-US" sz="2400" dirty="0">
+                <a:latin typeface="Microsoft YaHei"/>
+                <a:ea typeface="Microsoft YaHei"/>
+                <a:cs typeface="+mn-lt"/>
+              </a:rPr>
+              <a:t> 将所有照片存入一个矩阵，每一张照片为一个列向量</a:t>
+            </a:r>
+            <a:endParaRPr lang="en-US" altLang="zh-CN" sz="2400" dirty="0">
+              <a:ea typeface="+mn-lt"/>
+              <a:cs typeface="+mn-lt"/>
+            </a:endParaRPr>
+          </a:p>
+          <a:p>
+            <a:pPr marL="383540" lvl="1"/>
+            <a:r>
+              <a:rPr lang="en-US" altLang="zh-CN" sz="2200" dirty="0">
+                <a:latin typeface="Microsoft YaHei"/>
+                <a:ea typeface="Microsoft YaHei"/>
+                <a:cs typeface="+mn-lt"/>
+              </a:rPr>
+              <a:t>I</a:t>
+            </a:r>
+            <a:r>
+              <a:rPr lang="zh-CN" altLang="en-US" sz="2200" dirty="0">
+                <a:latin typeface="Microsoft YaHei"/>
+                <a:ea typeface="Microsoft YaHei"/>
+                <a:cs typeface="+mn-lt"/>
+              </a:rPr>
+              <a:t> </a:t>
+            </a:r>
+            <a:r>
+              <a:rPr lang="en-US" altLang="zh-CN" sz="2200" dirty="0">
+                <a:latin typeface="Microsoft YaHei"/>
+                <a:ea typeface="Microsoft YaHei"/>
+                <a:cs typeface="+mn-lt"/>
+              </a:rPr>
+              <a:t>=</a:t>
+            </a:r>
+            <a:r>
+              <a:rPr lang="zh-CN" altLang="en-US" sz="2200" dirty="0">
+                <a:latin typeface="Microsoft YaHei"/>
+                <a:ea typeface="Microsoft YaHei"/>
+                <a:cs typeface="+mn-lt"/>
+              </a:rPr>
+              <a:t> </a:t>
+            </a:r>
+            <a:r>
+              <a:rPr lang="en-US" altLang="zh-CN" sz="2200" dirty="0">
+                <a:latin typeface="Microsoft YaHei"/>
+                <a:ea typeface="Microsoft YaHei"/>
+                <a:cs typeface="+mn-lt"/>
+              </a:rPr>
+              <a:t>reshape(I,[],1);</a:t>
+            </a:r>
+            <a:endParaRPr lang="zh-CN" dirty="0">
+              <a:cs typeface="Calibri" panose="020F0502020204030204"/>
             </a:endParaRPr>
           </a:p>
           <a:p>
@@ -10473,134 +16241,10 @@
               </a:spcAft>
               <a:buNone/>
             </a:pPr>
-            <a:r>
-              <a:rPr lang="zh-CN" dirty="0">
-                <a:latin typeface="微软雅黑"/>
-                <a:ea typeface="微软雅黑"/>
-                <a:cs typeface="Calibri"/>
-              </a:rPr>
-              <a:t>  </a:t>
-            </a:r>
-            <a:r>
-              <a:rPr lang="zh-CN" sz="2000" dirty="0">
-                <a:latin typeface="微软雅黑"/>
-                <a:ea typeface="微软雅黑"/>
-                <a:cs typeface="Calibri"/>
-              </a:rPr>
-              <a:t> </a:t>
-            </a:r>
-            <a:r>
-              <a:rPr lang="zh-CN" sz="2000" dirty="0">
-                <a:latin typeface="微软雅黑"/>
-                <a:ea typeface="微软雅黑"/>
-                <a:cs typeface="+mn-lt"/>
-              </a:rPr>
-              <a:t>I = rgb2gray(I);</a:t>
-            </a:r>
-          </a:p>
-          <a:p>
-            <a:pPr marL="200660" lvl="1" indent="0">
-              <a:spcBef>
-                <a:spcPts val="1200"/>
-              </a:spcBef>
-              <a:spcAft>
-                <a:spcPts val="200"/>
-              </a:spcAft>
-              <a:buNone/>
-            </a:pPr>
-            <a:r>
-              <a:rPr lang="zh-CN" altLang="en-US" sz="2000" dirty="0">
-                <a:latin typeface="微软雅黑"/>
-                <a:ea typeface="微软雅黑"/>
-                <a:cs typeface="+mn-lt"/>
-              </a:rPr>
-              <a:t>3. 统一尺寸</a:t>
-            </a:r>
-          </a:p>
-          <a:p>
-            <a:pPr marL="200660" lvl="1" indent="0">
-              <a:spcBef>
-                <a:spcPts val="1200"/>
-              </a:spcBef>
-              <a:spcAft>
-                <a:spcPts val="200"/>
-              </a:spcAft>
-              <a:buNone/>
-            </a:pPr>
-            <a:r>
-              <a:rPr lang="zh-CN" altLang="en-US" sz="2000" dirty="0">
-                <a:latin typeface="微软雅黑"/>
-                <a:ea typeface="微软雅黑"/>
-                <a:cs typeface="Calibri"/>
-              </a:rPr>
-              <a:t>    </a:t>
-            </a:r>
-            <a:r>
-              <a:rPr lang="zh-CN" sz="2000" dirty="0">
-                <a:latin typeface="微软雅黑"/>
-                <a:ea typeface="微软雅黑"/>
-                <a:cs typeface="+mn-lt"/>
-              </a:rPr>
-              <a:t>I = imresize(I, [m, n]);</a:t>
-            </a:r>
-          </a:p>
-          <a:p>
-            <a:pPr marL="200660" lvl="1" indent="0">
-              <a:spcBef>
-                <a:spcPts val="1200"/>
-              </a:spcBef>
-              <a:spcAft>
-                <a:spcPts val="200"/>
-              </a:spcAft>
-              <a:buNone/>
-            </a:pPr>
-            <a:r>
-              <a:rPr lang="en-US" altLang="zh-CN" sz="2000" dirty="0">
-                <a:latin typeface="微软雅黑"/>
-                <a:ea typeface="微软雅黑"/>
-                <a:cs typeface="Calibri"/>
-              </a:rPr>
-              <a:t>4.</a:t>
-            </a:r>
-            <a:r>
-              <a:rPr lang="zh-CN" altLang="en-US" sz="2000" dirty="0">
-                <a:latin typeface="微软雅黑"/>
-                <a:ea typeface="微软雅黑"/>
-                <a:cs typeface="Calibri"/>
-              </a:rPr>
-              <a:t> 将所有照片存入一个矩阵，每一张照片为一个列向量</a:t>
-            </a:r>
-          </a:p>
-          <a:p>
-            <a:pPr marL="200660" lvl="1" indent="0">
-              <a:spcBef>
-                <a:spcPts val="1200"/>
-              </a:spcBef>
-              <a:spcAft>
-                <a:spcPts val="200"/>
-              </a:spcAft>
-              <a:buNone/>
-            </a:pPr>
-            <a:r>
-              <a:rPr lang="zh-CN" altLang="en-US" sz="2000" dirty="0">
-                <a:latin typeface="微软雅黑"/>
-                <a:ea typeface="微软雅黑"/>
-                <a:cs typeface="Calibri"/>
-              </a:rPr>
-              <a:t>    </a:t>
-            </a:r>
-            <a:r>
-              <a:rPr lang="zh-CN" sz="2000" dirty="0">
-                <a:latin typeface="微软雅黑"/>
-                <a:ea typeface="微软雅黑"/>
-                <a:cs typeface="+mn-lt"/>
-              </a:rPr>
-              <a:t>I = reshape(I,[],1);</a:t>
-            </a:r>
             <a:endParaRPr lang="zh-CN" altLang="en-US" sz="2000" dirty="0">
               <a:latin typeface="微软雅黑"/>
               <a:ea typeface="微软雅黑"/>
-              <a:cs typeface="Calibri"/>
+              <a:cs typeface="+mn-lt"/>
             </a:endParaRPr>
           </a:p>
         </p:txBody>
@@ -10657,7 +16301,7 @@
           <a:lstStyle/>
           <a:p>
             <a:r>
-              <a:rPr lang="en-GB" dirty="0">
+              <a:rPr lang="en-GB">
                 <a:latin typeface="微软雅黑"/>
                 <a:ea typeface="微软雅黑"/>
                 <a:cs typeface="Calibri Light"/>
@@ -10665,7 +16309,7 @@
               <a:t>PCA </a:t>
             </a:r>
             <a:r>
-              <a:rPr lang="en-US" altLang="zh-CN" dirty="0">
+              <a:rPr lang="en-US" altLang="zh-CN">
                 <a:latin typeface="微软雅黑"/>
                 <a:ea typeface="微软雅黑"/>
                 <a:cs typeface="Calibri Light"/>
@@ -10673,14 +16317,14 @@
               <a:t>Step 2: </a:t>
             </a:r>
             <a:r>
-              <a:rPr lang="ja-JP" altLang="en-GB" dirty="0">
+              <a:rPr lang="ja-JP" altLang="en-GB">
                 <a:latin typeface="微软雅黑"/>
                 <a:ea typeface="微软雅黑"/>
                 <a:cs typeface="Calibri Light"/>
               </a:rPr>
               <a:t>计算特征脸</a:t>
             </a:r>
-            <a:endParaRPr lang="en-GB" dirty="0">
+            <a:endParaRPr lang="en-GB">
               <a:latin typeface="微软雅黑"/>
               <a:ea typeface="微软雅黑"/>
             </a:endParaRPr>
@@ -10711,14 +16355,14 @@
           <a:lstStyle/>
           <a:p>
             <a:r>
-              <a:rPr lang="en-GB" dirty="0">
+              <a:rPr lang="en-GB">
                 <a:ea typeface="+mn-lt"/>
                 <a:cs typeface="+mn-lt"/>
               </a:rPr>
               <a:t>1. </a:t>
             </a:r>
             <a:r>
-              <a:rPr lang="zh-CN" altLang="en-GB" dirty="0">
+              <a:rPr lang="zh-CN" altLang="en-GB">
                 <a:ea typeface="+mn-lt"/>
                 <a:cs typeface="+mn-lt"/>
               </a:rPr>
@@ -10727,239 +16371,239 @@
           </a:p>
           <a:p>
             <a:r>
-              <a:rPr lang="zh-CN" altLang="en-GB" dirty="0">
+              <a:rPr lang="zh-CN" altLang="en-GB">
                 <a:ea typeface="+mn-lt"/>
                 <a:cs typeface="+mn-lt"/>
               </a:rPr>
               <a:t>    </a:t>
             </a:r>
             <a:r>
-              <a:rPr lang="zh-CN" dirty="0">
+              <a:rPr lang="zh-CN">
                 <a:ea typeface="+mn-lt"/>
                 <a:cs typeface="+mn-lt"/>
               </a:rPr>
               <a:t>A2 = A - mean(A);</a:t>
             </a:r>
-            <a:endParaRPr lang="zh-CN" altLang="en-GB" dirty="0">
+            <a:endParaRPr lang="zh-CN" altLang="en-GB">
               <a:ea typeface="+mn-lt"/>
               <a:cs typeface="+mn-lt"/>
             </a:endParaRPr>
           </a:p>
           <a:p>
             <a:r>
-              <a:rPr lang="zh-CN" dirty="0">
+              <a:rPr lang="zh-CN">
                 <a:ea typeface="+mn-lt"/>
                 <a:cs typeface="+mn-lt"/>
               </a:rPr>
               <a:t>2.  </a:t>
             </a:r>
             <a:r>
-              <a:rPr lang="zh-CN" altLang="en-US" dirty="0">
+              <a:rPr lang="zh-CN" altLang="en-US">
                 <a:ea typeface="+mn-lt"/>
                 <a:cs typeface="+mn-lt"/>
               </a:rPr>
               <a:t>计算协方差矩阵</a:t>
             </a:r>
             <a:r>
-              <a:rPr lang="en-US" altLang="zh-CN" dirty="0">
+              <a:rPr lang="en-US" altLang="zh-CN">
                 <a:ea typeface="+mn-lt"/>
                 <a:cs typeface="+mn-lt"/>
               </a:rPr>
               <a:t>A’*A</a:t>
             </a:r>
-            <a:endParaRPr lang="en-US" dirty="0"/>
-          </a:p>
-          <a:p>
-            <a:r>
-              <a:rPr lang="en-GB" dirty="0">
+            <a:endParaRPr lang="en-US"/>
+          </a:p>
+          <a:p>
+            <a:r>
+              <a:rPr lang="en-GB">
                 <a:ea typeface="+mn-lt"/>
                 <a:cs typeface="+mn-lt"/>
               </a:rPr>
               <a:t>    C = </a:t>
             </a:r>
             <a:r>
-              <a:rPr lang="en-GB" dirty="0" err="1">
+              <a:rPr lang="en-GB" err="1">
                 <a:ea typeface="+mn-lt"/>
                 <a:cs typeface="+mn-lt"/>
               </a:rPr>
               <a:t>cov</a:t>
             </a:r>
             <a:r>
-              <a:rPr lang="en-GB" dirty="0">
+              <a:rPr lang="en-GB">
                 <a:ea typeface="+mn-lt"/>
                 <a:cs typeface="+mn-lt"/>
               </a:rPr>
               <a:t>(A);</a:t>
             </a:r>
-            <a:endParaRPr lang="en-US" dirty="0"/>
+            <a:endParaRPr lang="en-US"/>
           </a:p>
           <a:p>
             <a:pPr marL="0" indent="0">
               <a:buNone/>
             </a:pPr>
             <a:r>
-              <a:rPr lang="en-GB" dirty="0">
+              <a:rPr lang="en-GB">
                 <a:ea typeface="+mn-lt"/>
                 <a:cs typeface="+mn-lt"/>
               </a:rPr>
               <a:t>  3. </a:t>
             </a:r>
             <a:r>
-              <a:rPr lang="zh-CN" altLang="en-GB" dirty="0">
+              <a:rPr lang="zh-CN" altLang="en-GB">
                 <a:ea typeface="+mn-lt"/>
                 <a:cs typeface="+mn-lt"/>
               </a:rPr>
               <a:t>计算特征值D和特征向量V</a:t>
             </a:r>
-            <a:endParaRPr lang="en-GB" dirty="0">
+            <a:endParaRPr lang="en-GB">
               <a:cs typeface="Calibri" panose="020F0502020204030204"/>
             </a:endParaRPr>
           </a:p>
           <a:p>
             <a:r>
-              <a:rPr lang="en-GB" dirty="0">
+              <a:rPr lang="en-GB">
                 <a:ea typeface="+mn-lt"/>
                 <a:cs typeface="+mn-lt"/>
               </a:rPr>
               <a:t>     [V, D] = </a:t>
             </a:r>
             <a:r>
-              <a:rPr lang="en-GB" dirty="0" err="1">
+              <a:rPr lang="en-GB" err="1">
                 <a:ea typeface="+mn-lt"/>
                 <a:cs typeface="+mn-lt"/>
               </a:rPr>
               <a:t>eig</a:t>
             </a:r>
             <a:r>
-              <a:rPr lang="en-GB" dirty="0">
+              <a:rPr lang="en-GB">
                 <a:ea typeface="+mn-lt"/>
                 <a:cs typeface="+mn-lt"/>
               </a:rPr>
               <a:t>(C);</a:t>
             </a:r>
-            <a:endParaRPr lang="en-GB" dirty="0">
+            <a:endParaRPr lang="en-GB">
               <a:cs typeface="Calibri" panose="020F0502020204030204"/>
             </a:endParaRPr>
           </a:p>
           <a:p>
             <a:r>
-              <a:rPr lang="en-GB" dirty="0">
+              <a:rPr lang="en-GB">
                 <a:ea typeface="+mn-lt"/>
                 <a:cs typeface="+mn-lt"/>
               </a:rPr>
               <a:t>4. </a:t>
             </a:r>
             <a:r>
-              <a:rPr lang="zh-CN" altLang="en-GB" dirty="0">
+              <a:rPr lang="zh-CN" altLang="en-GB">
                 <a:ea typeface="+mn-lt"/>
                 <a:cs typeface="+mn-lt"/>
               </a:rPr>
               <a:t>将它们排序</a:t>
             </a:r>
-            <a:endParaRPr lang="en-GB" dirty="0">
+            <a:endParaRPr lang="en-GB">
               <a:ea typeface="+mn-lt"/>
               <a:cs typeface="+mn-lt"/>
             </a:endParaRPr>
           </a:p>
           <a:p>
             <a:r>
-              <a:rPr lang="en-GB" dirty="0">
+              <a:rPr lang="en-GB">
                 <a:ea typeface="+mn-lt"/>
                 <a:cs typeface="+mn-lt"/>
               </a:rPr>
               <a:t>     [d, </a:t>
             </a:r>
             <a:r>
-              <a:rPr lang="en-GB" dirty="0" err="1">
+              <a:rPr lang="en-GB" err="1">
                 <a:ea typeface="+mn-lt"/>
                 <a:cs typeface="+mn-lt"/>
               </a:rPr>
               <a:t>ind</a:t>
             </a:r>
             <a:r>
-              <a:rPr lang="en-GB" dirty="0">
+              <a:rPr lang="en-GB">
                 <a:ea typeface="+mn-lt"/>
                 <a:cs typeface="+mn-lt"/>
               </a:rPr>
               <a:t>] = sort(</a:t>
             </a:r>
             <a:r>
-              <a:rPr lang="en-GB" dirty="0" err="1">
+              <a:rPr lang="en-GB" err="1">
                 <a:ea typeface="+mn-lt"/>
                 <a:cs typeface="+mn-lt"/>
               </a:rPr>
               <a:t>diag</a:t>
             </a:r>
             <a:r>
-              <a:rPr lang="en-GB" dirty="0">
+              <a:rPr lang="en-GB">
                 <a:ea typeface="+mn-lt"/>
                 <a:cs typeface="+mn-lt"/>
               </a:rPr>
               <a:t>(D), 'descend');</a:t>
             </a:r>
-            <a:endParaRPr lang="en-GB" dirty="0"/>
+            <a:endParaRPr lang="en-GB"/>
           </a:p>
           <a:p>
             <a:pPr marL="0" indent="0">
               <a:buNone/>
             </a:pPr>
             <a:r>
-              <a:rPr lang="en-GB" dirty="0">
+              <a:rPr lang="en-GB">
                 <a:ea typeface="+mn-lt"/>
                 <a:cs typeface="+mn-lt"/>
               </a:rPr>
               <a:t>       Vs = V(:,</a:t>
             </a:r>
             <a:r>
-              <a:rPr lang="en-GB" dirty="0" err="1">
+              <a:rPr lang="en-GB" err="1">
                 <a:ea typeface="+mn-lt"/>
                 <a:cs typeface="+mn-lt"/>
               </a:rPr>
               <a:t>ind</a:t>
             </a:r>
             <a:r>
-              <a:rPr lang="en-GB" dirty="0">
+              <a:rPr lang="en-GB">
                 <a:ea typeface="+mn-lt"/>
                 <a:cs typeface="+mn-lt"/>
               </a:rPr>
               <a:t>);</a:t>
             </a:r>
-            <a:endParaRPr lang="en-GB" dirty="0">
+            <a:endParaRPr lang="en-GB">
               <a:cs typeface="Calibri" panose="020F0502020204030204"/>
             </a:endParaRPr>
           </a:p>
           <a:p>
             <a:r>
-              <a:rPr lang="en-GB" dirty="0">
+              <a:rPr lang="en-GB">
                 <a:ea typeface="+mn-lt"/>
                 <a:cs typeface="+mn-lt"/>
               </a:rPr>
               <a:t>5. </a:t>
             </a:r>
             <a:r>
-              <a:rPr lang="zh-CN" altLang="en-GB" dirty="0">
+              <a:rPr lang="zh-CN" altLang="en-GB">
                 <a:ea typeface="+mn-lt"/>
                 <a:cs typeface="+mn-lt"/>
               </a:rPr>
               <a:t>与原矩阵相乘得到特征脸</a:t>
             </a:r>
-            <a:endParaRPr lang="en-GB" dirty="0"/>
-          </a:p>
-          <a:p>
-            <a:r>
-              <a:rPr lang="en-GB" dirty="0">
+            <a:endParaRPr lang="en-GB"/>
+          </a:p>
+          <a:p>
+            <a:r>
+              <a:rPr lang="en-GB">
                 <a:ea typeface="+mn-lt"/>
                 <a:cs typeface="+mn-lt"/>
               </a:rPr>
               <a:t>     U1 = A*Vs;</a:t>
             </a:r>
-            <a:endParaRPr lang="en-GB" dirty="0"/>
-          </a:p>
-          <a:p>
-            <a:endParaRPr lang="en-US" dirty="0"/>
-          </a:p>
-          <a:p>
-            <a:endParaRPr lang="en-GB" dirty="0">
+            <a:endParaRPr lang="en-GB"/>
+          </a:p>
+          <a:p>
+            <a:endParaRPr lang="en-US"/>
+          </a:p>
+          <a:p>
+            <a:endParaRPr lang="en-GB">
               <a:cs typeface="Calibri"/>
             </a:endParaRPr>
           </a:p>
@@ -11283,42 +16927,6 @@
           </a:fontRef>
         </p:style>
       </p:sp>
-      <p:sp>
-        <p:nvSpPr>
-          <p:cNvPr id="2" name="标题 1">
-            <a:extLst>
-              <a:ext uri="{FF2B5EF4-FFF2-40B4-BE49-F238E27FC236}">
-                <a16:creationId xmlns:a16="http://schemas.microsoft.com/office/drawing/2014/main" id="{4A137514-3573-4045-88B5-2D720C80947C}"/>
-              </a:ext>
-            </a:extLst>
-          </p:cNvPr>
-          <p:cNvSpPr>
-            <a:spLocks noGrp="1"/>
-          </p:cNvSpPr>
-          <p:nvPr>
-            <p:ph type="title"/>
-          </p:nvPr>
-        </p:nvSpPr>
-        <p:spPr>
-          <a:xfrm>
-            <a:off x="1065197" y="5120640"/>
-            <a:ext cx="10058400" cy="822960"/>
-          </a:xfrm>
-        </p:spPr>
-        <p:txBody>
-          <a:bodyPr vert="horz" lIns="91440" tIns="45720" rIns="91440" bIns="45720" rtlCol="0" anchor="b">
-            <a:normAutofit/>
-          </a:bodyPr>
-          <a:lstStyle/>
-          <a:p>
-            <a:endParaRPr lang="en-US" altLang="zh-CN" sz="3600">
-              <a:solidFill>
-                <a:srgbClr val="FFFFFF"/>
-              </a:solidFill>
-            </a:endParaRPr>
-          </a:p>
-        </p:txBody>
-      </p:sp>
       <p:pic>
         <p:nvPicPr>
           <p:cNvPr id="6" name="图片 6" descr="图片包含 图形用户界面&#10;&#10;已自动生成说明">
@@ -11341,7 +16949,7 @@
         </p:blipFill>
         <p:spPr>
           <a:xfrm>
-            <a:off x="648927" y="1199154"/>
+            <a:off x="8292018" y="1210699"/>
             <a:ext cx="3312784" cy="2484588"/>
           </a:xfrm>
           <a:prstGeom prst="rect">
@@ -11523,7 +17131,7 @@
         </p:blipFill>
         <p:spPr>
           <a:xfrm>
-            <a:off x="8230289" y="1199154"/>
+            <a:off x="494834" y="1210699"/>
             <a:ext cx="3312784" cy="2484588"/>
           </a:xfrm>
           <a:prstGeom prst="rect">
@@ -11638,14 +17246,14 @@
           <a:lstStyle/>
           <a:p>
             <a:r>
-              <a:rPr lang="en-US" altLang="zh-CN" dirty="0">
+              <a:rPr lang="en-US" altLang="zh-CN">
                 <a:latin typeface="微软雅黑"/>
                 <a:ea typeface="微软雅黑"/>
               </a:rPr>
               <a:t>PCA Step 3: </a:t>
             </a:r>
             <a:r>
-              <a:rPr lang="zh-CN" altLang="en-US" dirty="0">
+              <a:rPr lang="zh-CN" altLang="en-US">
                 <a:latin typeface="微软雅黑"/>
                 <a:ea typeface="微软雅黑"/>
               </a:rPr>
@@ -11680,20 +17288,20 @@
               <a:lstStyle/>
               <a:p>
                 <a:r>
-                  <a:rPr lang="zh-CN" altLang="en-US" dirty="0">
+                  <a:rPr lang="zh-CN" altLang="en-US">
                     <a:latin typeface="微软雅黑"/>
                     <a:ea typeface="微软雅黑"/>
                   </a:rPr>
                   <a:t>SVD分解实现压缩：</a:t>
                 </a:r>
-                <a:endParaRPr lang="en-US" altLang="zh-CN" dirty="0">
+                <a:endParaRPr lang="en-US" altLang="zh-CN">
                   <a:latin typeface="微软雅黑"/>
                   <a:ea typeface="微软雅黑"/>
                 </a:endParaRPr>
               </a:p>
               <a:p>
                 <a:r>
-                  <a:rPr lang="en-US" altLang="zh-CN" dirty="0">
+                  <a:rPr lang="en-US" altLang="zh-CN">
                     <a:latin typeface="微软雅黑"/>
                     <a:ea typeface="微软雅黑"/>
                   </a:rPr>
@@ -11762,38 +17370,38 @@
                     </m:sSup>
                   </m:oMath>
                 </a14:m>
-                <a:endParaRPr lang="zh-CN" dirty="0"/>
+                <a:endParaRPr lang="zh-CN"/>
               </a:p>
               <a:p>
                 <a:r>
-                  <a:rPr lang="zh-CN" altLang="en-US" dirty="0">
+                  <a:rPr lang="zh-CN" altLang="en-US">
                     <a:latin typeface="微软雅黑"/>
                     <a:ea typeface="微软雅黑"/>
                   </a:rPr>
                   <a:t>    前面求得的</a:t>
                 </a:r>
                 <a:r>
-                  <a:rPr lang="en-US" altLang="zh-CN" dirty="0">
+                  <a:rPr lang="en-US" altLang="zh-CN">
                     <a:latin typeface="微软雅黑"/>
                     <a:ea typeface="微软雅黑"/>
                   </a:rPr>
                   <a:t>U1 = U</a:t>
                 </a:r>
                 <a:r>
-                  <a:rPr lang="el-GR" altLang="zh-CN" dirty="0">
+                  <a:rPr lang="el-GR" altLang="zh-CN">
                     <a:latin typeface="微软雅黑"/>
                     <a:ea typeface="微软雅黑"/>
                   </a:rPr>
                   <a:t>Σ</a:t>
                 </a:r>
-                <a:endParaRPr lang="en-US" altLang="zh-CN" dirty="0">
+                <a:endParaRPr lang="en-US" altLang="zh-CN">
                   <a:latin typeface="微软雅黑"/>
                   <a:ea typeface="微软雅黑"/>
                 </a:endParaRPr>
               </a:p>
               <a:p>
                 <a:r>
-                  <a:rPr lang="en-US" altLang="zh-CN" dirty="0">
+                  <a:rPr lang="en-US" altLang="zh-CN">
                     <a:latin typeface="微软雅黑"/>
                     <a:ea typeface="微软雅黑"/>
                     <a:cs typeface="+mn-lt"/>
@@ -11801,21 +17409,21 @@
                   <a:t>    </a:t>
                 </a:r>
                 <a:r>
-                  <a:rPr lang="zh-CN" dirty="0">
+                  <a:rPr lang="zh-CN">
                     <a:ea typeface="+mn-lt"/>
                     <a:cs typeface="+mn-lt"/>
                   </a:rPr>
                   <a:t>A3 = U</a:t>
                 </a:r>
                 <a:r>
-                  <a:rPr lang="en-US" altLang="zh-CN" dirty="0">
+                  <a:rPr lang="en-US" altLang="zh-CN">
                     <a:ea typeface="+mn-lt"/>
                     <a:cs typeface="+mn-lt"/>
                   </a:rPr>
                   <a:t>1</a:t>
                 </a:r>
                 <a:r>
-                  <a:rPr lang="zh-CN" dirty="0">
+                  <a:rPr lang="zh-CN">
                     <a:ea typeface="+mn-lt"/>
                     <a:cs typeface="+mn-lt"/>
                   </a:rPr>
@@ -11824,7 +17432,7 @@
               </a:p>
               <a:p>
                 <a:r>
-                  <a:rPr lang="zh-CN" altLang="en-US" dirty="0">
+                  <a:rPr lang="zh-CN" altLang="en-US">
                     <a:ea typeface="+mn-lt"/>
                     <a:cs typeface="+mn-lt"/>
                   </a:rPr>
@@ -11864,7 +17472,7 @@
               <a:lstStyle/>
               <a:p>
                 <a:r>
-                  <a:rPr lang="zh-CN" altLang="en-US">
+                  <a:rPr lang="en-US">
                     <a:noFill/>
                   </a:rPr>
                   <a:t> </a:t>
@@ -11998,7 +17606,7 @@
           <a:lstStyle/>
           <a:p>
             <a:r>
-              <a:rPr lang="en-GB" dirty="0">
+              <a:rPr lang="en-GB">
                 <a:latin typeface="微软雅黑"/>
                 <a:ea typeface="微软雅黑"/>
                 <a:cs typeface="Calibri Light"/>
@@ -12006,14 +17614,14 @@
               <a:t>KNN</a:t>
             </a:r>
             <a:r>
-              <a:rPr lang="zh-CN" altLang="en-US" dirty="0">
+              <a:rPr lang="zh-CN" altLang="en-US">
                 <a:latin typeface="微软雅黑"/>
                 <a:ea typeface="微软雅黑"/>
                 <a:cs typeface="Calibri Light"/>
               </a:rPr>
               <a:t>分类实现人脸识别</a:t>
             </a:r>
-            <a:endParaRPr lang="en-GB" dirty="0">
+            <a:endParaRPr lang="en-GB">
               <a:latin typeface="微软雅黑"/>
               <a:ea typeface="微软雅黑"/>
             </a:endParaRPr>
@@ -12048,14 +17656,14 @@
           </a:bodyPr>
           <a:lstStyle/>
           <a:p>
-            <a:endParaRPr lang="en-GB" altLang="zh-CN" dirty="0">
+            <a:endParaRPr lang="en-GB" altLang="zh-CN">
               <a:latin typeface="微软雅黑"/>
               <a:ea typeface="微软雅黑"/>
               <a:cs typeface="Calibri"/>
             </a:endParaRPr>
           </a:p>
           <a:p>
-            <a:endParaRPr lang="en-GB" altLang="zh-CN" dirty="0">
+            <a:endParaRPr lang="en-GB" altLang="zh-CN">
               <a:latin typeface="微软雅黑"/>
               <a:ea typeface="微软雅黑"/>
               <a:cs typeface="Calibri"/>
@@ -12065,7 +17673,7 @@
             <a:pPr marL="0" indent="0">
               <a:buNone/>
             </a:pPr>
-            <a:endParaRPr lang="en-GB" altLang="zh-CN" dirty="0">
+            <a:endParaRPr lang="en-GB" altLang="zh-CN">
               <a:latin typeface="微软雅黑"/>
               <a:ea typeface="微软雅黑"/>
               <a:cs typeface="Calibri"/>
@@ -12073,7 +17681,7 @@
           </a:p>
           <a:p>
             <a:r>
-              <a:rPr lang="en-US" altLang="zh-CN" dirty="0" err="1">
+              <a:rPr lang="en-US" altLang="zh-CN" err="1">
                 <a:latin typeface="微软雅黑"/>
                 <a:ea typeface="微软雅黑"/>
                 <a:cs typeface="Calibri"/>
@@ -12081,49 +17689,49 @@
               <a:t>kNN</a:t>
             </a:r>
             <a:r>
-              <a:rPr lang="zh-CN" altLang="en-US" dirty="0">
+              <a:rPr lang="zh-CN" altLang="en-US">
                 <a:latin typeface="微软雅黑"/>
                 <a:ea typeface="微软雅黑"/>
                 <a:cs typeface="Calibri"/>
               </a:rPr>
               <a:t>的简单例子如右图。</a:t>
             </a:r>
-            <a:endParaRPr lang="zh-CN" altLang="en-GB" dirty="0">
+            <a:endParaRPr lang="zh-CN" altLang="en-GB">
               <a:latin typeface="微软雅黑"/>
               <a:ea typeface="微软雅黑"/>
               <a:cs typeface="Calibri"/>
             </a:endParaRPr>
           </a:p>
           <a:p>
-            <a:endParaRPr lang="en-GB" dirty="0">
+            <a:endParaRPr lang="en-GB">
               <a:latin typeface="微软雅黑"/>
               <a:ea typeface="微软雅黑"/>
               <a:cs typeface="Calibri"/>
             </a:endParaRPr>
           </a:p>
           <a:p>
-            <a:endParaRPr lang="en-GB" dirty="0">
+            <a:endParaRPr lang="en-GB">
               <a:latin typeface="微软雅黑"/>
               <a:ea typeface="微软雅黑"/>
               <a:cs typeface="Calibri"/>
             </a:endParaRPr>
           </a:p>
           <a:p>
-            <a:endParaRPr lang="en-GB" dirty="0">
+            <a:endParaRPr lang="en-GB">
               <a:latin typeface="微软雅黑"/>
               <a:ea typeface="微软雅黑"/>
               <a:cs typeface="Calibri"/>
             </a:endParaRPr>
           </a:p>
           <a:p>
-            <a:endParaRPr lang="en-GB" dirty="0">
+            <a:endParaRPr lang="en-GB">
               <a:latin typeface="微软雅黑"/>
               <a:ea typeface="微软雅黑"/>
               <a:cs typeface="Calibri"/>
             </a:endParaRPr>
           </a:p>
           <a:p>
-            <a:endParaRPr lang="en-GB" dirty="0">
+            <a:endParaRPr lang="en-GB">
               <a:latin typeface="微软雅黑"/>
               <a:ea typeface="微软雅黑"/>
               <a:cs typeface="Calibri"/>
@@ -12133,7 +17741,7 @@
             <a:pPr marL="0" indent="0">
               <a:buNone/>
             </a:pPr>
-            <a:endParaRPr lang="en-GB" dirty="0">
+            <a:endParaRPr lang="en-GB">
               <a:latin typeface="微软雅黑"/>
               <a:ea typeface="微软雅黑"/>
               <a:cs typeface="Calibri"/>
@@ -12274,7 +17882,7 @@
           <a:lstStyle/>
           <a:p>
             <a:r>
-              <a:rPr lang="en-GB" altLang="zh-CN" dirty="0">
+              <a:rPr lang="en-GB" altLang="zh-CN">
                 <a:latin typeface="微软雅黑"/>
                 <a:ea typeface="微软雅黑"/>
                 <a:cs typeface="Calibri Light"/>
@@ -12282,14 +17890,14 @@
               <a:t>KNN</a:t>
             </a:r>
             <a:r>
-              <a:rPr lang="zh-CN" altLang="en-US" dirty="0">
+              <a:rPr lang="zh-CN" altLang="en-US">
                 <a:latin typeface="微软雅黑"/>
                 <a:ea typeface="微软雅黑"/>
                 <a:cs typeface="Calibri Light"/>
               </a:rPr>
               <a:t>分类实现人脸识别</a:t>
             </a:r>
-            <a:endParaRPr lang="zh-CN" altLang="en-US" dirty="0">
+            <a:endParaRPr lang="zh-CN" altLang="en-US">
               <a:latin typeface="微软雅黑" panose="020B0503020204020204" pitchFamily="34" charset="-122"/>
               <a:ea typeface="微软雅黑" panose="020B0503020204020204" pitchFamily="34" charset="-122"/>
             </a:endParaRPr>
@@ -12314,11 +17922,13 @@
         </p:nvSpPr>
         <p:spPr/>
         <p:txBody>
-          <a:bodyPr/>
+          <a:bodyPr vert="horz" lIns="0" tIns="45720" rIns="0" bIns="45720" rtlCol="0" anchor="t">
+            <a:normAutofit/>
+          </a:bodyPr>
           <a:lstStyle/>
           <a:p>
             <a:r>
-              <a:rPr lang="en-GB" altLang="zh-CN" dirty="0">
+              <a:rPr lang="en-GB" altLang="zh-CN">
                 <a:latin typeface="微软雅黑"/>
                 <a:ea typeface="微软雅黑"/>
                 <a:cs typeface="Calibri"/>
@@ -12326,7 +17936,7 @@
               <a:t>1. </a:t>
             </a:r>
             <a:r>
-              <a:rPr lang="zh-CN" altLang="en-US" dirty="0">
+              <a:rPr lang="zh-CN" altLang="en-US">
                 <a:latin typeface="微软雅黑"/>
                 <a:ea typeface="微软雅黑"/>
                 <a:cs typeface="Calibri"/>
@@ -12334,7 +17944,7 @@
               <a:t>标记：对原数据集每张照片</a:t>
             </a:r>
             <a:r>
-              <a:rPr lang="en-US" altLang="zh-CN" dirty="0" err="1">
+              <a:rPr lang="en-US" altLang="zh-CN" err="1">
                 <a:latin typeface="微软雅黑"/>
                 <a:ea typeface="微软雅黑"/>
                 <a:cs typeface="Calibri"/>
@@ -12342,7 +17952,7 @@
               <a:t>i</a:t>
             </a:r>
             <a:r>
-              <a:rPr lang="zh-CN" altLang="en-US" dirty="0">
+              <a:rPr lang="zh-CN" altLang="en-US">
                 <a:latin typeface="微软雅黑"/>
                 <a:ea typeface="微软雅黑"/>
                 <a:cs typeface="Calibri"/>
@@ -12350,7 +17960,7 @@
               <a:t>对应坐标</a:t>
             </a:r>
             <a:r>
-              <a:rPr lang="en-US" altLang="zh-CN" dirty="0">
+              <a:rPr lang="en-US" altLang="zh-CN">
                 <a:latin typeface="微软雅黑"/>
                 <a:ea typeface="微软雅黑"/>
                 <a:cs typeface="Calibri"/>
@@ -12358,7 +17968,7 @@
               <a:t>di</a:t>
             </a:r>
             <a:r>
-              <a:rPr lang="zh-CN" altLang="en-US" dirty="0">
+              <a:rPr lang="zh-CN" altLang="en-US">
                 <a:latin typeface="微软雅黑"/>
                 <a:ea typeface="微软雅黑"/>
                 <a:cs typeface="Calibri"/>
@@ -12366,7 +17976,7 @@
               <a:t>，标记其对应同学的编号</a:t>
             </a:r>
             <a:r>
-              <a:rPr lang="en-US" altLang="zh-CN" dirty="0">
+              <a:rPr lang="en-US" altLang="zh-CN">
                 <a:latin typeface="微软雅黑"/>
                 <a:ea typeface="微软雅黑"/>
                 <a:cs typeface="Calibri"/>
@@ -12376,7 +17986,7 @@
           </a:p>
           <a:p>
             <a:r>
-              <a:rPr lang="zh-CN" altLang="en-GB" dirty="0">
+              <a:rPr lang="zh-CN" altLang="en-GB">
                 <a:latin typeface="微软雅黑"/>
                 <a:ea typeface="微软雅黑"/>
                 <a:cs typeface="Calibri"/>
@@ -12384,7 +17994,7 @@
               <a:t>2. </a:t>
             </a:r>
             <a:r>
-              <a:rPr lang="zh-CN" altLang="en-US" dirty="0">
+              <a:rPr lang="zh-CN" altLang="en-US">
                 <a:latin typeface="微软雅黑"/>
                 <a:ea typeface="微软雅黑"/>
                 <a:cs typeface="Calibri"/>
@@ -12392,21 +18002,21 @@
               <a:t>识别：</a:t>
             </a:r>
             <a:r>
-              <a:rPr lang="zh-CN" altLang="en-GB" dirty="0">
+              <a:rPr lang="zh-CN" altLang="en-GB">
                 <a:latin typeface="微软雅黑"/>
                 <a:ea typeface="微软雅黑"/>
                 <a:cs typeface="Calibri"/>
               </a:rPr>
               <a:t>对得到的所有x运行kNN算法，找到测试照片附近的照片所对应的人</a:t>
             </a:r>
-            <a:endParaRPr lang="en-US" altLang="zh-CN" dirty="0">
+            <a:endParaRPr lang="en-US" altLang="zh-CN">
               <a:latin typeface="微软雅黑"/>
               <a:ea typeface="微软雅黑"/>
               <a:cs typeface="Calibri"/>
             </a:endParaRPr>
           </a:p>
           <a:p>
-            <a:endParaRPr lang="en-US" altLang="zh-CN" dirty="0">
+            <a:endParaRPr lang="en-US" altLang="zh-CN">
               <a:latin typeface="微软雅黑"/>
               <a:ea typeface="微软雅黑"/>
               <a:cs typeface="Calibri"/>
@@ -12414,14 +18024,14 @@
           </a:p>
           <a:p>
             <a:r>
-              <a:rPr lang="zh-CN" altLang="en-US" dirty="0">
+              <a:rPr lang="zh-CN" altLang="en-US">
                 <a:latin typeface="微软雅黑"/>
                 <a:ea typeface="微软雅黑"/>
                 <a:cs typeface="Calibri"/>
               </a:rPr>
-              <a:t>问题：使用何数据作为每张照片的坐标？</a:t>
-            </a:r>
-            <a:endParaRPr lang="en-US" altLang="zh-CN" dirty="0">
+              <a:t>问题：使用何数据作为数据集中每张照片的坐标？</a:t>
+            </a:r>
+            <a:endParaRPr lang="en-US" altLang="zh-CN">
               <a:latin typeface="微软雅黑"/>
               <a:ea typeface="微软雅黑"/>
               <a:cs typeface="Calibri"/>
@@ -12429,7 +18039,86 @@
           </a:p>
           <a:p>
             <a:r>
-              <a:rPr lang="zh-CN" altLang="en-US" dirty="0">
+              <a:rPr lang="en-GB" altLang="zh-CN">
+                <a:latin typeface="Calibri"/>
+                <a:ea typeface="+mn-lt"/>
+                <a:cs typeface="Calibri"/>
+              </a:rPr>
+              <a:t>A= U1*Vs'</a:t>
+            </a:r>
+            <a:endParaRPr lang="zh-CN" altLang="en-US">
+              <a:latin typeface="微软雅黑"/>
+              <a:ea typeface="微软雅黑"/>
+              <a:cs typeface="Calibri"/>
+            </a:endParaRPr>
+          </a:p>
+          <a:p>
+            <a:r>
+              <a:rPr lang="zh-CN">
+                <a:latin typeface="Microsoft YaHei"/>
+                <a:ea typeface="Microsoft YaHei"/>
+                <a:cs typeface="Calibri"/>
+              </a:rPr>
+              <a:t>对于数据集照片，回归方程的解已经存储在</a:t>
+            </a:r>
+            <a:r>
+              <a:rPr lang="en-US">
+                <a:latin typeface="Microsoft YaHei"/>
+                <a:ea typeface="+mn-lt"/>
+                <a:cs typeface="Calibri"/>
+              </a:rPr>
+              <a:t>Vs</a:t>
+            </a:r>
+            <a:r>
+              <a:rPr lang="en-US" altLang="zh-CN">
+                <a:latin typeface="Calibri"/>
+                <a:ea typeface="Microsoft YaHei"/>
+                <a:cs typeface="Calibri"/>
+              </a:rPr>
+              <a:t>'</a:t>
+            </a:r>
+            <a:r>
+              <a:rPr lang="zh-CN">
+                <a:latin typeface="Microsoft YaHei"/>
+                <a:ea typeface="Microsoft YaHei"/>
+                <a:cs typeface="Calibri"/>
+              </a:rPr>
+              <a:t>中了。</a:t>
+            </a:r>
+            <a:endParaRPr lang="en-US">
+              <a:ea typeface="+mn-lt"/>
+              <a:cs typeface="+mn-lt"/>
+            </a:endParaRPr>
+          </a:p>
+          <a:p>
+            <a:r>
+              <a:rPr lang="en-GB" altLang="zh-CN" err="1">
+                <a:latin typeface="Calibri"/>
+                <a:ea typeface="微软雅黑"/>
+                <a:cs typeface="Calibri"/>
+              </a:rPr>
+              <a:t>问题</a:t>
+            </a:r>
+            <a:r>
+              <a:rPr lang="en-GB" altLang="zh-CN">
+                <a:latin typeface="Calibri"/>
+                <a:ea typeface="微软雅黑"/>
+                <a:cs typeface="Calibri"/>
+              </a:rPr>
+              <a:t>：</a:t>
+            </a:r>
+            <a:r>
+              <a:rPr lang="zh-CN" altLang="en-US">
+                <a:latin typeface="Microsoft YaHei"/>
+                <a:ea typeface="Microsoft YaHei"/>
+                <a:cs typeface="Calibri"/>
+              </a:rPr>
+              <a:t>使用何数据作为测试集中每张照片的坐标？</a:t>
+            </a:r>
+          </a:p>
+          <a:p>
+            <a:r>
+              <a:rPr lang="zh-CN" altLang="en-US">
                 <a:latin typeface="微软雅黑"/>
                 <a:ea typeface="微软雅黑"/>
                 <a:cs typeface="Calibri"/>
@@ -12437,7 +18126,7 @@
               <a:t>我们的解：在</a:t>
             </a:r>
             <a:r>
-              <a:rPr lang="en-US" altLang="zh-CN" dirty="0">
+              <a:rPr lang="en-US" altLang="zh-CN">
                 <a:latin typeface="微软雅黑"/>
                 <a:ea typeface="微软雅黑"/>
                 <a:cs typeface="Calibri"/>
@@ -12445,23 +18134,23 @@
               <a:t>PCA</a:t>
             </a:r>
             <a:r>
-              <a:rPr lang="zh-CN" altLang="en-US" dirty="0">
+              <a:rPr lang="zh-CN" altLang="en-US">
                 <a:latin typeface="微软雅黑"/>
                 <a:ea typeface="微软雅黑"/>
                 <a:cs typeface="Calibri"/>
               </a:rPr>
-              <a:t>实现降维的基础上，对每张照片求解回归方程</a:t>
-            </a:r>
-            <a:r>
-              <a:rPr lang="en-US" altLang="zh-CN" dirty="0">
+              <a:t>实现降维的基础上，对每张照片求解回归方程U1</a:t>
+            </a:r>
+            <a:r>
+              <a:rPr lang="en-US" altLang="zh-CN">
                 <a:latin typeface="微软雅黑"/>
                 <a:ea typeface="微软雅黑"/>
                 <a:cs typeface="Calibri"/>
               </a:rPr>
-              <a:t>Ax = b</a:t>
-            </a:r>
-            <a:r>
-              <a:rPr lang="zh-CN" altLang="en-US" dirty="0">
+              <a:t>x = b</a:t>
+            </a:r>
+            <a:r>
+              <a:rPr lang="zh-CN" altLang="en-US">
                 <a:latin typeface="微软雅黑"/>
                 <a:ea typeface="微软雅黑"/>
                 <a:cs typeface="Calibri"/>
@@ -12469,7 +18158,7 @@
               <a:t>，其中</a:t>
             </a:r>
             <a:r>
-              <a:rPr lang="en-US" altLang="zh-CN" dirty="0">
+              <a:rPr lang="en-US" altLang="zh-CN">
                 <a:latin typeface="微软雅黑"/>
                 <a:ea typeface="微软雅黑"/>
                 <a:cs typeface="Calibri"/>
@@ -12477,31 +18166,15 @@
               <a:t>b</a:t>
             </a:r>
             <a:r>
-              <a:rPr lang="zh-CN" altLang="en-US" dirty="0">
+              <a:rPr lang="zh-CN" altLang="en-US">
                 <a:latin typeface="微软雅黑"/>
                 <a:ea typeface="微软雅黑"/>
                 <a:cs typeface="Calibri"/>
               </a:rPr>
-              <a:t>为照片像素组成的列向量，</a:t>
-            </a:r>
-            <a:r>
-              <a:rPr lang="en-US" altLang="zh-CN" dirty="0">
-                <a:latin typeface="微软雅黑"/>
-                <a:ea typeface="微软雅黑"/>
-                <a:cs typeface="Calibri"/>
-              </a:rPr>
-              <a:t>A</a:t>
-            </a:r>
-            <a:r>
-              <a:rPr lang="zh-CN" altLang="en-US" dirty="0">
-                <a:latin typeface="微软雅黑"/>
-                <a:ea typeface="微软雅黑"/>
-                <a:cs typeface="Calibri"/>
-              </a:rPr>
-              <a:t>为特征脸矩阵，将解</a:t>
-            </a:r>
-            <a:r>
-              <a:rPr lang="en-US" altLang="zh-CN" dirty="0">
+              <a:t>为照片像素组成的列向量，U1为特征脸矩阵，将解</a:t>
+            </a:r>
+            <a:r>
+              <a:rPr lang="en-US" altLang="zh-CN">
                 <a:latin typeface="微软雅黑"/>
                 <a:ea typeface="微软雅黑"/>
                 <a:cs typeface="Calibri"/>
@@ -12509,14 +18182,14 @@
               <a:t>x</a:t>
             </a:r>
             <a:r>
-              <a:rPr lang="zh-CN" altLang="en-US" dirty="0">
+              <a:rPr lang="zh-CN" altLang="en-US">
                 <a:latin typeface="微软雅黑"/>
                 <a:ea typeface="微软雅黑"/>
                 <a:cs typeface="Calibri"/>
               </a:rPr>
               <a:t>作为每张照片的坐标。</a:t>
             </a:r>
-            <a:endParaRPr lang="en-US" altLang="zh-CN" dirty="0">
+            <a:endParaRPr lang="en-US" altLang="zh-CN">
               <a:latin typeface="微软雅黑"/>
               <a:ea typeface="微软雅黑"/>
               <a:cs typeface="Calibri"/>
@@ -12526,46 +18199,14 @@
             <a:pPr marL="0" indent="0">
               <a:buNone/>
             </a:pPr>
-            <a:r>
-              <a:rPr lang="en-US" altLang="zh-CN" dirty="0">
-                <a:latin typeface="微软雅黑"/>
-                <a:ea typeface="微软雅黑"/>
-                <a:cs typeface="Calibri"/>
-              </a:rPr>
-              <a:t> </a:t>
-            </a:r>
-            <a:r>
-              <a:rPr lang="zh-CN" altLang="en-US" dirty="0">
-                <a:latin typeface="微软雅黑"/>
-                <a:ea typeface="微软雅黑"/>
-                <a:cs typeface="Calibri"/>
-              </a:rPr>
-              <a:t>对于数据集照片，回归方程的解已经存储在</a:t>
-            </a:r>
-            <a:r>
-              <a:rPr lang="en-US" altLang="zh-CN" dirty="0">
-                <a:latin typeface="微软雅黑"/>
-                <a:ea typeface="微软雅黑"/>
-                <a:cs typeface="Calibri"/>
-              </a:rPr>
-              <a:t>Vs</a:t>
-            </a:r>
-            <a:r>
-              <a:rPr lang="zh-CN" altLang="en-US" dirty="0">
-                <a:latin typeface="微软雅黑"/>
-                <a:ea typeface="微软雅黑"/>
-                <a:cs typeface="Calibri"/>
-              </a:rPr>
-              <a:t>中了。</a:t>
-            </a:r>
-            <a:endParaRPr lang="en-US" altLang="zh-CN" dirty="0">
+            <a:endParaRPr lang="zh-CN" altLang="en-US">
               <a:latin typeface="微软雅黑"/>
               <a:ea typeface="微软雅黑"/>
               <a:cs typeface="Calibri"/>
             </a:endParaRPr>
           </a:p>
           <a:p>
-            <a:endParaRPr lang="zh-CN" altLang="en-US" dirty="0">
+            <a:endParaRPr lang="zh-CN" altLang="en-US">
               <a:latin typeface="微软雅黑" panose="020B0503020204020204" pitchFamily="34" charset="-122"/>
               <a:ea typeface="微软雅黑" panose="020B0503020204020204" pitchFamily="34" charset="-122"/>
             </a:endParaRPr>

--- a/pca.pptx
+++ b/pca.pptx
@@ -5,7 +5,7 @@
     <p:sldMasterId id="2147483660" r:id="rId1"/>
   </p:sldMasterIdLst>
   <p:notesMasterIdLst>
-    <p:notesMasterId r:id="rId19"/>
+    <p:notesMasterId r:id="rId15"/>
   </p:notesMasterIdLst>
   <p:sldIdLst>
     <p:sldId id="256" r:id="rId2"/>
@@ -13,18 +13,14 @@
     <p:sldId id="264" r:id="rId4"/>
     <p:sldId id="258" r:id="rId5"/>
     <p:sldId id="259" r:id="rId6"/>
-    <p:sldId id="263" r:id="rId7"/>
-    <p:sldId id="262" r:id="rId8"/>
-    <p:sldId id="260" r:id="rId9"/>
-    <p:sldId id="265" r:id="rId10"/>
-    <p:sldId id="269" r:id="rId11"/>
-    <p:sldId id="270" r:id="rId12"/>
-    <p:sldId id="271" r:id="rId13"/>
-    <p:sldId id="272" r:id="rId14"/>
-    <p:sldId id="273" r:id="rId15"/>
-    <p:sldId id="266" r:id="rId16"/>
-    <p:sldId id="267" r:id="rId17"/>
-    <p:sldId id="274" r:id="rId18"/>
+    <p:sldId id="262" r:id="rId7"/>
+    <p:sldId id="260" r:id="rId8"/>
+    <p:sldId id="265" r:id="rId9"/>
+    <p:sldId id="269" r:id="rId10"/>
+    <p:sldId id="272" r:id="rId11"/>
+    <p:sldId id="266" r:id="rId12"/>
+    <p:sldId id="267" r:id="rId13"/>
+    <p:sldId id="274" r:id="rId14"/>
   </p:sldIdLst>
   <p:sldSz cx="12192000" cy="6858000"/>
   <p:notesSz cx="6858000" cy="9144000"/>
@@ -134,10 +130,71 @@
 <file path=ppt/revisionInfo.xml><?xml version="1.0" encoding="utf-8"?>
 <p1510:revInfo xmlns:a="http://schemas.openxmlformats.org/drawingml/2006/main" xmlns:r="http://schemas.openxmlformats.org/officeDocument/2006/relationships" xmlns:p1510="http://schemas.microsoft.com/office/powerpoint/2015/10/main">
   <p1510:revLst>
-    <p1510:client id="{9E8D9C29-B76A-EE30-EA31-1308F72E8DF5}" v="282" dt="2021-05-30T13:40:51.236"/>
-    <p1510:client id="{CEFEA734-54BC-7973-AA16-3D8CD79CD957}" v="1" dt="2021-05-30T13:08:07.659"/>
+    <p1510:client id="{8DB74FA2-91B2-54BC-8F95-645D3487CDC3}" v="161" dt="2021-05-31T13:12:35.633"/>
+    <p1510:client id="{C810D0D2-3D6A-285E-24A2-6EB78EA596A9}" v="78" dt="2021-05-31T13:44:14.843"/>
+    <p1510:client id="{E24B0467-8570-8BA1-817E-E30FEE9CE3A7}" v="997" dt="2021-05-31T14:07:15.106"/>
+    <p1510:client id="{F07F2D9A-0849-69E5-B214-30BF21F34F79}" v="426" dt="2021-05-31T12:34:26.456"/>
   </p1510:revLst>
 </p1510:revInfo>
+</file>
+
+<file path=ppt/changesInfos/changesInfo1.xml><?xml version="1.0" encoding="utf-8"?>
+<pc:chgInfo xmlns:a="http://schemas.openxmlformats.org/drawingml/2006/main" xmlns:r="http://schemas.openxmlformats.org/officeDocument/2006/relationships" xmlns:ac="http://schemas.microsoft.com/office/drawing/2013/main/command" xmlns:pc="http://schemas.microsoft.com/office/powerpoint/2013/main/command">
+  <pc:docChgLst>
+    <pc:chgData name="陈恩婷" userId="121524e8-c78b-4465-a461-3edab42cf960" providerId="ADAL" clId="{80B2935F-15CC-4C32-B2E6-5F403F19F563}"/>
+    <pc:docChg chg="modSld">
+      <pc:chgData name="陈恩婷" userId="121524e8-c78b-4465-a461-3edab42cf960" providerId="ADAL" clId="{80B2935F-15CC-4C32-B2E6-5F403F19F563}" dt="2021-05-31T15:05:21.555" v="2" actId="20577"/>
+      <pc:docMkLst>
+        <pc:docMk/>
+      </pc:docMkLst>
+      <pc:sldChg chg="modSp mod">
+        <pc:chgData name="陈恩婷" userId="121524e8-c78b-4465-a461-3edab42cf960" providerId="ADAL" clId="{80B2935F-15CC-4C32-B2E6-5F403F19F563}" dt="2021-05-31T15:05:21.555" v="2" actId="20577"/>
+        <pc:sldMkLst>
+          <pc:docMk/>
+          <pc:sldMk cId="556245329" sldId="262"/>
+        </pc:sldMkLst>
+        <pc:spChg chg="mod">
+          <ac:chgData name="陈恩婷" userId="121524e8-c78b-4465-a461-3edab42cf960" providerId="ADAL" clId="{80B2935F-15CC-4C32-B2E6-5F403F19F563}" dt="2021-05-31T15:05:21.555" v="2" actId="20577"/>
+          <ac:spMkLst>
+            <pc:docMk/>
+            <pc:sldMk cId="556245329" sldId="262"/>
+            <ac:spMk id="3" creationId="{5BC23814-9A48-468E-9573-217C43B30475}"/>
+          </ac:spMkLst>
+        </pc:spChg>
+      </pc:sldChg>
+    </pc:docChg>
+  </pc:docChgLst>
+  <pc:docChgLst>
+    <pc:chgData name="陈恩婷" userId="S::chenent@ms.sysu.edu.cn::121524e8-c78b-4465-a461-3edab42cf960" providerId="AD" clId="Web-{59CEFF97-EB38-DE3B-6EFB-4CCD832471C5}"/>
+    <pc:docChg chg="modSld">
+      <pc:chgData name="陈恩婷" userId="S::chenent@ms.sysu.edu.cn::121524e8-c78b-4465-a461-3edab42cf960" providerId="AD" clId="Web-{59CEFF97-EB38-DE3B-6EFB-4CCD832471C5}" dt="2021-05-31T14:09:37.077" v="2"/>
+      <pc:docMkLst>
+        <pc:docMk/>
+      </pc:docMkLst>
+      <pc:sldChg chg="modNotes">
+        <pc:chgData name="陈恩婷" userId="S::chenent@ms.sysu.edu.cn::121524e8-c78b-4465-a461-3edab42cf960" providerId="AD" clId="Web-{59CEFF97-EB38-DE3B-6EFB-4CCD832471C5}" dt="2021-05-31T14:09:13.853" v="0"/>
+        <pc:sldMkLst>
+          <pc:docMk/>
+          <pc:sldMk cId="4086405746" sldId="257"/>
+        </pc:sldMkLst>
+      </pc:sldChg>
+      <pc:sldChg chg="modNotes">
+        <pc:chgData name="陈恩婷" userId="S::chenent@ms.sysu.edu.cn::121524e8-c78b-4465-a461-3edab42cf960" providerId="AD" clId="Web-{59CEFF97-EB38-DE3B-6EFB-4CCD832471C5}" dt="2021-05-31T14:09:23.733" v="1"/>
+        <pc:sldMkLst>
+          <pc:docMk/>
+          <pc:sldMk cId="1946268039" sldId="259"/>
+        </pc:sldMkLst>
+      </pc:sldChg>
+      <pc:sldChg chg="modNotes">
+        <pc:chgData name="陈恩婷" userId="S::chenent@ms.sysu.edu.cn::121524e8-c78b-4465-a461-3edab42cf960" providerId="AD" clId="Web-{59CEFF97-EB38-DE3B-6EFB-4CCD832471C5}" dt="2021-05-31T14:09:37.077" v="2"/>
+        <pc:sldMkLst>
+          <pc:docMk/>
+          <pc:sldMk cId="2679156610" sldId="266"/>
+        </pc:sldMkLst>
+      </pc:sldChg>
+    </pc:docChg>
+  </pc:docChgLst>
+</pc:chgInfo>
 </file>
 
 <file path=ppt/charts/chart1.xml><?xml version="1.0" encoding="utf-8"?>
@@ -174,7 +231,7 @@
               </a:defRPr>
             </a:pPr>
             <a:r>
-              <a:rPr lang="zh-CN" altLang="en-US" sz="1800" kern="1200" dirty="0">
+              <a:rPr lang="zh-CN" altLang="en-US" sz="1800" kern="1200">
                 <a:solidFill>
                   <a:schemeClr val="tx1">
                     <a:lumMod val="75000"/>
@@ -398,7 +455,7 @@
                   </a:defRPr>
                 </a:pPr>
                 <a:r>
-                  <a:rPr lang="zh-CN" altLang="en-US" sz="1200" dirty="0">
+                  <a:rPr lang="zh-CN" altLang="en-US" sz="1200">
                     <a:latin typeface="微软雅黑" panose="020B0503020204020204" pitchFamily="34" charset="-122"/>
                     <a:ea typeface="微软雅黑" panose="020B0503020204020204" pitchFamily="34" charset="-122"/>
                   </a:rPr>
@@ -518,7 +575,7 @@
                   </a:defRPr>
                 </a:pPr>
                 <a:r>
-                  <a:rPr lang="zh-CN" altLang="en-US" sz="1100" dirty="0">
+                  <a:rPr lang="zh-CN" altLang="en-US" sz="1100">
                     <a:latin typeface="微软雅黑" panose="020B0503020204020204" pitchFamily="34" charset="-122"/>
                     <a:ea typeface="微软雅黑" panose="020B0503020204020204" pitchFamily="34" charset="-122"/>
                     <a:cs typeface="Microsoft Himalaya" panose="01010100010101010101" pitchFamily="2" charset="0"/>
@@ -842,7 +899,7 @@
           <c:smooth val="0"/>
           <c:extLst>
             <c:ext xmlns:c16="http://schemas.microsoft.com/office/drawing/2014/chart" uri="{C3380CC4-5D6E-409C-BE32-E72D297353CC}">
-              <c16:uniqueId val="{00000001-1845-4E14-9B9F-ED30AD9AD660}"/>
+              <c16:uniqueId val="{00000001-7CFC-4AB1-A0D8-EBE004D2467F}"/>
             </c:ext>
           </c:extLst>
         </c:ser>
@@ -1016,7 +1073,7 @@
                   </a:defRPr>
                 </a:pPr>
                 <a:r>
-                  <a:rPr lang="zh-CN" dirty="0"/>
+                  <a:rPr lang="zh-CN"/>
                   <a:t>识别率</a:t>
                 </a:r>
               </a:p>
@@ -2257,753 +2314,6 @@
 </file>
 
 <file path=ppt/diagrams/colors1.xml><?xml version="1.0" encoding="utf-8"?>
-<dgm:colorsDef xmlns:dgm="http://schemas.openxmlformats.org/drawingml/2006/diagram" xmlns:a="http://schemas.openxmlformats.org/drawingml/2006/main" uniqueId="urn:microsoft.com/office/officeart/2005/8/colors/accent3_2">
-  <dgm:title val=""/>
-  <dgm:desc val=""/>
-  <dgm:catLst>
-    <dgm:cat type="accent3" pri="11200"/>
-  </dgm:catLst>
-  <dgm:styleLbl name="node0">
-    <dgm:fillClrLst meth="repeat">
-      <a:schemeClr val="accent3"/>
-    </dgm:fillClrLst>
-    <dgm:linClrLst meth="repeat">
-      <a:schemeClr val="lt1"/>
-    </dgm:linClrLst>
-    <dgm:effectClrLst/>
-    <dgm:txLinClrLst/>
-    <dgm:txFillClrLst/>
-    <dgm:txEffectClrLst/>
-  </dgm:styleLbl>
-  <dgm:styleLbl name="node1">
-    <dgm:fillClrLst meth="repeat">
-      <a:schemeClr val="accent3"/>
-    </dgm:fillClrLst>
-    <dgm:linClrLst meth="repeat">
-      <a:schemeClr val="lt1"/>
-    </dgm:linClrLst>
-    <dgm:effectClrLst/>
-    <dgm:txLinClrLst/>
-    <dgm:txFillClrLst/>
-    <dgm:txEffectClrLst/>
-  </dgm:styleLbl>
-  <dgm:styleLbl name="alignNode1">
-    <dgm:fillClrLst meth="repeat">
-      <a:schemeClr val="accent3"/>
-    </dgm:fillClrLst>
-    <dgm:linClrLst meth="repeat">
-      <a:schemeClr val="accent3"/>
-    </dgm:linClrLst>
-    <dgm:effectClrLst/>
-    <dgm:txLinClrLst/>
-    <dgm:txFillClrLst/>
-    <dgm:txEffectClrLst/>
-  </dgm:styleLbl>
-  <dgm:styleLbl name="lnNode1">
-    <dgm:fillClrLst meth="repeat">
-      <a:schemeClr val="accent3"/>
-    </dgm:fillClrLst>
-    <dgm:linClrLst meth="repeat">
-      <a:schemeClr val="lt1"/>
-    </dgm:linClrLst>
-    <dgm:effectClrLst/>
-    <dgm:txLinClrLst/>
-    <dgm:txFillClrLst/>
-    <dgm:txEffectClrLst/>
-  </dgm:styleLbl>
-  <dgm:styleLbl name="vennNode1">
-    <dgm:fillClrLst meth="repeat">
-      <a:schemeClr val="accent3">
-        <a:alpha val="50000"/>
-      </a:schemeClr>
-    </dgm:fillClrLst>
-    <dgm:linClrLst meth="repeat">
-      <a:schemeClr val="lt1"/>
-    </dgm:linClrLst>
-    <dgm:effectClrLst/>
-    <dgm:txLinClrLst/>
-    <dgm:txFillClrLst/>
-    <dgm:txEffectClrLst/>
-  </dgm:styleLbl>
-  <dgm:styleLbl name="node2">
-    <dgm:fillClrLst meth="repeat">
-      <a:schemeClr val="accent3"/>
-    </dgm:fillClrLst>
-    <dgm:linClrLst meth="repeat">
-      <a:schemeClr val="lt1"/>
-    </dgm:linClrLst>
-    <dgm:effectClrLst/>
-    <dgm:txLinClrLst/>
-    <dgm:txFillClrLst/>
-    <dgm:txEffectClrLst/>
-  </dgm:styleLbl>
-  <dgm:styleLbl name="node3">
-    <dgm:fillClrLst meth="repeat">
-      <a:schemeClr val="accent3"/>
-    </dgm:fillClrLst>
-    <dgm:linClrLst meth="repeat">
-      <a:schemeClr val="lt1"/>
-    </dgm:linClrLst>
-    <dgm:effectClrLst/>
-    <dgm:txLinClrLst/>
-    <dgm:txFillClrLst/>
-    <dgm:txEffectClrLst/>
-  </dgm:styleLbl>
-  <dgm:styleLbl name="node4">
-    <dgm:fillClrLst meth="repeat">
-      <a:schemeClr val="accent3"/>
-    </dgm:fillClrLst>
-    <dgm:linClrLst meth="repeat">
-      <a:schemeClr val="lt1"/>
-    </dgm:linClrLst>
-    <dgm:effectClrLst/>
-    <dgm:txLinClrLst/>
-    <dgm:txFillClrLst/>
-    <dgm:txEffectClrLst/>
-  </dgm:styleLbl>
-  <dgm:styleLbl name="fgImgPlace1">
-    <dgm:fillClrLst meth="repeat">
-      <a:schemeClr val="accent3">
-        <a:tint val="50000"/>
-      </a:schemeClr>
-    </dgm:fillClrLst>
-    <dgm:linClrLst meth="repeat">
-      <a:schemeClr val="lt1"/>
-    </dgm:linClrLst>
-    <dgm:effectClrLst/>
-    <dgm:txLinClrLst/>
-    <dgm:txFillClrLst meth="repeat">
-      <a:schemeClr val="lt1"/>
-    </dgm:txFillClrLst>
-    <dgm:txEffectClrLst/>
-  </dgm:styleLbl>
-  <dgm:styleLbl name="alignImgPlace1">
-    <dgm:fillClrLst meth="repeat">
-      <a:schemeClr val="accent3">
-        <a:tint val="50000"/>
-      </a:schemeClr>
-    </dgm:fillClrLst>
-    <dgm:linClrLst meth="repeat">
-      <a:schemeClr val="lt1"/>
-    </dgm:linClrLst>
-    <dgm:effectClrLst/>
-    <dgm:txLinClrLst/>
-    <dgm:txFillClrLst meth="repeat">
-      <a:schemeClr val="lt1"/>
-    </dgm:txFillClrLst>
-    <dgm:txEffectClrLst/>
-  </dgm:styleLbl>
-  <dgm:styleLbl name="bgImgPlace1">
-    <dgm:fillClrLst meth="repeat">
-      <a:schemeClr val="accent3">
-        <a:tint val="50000"/>
-      </a:schemeClr>
-    </dgm:fillClrLst>
-    <dgm:linClrLst meth="repeat">
-      <a:schemeClr val="lt1"/>
-    </dgm:linClrLst>
-    <dgm:effectClrLst/>
-    <dgm:txLinClrLst/>
-    <dgm:txFillClrLst meth="repeat">
-      <a:schemeClr val="lt1"/>
-    </dgm:txFillClrLst>
-    <dgm:txEffectClrLst/>
-  </dgm:styleLbl>
-  <dgm:styleLbl name="sibTrans2D1">
-    <dgm:fillClrLst meth="repeat">
-      <a:schemeClr val="accent3">
-        <a:tint val="60000"/>
-      </a:schemeClr>
-    </dgm:fillClrLst>
-    <dgm:linClrLst meth="repeat">
-      <a:schemeClr val="accent3">
-        <a:tint val="60000"/>
-      </a:schemeClr>
-    </dgm:linClrLst>
-    <dgm:effectClrLst/>
-    <dgm:txLinClrLst/>
-    <dgm:txFillClrLst/>
-    <dgm:txEffectClrLst/>
-  </dgm:styleLbl>
-  <dgm:styleLbl name="fgSibTrans2D1">
-    <dgm:fillClrLst meth="repeat">
-      <a:schemeClr val="accent3">
-        <a:tint val="60000"/>
-      </a:schemeClr>
-    </dgm:fillClrLst>
-    <dgm:linClrLst meth="repeat">
-      <a:schemeClr val="accent3">
-        <a:tint val="60000"/>
-      </a:schemeClr>
-    </dgm:linClrLst>
-    <dgm:effectClrLst/>
-    <dgm:txLinClrLst/>
-    <dgm:txFillClrLst/>
-    <dgm:txEffectClrLst/>
-  </dgm:styleLbl>
-  <dgm:styleLbl name="bgSibTrans2D1">
-    <dgm:fillClrLst meth="repeat">
-      <a:schemeClr val="accent3">
-        <a:tint val="60000"/>
-      </a:schemeClr>
-    </dgm:fillClrLst>
-    <dgm:linClrLst meth="repeat">
-      <a:schemeClr val="accent3">
-        <a:tint val="60000"/>
-      </a:schemeClr>
-    </dgm:linClrLst>
-    <dgm:effectClrLst/>
-    <dgm:txLinClrLst/>
-    <dgm:txFillClrLst/>
-    <dgm:txEffectClrLst/>
-  </dgm:styleLbl>
-  <dgm:styleLbl name="sibTrans1D1">
-    <dgm:fillClrLst meth="repeat">
-      <a:schemeClr val="accent3"/>
-    </dgm:fillClrLst>
-    <dgm:linClrLst meth="repeat">
-      <a:schemeClr val="accent3"/>
-    </dgm:linClrLst>
-    <dgm:effectClrLst/>
-    <dgm:txLinClrLst/>
-    <dgm:txFillClrLst meth="repeat">
-      <a:schemeClr val="tx1"/>
-    </dgm:txFillClrLst>
-    <dgm:txEffectClrLst/>
-  </dgm:styleLbl>
-  <dgm:styleLbl name="callout">
-    <dgm:fillClrLst meth="repeat">
-      <a:schemeClr val="accent3"/>
-    </dgm:fillClrLst>
-    <dgm:linClrLst meth="repeat">
-      <a:schemeClr val="accent3">
-        <a:tint val="50000"/>
-      </a:schemeClr>
-    </dgm:linClrLst>
-    <dgm:effectClrLst/>
-    <dgm:txLinClrLst/>
-    <dgm:txFillClrLst meth="repeat">
-      <a:schemeClr val="tx1"/>
-    </dgm:txFillClrLst>
-    <dgm:txEffectClrLst/>
-  </dgm:styleLbl>
-  <dgm:styleLbl name="asst0">
-    <dgm:fillClrLst meth="repeat">
-      <a:schemeClr val="accent3"/>
-    </dgm:fillClrLst>
-    <dgm:linClrLst meth="repeat">
-      <a:schemeClr val="lt1"/>
-    </dgm:linClrLst>
-    <dgm:effectClrLst/>
-    <dgm:txLinClrLst/>
-    <dgm:txFillClrLst/>
-    <dgm:txEffectClrLst/>
-  </dgm:styleLbl>
-  <dgm:styleLbl name="asst1">
-    <dgm:fillClrLst meth="repeat">
-      <a:schemeClr val="accent3"/>
-    </dgm:fillClrLst>
-    <dgm:linClrLst meth="repeat">
-      <a:schemeClr val="lt1"/>
-    </dgm:linClrLst>
-    <dgm:effectClrLst/>
-    <dgm:txLinClrLst/>
-    <dgm:txFillClrLst/>
-    <dgm:txEffectClrLst/>
-  </dgm:styleLbl>
-  <dgm:styleLbl name="asst2">
-    <dgm:fillClrLst meth="repeat">
-      <a:schemeClr val="accent3"/>
-    </dgm:fillClrLst>
-    <dgm:linClrLst meth="repeat">
-      <a:schemeClr val="lt1"/>
-    </dgm:linClrLst>
-    <dgm:effectClrLst/>
-    <dgm:txLinClrLst/>
-    <dgm:txFillClrLst/>
-    <dgm:txEffectClrLst/>
-  </dgm:styleLbl>
-  <dgm:styleLbl name="asst3">
-    <dgm:fillClrLst meth="repeat">
-      <a:schemeClr val="accent3"/>
-    </dgm:fillClrLst>
-    <dgm:linClrLst meth="repeat">
-      <a:schemeClr val="lt1"/>
-    </dgm:linClrLst>
-    <dgm:effectClrLst/>
-    <dgm:txLinClrLst/>
-    <dgm:txFillClrLst/>
-    <dgm:txEffectClrLst/>
-  </dgm:styleLbl>
-  <dgm:styleLbl name="asst4">
-    <dgm:fillClrLst meth="repeat">
-      <a:schemeClr val="accent3"/>
-    </dgm:fillClrLst>
-    <dgm:linClrLst meth="repeat">
-      <a:schemeClr val="lt1"/>
-    </dgm:linClrLst>
-    <dgm:effectClrLst/>
-    <dgm:txLinClrLst/>
-    <dgm:txFillClrLst/>
-    <dgm:txEffectClrLst/>
-  </dgm:styleLbl>
-  <dgm:styleLbl name="parChTrans2D1">
-    <dgm:fillClrLst meth="repeat">
-      <a:schemeClr val="accent3">
-        <a:tint val="60000"/>
-      </a:schemeClr>
-    </dgm:fillClrLst>
-    <dgm:linClrLst meth="repeat">
-      <a:schemeClr val="accent3">
-        <a:tint val="60000"/>
-      </a:schemeClr>
-    </dgm:linClrLst>
-    <dgm:effectClrLst/>
-    <dgm:txLinClrLst/>
-    <dgm:txFillClrLst meth="repeat">
-      <a:schemeClr val="lt1"/>
-    </dgm:txFillClrLst>
-    <dgm:txEffectClrLst/>
-  </dgm:styleLbl>
-  <dgm:styleLbl name="parChTrans2D2">
-    <dgm:fillClrLst meth="repeat">
-      <a:schemeClr val="accent3"/>
-    </dgm:fillClrLst>
-    <dgm:linClrLst meth="repeat">
-      <a:schemeClr val="accent3"/>
-    </dgm:linClrLst>
-    <dgm:effectClrLst/>
-    <dgm:txLinClrLst/>
-    <dgm:txFillClrLst meth="repeat">
-      <a:schemeClr val="lt1"/>
-    </dgm:txFillClrLst>
-    <dgm:txEffectClrLst/>
-  </dgm:styleLbl>
-  <dgm:styleLbl name="parChTrans2D3">
-    <dgm:fillClrLst meth="repeat">
-      <a:schemeClr val="accent3"/>
-    </dgm:fillClrLst>
-    <dgm:linClrLst meth="repeat">
-      <a:schemeClr val="accent3"/>
-    </dgm:linClrLst>
-    <dgm:effectClrLst/>
-    <dgm:txLinClrLst/>
-    <dgm:txFillClrLst meth="repeat">
-      <a:schemeClr val="lt1"/>
-    </dgm:txFillClrLst>
-    <dgm:txEffectClrLst/>
-  </dgm:styleLbl>
-  <dgm:styleLbl name="parChTrans2D4">
-    <dgm:fillClrLst meth="repeat">
-      <a:schemeClr val="accent3"/>
-    </dgm:fillClrLst>
-    <dgm:linClrLst meth="repeat">
-      <a:schemeClr val="accent3"/>
-    </dgm:linClrLst>
-    <dgm:effectClrLst/>
-    <dgm:txLinClrLst/>
-    <dgm:txFillClrLst meth="repeat">
-      <a:schemeClr val="lt1"/>
-    </dgm:txFillClrLst>
-    <dgm:txEffectClrLst/>
-  </dgm:styleLbl>
-  <dgm:styleLbl name="parChTrans1D1">
-    <dgm:fillClrLst meth="repeat">
-      <a:schemeClr val="accent3"/>
-    </dgm:fillClrLst>
-    <dgm:linClrLst meth="repeat">
-      <a:schemeClr val="accent3">
-        <a:shade val="60000"/>
-      </a:schemeClr>
-    </dgm:linClrLst>
-    <dgm:effectClrLst/>
-    <dgm:txLinClrLst/>
-    <dgm:txFillClrLst meth="repeat">
-      <a:schemeClr val="tx1"/>
-    </dgm:txFillClrLst>
-    <dgm:txEffectClrLst/>
-  </dgm:styleLbl>
-  <dgm:styleLbl name="parChTrans1D2">
-    <dgm:fillClrLst meth="repeat">
-      <a:schemeClr val="accent3"/>
-    </dgm:fillClrLst>
-    <dgm:linClrLst meth="repeat">
-      <a:schemeClr val="accent3">
-        <a:shade val="60000"/>
-      </a:schemeClr>
-    </dgm:linClrLst>
-    <dgm:effectClrLst/>
-    <dgm:txLinClrLst/>
-    <dgm:txFillClrLst meth="repeat">
-      <a:schemeClr val="tx1"/>
-    </dgm:txFillClrLst>
-    <dgm:txEffectClrLst/>
-  </dgm:styleLbl>
-  <dgm:styleLbl name="parChTrans1D3">
-    <dgm:fillClrLst meth="repeat">
-      <a:schemeClr val="accent3"/>
-    </dgm:fillClrLst>
-    <dgm:linClrLst meth="repeat">
-      <a:schemeClr val="accent3">
-        <a:shade val="80000"/>
-      </a:schemeClr>
-    </dgm:linClrLst>
-    <dgm:effectClrLst/>
-    <dgm:txLinClrLst/>
-    <dgm:txFillClrLst meth="repeat">
-      <a:schemeClr val="tx1"/>
-    </dgm:txFillClrLst>
-    <dgm:txEffectClrLst/>
-  </dgm:styleLbl>
-  <dgm:styleLbl name="parChTrans1D4">
-    <dgm:fillClrLst meth="repeat">
-      <a:schemeClr val="accent3"/>
-    </dgm:fillClrLst>
-    <dgm:linClrLst meth="repeat">
-      <a:schemeClr val="accent3">
-        <a:shade val="80000"/>
-      </a:schemeClr>
-    </dgm:linClrLst>
-    <dgm:effectClrLst/>
-    <dgm:txLinClrLst/>
-    <dgm:txFillClrLst meth="repeat">
-      <a:schemeClr val="tx1"/>
-    </dgm:txFillClrLst>
-    <dgm:txEffectClrLst/>
-  </dgm:styleLbl>
-  <dgm:styleLbl name="fgAcc1">
-    <dgm:fillClrLst meth="repeat">
-      <a:schemeClr val="lt1">
-        <a:alpha val="90000"/>
-      </a:schemeClr>
-    </dgm:fillClrLst>
-    <dgm:linClrLst meth="repeat">
-      <a:schemeClr val="accent3"/>
-    </dgm:linClrLst>
-    <dgm:effectClrLst/>
-    <dgm:txLinClrLst/>
-    <dgm:txFillClrLst meth="repeat">
-      <a:schemeClr val="dk1"/>
-    </dgm:txFillClrLst>
-    <dgm:txEffectClrLst/>
-  </dgm:styleLbl>
-  <dgm:styleLbl name="conFgAcc1">
-    <dgm:fillClrLst meth="repeat">
-      <a:schemeClr val="lt1">
-        <a:alpha val="90000"/>
-      </a:schemeClr>
-    </dgm:fillClrLst>
-    <dgm:linClrLst meth="repeat">
-      <a:schemeClr val="accent3"/>
-    </dgm:linClrLst>
-    <dgm:effectClrLst/>
-    <dgm:txLinClrLst/>
-    <dgm:txFillClrLst meth="repeat">
-      <a:schemeClr val="dk1"/>
-    </dgm:txFillClrLst>
-    <dgm:txEffectClrLst/>
-  </dgm:styleLbl>
-  <dgm:styleLbl name="alignAcc1">
-    <dgm:fillClrLst meth="repeat">
-      <a:schemeClr val="lt1">
-        <a:alpha val="90000"/>
-      </a:schemeClr>
-    </dgm:fillClrLst>
-    <dgm:linClrLst meth="repeat">
-      <a:schemeClr val="accent3"/>
-    </dgm:linClrLst>
-    <dgm:effectClrLst/>
-    <dgm:txLinClrLst/>
-    <dgm:txFillClrLst meth="repeat">
-      <a:schemeClr val="dk1"/>
-    </dgm:txFillClrLst>
-    <dgm:txEffectClrLst/>
-  </dgm:styleLbl>
-  <dgm:styleLbl name="trAlignAcc1">
-    <dgm:fillClrLst meth="repeat">
-      <a:schemeClr val="lt1">
-        <a:alpha val="40000"/>
-      </a:schemeClr>
-    </dgm:fillClrLst>
-    <dgm:linClrLst meth="repeat">
-      <a:schemeClr val="accent3"/>
-    </dgm:linClrLst>
-    <dgm:effectClrLst/>
-    <dgm:txLinClrLst/>
-    <dgm:txFillClrLst meth="repeat">
-      <a:schemeClr val="dk1"/>
-    </dgm:txFillClrLst>
-    <dgm:txEffectClrLst/>
-  </dgm:styleLbl>
-  <dgm:styleLbl name="bgAcc1">
-    <dgm:fillClrLst meth="repeat">
-      <a:schemeClr val="lt1">
-        <a:alpha val="90000"/>
-      </a:schemeClr>
-    </dgm:fillClrLst>
-    <dgm:linClrLst meth="repeat">
-      <a:schemeClr val="accent3"/>
-    </dgm:linClrLst>
-    <dgm:effectClrLst/>
-    <dgm:txLinClrLst/>
-    <dgm:txFillClrLst meth="repeat">
-      <a:schemeClr val="dk1"/>
-    </dgm:txFillClrLst>
-    <dgm:txEffectClrLst/>
-  </dgm:styleLbl>
-  <dgm:styleLbl name="solidFgAcc1">
-    <dgm:fillClrLst meth="repeat">
-      <a:schemeClr val="lt1"/>
-    </dgm:fillClrLst>
-    <dgm:linClrLst meth="repeat">
-      <a:schemeClr val="accent3"/>
-    </dgm:linClrLst>
-    <dgm:effectClrLst/>
-    <dgm:txLinClrLst/>
-    <dgm:txFillClrLst meth="repeat">
-      <a:schemeClr val="dk1"/>
-    </dgm:txFillClrLst>
-    <dgm:txEffectClrLst/>
-  </dgm:styleLbl>
-  <dgm:styleLbl name="solidAlignAcc1">
-    <dgm:fillClrLst meth="repeat">
-      <a:schemeClr val="lt1"/>
-    </dgm:fillClrLst>
-    <dgm:linClrLst meth="repeat">
-      <a:schemeClr val="accent3"/>
-    </dgm:linClrLst>
-    <dgm:effectClrLst/>
-    <dgm:txLinClrLst/>
-    <dgm:txFillClrLst meth="repeat">
-      <a:schemeClr val="dk1"/>
-    </dgm:txFillClrLst>
-    <dgm:txEffectClrLst/>
-  </dgm:styleLbl>
-  <dgm:styleLbl name="solidBgAcc1">
-    <dgm:fillClrLst meth="repeat">
-      <a:schemeClr val="lt1"/>
-    </dgm:fillClrLst>
-    <dgm:linClrLst meth="repeat">
-      <a:schemeClr val="accent3"/>
-    </dgm:linClrLst>
-    <dgm:effectClrLst/>
-    <dgm:txLinClrLst/>
-    <dgm:txFillClrLst meth="repeat">
-      <a:schemeClr val="dk1"/>
-    </dgm:txFillClrLst>
-    <dgm:txEffectClrLst/>
-  </dgm:styleLbl>
-  <dgm:styleLbl name="fgAccFollowNode1">
-    <dgm:fillClrLst meth="repeat">
-      <a:schemeClr val="accent3">
-        <a:alpha val="90000"/>
-        <a:tint val="40000"/>
-      </a:schemeClr>
-    </dgm:fillClrLst>
-    <dgm:linClrLst meth="repeat">
-      <a:schemeClr val="accent3">
-        <a:alpha val="90000"/>
-        <a:tint val="40000"/>
-      </a:schemeClr>
-    </dgm:linClrLst>
-    <dgm:effectClrLst/>
-    <dgm:txLinClrLst/>
-    <dgm:txFillClrLst meth="repeat">
-      <a:schemeClr val="dk1"/>
-    </dgm:txFillClrLst>
-    <dgm:txEffectClrLst/>
-  </dgm:styleLbl>
-  <dgm:styleLbl name="alignAccFollowNode1">
-    <dgm:fillClrLst meth="repeat">
-      <a:schemeClr val="accent3">
-        <a:alpha val="90000"/>
-        <a:tint val="40000"/>
-      </a:schemeClr>
-    </dgm:fillClrLst>
-    <dgm:linClrLst meth="repeat">
-      <a:schemeClr val="accent3">
-        <a:alpha val="90000"/>
-        <a:tint val="40000"/>
-      </a:schemeClr>
-    </dgm:linClrLst>
-    <dgm:effectClrLst/>
-    <dgm:txLinClrLst/>
-    <dgm:txFillClrLst meth="repeat">
-      <a:schemeClr val="dk1"/>
-    </dgm:txFillClrLst>
-    <dgm:txEffectClrLst/>
-  </dgm:styleLbl>
-  <dgm:styleLbl name="bgAccFollowNode1">
-    <dgm:fillClrLst meth="repeat">
-      <a:schemeClr val="accent3">
-        <a:alpha val="90000"/>
-        <a:tint val="40000"/>
-      </a:schemeClr>
-    </dgm:fillClrLst>
-    <dgm:linClrLst meth="repeat">
-      <a:schemeClr val="accent3">
-        <a:alpha val="90000"/>
-        <a:tint val="40000"/>
-      </a:schemeClr>
-    </dgm:linClrLst>
-    <dgm:effectClrLst/>
-    <dgm:txLinClrLst/>
-    <dgm:txFillClrLst meth="repeat">
-      <a:schemeClr val="dk1"/>
-    </dgm:txFillClrLst>
-    <dgm:txEffectClrLst/>
-  </dgm:styleLbl>
-  <dgm:styleLbl name="fgAcc0">
-    <dgm:fillClrLst meth="repeat">
-      <a:schemeClr val="lt1">
-        <a:alpha val="90000"/>
-      </a:schemeClr>
-    </dgm:fillClrLst>
-    <dgm:linClrLst meth="repeat">
-      <a:schemeClr val="accent3"/>
-    </dgm:linClrLst>
-    <dgm:effectClrLst/>
-    <dgm:txLinClrLst/>
-    <dgm:txFillClrLst meth="repeat">
-      <a:schemeClr val="dk1"/>
-    </dgm:txFillClrLst>
-    <dgm:txEffectClrLst/>
-  </dgm:styleLbl>
-  <dgm:styleLbl name="fgAcc2">
-    <dgm:fillClrLst meth="repeat">
-      <a:schemeClr val="lt1">
-        <a:alpha val="90000"/>
-      </a:schemeClr>
-    </dgm:fillClrLst>
-    <dgm:linClrLst meth="repeat">
-      <a:schemeClr val="accent3"/>
-    </dgm:linClrLst>
-    <dgm:effectClrLst/>
-    <dgm:txLinClrLst/>
-    <dgm:txFillClrLst meth="repeat">
-      <a:schemeClr val="dk1"/>
-    </dgm:txFillClrLst>
-    <dgm:txEffectClrLst/>
-  </dgm:styleLbl>
-  <dgm:styleLbl name="fgAcc3">
-    <dgm:fillClrLst meth="repeat">
-      <a:schemeClr val="lt1">
-        <a:alpha val="90000"/>
-      </a:schemeClr>
-    </dgm:fillClrLst>
-    <dgm:linClrLst meth="repeat">
-      <a:schemeClr val="accent3"/>
-    </dgm:linClrLst>
-    <dgm:effectClrLst/>
-    <dgm:txLinClrLst/>
-    <dgm:txFillClrLst meth="repeat">
-      <a:schemeClr val="dk1"/>
-    </dgm:txFillClrLst>
-    <dgm:txEffectClrLst/>
-  </dgm:styleLbl>
-  <dgm:styleLbl name="fgAcc4">
-    <dgm:fillClrLst meth="repeat">
-      <a:schemeClr val="lt1">
-        <a:alpha val="90000"/>
-      </a:schemeClr>
-    </dgm:fillClrLst>
-    <dgm:linClrLst meth="repeat">
-      <a:schemeClr val="accent3"/>
-    </dgm:linClrLst>
-    <dgm:effectClrLst/>
-    <dgm:txLinClrLst/>
-    <dgm:txFillClrLst meth="repeat">
-      <a:schemeClr val="dk1"/>
-    </dgm:txFillClrLst>
-    <dgm:txEffectClrLst/>
-  </dgm:styleLbl>
-  <dgm:styleLbl name="bgShp">
-    <dgm:fillClrLst meth="repeat">
-      <a:schemeClr val="accent3">
-        <a:tint val="40000"/>
-      </a:schemeClr>
-    </dgm:fillClrLst>
-    <dgm:linClrLst meth="repeat">
-      <a:schemeClr val="accent3"/>
-    </dgm:linClrLst>
-    <dgm:effectClrLst/>
-    <dgm:txLinClrLst/>
-    <dgm:txFillClrLst meth="repeat">
-      <a:schemeClr val="dk1"/>
-    </dgm:txFillClrLst>
-    <dgm:txEffectClrLst/>
-  </dgm:styleLbl>
-  <dgm:styleLbl name="dkBgShp">
-    <dgm:fillClrLst meth="repeat">
-      <a:schemeClr val="accent3">
-        <a:shade val="80000"/>
-      </a:schemeClr>
-    </dgm:fillClrLst>
-    <dgm:linClrLst meth="repeat">
-      <a:schemeClr val="accent3"/>
-    </dgm:linClrLst>
-    <dgm:effectClrLst/>
-    <dgm:txLinClrLst/>
-    <dgm:txFillClrLst meth="repeat">
-      <a:schemeClr val="lt1"/>
-    </dgm:txFillClrLst>
-    <dgm:txEffectClrLst/>
-  </dgm:styleLbl>
-  <dgm:styleLbl name="trBgShp">
-    <dgm:fillClrLst meth="repeat">
-      <a:schemeClr val="accent3">
-        <a:tint val="50000"/>
-        <a:alpha val="40000"/>
-      </a:schemeClr>
-    </dgm:fillClrLst>
-    <dgm:linClrLst meth="repeat">
-      <a:schemeClr val="accent3"/>
-    </dgm:linClrLst>
-    <dgm:effectClrLst/>
-    <dgm:txLinClrLst/>
-    <dgm:txFillClrLst meth="repeat">
-      <a:schemeClr val="lt1"/>
-    </dgm:txFillClrLst>
-    <dgm:txEffectClrLst/>
-  </dgm:styleLbl>
-  <dgm:styleLbl name="fgShp">
-    <dgm:fillClrLst meth="repeat">
-      <a:schemeClr val="accent3">
-        <a:tint val="60000"/>
-      </a:schemeClr>
-    </dgm:fillClrLst>
-    <dgm:linClrLst meth="repeat">
-      <a:schemeClr val="lt1"/>
-    </dgm:linClrLst>
-    <dgm:effectClrLst/>
-    <dgm:txLinClrLst/>
-    <dgm:txFillClrLst meth="repeat">
-      <a:schemeClr val="dk1"/>
-    </dgm:txFillClrLst>
-    <dgm:txEffectClrLst/>
-  </dgm:styleLbl>
-  <dgm:styleLbl name="revTx">
-    <dgm:fillClrLst meth="repeat">
-      <a:schemeClr val="lt1">
-        <a:alpha val="0"/>
-      </a:schemeClr>
-    </dgm:fillClrLst>
-    <dgm:linClrLst meth="repeat">
-      <a:schemeClr val="dk1">
-        <a:alpha val="0"/>
-      </a:schemeClr>
-    </dgm:linClrLst>
-    <dgm:effectClrLst/>
-    <dgm:txLinClrLst/>
-    <dgm:txFillClrLst meth="repeat">
-      <a:schemeClr val="tx1"/>
-    </dgm:txFillClrLst>
-    <dgm:txEffectClrLst/>
-  </dgm:styleLbl>
-</dgm:colorsDef>
-</file>
-
-<file path=ppt/diagrams/colors2.xml><?xml version="1.0" encoding="utf-8"?>
 <dgm:colorsDef xmlns:dgm="http://schemas.openxmlformats.org/drawingml/2006/diagram" xmlns:a="http://schemas.openxmlformats.org/drawingml/2006/main" uniqueId="urn:microsoft.com/office/officeart/2005/8/colors/colorful2">
   <dgm:title val=""/>
   <dgm:desc val=""/>
@@ -3785,157 +3095,799 @@
 </dgm:colorsDef>
 </file>
 
+<file path=ppt/diagrams/colors2.xml><?xml version="1.0" encoding="utf-8"?>
+<dgm:colorsDef xmlns:dgm="http://schemas.openxmlformats.org/drawingml/2006/diagram" xmlns:a="http://schemas.openxmlformats.org/drawingml/2006/main" uniqueId="urn:microsoft.com/office/officeart/2005/8/colors/colorful2">
+  <dgm:title val=""/>
+  <dgm:desc val=""/>
+  <dgm:catLst>
+    <dgm:cat type="colorful" pri="10200"/>
+  </dgm:catLst>
+  <dgm:styleLbl name="node0">
+    <dgm:fillClrLst meth="repeat">
+      <a:schemeClr val="accent1"/>
+    </dgm:fillClrLst>
+    <dgm:linClrLst meth="repeat">
+      <a:schemeClr val="lt1"/>
+    </dgm:linClrLst>
+    <dgm:effectClrLst/>
+    <dgm:txLinClrLst/>
+    <dgm:txFillClrLst/>
+    <dgm:txEffectClrLst/>
+  </dgm:styleLbl>
+  <dgm:styleLbl name="node1">
+    <dgm:fillClrLst>
+      <a:schemeClr val="accent2"/>
+      <a:schemeClr val="accent3"/>
+    </dgm:fillClrLst>
+    <dgm:linClrLst meth="repeat">
+      <a:schemeClr val="lt1"/>
+    </dgm:linClrLst>
+    <dgm:effectClrLst/>
+    <dgm:txLinClrLst/>
+    <dgm:txFillClrLst/>
+    <dgm:txEffectClrLst/>
+  </dgm:styleLbl>
+  <dgm:styleLbl name="alignNode1">
+    <dgm:fillClrLst>
+      <a:schemeClr val="accent2"/>
+      <a:schemeClr val="accent3"/>
+    </dgm:fillClrLst>
+    <dgm:linClrLst>
+      <a:schemeClr val="accent2"/>
+      <a:schemeClr val="accent3"/>
+    </dgm:linClrLst>
+    <dgm:effectClrLst/>
+    <dgm:txLinClrLst/>
+    <dgm:txFillClrLst/>
+    <dgm:txEffectClrLst/>
+  </dgm:styleLbl>
+  <dgm:styleLbl name="lnNode1">
+    <dgm:fillClrLst>
+      <a:schemeClr val="accent2"/>
+      <a:schemeClr val="accent3"/>
+    </dgm:fillClrLst>
+    <dgm:linClrLst meth="repeat">
+      <a:schemeClr val="lt1"/>
+    </dgm:linClrLst>
+    <dgm:effectClrLst/>
+    <dgm:txLinClrLst/>
+    <dgm:txFillClrLst/>
+    <dgm:txEffectClrLst/>
+  </dgm:styleLbl>
+  <dgm:styleLbl name="vennNode1">
+    <dgm:fillClrLst>
+      <a:schemeClr val="accent2">
+        <a:alpha val="50000"/>
+      </a:schemeClr>
+      <a:schemeClr val="accent3">
+        <a:alpha val="50000"/>
+      </a:schemeClr>
+    </dgm:fillClrLst>
+    <dgm:linClrLst meth="repeat">
+      <a:schemeClr val="lt1"/>
+    </dgm:linClrLst>
+    <dgm:effectClrLst/>
+    <dgm:txLinClrLst/>
+    <dgm:txFillClrLst/>
+    <dgm:txEffectClrLst/>
+  </dgm:styleLbl>
+  <dgm:styleLbl name="node2">
+    <dgm:fillClrLst>
+      <a:schemeClr val="accent3"/>
+    </dgm:fillClrLst>
+    <dgm:linClrLst meth="repeat">
+      <a:schemeClr val="lt1"/>
+    </dgm:linClrLst>
+    <dgm:effectClrLst/>
+    <dgm:txLinClrLst/>
+    <dgm:txFillClrLst/>
+    <dgm:txEffectClrLst/>
+  </dgm:styleLbl>
+  <dgm:styleLbl name="node3">
+    <dgm:fillClrLst>
+      <a:schemeClr val="accent4"/>
+    </dgm:fillClrLst>
+    <dgm:linClrLst meth="repeat">
+      <a:schemeClr val="lt1"/>
+    </dgm:linClrLst>
+    <dgm:effectClrLst/>
+    <dgm:txLinClrLst/>
+    <dgm:txFillClrLst/>
+    <dgm:txEffectClrLst/>
+  </dgm:styleLbl>
+  <dgm:styleLbl name="node4">
+    <dgm:fillClrLst>
+      <a:schemeClr val="accent5"/>
+    </dgm:fillClrLst>
+    <dgm:linClrLst meth="repeat">
+      <a:schemeClr val="lt1"/>
+    </dgm:linClrLst>
+    <dgm:effectClrLst/>
+    <dgm:txLinClrLst/>
+    <dgm:txFillClrLst/>
+    <dgm:txEffectClrLst/>
+  </dgm:styleLbl>
+  <dgm:styleLbl name="fgImgPlace1">
+    <dgm:fillClrLst>
+      <a:schemeClr val="accent2">
+        <a:tint val="50000"/>
+      </a:schemeClr>
+      <a:schemeClr val="accent3">
+        <a:tint val="50000"/>
+      </a:schemeClr>
+    </dgm:fillClrLst>
+    <dgm:linClrLst meth="repeat">
+      <a:schemeClr val="lt1"/>
+    </dgm:linClrLst>
+    <dgm:effectClrLst/>
+    <dgm:txLinClrLst/>
+    <dgm:txFillClrLst meth="repeat">
+      <a:schemeClr val="lt1"/>
+    </dgm:txFillClrLst>
+    <dgm:txEffectClrLst/>
+  </dgm:styleLbl>
+  <dgm:styleLbl name="alignImgPlace1">
+    <dgm:fillClrLst>
+      <a:schemeClr val="accent2">
+        <a:tint val="50000"/>
+      </a:schemeClr>
+      <a:schemeClr val="accent3">
+        <a:tint val="20000"/>
+      </a:schemeClr>
+    </dgm:fillClrLst>
+    <dgm:linClrLst meth="repeat">
+      <a:schemeClr val="lt1"/>
+    </dgm:linClrLst>
+    <dgm:effectClrLst/>
+    <dgm:txLinClrLst/>
+    <dgm:txFillClrLst meth="repeat">
+      <a:schemeClr val="lt1"/>
+    </dgm:txFillClrLst>
+    <dgm:txEffectClrLst/>
+  </dgm:styleLbl>
+  <dgm:styleLbl name="bgImgPlace1">
+    <dgm:fillClrLst>
+      <a:schemeClr val="accent2">
+        <a:tint val="50000"/>
+      </a:schemeClr>
+      <a:schemeClr val="accent3">
+        <a:tint val="20000"/>
+      </a:schemeClr>
+    </dgm:fillClrLst>
+    <dgm:linClrLst meth="repeat">
+      <a:schemeClr val="lt1"/>
+    </dgm:linClrLst>
+    <dgm:effectClrLst/>
+    <dgm:txLinClrLst/>
+    <dgm:txFillClrLst meth="repeat">
+      <a:schemeClr val="lt1"/>
+    </dgm:txFillClrLst>
+    <dgm:txEffectClrLst/>
+  </dgm:styleLbl>
+  <dgm:styleLbl name="sibTrans2D1">
+    <dgm:fillClrLst>
+      <a:schemeClr val="accent2"/>
+      <a:schemeClr val="accent3"/>
+    </dgm:fillClrLst>
+    <dgm:linClrLst meth="repeat">
+      <a:schemeClr val="lt1"/>
+    </dgm:linClrLst>
+    <dgm:effectClrLst/>
+    <dgm:txLinClrLst/>
+    <dgm:txFillClrLst/>
+    <dgm:txEffectClrLst/>
+  </dgm:styleLbl>
+  <dgm:styleLbl name="fgSibTrans2D1">
+    <dgm:fillClrLst>
+      <a:schemeClr val="accent2"/>
+      <a:schemeClr val="accent3"/>
+    </dgm:fillClrLst>
+    <dgm:linClrLst meth="repeat">
+      <a:schemeClr val="lt1"/>
+    </dgm:linClrLst>
+    <dgm:effectClrLst/>
+    <dgm:txLinClrLst/>
+    <dgm:txFillClrLst meth="repeat">
+      <a:schemeClr val="lt1"/>
+    </dgm:txFillClrLst>
+    <dgm:txEffectClrLst/>
+  </dgm:styleLbl>
+  <dgm:styleLbl name="bgSibTrans2D1">
+    <dgm:fillClrLst>
+      <a:schemeClr val="accent2"/>
+      <a:schemeClr val="accent3"/>
+    </dgm:fillClrLst>
+    <dgm:linClrLst meth="repeat">
+      <a:schemeClr val="lt1"/>
+    </dgm:linClrLst>
+    <dgm:effectClrLst/>
+    <dgm:txLinClrLst/>
+    <dgm:txFillClrLst meth="repeat">
+      <a:schemeClr val="lt1"/>
+    </dgm:txFillClrLst>
+    <dgm:txEffectClrLst/>
+  </dgm:styleLbl>
+  <dgm:styleLbl name="sibTrans1D1">
+    <dgm:fillClrLst/>
+    <dgm:linClrLst>
+      <a:schemeClr val="accent2"/>
+      <a:schemeClr val="accent3"/>
+    </dgm:linClrLst>
+    <dgm:effectClrLst/>
+    <dgm:txLinClrLst/>
+    <dgm:txFillClrLst meth="repeat">
+      <a:schemeClr val="tx1"/>
+    </dgm:txFillClrLst>
+    <dgm:txEffectClrLst/>
+  </dgm:styleLbl>
+  <dgm:styleLbl name="callout">
+    <dgm:fillClrLst meth="repeat">
+      <a:schemeClr val="accent2"/>
+    </dgm:fillClrLst>
+    <dgm:linClrLst meth="repeat">
+      <a:schemeClr val="accent2">
+        <a:tint val="50000"/>
+      </a:schemeClr>
+    </dgm:linClrLst>
+    <dgm:effectClrLst/>
+    <dgm:txLinClrLst/>
+    <dgm:txFillClrLst meth="repeat">
+      <a:schemeClr val="tx1"/>
+    </dgm:txFillClrLst>
+    <dgm:txEffectClrLst/>
+  </dgm:styleLbl>
+  <dgm:styleLbl name="asst0">
+    <dgm:fillClrLst meth="repeat">
+      <a:schemeClr val="accent2"/>
+    </dgm:fillClrLst>
+    <dgm:linClrLst meth="repeat">
+      <a:schemeClr val="lt1">
+        <a:shade val="80000"/>
+      </a:schemeClr>
+    </dgm:linClrLst>
+    <dgm:effectClrLst/>
+    <dgm:txLinClrLst/>
+    <dgm:txFillClrLst/>
+    <dgm:txEffectClrLst/>
+  </dgm:styleLbl>
+  <dgm:styleLbl name="asst1">
+    <dgm:fillClrLst meth="repeat">
+      <a:schemeClr val="accent3"/>
+    </dgm:fillClrLst>
+    <dgm:linClrLst meth="repeat">
+      <a:schemeClr val="lt1">
+        <a:shade val="80000"/>
+      </a:schemeClr>
+    </dgm:linClrLst>
+    <dgm:effectClrLst/>
+    <dgm:txLinClrLst/>
+    <dgm:txFillClrLst/>
+    <dgm:txEffectClrLst/>
+  </dgm:styleLbl>
+  <dgm:styleLbl name="asst2">
+    <dgm:fillClrLst>
+      <a:schemeClr val="accent4"/>
+    </dgm:fillClrLst>
+    <dgm:linClrLst meth="repeat">
+      <a:schemeClr val="lt1"/>
+    </dgm:linClrLst>
+    <dgm:effectClrLst/>
+    <dgm:txLinClrLst/>
+    <dgm:txFillClrLst/>
+    <dgm:txEffectClrLst/>
+  </dgm:styleLbl>
+  <dgm:styleLbl name="asst3">
+    <dgm:fillClrLst>
+      <a:schemeClr val="accent5"/>
+    </dgm:fillClrLst>
+    <dgm:linClrLst meth="repeat">
+      <a:schemeClr val="lt1"/>
+    </dgm:linClrLst>
+    <dgm:effectClrLst/>
+    <dgm:txLinClrLst/>
+    <dgm:txFillClrLst/>
+    <dgm:txEffectClrLst/>
+  </dgm:styleLbl>
+  <dgm:styleLbl name="asst4">
+    <dgm:fillClrLst>
+      <a:schemeClr val="accent6"/>
+    </dgm:fillClrLst>
+    <dgm:linClrLst meth="repeat">
+      <a:schemeClr val="lt1"/>
+    </dgm:linClrLst>
+    <dgm:effectClrLst/>
+    <dgm:txLinClrLst/>
+    <dgm:txFillClrLst/>
+    <dgm:txEffectClrLst/>
+  </dgm:styleLbl>
+  <dgm:styleLbl name="parChTrans2D1">
+    <dgm:fillClrLst meth="repeat">
+      <a:schemeClr val="accent2"/>
+    </dgm:fillClrLst>
+    <dgm:linClrLst meth="repeat">
+      <a:schemeClr val="lt1"/>
+    </dgm:linClrLst>
+    <dgm:effectClrLst/>
+    <dgm:txLinClrLst/>
+    <dgm:txFillClrLst meth="repeat">
+      <a:schemeClr val="lt1"/>
+    </dgm:txFillClrLst>
+    <dgm:txEffectClrLst/>
+  </dgm:styleLbl>
+  <dgm:styleLbl name="parChTrans2D2">
+    <dgm:fillClrLst meth="repeat">
+      <a:schemeClr val="accent3"/>
+    </dgm:fillClrLst>
+    <dgm:linClrLst meth="repeat">
+      <a:schemeClr val="lt1"/>
+    </dgm:linClrLst>
+    <dgm:effectClrLst/>
+    <dgm:txLinClrLst/>
+    <dgm:txFillClrLst/>
+    <dgm:txEffectClrLst/>
+  </dgm:styleLbl>
+  <dgm:styleLbl name="parChTrans2D3">
+    <dgm:fillClrLst meth="repeat">
+      <a:schemeClr val="accent4"/>
+    </dgm:fillClrLst>
+    <dgm:linClrLst meth="repeat">
+      <a:schemeClr val="lt1"/>
+    </dgm:linClrLst>
+    <dgm:effectClrLst/>
+    <dgm:txLinClrLst/>
+    <dgm:txFillClrLst/>
+    <dgm:txEffectClrLst/>
+  </dgm:styleLbl>
+  <dgm:styleLbl name="parChTrans2D4">
+    <dgm:fillClrLst meth="repeat">
+      <a:schemeClr val="accent5"/>
+    </dgm:fillClrLst>
+    <dgm:linClrLst meth="repeat">
+      <a:schemeClr val="lt1"/>
+    </dgm:linClrLst>
+    <dgm:effectClrLst/>
+    <dgm:txLinClrLst/>
+    <dgm:txFillClrLst meth="repeat">
+      <a:schemeClr val="lt1"/>
+    </dgm:txFillClrLst>
+    <dgm:txEffectClrLst/>
+  </dgm:styleLbl>
+  <dgm:styleLbl name="parChTrans1D1">
+    <dgm:fillClrLst meth="repeat">
+      <a:schemeClr val="accent2"/>
+    </dgm:fillClrLst>
+    <dgm:linClrLst meth="repeat">
+      <a:schemeClr val="accent2"/>
+    </dgm:linClrLst>
+    <dgm:effectClrLst/>
+    <dgm:txLinClrLst/>
+    <dgm:txFillClrLst meth="repeat">
+      <a:schemeClr val="tx1"/>
+    </dgm:txFillClrLst>
+    <dgm:txEffectClrLst/>
+  </dgm:styleLbl>
+  <dgm:styleLbl name="parChTrans1D2">
+    <dgm:fillClrLst meth="repeat">
+      <a:schemeClr val="accent2">
+        <a:tint val="90000"/>
+      </a:schemeClr>
+    </dgm:fillClrLst>
+    <dgm:linClrLst meth="repeat">
+      <a:schemeClr val="accent3"/>
+    </dgm:linClrLst>
+    <dgm:effectClrLst/>
+    <dgm:txLinClrLst/>
+    <dgm:txFillClrLst meth="repeat">
+      <a:schemeClr val="tx1"/>
+    </dgm:txFillClrLst>
+    <dgm:txEffectClrLst/>
+  </dgm:styleLbl>
+  <dgm:styleLbl name="parChTrans1D3">
+    <dgm:fillClrLst meth="repeat">
+      <a:schemeClr val="accent2">
+        <a:tint val="70000"/>
+      </a:schemeClr>
+    </dgm:fillClrLst>
+    <dgm:linClrLst meth="repeat">
+      <a:schemeClr val="accent4"/>
+    </dgm:linClrLst>
+    <dgm:effectClrLst/>
+    <dgm:txLinClrLst/>
+    <dgm:txFillClrLst meth="repeat">
+      <a:schemeClr val="tx1"/>
+    </dgm:txFillClrLst>
+    <dgm:txEffectClrLst/>
+  </dgm:styleLbl>
+  <dgm:styleLbl name="parChTrans1D4">
+    <dgm:fillClrLst meth="repeat">
+      <a:schemeClr val="accent2">
+        <a:tint val="50000"/>
+      </a:schemeClr>
+    </dgm:fillClrLst>
+    <dgm:linClrLst meth="repeat">
+      <a:schemeClr val="accent5"/>
+    </dgm:linClrLst>
+    <dgm:effectClrLst/>
+    <dgm:txLinClrLst/>
+    <dgm:txFillClrLst meth="repeat">
+      <a:schemeClr val="tx1"/>
+    </dgm:txFillClrLst>
+    <dgm:txEffectClrLst/>
+  </dgm:styleLbl>
+  <dgm:styleLbl name="fgAcc1">
+    <dgm:fillClrLst meth="repeat">
+      <a:schemeClr val="lt1">
+        <a:alpha val="90000"/>
+      </a:schemeClr>
+    </dgm:fillClrLst>
+    <dgm:linClrLst>
+      <a:schemeClr val="accent2"/>
+      <a:schemeClr val="accent3"/>
+    </dgm:linClrLst>
+    <dgm:effectClrLst/>
+    <dgm:txLinClrLst/>
+    <dgm:txFillClrLst meth="repeat">
+      <a:schemeClr val="dk1"/>
+    </dgm:txFillClrLst>
+    <dgm:txEffectClrLst/>
+  </dgm:styleLbl>
+  <dgm:styleLbl name="conFgAcc1">
+    <dgm:fillClrLst meth="repeat">
+      <a:schemeClr val="lt1">
+        <a:alpha val="90000"/>
+      </a:schemeClr>
+    </dgm:fillClrLst>
+    <dgm:linClrLst>
+      <a:schemeClr val="accent2"/>
+      <a:schemeClr val="accent3"/>
+    </dgm:linClrLst>
+    <dgm:effectClrLst/>
+    <dgm:txLinClrLst/>
+    <dgm:txFillClrLst meth="repeat">
+      <a:schemeClr val="dk1"/>
+    </dgm:txFillClrLst>
+    <dgm:txEffectClrLst/>
+  </dgm:styleLbl>
+  <dgm:styleLbl name="alignAcc1">
+    <dgm:fillClrLst meth="repeat">
+      <a:schemeClr val="lt1">
+        <a:alpha val="90000"/>
+      </a:schemeClr>
+    </dgm:fillClrLst>
+    <dgm:linClrLst>
+      <a:schemeClr val="accent2"/>
+      <a:schemeClr val="accent3"/>
+    </dgm:linClrLst>
+    <dgm:effectClrLst/>
+    <dgm:txLinClrLst/>
+    <dgm:txFillClrLst meth="repeat">
+      <a:schemeClr val="dk1"/>
+    </dgm:txFillClrLst>
+    <dgm:txEffectClrLst/>
+  </dgm:styleLbl>
+  <dgm:styleLbl name="trAlignAcc1">
+    <dgm:fillClrLst meth="repeat">
+      <a:schemeClr val="lt1">
+        <a:alpha val="40000"/>
+      </a:schemeClr>
+    </dgm:fillClrLst>
+    <dgm:linClrLst meth="repeat">
+      <a:schemeClr val="accent2"/>
+    </dgm:linClrLst>
+    <dgm:effectClrLst/>
+    <dgm:txLinClrLst/>
+    <dgm:txFillClrLst meth="repeat">
+      <a:schemeClr val="dk1"/>
+    </dgm:txFillClrLst>
+    <dgm:txEffectClrLst/>
+  </dgm:styleLbl>
+  <dgm:styleLbl name="bgAcc1">
+    <dgm:fillClrLst meth="repeat">
+      <a:schemeClr val="lt1">
+        <a:alpha val="90000"/>
+      </a:schemeClr>
+    </dgm:fillClrLst>
+    <dgm:linClrLst>
+      <a:schemeClr val="accent2"/>
+      <a:schemeClr val="accent3"/>
+    </dgm:linClrLst>
+    <dgm:effectClrLst/>
+    <dgm:txLinClrLst/>
+    <dgm:txFillClrLst meth="repeat">
+      <a:schemeClr val="dk1"/>
+    </dgm:txFillClrLst>
+    <dgm:txEffectClrLst/>
+  </dgm:styleLbl>
+  <dgm:styleLbl name="solidFgAcc1">
+    <dgm:fillClrLst meth="repeat">
+      <a:schemeClr val="lt1"/>
+    </dgm:fillClrLst>
+    <dgm:linClrLst>
+      <a:schemeClr val="accent2"/>
+      <a:schemeClr val="accent3"/>
+    </dgm:linClrLst>
+    <dgm:effectClrLst/>
+    <dgm:txLinClrLst/>
+    <dgm:txFillClrLst meth="repeat">
+      <a:schemeClr val="dk1"/>
+    </dgm:txFillClrLst>
+    <dgm:txEffectClrLst/>
+  </dgm:styleLbl>
+  <dgm:styleLbl name="solidAlignAcc1">
+    <dgm:fillClrLst meth="repeat">
+      <a:schemeClr val="lt1"/>
+    </dgm:fillClrLst>
+    <dgm:linClrLst>
+      <a:schemeClr val="accent2"/>
+      <a:schemeClr val="accent3"/>
+    </dgm:linClrLst>
+    <dgm:effectClrLst/>
+    <dgm:txLinClrLst/>
+    <dgm:txFillClrLst meth="repeat">
+      <a:schemeClr val="dk1"/>
+    </dgm:txFillClrLst>
+    <dgm:txEffectClrLst/>
+  </dgm:styleLbl>
+  <dgm:styleLbl name="solidBgAcc1">
+    <dgm:fillClrLst meth="repeat">
+      <a:schemeClr val="lt1"/>
+    </dgm:fillClrLst>
+    <dgm:linClrLst>
+      <a:schemeClr val="accent2"/>
+      <a:schemeClr val="accent3"/>
+    </dgm:linClrLst>
+    <dgm:effectClrLst/>
+    <dgm:txLinClrLst/>
+    <dgm:txFillClrLst meth="repeat">
+      <a:schemeClr val="dk1"/>
+    </dgm:txFillClrLst>
+    <dgm:txEffectClrLst/>
+  </dgm:styleLbl>
+  <dgm:styleLbl name="fgAccFollowNode1">
+    <dgm:fillClrLst>
+      <a:schemeClr val="accent2">
+        <a:tint val="40000"/>
+        <a:alpha val="90000"/>
+      </a:schemeClr>
+      <a:schemeClr val="accent3">
+        <a:tint val="40000"/>
+        <a:alpha val="90000"/>
+      </a:schemeClr>
+    </dgm:fillClrLst>
+    <dgm:linClrLst>
+      <a:schemeClr val="accent2">
+        <a:tint val="40000"/>
+        <a:alpha val="90000"/>
+      </a:schemeClr>
+      <a:schemeClr val="accent3">
+        <a:tint val="40000"/>
+        <a:alpha val="90000"/>
+      </a:schemeClr>
+    </dgm:linClrLst>
+    <dgm:effectClrLst/>
+    <dgm:txLinClrLst/>
+    <dgm:txFillClrLst meth="repeat">
+      <a:schemeClr val="dk1"/>
+    </dgm:txFillClrLst>
+    <dgm:txEffectClrLst/>
+  </dgm:styleLbl>
+  <dgm:styleLbl name="alignAccFollowNode1">
+    <dgm:fillClrLst>
+      <a:schemeClr val="accent2">
+        <a:tint val="40000"/>
+        <a:alpha val="90000"/>
+      </a:schemeClr>
+      <a:schemeClr val="accent3">
+        <a:tint val="40000"/>
+        <a:alpha val="90000"/>
+      </a:schemeClr>
+    </dgm:fillClrLst>
+    <dgm:linClrLst>
+      <a:schemeClr val="accent2">
+        <a:tint val="40000"/>
+        <a:alpha val="90000"/>
+      </a:schemeClr>
+      <a:schemeClr val="accent3">
+        <a:tint val="40000"/>
+        <a:alpha val="90000"/>
+      </a:schemeClr>
+    </dgm:linClrLst>
+    <dgm:effectClrLst/>
+    <dgm:txLinClrLst/>
+    <dgm:txFillClrLst meth="repeat">
+      <a:schemeClr val="dk1"/>
+    </dgm:txFillClrLst>
+    <dgm:txEffectClrLst/>
+  </dgm:styleLbl>
+  <dgm:styleLbl name="bgAccFollowNode1">
+    <dgm:fillClrLst>
+      <a:schemeClr val="accent2">
+        <a:tint val="40000"/>
+        <a:alpha val="90000"/>
+      </a:schemeClr>
+      <a:schemeClr val="accent3">
+        <a:tint val="40000"/>
+        <a:alpha val="90000"/>
+      </a:schemeClr>
+    </dgm:fillClrLst>
+    <dgm:linClrLst>
+      <a:schemeClr val="accent2">
+        <a:tint val="40000"/>
+        <a:alpha val="90000"/>
+      </a:schemeClr>
+      <a:schemeClr val="accent3">
+        <a:tint val="40000"/>
+        <a:alpha val="90000"/>
+      </a:schemeClr>
+    </dgm:linClrLst>
+    <dgm:effectClrLst/>
+    <dgm:txLinClrLst/>
+    <dgm:txFillClrLst meth="repeat">
+      <a:schemeClr val="dk1"/>
+    </dgm:txFillClrLst>
+    <dgm:txEffectClrLst/>
+  </dgm:styleLbl>
+  <dgm:styleLbl name="fgAcc0">
+    <dgm:fillClrLst meth="repeat">
+      <a:schemeClr val="lt1">
+        <a:alpha val="90000"/>
+      </a:schemeClr>
+    </dgm:fillClrLst>
+    <dgm:linClrLst>
+      <a:schemeClr val="accent1"/>
+    </dgm:linClrLst>
+    <dgm:effectClrLst/>
+    <dgm:txLinClrLst/>
+    <dgm:txFillClrLst meth="repeat">
+      <a:schemeClr val="dk1"/>
+    </dgm:txFillClrLst>
+    <dgm:txEffectClrLst/>
+  </dgm:styleLbl>
+  <dgm:styleLbl name="fgAcc2">
+    <dgm:fillClrLst meth="repeat">
+      <a:schemeClr val="lt1">
+        <a:alpha val="90000"/>
+      </a:schemeClr>
+    </dgm:fillClrLst>
+    <dgm:linClrLst>
+      <a:schemeClr val="accent3"/>
+    </dgm:linClrLst>
+    <dgm:effectClrLst/>
+    <dgm:txLinClrLst/>
+    <dgm:txFillClrLst meth="repeat">
+      <a:schemeClr val="dk1"/>
+    </dgm:txFillClrLst>
+    <dgm:txEffectClrLst/>
+  </dgm:styleLbl>
+  <dgm:styleLbl name="fgAcc3">
+    <dgm:fillClrLst meth="repeat">
+      <a:schemeClr val="lt1">
+        <a:alpha val="90000"/>
+      </a:schemeClr>
+    </dgm:fillClrLst>
+    <dgm:linClrLst>
+      <a:schemeClr val="accent4"/>
+    </dgm:linClrLst>
+    <dgm:effectClrLst/>
+    <dgm:txLinClrLst/>
+    <dgm:txFillClrLst meth="repeat">
+      <a:schemeClr val="dk1"/>
+    </dgm:txFillClrLst>
+    <dgm:txEffectClrLst/>
+  </dgm:styleLbl>
+  <dgm:styleLbl name="fgAcc4">
+    <dgm:fillClrLst meth="repeat">
+      <a:schemeClr val="lt1">
+        <a:alpha val="90000"/>
+      </a:schemeClr>
+    </dgm:fillClrLst>
+    <dgm:linClrLst>
+      <a:schemeClr val="accent5"/>
+    </dgm:linClrLst>
+    <dgm:effectClrLst/>
+    <dgm:txLinClrLst/>
+    <dgm:txFillClrLst meth="repeat">
+      <a:schemeClr val="dk1"/>
+    </dgm:txFillClrLst>
+    <dgm:txEffectClrLst/>
+  </dgm:styleLbl>
+  <dgm:styleLbl name="bgShp">
+    <dgm:fillClrLst meth="repeat">
+      <a:schemeClr val="accent2">
+        <a:tint val="40000"/>
+      </a:schemeClr>
+    </dgm:fillClrLst>
+    <dgm:linClrLst meth="repeat">
+      <a:schemeClr val="dk1"/>
+    </dgm:linClrLst>
+    <dgm:effectClrLst/>
+    <dgm:txLinClrLst/>
+    <dgm:txFillClrLst meth="repeat">
+      <a:schemeClr val="dk1"/>
+    </dgm:txFillClrLst>
+    <dgm:txEffectClrLst/>
+  </dgm:styleLbl>
+  <dgm:styleLbl name="dkBgShp">
+    <dgm:fillClrLst meth="repeat">
+      <a:schemeClr val="accent2">
+        <a:shade val="90000"/>
+      </a:schemeClr>
+    </dgm:fillClrLst>
+    <dgm:linClrLst meth="repeat">
+      <a:schemeClr val="dk1"/>
+    </dgm:linClrLst>
+    <dgm:effectClrLst/>
+    <dgm:txLinClrLst/>
+    <dgm:txFillClrLst meth="repeat">
+      <a:schemeClr val="lt1"/>
+    </dgm:txFillClrLst>
+    <dgm:txEffectClrLst/>
+  </dgm:styleLbl>
+  <dgm:styleLbl name="trBgShp">
+    <dgm:fillClrLst meth="repeat">
+      <a:schemeClr val="accent2">
+        <a:tint val="50000"/>
+        <a:alpha val="40000"/>
+      </a:schemeClr>
+    </dgm:fillClrLst>
+    <dgm:linClrLst meth="repeat">
+      <a:schemeClr val="accent2"/>
+    </dgm:linClrLst>
+    <dgm:effectClrLst/>
+    <dgm:txLinClrLst/>
+    <dgm:txFillClrLst meth="repeat">
+      <a:schemeClr val="lt1"/>
+    </dgm:txFillClrLst>
+    <dgm:txEffectClrLst/>
+  </dgm:styleLbl>
+  <dgm:styleLbl name="fgShp">
+    <dgm:fillClrLst meth="repeat">
+      <a:schemeClr val="accent2">
+        <a:tint val="40000"/>
+      </a:schemeClr>
+    </dgm:fillClrLst>
+    <dgm:linClrLst meth="repeat">
+      <a:schemeClr val="lt1"/>
+    </dgm:linClrLst>
+    <dgm:effectClrLst/>
+    <dgm:txLinClrLst/>
+    <dgm:txFillClrLst meth="repeat">
+      <a:schemeClr val="dk1"/>
+    </dgm:txFillClrLst>
+    <dgm:txEffectClrLst/>
+  </dgm:styleLbl>
+  <dgm:styleLbl name="revTx">
+    <dgm:fillClrLst meth="repeat">
+      <a:schemeClr val="lt1">
+        <a:alpha val="0"/>
+      </a:schemeClr>
+    </dgm:fillClrLst>
+    <dgm:linClrLst meth="repeat">
+      <a:schemeClr val="dk1">
+        <a:alpha val="0"/>
+      </a:schemeClr>
+    </dgm:linClrLst>
+    <dgm:effectClrLst/>
+    <dgm:txLinClrLst/>
+    <dgm:txFillClrLst meth="repeat">
+      <a:schemeClr val="tx1"/>
+    </dgm:txFillClrLst>
+    <dgm:txEffectClrLst/>
+  </dgm:styleLbl>
+</dgm:colorsDef>
+</file>
+
 <file path=ppt/diagrams/data1.xml><?xml version="1.0" encoding="utf-8"?>
 <dgm:dataModel xmlns:dgm="http://schemas.openxmlformats.org/drawingml/2006/diagram" xmlns:a="http://schemas.openxmlformats.org/drawingml/2006/main">
   <dgm:ptLst>
     <dgm:pt modelId="{3340A971-4CD3-4982-B255-1D2C46BED41D}" type="doc">
-      <dgm:prSet loTypeId="urn:microsoft.com/office/officeart/2008/layout/LinedList" loCatId="list" qsTypeId="urn:microsoft.com/office/officeart/2005/8/quickstyle/simple1" qsCatId="simple" csTypeId="urn:microsoft.com/office/officeart/2005/8/colors/accent3_2" csCatId="accent3"/>
+      <dgm:prSet loTypeId="urn:microsoft.com/office/officeart/2005/8/layout/list1" loCatId="list" qsTypeId="urn:microsoft.com/office/officeart/2005/8/quickstyle/simple1" qsCatId="simple" csTypeId="urn:microsoft.com/office/officeart/2005/8/colors/colorful2" csCatId="colorful" phldr="1"/>
       <dgm:spPr/>
       <dgm:t>
         <a:bodyPr/>
         <a:lstStyle/>
         <a:p>
           <a:endParaRPr lang="en-US"/>
-        </a:p>
-      </dgm:t>
-    </dgm:pt>
-    <dgm:pt modelId="{E55F6FFE-83F7-4117-96D8-13F19E23BAB7}">
-      <dgm:prSet/>
-      <dgm:spPr/>
-      <dgm:t>
-        <a:bodyPr/>
-        <a:lstStyle/>
-        <a:p>
-          <a:r>
-            <a:rPr lang="en-US" dirty="0">
-              <a:latin typeface="微软雅黑" panose="020B0503020204020204" pitchFamily="34" charset="-122"/>
-              <a:ea typeface="微软雅黑" panose="020B0503020204020204" pitchFamily="34" charset="-122"/>
-            </a:rPr>
-            <a:t>1. </a:t>
-          </a:r>
-          <a:r>
-            <a:rPr lang="zh-CN" dirty="0">
-              <a:latin typeface="微软雅黑" panose="020B0503020204020204" pitchFamily="34" charset="-122"/>
-              <a:ea typeface="微软雅黑" panose="020B0503020204020204" pitchFamily="34" charset="-122"/>
-            </a:rPr>
-            <a:t>用</a:t>
-          </a:r>
-          <a:r>
-            <a:rPr lang="en-US" dirty="0">
-              <a:latin typeface="微软雅黑" panose="020B0503020204020204" pitchFamily="34" charset="-122"/>
-              <a:ea typeface="微软雅黑" panose="020B0503020204020204" pitchFamily="34" charset="-122"/>
-            </a:rPr>
-            <a:t>PCA</a:t>
-          </a:r>
-          <a:r>
-            <a:rPr lang="zh-CN" dirty="0">
-              <a:latin typeface="微软雅黑" panose="020B0503020204020204" pitchFamily="34" charset="-122"/>
-              <a:ea typeface="微软雅黑" panose="020B0503020204020204" pitchFamily="34" charset="-122"/>
-            </a:rPr>
-            <a:t>降维（压缩）后，所得到的人脸图片与原始人脸图片对比。</a:t>
-          </a:r>
-          <a:endParaRPr lang="en-US" dirty="0">
-            <a:latin typeface="微软雅黑" panose="020B0503020204020204" pitchFamily="34" charset="-122"/>
-            <a:ea typeface="微软雅黑" panose="020B0503020204020204" pitchFamily="34" charset="-122"/>
-          </a:endParaRPr>
-        </a:p>
-      </dgm:t>
-    </dgm:pt>
-    <dgm:pt modelId="{EAE86FF7-5965-4CA0-B5C0-2A335DA4DA5A}" type="parTrans" cxnId="{A49CF63E-C812-4B42-8B2F-EF3CEC7C45D3}">
-      <dgm:prSet/>
-      <dgm:spPr/>
-      <dgm:t>
-        <a:bodyPr/>
-        <a:lstStyle/>
-        <a:p>
-          <a:endParaRPr lang="en-US">
-            <a:latin typeface="微软雅黑" panose="020B0503020204020204" pitchFamily="34" charset="-122"/>
-            <a:ea typeface="微软雅黑" panose="020B0503020204020204" pitchFamily="34" charset="-122"/>
-          </a:endParaRPr>
-        </a:p>
-      </dgm:t>
-    </dgm:pt>
-    <dgm:pt modelId="{7EAADDDE-1654-4FA3-9273-5D8A9B08959F}" type="sibTrans" cxnId="{A49CF63E-C812-4B42-8B2F-EF3CEC7C45D3}">
-      <dgm:prSet/>
-      <dgm:spPr/>
-      <dgm:t>
-        <a:bodyPr/>
-        <a:lstStyle/>
-        <a:p>
-          <a:endParaRPr lang="en-US">
-            <a:latin typeface="微软雅黑" panose="020B0503020204020204" pitchFamily="34" charset="-122"/>
-            <a:ea typeface="微软雅黑" panose="020B0503020204020204" pitchFamily="34" charset="-122"/>
-          </a:endParaRPr>
-        </a:p>
-      </dgm:t>
-    </dgm:pt>
-    <dgm:pt modelId="{801FEC95-2D9C-496D-944A-AF5C90A68FF8}">
-      <dgm:prSet/>
-      <dgm:spPr/>
-      <dgm:t>
-        <a:bodyPr/>
-        <a:lstStyle/>
-        <a:p>
-          <a:r>
-            <a:rPr lang="en-US">
-              <a:latin typeface="微软雅黑" panose="020B0503020204020204" pitchFamily="34" charset="-122"/>
-              <a:ea typeface="微软雅黑" panose="020B0503020204020204" pitchFamily="34" charset="-122"/>
-            </a:rPr>
-            <a:t>2. </a:t>
-          </a:r>
-          <a:r>
-            <a:rPr lang="zh-CN">
-              <a:latin typeface="微软雅黑" panose="020B0503020204020204" pitchFamily="34" charset="-122"/>
-              <a:ea typeface="微软雅黑" panose="020B0503020204020204" pitchFamily="34" charset="-122"/>
-            </a:rPr>
-            <a:t>结合最近邻分类器，测试</a:t>
-          </a:r>
-          <a:r>
-            <a:rPr lang="en-US">
-              <a:latin typeface="微软雅黑" panose="020B0503020204020204" pitchFamily="34" charset="-122"/>
-              <a:ea typeface="微软雅黑" panose="020B0503020204020204" pitchFamily="34" charset="-122"/>
-            </a:rPr>
-            <a:t>PCA</a:t>
-          </a:r>
-          <a:r>
-            <a:rPr lang="zh-CN">
-              <a:latin typeface="微软雅黑" panose="020B0503020204020204" pitchFamily="34" charset="-122"/>
-              <a:ea typeface="微软雅黑" panose="020B0503020204020204" pitchFamily="34" charset="-122"/>
-            </a:rPr>
-            <a:t>降维算法的识别率。</a:t>
-          </a:r>
-          <a:endParaRPr lang="en-US">
-            <a:latin typeface="微软雅黑" panose="020B0503020204020204" pitchFamily="34" charset="-122"/>
-            <a:ea typeface="微软雅黑" panose="020B0503020204020204" pitchFamily="34" charset="-122"/>
-          </a:endParaRPr>
-        </a:p>
-      </dgm:t>
-    </dgm:pt>
-    <dgm:pt modelId="{CD997D85-222A-4712-9E90-BCDADE8183B1}" type="parTrans" cxnId="{8026FF71-CAAC-4AE4-A69A-80603866D0E3}">
-      <dgm:prSet/>
-      <dgm:spPr/>
-      <dgm:t>
-        <a:bodyPr/>
-        <a:lstStyle/>
-        <a:p>
-          <a:endParaRPr lang="en-US">
-            <a:latin typeface="微软雅黑" panose="020B0503020204020204" pitchFamily="34" charset="-122"/>
-            <a:ea typeface="微软雅黑" panose="020B0503020204020204" pitchFamily="34" charset="-122"/>
-          </a:endParaRPr>
-        </a:p>
-      </dgm:t>
-    </dgm:pt>
-    <dgm:pt modelId="{DC049864-2D9E-4ABF-9F43-3ACC7DDF8319}" type="sibTrans" cxnId="{8026FF71-CAAC-4AE4-A69A-80603866D0E3}">
-      <dgm:prSet/>
-      <dgm:spPr/>
-      <dgm:t>
-        <a:bodyPr/>
-        <a:lstStyle/>
-        <a:p>
-          <a:endParaRPr lang="en-US">
-            <a:latin typeface="微软雅黑" panose="020B0503020204020204" pitchFamily="34" charset="-122"/>
-            <a:ea typeface="微软雅黑" panose="020B0503020204020204" pitchFamily="34" charset="-122"/>
-          </a:endParaRPr>
         </a:p>
       </dgm:t>
     </dgm:pt>
@@ -3947,15 +3899,15 @@
         <a:lstStyle/>
         <a:p>
           <a:r>
-            <a:rPr lang="zh-CN">
-              <a:latin typeface="微软雅黑" panose="020B0503020204020204" pitchFamily="34" charset="-122"/>
-              <a:ea typeface="微软雅黑" panose="020B0503020204020204" pitchFamily="34" charset="-122"/>
+            <a:rPr lang="zh-CN" b="0">
+              <a:latin typeface="微软雅黑"/>
+              <a:ea typeface="微软雅黑"/>
             </a:rPr>
             <a:t>解决两个问题：</a:t>
           </a:r>
-          <a:endParaRPr lang="en-US">
-            <a:latin typeface="微软雅黑" panose="020B0503020204020204" pitchFamily="34" charset="-122"/>
-            <a:ea typeface="微软雅黑" panose="020B0503020204020204" pitchFamily="34" charset="-122"/>
+          <a:endParaRPr lang="en-US" b="0">
+            <a:latin typeface="微软雅黑"/>
+            <a:ea typeface="微软雅黑"/>
           </a:endParaRPr>
         </a:p>
       </dgm:t>
@@ -3996,36 +3948,36 @@
         <a:lstStyle/>
         <a:p>
           <a:r>
-            <a:rPr lang="zh-CN">
-              <a:latin typeface="微软雅黑" panose="020B0503020204020204" pitchFamily="34" charset="-122"/>
-              <a:ea typeface="微软雅黑" panose="020B0503020204020204" pitchFamily="34" charset="-122"/>
+            <a:rPr lang="zh-CN" b="0">
+              <a:latin typeface="微软雅黑"/>
+              <a:ea typeface="微软雅黑"/>
             </a:rPr>
             <a:t>1. 如何用</a:t>
           </a:r>
           <a:r>
-            <a:rPr lang="en-US">
-              <a:latin typeface="微软雅黑" panose="020B0503020204020204" pitchFamily="34" charset="-122"/>
-              <a:ea typeface="微软雅黑" panose="020B0503020204020204" pitchFamily="34" charset="-122"/>
+            <a:rPr lang="en-US" b="0">
+              <a:latin typeface="微软雅黑"/>
+              <a:ea typeface="微软雅黑"/>
             </a:rPr>
             <a:t>PCA</a:t>
           </a:r>
           <a:r>
-            <a:rPr lang="zh-CN" altLang="en-US">
-              <a:latin typeface="微软雅黑" panose="020B0503020204020204" pitchFamily="34" charset="-122"/>
-              <a:ea typeface="微软雅黑" panose="020B0503020204020204" pitchFamily="34" charset="-122"/>
+            <a:rPr lang="zh-CN" altLang="en-US" b="0">
+              <a:latin typeface="微软雅黑"/>
+              <a:ea typeface="微软雅黑"/>
             </a:rPr>
             <a:t>实现图片的</a:t>
           </a:r>
           <a:r>
-            <a:rPr lang="zh-CN">
-              <a:latin typeface="微软雅黑" panose="020B0503020204020204" pitchFamily="34" charset="-122"/>
-              <a:ea typeface="微软雅黑" panose="020B0503020204020204" pitchFamily="34" charset="-122"/>
+            <a:rPr lang="zh-CN" b="0">
+              <a:latin typeface="微软雅黑"/>
+              <a:ea typeface="微软雅黑"/>
             </a:rPr>
             <a:t>降维压缩？</a:t>
           </a:r>
-          <a:endParaRPr lang="en-US">
-            <a:latin typeface="微软雅黑" panose="020B0503020204020204" pitchFamily="34" charset="-122"/>
-            <a:ea typeface="微软雅黑" panose="020B0503020204020204" pitchFamily="34" charset="-122"/>
+          <a:endParaRPr lang="en-US" b="0">
+            <a:latin typeface="微软雅黑"/>
+            <a:ea typeface="微软雅黑"/>
           </a:endParaRPr>
         </a:p>
       </dgm:t>
@@ -4066,22 +4018,22 @@
         <a:lstStyle/>
         <a:p>
           <a:r>
-            <a:rPr lang="en-US">
-              <a:latin typeface="微软雅黑" panose="020B0503020204020204" pitchFamily="34" charset="-122"/>
-              <a:ea typeface="微软雅黑" panose="020B0503020204020204" pitchFamily="34" charset="-122"/>
+            <a:rPr lang="en-US" b="0">
+              <a:latin typeface="微软雅黑"/>
+              <a:ea typeface="微软雅黑"/>
             </a:rPr>
             <a:t>2. </a:t>
           </a:r>
           <a:r>
-            <a:rPr lang="zh-CN">
-              <a:latin typeface="微软雅黑" panose="020B0503020204020204" pitchFamily="34" charset="-122"/>
-              <a:ea typeface="微软雅黑" panose="020B0503020204020204" pitchFamily="34" charset="-122"/>
+            <a:rPr lang="zh-CN" b="0">
+              <a:latin typeface="微软雅黑"/>
+              <a:ea typeface="微软雅黑"/>
             </a:rPr>
             <a:t>如何用最近邻分类器实现人脸识别？</a:t>
           </a:r>
-          <a:endParaRPr lang="en-US">
-            <a:latin typeface="微软雅黑" panose="020B0503020204020204" pitchFamily="34" charset="-122"/>
-            <a:ea typeface="微软雅黑" panose="020B0503020204020204" pitchFamily="34" charset="-122"/>
+          <a:endParaRPr lang="en-US" b="0">
+            <a:latin typeface="微软雅黑"/>
+            <a:ea typeface="微软雅黑"/>
           </a:endParaRPr>
         </a:p>
       </dgm:t>
@@ -4114,129 +4066,60 @@
         </a:p>
       </dgm:t>
     </dgm:pt>
-    <dgm:pt modelId="{770E2525-044C-4173-B3B2-A996960EDBD4}" type="pres">
-      <dgm:prSet presAssocID="{3340A971-4CD3-4982-B255-1D2C46BED41D}" presName="vert0" presStyleCnt="0">
+    <dgm:pt modelId="{8F0893AC-C856-4C57-9FE4-4B08E1DBDBBB}" type="pres">
+      <dgm:prSet presAssocID="{3340A971-4CD3-4982-B255-1D2C46BED41D}" presName="linear" presStyleCnt="0">
         <dgm:presLayoutVars>
           <dgm:dir/>
-          <dgm:animOne val="branch"/>
           <dgm:animLvl val="lvl"/>
+          <dgm:resizeHandles val="exact"/>
         </dgm:presLayoutVars>
       </dgm:prSet>
       <dgm:spPr/>
     </dgm:pt>
-    <dgm:pt modelId="{BF34E299-6F68-4F3D-B7C2-1487E1247A90}" type="pres">
-      <dgm:prSet presAssocID="{E55F6FFE-83F7-4117-96D8-13F19E23BAB7}" presName="thickLine" presStyleLbl="alignNode1" presStyleIdx="0" presStyleCnt="5"/>
+    <dgm:pt modelId="{FB07BBD0-CE51-44FC-B6D1-DC371D86FCBC}" type="pres">
+      <dgm:prSet presAssocID="{4193DADE-0FF9-4520-B449-8E48389043C1}" presName="parentLin" presStyleCnt="0"/>
       <dgm:spPr/>
     </dgm:pt>
-    <dgm:pt modelId="{25109FBB-0C40-4A01-8C82-0662CF730A5D}" type="pres">
-      <dgm:prSet presAssocID="{E55F6FFE-83F7-4117-96D8-13F19E23BAB7}" presName="horz1" presStyleCnt="0"/>
+    <dgm:pt modelId="{7181FAE7-5AD2-4147-A02C-20F68F71D9FC}" type="pres">
+      <dgm:prSet presAssocID="{4193DADE-0FF9-4520-B449-8E48389043C1}" presName="parentLeftMargin" presStyleLbl="node1" presStyleIdx="0" presStyleCnt="1"/>
       <dgm:spPr/>
     </dgm:pt>
-    <dgm:pt modelId="{62B1A725-705C-4EAB-8CE2-F27E057E0F63}" type="pres">
-      <dgm:prSet presAssocID="{E55F6FFE-83F7-4117-96D8-13F19E23BAB7}" presName="tx1" presStyleLbl="revTx" presStyleIdx="0" presStyleCnt="5"/>
+    <dgm:pt modelId="{5D53403F-895C-4F20-8CCF-D0B34B0D66C6}" type="pres">
+      <dgm:prSet presAssocID="{4193DADE-0FF9-4520-B449-8E48389043C1}" presName="parentText" presStyleLbl="node1" presStyleIdx="0" presStyleCnt="1">
+        <dgm:presLayoutVars>
+          <dgm:chMax val="0"/>
+          <dgm:bulletEnabled val="1"/>
+        </dgm:presLayoutVars>
+      </dgm:prSet>
       <dgm:spPr/>
     </dgm:pt>
-    <dgm:pt modelId="{5BB12D70-A40F-4B8A-BE14-3D05EF37232E}" type="pres">
-      <dgm:prSet presAssocID="{E55F6FFE-83F7-4117-96D8-13F19E23BAB7}" presName="vert1" presStyleCnt="0"/>
+    <dgm:pt modelId="{62E8EE5B-D02A-4B03-9E17-6779F415A4A4}" type="pres">
+      <dgm:prSet presAssocID="{4193DADE-0FF9-4520-B449-8E48389043C1}" presName="negativeSpace" presStyleCnt="0"/>
       <dgm:spPr/>
     </dgm:pt>
-    <dgm:pt modelId="{0687B0F2-8718-4672-82EB-785D488A3EC2}" type="pres">
-      <dgm:prSet presAssocID="{801FEC95-2D9C-496D-944A-AF5C90A68FF8}" presName="thickLine" presStyleLbl="alignNode1" presStyleIdx="1" presStyleCnt="5"/>
-      <dgm:spPr/>
-    </dgm:pt>
-    <dgm:pt modelId="{CDE13E6E-0B20-4744-B0CA-06C6EF8E2937}" type="pres">
-      <dgm:prSet presAssocID="{801FEC95-2D9C-496D-944A-AF5C90A68FF8}" presName="horz1" presStyleCnt="0"/>
-      <dgm:spPr/>
-    </dgm:pt>
-    <dgm:pt modelId="{B39D0521-503F-41BD-9FA0-E99580C73C10}" type="pres">
-      <dgm:prSet presAssocID="{801FEC95-2D9C-496D-944A-AF5C90A68FF8}" presName="tx1" presStyleLbl="revTx" presStyleIdx="1" presStyleCnt="5"/>
-      <dgm:spPr/>
-    </dgm:pt>
-    <dgm:pt modelId="{59ED3EB8-02A1-4B1A-B467-A383922D6674}" type="pres">
-      <dgm:prSet presAssocID="{801FEC95-2D9C-496D-944A-AF5C90A68FF8}" presName="vert1" presStyleCnt="0"/>
-      <dgm:spPr/>
-    </dgm:pt>
-    <dgm:pt modelId="{067FA116-62F4-4303-816D-838AC254E89D}" type="pres">
-      <dgm:prSet presAssocID="{4193DADE-0FF9-4520-B449-8E48389043C1}" presName="thickLine" presStyleLbl="alignNode1" presStyleIdx="2" presStyleCnt="5"/>
-      <dgm:spPr/>
-    </dgm:pt>
-    <dgm:pt modelId="{B61C89A7-4CD7-4673-92DA-02D1A08EB95B}" type="pres">
-      <dgm:prSet presAssocID="{4193DADE-0FF9-4520-B449-8E48389043C1}" presName="horz1" presStyleCnt="0"/>
-      <dgm:spPr/>
-    </dgm:pt>
-    <dgm:pt modelId="{EB5EC58C-D621-4ECE-8DBA-05E60B7C7309}" type="pres">
-      <dgm:prSet presAssocID="{4193DADE-0FF9-4520-B449-8E48389043C1}" presName="tx1" presStyleLbl="revTx" presStyleIdx="2" presStyleCnt="5"/>
-      <dgm:spPr/>
-    </dgm:pt>
-    <dgm:pt modelId="{C35D2D4C-B652-4126-9A32-6933EF863ABE}" type="pres">
-      <dgm:prSet presAssocID="{4193DADE-0FF9-4520-B449-8E48389043C1}" presName="vert1" presStyleCnt="0"/>
-      <dgm:spPr/>
-    </dgm:pt>
-    <dgm:pt modelId="{D94C6F5B-820A-4043-ABCC-EE21FF6D1B05}" type="pres">
-      <dgm:prSet presAssocID="{A43EB28A-1526-4B80-AD44-10EC073D44FF}" presName="thickLine" presStyleLbl="alignNode1" presStyleIdx="3" presStyleCnt="5"/>
-      <dgm:spPr/>
-    </dgm:pt>
-    <dgm:pt modelId="{B7EF554E-6260-4BA7-A4E3-F0F9FFBB183B}" type="pres">
-      <dgm:prSet presAssocID="{A43EB28A-1526-4B80-AD44-10EC073D44FF}" presName="horz1" presStyleCnt="0"/>
-      <dgm:spPr/>
-    </dgm:pt>
-    <dgm:pt modelId="{A3825A68-E79D-4CFC-ADB1-50859E8C597E}" type="pres">
-      <dgm:prSet presAssocID="{A43EB28A-1526-4B80-AD44-10EC073D44FF}" presName="tx1" presStyleLbl="revTx" presStyleIdx="3" presStyleCnt="5"/>
-      <dgm:spPr/>
-    </dgm:pt>
-    <dgm:pt modelId="{D47A899A-AAF8-49BC-A69D-8193BD5DCE7C}" type="pres">
-      <dgm:prSet presAssocID="{A43EB28A-1526-4B80-AD44-10EC073D44FF}" presName="vert1" presStyleCnt="0"/>
-      <dgm:spPr/>
-    </dgm:pt>
-    <dgm:pt modelId="{C4B6CA03-E045-47B7-8260-93CF6C0B727D}" type="pres">
-      <dgm:prSet presAssocID="{0E44FC09-7B39-48C9-8678-1441851424CC}" presName="thickLine" presStyleLbl="alignNode1" presStyleIdx="4" presStyleCnt="5"/>
-      <dgm:spPr/>
-    </dgm:pt>
-    <dgm:pt modelId="{D3FFBCC3-142A-43A1-B218-0CA94506B2D0}" type="pres">
-      <dgm:prSet presAssocID="{0E44FC09-7B39-48C9-8678-1441851424CC}" presName="horz1" presStyleCnt="0"/>
-      <dgm:spPr/>
-    </dgm:pt>
-    <dgm:pt modelId="{C8E47EDC-33F2-4D69-B70B-14AC41230EB6}" type="pres">
-      <dgm:prSet presAssocID="{0E44FC09-7B39-48C9-8678-1441851424CC}" presName="tx1" presStyleLbl="revTx" presStyleIdx="4" presStyleCnt="5"/>
-      <dgm:spPr/>
-    </dgm:pt>
-    <dgm:pt modelId="{B62D9FB0-C710-48C6-886D-BA191C5C2567}" type="pres">
-      <dgm:prSet presAssocID="{0E44FC09-7B39-48C9-8678-1441851424CC}" presName="vert1" presStyleCnt="0"/>
+    <dgm:pt modelId="{13FBE99A-97D4-4664-BA63-250E10D9035A}" type="pres">
+      <dgm:prSet presAssocID="{4193DADE-0FF9-4520-B449-8E48389043C1}" presName="childText" presStyleLbl="conFgAcc1" presStyleIdx="0" presStyleCnt="1">
+        <dgm:presLayoutVars>
+          <dgm:bulletEnabled val="1"/>
+        </dgm:presLayoutVars>
+      </dgm:prSet>
       <dgm:spPr/>
     </dgm:pt>
   </dgm:ptLst>
   <dgm:cxnLst>
-    <dgm:cxn modelId="{CB8A242E-43C7-4395-B4E9-04621176D1DF}" type="presOf" srcId="{A43EB28A-1526-4B80-AD44-10EC073D44FF}" destId="{A3825A68-E79D-4CFC-ADB1-50859E8C597E}" srcOrd="0" destOrd="0" presId="urn:microsoft.com/office/officeart/2008/layout/LinedList"/>
-    <dgm:cxn modelId="{A49CF63E-C812-4B42-8B2F-EF3CEC7C45D3}" srcId="{3340A971-4CD3-4982-B255-1D2C46BED41D}" destId="{E55F6FFE-83F7-4117-96D8-13F19E23BAB7}" srcOrd="0" destOrd="0" parTransId="{EAE86FF7-5965-4CA0-B5C0-2A335DA4DA5A}" sibTransId="{7EAADDDE-1654-4FA3-9273-5D8A9B08959F}"/>
-    <dgm:cxn modelId="{8026FF71-CAAC-4AE4-A69A-80603866D0E3}" srcId="{3340A971-4CD3-4982-B255-1D2C46BED41D}" destId="{801FEC95-2D9C-496D-944A-AF5C90A68FF8}" srcOrd="1" destOrd="0" parTransId="{CD997D85-222A-4712-9E90-BCDADE8183B1}" sibTransId="{DC049864-2D9E-4ABF-9F43-3ACC7DDF8319}"/>
-    <dgm:cxn modelId="{81CB8D56-D896-4FF3-B046-8C945CAE1F09}" type="presOf" srcId="{3340A971-4CD3-4982-B255-1D2C46BED41D}" destId="{770E2525-044C-4173-B3B2-A996960EDBD4}" srcOrd="0" destOrd="0" presId="urn:microsoft.com/office/officeart/2008/layout/LinedList"/>
-    <dgm:cxn modelId="{D3C38D96-C0E2-4F8E-BFC0-12505C5F9B61}" type="presOf" srcId="{801FEC95-2D9C-496D-944A-AF5C90A68FF8}" destId="{B39D0521-503F-41BD-9FA0-E99580C73C10}" srcOrd="0" destOrd="0" presId="urn:microsoft.com/office/officeart/2008/layout/LinedList"/>
-    <dgm:cxn modelId="{40190AAC-1F75-45AC-909C-8E246770EF07}" srcId="{3340A971-4CD3-4982-B255-1D2C46BED41D}" destId="{0E44FC09-7B39-48C9-8678-1441851424CC}" srcOrd="4" destOrd="0" parTransId="{2FA2BEE6-AA9E-47A2-B036-28A8B00C617F}" sibTransId="{46C9002C-56CD-4911-A6D6-8E4AB5DCAE0C}"/>
-    <dgm:cxn modelId="{95A028B5-E990-4728-8F7B-0BB91418E517}" type="presOf" srcId="{E55F6FFE-83F7-4117-96D8-13F19E23BAB7}" destId="{62B1A725-705C-4EAB-8CE2-F27E057E0F63}" srcOrd="0" destOrd="0" presId="urn:microsoft.com/office/officeart/2008/layout/LinedList"/>
-    <dgm:cxn modelId="{8E7AC5B5-178C-4902-93E8-0EDA5A2C0558}" srcId="{3340A971-4CD3-4982-B255-1D2C46BED41D}" destId="{A43EB28A-1526-4B80-AD44-10EC073D44FF}" srcOrd="3" destOrd="0" parTransId="{4A17A990-D2D4-4D74-822E-ADC5F1596466}" sibTransId="{267818A0-15DA-4D45-94C3-ED73E7C617CB}"/>
-    <dgm:cxn modelId="{47A6FEBC-9306-4676-8424-6633B8FCC657}" type="presOf" srcId="{0E44FC09-7B39-48C9-8678-1441851424CC}" destId="{C8E47EDC-33F2-4D69-B70B-14AC41230EB6}" srcOrd="0" destOrd="0" presId="urn:microsoft.com/office/officeart/2008/layout/LinedList"/>
-    <dgm:cxn modelId="{664732C5-1DC4-4322-A174-3A9D6A09E616}" srcId="{3340A971-4CD3-4982-B255-1D2C46BED41D}" destId="{4193DADE-0FF9-4520-B449-8E48389043C1}" srcOrd="2" destOrd="0" parTransId="{2FF0DC44-19CA-4475-9C00-C4DAB4883793}" sibTransId="{A7D94581-8EBC-4F24-B176-7E9038B265A0}"/>
-    <dgm:cxn modelId="{A8E4D1EC-F928-44E8-B712-3DA3FED65379}" type="presOf" srcId="{4193DADE-0FF9-4520-B449-8E48389043C1}" destId="{EB5EC58C-D621-4ECE-8DBA-05E60B7C7309}" srcOrd="0" destOrd="0" presId="urn:microsoft.com/office/officeart/2008/layout/LinedList"/>
-    <dgm:cxn modelId="{A7E34A8A-4773-4613-8062-97DA1A253687}" type="presParOf" srcId="{770E2525-044C-4173-B3B2-A996960EDBD4}" destId="{BF34E299-6F68-4F3D-B7C2-1487E1247A90}" srcOrd="0" destOrd="0" presId="urn:microsoft.com/office/officeart/2008/layout/LinedList"/>
-    <dgm:cxn modelId="{E900D9C7-C871-4333-BC5A-A29A4B1A2DF5}" type="presParOf" srcId="{770E2525-044C-4173-B3B2-A996960EDBD4}" destId="{25109FBB-0C40-4A01-8C82-0662CF730A5D}" srcOrd="1" destOrd="0" presId="urn:microsoft.com/office/officeart/2008/layout/LinedList"/>
-    <dgm:cxn modelId="{226C21BD-4C95-49FB-8D4D-D2D949911F50}" type="presParOf" srcId="{25109FBB-0C40-4A01-8C82-0662CF730A5D}" destId="{62B1A725-705C-4EAB-8CE2-F27E057E0F63}" srcOrd="0" destOrd="0" presId="urn:microsoft.com/office/officeart/2008/layout/LinedList"/>
-    <dgm:cxn modelId="{F3E0F6E6-B7DC-41B8-87B9-3AAE8CE2627F}" type="presParOf" srcId="{25109FBB-0C40-4A01-8C82-0662CF730A5D}" destId="{5BB12D70-A40F-4B8A-BE14-3D05EF37232E}" srcOrd="1" destOrd="0" presId="urn:microsoft.com/office/officeart/2008/layout/LinedList"/>
-    <dgm:cxn modelId="{59CC787E-38C6-40CC-8CE1-D8838589CC22}" type="presParOf" srcId="{770E2525-044C-4173-B3B2-A996960EDBD4}" destId="{0687B0F2-8718-4672-82EB-785D488A3EC2}" srcOrd="2" destOrd="0" presId="urn:microsoft.com/office/officeart/2008/layout/LinedList"/>
-    <dgm:cxn modelId="{F9B4C1E2-1930-4927-8080-03058B396B85}" type="presParOf" srcId="{770E2525-044C-4173-B3B2-A996960EDBD4}" destId="{CDE13E6E-0B20-4744-B0CA-06C6EF8E2937}" srcOrd="3" destOrd="0" presId="urn:microsoft.com/office/officeart/2008/layout/LinedList"/>
-    <dgm:cxn modelId="{5B33DADE-872C-43D7-A855-9CE3993EA183}" type="presParOf" srcId="{CDE13E6E-0B20-4744-B0CA-06C6EF8E2937}" destId="{B39D0521-503F-41BD-9FA0-E99580C73C10}" srcOrd="0" destOrd="0" presId="urn:microsoft.com/office/officeart/2008/layout/LinedList"/>
-    <dgm:cxn modelId="{8109E572-9916-4175-9763-7F5BBC3EF4E5}" type="presParOf" srcId="{CDE13E6E-0B20-4744-B0CA-06C6EF8E2937}" destId="{59ED3EB8-02A1-4B1A-B467-A383922D6674}" srcOrd="1" destOrd="0" presId="urn:microsoft.com/office/officeart/2008/layout/LinedList"/>
-    <dgm:cxn modelId="{34A8D3AB-22B6-4A5D-A4B7-013FDD92209E}" type="presParOf" srcId="{770E2525-044C-4173-B3B2-A996960EDBD4}" destId="{067FA116-62F4-4303-816D-838AC254E89D}" srcOrd="4" destOrd="0" presId="urn:microsoft.com/office/officeart/2008/layout/LinedList"/>
-    <dgm:cxn modelId="{2F582F16-267E-4FA6-909C-8FAE370E55EF}" type="presParOf" srcId="{770E2525-044C-4173-B3B2-A996960EDBD4}" destId="{B61C89A7-4CD7-4673-92DA-02D1A08EB95B}" srcOrd="5" destOrd="0" presId="urn:microsoft.com/office/officeart/2008/layout/LinedList"/>
-    <dgm:cxn modelId="{D70BB207-7479-4E94-A95A-65EC2A962EDC}" type="presParOf" srcId="{B61C89A7-4CD7-4673-92DA-02D1A08EB95B}" destId="{EB5EC58C-D621-4ECE-8DBA-05E60B7C7309}" srcOrd="0" destOrd="0" presId="urn:microsoft.com/office/officeart/2008/layout/LinedList"/>
-    <dgm:cxn modelId="{C7F25C0E-A3C0-4C58-A6E4-EE0E47FFB6CF}" type="presParOf" srcId="{B61C89A7-4CD7-4673-92DA-02D1A08EB95B}" destId="{C35D2D4C-B652-4126-9A32-6933EF863ABE}" srcOrd="1" destOrd="0" presId="urn:microsoft.com/office/officeart/2008/layout/LinedList"/>
-    <dgm:cxn modelId="{E02345BA-C5D5-4595-8229-F29E5234ABC2}" type="presParOf" srcId="{770E2525-044C-4173-B3B2-A996960EDBD4}" destId="{D94C6F5B-820A-4043-ABCC-EE21FF6D1B05}" srcOrd="6" destOrd="0" presId="urn:microsoft.com/office/officeart/2008/layout/LinedList"/>
-    <dgm:cxn modelId="{0F2FD5BB-2B96-4068-A848-DB249A06CE93}" type="presParOf" srcId="{770E2525-044C-4173-B3B2-A996960EDBD4}" destId="{B7EF554E-6260-4BA7-A4E3-F0F9FFBB183B}" srcOrd="7" destOrd="0" presId="urn:microsoft.com/office/officeart/2008/layout/LinedList"/>
-    <dgm:cxn modelId="{68BD50E8-0568-4AC5-B4BE-1017FF6DCC58}" type="presParOf" srcId="{B7EF554E-6260-4BA7-A4E3-F0F9FFBB183B}" destId="{A3825A68-E79D-4CFC-ADB1-50859E8C597E}" srcOrd="0" destOrd="0" presId="urn:microsoft.com/office/officeart/2008/layout/LinedList"/>
-    <dgm:cxn modelId="{9529A064-4B1E-4D46-AC65-60309DA62970}" type="presParOf" srcId="{B7EF554E-6260-4BA7-A4E3-F0F9FFBB183B}" destId="{D47A899A-AAF8-49BC-A69D-8193BD5DCE7C}" srcOrd="1" destOrd="0" presId="urn:microsoft.com/office/officeart/2008/layout/LinedList"/>
-    <dgm:cxn modelId="{150981DA-6E85-47A7-AFF6-44506D4B750C}" type="presParOf" srcId="{770E2525-044C-4173-B3B2-A996960EDBD4}" destId="{C4B6CA03-E045-47B7-8260-93CF6C0B727D}" srcOrd="8" destOrd="0" presId="urn:microsoft.com/office/officeart/2008/layout/LinedList"/>
-    <dgm:cxn modelId="{97DBBF28-9D2B-4FD2-B620-43F1C92464F2}" type="presParOf" srcId="{770E2525-044C-4173-B3B2-A996960EDBD4}" destId="{D3FFBCC3-142A-43A1-B218-0CA94506B2D0}" srcOrd="9" destOrd="0" presId="urn:microsoft.com/office/officeart/2008/layout/LinedList"/>
-    <dgm:cxn modelId="{0CBC7EAC-99F3-4F15-8FAB-C3BCBFAB7DC2}" type="presParOf" srcId="{D3FFBCC3-142A-43A1-B218-0CA94506B2D0}" destId="{C8E47EDC-33F2-4D69-B70B-14AC41230EB6}" srcOrd="0" destOrd="0" presId="urn:microsoft.com/office/officeart/2008/layout/LinedList"/>
-    <dgm:cxn modelId="{AFE58097-A214-4969-916A-40F6CEA8962A}" type="presParOf" srcId="{D3FFBCC3-142A-43A1-B218-0CA94506B2D0}" destId="{B62D9FB0-C710-48C6-886D-BA191C5C2567}" srcOrd="1" destOrd="0" presId="urn:microsoft.com/office/officeart/2008/layout/LinedList"/>
+    <dgm:cxn modelId="{D5478D35-3B97-4778-956A-5E0D4879879F}" type="presOf" srcId="{A43EB28A-1526-4B80-AD44-10EC073D44FF}" destId="{13FBE99A-97D4-4664-BA63-250E10D9035A}" srcOrd="0" destOrd="0" presId="urn:microsoft.com/office/officeart/2005/8/layout/list1"/>
+    <dgm:cxn modelId="{B352B536-BA38-4C84-A698-FF0F9E909AE6}" type="presOf" srcId="{3340A971-4CD3-4982-B255-1D2C46BED41D}" destId="{8F0893AC-C856-4C57-9FE4-4B08E1DBDBBB}" srcOrd="0" destOrd="0" presId="urn:microsoft.com/office/officeart/2005/8/layout/list1"/>
+    <dgm:cxn modelId="{51B92A5F-4398-4098-AB32-CB1EE1527FEF}" type="presOf" srcId="{4193DADE-0FF9-4520-B449-8E48389043C1}" destId="{5D53403F-895C-4F20-8CCF-D0B34B0D66C6}" srcOrd="1" destOrd="0" presId="urn:microsoft.com/office/officeart/2005/8/layout/list1"/>
+    <dgm:cxn modelId="{8866079C-95BF-4FA3-9E01-FE05C8EF5939}" type="presOf" srcId="{0E44FC09-7B39-48C9-8678-1441851424CC}" destId="{13FBE99A-97D4-4664-BA63-250E10D9035A}" srcOrd="0" destOrd="1" presId="urn:microsoft.com/office/officeart/2005/8/layout/list1"/>
+    <dgm:cxn modelId="{40190AAC-1F75-45AC-909C-8E246770EF07}" srcId="{4193DADE-0FF9-4520-B449-8E48389043C1}" destId="{0E44FC09-7B39-48C9-8678-1441851424CC}" srcOrd="1" destOrd="0" parTransId="{2FA2BEE6-AA9E-47A2-B036-28A8B00C617F}" sibTransId="{46C9002C-56CD-4911-A6D6-8E4AB5DCAE0C}"/>
+    <dgm:cxn modelId="{8E7AC5B5-178C-4902-93E8-0EDA5A2C0558}" srcId="{4193DADE-0FF9-4520-B449-8E48389043C1}" destId="{A43EB28A-1526-4B80-AD44-10EC073D44FF}" srcOrd="0" destOrd="0" parTransId="{4A17A990-D2D4-4D74-822E-ADC5F1596466}" sibTransId="{267818A0-15DA-4D45-94C3-ED73E7C617CB}"/>
+    <dgm:cxn modelId="{664732C5-1DC4-4322-A174-3A9D6A09E616}" srcId="{3340A971-4CD3-4982-B255-1D2C46BED41D}" destId="{4193DADE-0FF9-4520-B449-8E48389043C1}" srcOrd="0" destOrd="0" parTransId="{2FF0DC44-19CA-4475-9C00-C4DAB4883793}" sibTransId="{A7D94581-8EBC-4F24-B176-7E9038B265A0}"/>
+    <dgm:cxn modelId="{E8D35FEA-D1DF-4BC7-A0FC-7598EA49698B}" type="presOf" srcId="{4193DADE-0FF9-4520-B449-8E48389043C1}" destId="{7181FAE7-5AD2-4147-A02C-20F68F71D9FC}" srcOrd="0" destOrd="0" presId="urn:microsoft.com/office/officeart/2005/8/layout/list1"/>
+    <dgm:cxn modelId="{8A733EAC-EFBC-49F5-9A3F-F0DD4982BF6F}" type="presParOf" srcId="{8F0893AC-C856-4C57-9FE4-4B08E1DBDBBB}" destId="{FB07BBD0-CE51-44FC-B6D1-DC371D86FCBC}" srcOrd="0" destOrd="0" presId="urn:microsoft.com/office/officeart/2005/8/layout/list1"/>
+    <dgm:cxn modelId="{B54989B8-D0B2-47B1-A76F-CA0DC8C8F9A5}" type="presParOf" srcId="{FB07BBD0-CE51-44FC-B6D1-DC371D86FCBC}" destId="{7181FAE7-5AD2-4147-A02C-20F68F71D9FC}" srcOrd="0" destOrd="0" presId="urn:microsoft.com/office/officeart/2005/8/layout/list1"/>
+    <dgm:cxn modelId="{85B5D97B-A903-4B03-9483-1C611AA2E5C9}" type="presParOf" srcId="{FB07BBD0-CE51-44FC-B6D1-DC371D86FCBC}" destId="{5D53403F-895C-4F20-8CCF-D0B34B0D66C6}" srcOrd="1" destOrd="0" presId="urn:microsoft.com/office/officeart/2005/8/layout/list1"/>
+    <dgm:cxn modelId="{2FE8AF37-9F0D-467E-BF30-51A52DCACB05}" type="presParOf" srcId="{8F0893AC-C856-4C57-9FE4-4B08E1DBDBBB}" destId="{62E8EE5B-D02A-4B03-9E17-6779F415A4A4}" srcOrd="1" destOrd="0" presId="urn:microsoft.com/office/officeart/2005/8/layout/list1"/>
+    <dgm:cxn modelId="{622A4C77-4710-4402-BC74-AA378D671C98}" type="presParOf" srcId="{8F0893AC-C856-4C57-9FE4-4B08E1DBDBBB}" destId="{13FBE99A-97D4-4664-BA63-250E10D9035A}" srcOrd="2" destOrd="0" presId="urn:microsoft.com/office/officeart/2005/8/layout/list1"/>
   </dgm:cxnLst>
   <dgm:bg/>
   <dgm:whole/>
@@ -4252,7 +4135,7 @@
 <dgm:dataModel xmlns:dgm="http://schemas.openxmlformats.org/drawingml/2006/diagram" xmlns:a="http://schemas.openxmlformats.org/drawingml/2006/main">
   <dgm:ptLst>
     <dgm:pt modelId="{7D942F3F-2553-4DCE-902E-5EB5742EE1AE}" type="doc">
-      <dgm:prSet loTypeId="urn:microsoft.com/office/officeart/2005/8/layout/default" loCatId="list" qsTypeId="urn:microsoft.com/office/officeart/2005/8/quickstyle/simple1" qsCatId="simple" csTypeId="urn:microsoft.com/office/officeart/2005/8/colors/colorful2" csCatId="colorful"/>
+      <dgm:prSet loTypeId="urn:microsoft.com/office/officeart/2005/8/layout/vList2" loCatId="list" qsTypeId="urn:microsoft.com/office/officeart/2005/8/quickstyle/simple1" qsCatId="simple" csTypeId="urn:microsoft.com/office/officeart/2005/8/colors/colorful2" csCatId="colorful" phldr="1"/>
       <dgm:spPr/>
       <dgm:t>
         <a:bodyPr/>
@@ -4269,37 +4152,24 @@
         <a:bodyPr/>
         <a:lstStyle/>
         <a:p>
+          <a:pPr rtl="0"/>
           <a:r>
-            <a:rPr lang="en-US" dirty="0">
-              <a:latin typeface="微软雅黑" panose="020B0503020204020204" pitchFamily="34" charset="-122"/>
-              <a:ea typeface="微软雅黑" panose="020B0503020204020204" pitchFamily="34" charset="-122"/>
+            <a:rPr lang="en-US">
+              <a:latin typeface="微软雅黑"/>
+              <a:ea typeface="微软雅黑"/>
             </a:rPr>
             <a:t>1. </a:t>
           </a:r>
           <a:r>
-            <a:rPr lang="zh-CN" dirty="0">
-              <a:latin typeface="微软雅黑" panose="020B0503020204020204" pitchFamily="34" charset="-122"/>
-              <a:ea typeface="微软雅黑" panose="020B0503020204020204" pitchFamily="34" charset="-122"/>
+            <a:rPr lang="zh-CN">
+              <a:latin typeface="微软雅黑"/>
+              <a:ea typeface="微软雅黑"/>
             </a:rPr>
-            <a:t>图片预处理：如何将人脸照片转换为</a:t>
+            <a:t>图片预处理</a:t>
           </a:r>
-          <a:r>
-            <a:rPr lang="en-US" dirty="0">
-              <a:latin typeface="微软雅黑" panose="020B0503020204020204" pitchFamily="34" charset="-122"/>
-              <a:ea typeface="微软雅黑" panose="020B0503020204020204" pitchFamily="34" charset="-122"/>
-            </a:rPr>
-            <a:t>PCA</a:t>
-          </a:r>
-          <a:r>
-            <a:rPr lang="zh-CN" dirty="0">
-              <a:latin typeface="微软雅黑" panose="020B0503020204020204" pitchFamily="34" charset="-122"/>
-              <a:ea typeface="微软雅黑" panose="020B0503020204020204" pitchFamily="34" charset="-122"/>
-            </a:rPr>
-            <a:t>需要的数据？</a:t>
-          </a:r>
-          <a:endParaRPr lang="en-US" dirty="0">
-            <a:latin typeface="微软雅黑" panose="020B0503020204020204" pitchFamily="34" charset="-122"/>
-            <a:ea typeface="微软雅黑" panose="020B0503020204020204" pitchFamily="34" charset="-122"/>
+          <a:endParaRPr lang="en-US" altLang="zh-CN">
+            <a:latin typeface="微软雅黑"/>
+            <a:ea typeface="微软雅黑"/>
           </a:endParaRPr>
         </a:p>
       </dgm:t>
@@ -4339,37 +4209,24 @@
         <a:bodyPr/>
         <a:lstStyle/>
         <a:p>
+          <a:pPr rtl="0"/>
           <a:r>
             <a:rPr lang="en-US">
-              <a:latin typeface="微软雅黑" panose="020B0503020204020204" pitchFamily="34" charset="-122"/>
-              <a:ea typeface="微软雅黑" panose="020B0503020204020204" pitchFamily="34" charset="-122"/>
+              <a:latin typeface="微软雅黑"/>
+              <a:ea typeface="微软雅黑"/>
             </a:rPr>
             <a:t>2. PCA</a:t>
           </a:r>
           <a:r>
             <a:rPr lang="zh-CN">
-              <a:latin typeface="微软雅黑" panose="020B0503020204020204" pitchFamily="34" charset="-122"/>
-              <a:ea typeface="微软雅黑" panose="020B0503020204020204" pitchFamily="34" charset="-122"/>
+              <a:latin typeface="微软雅黑"/>
+              <a:ea typeface="微软雅黑"/>
             </a:rPr>
-            <a:t>的实现：如何自己写出</a:t>
+            <a:t>的实现</a:t>
           </a:r>
-          <a:r>
-            <a:rPr lang="en-US">
-              <a:latin typeface="微软雅黑" panose="020B0503020204020204" pitchFamily="34" charset="-122"/>
-              <a:ea typeface="微软雅黑" panose="020B0503020204020204" pitchFamily="34" charset="-122"/>
-            </a:rPr>
-            <a:t>PCA</a:t>
-          </a:r>
-          <a:r>
-            <a:rPr lang="zh-CN">
-              <a:latin typeface="微软雅黑" panose="020B0503020204020204" pitchFamily="34" charset="-122"/>
-              <a:ea typeface="微软雅黑" panose="020B0503020204020204" pitchFamily="34" charset="-122"/>
-            </a:rPr>
-            <a:t>函数并利用它提取主要信息？</a:t>
-          </a:r>
-          <a:endParaRPr lang="en-US">
-            <a:latin typeface="微软雅黑" panose="020B0503020204020204" pitchFamily="34" charset="-122"/>
-            <a:ea typeface="微软雅黑" panose="020B0503020204020204" pitchFamily="34" charset="-122"/>
+          <a:endParaRPr lang="en-US" altLang="zh-CN">
+            <a:latin typeface="微软雅黑"/>
+            <a:ea typeface="微软雅黑"/>
           </a:endParaRPr>
         </a:p>
       </dgm:t>
@@ -4409,23 +4266,24 @@
         <a:bodyPr/>
         <a:lstStyle/>
         <a:p>
+          <a:pPr rtl="0"/>
           <a:r>
             <a:rPr lang="en-US">
-              <a:latin typeface="微软雅黑" panose="020B0503020204020204" pitchFamily="34" charset="-122"/>
-              <a:ea typeface="微软雅黑" panose="020B0503020204020204" pitchFamily="34" charset="-122"/>
+              <a:latin typeface="微软雅黑"/>
+              <a:ea typeface="微软雅黑"/>
             </a:rPr>
             <a:t>3. </a:t>
           </a:r>
           <a:r>
             <a:rPr lang="zh-CN">
-              <a:latin typeface="微软雅黑" panose="020B0503020204020204" pitchFamily="34" charset="-122"/>
-              <a:ea typeface="微软雅黑" panose="020B0503020204020204" pitchFamily="34" charset="-122"/>
+              <a:latin typeface="微软雅黑"/>
+              <a:ea typeface="微软雅黑"/>
             </a:rPr>
-            <a:t>降维压缩：如何利用提取到的信息压缩照片？</a:t>
+            <a:t>降维压缩</a:t>
           </a:r>
-          <a:endParaRPr lang="en-US">
-            <a:latin typeface="微软雅黑" panose="020B0503020204020204" pitchFamily="34" charset="-122"/>
-            <a:ea typeface="微软雅黑" panose="020B0503020204020204" pitchFamily="34" charset="-122"/>
+          <a:endParaRPr lang="en-US" altLang="zh-CN">
+            <a:latin typeface="微软雅黑"/>
+            <a:ea typeface="微软雅黑"/>
           </a:endParaRPr>
         </a:p>
       </dgm:t>
@@ -4458,41 +4316,166 @@
         </a:p>
       </dgm:t>
     </dgm:pt>
-    <dgm:pt modelId="{F060798A-8A30-44D2-891C-2E4031095D50}" type="pres">
-      <dgm:prSet presAssocID="{7D942F3F-2553-4DCE-902E-5EB5742EE1AE}" presName="diagram" presStyleCnt="0">
+    <dgm:pt modelId="{C12FBFA8-B668-49C9-B315-4A17F3676005}">
+      <dgm:prSet phldr="0"/>
+      <dgm:spPr/>
+      <dgm:t>
+        <a:bodyPr/>
+        <a:lstStyle/>
+        <a:p>
+          <a:r>
+            <a:rPr lang="zh-CN">
+              <a:latin typeface="微软雅黑"/>
+              <a:ea typeface="微软雅黑"/>
+            </a:rPr>
+            <a:t>如何将人脸照片转换为</a:t>
+          </a:r>
+          <a:r>
+            <a:rPr lang="en-US">
+              <a:latin typeface="微软雅黑"/>
+              <a:ea typeface="微软雅黑"/>
+            </a:rPr>
+            <a:t>PCA</a:t>
+          </a:r>
+          <a:r>
+            <a:rPr lang="zh-CN">
+              <a:latin typeface="微软雅黑"/>
+              <a:ea typeface="微软雅黑"/>
+            </a:rPr>
+            <a:t>需要的数据？</a:t>
+          </a:r>
+          <a:endParaRPr lang="en-GB"/>
+        </a:p>
+      </dgm:t>
+    </dgm:pt>
+    <dgm:pt modelId="{68E8AAAE-D626-42F0-A595-E2DFCA690B76}" type="parTrans" cxnId="{70F1A1CE-1455-4C6D-B185-F18080D4CA26}">
+      <dgm:prSet/>
+      <dgm:spPr/>
+    </dgm:pt>
+    <dgm:pt modelId="{A2DC720A-D5A5-4D54-BD97-EF190BE33E3C}" type="sibTrans" cxnId="{70F1A1CE-1455-4C6D-B185-F18080D4CA26}">
+      <dgm:prSet/>
+      <dgm:spPr/>
+    </dgm:pt>
+    <dgm:pt modelId="{ACBF28FF-4FDB-44C0-9BDD-6D0197300A2A}">
+      <dgm:prSet phldr="0"/>
+      <dgm:spPr/>
+      <dgm:t>
+        <a:bodyPr/>
+        <a:lstStyle/>
+        <a:p>
+          <a:r>
+            <a:rPr lang="zh-CN">
+              <a:latin typeface="微软雅黑"/>
+              <a:ea typeface="微软雅黑"/>
+            </a:rPr>
+            <a:t>如何自己写出</a:t>
+          </a:r>
+          <a:r>
+            <a:rPr lang="en-US">
+              <a:latin typeface="微软雅黑"/>
+              <a:ea typeface="微软雅黑"/>
+            </a:rPr>
+            <a:t>PCA</a:t>
+          </a:r>
+          <a:r>
+            <a:rPr lang="zh-CN">
+              <a:latin typeface="微软雅黑"/>
+              <a:ea typeface="微软雅黑"/>
+            </a:rPr>
+            <a:t>函数并利用它提取主要信息？</a:t>
+          </a:r>
+          <a:endParaRPr lang="en-GB"/>
+        </a:p>
+      </dgm:t>
+    </dgm:pt>
+    <dgm:pt modelId="{F36BE6D1-B8BE-4452-83A7-972083CFDB29}" type="parTrans" cxnId="{EEE6F72B-E9C8-453A-B33E-4474A0B566F1}">
+      <dgm:prSet/>
+      <dgm:spPr/>
+    </dgm:pt>
+    <dgm:pt modelId="{A04750F7-2EDE-40D4-AA24-A73A5A805285}" type="sibTrans" cxnId="{EEE6F72B-E9C8-453A-B33E-4474A0B566F1}">
+      <dgm:prSet/>
+      <dgm:spPr/>
+    </dgm:pt>
+    <dgm:pt modelId="{16CE0333-1FC6-488F-A672-751F58DDCF96}">
+      <dgm:prSet phldr="0"/>
+      <dgm:spPr/>
+      <dgm:t>
+        <a:bodyPr/>
+        <a:lstStyle/>
+        <a:p>
+          <a:r>
+            <a:rPr lang="zh-CN">
+              <a:latin typeface="微软雅黑"/>
+              <a:ea typeface="微软雅黑"/>
+            </a:rPr>
+            <a:t>如何利用提取到的信息压缩照片？</a:t>
+          </a:r>
+          <a:endParaRPr lang="en-GB"/>
+        </a:p>
+      </dgm:t>
+    </dgm:pt>
+    <dgm:pt modelId="{D31386CE-C439-4EAB-A125-D909B7DB4F40}" type="parTrans" cxnId="{E1B6AF40-5C00-4968-A99B-2669CA6F91C9}">
+      <dgm:prSet/>
+      <dgm:spPr/>
+    </dgm:pt>
+    <dgm:pt modelId="{B5106232-65DF-4945-8DEF-A82C2C85B805}" type="sibTrans" cxnId="{E1B6AF40-5C00-4968-A99B-2669CA6F91C9}">
+      <dgm:prSet/>
+      <dgm:spPr/>
+    </dgm:pt>
+    <dgm:pt modelId="{4E55E8BB-DED4-4FA5-A602-96E9B1EED703}" type="pres">
+      <dgm:prSet presAssocID="{7D942F3F-2553-4DCE-902E-5EB5742EE1AE}" presName="linear" presStyleCnt="0">
         <dgm:presLayoutVars>
-          <dgm:dir/>
+          <dgm:animLvl val="lvl"/>
           <dgm:resizeHandles val="exact"/>
         </dgm:presLayoutVars>
       </dgm:prSet>
       <dgm:spPr/>
     </dgm:pt>
-    <dgm:pt modelId="{31FC160A-B8CA-460A-BCC2-C91F528E3641}" type="pres">
-      <dgm:prSet presAssocID="{B11950FC-1986-4BCE-970B-DB409EA5355E}" presName="node" presStyleLbl="node1" presStyleIdx="0" presStyleCnt="3">
+    <dgm:pt modelId="{0A46FB14-C4AF-4348-919E-6852057BB767}" type="pres">
+      <dgm:prSet presAssocID="{B11950FC-1986-4BCE-970B-DB409EA5355E}" presName="parentText" presStyleLbl="node1" presStyleIdx="0" presStyleCnt="3">
+        <dgm:presLayoutVars>
+          <dgm:chMax val="0"/>
+          <dgm:bulletEnabled val="1"/>
+        </dgm:presLayoutVars>
+      </dgm:prSet>
+      <dgm:spPr/>
+    </dgm:pt>
+    <dgm:pt modelId="{CDDB0165-A4C7-4249-9E73-F91CCA472B8F}" type="pres">
+      <dgm:prSet presAssocID="{B11950FC-1986-4BCE-970B-DB409EA5355E}" presName="childText" presStyleLbl="revTx" presStyleIdx="0" presStyleCnt="3">
         <dgm:presLayoutVars>
           <dgm:bulletEnabled val="1"/>
         </dgm:presLayoutVars>
       </dgm:prSet>
       <dgm:spPr/>
     </dgm:pt>
-    <dgm:pt modelId="{A114AB84-C697-43B5-9604-DB9BC59A7041}" type="pres">
-      <dgm:prSet presAssocID="{A31A3A59-5AA1-4AEE-AF6E-D615570FDA6B}" presName="sibTrans" presStyleCnt="0"/>
+    <dgm:pt modelId="{BDB6FCB7-6AD5-4EEE-B833-3A73B425FF43}" type="pres">
+      <dgm:prSet presAssocID="{E1046B36-9C8F-461E-B4DA-E88F926DE504}" presName="parentText" presStyleLbl="node1" presStyleIdx="1" presStyleCnt="3">
+        <dgm:presLayoutVars>
+          <dgm:chMax val="0"/>
+          <dgm:bulletEnabled val="1"/>
+        </dgm:presLayoutVars>
+      </dgm:prSet>
       <dgm:spPr/>
     </dgm:pt>
-    <dgm:pt modelId="{0AE75ADE-9597-4139-AE2B-C20221491B49}" type="pres">
-      <dgm:prSet presAssocID="{E1046B36-9C8F-461E-B4DA-E88F926DE504}" presName="node" presStyleLbl="node1" presStyleIdx="1" presStyleCnt="3">
+    <dgm:pt modelId="{8C015147-00EB-4A86-AEDB-1B81EA6A4A2D}" type="pres">
+      <dgm:prSet presAssocID="{E1046B36-9C8F-461E-B4DA-E88F926DE504}" presName="childText" presStyleLbl="revTx" presStyleIdx="1" presStyleCnt="3">
         <dgm:presLayoutVars>
           <dgm:bulletEnabled val="1"/>
         </dgm:presLayoutVars>
       </dgm:prSet>
       <dgm:spPr/>
     </dgm:pt>
-    <dgm:pt modelId="{54C69896-D201-4BF9-B463-E00F3C05BF10}" type="pres">
-      <dgm:prSet presAssocID="{EDB00BCC-80B6-4159-BFA3-7E8B662E7BB8}" presName="sibTrans" presStyleCnt="0"/>
+    <dgm:pt modelId="{3FFA8177-404B-4C70-8468-AE3BE962C765}" type="pres">
+      <dgm:prSet presAssocID="{E37163C5-4075-4E9A-BA6F-0025F7E68C85}" presName="parentText" presStyleLbl="node1" presStyleIdx="2" presStyleCnt="3">
+        <dgm:presLayoutVars>
+          <dgm:chMax val="0"/>
+          <dgm:bulletEnabled val="1"/>
+        </dgm:presLayoutVars>
+      </dgm:prSet>
       <dgm:spPr/>
     </dgm:pt>
-    <dgm:pt modelId="{79CDEA11-2AF7-48C8-A757-77155AC2C5DE}" type="pres">
-      <dgm:prSet presAssocID="{E37163C5-4075-4E9A-BA6F-0025F7E68C85}" presName="node" presStyleLbl="node1" presStyleIdx="2" presStyleCnt="3">
+    <dgm:pt modelId="{5C6CBAD2-DAA7-4101-808D-50EB1A56F26F}" type="pres">
+      <dgm:prSet presAssocID="{E37163C5-4075-4E9A-BA6F-0025F7E68C85}" presName="childText" presStyleLbl="revTx" presStyleIdx="2" presStyleCnt="3">
         <dgm:presLayoutVars>
           <dgm:bulletEnabled val="1"/>
         </dgm:presLayoutVars>
@@ -4502,17 +4485,24 @@
   </dgm:ptLst>
   <dgm:cxnLst>
     <dgm:cxn modelId="{DD485A09-BC7D-42AB-A980-502C2B218E2A}" srcId="{7D942F3F-2553-4DCE-902E-5EB5742EE1AE}" destId="{E1046B36-9C8F-461E-B4DA-E88F926DE504}" srcOrd="1" destOrd="0" parTransId="{59EF4556-C1C5-4D0E-B44E-DF64E19E3736}" sibTransId="{EDB00BCC-80B6-4159-BFA3-7E8B662E7BB8}"/>
-    <dgm:cxn modelId="{71B3AE5F-7D22-419C-A721-EA4760D45190}" type="presOf" srcId="{B11950FC-1986-4BCE-970B-DB409EA5355E}" destId="{31FC160A-B8CA-460A-BCC2-C91F528E3641}" srcOrd="0" destOrd="0" presId="urn:microsoft.com/office/officeart/2005/8/layout/default"/>
-    <dgm:cxn modelId="{87C14460-F359-4C8B-BF4B-0EC9494A1EBE}" type="presOf" srcId="{E37163C5-4075-4E9A-BA6F-0025F7E68C85}" destId="{79CDEA11-2AF7-48C8-A757-77155AC2C5DE}" srcOrd="0" destOrd="0" presId="urn:microsoft.com/office/officeart/2005/8/layout/default"/>
+    <dgm:cxn modelId="{DC06E81A-EDC0-4A5A-86A0-CAB549F44D4F}" type="presOf" srcId="{B11950FC-1986-4BCE-970B-DB409EA5355E}" destId="{0A46FB14-C4AF-4348-919E-6852057BB767}" srcOrd="0" destOrd="0" presId="urn:microsoft.com/office/officeart/2005/8/layout/vList2"/>
+    <dgm:cxn modelId="{EEE6F72B-E9C8-453A-B33E-4474A0B566F1}" srcId="{E1046B36-9C8F-461E-B4DA-E88F926DE504}" destId="{ACBF28FF-4FDB-44C0-9BDD-6D0197300A2A}" srcOrd="0" destOrd="0" parTransId="{F36BE6D1-B8BE-4452-83A7-972083CFDB29}" sibTransId="{A04750F7-2EDE-40D4-AA24-A73A5A805285}"/>
+    <dgm:cxn modelId="{E1B6AF40-5C00-4968-A99B-2669CA6F91C9}" srcId="{E37163C5-4075-4E9A-BA6F-0025F7E68C85}" destId="{16CE0333-1FC6-488F-A672-751F58DDCF96}" srcOrd="0" destOrd="0" parTransId="{D31386CE-C439-4EAB-A125-D909B7DB4F40}" sibTransId="{B5106232-65DF-4945-8DEF-A82C2C85B805}"/>
+    <dgm:cxn modelId="{A7B19F45-4606-418D-A2DF-CE0357C79A06}" type="presOf" srcId="{7D942F3F-2553-4DCE-902E-5EB5742EE1AE}" destId="{4E55E8BB-DED4-4FA5-A602-96E9B1EED703}" srcOrd="0" destOrd="0" presId="urn:microsoft.com/office/officeart/2005/8/layout/vList2"/>
+    <dgm:cxn modelId="{C9FEBF6D-6A19-4945-A15F-8BC6AE070BD1}" type="presOf" srcId="{C12FBFA8-B668-49C9-B315-4A17F3676005}" destId="{CDDB0165-A4C7-4249-9E73-F91CCA472B8F}" srcOrd="0" destOrd="0" presId="urn:microsoft.com/office/officeart/2005/8/layout/vList2"/>
     <dgm:cxn modelId="{A7F7954E-6A09-4B92-A567-A327E47EA725}" srcId="{7D942F3F-2553-4DCE-902E-5EB5742EE1AE}" destId="{E37163C5-4075-4E9A-BA6F-0025F7E68C85}" srcOrd="2" destOrd="0" parTransId="{E806FB0A-E191-43DD-B553-EA6B8862FB29}" sibTransId="{9B46CE15-F651-4EEC-BEB2-94241BF2E485}"/>
-    <dgm:cxn modelId="{DD85C18D-C591-455A-8DEF-581FBD0A929C}" type="presOf" srcId="{E1046B36-9C8F-461E-B4DA-E88F926DE504}" destId="{0AE75ADE-9597-4139-AE2B-C20221491B49}" srcOrd="0" destOrd="0" presId="urn:microsoft.com/office/officeart/2005/8/layout/default"/>
+    <dgm:cxn modelId="{1B70C986-BF9A-46C5-BB85-4EB620399B79}" type="presOf" srcId="{ACBF28FF-4FDB-44C0-9BDD-6D0197300A2A}" destId="{8C015147-00EB-4A86-AEDB-1B81EA6A4A2D}" srcOrd="0" destOrd="0" presId="urn:microsoft.com/office/officeart/2005/8/layout/vList2"/>
+    <dgm:cxn modelId="{12DB3389-0B97-4B8F-8AE2-A1906ABFD421}" type="presOf" srcId="{16CE0333-1FC6-488F-A672-751F58DDCF96}" destId="{5C6CBAD2-DAA7-4101-808D-50EB1A56F26F}" srcOrd="0" destOrd="0" presId="urn:microsoft.com/office/officeart/2005/8/layout/vList2"/>
+    <dgm:cxn modelId="{2762DCA9-7960-4056-98CB-CCC9557D87CE}" type="presOf" srcId="{E37163C5-4075-4E9A-BA6F-0025F7E68C85}" destId="{3FFA8177-404B-4C70-8468-AE3BE962C765}" srcOrd="0" destOrd="0" presId="urn:microsoft.com/office/officeart/2005/8/layout/vList2"/>
+    <dgm:cxn modelId="{70F1A1CE-1455-4C6D-B185-F18080D4CA26}" srcId="{B11950FC-1986-4BCE-970B-DB409EA5355E}" destId="{C12FBFA8-B668-49C9-B315-4A17F3676005}" srcOrd="0" destOrd="0" parTransId="{68E8AAAE-D626-42F0-A595-E2DFCA690B76}" sibTransId="{A2DC720A-D5A5-4D54-BD97-EF190BE33E3C}"/>
     <dgm:cxn modelId="{7E8458EA-BB9B-40EA-9634-86D00921646C}" srcId="{7D942F3F-2553-4DCE-902E-5EB5742EE1AE}" destId="{B11950FC-1986-4BCE-970B-DB409EA5355E}" srcOrd="0" destOrd="0" parTransId="{B89E116C-FF30-4998-B92C-78FE13EA3AF3}" sibTransId="{A31A3A59-5AA1-4AEE-AF6E-D615570FDA6B}"/>
-    <dgm:cxn modelId="{A80AF3F7-0054-4D96-94F9-3F9F57C330B5}" type="presOf" srcId="{7D942F3F-2553-4DCE-902E-5EB5742EE1AE}" destId="{F060798A-8A30-44D2-891C-2E4031095D50}" srcOrd="0" destOrd="0" presId="urn:microsoft.com/office/officeart/2005/8/layout/default"/>
-    <dgm:cxn modelId="{78C3C5A2-0EEB-43B6-974B-4390B4FCEC62}" type="presParOf" srcId="{F060798A-8A30-44D2-891C-2E4031095D50}" destId="{31FC160A-B8CA-460A-BCC2-C91F528E3641}" srcOrd="0" destOrd="0" presId="urn:microsoft.com/office/officeart/2005/8/layout/default"/>
-    <dgm:cxn modelId="{B4643D47-CF3E-4FD0-B63D-7169002D1A18}" type="presParOf" srcId="{F060798A-8A30-44D2-891C-2E4031095D50}" destId="{A114AB84-C697-43B5-9604-DB9BC59A7041}" srcOrd="1" destOrd="0" presId="urn:microsoft.com/office/officeart/2005/8/layout/default"/>
-    <dgm:cxn modelId="{8CFB8FD5-6FCE-453B-874B-740717D620C0}" type="presParOf" srcId="{F060798A-8A30-44D2-891C-2E4031095D50}" destId="{0AE75ADE-9597-4139-AE2B-C20221491B49}" srcOrd="2" destOrd="0" presId="urn:microsoft.com/office/officeart/2005/8/layout/default"/>
-    <dgm:cxn modelId="{546F645C-58E1-4C5F-ADEA-F562456E5170}" type="presParOf" srcId="{F060798A-8A30-44D2-891C-2E4031095D50}" destId="{54C69896-D201-4BF9-B463-E00F3C05BF10}" srcOrd="3" destOrd="0" presId="urn:microsoft.com/office/officeart/2005/8/layout/default"/>
-    <dgm:cxn modelId="{D6797336-8AFB-496F-999C-8069B135DF47}" type="presParOf" srcId="{F060798A-8A30-44D2-891C-2E4031095D50}" destId="{79CDEA11-2AF7-48C8-A757-77155AC2C5DE}" srcOrd="4" destOrd="0" presId="urn:microsoft.com/office/officeart/2005/8/layout/default"/>
+    <dgm:cxn modelId="{FA0733EF-97C4-46E6-8FD3-F79838FC441B}" type="presOf" srcId="{E1046B36-9C8F-461E-B4DA-E88F926DE504}" destId="{BDB6FCB7-6AD5-4EEE-B833-3A73B425FF43}" srcOrd="0" destOrd="0" presId="urn:microsoft.com/office/officeart/2005/8/layout/vList2"/>
+    <dgm:cxn modelId="{B72BD768-9A63-4CD3-9485-12F3C3E2B824}" type="presParOf" srcId="{4E55E8BB-DED4-4FA5-A602-96E9B1EED703}" destId="{0A46FB14-C4AF-4348-919E-6852057BB767}" srcOrd="0" destOrd="0" presId="urn:microsoft.com/office/officeart/2005/8/layout/vList2"/>
+    <dgm:cxn modelId="{D3BAA2E9-1BBA-4BED-91E3-4C0500CE7A73}" type="presParOf" srcId="{4E55E8BB-DED4-4FA5-A602-96E9B1EED703}" destId="{CDDB0165-A4C7-4249-9E73-F91CCA472B8F}" srcOrd="1" destOrd="0" presId="urn:microsoft.com/office/officeart/2005/8/layout/vList2"/>
+    <dgm:cxn modelId="{63AF85C0-4684-485C-827D-A2CA80F2DE00}" type="presParOf" srcId="{4E55E8BB-DED4-4FA5-A602-96E9B1EED703}" destId="{BDB6FCB7-6AD5-4EEE-B833-3A73B425FF43}" srcOrd="2" destOrd="0" presId="urn:microsoft.com/office/officeart/2005/8/layout/vList2"/>
+    <dgm:cxn modelId="{EF62C43A-E731-46C9-97FF-8EA82668A987}" type="presParOf" srcId="{4E55E8BB-DED4-4FA5-A602-96E9B1EED703}" destId="{8C015147-00EB-4A86-AEDB-1B81EA6A4A2D}" srcOrd="3" destOrd="0" presId="urn:microsoft.com/office/officeart/2005/8/layout/vList2"/>
+    <dgm:cxn modelId="{37C94E18-7BB4-4C3F-AF3B-857C672DD936}" type="presParOf" srcId="{4E55E8BB-DED4-4FA5-A602-96E9B1EED703}" destId="{3FFA8177-404B-4C70-8468-AE3BE962C765}" srcOrd="4" destOrd="0" presId="urn:microsoft.com/office/officeart/2005/8/layout/vList2"/>
+    <dgm:cxn modelId="{0C9D8BD4-FDAE-42F4-9432-139BD0BAE6AA}" type="presParOf" srcId="{4E55E8BB-DED4-4FA5-A602-96E9B1EED703}" destId="{5C6CBAD2-DAA7-4101-808D-50EB1A56F26F}" srcOrd="5" destOrd="0" presId="urn:microsoft.com/office/officeart/2005/8/layout/vList2"/>
   </dgm:cxnLst>
   <dgm:bg/>
   <dgm:whole/>
@@ -4532,21 +4522,22 @@
       <dsp:cNvGrpSpPr/>
     </dsp:nvGrpSpPr>
     <dsp:grpSpPr/>
-    <dsp:sp modelId="{BF34E299-6F68-4F3D-B7C2-1487E1247A90}">
+    <dsp:sp modelId="{13FBE99A-97D4-4664-BA63-250E10D9035A}">
       <dsp:nvSpPr>
         <dsp:cNvPr id="0" name=""/>
         <dsp:cNvSpPr/>
       </dsp:nvSpPr>
       <dsp:spPr>
         <a:xfrm>
-          <a:off x="0" y="462"/>
-          <a:ext cx="10058399" cy="0"/>
+          <a:off x="0" y="369064"/>
+          <a:ext cx="10058399" cy="1738800"/>
         </a:xfrm>
-        <a:prstGeom prst="line">
+        <a:prstGeom prst="rect">
           <a:avLst/>
         </a:prstGeom>
         <a:solidFill>
-          <a:schemeClr val="accent3">
+          <a:schemeClr val="lt1">
+            <a:alpha val="90000"/>
             <a:hueOff val="0"/>
             <a:satOff val="0"/>
             <a:lumOff val="0"/>
@@ -4555,7 +4546,142 @@
         </a:solidFill>
         <a:ln w="15875" cap="flat" cmpd="sng" algn="ctr">
           <a:solidFill>
-            <a:schemeClr val="accent3">
+            <a:schemeClr val="accent2">
+              <a:hueOff val="0"/>
+              <a:satOff val="0"/>
+              <a:lumOff val="0"/>
+              <a:alphaOff val="0"/>
+            </a:schemeClr>
+          </a:solidFill>
+          <a:prstDash val="solid"/>
+        </a:ln>
+        <a:effectLst/>
+      </dsp:spPr>
+      <dsp:style>
+        <a:lnRef idx="2">
+          <a:scrgbClr r="0" g="0" b="0"/>
+        </a:lnRef>
+        <a:fillRef idx="1">
+          <a:scrgbClr r="0" g="0" b="0"/>
+        </a:fillRef>
+        <a:effectRef idx="0">
+          <a:scrgbClr r="0" g="0" b="0"/>
+        </a:effectRef>
+        <a:fontRef idx="minor"/>
+      </dsp:style>
+      <dsp:txBody>
+        <a:bodyPr spcFirstLastPara="0" vert="horz" wrap="square" lIns="780644" tIns="499872" rIns="780644" bIns="170688" numCol="1" spcCol="1270" anchor="t" anchorCtr="0">
+          <a:noAutofit/>
+        </a:bodyPr>
+        <a:lstStyle/>
+        <a:p>
+          <a:pPr marL="228600" lvl="1" indent="-228600" algn="l" defTabSz="1066800">
+            <a:lnSpc>
+              <a:spcPct val="90000"/>
+            </a:lnSpc>
+            <a:spcBef>
+              <a:spcPct val="0"/>
+            </a:spcBef>
+            <a:spcAft>
+              <a:spcPct val="15000"/>
+            </a:spcAft>
+            <a:buChar char="•"/>
+          </a:pPr>
+          <a:r>
+            <a:rPr lang="zh-CN" sz="2400" b="0" kern="1200">
+              <a:latin typeface="微软雅黑"/>
+              <a:ea typeface="微软雅黑"/>
+            </a:rPr>
+            <a:t>1. 如何用</a:t>
+          </a:r>
+          <a:r>
+            <a:rPr lang="en-US" sz="2400" b="0" kern="1200">
+              <a:latin typeface="微软雅黑"/>
+              <a:ea typeface="微软雅黑"/>
+            </a:rPr>
+            <a:t>PCA</a:t>
+          </a:r>
+          <a:r>
+            <a:rPr lang="zh-CN" altLang="en-US" sz="2400" b="0" kern="1200">
+              <a:latin typeface="微软雅黑"/>
+              <a:ea typeface="微软雅黑"/>
+            </a:rPr>
+            <a:t>实现图片的</a:t>
+          </a:r>
+          <a:r>
+            <a:rPr lang="zh-CN" sz="2400" b="0" kern="1200">
+              <a:latin typeface="微软雅黑"/>
+              <a:ea typeface="微软雅黑"/>
+            </a:rPr>
+            <a:t>降维压缩？</a:t>
+          </a:r>
+          <a:endParaRPr lang="en-US" sz="2400" b="0" kern="1200">
+            <a:latin typeface="微软雅黑"/>
+            <a:ea typeface="微软雅黑"/>
+          </a:endParaRPr>
+        </a:p>
+        <a:p>
+          <a:pPr marL="228600" lvl="1" indent="-228600" algn="l" defTabSz="1066800">
+            <a:lnSpc>
+              <a:spcPct val="90000"/>
+            </a:lnSpc>
+            <a:spcBef>
+              <a:spcPct val="0"/>
+            </a:spcBef>
+            <a:spcAft>
+              <a:spcPct val="15000"/>
+            </a:spcAft>
+            <a:buChar char="•"/>
+          </a:pPr>
+          <a:r>
+            <a:rPr lang="en-US" sz="2400" b="0" kern="1200">
+              <a:latin typeface="微软雅黑"/>
+              <a:ea typeface="微软雅黑"/>
+            </a:rPr>
+            <a:t>2. </a:t>
+          </a:r>
+          <a:r>
+            <a:rPr lang="zh-CN" sz="2400" b="0" kern="1200">
+              <a:latin typeface="微软雅黑"/>
+              <a:ea typeface="微软雅黑"/>
+            </a:rPr>
+            <a:t>如何用最近邻分类器实现人脸识别？</a:t>
+          </a:r>
+          <a:endParaRPr lang="en-US" sz="2400" b="0" kern="1200">
+            <a:latin typeface="微软雅黑"/>
+            <a:ea typeface="微软雅黑"/>
+          </a:endParaRPr>
+        </a:p>
+      </dsp:txBody>
+      <dsp:txXfrm>
+        <a:off x="0" y="369064"/>
+        <a:ext cx="10058399" cy="1738800"/>
+      </dsp:txXfrm>
+    </dsp:sp>
+    <dsp:sp modelId="{5D53403F-895C-4F20-8CCF-D0B34B0D66C6}">
+      <dsp:nvSpPr>
+        <dsp:cNvPr id="0" name=""/>
+        <dsp:cNvSpPr/>
+      </dsp:nvSpPr>
+      <dsp:spPr>
+        <a:xfrm>
+          <a:off x="502920" y="14824"/>
+          <a:ext cx="7040880" cy="708480"/>
+        </a:xfrm>
+        <a:prstGeom prst="roundRect">
+          <a:avLst/>
+        </a:prstGeom>
+        <a:solidFill>
+          <a:schemeClr val="accent2">
+            <a:hueOff val="0"/>
+            <a:satOff val="0"/>
+            <a:lumOff val="0"/>
+            <a:alphaOff val="0"/>
+          </a:schemeClr>
+        </a:solidFill>
+        <a:ln w="15875" cap="flat" cmpd="sng" algn="ctr">
+          <a:solidFill>
+            <a:schemeClr val="lt1">
               <a:hueOff val="0"/>
               <a:satOff val="0"/>
               <a:lumOff val="0"/>
@@ -4580,45 +4706,13 @@
           <a:schemeClr val="lt1"/>
         </a:fontRef>
       </dsp:style>
-    </dsp:sp>
-    <dsp:sp modelId="{62B1A725-705C-4EAB-8CE2-F27E057E0F63}">
-      <dsp:nvSpPr>
-        <dsp:cNvPr id="0" name=""/>
-        <dsp:cNvSpPr/>
-      </dsp:nvSpPr>
-      <dsp:spPr>
-        <a:xfrm>
-          <a:off x="0" y="462"/>
-          <a:ext cx="10058399" cy="757031"/>
-        </a:xfrm>
-        <a:prstGeom prst="rect">
-          <a:avLst/>
-        </a:prstGeom>
-        <a:noFill/>
-        <a:ln>
-          <a:noFill/>
-        </a:ln>
-        <a:effectLst/>
-      </dsp:spPr>
-      <dsp:style>
-        <a:lnRef idx="0">
-          <a:scrgbClr r="0" g="0" b="0"/>
-        </a:lnRef>
-        <a:fillRef idx="0">
-          <a:scrgbClr r="0" g="0" b="0"/>
-        </a:fillRef>
-        <a:effectRef idx="0">
-          <a:scrgbClr r="0" g="0" b="0"/>
-        </a:effectRef>
-        <a:fontRef idx="minor"/>
-      </dsp:style>
       <dsp:txBody>
-        <a:bodyPr spcFirstLastPara="0" vert="horz" wrap="square" lIns="99060" tIns="99060" rIns="99060" bIns="99060" numCol="1" spcCol="1270" anchor="t" anchorCtr="0">
+        <a:bodyPr spcFirstLastPara="0" vert="horz" wrap="square" lIns="266129" tIns="0" rIns="266129" bIns="0" numCol="1" spcCol="1270" anchor="ctr" anchorCtr="0">
           <a:noAutofit/>
         </a:bodyPr>
         <a:lstStyle/>
         <a:p>
-          <a:pPr marL="0" lvl="0" indent="0" algn="l" defTabSz="1155700">
+          <a:pPr marL="0" lvl="0" indent="0" algn="l" defTabSz="1066800">
             <a:lnSpc>
               <a:spcPct val="90000"/>
             </a:lnSpc>
@@ -4631,555 +4725,21 @@
             <a:buNone/>
           </a:pPr>
           <a:r>
-            <a:rPr lang="en-US" sz="2600" kern="1200" dirty="0">
-              <a:latin typeface="微软雅黑" panose="020B0503020204020204" pitchFamily="34" charset="-122"/>
-              <a:ea typeface="微软雅黑" panose="020B0503020204020204" pitchFamily="34" charset="-122"/>
+            <a:rPr lang="zh-CN" sz="2400" b="0" kern="1200">
+              <a:latin typeface="微软雅黑"/>
+              <a:ea typeface="微软雅黑"/>
             </a:rPr>
-            <a:t>1. </a:t>
+            <a:t>解决两个问题：</a:t>
           </a:r>
-          <a:r>
-            <a:rPr lang="zh-CN" sz="2600" kern="1200" dirty="0">
-              <a:latin typeface="微软雅黑" panose="020B0503020204020204" pitchFamily="34" charset="-122"/>
-              <a:ea typeface="微软雅黑" panose="020B0503020204020204" pitchFamily="34" charset="-122"/>
-            </a:rPr>
-            <a:t>用</a:t>
-          </a:r>
-          <a:r>
-            <a:rPr lang="en-US" sz="2600" kern="1200" dirty="0">
-              <a:latin typeface="微软雅黑" panose="020B0503020204020204" pitchFamily="34" charset="-122"/>
-              <a:ea typeface="微软雅黑" panose="020B0503020204020204" pitchFamily="34" charset="-122"/>
-            </a:rPr>
-            <a:t>PCA</a:t>
-          </a:r>
-          <a:r>
-            <a:rPr lang="zh-CN" sz="2600" kern="1200" dirty="0">
-              <a:latin typeface="微软雅黑" panose="020B0503020204020204" pitchFamily="34" charset="-122"/>
-              <a:ea typeface="微软雅黑" panose="020B0503020204020204" pitchFamily="34" charset="-122"/>
-            </a:rPr>
-            <a:t>降维（压缩）后，所得到的人脸图片与原始人脸图片对比。</a:t>
-          </a:r>
-          <a:endParaRPr lang="en-US" sz="2600" kern="1200" dirty="0">
-            <a:latin typeface="微软雅黑" panose="020B0503020204020204" pitchFamily="34" charset="-122"/>
-            <a:ea typeface="微软雅黑" panose="020B0503020204020204" pitchFamily="34" charset="-122"/>
+          <a:endParaRPr lang="en-US" sz="2400" b="0" kern="1200">
+            <a:latin typeface="微软雅黑"/>
+            <a:ea typeface="微软雅黑"/>
           </a:endParaRPr>
         </a:p>
       </dsp:txBody>
       <dsp:txXfrm>
-        <a:off x="0" y="462"/>
-        <a:ext cx="10058399" cy="757031"/>
-      </dsp:txXfrm>
-    </dsp:sp>
-    <dsp:sp modelId="{0687B0F2-8718-4672-82EB-785D488A3EC2}">
-      <dsp:nvSpPr>
-        <dsp:cNvPr id="0" name=""/>
-        <dsp:cNvSpPr/>
-      </dsp:nvSpPr>
-      <dsp:spPr>
-        <a:xfrm>
-          <a:off x="0" y="757493"/>
-          <a:ext cx="10058399" cy="0"/>
-        </a:xfrm>
-        <a:prstGeom prst="line">
-          <a:avLst/>
-        </a:prstGeom>
-        <a:solidFill>
-          <a:schemeClr val="accent3">
-            <a:hueOff val="0"/>
-            <a:satOff val="0"/>
-            <a:lumOff val="0"/>
-            <a:alphaOff val="0"/>
-          </a:schemeClr>
-        </a:solidFill>
-        <a:ln w="15875" cap="flat" cmpd="sng" algn="ctr">
-          <a:solidFill>
-            <a:schemeClr val="accent3">
-              <a:hueOff val="0"/>
-              <a:satOff val="0"/>
-              <a:lumOff val="0"/>
-              <a:alphaOff val="0"/>
-            </a:schemeClr>
-          </a:solidFill>
-          <a:prstDash val="solid"/>
-        </a:ln>
-        <a:effectLst/>
-      </dsp:spPr>
-      <dsp:style>
-        <a:lnRef idx="2">
-          <a:scrgbClr r="0" g="0" b="0"/>
-        </a:lnRef>
-        <a:fillRef idx="1">
-          <a:scrgbClr r="0" g="0" b="0"/>
-        </a:fillRef>
-        <a:effectRef idx="0">
-          <a:scrgbClr r="0" g="0" b="0"/>
-        </a:effectRef>
-        <a:fontRef idx="minor">
-          <a:schemeClr val="lt1"/>
-        </a:fontRef>
-      </dsp:style>
-    </dsp:sp>
-    <dsp:sp modelId="{B39D0521-503F-41BD-9FA0-E99580C73C10}">
-      <dsp:nvSpPr>
-        <dsp:cNvPr id="0" name=""/>
-        <dsp:cNvSpPr/>
-      </dsp:nvSpPr>
-      <dsp:spPr>
-        <a:xfrm>
-          <a:off x="0" y="757493"/>
-          <a:ext cx="10058399" cy="757031"/>
-        </a:xfrm>
-        <a:prstGeom prst="rect">
-          <a:avLst/>
-        </a:prstGeom>
-        <a:noFill/>
-        <a:ln>
-          <a:noFill/>
-        </a:ln>
-        <a:effectLst/>
-      </dsp:spPr>
-      <dsp:style>
-        <a:lnRef idx="0">
-          <a:scrgbClr r="0" g="0" b="0"/>
-        </a:lnRef>
-        <a:fillRef idx="0">
-          <a:scrgbClr r="0" g="0" b="0"/>
-        </a:fillRef>
-        <a:effectRef idx="0">
-          <a:scrgbClr r="0" g="0" b="0"/>
-        </a:effectRef>
-        <a:fontRef idx="minor"/>
-      </dsp:style>
-      <dsp:txBody>
-        <a:bodyPr spcFirstLastPara="0" vert="horz" wrap="square" lIns="99060" tIns="99060" rIns="99060" bIns="99060" numCol="1" spcCol="1270" anchor="t" anchorCtr="0">
-          <a:noAutofit/>
-        </a:bodyPr>
-        <a:lstStyle/>
-        <a:p>
-          <a:pPr marL="0" lvl="0" indent="0" algn="l" defTabSz="1155700">
-            <a:lnSpc>
-              <a:spcPct val="90000"/>
-            </a:lnSpc>
-            <a:spcBef>
-              <a:spcPct val="0"/>
-            </a:spcBef>
-            <a:spcAft>
-              <a:spcPct val="35000"/>
-            </a:spcAft>
-            <a:buNone/>
-          </a:pPr>
-          <a:r>
-            <a:rPr lang="en-US" sz="2600" kern="1200">
-              <a:latin typeface="微软雅黑" panose="020B0503020204020204" pitchFamily="34" charset="-122"/>
-              <a:ea typeface="微软雅黑" panose="020B0503020204020204" pitchFamily="34" charset="-122"/>
-            </a:rPr>
-            <a:t>2. </a:t>
-          </a:r>
-          <a:r>
-            <a:rPr lang="zh-CN" sz="2600" kern="1200">
-              <a:latin typeface="微软雅黑" panose="020B0503020204020204" pitchFamily="34" charset="-122"/>
-              <a:ea typeface="微软雅黑" panose="020B0503020204020204" pitchFamily="34" charset="-122"/>
-            </a:rPr>
-            <a:t>结合最近邻分类器，测试</a:t>
-          </a:r>
-          <a:r>
-            <a:rPr lang="en-US" sz="2600" kern="1200">
-              <a:latin typeface="微软雅黑" panose="020B0503020204020204" pitchFamily="34" charset="-122"/>
-              <a:ea typeface="微软雅黑" panose="020B0503020204020204" pitchFamily="34" charset="-122"/>
-            </a:rPr>
-            <a:t>PCA</a:t>
-          </a:r>
-          <a:r>
-            <a:rPr lang="zh-CN" sz="2600" kern="1200">
-              <a:latin typeface="微软雅黑" panose="020B0503020204020204" pitchFamily="34" charset="-122"/>
-              <a:ea typeface="微软雅黑" panose="020B0503020204020204" pitchFamily="34" charset="-122"/>
-            </a:rPr>
-            <a:t>降维算法的识别率。</a:t>
-          </a:r>
-          <a:endParaRPr lang="en-US" sz="2600" kern="1200">
-            <a:latin typeface="微软雅黑" panose="020B0503020204020204" pitchFamily="34" charset="-122"/>
-            <a:ea typeface="微软雅黑" panose="020B0503020204020204" pitchFamily="34" charset="-122"/>
-          </a:endParaRPr>
-        </a:p>
-      </dsp:txBody>
-      <dsp:txXfrm>
-        <a:off x="0" y="757493"/>
-        <a:ext cx="10058399" cy="757031"/>
-      </dsp:txXfrm>
-    </dsp:sp>
-    <dsp:sp modelId="{067FA116-62F4-4303-816D-838AC254E89D}">
-      <dsp:nvSpPr>
-        <dsp:cNvPr id="0" name=""/>
-        <dsp:cNvSpPr/>
-      </dsp:nvSpPr>
-      <dsp:spPr>
-        <a:xfrm>
-          <a:off x="0" y="1514524"/>
-          <a:ext cx="10058399" cy="0"/>
-        </a:xfrm>
-        <a:prstGeom prst="line">
-          <a:avLst/>
-        </a:prstGeom>
-        <a:solidFill>
-          <a:schemeClr val="accent3">
-            <a:hueOff val="0"/>
-            <a:satOff val="0"/>
-            <a:lumOff val="0"/>
-            <a:alphaOff val="0"/>
-          </a:schemeClr>
-        </a:solidFill>
-        <a:ln w="15875" cap="flat" cmpd="sng" algn="ctr">
-          <a:solidFill>
-            <a:schemeClr val="accent3">
-              <a:hueOff val="0"/>
-              <a:satOff val="0"/>
-              <a:lumOff val="0"/>
-              <a:alphaOff val="0"/>
-            </a:schemeClr>
-          </a:solidFill>
-          <a:prstDash val="solid"/>
-        </a:ln>
-        <a:effectLst/>
-      </dsp:spPr>
-      <dsp:style>
-        <a:lnRef idx="2">
-          <a:scrgbClr r="0" g="0" b="0"/>
-        </a:lnRef>
-        <a:fillRef idx="1">
-          <a:scrgbClr r="0" g="0" b="0"/>
-        </a:fillRef>
-        <a:effectRef idx="0">
-          <a:scrgbClr r="0" g="0" b="0"/>
-        </a:effectRef>
-        <a:fontRef idx="minor">
-          <a:schemeClr val="lt1"/>
-        </a:fontRef>
-      </dsp:style>
-    </dsp:sp>
-    <dsp:sp modelId="{EB5EC58C-D621-4ECE-8DBA-05E60B7C7309}">
-      <dsp:nvSpPr>
-        <dsp:cNvPr id="0" name=""/>
-        <dsp:cNvSpPr/>
-      </dsp:nvSpPr>
-      <dsp:spPr>
-        <a:xfrm>
-          <a:off x="0" y="1514524"/>
-          <a:ext cx="10058399" cy="757031"/>
-        </a:xfrm>
-        <a:prstGeom prst="rect">
-          <a:avLst/>
-        </a:prstGeom>
-        <a:noFill/>
-        <a:ln>
-          <a:noFill/>
-        </a:ln>
-        <a:effectLst/>
-      </dsp:spPr>
-      <dsp:style>
-        <a:lnRef idx="0">
-          <a:scrgbClr r="0" g="0" b="0"/>
-        </a:lnRef>
-        <a:fillRef idx="0">
-          <a:scrgbClr r="0" g="0" b="0"/>
-        </a:fillRef>
-        <a:effectRef idx="0">
-          <a:scrgbClr r="0" g="0" b="0"/>
-        </a:effectRef>
-        <a:fontRef idx="minor"/>
-      </dsp:style>
-      <dsp:txBody>
-        <a:bodyPr spcFirstLastPara="0" vert="horz" wrap="square" lIns="99060" tIns="99060" rIns="99060" bIns="99060" numCol="1" spcCol="1270" anchor="t" anchorCtr="0">
-          <a:noAutofit/>
-        </a:bodyPr>
-        <a:lstStyle/>
-        <a:p>
-          <a:pPr marL="0" lvl="0" indent="0" algn="l" defTabSz="1155700">
-            <a:lnSpc>
-              <a:spcPct val="90000"/>
-            </a:lnSpc>
-            <a:spcBef>
-              <a:spcPct val="0"/>
-            </a:spcBef>
-            <a:spcAft>
-              <a:spcPct val="35000"/>
-            </a:spcAft>
-            <a:buNone/>
-          </a:pPr>
-          <a:r>
-            <a:rPr lang="zh-CN" sz="2600" kern="1200">
-              <a:latin typeface="微软雅黑" panose="020B0503020204020204" pitchFamily="34" charset="-122"/>
-              <a:ea typeface="微软雅黑" panose="020B0503020204020204" pitchFamily="34" charset="-122"/>
-            </a:rPr>
-            <a:t>解决两个问题：</a:t>
-          </a:r>
-          <a:endParaRPr lang="en-US" sz="2600" kern="1200">
-            <a:latin typeface="微软雅黑" panose="020B0503020204020204" pitchFamily="34" charset="-122"/>
-            <a:ea typeface="微软雅黑" panose="020B0503020204020204" pitchFamily="34" charset="-122"/>
-          </a:endParaRPr>
-        </a:p>
-      </dsp:txBody>
-      <dsp:txXfrm>
-        <a:off x="0" y="1514524"/>
-        <a:ext cx="10058399" cy="757031"/>
-      </dsp:txXfrm>
-    </dsp:sp>
-    <dsp:sp modelId="{D94C6F5B-820A-4043-ABCC-EE21FF6D1B05}">
-      <dsp:nvSpPr>
-        <dsp:cNvPr id="0" name=""/>
-        <dsp:cNvSpPr/>
-      </dsp:nvSpPr>
-      <dsp:spPr>
-        <a:xfrm>
-          <a:off x="0" y="2271555"/>
-          <a:ext cx="10058399" cy="0"/>
-        </a:xfrm>
-        <a:prstGeom prst="line">
-          <a:avLst/>
-        </a:prstGeom>
-        <a:solidFill>
-          <a:schemeClr val="accent3">
-            <a:hueOff val="0"/>
-            <a:satOff val="0"/>
-            <a:lumOff val="0"/>
-            <a:alphaOff val="0"/>
-          </a:schemeClr>
-        </a:solidFill>
-        <a:ln w="15875" cap="flat" cmpd="sng" algn="ctr">
-          <a:solidFill>
-            <a:schemeClr val="accent3">
-              <a:hueOff val="0"/>
-              <a:satOff val="0"/>
-              <a:lumOff val="0"/>
-              <a:alphaOff val="0"/>
-            </a:schemeClr>
-          </a:solidFill>
-          <a:prstDash val="solid"/>
-        </a:ln>
-        <a:effectLst/>
-      </dsp:spPr>
-      <dsp:style>
-        <a:lnRef idx="2">
-          <a:scrgbClr r="0" g="0" b="0"/>
-        </a:lnRef>
-        <a:fillRef idx="1">
-          <a:scrgbClr r="0" g="0" b="0"/>
-        </a:fillRef>
-        <a:effectRef idx="0">
-          <a:scrgbClr r="0" g="0" b="0"/>
-        </a:effectRef>
-        <a:fontRef idx="minor">
-          <a:schemeClr val="lt1"/>
-        </a:fontRef>
-      </dsp:style>
-    </dsp:sp>
-    <dsp:sp modelId="{A3825A68-E79D-4CFC-ADB1-50859E8C597E}">
-      <dsp:nvSpPr>
-        <dsp:cNvPr id="0" name=""/>
-        <dsp:cNvSpPr/>
-      </dsp:nvSpPr>
-      <dsp:spPr>
-        <a:xfrm>
-          <a:off x="0" y="2271555"/>
-          <a:ext cx="10058399" cy="757031"/>
-        </a:xfrm>
-        <a:prstGeom prst="rect">
-          <a:avLst/>
-        </a:prstGeom>
-        <a:noFill/>
-        <a:ln>
-          <a:noFill/>
-        </a:ln>
-        <a:effectLst/>
-      </dsp:spPr>
-      <dsp:style>
-        <a:lnRef idx="0">
-          <a:scrgbClr r="0" g="0" b="0"/>
-        </a:lnRef>
-        <a:fillRef idx="0">
-          <a:scrgbClr r="0" g="0" b="0"/>
-        </a:fillRef>
-        <a:effectRef idx="0">
-          <a:scrgbClr r="0" g="0" b="0"/>
-        </a:effectRef>
-        <a:fontRef idx="minor"/>
-      </dsp:style>
-      <dsp:txBody>
-        <a:bodyPr spcFirstLastPara="0" vert="horz" wrap="square" lIns="99060" tIns="99060" rIns="99060" bIns="99060" numCol="1" spcCol="1270" anchor="t" anchorCtr="0">
-          <a:noAutofit/>
-        </a:bodyPr>
-        <a:lstStyle/>
-        <a:p>
-          <a:pPr marL="0" lvl="0" indent="0" algn="l" defTabSz="1155700">
-            <a:lnSpc>
-              <a:spcPct val="90000"/>
-            </a:lnSpc>
-            <a:spcBef>
-              <a:spcPct val="0"/>
-            </a:spcBef>
-            <a:spcAft>
-              <a:spcPct val="35000"/>
-            </a:spcAft>
-            <a:buNone/>
-          </a:pPr>
-          <a:r>
-            <a:rPr lang="zh-CN" sz="2600" kern="1200">
-              <a:latin typeface="微软雅黑" panose="020B0503020204020204" pitchFamily="34" charset="-122"/>
-              <a:ea typeface="微软雅黑" panose="020B0503020204020204" pitchFamily="34" charset="-122"/>
-            </a:rPr>
-            <a:t>1. 如何用</a:t>
-          </a:r>
-          <a:r>
-            <a:rPr lang="en-US" sz="2600" kern="1200">
-              <a:latin typeface="微软雅黑" panose="020B0503020204020204" pitchFamily="34" charset="-122"/>
-              <a:ea typeface="微软雅黑" panose="020B0503020204020204" pitchFamily="34" charset="-122"/>
-            </a:rPr>
-            <a:t>PCA</a:t>
-          </a:r>
-          <a:r>
-            <a:rPr lang="zh-CN" altLang="en-US" sz="2600" kern="1200">
-              <a:latin typeface="微软雅黑" panose="020B0503020204020204" pitchFamily="34" charset="-122"/>
-              <a:ea typeface="微软雅黑" panose="020B0503020204020204" pitchFamily="34" charset="-122"/>
-            </a:rPr>
-            <a:t>实现图片的</a:t>
-          </a:r>
-          <a:r>
-            <a:rPr lang="zh-CN" sz="2600" kern="1200">
-              <a:latin typeface="微软雅黑" panose="020B0503020204020204" pitchFamily="34" charset="-122"/>
-              <a:ea typeface="微软雅黑" panose="020B0503020204020204" pitchFamily="34" charset="-122"/>
-            </a:rPr>
-            <a:t>降维压缩？</a:t>
-          </a:r>
-          <a:endParaRPr lang="en-US" sz="2600" kern="1200">
-            <a:latin typeface="微软雅黑" panose="020B0503020204020204" pitchFamily="34" charset="-122"/>
-            <a:ea typeface="微软雅黑" panose="020B0503020204020204" pitchFamily="34" charset="-122"/>
-          </a:endParaRPr>
-        </a:p>
-      </dsp:txBody>
-      <dsp:txXfrm>
-        <a:off x="0" y="2271555"/>
-        <a:ext cx="10058399" cy="757031"/>
-      </dsp:txXfrm>
-    </dsp:sp>
-    <dsp:sp modelId="{C4B6CA03-E045-47B7-8260-93CF6C0B727D}">
-      <dsp:nvSpPr>
-        <dsp:cNvPr id="0" name=""/>
-        <dsp:cNvSpPr/>
-      </dsp:nvSpPr>
-      <dsp:spPr>
-        <a:xfrm>
-          <a:off x="0" y="3028586"/>
-          <a:ext cx="10058399" cy="0"/>
-        </a:xfrm>
-        <a:prstGeom prst="line">
-          <a:avLst/>
-        </a:prstGeom>
-        <a:solidFill>
-          <a:schemeClr val="accent3">
-            <a:hueOff val="0"/>
-            <a:satOff val="0"/>
-            <a:lumOff val="0"/>
-            <a:alphaOff val="0"/>
-          </a:schemeClr>
-        </a:solidFill>
-        <a:ln w="15875" cap="flat" cmpd="sng" algn="ctr">
-          <a:solidFill>
-            <a:schemeClr val="accent3">
-              <a:hueOff val="0"/>
-              <a:satOff val="0"/>
-              <a:lumOff val="0"/>
-              <a:alphaOff val="0"/>
-            </a:schemeClr>
-          </a:solidFill>
-          <a:prstDash val="solid"/>
-        </a:ln>
-        <a:effectLst/>
-      </dsp:spPr>
-      <dsp:style>
-        <a:lnRef idx="2">
-          <a:scrgbClr r="0" g="0" b="0"/>
-        </a:lnRef>
-        <a:fillRef idx="1">
-          <a:scrgbClr r="0" g="0" b="0"/>
-        </a:fillRef>
-        <a:effectRef idx="0">
-          <a:scrgbClr r="0" g="0" b="0"/>
-        </a:effectRef>
-        <a:fontRef idx="minor">
-          <a:schemeClr val="lt1"/>
-        </a:fontRef>
-      </dsp:style>
-    </dsp:sp>
-    <dsp:sp modelId="{C8E47EDC-33F2-4D69-B70B-14AC41230EB6}">
-      <dsp:nvSpPr>
-        <dsp:cNvPr id="0" name=""/>
-        <dsp:cNvSpPr/>
-      </dsp:nvSpPr>
-      <dsp:spPr>
-        <a:xfrm>
-          <a:off x="0" y="3028586"/>
-          <a:ext cx="10058399" cy="757031"/>
-        </a:xfrm>
-        <a:prstGeom prst="rect">
-          <a:avLst/>
-        </a:prstGeom>
-        <a:noFill/>
-        <a:ln>
-          <a:noFill/>
-        </a:ln>
-        <a:effectLst/>
-      </dsp:spPr>
-      <dsp:style>
-        <a:lnRef idx="0">
-          <a:scrgbClr r="0" g="0" b="0"/>
-        </a:lnRef>
-        <a:fillRef idx="0">
-          <a:scrgbClr r="0" g="0" b="0"/>
-        </a:fillRef>
-        <a:effectRef idx="0">
-          <a:scrgbClr r="0" g="0" b="0"/>
-        </a:effectRef>
-        <a:fontRef idx="minor"/>
-      </dsp:style>
-      <dsp:txBody>
-        <a:bodyPr spcFirstLastPara="0" vert="horz" wrap="square" lIns="99060" tIns="99060" rIns="99060" bIns="99060" numCol="1" spcCol="1270" anchor="t" anchorCtr="0">
-          <a:noAutofit/>
-        </a:bodyPr>
-        <a:lstStyle/>
-        <a:p>
-          <a:pPr marL="0" lvl="0" indent="0" algn="l" defTabSz="1155700">
-            <a:lnSpc>
-              <a:spcPct val="90000"/>
-            </a:lnSpc>
-            <a:spcBef>
-              <a:spcPct val="0"/>
-            </a:spcBef>
-            <a:spcAft>
-              <a:spcPct val="35000"/>
-            </a:spcAft>
-            <a:buNone/>
-          </a:pPr>
-          <a:r>
-            <a:rPr lang="en-US" sz="2600" kern="1200">
-              <a:latin typeface="微软雅黑" panose="020B0503020204020204" pitchFamily="34" charset="-122"/>
-              <a:ea typeface="微软雅黑" panose="020B0503020204020204" pitchFamily="34" charset="-122"/>
-            </a:rPr>
-            <a:t>2. </a:t>
-          </a:r>
-          <a:r>
-            <a:rPr lang="zh-CN" sz="2600" kern="1200">
-              <a:latin typeface="微软雅黑" panose="020B0503020204020204" pitchFamily="34" charset="-122"/>
-              <a:ea typeface="微软雅黑" panose="020B0503020204020204" pitchFamily="34" charset="-122"/>
-            </a:rPr>
-            <a:t>如何用最近邻分类器实现人脸识别？</a:t>
-          </a:r>
-          <a:endParaRPr lang="en-US" sz="2600" kern="1200">
-            <a:latin typeface="微软雅黑" panose="020B0503020204020204" pitchFamily="34" charset="-122"/>
-            <a:ea typeface="微软雅黑" panose="020B0503020204020204" pitchFamily="34" charset="-122"/>
-          </a:endParaRPr>
-        </a:p>
-      </dsp:txBody>
-      <dsp:txXfrm>
-        <a:off x="0" y="3028586"/>
-        <a:ext cx="10058399" cy="757031"/>
+        <a:off x="537505" y="49409"/>
+        <a:ext cx="6971710" cy="639310"/>
       </dsp:txXfrm>
     </dsp:sp>
   </dsp:spTree>
@@ -5194,17 +4754,17 @@
       <dsp:cNvGrpSpPr/>
     </dsp:nvGrpSpPr>
     <dsp:grpSpPr/>
-    <dsp:sp modelId="{31FC160A-B8CA-460A-BCC2-C91F528E3641}">
+    <dsp:sp modelId="{0A46FB14-C4AF-4348-919E-6852057BB767}">
       <dsp:nvSpPr>
         <dsp:cNvPr id="0" name=""/>
         <dsp:cNvSpPr/>
       </dsp:nvSpPr>
       <dsp:spPr>
         <a:xfrm>
-          <a:off x="0" y="950065"/>
-          <a:ext cx="3143249" cy="1885950"/>
+          <a:off x="0" y="12321"/>
+          <a:ext cx="10058399" cy="775125"/>
         </a:xfrm>
-        <a:prstGeom prst="rect">
+        <a:prstGeom prst="roundRect">
           <a:avLst/>
         </a:prstGeom>
         <a:solidFill>
@@ -5248,7 +4808,7 @@
         </a:bodyPr>
         <a:lstStyle/>
         <a:p>
-          <a:pPr marL="0" lvl="0" indent="0" algn="ctr" defTabSz="1111250">
+          <a:pPr marL="0" lvl="0" indent="0" algn="l" defTabSz="1111250" rtl="0">
             <a:lnSpc>
               <a:spcPct val="90000"/>
             </a:lnSpc>
@@ -5261,55 +4821,119 @@
             <a:buNone/>
           </a:pPr>
           <a:r>
-            <a:rPr lang="en-US" sz="2500" kern="1200" dirty="0">
-              <a:latin typeface="微软雅黑" panose="020B0503020204020204" pitchFamily="34" charset="-122"/>
-              <a:ea typeface="微软雅黑" panose="020B0503020204020204" pitchFamily="34" charset="-122"/>
+            <a:rPr lang="en-US" sz="2500" kern="1200">
+              <a:latin typeface="微软雅黑"/>
+              <a:ea typeface="微软雅黑"/>
             </a:rPr>
             <a:t>1. </a:t>
           </a:r>
           <a:r>
-            <a:rPr lang="zh-CN" sz="2500" kern="1200" dirty="0">
-              <a:latin typeface="微软雅黑" panose="020B0503020204020204" pitchFamily="34" charset="-122"/>
-              <a:ea typeface="微软雅黑" panose="020B0503020204020204" pitchFamily="34" charset="-122"/>
+            <a:rPr lang="zh-CN" sz="2500" kern="1200">
+              <a:latin typeface="微软雅黑"/>
+              <a:ea typeface="微软雅黑"/>
             </a:rPr>
-            <a:t>图片预处理：如何将人脸照片转换为</a:t>
+            <a:t>图片预处理</a:t>
           </a:r>
-          <a:r>
-            <a:rPr lang="en-US" sz="2500" kern="1200" dirty="0">
-              <a:latin typeface="微软雅黑" panose="020B0503020204020204" pitchFamily="34" charset="-122"/>
-              <a:ea typeface="微软雅黑" panose="020B0503020204020204" pitchFamily="34" charset="-122"/>
-            </a:rPr>
-            <a:t>PCA</a:t>
-          </a:r>
-          <a:r>
-            <a:rPr lang="zh-CN" sz="2500" kern="1200" dirty="0">
-              <a:latin typeface="微软雅黑" panose="020B0503020204020204" pitchFamily="34" charset="-122"/>
-              <a:ea typeface="微软雅黑" panose="020B0503020204020204" pitchFamily="34" charset="-122"/>
-            </a:rPr>
-            <a:t>需要的数据？</a:t>
-          </a:r>
-          <a:endParaRPr lang="en-US" sz="2500" kern="1200" dirty="0">
-            <a:latin typeface="微软雅黑" panose="020B0503020204020204" pitchFamily="34" charset="-122"/>
-            <a:ea typeface="微软雅黑" panose="020B0503020204020204" pitchFamily="34" charset="-122"/>
+          <a:endParaRPr lang="en-US" altLang="zh-CN" sz="2500" kern="1200">
+            <a:latin typeface="微软雅黑"/>
+            <a:ea typeface="微软雅黑"/>
           </a:endParaRPr>
         </a:p>
       </dsp:txBody>
       <dsp:txXfrm>
-        <a:off x="0" y="950065"/>
-        <a:ext cx="3143249" cy="1885950"/>
+        <a:off x="37838" y="50159"/>
+        <a:ext cx="9982723" cy="699449"/>
       </dsp:txXfrm>
     </dsp:sp>
-    <dsp:sp modelId="{0AE75ADE-9597-4139-AE2B-C20221491B49}">
+    <dsp:sp modelId="{CDDB0165-A4C7-4249-9E73-F91CCA472B8F}">
       <dsp:nvSpPr>
         <dsp:cNvPr id="0" name=""/>
         <dsp:cNvSpPr/>
       </dsp:nvSpPr>
       <dsp:spPr>
         <a:xfrm>
-          <a:off x="3457575" y="950065"/>
-          <a:ext cx="3143249" cy="1885950"/>
+          <a:off x="0" y="787446"/>
+          <a:ext cx="10058399" cy="478687"/>
         </a:xfrm>
         <a:prstGeom prst="rect">
+          <a:avLst/>
+        </a:prstGeom>
+        <a:noFill/>
+        <a:ln>
+          <a:noFill/>
+        </a:ln>
+        <a:effectLst/>
+      </dsp:spPr>
+      <dsp:style>
+        <a:lnRef idx="0">
+          <a:scrgbClr r="0" g="0" b="0"/>
+        </a:lnRef>
+        <a:fillRef idx="0">
+          <a:scrgbClr r="0" g="0" b="0"/>
+        </a:fillRef>
+        <a:effectRef idx="0">
+          <a:scrgbClr r="0" g="0" b="0"/>
+        </a:effectRef>
+        <a:fontRef idx="minor"/>
+      </dsp:style>
+      <dsp:txBody>
+        <a:bodyPr spcFirstLastPara="0" vert="horz" wrap="square" lIns="319354" tIns="31750" rIns="177800" bIns="31750" numCol="1" spcCol="1270" anchor="t" anchorCtr="0">
+          <a:noAutofit/>
+        </a:bodyPr>
+        <a:lstStyle/>
+        <a:p>
+          <a:pPr marL="228600" lvl="1" indent="-228600" algn="l" defTabSz="889000">
+            <a:lnSpc>
+              <a:spcPct val="90000"/>
+            </a:lnSpc>
+            <a:spcBef>
+              <a:spcPct val="0"/>
+            </a:spcBef>
+            <a:spcAft>
+              <a:spcPct val="20000"/>
+            </a:spcAft>
+            <a:buChar char="•"/>
+          </a:pPr>
+          <a:r>
+            <a:rPr lang="zh-CN" sz="2000" kern="1200">
+              <a:latin typeface="微软雅黑"/>
+              <a:ea typeface="微软雅黑"/>
+            </a:rPr>
+            <a:t>如何将人脸照片转换为</a:t>
+          </a:r>
+          <a:r>
+            <a:rPr lang="en-US" sz="2000" kern="1200">
+              <a:latin typeface="微软雅黑"/>
+              <a:ea typeface="微软雅黑"/>
+            </a:rPr>
+            <a:t>PCA</a:t>
+          </a:r>
+          <a:r>
+            <a:rPr lang="zh-CN" sz="2000" kern="1200">
+              <a:latin typeface="微软雅黑"/>
+              <a:ea typeface="微软雅黑"/>
+            </a:rPr>
+            <a:t>需要的数据？</a:t>
+          </a:r>
+          <a:endParaRPr lang="en-GB" sz="2000" kern="1200"/>
+        </a:p>
+      </dsp:txBody>
+      <dsp:txXfrm>
+        <a:off x="0" y="787446"/>
+        <a:ext cx="10058399" cy="478687"/>
+      </dsp:txXfrm>
+    </dsp:sp>
+    <dsp:sp modelId="{BDB6FCB7-6AD5-4EEE-B833-3A73B425FF43}">
+      <dsp:nvSpPr>
+        <dsp:cNvPr id="0" name=""/>
+        <dsp:cNvSpPr/>
+      </dsp:nvSpPr>
+      <dsp:spPr>
+        <a:xfrm>
+          <a:off x="0" y="1266133"/>
+          <a:ext cx="10058399" cy="775125"/>
+        </a:xfrm>
+        <a:prstGeom prst="roundRect">
           <a:avLst/>
         </a:prstGeom>
         <a:solidFill>
@@ -5353,7 +4977,7 @@
         </a:bodyPr>
         <a:lstStyle/>
         <a:p>
-          <a:pPr marL="0" lvl="0" indent="0" algn="ctr" defTabSz="1111250">
+          <a:pPr marL="0" lvl="0" indent="0" algn="l" defTabSz="1111250" rtl="0">
             <a:lnSpc>
               <a:spcPct val="90000"/>
             </a:lnSpc>
@@ -5367,54 +4991,118 @@
           </a:pPr>
           <a:r>
             <a:rPr lang="en-US" sz="2500" kern="1200">
-              <a:latin typeface="微软雅黑" panose="020B0503020204020204" pitchFamily="34" charset="-122"/>
-              <a:ea typeface="微软雅黑" panose="020B0503020204020204" pitchFamily="34" charset="-122"/>
+              <a:latin typeface="微软雅黑"/>
+              <a:ea typeface="微软雅黑"/>
             </a:rPr>
             <a:t>2. PCA</a:t>
           </a:r>
           <a:r>
             <a:rPr lang="zh-CN" sz="2500" kern="1200">
-              <a:latin typeface="微软雅黑" panose="020B0503020204020204" pitchFamily="34" charset="-122"/>
-              <a:ea typeface="微软雅黑" panose="020B0503020204020204" pitchFamily="34" charset="-122"/>
+              <a:latin typeface="微软雅黑"/>
+              <a:ea typeface="微软雅黑"/>
             </a:rPr>
-            <a:t>的实现：如何自己写出</a:t>
+            <a:t>的实现</a:t>
           </a:r>
-          <a:r>
-            <a:rPr lang="en-US" sz="2500" kern="1200">
-              <a:latin typeface="微软雅黑" panose="020B0503020204020204" pitchFamily="34" charset="-122"/>
-              <a:ea typeface="微软雅黑" panose="020B0503020204020204" pitchFamily="34" charset="-122"/>
-            </a:rPr>
-            <a:t>PCA</a:t>
-          </a:r>
-          <a:r>
-            <a:rPr lang="zh-CN" sz="2500" kern="1200">
-              <a:latin typeface="微软雅黑" panose="020B0503020204020204" pitchFamily="34" charset="-122"/>
-              <a:ea typeface="微软雅黑" panose="020B0503020204020204" pitchFamily="34" charset="-122"/>
-            </a:rPr>
-            <a:t>函数并利用它提取主要信息？</a:t>
-          </a:r>
-          <a:endParaRPr lang="en-US" sz="2500" kern="1200">
-            <a:latin typeface="微软雅黑" panose="020B0503020204020204" pitchFamily="34" charset="-122"/>
-            <a:ea typeface="微软雅黑" panose="020B0503020204020204" pitchFamily="34" charset="-122"/>
+          <a:endParaRPr lang="en-US" altLang="zh-CN" sz="2500" kern="1200">
+            <a:latin typeface="微软雅黑"/>
+            <a:ea typeface="微软雅黑"/>
           </a:endParaRPr>
         </a:p>
       </dsp:txBody>
       <dsp:txXfrm>
-        <a:off x="3457575" y="950065"/>
-        <a:ext cx="3143249" cy="1885950"/>
+        <a:off x="37838" y="1303971"/>
+        <a:ext cx="9982723" cy="699449"/>
       </dsp:txXfrm>
     </dsp:sp>
-    <dsp:sp modelId="{79CDEA11-2AF7-48C8-A757-77155AC2C5DE}">
+    <dsp:sp modelId="{8C015147-00EB-4A86-AEDB-1B81EA6A4A2D}">
       <dsp:nvSpPr>
         <dsp:cNvPr id="0" name=""/>
         <dsp:cNvSpPr/>
       </dsp:nvSpPr>
       <dsp:spPr>
         <a:xfrm>
-          <a:off x="6915149" y="950065"/>
-          <a:ext cx="3143249" cy="1885950"/>
+          <a:off x="0" y="2041258"/>
+          <a:ext cx="10058399" cy="478687"/>
         </a:xfrm>
         <a:prstGeom prst="rect">
+          <a:avLst/>
+        </a:prstGeom>
+        <a:noFill/>
+        <a:ln>
+          <a:noFill/>
+        </a:ln>
+        <a:effectLst/>
+      </dsp:spPr>
+      <dsp:style>
+        <a:lnRef idx="0">
+          <a:scrgbClr r="0" g="0" b="0"/>
+        </a:lnRef>
+        <a:fillRef idx="0">
+          <a:scrgbClr r="0" g="0" b="0"/>
+        </a:fillRef>
+        <a:effectRef idx="0">
+          <a:scrgbClr r="0" g="0" b="0"/>
+        </a:effectRef>
+        <a:fontRef idx="minor"/>
+      </dsp:style>
+      <dsp:txBody>
+        <a:bodyPr spcFirstLastPara="0" vert="horz" wrap="square" lIns="319354" tIns="31750" rIns="177800" bIns="31750" numCol="1" spcCol="1270" anchor="t" anchorCtr="0">
+          <a:noAutofit/>
+        </a:bodyPr>
+        <a:lstStyle/>
+        <a:p>
+          <a:pPr marL="228600" lvl="1" indent="-228600" algn="l" defTabSz="889000">
+            <a:lnSpc>
+              <a:spcPct val="90000"/>
+            </a:lnSpc>
+            <a:spcBef>
+              <a:spcPct val="0"/>
+            </a:spcBef>
+            <a:spcAft>
+              <a:spcPct val="20000"/>
+            </a:spcAft>
+            <a:buChar char="•"/>
+          </a:pPr>
+          <a:r>
+            <a:rPr lang="zh-CN" sz="2000" kern="1200">
+              <a:latin typeface="微软雅黑"/>
+              <a:ea typeface="微软雅黑"/>
+            </a:rPr>
+            <a:t>如何自己写出</a:t>
+          </a:r>
+          <a:r>
+            <a:rPr lang="en-US" sz="2000" kern="1200">
+              <a:latin typeface="微软雅黑"/>
+              <a:ea typeface="微软雅黑"/>
+            </a:rPr>
+            <a:t>PCA</a:t>
+          </a:r>
+          <a:r>
+            <a:rPr lang="zh-CN" sz="2000" kern="1200">
+              <a:latin typeface="微软雅黑"/>
+              <a:ea typeface="微软雅黑"/>
+            </a:rPr>
+            <a:t>函数并利用它提取主要信息？</a:t>
+          </a:r>
+          <a:endParaRPr lang="en-GB" sz="2000" kern="1200"/>
+        </a:p>
+      </dsp:txBody>
+      <dsp:txXfrm>
+        <a:off x="0" y="2041258"/>
+        <a:ext cx="10058399" cy="478687"/>
+      </dsp:txXfrm>
+    </dsp:sp>
+    <dsp:sp modelId="{3FFA8177-404B-4C70-8468-AE3BE962C765}">
+      <dsp:nvSpPr>
+        <dsp:cNvPr id="0" name=""/>
+        <dsp:cNvSpPr/>
+      </dsp:nvSpPr>
+      <dsp:spPr>
+        <a:xfrm>
+          <a:off x="0" y="2519946"/>
+          <a:ext cx="10058399" cy="775125"/>
+        </a:xfrm>
+        <a:prstGeom prst="roundRect">
           <a:avLst/>
         </a:prstGeom>
         <a:solidFill>
@@ -5458,7 +5146,7 @@
         </a:bodyPr>
         <a:lstStyle/>
         <a:p>
-          <a:pPr marL="0" lvl="0" indent="0" algn="ctr" defTabSz="1111250">
+          <a:pPr marL="0" lvl="0" indent="0" algn="l" defTabSz="1111250" rtl="0">
             <a:lnSpc>
               <a:spcPct val="90000"/>
             </a:lnSpc>
@@ -5472,27 +5160,91 @@
           </a:pPr>
           <a:r>
             <a:rPr lang="en-US" sz="2500" kern="1200">
-              <a:latin typeface="微软雅黑" panose="020B0503020204020204" pitchFamily="34" charset="-122"/>
-              <a:ea typeface="微软雅黑" panose="020B0503020204020204" pitchFamily="34" charset="-122"/>
+              <a:latin typeface="微软雅黑"/>
+              <a:ea typeface="微软雅黑"/>
             </a:rPr>
             <a:t>3. </a:t>
           </a:r>
           <a:r>
             <a:rPr lang="zh-CN" sz="2500" kern="1200">
-              <a:latin typeface="微软雅黑" panose="020B0503020204020204" pitchFamily="34" charset="-122"/>
-              <a:ea typeface="微软雅黑" panose="020B0503020204020204" pitchFamily="34" charset="-122"/>
+              <a:latin typeface="微软雅黑"/>
+              <a:ea typeface="微软雅黑"/>
             </a:rPr>
-            <a:t>降维压缩：如何利用提取到的信息压缩照片？</a:t>
+            <a:t>降维压缩</a:t>
           </a:r>
-          <a:endParaRPr lang="en-US" sz="2500" kern="1200">
-            <a:latin typeface="微软雅黑" panose="020B0503020204020204" pitchFamily="34" charset="-122"/>
-            <a:ea typeface="微软雅黑" panose="020B0503020204020204" pitchFamily="34" charset="-122"/>
+          <a:endParaRPr lang="en-US" altLang="zh-CN" sz="2500" kern="1200">
+            <a:latin typeface="微软雅黑"/>
+            <a:ea typeface="微软雅黑"/>
           </a:endParaRPr>
         </a:p>
       </dsp:txBody>
       <dsp:txXfrm>
-        <a:off x="6915149" y="950065"/>
-        <a:ext cx="3143249" cy="1885950"/>
+        <a:off x="37838" y="2557784"/>
+        <a:ext cx="9982723" cy="699449"/>
+      </dsp:txXfrm>
+    </dsp:sp>
+    <dsp:sp modelId="{5C6CBAD2-DAA7-4101-808D-50EB1A56F26F}">
+      <dsp:nvSpPr>
+        <dsp:cNvPr id="0" name=""/>
+        <dsp:cNvSpPr/>
+      </dsp:nvSpPr>
+      <dsp:spPr>
+        <a:xfrm>
+          <a:off x="0" y="3295071"/>
+          <a:ext cx="10058399" cy="478687"/>
+        </a:xfrm>
+        <a:prstGeom prst="rect">
+          <a:avLst/>
+        </a:prstGeom>
+        <a:noFill/>
+        <a:ln>
+          <a:noFill/>
+        </a:ln>
+        <a:effectLst/>
+      </dsp:spPr>
+      <dsp:style>
+        <a:lnRef idx="0">
+          <a:scrgbClr r="0" g="0" b="0"/>
+        </a:lnRef>
+        <a:fillRef idx="0">
+          <a:scrgbClr r="0" g="0" b="0"/>
+        </a:fillRef>
+        <a:effectRef idx="0">
+          <a:scrgbClr r="0" g="0" b="0"/>
+        </a:effectRef>
+        <a:fontRef idx="minor"/>
+      </dsp:style>
+      <dsp:txBody>
+        <a:bodyPr spcFirstLastPara="0" vert="horz" wrap="square" lIns="319354" tIns="31750" rIns="177800" bIns="31750" numCol="1" spcCol="1270" anchor="t" anchorCtr="0">
+          <a:noAutofit/>
+        </a:bodyPr>
+        <a:lstStyle/>
+        <a:p>
+          <a:pPr marL="228600" lvl="1" indent="-228600" algn="l" defTabSz="889000">
+            <a:lnSpc>
+              <a:spcPct val="90000"/>
+            </a:lnSpc>
+            <a:spcBef>
+              <a:spcPct val="0"/>
+            </a:spcBef>
+            <a:spcAft>
+              <a:spcPct val="20000"/>
+            </a:spcAft>
+            <a:buChar char="•"/>
+          </a:pPr>
+          <a:r>
+            <a:rPr lang="zh-CN" sz="2000" kern="1200">
+              <a:latin typeface="微软雅黑"/>
+              <a:ea typeface="微软雅黑"/>
+            </a:rPr>
+            <a:t>如何利用提取到的信息压缩照片？</a:t>
+          </a:r>
+          <a:endParaRPr lang="en-GB" sz="2000" kern="1200"/>
+        </a:p>
+      </dsp:txBody>
+      <dsp:txXfrm>
+        <a:off x="0" y="3295071"/>
+        <a:ext cx="10058399" cy="478687"/>
       </dsp:txXfrm>
     </dsp:sp>
   </dsp:spTree>
@@ -5500,477 +5252,11 @@
 </file>
 
 <file path=ppt/diagrams/layout1.xml><?xml version="1.0" encoding="utf-8"?>
-<dgm:layoutDef xmlns:dgm="http://schemas.openxmlformats.org/drawingml/2006/diagram" xmlns:a="http://schemas.openxmlformats.org/drawingml/2006/main" uniqueId="urn:microsoft.com/office/officeart/2008/layout/LinedList">
+<dgm:layoutDef xmlns:dgm="http://schemas.openxmlformats.org/drawingml/2006/diagram" xmlns:a="http://schemas.openxmlformats.org/drawingml/2006/main" uniqueId="urn:microsoft.com/office/officeart/2005/8/layout/list1">
   <dgm:title val=""/>
   <dgm:desc val=""/>
   <dgm:catLst>
-    <dgm:cat type="hierarchy" pri="8000"/>
-    <dgm:cat type="list" pri="2500"/>
-  </dgm:catLst>
-  <dgm:sampData>
-    <dgm:dataModel>
-      <dgm:ptLst>
-        <dgm:pt modelId="0" type="doc"/>
-        <dgm:pt modelId="1">
-          <dgm:prSet phldr="1"/>
-        </dgm:pt>
-        <dgm:pt modelId="11">
-          <dgm:prSet phldr="1"/>
-        </dgm:pt>
-        <dgm:pt modelId="12">
-          <dgm:prSet phldr="1"/>
-        </dgm:pt>
-        <dgm:pt modelId="13">
-          <dgm:prSet phldr="1"/>
-        </dgm:pt>
-      </dgm:ptLst>
-      <dgm:cxnLst>
-        <dgm:cxn modelId="2" srcId="0" destId="1" srcOrd="0" destOrd="0"/>
-        <dgm:cxn modelId="3" srcId="1" destId="11" srcOrd="0" destOrd="0"/>
-        <dgm:cxn modelId="4" srcId="1" destId="12" srcOrd="1" destOrd="0"/>
-        <dgm:cxn modelId="5" srcId="1" destId="13" srcOrd="2" destOrd="0"/>
-      </dgm:cxnLst>
-      <dgm:bg/>
-      <dgm:whole/>
-    </dgm:dataModel>
-  </dgm:sampData>
-  <dgm:styleData>
-    <dgm:dataModel>
-      <dgm:ptLst>
-        <dgm:pt modelId="0" type="doc"/>
-        <dgm:pt modelId="1">
-          <dgm:prSet phldr="1"/>
-        </dgm:pt>
-        <dgm:pt modelId="11">
-          <dgm:prSet phldr="1"/>
-        </dgm:pt>
-        <dgm:pt modelId="12">
-          <dgm:prSet phldr="1"/>
-        </dgm:pt>
-      </dgm:ptLst>
-      <dgm:cxnLst>
-        <dgm:cxn modelId="2" srcId="0" destId="1" srcOrd="0" destOrd="0"/>
-        <dgm:cxn modelId="3" srcId="1" destId="11" srcOrd="0" destOrd="0"/>
-        <dgm:cxn modelId="4" srcId="1" destId="12" srcOrd="1" destOrd="0"/>
-      </dgm:cxnLst>
-      <dgm:bg/>
-      <dgm:whole/>
-    </dgm:dataModel>
-  </dgm:styleData>
-  <dgm:clrData>
-    <dgm:dataModel>
-      <dgm:ptLst>
-        <dgm:pt modelId="0" type="doc"/>
-        <dgm:pt modelId="1">
-          <dgm:prSet phldr="1"/>
-        </dgm:pt>
-        <dgm:pt modelId="11">
-          <dgm:prSet phldr="1"/>
-        </dgm:pt>
-        <dgm:pt modelId="12">
-          <dgm:prSet phldr="1"/>
-        </dgm:pt>
-      </dgm:ptLst>
-      <dgm:cxnLst>
-        <dgm:cxn modelId="2" srcId="0" destId="1" srcOrd="0" destOrd="0"/>
-        <dgm:cxn modelId="3" srcId="1" destId="11" srcOrd="0" destOrd="0"/>
-        <dgm:cxn modelId="4" srcId="1" destId="12" srcOrd="1" destOrd="0"/>
-      </dgm:cxnLst>
-      <dgm:bg/>
-      <dgm:whole/>
-    </dgm:dataModel>
-  </dgm:clrData>
-  <dgm:layoutNode name="vert0">
-    <dgm:varLst>
-      <dgm:dir/>
-      <dgm:animOne val="branch"/>
-      <dgm:animLvl val="lvl"/>
-    </dgm:varLst>
-    <dgm:choose name="Name0">
-      <dgm:if name="Name1" func="var" arg="dir" op="equ" val="norm">
-        <dgm:alg type="lin">
-          <dgm:param type="linDir" val="fromT"/>
-          <dgm:param type="nodeHorzAlign" val="l"/>
-        </dgm:alg>
-      </dgm:if>
-      <dgm:else name="Name2">
-        <dgm:alg type="lin">
-          <dgm:param type="linDir" val="fromT"/>
-          <dgm:param type="nodeHorzAlign" val="r"/>
-        </dgm:alg>
-      </dgm:else>
-    </dgm:choose>
-    <dgm:shape xmlns:r="http://schemas.openxmlformats.org/officeDocument/2006/relationships" r:blip="">
-      <dgm:adjLst/>
-    </dgm:shape>
-    <dgm:presOf/>
-    <dgm:constrLst>
-      <dgm:constr type="w" for="ch" forName="horz1" refType="w"/>
-      <dgm:constr type="h" for="ch" forName="horz1" refType="h"/>
-      <dgm:constr type="h" for="des" forName="vert1" refType="h"/>
-      <dgm:constr type="h" for="des" forName="tx1" refType="h"/>
-      <dgm:constr type="h" for="des" forName="horz2" refType="h"/>
-      <dgm:constr type="h" for="des" forName="vert2" refType="h"/>
-      <dgm:constr type="h" for="des" forName="horz3" refType="h"/>
-      <dgm:constr type="h" for="des" forName="vert3" refType="h"/>
-      <dgm:constr type="h" for="des" forName="horz4" refType="h"/>
-      <dgm:constr type="h" for="des" ptType="node" refType="h"/>
-      <dgm:constr type="primFontSz" for="des" forName="tx1" op="equ" val="65"/>
-      <dgm:constr type="primFontSz" for="des" forName="tx2" op="equ" val="65"/>
-      <dgm:constr type="primFontSz" for="des" forName="tx3" op="equ" val="65"/>
-      <dgm:constr type="primFontSz" for="des" forName="tx4" op="equ" val="65"/>
-      <dgm:constr type="w" for="des" forName="thickLine" refType="w"/>
-      <dgm:constr type="h" for="des" forName="thickLine"/>
-      <dgm:constr type="h" for="des" forName="thinLine1"/>
-      <dgm:constr type="h" for="des" forName="thinLine2b"/>
-      <dgm:constr type="h" for="des" forName="thinLine3"/>
-      <dgm:constr type="h" for="des" forName="vertSpace2a" refType="h" fact="0.05"/>
-      <dgm:constr type="h" for="des" forName="vertSpace2b" refType="h" refFor="des" refForName="vertSpace2a"/>
-    </dgm:constrLst>
-    <dgm:forEach name="Name3" axis="ch" ptType="node">
-      <dgm:layoutNode name="thickLine" styleLbl="alignNode1">
-        <dgm:alg type="sp"/>
-        <dgm:shape xmlns:r="http://schemas.openxmlformats.org/officeDocument/2006/relationships" type="line" r:blip="">
-          <dgm:adjLst/>
-        </dgm:shape>
-        <dgm:presOf/>
-      </dgm:layoutNode>
-      <dgm:layoutNode name="horz1">
-        <dgm:choose name="Name4">
-          <dgm:if name="Name5" func="var" arg="dir" op="equ" val="norm">
-            <dgm:alg type="lin">
-              <dgm:param type="linDir" val="fromL"/>
-              <dgm:param type="nodeVertAlign" val="t"/>
-            </dgm:alg>
-          </dgm:if>
-          <dgm:else name="Name6">
-            <dgm:alg type="lin">
-              <dgm:param type="linDir" val="fromR"/>
-              <dgm:param type="nodeVertAlign" val="t"/>
-            </dgm:alg>
-          </dgm:else>
-        </dgm:choose>
-        <dgm:shape xmlns:r="http://schemas.openxmlformats.org/officeDocument/2006/relationships" r:blip="">
-          <dgm:adjLst/>
-        </dgm:shape>
-        <dgm:presOf/>
-        <dgm:choose name="Name7">
-          <dgm:if name="Name8" axis="root des" func="maxDepth" op="equ" val="1">
-            <dgm:constrLst>
-              <dgm:constr type="w" for="ch" forName="tx1" refType="w"/>
-            </dgm:constrLst>
-          </dgm:if>
-          <dgm:if name="Name9" axis="root des" func="maxDepth" op="equ" val="2">
-            <dgm:constrLst>
-              <dgm:constr type="w" for="ch" forName="tx1" refType="w" fact="0.2"/>
-              <dgm:constr type="w" for="des" forName="tx2" refType="w" fact="0.785"/>
-              <dgm:constr type="w" for="des" forName="horzSpace2" refType="w" fact="0.015"/>
-              <dgm:constr type="w" for="des" forName="thinLine2b" refType="w" fact="0.8"/>
-            </dgm:constrLst>
-          </dgm:if>
-          <dgm:if name="Name10" axis="root des" func="maxDepth" op="equ" val="3">
-            <dgm:constrLst>
-              <dgm:constr type="w" for="ch" forName="tx1" refType="w" fact="0.2"/>
-              <dgm:constr type="w" for="des" forName="tx2" refType="w" fact="0.385"/>
-              <dgm:constr type="w" for="des" forName="tx3" refType="w" fact="0.385"/>
-              <dgm:constr type="w" for="des" forName="horzSpace2" refType="w" fact="0.015"/>
-              <dgm:constr type="w" for="des" forName="horzSpace3" refType="w" fact="0.015"/>
-              <dgm:constr type="w" for="des" forName="thinLine2b" refType="w" fact="0.8"/>
-              <dgm:constr type="w" for="des" forName="thinLine3" refType="w" fact="0.385"/>
-            </dgm:constrLst>
-          </dgm:if>
-          <dgm:if name="Name11" axis="root des" func="maxDepth" op="gte" val="4">
-            <dgm:constrLst>
-              <dgm:constr type="w" for="ch" forName="tx1" refType="w" fact="0.2"/>
-              <dgm:constr type="w" for="des" forName="tx2" refType="w" fact="0.2516"/>
-              <dgm:constr type="w" for="des" forName="tx3" refType="w" fact="0.2516"/>
-              <dgm:constr type="w" for="des" forName="tx4" refType="w" fact="0.2516"/>
-              <dgm:constr type="w" for="des" forName="horzSpace2" refType="w" fact="0.015"/>
-              <dgm:constr type="w" for="des" forName="horzSpace3" refType="w" fact="0.015"/>
-              <dgm:constr type="w" for="des" forName="horzSpace4" refType="w" fact="0.015"/>
-              <dgm:constr type="w" for="des" forName="thinLine2b" refType="w" fact="0.8"/>
-              <dgm:constr type="w" for="des" forName="thinLine3" refType="w" fact="0.5332"/>
-            </dgm:constrLst>
-          </dgm:if>
-          <dgm:else name="Name12"/>
-        </dgm:choose>
-        <dgm:layoutNode name="tx1" styleLbl="revTx">
-          <dgm:alg type="tx">
-            <dgm:param type="parTxLTRAlign" val="l"/>
-            <dgm:param type="parTxRTLAlign" val="r"/>
-            <dgm:param type="txAnchorVert" val="t"/>
-          </dgm:alg>
-          <dgm:shape xmlns:r="http://schemas.openxmlformats.org/officeDocument/2006/relationships" type="rect" r:blip="">
-            <dgm:adjLst/>
-          </dgm:shape>
-          <dgm:presOf axis="self"/>
-          <dgm:constrLst>
-            <dgm:constr type="tMarg" refType="primFontSz" fact="0.3"/>
-            <dgm:constr type="bMarg" refType="primFontSz" fact="0.3"/>
-            <dgm:constr type="lMarg" refType="primFontSz" fact="0.3"/>
-            <dgm:constr type="rMarg" refType="primFontSz" fact="0.3"/>
-          </dgm:constrLst>
-          <dgm:ruleLst>
-            <dgm:rule type="primFontSz" val="5" fact="NaN" max="NaN"/>
-          </dgm:ruleLst>
-        </dgm:layoutNode>
-        <dgm:layoutNode name="vert1">
-          <dgm:choose name="Name13">
-            <dgm:if name="Name14" func="var" arg="dir" op="equ" val="norm">
-              <dgm:alg type="lin">
-                <dgm:param type="linDir" val="fromT"/>
-                <dgm:param type="nodeHorzAlign" val="l"/>
-              </dgm:alg>
-            </dgm:if>
-            <dgm:else name="Name15">
-              <dgm:alg type="lin">
-                <dgm:param type="linDir" val="fromT"/>
-                <dgm:param type="nodeHorzAlign" val="r"/>
-              </dgm:alg>
-            </dgm:else>
-          </dgm:choose>
-          <dgm:shape xmlns:r="http://schemas.openxmlformats.org/officeDocument/2006/relationships" r:blip="">
-            <dgm:adjLst/>
-          </dgm:shape>
-          <dgm:presOf/>
-          <dgm:forEach name="Name16" axis="ch" ptType="node">
-            <dgm:choose name="Name17">
-              <dgm:if name="Name18" axis="self" ptType="node" func="pos" op="equ" val="1">
-                <dgm:layoutNode name="vertSpace2a">
-                  <dgm:alg type="sp"/>
-                  <dgm:shape xmlns:r="http://schemas.openxmlformats.org/officeDocument/2006/relationships" r:blip="">
-                    <dgm:adjLst/>
-                  </dgm:shape>
-                  <dgm:presOf/>
-                </dgm:layoutNode>
-              </dgm:if>
-              <dgm:else name="Name19"/>
-            </dgm:choose>
-            <dgm:layoutNode name="horz2">
-              <dgm:choose name="Name20">
-                <dgm:if name="Name21" func="var" arg="dir" op="equ" val="norm">
-                  <dgm:alg type="lin">
-                    <dgm:param type="linDir" val="fromL"/>
-                    <dgm:param type="nodeVertAlign" val="t"/>
-                  </dgm:alg>
-                </dgm:if>
-                <dgm:else name="Name22">
-                  <dgm:alg type="lin">
-                    <dgm:param type="linDir" val="fromR"/>
-                    <dgm:param type="nodeVertAlign" val="t"/>
-                  </dgm:alg>
-                </dgm:else>
-              </dgm:choose>
-              <dgm:shape xmlns:r="http://schemas.openxmlformats.org/officeDocument/2006/relationships" r:blip="">
-                <dgm:adjLst/>
-              </dgm:shape>
-              <dgm:presOf/>
-              <dgm:layoutNode name="horzSpace2">
-                <dgm:alg type="sp"/>
-                <dgm:shape xmlns:r="http://schemas.openxmlformats.org/officeDocument/2006/relationships" r:blip="">
-                  <dgm:adjLst/>
-                </dgm:shape>
-                <dgm:presOf/>
-              </dgm:layoutNode>
-              <dgm:layoutNode name="tx2" styleLbl="revTx">
-                <dgm:alg type="tx">
-                  <dgm:param type="parTxLTRAlign" val="l"/>
-                  <dgm:param type="parTxRTLAlign" val="r"/>
-                  <dgm:param type="txAnchorVert" val="t"/>
-                </dgm:alg>
-                <dgm:shape xmlns:r="http://schemas.openxmlformats.org/officeDocument/2006/relationships" type="rect" r:blip="">
-                  <dgm:adjLst/>
-                </dgm:shape>
-                <dgm:presOf axis="self"/>
-                <dgm:constrLst>
-                  <dgm:constr type="tMarg" refType="primFontSz" fact="0.3"/>
-                  <dgm:constr type="bMarg" refType="primFontSz" fact="0.3"/>
-                  <dgm:constr type="lMarg" refType="primFontSz" fact="0.3"/>
-                  <dgm:constr type="rMarg" refType="primFontSz" fact="0.3"/>
-                </dgm:constrLst>
-                <dgm:ruleLst>
-                  <dgm:rule type="primFontSz" val="5" fact="NaN" max="NaN"/>
-                </dgm:ruleLst>
-              </dgm:layoutNode>
-              <dgm:layoutNode name="vert2">
-                <dgm:choose name="Name23">
-                  <dgm:if name="Name24" func="var" arg="dir" op="equ" val="norm">
-                    <dgm:alg type="lin">
-                      <dgm:param type="linDir" val="fromT"/>
-                      <dgm:param type="nodeHorzAlign" val="l"/>
-                    </dgm:alg>
-                  </dgm:if>
-                  <dgm:else name="Name25">
-                    <dgm:alg type="lin">
-                      <dgm:param type="linDir" val="fromT"/>
-                      <dgm:param type="nodeHorzAlign" val="r"/>
-                    </dgm:alg>
-                  </dgm:else>
-                </dgm:choose>
-                <dgm:shape xmlns:r="http://schemas.openxmlformats.org/officeDocument/2006/relationships" r:blip="">
-                  <dgm:adjLst/>
-                </dgm:shape>
-                <dgm:presOf/>
-                <dgm:forEach name="Name26" axis="ch" ptType="node">
-                  <dgm:layoutNode name="horz3">
-                    <dgm:choose name="Name27">
-                      <dgm:if name="Name28" func="var" arg="dir" op="equ" val="norm">
-                        <dgm:alg type="lin">
-                          <dgm:param type="linDir" val="fromL"/>
-                          <dgm:param type="nodeVertAlign" val="t"/>
-                        </dgm:alg>
-                      </dgm:if>
-                      <dgm:else name="Name29">
-                        <dgm:alg type="lin">
-                          <dgm:param type="linDir" val="fromR"/>
-                          <dgm:param type="nodeVertAlign" val="t"/>
-                        </dgm:alg>
-                      </dgm:else>
-                    </dgm:choose>
-                    <dgm:shape xmlns:r="http://schemas.openxmlformats.org/officeDocument/2006/relationships" r:blip="">
-                      <dgm:adjLst/>
-                    </dgm:shape>
-                    <dgm:presOf/>
-                    <dgm:layoutNode name="horzSpace3">
-                      <dgm:alg type="sp"/>
-                      <dgm:shape xmlns:r="http://schemas.openxmlformats.org/officeDocument/2006/relationships" r:blip="">
-                        <dgm:adjLst/>
-                      </dgm:shape>
-                      <dgm:presOf/>
-                    </dgm:layoutNode>
-                    <dgm:layoutNode name="tx3" styleLbl="revTx">
-                      <dgm:alg type="tx">
-                        <dgm:param type="parTxLTRAlign" val="l"/>
-                        <dgm:param type="parTxRTLAlign" val="r"/>
-                        <dgm:param type="txAnchorVert" val="t"/>
-                      </dgm:alg>
-                      <dgm:shape xmlns:r="http://schemas.openxmlformats.org/officeDocument/2006/relationships" type="rect" r:blip="">
-                        <dgm:adjLst/>
-                      </dgm:shape>
-                      <dgm:presOf axis="self"/>
-                      <dgm:constrLst>
-                        <dgm:constr type="tMarg" refType="primFontSz" fact="0.3"/>
-                        <dgm:constr type="bMarg" refType="primFontSz" fact="0.3"/>
-                        <dgm:constr type="lMarg" refType="primFontSz" fact="0.3"/>
-                        <dgm:constr type="rMarg" refType="primFontSz" fact="0.3"/>
-                      </dgm:constrLst>
-                      <dgm:ruleLst>
-                        <dgm:rule type="primFontSz" val="5" fact="NaN" max="NaN"/>
-                      </dgm:ruleLst>
-                    </dgm:layoutNode>
-                    <dgm:layoutNode name="vert3">
-                      <dgm:choose name="Name30">
-                        <dgm:if name="Name31" func="var" arg="dir" op="equ" val="norm">
-                          <dgm:alg type="lin">
-                            <dgm:param type="linDir" val="fromT"/>
-                            <dgm:param type="nodeHorzAlign" val="l"/>
-                          </dgm:alg>
-                        </dgm:if>
-                        <dgm:else name="Name32">
-                          <dgm:alg type="lin">
-                            <dgm:param type="linDir" val="fromT"/>
-                            <dgm:param type="nodeHorzAlign" val="r"/>
-                          </dgm:alg>
-                        </dgm:else>
-                      </dgm:choose>
-                      <dgm:shape xmlns:r="http://schemas.openxmlformats.org/officeDocument/2006/relationships" r:blip="">
-                        <dgm:adjLst/>
-                      </dgm:shape>
-                      <dgm:presOf/>
-                      <dgm:forEach name="Name33" axis="ch" ptType="node">
-                        <dgm:layoutNode name="horz4">
-                          <dgm:choose name="Name34">
-                            <dgm:if name="Name35" func="var" arg="dir" op="equ" val="norm">
-                              <dgm:alg type="lin">
-                                <dgm:param type="linDir" val="fromL"/>
-                                <dgm:param type="nodeVertAlign" val="t"/>
-                              </dgm:alg>
-                            </dgm:if>
-                            <dgm:else name="Name36">
-                              <dgm:alg type="lin">
-                                <dgm:param type="linDir" val="fromR"/>
-                                <dgm:param type="nodeVertAlign" val="t"/>
-                              </dgm:alg>
-                            </dgm:else>
-                          </dgm:choose>
-                          <dgm:shape xmlns:r="http://schemas.openxmlformats.org/officeDocument/2006/relationships" r:blip="">
-                            <dgm:adjLst/>
-                          </dgm:shape>
-                          <dgm:presOf/>
-                          <dgm:layoutNode name="horzSpace4">
-                            <dgm:alg type="sp"/>
-                            <dgm:shape xmlns:r="http://schemas.openxmlformats.org/officeDocument/2006/relationships" r:blip="">
-                              <dgm:adjLst/>
-                            </dgm:shape>
-                            <dgm:presOf/>
-                          </dgm:layoutNode>
-                          <dgm:layoutNode name="tx4" styleLbl="revTx">
-                            <dgm:varLst>
-                              <dgm:bulletEnabled val="1"/>
-                            </dgm:varLst>
-                            <dgm:alg type="tx">
-                              <dgm:param type="parTxLTRAlign" val="l"/>
-                              <dgm:param type="parTxRTLAlign" val="r"/>
-                              <dgm:param type="txAnchorVert" val="t"/>
-                            </dgm:alg>
-                            <dgm:shape xmlns:r="http://schemas.openxmlformats.org/officeDocument/2006/relationships" type="rect" r:blip="">
-                              <dgm:adjLst/>
-                            </dgm:shape>
-                            <dgm:presOf axis="desOrSelf" ptType="node"/>
-                            <dgm:constrLst>
-                              <dgm:constr type="tMarg" refType="primFontSz" fact="0.3"/>
-                              <dgm:constr type="bMarg" refType="primFontSz" fact="0.3"/>
-                              <dgm:constr type="lMarg" refType="primFontSz" fact="0.3"/>
-                              <dgm:constr type="rMarg" refType="primFontSz" fact="0.3"/>
-                            </dgm:constrLst>
-                            <dgm:ruleLst>
-                              <dgm:rule type="primFontSz" val="5" fact="NaN" max="NaN"/>
-                            </dgm:ruleLst>
-                          </dgm:layoutNode>
-                        </dgm:layoutNode>
-                      </dgm:forEach>
-                    </dgm:layoutNode>
-                  </dgm:layoutNode>
-                  <dgm:forEach name="Name37" axis="followSib" ptType="sibTrans" cnt="1">
-                    <dgm:layoutNode name="thinLine3" styleLbl="callout">
-                      <dgm:alg type="sp"/>
-                      <dgm:shape xmlns:r="http://schemas.openxmlformats.org/officeDocument/2006/relationships" type="line" r:blip="">
-                        <dgm:adjLst/>
-                      </dgm:shape>
-                      <dgm:presOf/>
-                    </dgm:layoutNode>
-                  </dgm:forEach>
-                </dgm:forEach>
-              </dgm:layoutNode>
-            </dgm:layoutNode>
-            <dgm:layoutNode name="thinLine2b" styleLbl="callout">
-              <dgm:alg type="sp"/>
-              <dgm:shape xmlns:r="http://schemas.openxmlformats.org/officeDocument/2006/relationships" type="line" r:blip="">
-                <dgm:adjLst/>
-              </dgm:shape>
-              <dgm:presOf/>
-            </dgm:layoutNode>
-            <dgm:layoutNode name="vertSpace2b">
-              <dgm:alg type="sp"/>
-              <dgm:shape xmlns:r="http://schemas.openxmlformats.org/officeDocument/2006/relationships" r:blip="">
-                <dgm:adjLst/>
-              </dgm:shape>
-              <dgm:presOf/>
-            </dgm:layoutNode>
-          </dgm:forEach>
-        </dgm:layoutNode>
-      </dgm:layoutNode>
-    </dgm:forEach>
-  </dgm:layoutNode>
-</dgm:layoutDef>
-</file>
-
-<file path=ppt/diagrams/layout2.xml><?xml version="1.0" encoding="utf-8"?>
-<dgm:layoutDef xmlns:dgm="http://schemas.openxmlformats.org/drawingml/2006/diagram" xmlns:a="http://schemas.openxmlformats.org/drawingml/2006/main" uniqueId="urn:microsoft.com/office/officeart/2005/8/layout/default">
-  <dgm:title val=""/>
-  <dgm:desc val=""/>
-  <dgm:catLst>
-    <dgm:cat type="list" pri="400"/>
+    <dgm:cat type="list" pri="4000"/>
   </dgm:catLst>
   <dgm:sampData>
     <dgm:dataModel>
@@ -5985,19 +5271,241 @@
         <dgm:pt modelId="3">
           <dgm:prSet phldr="1"/>
         </dgm:pt>
-        <dgm:pt modelId="4">
+      </dgm:ptLst>
+      <dgm:cxnLst>
+        <dgm:cxn modelId="4" srcId="0" destId="1" srcOrd="0" destOrd="0"/>
+        <dgm:cxn modelId="5" srcId="0" destId="2" srcOrd="1" destOrd="0"/>
+        <dgm:cxn modelId="6" srcId="0" destId="3" srcOrd="2" destOrd="0"/>
+      </dgm:cxnLst>
+      <dgm:bg/>
+      <dgm:whole/>
+    </dgm:dataModel>
+  </dgm:sampData>
+  <dgm:styleData>
+    <dgm:dataModel>
+      <dgm:ptLst>
+        <dgm:pt modelId="0" type="doc"/>
+        <dgm:pt modelId="1"/>
+        <dgm:pt modelId="2"/>
+      </dgm:ptLst>
+      <dgm:cxnLst>
+        <dgm:cxn modelId="4" srcId="0" destId="1" srcOrd="0" destOrd="0"/>
+        <dgm:cxn modelId="5" srcId="0" destId="2" srcOrd="1" destOrd="0"/>
+      </dgm:cxnLst>
+      <dgm:bg/>
+      <dgm:whole/>
+    </dgm:dataModel>
+  </dgm:styleData>
+  <dgm:clrData>
+    <dgm:dataModel>
+      <dgm:ptLst>
+        <dgm:pt modelId="0" type="doc"/>
+        <dgm:pt modelId="1"/>
+        <dgm:pt modelId="2"/>
+        <dgm:pt modelId="3"/>
+        <dgm:pt modelId="4"/>
+      </dgm:ptLst>
+      <dgm:cxnLst>
+        <dgm:cxn modelId="5" srcId="0" destId="1" srcOrd="0" destOrd="0"/>
+        <dgm:cxn modelId="6" srcId="0" destId="2" srcOrd="1" destOrd="0"/>
+        <dgm:cxn modelId="7" srcId="0" destId="3" srcOrd="2" destOrd="0"/>
+        <dgm:cxn modelId="8" srcId="0" destId="4" srcOrd="3" destOrd="0"/>
+      </dgm:cxnLst>
+      <dgm:bg/>
+      <dgm:whole/>
+    </dgm:dataModel>
+  </dgm:clrData>
+  <dgm:layoutNode name="linear">
+    <dgm:varLst>
+      <dgm:dir/>
+      <dgm:animLvl val="lvl"/>
+      <dgm:resizeHandles val="exact"/>
+    </dgm:varLst>
+    <dgm:choose name="Name0">
+      <dgm:if name="Name1" func="var" arg="dir" op="equ" val="norm">
+        <dgm:alg type="lin">
+          <dgm:param type="linDir" val="fromT"/>
+          <dgm:param type="vertAlign" val="mid"/>
+          <dgm:param type="horzAlign" val="l"/>
+          <dgm:param type="nodeHorzAlign" val="l"/>
+        </dgm:alg>
+      </dgm:if>
+      <dgm:else name="Name2">
+        <dgm:alg type="lin">
+          <dgm:param type="linDir" val="fromT"/>
+          <dgm:param type="vertAlign" val="mid"/>
+          <dgm:param type="horzAlign" val="r"/>
+          <dgm:param type="nodeHorzAlign" val="r"/>
+        </dgm:alg>
+      </dgm:else>
+    </dgm:choose>
+    <dgm:shape xmlns:r="http://schemas.openxmlformats.org/officeDocument/2006/relationships" r:blip="">
+      <dgm:adjLst/>
+    </dgm:shape>
+    <dgm:presOf/>
+    <dgm:constrLst>
+      <dgm:constr type="w" for="ch" forName="parentLin" refType="w"/>
+      <dgm:constr type="h" for="ch" forName="parentLin" val="INF"/>
+      <dgm:constr type="w" for="des" forName="parentLeftMargin" refType="w" fact="0.05"/>
+      <dgm:constr type="w" for="des" forName="parentText" refType="w" fact="0.7"/>
+      <dgm:constr type="h" for="des" forName="parentText" refType="primFontSz" refFor="des" refForName="parentText" fact="0.82"/>
+      <dgm:constr type="h" for="ch" forName="negativeSpace" refType="primFontSz" refFor="des" refForName="parentText" fact="-0.41"/>
+      <dgm:constr type="h" for="ch" forName="negativeSpace" refType="h" refFor="des" refForName="parentText" op="lte" fact="-0.82"/>
+      <dgm:constr type="h" for="ch" forName="negativeSpace" refType="h" refFor="des" refForName="parentText" op="gte" fact="-0.82"/>
+      <dgm:constr type="w" for="ch" forName="childText" refType="w"/>
+      <dgm:constr type="h" for="ch" forName="childText" refType="primFontSz" refFor="des" refForName="parentText" fact="0.7"/>
+      <dgm:constr type="primFontSz" for="des" forName="parentText" val="65"/>
+      <dgm:constr type="primFontSz" for="ch" forName="childText" refType="primFontSz" refFor="des" refForName="parentText"/>
+      <dgm:constr type="tMarg" for="ch" forName="childText" refType="primFontSz" refFor="des" refForName="parentText" fact="1.64"/>
+      <dgm:constr type="tMarg" for="ch" forName="childText" refType="h" refFor="des" refForName="parentText" op="lte" fact="3.28"/>
+      <dgm:constr type="tMarg" for="ch" forName="childText" refType="h" refFor="des" refForName="parentText" op="gte" fact="3.28"/>
+      <dgm:constr type="lMarg" for="ch" forName="childText" refType="w" fact="0.22"/>
+      <dgm:constr type="rMarg" for="ch" forName="childText" refType="lMarg" refFor="ch" refForName="childText"/>
+      <dgm:constr type="lMarg" for="des" forName="parentText" refType="w" fact="0.075"/>
+      <dgm:constr type="rMarg" for="des" forName="parentText" refType="lMarg" refFor="des" refForName="parentText"/>
+      <dgm:constr type="h" for="ch" forName="spaceBetweenRectangles" refType="primFontSz" refFor="des" refForName="parentText" fact="0.15"/>
+    </dgm:constrLst>
+    <dgm:ruleLst>
+      <dgm:rule type="primFontSz" for="des" forName="parentText" val="5" fact="NaN" max="NaN"/>
+    </dgm:ruleLst>
+    <dgm:forEach name="Name3" axis="ch" ptType="node">
+      <dgm:layoutNode name="parentLin">
+        <dgm:choose name="Name4">
+          <dgm:if name="Name5" func="var" arg="dir" op="equ" val="norm">
+            <dgm:alg type="lin">
+              <dgm:param type="linDir" val="fromL"/>
+              <dgm:param type="horzAlign" val="l"/>
+              <dgm:param type="nodeHorzAlign" val="l"/>
+            </dgm:alg>
+          </dgm:if>
+          <dgm:else name="Name6">
+            <dgm:alg type="lin">
+              <dgm:param type="linDir" val="fromR"/>
+              <dgm:param type="horzAlign" val="r"/>
+              <dgm:param type="nodeHorzAlign" val="r"/>
+            </dgm:alg>
+          </dgm:else>
+        </dgm:choose>
+        <dgm:shape xmlns:r="http://schemas.openxmlformats.org/officeDocument/2006/relationships" r:blip="">
+          <dgm:adjLst/>
+        </dgm:shape>
+        <dgm:presOf/>
+        <dgm:constrLst/>
+        <dgm:ruleLst/>
+        <dgm:layoutNode name="parentLeftMargin">
+          <dgm:alg type="sp"/>
+          <dgm:shape xmlns:r="http://schemas.openxmlformats.org/officeDocument/2006/relationships" type="rect" r:blip="" hideGeom="1">
+            <dgm:adjLst/>
+          </dgm:shape>
+          <dgm:presOf axis="self"/>
+          <dgm:constrLst>
+            <dgm:constr type="h"/>
+          </dgm:constrLst>
+          <dgm:ruleLst/>
+        </dgm:layoutNode>
+        <dgm:layoutNode name="parentText" styleLbl="node1">
+          <dgm:varLst>
+            <dgm:chMax val="0"/>
+            <dgm:bulletEnabled val="1"/>
+          </dgm:varLst>
+          <dgm:choose name="Name7">
+            <dgm:if name="Name8" func="var" arg="dir" op="equ" val="norm">
+              <dgm:alg type="tx">
+                <dgm:param type="parTxLTRAlign" val="l"/>
+                <dgm:param type="parTxRTLAlign" val="l"/>
+              </dgm:alg>
+            </dgm:if>
+            <dgm:else name="Name9">
+              <dgm:alg type="tx">
+                <dgm:param type="parTxLTRAlign" val="r"/>
+                <dgm:param type="parTxRTLAlign" val="r"/>
+              </dgm:alg>
+            </dgm:else>
+          </dgm:choose>
+          <dgm:shape xmlns:r="http://schemas.openxmlformats.org/officeDocument/2006/relationships" type="roundRect" r:blip="">
+            <dgm:adjLst/>
+          </dgm:shape>
+          <dgm:presOf axis="self" ptType="node"/>
+          <dgm:constrLst>
+            <dgm:constr type="tMarg"/>
+            <dgm:constr type="bMarg"/>
+          </dgm:constrLst>
+          <dgm:ruleLst/>
+        </dgm:layoutNode>
+      </dgm:layoutNode>
+      <dgm:layoutNode name="negativeSpace">
+        <dgm:alg type="sp"/>
+        <dgm:shape xmlns:r="http://schemas.openxmlformats.org/officeDocument/2006/relationships" r:blip="">
+          <dgm:adjLst/>
+        </dgm:shape>
+        <dgm:presOf/>
+        <dgm:constrLst/>
+        <dgm:ruleLst/>
+      </dgm:layoutNode>
+      <dgm:layoutNode name="childText" styleLbl="conFgAcc1">
+        <dgm:varLst>
+          <dgm:bulletEnabled val="1"/>
+        </dgm:varLst>
+        <dgm:alg type="tx">
+          <dgm:param type="stBulletLvl" val="1"/>
+        </dgm:alg>
+        <dgm:shape xmlns:r="http://schemas.openxmlformats.org/officeDocument/2006/relationships" type="rect" r:blip="" zOrderOff="-2">
+          <dgm:adjLst/>
+        </dgm:shape>
+        <dgm:presOf axis="des" ptType="node"/>
+        <dgm:constrLst>
+          <dgm:constr type="secFontSz" refType="primFontSz"/>
+        </dgm:constrLst>
+        <dgm:ruleLst>
+          <dgm:rule type="h" val="INF" fact="NaN" max="NaN"/>
+        </dgm:ruleLst>
+      </dgm:layoutNode>
+      <dgm:forEach name="Name10" axis="followSib" ptType="sibTrans" cnt="1">
+        <dgm:layoutNode name="spaceBetweenRectangles">
+          <dgm:alg type="sp"/>
+          <dgm:shape xmlns:r="http://schemas.openxmlformats.org/officeDocument/2006/relationships" r:blip="">
+            <dgm:adjLst/>
+          </dgm:shape>
+          <dgm:presOf/>
+          <dgm:constrLst/>
+          <dgm:ruleLst/>
+        </dgm:layoutNode>
+      </dgm:forEach>
+    </dgm:forEach>
+  </dgm:layoutNode>
+</dgm:layoutDef>
+</file>
+
+<file path=ppt/diagrams/layout2.xml><?xml version="1.0" encoding="utf-8"?>
+<dgm:layoutDef xmlns:dgm="http://schemas.openxmlformats.org/drawingml/2006/diagram" xmlns:a="http://schemas.openxmlformats.org/drawingml/2006/main" uniqueId="urn:microsoft.com/office/officeart/2005/8/layout/vList2">
+  <dgm:title val=""/>
+  <dgm:desc val=""/>
+  <dgm:catLst>
+    <dgm:cat type="list" pri="3000"/>
+    <dgm:cat type="convert" pri="1000"/>
+  </dgm:catLst>
+  <dgm:sampData>
+    <dgm:dataModel>
+      <dgm:ptLst>
+        <dgm:pt modelId="0" type="doc"/>
+        <dgm:pt modelId="1">
           <dgm:prSet phldr="1"/>
         </dgm:pt>
-        <dgm:pt modelId="5">
+        <dgm:pt modelId="11">
+          <dgm:prSet phldr="1"/>
+        </dgm:pt>
+        <dgm:pt modelId="2">
+          <dgm:prSet phldr="1"/>
+        </dgm:pt>
+        <dgm:pt modelId="21">
           <dgm:prSet phldr="1"/>
         </dgm:pt>
       </dgm:ptLst>
       <dgm:cxnLst>
-        <dgm:cxn modelId="6" srcId="0" destId="1" srcOrd="0" destOrd="0"/>
-        <dgm:cxn modelId="7" srcId="0" destId="2" srcOrd="1" destOrd="0"/>
-        <dgm:cxn modelId="8" srcId="0" destId="3" srcOrd="2" destOrd="0"/>
-        <dgm:cxn modelId="9" srcId="0" destId="4" srcOrd="3" destOrd="0"/>
-        <dgm:cxn modelId="10" srcId="0" destId="5" srcOrd="4" destOrd="0"/>
+        <dgm:cxn modelId="4" srcId="0" destId="1" srcOrd="0" destOrd="0"/>
+        <dgm:cxn modelId="5" srcId="0" destId="2" srcOrd="1" destOrd="0"/>
+        <dgm:cxn modelId="12" srcId="1" destId="11" srcOrd="0" destOrd="0"/>
+        <dgm:cxn modelId="23" srcId="2" destId="21" srcOrd="0" destOrd="0"/>
       </dgm:cxnLst>
       <dgm:bg/>
       <dgm:whole/>
@@ -6026,87 +5534,110 @@
         <dgm:pt modelId="2"/>
         <dgm:pt modelId="3"/>
         <dgm:pt modelId="4"/>
-        <dgm:pt modelId="5"/>
-        <dgm:pt modelId="6"/>
       </dgm:ptLst>
       <dgm:cxnLst>
-        <dgm:cxn modelId="7" srcId="0" destId="1" srcOrd="0" destOrd="0"/>
-        <dgm:cxn modelId="8" srcId="0" destId="2" srcOrd="1" destOrd="0"/>
-        <dgm:cxn modelId="9" srcId="0" destId="3" srcOrd="2" destOrd="0"/>
-        <dgm:cxn modelId="10" srcId="0" destId="4" srcOrd="3" destOrd="0"/>
-        <dgm:cxn modelId="11" srcId="0" destId="5" srcOrd="4" destOrd="0"/>
-        <dgm:cxn modelId="12" srcId="0" destId="6" srcOrd="5" destOrd="0"/>
+        <dgm:cxn modelId="5" srcId="0" destId="1" srcOrd="0" destOrd="0"/>
+        <dgm:cxn modelId="6" srcId="0" destId="2" srcOrd="1" destOrd="0"/>
+        <dgm:cxn modelId="7" srcId="0" destId="3" srcOrd="2" destOrd="0"/>
+        <dgm:cxn modelId="8" srcId="0" destId="4" srcOrd="3" destOrd="0"/>
       </dgm:cxnLst>
       <dgm:bg/>
       <dgm:whole/>
     </dgm:dataModel>
   </dgm:clrData>
-  <dgm:layoutNode name="diagram">
+  <dgm:layoutNode name="linear">
     <dgm:varLst>
-      <dgm:dir/>
+      <dgm:animLvl val="lvl"/>
       <dgm:resizeHandles val="exact"/>
     </dgm:varLst>
-    <dgm:choose name="Name0">
-      <dgm:if name="Name1" func="var" arg="dir" op="equ" val="norm">
-        <dgm:alg type="snake">
-          <dgm:param type="grDir" val="tL"/>
-          <dgm:param type="flowDir" val="row"/>
-          <dgm:param type="contDir" val="sameDir"/>
-          <dgm:param type="off" val="ctr"/>
-        </dgm:alg>
-      </dgm:if>
-      <dgm:else name="Name2">
-        <dgm:alg type="snake">
-          <dgm:param type="grDir" val="tR"/>
-          <dgm:param type="flowDir" val="row"/>
-          <dgm:param type="contDir" val="sameDir"/>
-          <dgm:param type="off" val="ctr"/>
-        </dgm:alg>
-      </dgm:else>
-    </dgm:choose>
+    <dgm:alg type="lin">
+      <dgm:param type="linDir" val="fromT"/>
+      <dgm:param type="vertAlign" val="mid"/>
+    </dgm:alg>
     <dgm:shape xmlns:r="http://schemas.openxmlformats.org/officeDocument/2006/relationships" r:blip="">
       <dgm:adjLst/>
     </dgm:shape>
     <dgm:presOf/>
     <dgm:constrLst>
-      <dgm:constr type="w" for="ch" forName="node" refType="w"/>
-      <dgm:constr type="h" for="ch" forName="node" refType="w" refFor="ch" refForName="node" fact="0.6"/>
-      <dgm:constr type="w" for="ch" forName="sibTrans" refType="w" refFor="ch" refForName="node" fact="0.1"/>
-      <dgm:constr type="sp" refType="w" refFor="ch" refForName="sibTrans"/>
-      <dgm:constr type="primFontSz" for="ch" forName="node" op="equ" val="65"/>
+      <dgm:constr type="w" for="ch" forName="parentText" refType="w"/>
+      <dgm:constr type="h" for="ch" forName="parentText" refType="primFontSz" refFor="ch" refForName="parentText" fact="0.52"/>
+      <dgm:constr type="w" for="ch" forName="childText" refType="w"/>
+      <dgm:constr type="h" for="ch" forName="childText" refType="primFontSz" refFor="ch" refForName="parentText" fact="0.46"/>
+      <dgm:constr type="h" for="ch" forName="parentText" op="equ"/>
+      <dgm:constr type="primFontSz" for="ch" forName="parentText" op="equ" val="65"/>
+      <dgm:constr type="primFontSz" for="ch" forName="childText" refType="primFontSz" refFor="ch" refForName="parentText" op="equ"/>
+      <dgm:constr type="h" for="ch" forName="spacer" refType="primFontSz" refFor="ch" refForName="parentText" fact="0.08"/>
     </dgm:constrLst>
-    <dgm:ruleLst/>
-    <dgm:forEach name="Name3" axis="ch" ptType="node">
-      <dgm:layoutNode name="node">
+    <dgm:ruleLst>
+      <dgm:rule type="primFontSz" for="ch" forName="parentText" val="5" fact="NaN" max="NaN"/>
+    </dgm:ruleLst>
+    <dgm:forEach name="Name0" axis="ch" ptType="node">
+      <dgm:layoutNode name="parentText" styleLbl="node1">
         <dgm:varLst>
+          <dgm:chMax val="0"/>
           <dgm:bulletEnabled val="1"/>
         </dgm:varLst>
-        <dgm:alg type="tx"/>
-        <dgm:shape xmlns:r="http://schemas.openxmlformats.org/officeDocument/2006/relationships" type="rect" r:blip="">
+        <dgm:alg type="tx">
+          <dgm:param type="parTxLTRAlign" val="l"/>
+          <dgm:param type="parTxRTLAlign" val="r"/>
+        </dgm:alg>
+        <dgm:shape xmlns:r="http://schemas.openxmlformats.org/officeDocument/2006/relationships" type="roundRect" r:blip="">
           <dgm:adjLst/>
         </dgm:shape>
-        <dgm:presOf axis="desOrSelf" ptType="node"/>
+        <dgm:presOf axis="self"/>
         <dgm:constrLst>
+          <dgm:constr type="tMarg" refType="primFontSz" fact="0.3"/>
+          <dgm:constr type="bMarg" refType="primFontSz" fact="0.3"/>
           <dgm:constr type="lMarg" refType="primFontSz" fact="0.3"/>
           <dgm:constr type="rMarg" refType="primFontSz" fact="0.3"/>
-          <dgm:constr type="tMarg" refType="primFontSz" fact="0.3"/>
-          <dgm:constr type="bMarg" refType="primFontSz" fact="0.3"/>
         </dgm:constrLst>
         <dgm:ruleLst>
-          <dgm:rule type="primFontSz" val="5" fact="NaN" max="NaN"/>
+          <dgm:rule type="h" val="INF" fact="NaN" max="NaN"/>
         </dgm:ruleLst>
       </dgm:layoutNode>
-      <dgm:forEach name="Name4" axis="followSib" ptType="sibTrans" cnt="1">
-        <dgm:layoutNode name="sibTrans">
-          <dgm:alg type="sp"/>
-          <dgm:shape xmlns:r="http://schemas.openxmlformats.org/officeDocument/2006/relationships" r:blip="">
-            <dgm:adjLst/>
-          </dgm:shape>
-          <dgm:presOf/>
-          <dgm:constrLst/>
-          <dgm:ruleLst/>
-        </dgm:layoutNode>
-      </dgm:forEach>
+      <dgm:choose name="Name1">
+        <dgm:if name="Name2" axis="ch" ptType="node" func="cnt" op="gte" val="1">
+          <dgm:layoutNode name="childText" styleLbl="revTx">
+            <dgm:varLst>
+              <dgm:bulletEnabled val="1"/>
+            </dgm:varLst>
+            <dgm:alg type="tx">
+              <dgm:param type="stBulletLvl" val="1"/>
+              <dgm:param type="lnSpAfChP" val="20"/>
+            </dgm:alg>
+            <dgm:shape xmlns:r="http://schemas.openxmlformats.org/officeDocument/2006/relationships" type="rect" r:blip="">
+              <dgm:adjLst/>
+            </dgm:shape>
+            <dgm:presOf axis="des" ptType="node"/>
+            <dgm:constrLst>
+              <dgm:constr type="tMarg" refType="primFontSz" fact="0.1"/>
+              <dgm:constr type="bMarg" refType="primFontSz" fact="0.1"/>
+              <dgm:constr type="lMarg" refType="w" fact="0.09"/>
+            </dgm:constrLst>
+            <dgm:ruleLst>
+              <dgm:rule type="h" val="INF" fact="NaN" max="NaN"/>
+            </dgm:ruleLst>
+          </dgm:layoutNode>
+        </dgm:if>
+        <dgm:else name="Name3">
+          <dgm:choose name="Name4">
+            <dgm:if name="Name5" axis="par ch" ptType="doc node" func="cnt" op="gte" val="2">
+              <dgm:forEach name="Name6" axis="followSib" ptType="sibTrans" cnt="1">
+                <dgm:layoutNode name="spacer">
+                  <dgm:alg type="sp"/>
+                  <dgm:shape xmlns:r="http://schemas.openxmlformats.org/officeDocument/2006/relationships" r:blip="">
+                    <dgm:adjLst/>
+                  </dgm:shape>
+                  <dgm:presOf/>
+                  <dgm:constrLst/>
+                  <dgm:ruleLst/>
+                </dgm:layoutNode>
+              </dgm:forEach>
+            </dgm:if>
+            <dgm:else name="Name7"/>
+          </dgm:choose>
+        </dgm:else>
+      </dgm:choose>
     </dgm:forEach>
   </dgm:layoutNode>
 </dgm:layoutDef>
@@ -8573,69 +8104,11 @@
           <a:bodyPr/>
           <a:lstStyle/>
           <a:p>
-            <a:r>
-              <a:rPr lang="zh-CN" altLang="en-US">
-                <a:latin typeface="Calibri"/>
-                <a:ea typeface="等线"/>
-                <a:cs typeface="Calibri"/>
-              </a:rPr>
-              <a:t>为什么要做PCA：</a:t>
-            </a:r>
-            <a:endParaRPr lang="en-US" altLang="zh-CN">
+            <a:endParaRPr lang="zh-CN" altLang="en-US" dirty="0">
               <a:latin typeface="Calibri"/>
-              <a:ea typeface="等线" panose="02010600030101010101" pitchFamily="2" charset="-122"/>
+              <a:ea typeface="等线"/>
               <a:cs typeface="Calibri"/>
             </a:endParaRPr>
-          </a:p>
-          <a:p>
-            <a:pPr marL="171450" indent="-171450">
-              <a:lnSpc>
-                <a:spcPct val="90000"/>
-              </a:lnSpc>
-              <a:spcBef>
-                <a:spcPts val="1200"/>
-              </a:spcBef>
-              <a:spcAft>
-                <a:spcPts val="200"/>
-              </a:spcAft>
-              <a:buFont typeface="Arial"/>
-              <a:buChar char="•"/>
-            </a:pPr>
-            <a:r>
-              <a:rPr lang="zh-CN">
-                <a:ea typeface="等线"/>
-              </a:rPr>
-              <a:t>1.降维，计算效率高（豹可以提一下</a:t>
-            </a:r>
-            <a:r>
-              <a:rPr lang="en-US"/>
-              <a:t>14300 vs 166</a:t>
-            </a:r>
-            <a:r>
-              <a:rPr lang="zh-CN" altLang="en-US">
-                <a:ea typeface="等线"/>
-              </a:rPr>
-              <a:t>）</a:t>
-            </a:r>
-          </a:p>
-          <a:p>
-            <a:pPr marL="171450" indent="-171450">
-              <a:lnSpc>
-                <a:spcPct val="90000"/>
-              </a:lnSpc>
-              <a:spcBef>
-                <a:spcPts val="1200"/>
-              </a:spcBef>
-              <a:spcAft>
-                <a:spcPts val="200"/>
-              </a:spcAft>
-              <a:buFont typeface="Arial"/>
-              <a:buChar char="•"/>
-            </a:pPr>
-            <a:r>
-              <a:rPr lang="zh-CN"/>
-              <a:t>2.不同亮度</a:t>
-            </a:r>
           </a:p>
         </p:txBody>
       </p:sp>
@@ -8719,100 +8192,9 @@
           <a:bodyPr/>
           <a:lstStyle/>
           <a:p>
-            <a:r>
-              <a:rPr lang="en-US"/>
-              <a:t>PCA</a:t>
-            </a:r>
-            <a:r>
-              <a:rPr lang="ja-JP" altLang="en-US"/>
-              <a:t>的工作就是从原始的空间中顺序地找一组相互正交的坐标轴，新的坐标轴的选择与数据本身是密切相关的。其中，第一个新坐标轴选择是原始数据中方差最大的方向，第二个新坐标轴选取是与第一个坐标轴正交的平面中使得方差最大的，第三个轴是与第</a:t>
-            </a:r>
-            <a:r>
-              <a:rPr lang="en-US"/>
-              <a:t>1,2</a:t>
-            </a:r>
-            <a:r>
-              <a:rPr lang="ja-JP" altLang="en-US"/>
-              <a:t>个轴正交的平面中方差最大的。依次类推，可以得到</a:t>
-            </a:r>
-            <a:r>
-              <a:rPr lang="en-US"/>
-              <a:t>n</a:t>
-            </a:r>
-            <a:r>
-              <a:rPr lang="ja-JP" altLang="en-US"/>
-              <a:t>个这样的坐标轴。通过这种方式获得的新的坐标轴，我们发现，大部分方差都包含在前面</a:t>
-            </a:r>
-            <a:r>
-              <a:rPr lang="en-US"/>
-              <a:t>k</a:t>
-            </a:r>
-            <a:r>
-              <a:rPr lang="ja-JP" altLang="en-US"/>
-              <a:t>个坐标轴中，后面的坐标轴所含的方差几乎为</a:t>
-            </a:r>
-            <a:r>
-              <a:rPr lang="en-US"/>
-              <a:t>0</a:t>
-            </a:r>
-            <a:r>
-              <a:rPr lang="ja-JP" altLang="en-US"/>
-              <a:t>。于是，我们可以忽略余下的坐标轴，只保留前面</a:t>
-            </a:r>
-            <a:r>
-              <a:rPr lang="en-US"/>
-              <a:t>k</a:t>
-            </a:r>
-            <a:r>
-              <a:rPr lang="ja-JP" altLang="en-US"/>
-              <a:t>个含有绝大部分方差的坐标轴。事实上，这相当于只保留包含绝大部分方差的维度特征，而忽略包含方差几乎为</a:t>
-            </a:r>
-            <a:r>
-              <a:rPr lang="en-US"/>
-              <a:t>0</a:t>
-            </a:r>
-            <a:r>
-              <a:rPr lang="ja-JP" altLang="en-US"/>
-              <a:t>的特征维度，实现对数据特征的降维处理</a:t>
-            </a:r>
-            <a:r>
-              <a:rPr lang="en-US"/>
-              <a:t>。</a:t>
-            </a:r>
-          </a:p>
-          <a:p>
-            <a:r>
-              <a:rPr lang="ja-JP" altLang="en-US"/>
-              <a:t>通过计算数据矩阵的协方差矩阵，然后得到协方差矩阵的特征值特征向量，选择特征值最大</a:t>
-            </a:r>
-            <a:r>
-              <a:rPr lang="en-US"/>
-              <a:t>(</a:t>
-            </a:r>
-            <a:r>
-              <a:rPr lang="ja-JP" altLang="en-US"/>
-              <a:t>即方差最大</a:t>
-            </a:r>
-            <a:r>
-              <a:rPr lang="en-US"/>
-              <a:t>)</a:t>
-            </a:r>
-            <a:r>
-              <a:rPr lang="ja-JP" altLang="en-US"/>
-              <a:t>的</a:t>
-            </a:r>
-            <a:r>
-              <a:rPr lang="en-US"/>
-              <a:t>k</a:t>
-            </a:r>
-            <a:r>
-              <a:rPr lang="ja-JP" altLang="en-US"/>
-              <a:t>个特征所对应的特征向量组成的矩阵。这样就可以将数据矩阵转换到新的空间当中，实现数据特征的降维</a:t>
-            </a:r>
-            <a:r>
-              <a:rPr lang="en-US"/>
-              <a:t>。</a:t>
-            </a:r>
+            <a:endParaRPr lang="en-US" dirty="0">
+              <a:ea typeface="等线"/>
+            </a:endParaRPr>
           </a:p>
         </p:txBody>
       </p:sp>
@@ -8896,7 +8278,10 @@
           <a:bodyPr/>
           <a:lstStyle/>
           <a:p>
-            <a:endParaRPr lang="zh-CN" altLang="en-US" dirty="0"/>
+            <a:endParaRPr lang="ja-JP" altLang="en-GB" dirty="0">
+              <a:latin typeface="微软雅黑"/>
+              <a:ea typeface="微软雅黑"/>
+            </a:endParaRPr>
           </a:p>
         </p:txBody>
       </p:sp>
@@ -8918,130 +8303,6 @@
             <a:fld id="{EE67B760-5A86-450C-B98F-523F803C4830}" type="slidenum">
               <a:rPr lang="en-US" altLang="zh-CN" smtClean="0"/>
               <a:t>11</a:t>
-            </a:fld>
-            <a:endParaRPr lang="zh-CN" altLang="en-US"/>
-          </a:p>
-        </p:txBody>
-      </p:sp>
-    </p:spTree>
-    <p:extLst>
-      <p:ext uri="{BB962C8B-B14F-4D97-AF65-F5344CB8AC3E}">
-        <p14:creationId xmlns:p14="http://schemas.microsoft.com/office/powerpoint/2010/main" val="4090200833"/>
-      </p:ext>
-    </p:extLst>
-  </p:cSld>
-  <p:clrMapOvr>
-    <a:masterClrMapping/>
-  </p:clrMapOvr>
-</p:notes>
-</file>
-
-<file path=ppt/notesSlides/notesSlide4.xml><?xml version="1.0" encoding="utf-8"?>
-<p:notes xmlns:a="http://schemas.openxmlformats.org/drawingml/2006/main" xmlns:r="http://schemas.openxmlformats.org/officeDocument/2006/relationships" xmlns:p="http://schemas.openxmlformats.org/presentationml/2006/main">
-  <p:cSld>
-    <p:spTree>
-      <p:nvGrpSpPr>
-        <p:cNvPr id="1" name=""/>
-        <p:cNvGrpSpPr/>
-        <p:nvPr/>
-      </p:nvGrpSpPr>
-      <p:grpSpPr>
-        <a:xfrm>
-          <a:off x="0" y="0"/>
-          <a:ext cx="0" cy="0"/>
-          <a:chOff x="0" y="0"/>
-          <a:chExt cx="0" cy="0"/>
-        </a:xfrm>
-      </p:grpSpPr>
-      <p:sp>
-        <p:nvSpPr>
-          <p:cNvPr id="2" name="幻灯片图像占位符 1"/>
-          <p:cNvSpPr>
-            <a:spLocks noGrp="1" noRot="1" noChangeAspect="1"/>
-          </p:cNvSpPr>
-          <p:nvPr>
-            <p:ph type="sldImg"/>
-          </p:nvPr>
-        </p:nvSpPr>
-        <p:spPr/>
-      </p:sp>
-      <p:sp>
-        <p:nvSpPr>
-          <p:cNvPr id="3" name="备注占位符 2"/>
-          <p:cNvSpPr>
-            <a:spLocks noGrp="1"/>
-          </p:cNvSpPr>
-          <p:nvPr>
-            <p:ph type="body" idx="1"/>
-          </p:nvPr>
-        </p:nvSpPr>
-        <p:spPr/>
-        <p:txBody>
-          <a:bodyPr/>
-          <a:lstStyle/>
-          <a:p>
-            <a:r>
-              <a:rPr lang="ja-JP" altLang="en-GB">
-                <a:latin typeface="微软雅黑"/>
-                <a:ea typeface="微软雅黑"/>
-                <a:cs typeface="Calibri"/>
-              </a:rPr>
-              <a:t>可以解释一下为什么识别率只有50%左右</a:t>
-            </a:r>
-          </a:p>
-          <a:p>
-            <a:r>
-              <a:rPr lang="ja-JP" altLang="en-GB">
-                <a:latin typeface="微软雅黑"/>
-                <a:ea typeface="微软雅黑"/>
-                <a:cs typeface="Calibri"/>
-              </a:rPr>
-              <a:t>在亮度和角度一样的时候效果最好</a:t>
-            </a:r>
-          </a:p>
-          <a:p>
-            <a:r>
-              <a:rPr lang="ja-JP" altLang="en-GB">
-                <a:latin typeface="微软雅黑"/>
-                <a:ea typeface="微软雅黑"/>
-                <a:cs typeface="Calibri"/>
-              </a:rPr>
-              <a:t>但是我们这个已经排除了一部分亮度的问题（减去平均）</a:t>
-            </a:r>
-          </a:p>
-          <a:p>
-            <a:r>
-              <a:rPr lang="ja-JP" altLang="en-GB">
-                <a:latin typeface="微软雅黑"/>
-                <a:ea typeface="微软雅黑"/>
-                <a:cs typeface="Calibri"/>
-              </a:rPr>
-              <a:t>如果图像数据库更大（有多张同角度的照片），可以更加优化（通过优化labelling和更加sophisticated的pca）</a:t>
-            </a:r>
-          </a:p>
-          <a:p>
-            <a:endParaRPr lang="zh-CN" altLang="en-US"/>
-          </a:p>
-        </p:txBody>
-      </p:sp>
-      <p:sp>
-        <p:nvSpPr>
-          <p:cNvPr id="4" name="灯片编号占位符 3"/>
-          <p:cNvSpPr>
-            <a:spLocks noGrp="1"/>
-          </p:cNvSpPr>
-          <p:nvPr>
-            <p:ph type="sldNum" sz="quarter" idx="5"/>
-          </p:nvPr>
-        </p:nvSpPr>
-        <p:spPr/>
-        <p:txBody>
-          <a:bodyPr/>
-          <a:lstStyle/>
-          <a:p>
-            <a:fld id="{EE67B760-5A86-450C-B98F-523F803C4830}" type="slidenum">
-              <a:rPr lang="en-US" altLang="zh-CN" smtClean="0"/>
-              <a:t>15</a:t>
             </a:fld>
             <a:endParaRPr lang="zh-CN" altLang="en-US"/>
           </a:p>
@@ -12878,14 +12139,14 @@
           <a:lstStyle/>
           <a:p>
             <a:r>
-              <a:rPr lang="ja-JP" altLang="en-GB" dirty="0">
+              <a:rPr lang="ja-JP" altLang="en-GB">
                 <a:latin typeface="微软雅黑"/>
                 <a:ea typeface="微软雅黑"/>
                 <a:cs typeface="Calibri Light"/>
               </a:rPr>
-              <a:t>结果展示与讨论</a:t>
-            </a:r>
-            <a:endParaRPr lang="en-GB" dirty="0">
+              <a:t>结果展示与讨论 - k</a:t>
+            </a:r>
+            <a:endParaRPr lang="en-GB">
               <a:latin typeface="微软雅黑"/>
               <a:ea typeface="微软雅黑"/>
             </a:endParaRPr>
@@ -12904,11 +12165,17 @@
           <p:cNvGraphicFramePr>
             <a:graphicFrameLocks noGrp="1"/>
           </p:cNvGraphicFramePr>
-          <p:nvPr/>
+          <p:nvPr>
+            <p:extLst>
+              <p:ext uri="{D42A27DB-BD31-4B8C-83A1-F6EECF244321}">
+                <p14:modId xmlns:p14="http://schemas.microsoft.com/office/powerpoint/2010/main" val="2687293637"/>
+              </p:ext>
+            </p:extLst>
+          </p:nvPr>
         </p:nvGraphicFramePr>
         <p:xfrm>
-          <a:off x="2032000" y="2192140"/>
-          <a:ext cx="8128000" cy="3677920"/>
+          <a:off x="974103" y="1840334"/>
+          <a:ext cx="4251080" cy="4389120"/>
         </p:xfrm>
         <a:graphic>
           <a:graphicData uri="http://schemas.openxmlformats.org/drawingml/2006/table">
@@ -12917,14 +12184,14 @@
                 <a:tableStyleId>{5C22544A-7EE6-4342-B048-85BDC9FD1C3A}</a:tableStyleId>
               </a:tblPr>
               <a:tblGrid>
-                <a:gridCol w="4064000">
+                <a:gridCol w="1648950">
                   <a:extLst>
                     <a:ext uri="{9D8B030D-6E8A-4147-A177-3AD203B41FA5}">
                       <a16:colId xmlns:a16="http://schemas.microsoft.com/office/drawing/2014/main" val="1186702831"/>
                     </a:ext>
                   </a:extLst>
                 </a:gridCol>
-                <a:gridCol w="4064000">
+                <a:gridCol w="2602130">
                   <a:extLst>
                     <a:ext uri="{9D8B030D-6E8A-4147-A177-3AD203B41FA5}">
                       <a16:colId xmlns:a16="http://schemas.microsoft.com/office/drawing/2014/main" val="1018640390"/>
@@ -12932,7 +12199,7 @@
                   </a:extLst>
                 </a:gridCol>
               </a:tblGrid>
-              <a:tr h="370840">
+              <a:tr h="361593">
                 <a:tc>
                   <a:txBody>
                     <a:bodyPr/>
@@ -12940,17 +12207,10 @@
                     <a:p>
                       <a:pPr algn="ctr"/>
                       <a:r>
-                        <a:rPr lang="zh-CN" altLang="en-US" dirty="0"/>
-                        <a:t>前</a:t>
+                        <a:rPr lang="en-US" altLang="zh-CN"/>
+                        <a:t>k</a:t>
                       </a:r>
-                      <a:r>
-                        <a:rPr lang="en-US" altLang="zh-CN" dirty="0"/>
-                        <a:t>x</a:t>
-                      </a:r>
-                      <a:r>
-                        <a:rPr lang="zh-CN" altLang="en-US" dirty="0"/>
-                        <a:t>的特征值</a:t>
-                      </a:r>
+                      <a:endParaRPr lang="zh-CN" altLang="en-US"/>
                     </a:p>
                   </a:txBody>
                   <a:tcPr/>
@@ -12962,7 +12222,7 @@
                     <a:p>
                       <a:pPr algn="ctr"/>
                       <a:r>
-                        <a:rPr lang="zh-CN" altLang="en-US" dirty="0"/>
+                        <a:rPr lang="zh-CN" altLang="en-US"/>
                         <a:t>正确率</a:t>
                       </a:r>
                     </a:p>
@@ -12975,7 +12235,7 @@
                   </a:ext>
                 </a:extLst>
               </a:tr>
-              <a:tr h="370840">
+              <a:tr h="361593">
                 <a:tc>
                   <a:txBody>
                     <a:bodyPr/>
@@ -12983,10 +12243,18 @@
                     <a:p>
                       <a:pPr algn="ctr"/>
                       <a:r>
-                        <a:rPr lang="en-US" altLang="zh-CN" dirty="0"/>
-                        <a:t>98%</a:t>
+                        <a:rPr lang="en-US" altLang="zh-CN">
+                          <a:solidFill>
+                            <a:srgbClr val="FF0000"/>
+                          </a:solidFill>
+                        </a:rPr>
+                        <a:t>1</a:t>
                       </a:r>
-                      <a:endParaRPr lang="zh-CN" altLang="en-US" dirty="0"/>
+                      <a:endParaRPr lang="zh-CN" altLang="en-US">
+                        <a:solidFill>
+                          <a:srgbClr val="FF0000"/>
+                        </a:solidFill>
+                      </a:endParaRPr>
                     </a:p>
                   </a:txBody>
                   <a:tcPr/>
@@ -12998,10 +12266,18 @@
                     <a:p>
                       <a:pPr algn="ctr"/>
                       <a:r>
-                        <a:rPr lang="en-US" altLang="zh-CN" dirty="0"/>
-                        <a:t>0.4521</a:t>
+                        <a:rPr lang="en-US" altLang="zh-CN">
+                          <a:solidFill>
+                            <a:srgbClr val="FF0000"/>
+                          </a:solidFill>
+                        </a:rPr>
+                        <a:t>65.90%</a:t>
                       </a:r>
-                      <a:endParaRPr lang="zh-CN" altLang="en-US" dirty="0"/>
+                      <a:endParaRPr lang="zh-CN" altLang="en-US">
+                        <a:solidFill>
+                          <a:srgbClr val="FF0000"/>
+                        </a:solidFill>
+                      </a:endParaRPr>
                     </a:p>
                   </a:txBody>
                   <a:tcPr/>
@@ -13012,7 +12288,7 @@
                   </a:ext>
                 </a:extLst>
               </a:tr>
-              <a:tr h="370840">
+              <a:tr h="352553">
                 <a:tc>
                   <a:txBody>
                     <a:bodyPr/>
@@ -13020,10 +12296,10 @@
                     <a:p>
                       <a:pPr algn="ctr"/>
                       <a:r>
-                        <a:rPr lang="en-US" altLang="zh-CN" dirty="0"/>
-                        <a:t>95%</a:t>
+                        <a:rPr lang="en-US" altLang="zh-CN"/>
+                        <a:t>2</a:t>
                       </a:r>
-                      <a:endParaRPr lang="zh-CN" altLang="en-US" dirty="0"/>
+                      <a:endParaRPr lang="zh-CN" altLang="en-US"/>
                     </a:p>
                   </a:txBody>
                   <a:tcPr/>
@@ -13035,10 +12311,10 @@
                     <a:p>
                       <a:pPr algn="ctr"/>
                       <a:r>
-                        <a:rPr lang="en-US" altLang="zh-CN" dirty="0"/>
-                        <a:t>0.5096</a:t>
+                        <a:rPr lang="en-US" altLang="zh-CN"/>
+                        <a:t>54.79%</a:t>
                       </a:r>
-                      <a:endParaRPr lang="zh-CN" altLang="en-US" dirty="0"/>
+                      <a:endParaRPr lang="zh-CN" altLang="en-US"/>
                     </a:p>
                   </a:txBody>
                   <a:tcPr/>
@@ -13049,7 +12325,7 @@
                   </a:ext>
                 </a:extLst>
               </a:tr>
-              <a:tr h="370840">
+              <a:tr h="361593">
                 <a:tc>
                   <a:txBody>
                     <a:bodyPr/>
@@ -13057,10 +12333,10 @@
                     <a:p>
                       <a:pPr algn="ctr"/>
                       <a:r>
-                        <a:rPr lang="en-US" altLang="zh-CN" dirty="0"/>
-                        <a:t>94%</a:t>
+                        <a:rPr lang="en-US" altLang="zh-CN"/>
+                        <a:t>3</a:t>
                       </a:r>
-                      <a:endParaRPr lang="zh-CN" altLang="en-US" dirty="0"/>
+                      <a:endParaRPr lang="zh-CN" altLang="en-US"/>
                     </a:p>
                   </a:txBody>
                   <a:tcPr/>
@@ -13072,10 +12348,10 @@
                     <a:p>
                       <a:pPr algn="ctr"/>
                       <a:r>
-                        <a:rPr lang="en-US" altLang="zh-CN" dirty="0"/>
-                        <a:t>0.5172</a:t>
+                        <a:rPr lang="en-US" altLang="zh-CN"/>
+                        <a:t>50.96%</a:t>
                       </a:r>
-                      <a:endParaRPr lang="zh-CN" altLang="en-US" dirty="0"/>
+                      <a:endParaRPr lang="zh-CN" altLang="en-US"/>
                     </a:p>
                   </a:txBody>
                   <a:tcPr/>
@@ -13086,7 +12362,7 @@
                   </a:ext>
                 </a:extLst>
               </a:tr>
-              <a:tr h="185420">
+              <a:tr h="361593">
                 <a:tc>
                   <a:txBody>
                     <a:bodyPr/>
@@ -13094,10 +12370,10 @@
                     <a:p>
                       <a:pPr algn="ctr"/>
                       <a:r>
-                        <a:rPr lang="en-US" altLang="zh-CN" dirty="0"/>
-                        <a:t>93%</a:t>
+                        <a:rPr lang="en-US" altLang="zh-CN"/>
+                        <a:t>4</a:t>
                       </a:r>
-                      <a:endParaRPr lang="zh-CN" altLang="en-US" dirty="0"/>
+                      <a:endParaRPr lang="zh-CN" altLang="en-US"/>
                     </a:p>
                   </a:txBody>
                   <a:tcPr/>
@@ -13109,10 +12385,21 @@
                     <a:p>
                       <a:pPr algn="ctr"/>
                       <a:r>
-                        <a:rPr lang="en-US" altLang="zh-CN" dirty="0"/>
-                        <a:t>0.5211</a:t>
+                        <a:rPr lang="en-US" altLang="zh-CN" sz="1800" kern="1200">
+                          <a:solidFill>
+                            <a:schemeClr val="dk1"/>
+                          </a:solidFill>
+                          <a:latin typeface="+mn-lt"/>
+                          <a:ea typeface="+mn-ea"/>
+                          <a:cs typeface="+mn-cs"/>
+                        </a:rPr>
+                        <a:t>49.</a:t>
                       </a:r>
-                      <a:endParaRPr lang="zh-CN" altLang="en-US" dirty="0"/>
+                      <a:r>
+                        <a:rPr lang="en-US" altLang="zh-CN"/>
+                        <a:t>04%</a:t>
+                      </a:r>
+                      <a:endParaRPr lang="zh-CN" altLang="en-US"/>
                     </a:p>
                   </a:txBody>
                   <a:tcPr/>
@@ -13123,7 +12410,7 @@
                   </a:ext>
                 </a:extLst>
               </a:tr>
-              <a:tr h="121920">
+              <a:tr h="361593">
                 <a:tc>
                   <a:txBody>
                     <a:bodyPr/>
@@ -13131,10 +12418,10 @@
                     <a:p>
                       <a:pPr algn="ctr"/>
                       <a:r>
-                        <a:rPr lang="en-US" altLang="zh-CN" dirty="0"/>
-                        <a:t>90%</a:t>
+                        <a:rPr lang="en-US" altLang="zh-CN"/>
+                        <a:t>5</a:t>
                       </a:r>
-                      <a:endParaRPr lang="zh-CN" altLang="en-US" dirty="0"/>
+                      <a:endParaRPr lang="zh-CN" altLang="en-US"/>
                     </a:p>
                   </a:txBody>
                   <a:tcPr/>
@@ -13146,1154 +12433,7 @@
                     <a:p>
                       <a:pPr algn="ctr"/>
                       <a:r>
-                        <a:rPr lang="en-US" altLang="zh-CN" dirty="0"/>
-                        <a:t>0.5326</a:t>
-                      </a:r>
-                      <a:endParaRPr lang="zh-CN" altLang="en-US" dirty="0"/>
-                    </a:p>
-                  </a:txBody>
-                  <a:tcPr/>
-                </a:tc>
-                <a:extLst>
-                  <a:ext uri="{0D108BD9-81ED-4DB2-BD59-A6C34878D82A}">
-                    <a16:rowId xmlns:a16="http://schemas.microsoft.com/office/drawing/2014/main" val="536438998"/>
-                  </a:ext>
-                </a:extLst>
-              </a:tr>
-              <a:tr h="121920">
-                <a:tc>
-                  <a:txBody>
-                    <a:bodyPr/>
-                    <a:lstStyle/>
-                    <a:p>
-                      <a:pPr algn="ctr"/>
-                      <a:r>
-                        <a:rPr lang="en-US" altLang="zh-CN" dirty="0"/>
-                        <a:t>89%</a:t>
-                      </a:r>
-                      <a:endParaRPr lang="zh-CN" altLang="en-US" dirty="0"/>
-                    </a:p>
-                  </a:txBody>
-                  <a:tcPr/>
-                </a:tc>
-                <a:tc>
-                  <a:txBody>
-                    <a:bodyPr/>
-                    <a:lstStyle/>
-                    <a:p>
-                      <a:pPr algn="ctr"/>
-                      <a:r>
-                        <a:rPr lang="en-US" altLang="zh-CN" dirty="0"/>
-                        <a:t>0.5402</a:t>
-                      </a:r>
-                      <a:endParaRPr lang="zh-CN" altLang="en-US" dirty="0"/>
-                    </a:p>
-                  </a:txBody>
-                  <a:tcPr/>
-                </a:tc>
-                <a:extLst>
-                  <a:ext uri="{0D108BD9-81ED-4DB2-BD59-A6C34878D82A}">
-                    <a16:rowId xmlns:a16="http://schemas.microsoft.com/office/drawing/2014/main" val="605898583"/>
-                  </a:ext>
-                </a:extLst>
-              </a:tr>
-              <a:tr h="243840">
-                <a:tc>
-                  <a:txBody>
-                    <a:bodyPr/>
-                    <a:lstStyle/>
-                    <a:p>
-                      <a:pPr algn="ctr"/>
-                      <a:r>
-                        <a:rPr lang="en-US" altLang="zh-CN" dirty="0"/>
-                        <a:t>88%</a:t>
-                      </a:r>
-                      <a:endParaRPr lang="zh-CN" altLang="en-US" dirty="0"/>
-                    </a:p>
-                  </a:txBody>
-                  <a:tcPr/>
-                </a:tc>
-                <a:tc>
-                  <a:txBody>
-                    <a:bodyPr/>
-                    <a:lstStyle/>
-                    <a:p>
-                      <a:pPr algn="ctr"/>
-                      <a:r>
-                        <a:rPr lang="en-US" altLang="zh-CN" dirty="0"/>
-                        <a:t>0.5249</a:t>
-                      </a:r>
-                      <a:endParaRPr lang="zh-CN" altLang="en-US" dirty="0"/>
-                    </a:p>
-                  </a:txBody>
-                  <a:tcPr/>
-                </a:tc>
-                <a:extLst>
-                  <a:ext uri="{0D108BD9-81ED-4DB2-BD59-A6C34878D82A}">
-                    <a16:rowId xmlns:a16="http://schemas.microsoft.com/office/drawing/2014/main" val="1063227737"/>
-                  </a:ext>
-                </a:extLst>
-              </a:tr>
-              <a:tr h="121920">
-                <a:tc>
-                  <a:txBody>
-                    <a:bodyPr/>
-                    <a:lstStyle/>
-                    <a:p>
-                      <a:pPr algn="ctr"/>
-                      <a:r>
-                        <a:rPr lang="en-US" altLang="zh-CN" dirty="0"/>
-                        <a:t>87%</a:t>
-                      </a:r>
-                      <a:endParaRPr lang="zh-CN" altLang="en-US" dirty="0"/>
-                    </a:p>
-                  </a:txBody>
-                  <a:tcPr/>
-                </a:tc>
-                <a:tc>
-                  <a:txBody>
-                    <a:bodyPr/>
-                    <a:lstStyle/>
-                    <a:p>
-                      <a:pPr algn="ctr"/>
-                      <a:r>
-                        <a:rPr lang="en-US" altLang="zh-CN" dirty="0"/>
-                        <a:t>0.5019</a:t>
-                      </a:r>
-                      <a:endParaRPr lang="zh-CN" altLang="en-US" dirty="0"/>
-                    </a:p>
-                  </a:txBody>
-                  <a:tcPr/>
-                </a:tc>
-                <a:extLst>
-                  <a:ext uri="{0D108BD9-81ED-4DB2-BD59-A6C34878D82A}">
-                    <a16:rowId xmlns:a16="http://schemas.microsoft.com/office/drawing/2014/main" val="4158860659"/>
-                  </a:ext>
-                </a:extLst>
-              </a:tr>
-              <a:tr h="121920">
-                <a:tc>
-                  <a:txBody>
-                    <a:bodyPr/>
-                    <a:lstStyle/>
-                    <a:p>
-                      <a:pPr algn="ctr"/>
-                      <a:r>
-                        <a:rPr lang="en-US" altLang="zh-CN" dirty="0"/>
-                        <a:t>80%</a:t>
-                      </a:r>
-                      <a:endParaRPr lang="zh-CN" altLang="en-US" dirty="0"/>
-                    </a:p>
-                  </a:txBody>
-                  <a:tcPr/>
-                </a:tc>
-                <a:tc>
-                  <a:txBody>
-                    <a:bodyPr/>
-                    <a:lstStyle/>
-                    <a:p>
-                      <a:pPr algn="ctr"/>
-                      <a:r>
-                        <a:rPr lang="en-US" altLang="zh-CN" dirty="0"/>
-                        <a:t>0.4943</a:t>
-                      </a:r>
-                    </a:p>
-                  </a:txBody>
-                  <a:tcPr/>
-                </a:tc>
-                <a:extLst>
-                  <a:ext uri="{0D108BD9-81ED-4DB2-BD59-A6C34878D82A}">
-                    <a16:rowId xmlns:a16="http://schemas.microsoft.com/office/drawing/2014/main" val="1496792977"/>
-                  </a:ext>
-                </a:extLst>
-              </a:tr>
-            </a:tbl>
-          </a:graphicData>
-        </a:graphic>
-      </p:graphicFrame>
-      <p:sp>
-        <p:nvSpPr>
-          <p:cNvPr id="5" name="文本框 4">
-            <a:extLst>
-              <a:ext uri="{FF2B5EF4-FFF2-40B4-BE49-F238E27FC236}">
-                <a16:creationId xmlns:a16="http://schemas.microsoft.com/office/drawing/2014/main" id="{E351F5E4-CA97-4C1F-9378-DD3FF3A253B8}"/>
-              </a:ext>
-            </a:extLst>
-          </p:cNvPr>
-          <p:cNvSpPr txBox="1"/>
-          <p:nvPr/>
-        </p:nvSpPr>
-        <p:spPr>
-          <a:xfrm>
-            <a:off x="6807200" y="1822808"/>
-            <a:ext cx="3352800" cy="369332"/>
-          </a:xfrm>
-          <a:prstGeom prst="rect">
-            <a:avLst/>
-          </a:prstGeom>
-          <a:noFill/>
-        </p:spPr>
-        <p:txBody>
-          <a:bodyPr wrap="square" rtlCol="0">
-            <a:spAutoFit/>
-          </a:bodyPr>
-          <a:lstStyle/>
-          <a:p>
-            <a:r>
-              <a:rPr lang="zh-CN" altLang="en-US" dirty="0"/>
-              <a:t>（</a:t>
-            </a:r>
-            <a:r>
-              <a:rPr lang="en-US" altLang="zh-CN" dirty="0"/>
-              <a:t>K=9  height=130 weight=110</a:t>
-            </a:r>
-            <a:r>
-              <a:rPr lang="zh-CN" altLang="en-US" dirty="0"/>
-              <a:t>）</a:t>
-            </a:r>
-          </a:p>
-        </p:txBody>
-      </p:sp>
-    </p:spTree>
-    <p:extLst>
-      <p:ext uri="{BB962C8B-B14F-4D97-AF65-F5344CB8AC3E}">
-        <p14:creationId xmlns:p14="http://schemas.microsoft.com/office/powerpoint/2010/main" val="3397154945"/>
-      </p:ext>
-    </p:extLst>
-  </p:cSld>
-  <p:clrMapOvr>
-    <a:masterClrMapping/>
-  </p:clrMapOvr>
-</p:sld>
-</file>
-
-<file path=ppt/slides/slide11.xml><?xml version="1.0" encoding="utf-8"?>
-<p:sld xmlns:a="http://schemas.openxmlformats.org/drawingml/2006/main" xmlns:r="http://schemas.openxmlformats.org/officeDocument/2006/relationships" xmlns:p="http://schemas.openxmlformats.org/presentationml/2006/main">
-  <p:cSld>
-    <p:spTree>
-      <p:nvGrpSpPr>
-        <p:cNvPr id="1" name=""/>
-        <p:cNvGrpSpPr/>
-        <p:nvPr/>
-      </p:nvGrpSpPr>
-      <p:grpSpPr>
-        <a:xfrm>
-          <a:off x="0" y="0"/>
-          <a:ext cx="0" cy="0"/>
-          <a:chOff x="0" y="0"/>
-          <a:chExt cx="0" cy="0"/>
-        </a:xfrm>
-      </p:grpSpPr>
-      <p:sp>
-        <p:nvSpPr>
-          <p:cNvPr id="2" name="Title 1">
-            <a:extLst>
-              <a:ext uri="{FF2B5EF4-FFF2-40B4-BE49-F238E27FC236}">
-                <a16:creationId xmlns:a16="http://schemas.microsoft.com/office/drawing/2014/main" id="{23968D9C-BDD4-4621-B769-EE769DBDC4BE}"/>
-              </a:ext>
-            </a:extLst>
-          </p:cNvPr>
-          <p:cNvSpPr>
-            <a:spLocks noGrp="1"/>
-          </p:cNvSpPr>
-          <p:nvPr>
-            <p:ph type="title"/>
-          </p:nvPr>
-        </p:nvSpPr>
-        <p:spPr/>
-        <p:txBody>
-          <a:bodyPr/>
-          <a:lstStyle/>
-          <a:p>
-            <a:r>
-              <a:rPr lang="ja-JP" altLang="en-GB" dirty="0">
-                <a:latin typeface="微软雅黑"/>
-                <a:ea typeface="微软雅黑"/>
-                <a:cs typeface="Calibri Light"/>
-              </a:rPr>
-              <a:t>结果展示与讨论</a:t>
-            </a:r>
-            <a:endParaRPr lang="en-GB" dirty="0">
-              <a:latin typeface="微软雅黑"/>
-              <a:ea typeface="微软雅黑"/>
-            </a:endParaRPr>
-          </a:p>
-        </p:txBody>
-      </p:sp>
-      <p:sp>
-        <p:nvSpPr>
-          <p:cNvPr id="5" name="文本框 4">
-            <a:extLst>
-              <a:ext uri="{FF2B5EF4-FFF2-40B4-BE49-F238E27FC236}">
-                <a16:creationId xmlns:a16="http://schemas.microsoft.com/office/drawing/2014/main" id="{E351F5E4-CA97-4C1F-9378-DD3FF3A253B8}"/>
-              </a:ext>
-            </a:extLst>
-          </p:cNvPr>
-          <p:cNvSpPr txBox="1"/>
-          <p:nvPr/>
-        </p:nvSpPr>
-        <p:spPr>
-          <a:xfrm>
-            <a:off x="7314179" y="5638914"/>
-            <a:ext cx="3352800" cy="338554"/>
-          </a:xfrm>
-          <a:prstGeom prst="rect">
-            <a:avLst/>
-          </a:prstGeom>
-          <a:noFill/>
-        </p:spPr>
-        <p:txBody>
-          <a:bodyPr wrap="square" rtlCol="0">
-            <a:spAutoFit/>
-          </a:bodyPr>
-          <a:lstStyle/>
-          <a:p>
-            <a:r>
-              <a:rPr lang="zh-CN" altLang="en-US" sz="1600" dirty="0">
-                <a:latin typeface="微软雅黑" panose="020B0503020204020204" pitchFamily="34" charset="-122"/>
-                <a:ea typeface="微软雅黑" panose="020B0503020204020204" pitchFamily="34" charset="-122"/>
-              </a:rPr>
-              <a:t>（</a:t>
-            </a:r>
-            <a:r>
-              <a:rPr lang="en-US" altLang="zh-CN" sz="1600" dirty="0">
-                <a:latin typeface="微软雅黑" panose="020B0503020204020204" pitchFamily="34" charset="-122"/>
-                <a:ea typeface="微软雅黑" panose="020B0503020204020204" pitchFamily="34" charset="-122"/>
-              </a:rPr>
-              <a:t>K=9  height=130 weight=110</a:t>
-            </a:r>
-            <a:r>
-              <a:rPr lang="zh-CN" altLang="en-US" sz="1600" dirty="0">
-                <a:latin typeface="微软雅黑" panose="020B0503020204020204" pitchFamily="34" charset="-122"/>
-                <a:ea typeface="微软雅黑" panose="020B0503020204020204" pitchFamily="34" charset="-122"/>
-              </a:rPr>
-              <a:t>）</a:t>
-            </a:r>
-          </a:p>
-        </p:txBody>
-      </p:sp>
-      <p:graphicFrame>
-        <p:nvGraphicFramePr>
-          <p:cNvPr id="6" name="图表 5">
-            <a:extLst>
-              <a:ext uri="{FF2B5EF4-FFF2-40B4-BE49-F238E27FC236}">
-                <a16:creationId xmlns:a16="http://schemas.microsoft.com/office/drawing/2014/main" id="{EC875BB4-4508-4BD3-AE8A-A32C72BB01A5}"/>
-              </a:ext>
-            </a:extLst>
-          </p:cNvPr>
-          <p:cNvGraphicFramePr>
-            <a:graphicFrameLocks/>
-          </p:cNvGraphicFramePr>
-          <p:nvPr/>
-        </p:nvGraphicFramePr>
-        <p:xfrm>
-          <a:off x="2820420" y="1869443"/>
-          <a:ext cx="5899036" cy="3637387"/>
-        </p:xfrm>
-        <a:graphic>
-          <a:graphicData uri="http://schemas.openxmlformats.org/drawingml/2006/chart">
-            <c:chart xmlns:c="http://schemas.openxmlformats.org/drawingml/2006/chart" xmlns:r="http://schemas.openxmlformats.org/officeDocument/2006/relationships" r:id="rId3"/>
-          </a:graphicData>
-        </a:graphic>
-      </p:graphicFrame>
-    </p:spTree>
-    <p:extLst>
-      <p:ext uri="{BB962C8B-B14F-4D97-AF65-F5344CB8AC3E}">
-        <p14:creationId xmlns:p14="http://schemas.microsoft.com/office/powerpoint/2010/main" val="1223294984"/>
-      </p:ext>
-    </p:extLst>
-  </p:cSld>
-  <p:clrMapOvr>
-    <a:masterClrMapping/>
-  </p:clrMapOvr>
-</p:sld>
-</file>
-
-<file path=ppt/slides/slide12.xml><?xml version="1.0" encoding="utf-8"?>
-<p:sld xmlns:a="http://schemas.openxmlformats.org/drawingml/2006/main" xmlns:r="http://schemas.openxmlformats.org/officeDocument/2006/relationships" xmlns:p="http://schemas.openxmlformats.org/presentationml/2006/main">
-  <p:cSld>
-    <p:spTree>
-      <p:nvGrpSpPr>
-        <p:cNvPr id="1" name=""/>
-        <p:cNvGrpSpPr/>
-        <p:nvPr/>
-      </p:nvGrpSpPr>
-      <p:grpSpPr>
-        <a:xfrm>
-          <a:off x="0" y="0"/>
-          <a:ext cx="0" cy="0"/>
-          <a:chOff x="0" y="0"/>
-          <a:chExt cx="0" cy="0"/>
-        </a:xfrm>
-      </p:grpSpPr>
-      <p:sp>
-        <p:nvSpPr>
-          <p:cNvPr id="2" name="Title 1">
-            <a:extLst>
-              <a:ext uri="{FF2B5EF4-FFF2-40B4-BE49-F238E27FC236}">
-                <a16:creationId xmlns:a16="http://schemas.microsoft.com/office/drawing/2014/main" id="{23968D9C-BDD4-4621-B769-EE769DBDC4BE}"/>
-              </a:ext>
-            </a:extLst>
-          </p:cNvPr>
-          <p:cNvSpPr>
-            <a:spLocks noGrp="1"/>
-          </p:cNvSpPr>
-          <p:nvPr>
-            <p:ph type="title"/>
-          </p:nvPr>
-        </p:nvSpPr>
-        <p:spPr/>
-        <p:txBody>
-          <a:bodyPr/>
-          <a:lstStyle/>
-          <a:p>
-            <a:r>
-              <a:rPr lang="ja-JP" altLang="en-GB" dirty="0">
-                <a:latin typeface="微软雅黑"/>
-                <a:ea typeface="微软雅黑"/>
-                <a:cs typeface="Calibri Light"/>
-              </a:rPr>
-              <a:t>结果展示与讨论</a:t>
-            </a:r>
-            <a:endParaRPr lang="en-GB" dirty="0">
-              <a:latin typeface="微软雅黑"/>
-              <a:ea typeface="微软雅黑"/>
-            </a:endParaRPr>
-          </a:p>
-        </p:txBody>
-      </p:sp>
-      <p:graphicFrame>
-        <p:nvGraphicFramePr>
-          <p:cNvPr id="4" name="表格 4">
-            <a:extLst>
-              <a:ext uri="{FF2B5EF4-FFF2-40B4-BE49-F238E27FC236}">
-                <a16:creationId xmlns:a16="http://schemas.microsoft.com/office/drawing/2014/main" id="{ED9188B6-B228-4C5C-8443-0DA78C6CB452}"/>
-              </a:ext>
-            </a:extLst>
-          </p:cNvPr>
-          <p:cNvGraphicFramePr>
-            <a:graphicFrameLocks noGrp="1"/>
-          </p:cNvGraphicFramePr>
-          <p:nvPr/>
-        </p:nvGraphicFramePr>
-        <p:xfrm>
-          <a:off x="2032000" y="2063327"/>
-          <a:ext cx="8128000" cy="3677920"/>
-        </p:xfrm>
-        <a:graphic>
-          <a:graphicData uri="http://schemas.openxmlformats.org/drawingml/2006/table">
-            <a:tbl>
-              <a:tblPr firstRow="1" bandRow="1">
-                <a:tableStyleId>{5C22544A-7EE6-4342-B048-85BDC9FD1C3A}</a:tableStyleId>
-              </a:tblPr>
-              <a:tblGrid>
-                <a:gridCol w="4064000">
-                  <a:extLst>
-                    <a:ext uri="{9D8B030D-6E8A-4147-A177-3AD203B41FA5}">
-                      <a16:colId xmlns:a16="http://schemas.microsoft.com/office/drawing/2014/main" val="1186702831"/>
-                    </a:ext>
-                  </a:extLst>
-                </a:gridCol>
-                <a:gridCol w="4064000">
-                  <a:extLst>
-                    <a:ext uri="{9D8B030D-6E8A-4147-A177-3AD203B41FA5}">
-                      <a16:colId xmlns:a16="http://schemas.microsoft.com/office/drawing/2014/main" val="1018640390"/>
-                    </a:ext>
-                  </a:extLst>
-                </a:gridCol>
-              </a:tblGrid>
-              <a:tr h="370840">
-                <a:tc>
-                  <a:txBody>
-                    <a:bodyPr/>
-                    <a:lstStyle/>
-                    <a:p>
-                      <a:pPr algn="ctr"/>
-                      <a:r>
-                        <a:rPr lang="en-US" altLang="zh-CN" dirty="0" err="1"/>
-                        <a:t>Height:weight</a:t>
-                      </a:r>
-                      <a:endParaRPr lang="zh-CN" altLang="en-US" dirty="0"/>
-                    </a:p>
-                  </a:txBody>
-                  <a:tcPr/>
-                </a:tc>
-                <a:tc>
-                  <a:txBody>
-                    <a:bodyPr/>
-                    <a:lstStyle/>
-                    <a:p>
-                      <a:pPr algn="ctr"/>
-                      <a:r>
-                        <a:rPr lang="zh-CN" altLang="en-US" dirty="0"/>
-                        <a:t>正确率</a:t>
-                      </a:r>
-                    </a:p>
-                  </a:txBody>
-                  <a:tcPr/>
-                </a:tc>
-                <a:extLst>
-                  <a:ext uri="{0D108BD9-81ED-4DB2-BD59-A6C34878D82A}">
-                    <a16:rowId xmlns:a16="http://schemas.microsoft.com/office/drawing/2014/main" val="815035192"/>
-                  </a:ext>
-                </a:extLst>
-              </a:tr>
-              <a:tr h="370840">
-                <a:tc>
-                  <a:txBody>
-                    <a:bodyPr/>
-                    <a:lstStyle/>
-                    <a:p>
-                      <a:pPr algn="ctr"/>
-                      <a:r>
-                        <a:rPr lang="en-US" altLang="zh-CN" dirty="0"/>
-                        <a:t>145 110</a:t>
-                      </a:r>
-                      <a:endParaRPr lang="zh-CN" altLang="en-US" dirty="0"/>
-                    </a:p>
-                  </a:txBody>
-                  <a:tcPr/>
-                </a:tc>
-                <a:tc>
-                  <a:txBody>
-                    <a:bodyPr/>
-                    <a:lstStyle/>
-                    <a:p>
-                      <a:pPr algn="ctr"/>
-                      <a:r>
-                        <a:rPr lang="en-US" altLang="zh-CN" dirty="0"/>
-                        <a:t>0.5517</a:t>
-                      </a:r>
-                      <a:endParaRPr lang="zh-CN" altLang="en-US" dirty="0"/>
-                    </a:p>
-                  </a:txBody>
-                  <a:tcPr/>
-                </a:tc>
-                <a:extLst>
-                  <a:ext uri="{0D108BD9-81ED-4DB2-BD59-A6C34878D82A}">
-                    <a16:rowId xmlns:a16="http://schemas.microsoft.com/office/drawing/2014/main" val="773171758"/>
-                  </a:ext>
-                </a:extLst>
-              </a:tr>
-              <a:tr h="370840">
-                <a:tc>
-                  <a:txBody>
-                    <a:bodyPr/>
-                    <a:lstStyle/>
-                    <a:p>
-                      <a:pPr algn="ctr"/>
-                      <a:r>
-                        <a:rPr lang="en-US" altLang="zh-CN" dirty="0"/>
-                        <a:t>140 110</a:t>
-                      </a:r>
-                      <a:endParaRPr lang="zh-CN" altLang="en-US" dirty="0"/>
-                    </a:p>
-                  </a:txBody>
-                  <a:tcPr/>
-                </a:tc>
-                <a:tc>
-                  <a:txBody>
-                    <a:bodyPr/>
-                    <a:lstStyle/>
-                    <a:p>
-                      <a:pPr algn="ctr"/>
-                      <a:r>
-                        <a:rPr lang="en-US" altLang="zh-CN" dirty="0"/>
-                        <a:t>0.5479</a:t>
-                      </a:r>
-                      <a:endParaRPr lang="zh-CN" altLang="en-US" dirty="0"/>
-                    </a:p>
-                  </a:txBody>
-                  <a:tcPr/>
-                </a:tc>
-                <a:extLst>
-                  <a:ext uri="{0D108BD9-81ED-4DB2-BD59-A6C34878D82A}">
-                    <a16:rowId xmlns:a16="http://schemas.microsoft.com/office/drawing/2014/main" val="3435167938"/>
-                  </a:ext>
-                </a:extLst>
-              </a:tr>
-              <a:tr h="370840">
-                <a:tc>
-                  <a:txBody>
-                    <a:bodyPr/>
-                    <a:lstStyle/>
-                    <a:p>
-                      <a:pPr algn="ctr"/>
-                      <a:r>
-                        <a:rPr lang="en-US" altLang="zh-CN" dirty="0"/>
-                        <a:t>117 99</a:t>
-                      </a:r>
-                      <a:endParaRPr lang="zh-CN" altLang="en-US" dirty="0"/>
-                    </a:p>
-                  </a:txBody>
-                  <a:tcPr/>
-                </a:tc>
-                <a:tc>
-                  <a:txBody>
-                    <a:bodyPr/>
-                    <a:lstStyle/>
-                    <a:p>
-                      <a:pPr algn="ctr"/>
-                      <a:r>
-                        <a:rPr lang="en-US" altLang="zh-CN" dirty="0"/>
-                        <a:t>0.5402</a:t>
-                      </a:r>
-                      <a:endParaRPr lang="zh-CN" altLang="en-US" dirty="0"/>
-                    </a:p>
-                  </a:txBody>
-                  <a:tcPr/>
-                </a:tc>
-                <a:extLst>
-                  <a:ext uri="{0D108BD9-81ED-4DB2-BD59-A6C34878D82A}">
-                    <a16:rowId xmlns:a16="http://schemas.microsoft.com/office/drawing/2014/main" val="2384143379"/>
-                  </a:ext>
-                </a:extLst>
-              </a:tr>
-              <a:tr h="185420">
-                <a:tc>
-                  <a:txBody>
-                    <a:bodyPr/>
-                    <a:lstStyle/>
-                    <a:p>
-                      <a:pPr algn="ctr"/>
-                      <a:r>
-                        <a:rPr lang="en-US" altLang="zh-CN" dirty="0"/>
-                        <a:t>123 104</a:t>
-                      </a:r>
-                      <a:endParaRPr lang="zh-CN" altLang="en-US" dirty="0"/>
-                    </a:p>
-                  </a:txBody>
-                  <a:tcPr/>
-                </a:tc>
-                <a:tc>
-                  <a:txBody>
-                    <a:bodyPr/>
-                    <a:lstStyle/>
-                    <a:p>
-                      <a:pPr algn="ctr"/>
-                      <a:r>
-                        <a:rPr lang="en-US" altLang="zh-CN" dirty="0"/>
-                        <a:t>0.5326</a:t>
-                      </a:r>
-                      <a:endParaRPr lang="zh-CN" altLang="en-US" dirty="0"/>
-                    </a:p>
-                  </a:txBody>
-                  <a:tcPr/>
-                </a:tc>
-                <a:extLst>
-                  <a:ext uri="{0D108BD9-81ED-4DB2-BD59-A6C34878D82A}">
-                    <a16:rowId xmlns:a16="http://schemas.microsoft.com/office/drawing/2014/main" val="2234194236"/>
-                  </a:ext>
-                </a:extLst>
-              </a:tr>
-              <a:tr h="121920">
-                <a:tc>
-                  <a:txBody>
-                    <a:bodyPr/>
-                    <a:lstStyle/>
-                    <a:p>
-                      <a:pPr algn="ctr"/>
-                      <a:r>
-                        <a:rPr lang="en-US" altLang="zh-CN" dirty="0"/>
-                        <a:t>130 110</a:t>
-                      </a:r>
-                      <a:endParaRPr lang="zh-CN" altLang="en-US" dirty="0"/>
-                    </a:p>
-                  </a:txBody>
-                  <a:tcPr/>
-                </a:tc>
-                <a:tc>
-                  <a:txBody>
-                    <a:bodyPr/>
-                    <a:lstStyle/>
-                    <a:p>
-                      <a:pPr algn="ctr"/>
-                      <a:r>
-                        <a:rPr lang="en-US" altLang="zh-CN" dirty="0"/>
-                        <a:t>0.5402</a:t>
-                      </a:r>
-                      <a:endParaRPr lang="zh-CN" altLang="en-US" dirty="0"/>
-                    </a:p>
-                  </a:txBody>
-                  <a:tcPr/>
-                </a:tc>
-                <a:extLst>
-                  <a:ext uri="{0D108BD9-81ED-4DB2-BD59-A6C34878D82A}">
-                    <a16:rowId xmlns:a16="http://schemas.microsoft.com/office/drawing/2014/main" val="536438998"/>
-                  </a:ext>
-                </a:extLst>
-              </a:tr>
-              <a:tr h="121920">
-                <a:tc>
-                  <a:txBody>
-                    <a:bodyPr/>
-                    <a:lstStyle/>
-                    <a:p>
-                      <a:pPr algn="ctr"/>
-                      <a:r>
-                        <a:rPr lang="en-US" altLang="zh-CN" dirty="0"/>
-                        <a:t>143 121</a:t>
-                      </a:r>
-                      <a:endParaRPr lang="zh-CN" altLang="en-US" dirty="0"/>
-                    </a:p>
-                  </a:txBody>
-                  <a:tcPr/>
-                </a:tc>
-                <a:tc>
-                  <a:txBody>
-                    <a:bodyPr/>
-                    <a:lstStyle/>
-                    <a:p>
-                      <a:pPr algn="ctr"/>
-                      <a:r>
-                        <a:rPr lang="en-US" altLang="zh-CN" dirty="0"/>
-                        <a:t>0.5326</a:t>
-                      </a:r>
-                      <a:endParaRPr lang="zh-CN" altLang="en-US" dirty="0"/>
-                    </a:p>
-                  </a:txBody>
-                  <a:tcPr/>
-                </a:tc>
-                <a:extLst>
-                  <a:ext uri="{0D108BD9-81ED-4DB2-BD59-A6C34878D82A}">
-                    <a16:rowId xmlns:a16="http://schemas.microsoft.com/office/drawing/2014/main" val="605898583"/>
-                  </a:ext>
-                </a:extLst>
-              </a:tr>
-              <a:tr h="243840">
-                <a:tc>
-                  <a:txBody>
-                    <a:bodyPr/>
-                    <a:lstStyle/>
-                    <a:p>
-                      <a:pPr algn="ctr"/>
-                      <a:r>
-                        <a:rPr lang="en-US" altLang="zh-CN" dirty="0"/>
-                        <a:t>120 102</a:t>
-                      </a:r>
-                      <a:endParaRPr lang="zh-CN" altLang="en-US" dirty="0"/>
-                    </a:p>
-                  </a:txBody>
-                  <a:tcPr/>
-                </a:tc>
-                <a:tc>
-                  <a:txBody>
-                    <a:bodyPr/>
-                    <a:lstStyle/>
-                    <a:p>
-                      <a:pPr algn="ctr"/>
-                      <a:r>
-                        <a:rPr lang="en-US" altLang="zh-CN" dirty="0"/>
-                        <a:t>0.5326</a:t>
-                      </a:r>
-                      <a:endParaRPr lang="zh-CN" altLang="en-US" dirty="0"/>
-                    </a:p>
-                  </a:txBody>
-                  <a:tcPr/>
-                </a:tc>
-                <a:extLst>
-                  <a:ext uri="{0D108BD9-81ED-4DB2-BD59-A6C34878D82A}">
-                    <a16:rowId xmlns:a16="http://schemas.microsoft.com/office/drawing/2014/main" val="1063227737"/>
-                  </a:ext>
-                </a:extLst>
-              </a:tr>
-              <a:tr h="121920">
-                <a:tc>
-                  <a:txBody>
-                    <a:bodyPr/>
-                    <a:lstStyle/>
-                    <a:p>
-                      <a:pPr algn="ctr"/>
-                      <a:r>
-                        <a:rPr lang="en-US" altLang="zh-CN" dirty="0"/>
-                        <a:t>160 110</a:t>
-                      </a:r>
-                      <a:endParaRPr lang="zh-CN" altLang="en-US" dirty="0"/>
-                    </a:p>
-                  </a:txBody>
-                  <a:tcPr/>
-                </a:tc>
-                <a:tc>
-                  <a:txBody>
-                    <a:bodyPr/>
-                    <a:lstStyle/>
-                    <a:p>
-                      <a:pPr algn="ctr"/>
-                      <a:r>
-                        <a:rPr lang="en-US" altLang="zh-CN" dirty="0"/>
-                        <a:t>0.5441</a:t>
-                      </a:r>
-                      <a:endParaRPr lang="zh-CN" altLang="en-US" dirty="0"/>
-                    </a:p>
-                  </a:txBody>
-                  <a:tcPr/>
-                </a:tc>
-                <a:extLst>
-                  <a:ext uri="{0D108BD9-81ED-4DB2-BD59-A6C34878D82A}">
-                    <a16:rowId xmlns:a16="http://schemas.microsoft.com/office/drawing/2014/main" val="4158860659"/>
-                  </a:ext>
-                </a:extLst>
-              </a:tr>
-              <a:tr h="121920">
-                <a:tc>
-                  <a:txBody>
-                    <a:bodyPr/>
-                    <a:lstStyle/>
-                    <a:p>
-                      <a:pPr algn="ctr"/>
-                      <a:r>
-                        <a:rPr lang="en-US" altLang="zh-CN" dirty="0"/>
-                        <a:t>150 110</a:t>
-                      </a:r>
-                      <a:endParaRPr lang="zh-CN" altLang="en-US" dirty="0"/>
-                    </a:p>
-                  </a:txBody>
-                  <a:tcPr/>
-                </a:tc>
-                <a:tc>
-                  <a:txBody>
-                    <a:bodyPr/>
-                    <a:lstStyle/>
-                    <a:p>
-                      <a:pPr algn="ctr"/>
-                      <a:r>
-                        <a:rPr lang="en-US" altLang="zh-CN" dirty="0"/>
-                        <a:t>0.5441</a:t>
-                      </a:r>
-                    </a:p>
-                  </a:txBody>
-                  <a:tcPr/>
-                </a:tc>
-                <a:extLst>
-                  <a:ext uri="{0D108BD9-81ED-4DB2-BD59-A6C34878D82A}">
-                    <a16:rowId xmlns:a16="http://schemas.microsoft.com/office/drawing/2014/main" val="1496792977"/>
-                  </a:ext>
-                </a:extLst>
-              </a:tr>
-            </a:tbl>
-          </a:graphicData>
-        </a:graphic>
-      </p:graphicFrame>
-      <p:sp>
-        <p:nvSpPr>
-          <p:cNvPr id="5" name="文本框 4">
-            <a:extLst>
-              <a:ext uri="{FF2B5EF4-FFF2-40B4-BE49-F238E27FC236}">
-                <a16:creationId xmlns:a16="http://schemas.microsoft.com/office/drawing/2014/main" id="{E351F5E4-CA97-4C1F-9378-DD3FF3A253B8}"/>
-              </a:ext>
-            </a:extLst>
-          </p:cNvPr>
-          <p:cNvSpPr txBox="1"/>
-          <p:nvPr/>
-        </p:nvSpPr>
-        <p:spPr>
-          <a:xfrm>
-            <a:off x="8157027" y="5882548"/>
-            <a:ext cx="3817257" cy="369332"/>
-          </a:xfrm>
-          <a:prstGeom prst="rect">
-            <a:avLst/>
-          </a:prstGeom>
-          <a:noFill/>
-        </p:spPr>
-        <p:txBody>
-          <a:bodyPr wrap="square" rtlCol="0">
-            <a:spAutoFit/>
-          </a:bodyPr>
-          <a:lstStyle/>
-          <a:p>
-            <a:r>
-              <a:rPr lang="zh-CN" altLang="en-US" dirty="0"/>
-              <a:t>（</a:t>
-            </a:r>
-            <a:r>
-              <a:rPr lang="en-US" altLang="zh-CN" dirty="0"/>
-              <a:t>K=9 x=0.89 </a:t>
-            </a:r>
-            <a:r>
-              <a:rPr lang="zh-CN" altLang="en-US" dirty="0"/>
-              <a:t>）</a:t>
-            </a:r>
-          </a:p>
-        </p:txBody>
-      </p:sp>
-    </p:spTree>
-    <p:extLst>
-      <p:ext uri="{BB962C8B-B14F-4D97-AF65-F5344CB8AC3E}">
-        <p14:creationId xmlns:p14="http://schemas.microsoft.com/office/powerpoint/2010/main" val="2581933225"/>
-      </p:ext>
-    </p:extLst>
-  </p:cSld>
-  <p:clrMapOvr>
-    <a:masterClrMapping/>
-  </p:clrMapOvr>
-</p:sld>
-</file>
-
-<file path=ppt/slides/slide13.xml><?xml version="1.0" encoding="utf-8"?>
-<p:sld xmlns:a="http://schemas.openxmlformats.org/drawingml/2006/main" xmlns:r="http://schemas.openxmlformats.org/officeDocument/2006/relationships" xmlns:p="http://schemas.openxmlformats.org/presentationml/2006/main">
-  <p:cSld>
-    <p:spTree>
-      <p:nvGrpSpPr>
-        <p:cNvPr id="1" name=""/>
-        <p:cNvGrpSpPr/>
-        <p:nvPr/>
-      </p:nvGrpSpPr>
-      <p:grpSpPr>
-        <a:xfrm>
-          <a:off x="0" y="0"/>
-          <a:ext cx="0" cy="0"/>
-          <a:chOff x="0" y="0"/>
-          <a:chExt cx="0" cy="0"/>
-        </a:xfrm>
-      </p:grpSpPr>
-      <p:sp>
-        <p:nvSpPr>
-          <p:cNvPr id="2" name="Title 1">
-            <a:extLst>
-              <a:ext uri="{FF2B5EF4-FFF2-40B4-BE49-F238E27FC236}">
-                <a16:creationId xmlns:a16="http://schemas.microsoft.com/office/drawing/2014/main" id="{23968D9C-BDD4-4621-B769-EE769DBDC4BE}"/>
-              </a:ext>
-            </a:extLst>
-          </p:cNvPr>
-          <p:cNvSpPr>
-            <a:spLocks noGrp="1"/>
-          </p:cNvSpPr>
-          <p:nvPr>
-            <p:ph type="title"/>
-          </p:nvPr>
-        </p:nvSpPr>
-        <p:spPr/>
-        <p:txBody>
-          <a:bodyPr/>
-          <a:lstStyle/>
-          <a:p>
-            <a:r>
-              <a:rPr lang="ja-JP" altLang="en-GB" dirty="0">
-                <a:latin typeface="微软雅黑"/>
-                <a:ea typeface="微软雅黑"/>
-                <a:cs typeface="Calibri Light"/>
-              </a:rPr>
-              <a:t>结果展示与讨论</a:t>
-            </a:r>
-            <a:endParaRPr lang="en-GB" dirty="0">
-              <a:latin typeface="微软雅黑"/>
-              <a:ea typeface="微软雅黑"/>
-            </a:endParaRPr>
-          </a:p>
-        </p:txBody>
-      </p:sp>
-      <p:graphicFrame>
-        <p:nvGraphicFramePr>
-          <p:cNvPr id="4" name="表格 4">
-            <a:extLst>
-              <a:ext uri="{FF2B5EF4-FFF2-40B4-BE49-F238E27FC236}">
-                <a16:creationId xmlns:a16="http://schemas.microsoft.com/office/drawing/2014/main" id="{ED9188B6-B228-4C5C-8443-0DA78C6CB452}"/>
-              </a:ext>
-            </a:extLst>
-          </p:cNvPr>
-          <p:cNvGraphicFramePr>
-            <a:graphicFrameLocks noGrp="1"/>
-          </p:cNvGraphicFramePr>
-          <p:nvPr/>
-        </p:nvGraphicFramePr>
-        <p:xfrm>
-          <a:off x="2055585" y="1862759"/>
-          <a:ext cx="7785102" cy="4407408"/>
-        </p:xfrm>
-        <a:graphic>
-          <a:graphicData uri="http://schemas.openxmlformats.org/drawingml/2006/table">
-            <a:tbl>
-              <a:tblPr firstRow="1" bandRow="1">
-                <a:tableStyleId>{5C22544A-7EE6-4342-B048-85BDC9FD1C3A}</a:tableStyleId>
-              </a:tblPr>
-              <a:tblGrid>
-                <a:gridCol w="3892551">
-                  <a:extLst>
-                    <a:ext uri="{9D8B030D-6E8A-4147-A177-3AD203B41FA5}">
-                      <a16:colId xmlns:a16="http://schemas.microsoft.com/office/drawing/2014/main" val="1186702831"/>
-                    </a:ext>
-                  </a:extLst>
-                </a:gridCol>
-                <a:gridCol w="3892551">
-                  <a:extLst>
-                    <a:ext uri="{9D8B030D-6E8A-4147-A177-3AD203B41FA5}">
-                      <a16:colId xmlns:a16="http://schemas.microsoft.com/office/drawing/2014/main" val="1018640390"/>
-                    </a:ext>
-                  </a:extLst>
-                </a:gridCol>
-              </a:tblGrid>
-              <a:tr h="367284">
-                <a:tc>
-                  <a:txBody>
-                    <a:bodyPr/>
-                    <a:lstStyle/>
-                    <a:p>
-                      <a:pPr algn="ctr"/>
-                      <a:r>
-                        <a:rPr lang="en-US" altLang="zh-CN" dirty="0"/>
-                        <a:t>k</a:t>
-                      </a:r>
-                      <a:endParaRPr lang="zh-CN" altLang="en-US" dirty="0"/>
-                    </a:p>
-                  </a:txBody>
-                  <a:tcPr/>
-                </a:tc>
-                <a:tc>
-                  <a:txBody>
-                    <a:bodyPr/>
-                    <a:lstStyle/>
-                    <a:p>
-                      <a:pPr algn="ctr"/>
-                      <a:r>
-                        <a:rPr lang="zh-CN" altLang="en-US" dirty="0"/>
-                        <a:t>正确率</a:t>
-                      </a:r>
-                    </a:p>
-                  </a:txBody>
-                  <a:tcPr/>
-                </a:tc>
-                <a:extLst>
-                  <a:ext uri="{0D108BD9-81ED-4DB2-BD59-A6C34878D82A}">
-                    <a16:rowId xmlns:a16="http://schemas.microsoft.com/office/drawing/2014/main" val="815035192"/>
-                  </a:ext>
-                </a:extLst>
-              </a:tr>
-              <a:tr h="367284">
-                <a:tc>
-                  <a:txBody>
-                    <a:bodyPr/>
-                    <a:lstStyle/>
-                    <a:p>
-                      <a:pPr algn="ctr"/>
-                      <a:r>
-                        <a:rPr lang="en-US" altLang="zh-CN" dirty="0"/>
-                        <a:t>1</a:t>
-                      </a:r>
-                      <a:endParaRPr lang="zh-CN" altLang="en-US" dirty="0"/>
-                    </a:p>
-                  </a:txBody>
-                  <a:tcPr/>
-                </a:tc>
-                <a:tc>
-                  <a:txBody>
-                    <a:bodyPr/>
-                    <a:lstStyle/>
-                    <a:p>
-                      <a:pPr algn="ctr"/>
-                      <a:r>
-                        <a:rPr lang="en-US" altLang="zh-CN" dirty="0"/>
-                        <a:t>0.6590</a:t>
-                      </a:r>
-                      <a:endParaRPr lang="zh-CN" altLang="en-US" dirty="0"/>
-                    </a:p>
-                  </a:txBody>
-                  <a:tcPr/>
-                </a:tc>
-                <a:extLst>
-                  <a:ext uri="{0D108BD9-81ED-4DB2-BD59-A6C34878D82A}">
-                    <a16:rowId xmlns:a16="http://schemas.microsoft.com/office/drawing/2014/main" val="773171758"/>
-                  </a:ext>
-                </a:extLst>
-              </a:tr>
-              <a:tr h="367284">
-                <a:tc>
-                  <a:txBody>
-                    <a:bodyPr/>
-                    <a:lstStyle/>
-                    <a:p>
-                      <a:pPr algn="ctr"/>
-                      <a:r>
-                        <a:rPr lang="en-US" altLang="zh-CN" dirty="0"/>
-                        <a:t>2</a:t>
-                      </a:r>
-                      <a:endParaRPr lang="zh-CN" altLang="en-US" dirty="0"/>
-                    </a:p>
-                  </a:txBody>
-                  <a:tcPr/>
-                </a:tc>
-                <a:tc>
-                  <a:txBody>
-                    <a:bodyPr/>
-                    <a:lstStyle/>
-                    <a:p>
-                      <a:pPr algn="ctr"/>
-                      <a:r>
-                        <a:rPr lang="en-US" altLang="zh-CN" dirty="0"/>
-                        <a:t>0.5479</a:t>
-                      </a:r>
-                      <a:endParaRPr lang="zh-CN" altLang="en-US" dirty="0"/>
-                    </a:p>
-                  </a:txBody>
-                  <a:tcPr/>
-                </a:tc>
-                <a:extLst>
-                  <a:ext uri="{0D108BD9-81ED-4DB2-BD59-A6C34878D82A}">
-                    <a16:rowId xmlns:a16="http://schemas.microsoft.com/office/drawing/2014/main" val="3435167938"/>
-                  </a:ext>
-                </a:extLst>
-              </a:tr>
-              <a:tr h="367284">
-                <a:tc>
-                  <a:txBody>
-                    <a:bodyPr/>
-                    <a:lstStyle/>
-                    <a:p>
-                      <a:pPr algn="ctr"/>
-                      <a:r>
-                        <a:rPr lang="en-US" altLang="zh-CN" dirty="0"/>
-                        <a:t>3</a:t>
-                      </a:r>
-                      <a:endParaRPr lang="zh-CN" altLang="en-US" dirty="0"/>
-                    </a:p>
-                  </a:txBody>
-                  <a:tcPr/>
-                </a:tc>
-                <a:tc>
-                  <a:txBody>
-                    <a:bodyPr/>
-                    <a:lstStyle/>
-                    <a:p>
-                      <a:pPr algn="ctr"/>
-                      <a:r>
-                        <a:rPr lang="en-US" altLang="zh-CN" dirty="0"/>
-                        <a:t>0.5096</a:t>
-                      </a:r>
-                      <a:endParaRPr lang="zh-CN" altLang="en-US" dirty="0"/>
-                    </a:p>
-                  </a:txBody>
-                  <a:tcPr/>
-                </a:tc>
-                <a:extLst>
-                  <a:ext uri="{0D108BD9-81ED-4DB2-BD59-A6C34878D82A}">
-                    <a16:rowId xmlns:a16="http://schemas.microsoft.com/office/drawing/2014/main" val="2384143379"/>
-                  </a:ext>
-                </a:extLst>
-              </a:tr>
-              <a:tr h="367284">
-                <a:tc>
-                  <a:txBody>
-                    <a:bodyPr/>
-                    <a:lstStyle/>
-                    <a:p>
-                      <a:pPr algn="ctr"/>
-                      <a:r>
-                        <a:rPr lang="en-US" altLang="zh-CN" dirty="0"/>
-                        <a:t>4</a:t>
-                      </a:r>
-                      <a:endParaRPr lang="zh-CN" altLang="en-US" dirty="0"/>
-                    </a:p>
-                  </a:txBody>
-                  <a:tcPr/>
-                </a:tc>
-                <a:tc>
-                  <a:txBody>
-                    <a:bodyPr/>
-                    <a:lstStyle/>
-                    <a:p>
-                      <a:pPr algn="ctr"/>
-                      <a:r>
-                        <a:rPr lang="en-US" altLang="zh-CN" sz="1800" kern="1200" dirty="0">
+                        <a:rPr lang="en-US" altLang="zh-CN" sz="1800" kern="1200">
                           <a:solidFill>
                             <a:schemeClr val="dk1"/>
                           </a:solidFill>
@@ -14301,57 +12441,9 @@
                           <a:ea typeface="+mn-ea"/>
                           <a:cs typeface="+mn-cs"/>
                         </a:rPr>
-                        <a:t>0.49</a:t>
+                        <a:t>50.96%</a:t>
                       </a:r>
-                      <a:r>
-                        <a:rPr lang="en-US" altLang="zh-CN" dirty="0"/>
-                        <a:t>04</a:t>
-                      </a:r>
-                      <a:endParaRPr lang="zh-CN" altLang="en-US" dirty="0"/>
-                    </a:p>
-                  </a:txBody>
-                  <a:tcPr/>
-                </a:tc>
-                <a:extLst>
-                  <a:ext uri="{0D108BD9-81ED-4DB2-BD59-A6C34878D82A}">
-                    <a16:rowId xmlns:a16="http://schemas.microsoft.com/office/drawing/2014/main" val="2234194236"/>
-                  </a:ext>
-                </a:extLst>
-              </a:tr>
-              <a:tr h="367284">
-                <a:tc>
-                  <a:txBody>
-                    <a:bodyPr/>
-                    <a:lstStyle/>
-                    <a:p>
-                      <a:pPr algn="ctr"/>
-                      <a:r>
-                        <a:rPr lang="en-US" altLang="zh-CN" dirty="0"/>
-                        <a:t>5</a:t>
-                      </a:r>
-                      <a:endParaRPr lang="zh-CN" altLang="en-US" dirty="0"/>
-                    </a:p>
-                  </a:txBody>
-                  <a:tcPr/>
-                </a:tc>
-                <a:tc>
-                  <a:txBody>
-                    <a:bodyPr/>
-                    <a:lstStyle/>
-                    <a:p>
-                      <a:pPr algn="ctr"/>
-                      <a:r>
-                        <a:rPr lang="en-US" altLang="zh-CN" sz="1800" kern="1200" dirty="0">
-                          <a:solidFill>
-                            <a:schemeClr val="dk1"/>
-                          </a:solidFill>
-                          <a:latin typeface="+mn-lt"/>
-                          <a:ea typeface="+mn-ea"/>
-                          <a:cs typeface="+mn-cs"/>
-                        </a:rPr>
-                        <a:t>0.5096</a:t>
-                      </a:r>
-                      <a:endParaRPr lang="zh-CN" altLang="en-US" sz="1800" kern="1200" dirty="0">
+                      <a:endParaRPr lang="zh-CN" altLang="en-US" sz="1800" kern="1200">
                         <a:solidFill>
                           <a:schemeClr val="dk1"/>
                         </a:solidFill>
@@ -14369,7 +12461,7 @@
                   </a:ext>
                 </a:extLst>
               </a:tr>
-              <a:tr h="367284">
+              <a:tr h="361593">
                 <a:tc>
                   <a:txBody>
                     <a:bodyPr/>
@@ -14377,10 +12469,10 @@
                     <a:p>
                       <a:pPr algn="ctr"/>
                       <a:r>
-                        <a:rPr lang="en-US" altLang="zh-CN" dirty="0"/>
+                        <a:rPr lang="en-US" altLang="zh-CN"/>
                         <a:t>6</a:t>
                       </a:r>
-                      <a:endParaRPr lang="zh-CN" altLang="en-US" dirty="0"/>
+                      <a:endParaRPr lang="zh-CN" altLang="en-US"/>
                     </a:p>
                   </a:txBody>
                   <a:tcPr/>
@@ -14392,10 +12484,10 @@
                     <a:p>
                       <a:pPr algn="ctr"/>
                       <a:r>
-                        <a:rPr lang="en-US" altLang="zh-CN" dirty="0"/>
-                        <a:t>0.5134</a:t>
+                        <a:rPr lang="en-US" altLang="zh-CN"/>
+                        <a:t>51.34%</a:t>
                       </a:r>
-                      <a:endParaRPr lang="zh-CN" altLang="en-US" dirty="0"/>
+                      <a:endParaRPr lang="zh-CN" altLang="en-US"/>
                     </a:p>
                   </a:txBody>
                   <a:tcPr/>
@@ -14406,7 +12498,7 @@
                   </a:ext>
                 </a:extLst>
               </a:tr>
-              <a:tr h="367284">
+              <a:tr h="361593">
                 <a:tc>
                   <a:txBody>
                     <a:bodyPr/>
@@ -14414,10 +12506,10 @@
                     <a:p>
                       <a:pPr algn="ctr"/>
                       <a:r>
-                        <a:rPr lang="en-US" altLang="zh-CN" dirty="0"/>
+                        <a:rPr lang="en-US" altLang="zh-CN"/>
                         <a:t>7</a:t>
                       </a:r>
-                      <a:endParaRPr lang="zh-CN" altLang="en-US" dirty="0"/>
+                      <a:endParaRPr lang="zh-CN" altLang="en-US"/>
                     </a:p>
                   </a:txBody>
                   <a:tcPr/>
@@ -14429,10 +12521,10 @@
                     <a:p>
                       <a:pPr algn="ctr"/>
                       <a:r>
-                        <a:rPr lang="en-US" altLang="zh-CN" dirty="0"/>
-                        <a:t>0.5134</a:t>
+                        <a:rPr lang="en-US" altLang="zh-CN"/>
+                        <a:t>51.34%</a:t>
                       </a:r>
-                      <a:endParaRPr lang="zh-CN" altLang="en-US" dirty="0"/>
+                      <a:endParaRPr lang="zh-CN" altLang="en-US"/>
                     </a:p>
                   </a:txBody>
                   <a:tcPr/>
@@ -14443,7 +12535,7 @@
                   </a:ext>
                 </a:extLst>
               </a:tr>
-              <a:tr h="367284">
+              <a:tr h="352553">
                 <a:tc>
                   <a:txBody>
                     <a:bodyPr/>
@@ -14451,10 +12543,10 @@
                     <a:p>
                       <a:pPr algn="ctr"/>
                       <a:r>
-                        <a:rPr lang="en-US" altLang="zh-CN" dirty="0"/>
+                        <a:rPr lang="en-US" altLang="zh-CN"/>
                         <a:t>8</a:t>
                       </a:r>
-                      <a:endParaRPr lang="zh-CN" altLang="en-US" dirty="0"/>
+                      <a:endParaRPr lang="zh-CN" altLang="en-US"/>
                     </a:p>
                   </a:txBody>
                   <a:tcPr/>
@@ -14466,10 +12558,10 @@
                     <a:p>
                       <a:pPr algn="ctr"/>
                       <a:r>
-                        <a:rPr lang="en-US" altLang="zh-CN" dirty="0"/>
-                        <a:t>0.5096</a:t>
+                        <a:rPr lang="en-US" altLang="zh-CN"/>
+                        <a:t>50.96%</a:t>
                       </a:r>
-                      <a:endParaRPr lang="zh-CN" altLang="en-US" dirty="0"/>
+                      <a:endParaRPr lang="zh-CN" altLang="en-US"/>
                     </a:p>
                   </a:txBody>
                   <a:tcPr/>
@@ -14480,7 +12572,7 @@
                   </a:ext>
                 </a:extLst>
               </a:tr>
-              <a:tr h="367284">
+              <a:tr h="361593">
                 <a:tc>
                   <a:txBody>
                     <a:bodyPr/>
@@ -14488,10 +12580,10 @@
                     <a:p>
                       <a:pPr algn="ctr"/>
                       <a:r>
-                        <a:rPr lang="en-US" altLang="zh-CN" dirty="0"/>
+                        <a:rPr lang="en-US" altLang="zh-CN"/>
                         <a:t>9</a:t>
                       </a:r>
-                      <a:endParaRPr lang="zh-CN" altLang="en-US" dirty="0"/>
+                      <a:endParaRPr lang="zh-CN" altLang="en-US"/>
                     </a:p>
                   </a:txBody>
                   <a:tcPr/>
@@ -14503,8 +12595,8 @@
                     <a:p>
                       <a:pPr algn="ctr"/>
                       <a:r>
-                        <a:rPr lang="en-US" altLang="zh-CN" dirty="0"/>
-                        <a:t>0.5211</a:t>
+                        <a:rPr lang="en-US" altLang="zh-CN"/>
+                        <a:t>52.11%</a:t>
                       </a:r>
                     </a:p>
                   </a:txBody>
@@ -14516,7 +12608,7 @@
                   </a:ext>
                 </a:extLst>
               </a:tr>
-              <a:tr h="367284">
+              <a:tr h="361593">
                 <a:tc>
                   <a:txBody>
                     <a:bodyPr/>
@@ -14524,10 +12616,10 @@
                     <a:p>
                       <a:pPr algn="ctr"/>
                       <a:r>
-                        <a:rPr lang="en-US" altLang="zh-CN" dirty="0"/>
+                        <a:rPr lang="en-US" altLang="zh-CN"/>
                         <a:t>10</a:t>
                       </a:r>
-                      <a:endParaRPr lang="zh-CN" altLang="en-US" dirty="0"/>
+                      <a:endParaRPr lang="zh-CN" altLang="en-US"/>
                     </a:p>
                   </a:txBody>
                   <a:tcPr/>
@@ -14539,8 +12631,8 @@
                     <a:p>
                       <a:pPr algn="ctr"/>
                       <a:r>
-                        <a:rPr lang="en-US" altLang="zh-CN" dirty="0"/>
-                        <a:t>0.5249</a:t>
+                        <a:rPr lang="en-US" altLang="zh-CN"/>
+                        <a:t>52.49%</a:t>
                       </a:r>
                     </a:p>
                   </a:txBody>
@@ -14552,7 +12644,7 @@
                   </a:ext>
                 </a:extLst>
               </a:tr>
-              <a:tr h="367284">
+              <a:tr h="361593">
                 <a:tc>
                   <a:txBody>
                     <a:bodyPr/>
@@ -14560,10 +12652,10 @@
                     <a:p>
                       <a:pPr algn="ctr"/>
                       <a:r>
-                        <a:rPr lang="en-US" altLang="zh-CN" dirty="0"/>
+                        <a:rPr lang="en-US" altLang="zh-CN"/>
                         <a:t>11</a:t>
                       </a:r>
-                      <a:endParaRPr lang="zh-CN" altLang="en-US" dirty="0"/>
+                      <a:endParaRPr lang="zh-CN" altLang="en-US"/>
                     </a:p>
                   </a:txBody>
                   <a:tcPr/>
@@ -14575,8 +12667,8 @@
                     <a:p>
                       <a:pPr algn="ctr"/>
                       <a:r>
-                        <a:rPr lang="en-US" altLang="zh-CN" dirty="0"/>
-                        <a:t>0.5134</a:t>
+                        <a:rPr lang="en-US" altLang="zh-CN"/>
+                        <a:t>51.34%</a:t>
                       </a:r>
                     </a:p>
                   </a:txBody>
@@ -14606,8 +12698,8 @@
         </p:nvSpPr>
         <p:spPr>
           <a:xfrm>
-            <a:off x="9746342" y="3244334"/>
-            <a:ext cx="3817257" cy="646331"/>
+            <a:off x="6519002" y="1908870"/>
+            <a:ext cx="4922129" cy="369332"/>
           </a:xfrm>
           <a:prstGeom prst="rect">
             <a:avLst/>
@@ -14615,56 +12707,69 @@
           <a:noFill/>
         </p:spPr>
         <p:txBody>
-          <a:bodyPr wrap="square" rtlCol="0">
+          <a:bodyPr wrap="square" lIns="91440" tIns="45720" rIns="91440" bIns="45720" rtlCol="0" anchor="t">
             <a:spAutoFit/>
           </a:bodyPr>
           <a:lstStyle/>
           <a:p>
             <a:r>
-              <a:rPr lang="zh-CN" altLang="en-US" dirty="0">
+              <a:rPr lang="zh-CN" altLang="en-US">
                 <a:solidFill>
                   <a:schemeClr val="dk1"/>
                 </a:solidFill>
+                <a:ea typeface="宋体"/>
               </a:rPr>
-              <a:t>（</a:t>
-            </a:r>
-            <a:r>
-              <a:rPr lang="en-US" altLang="zh-CN" dirty="0" err="1">
+              <a:t>                         (</a:t>
+            </a:r>
+            <a:r>
+              <a:rPr lang="en-US" altLang="zh-CN">
                 <a:solidFill>
                   <a:schemeClr val="dk1"/>
                 </a:solidFill>
+                <a:ea typeface="宋体"/>
               </a:rPr>
-              <a:t>height:weight</a:t>
-            </a:r>
-            <a:r>
-              <a:rPr lang="en-US" altLang="zh-CN" dirty="0">
-                <a:solidFill>
-                  <a:schemeClr val="dk1"/>
-                </a:solidFill>
-              </a:rPr>
-              <a:t>=145:110</a:t>
-            </a:r>
-          </a:p>
-          <a:p>
-            <a:r>
-              <a:rPr lang="en-US" altLang="zh-CN" dirty="0">
-                <a:solidFill>
-                  <a:schemeClr val="dk1"/>
-                </a:solidFill>
-              </a:rPr>
-              <a:t>      x=0.85 </a:t>
-            </a:r>
-            <a:r>
-              <a:rPr lang="zh-CN" altLang="en-US" dirty="0">
-                <a:solidFill>
-                  <a:schemeClr val="dk1"/>
-                </a:solidFill>
-              </a:rPr>
-              <a:t>）</a:t>
-            </a:r>
+              <a:t>height : width = 145 : 110, x = 0.85)</a:t>
+            </a:r>
+            <a:endParaRPr lang="zh-CN" altLang="en-US">
+              <a:solidFill>
+                <a:schemeClr val="dk1"/>
+              </a:solidFill>
+              <a:ea typeface="宋体"/>
+              <a:cs typeface="Calibri"/>
+            </a:endParaRPr>
           </a:p>
         </p:txBody>
       </p:sp>
+      <p:graphicFrame>
+        <p:nvGraphicFramePr>
+          <p:cNvPr id="6" name="图表 5">
+            <a:extLst>
+              <a:ext uri="{FF2B5EF4-FFF2-40B4-BE49-F238E27FC236}">
+                <a16:creationId xmlns:a16="http://schemas.microsoft.com/office/drawing/2014/main" id="{58578789-32FF-4DA4-BB33-168C6A4268D7}"/>
+              </a:ext>
+            </a:extLst>
+          </p:cNvPr>
+          <p:cNvGraphicFramePr>
+            <a:graphicFrameLocks/>
+          </p:cNvGraphicFramePr>
+          <p:nvPr>
+            <p:extLst>
+              <p:ext uri="{D42A27DB-BD31-4B8C-83A1-F6EECF244321}">
+                <p14:modId xmlns:p14="http://schemas.microsoft.com/office/powerpoint/2010/main" val="54832839"/>
+              </p:ext>
+            </p:extLst>
+          </p:nvPr>
+        </p:nvGraphicFramePr>
+        <p:xfrm>
+          <a:off x="5364416" y="2284779"/>
+          <a:ext cx="5951000" cy="3875511"/>
+        </p:xfrm>
+        <a:graphic>
+          <a:graphicData uri="http://schemas.openxmlformats.org/drawingml/2006/chart">
+            <c:chart xmlns:c="http://schemas.openxmlformats.org/drawingml/2006/chart" xmlns:r="http://schemas.openxmlformats.org/officeDocument/2006/relationships" r:id="rId2"/>
+          </a:graphicData>
+        </a:graphic>
+      </p:graphicFrame>
     </p:spTree>
     <p:extLst>
       <p:ext uri="{BB962C8B-B14F-4D97-AF65-F5344CB8AC3E}">
@@ -14678,174 +12783,7 @@
 </p:sld>
 </file>
 
-<file path=ppt/slides/slide14.xml><?xml version="1.0" encoding="utf-8"?>
-<p:sld xmlns:a="http://schemas.openxmlformats.org/drawingml/2006/main" xmlns:r="http://schemas.openxmlformats.org/officeDocument/2006/relationships" xmlns:p="http://schemas.openxmlformats.org/presentationml/2006/main">
-  <p:cSld>
-    <p:spTree>
-      <p:nvGrpSpPr>
-        <p:cNvPr id="1" name=""/>
-        <p:cNvGrpSpPr/>
-        <p:nvPr/>
-      </p:nvGrpSpPr>
-      <p:grpSpPr>
-        <a:xfrm>
-          <a:off x="0" y="0"/>
-          <a:ext cx="0" cy="0"/>
-          <a:chOff x="0" y="0"/>
-          <a:chExt cx="0" cy="0"/>
-        </a:xfrm>
-      </p:grpSpPr>
-      <p:sp>
-        <p:nvSpPr>
-          <p:cNvPr id="2" name="Title 1">
-            <a:extLst>
-              <a:ext uri="{FF2B5EF4-FFF2-40B4-BE49-F238E27FC236}">
-                <a16:creationId xmlns:a16="http://schemas.microsoft.com/office/drawing/2014/main" id="{23968D9C-BDD4-4621-B769-EE769DBDC4BE}"/>
-              </a:ext>
-            </a:extLst>
-          </p:cNvPr>
-          <p:cNvSpPr>
-            <a:spLocks noGrp="1"/>
-          </p:cNvSpPr>
-          <p:nvPr>
-            <p:ph type="title"/>
-          </p:nvPr>
-        </p:nvSpPr>
-        <p:spPr/>
-        <p:txBody>
-          <a:bodyPr/>
-          <a:lstStyle/>
-          <a:p>
-            <a:r>
-              <a:rPr lang="ja-JP" altLang="en-GB" dirty="0">
-                <a:latin typeface="微软雅黑"/>
-                <a:ea typeface="微软雅黑"/>
-                <a:cs typeface="Calibri Light"/>
-              </a:rPr>
-              <a:t>结果展示与讨论</a:t>
-            </a:r>
-            <a:endParaRPr lang="en-GB" dirty="0">
-              <a:latin typeface="微软雅黑"/>
-              <a:ea typeface="微软雅黑"/>
-            </a:endParaRPr>
-          </a:p>
-        </p:txBody>
-      </p:sp>
-      <p:graphicFrame>
-        <p:nvGraphicFramePr>
-          <p:cNvPr id="7" name="图表 6">
-            <a:extLst>
-              <a:ext uri="{FF2B5EF4-FFF2-40B4-BE49-F238E27FC236}">
-                <a16:creationId xmlns:a16="http://schemas.microsoft.com/office/drawing/2014/main" id="{6F4DCE7B-5E21-43B5-BE48-D6B91C48CA88}"/>
-              </a:ext>
-            </a:extLst>
-          </p:cNvPr>
-          <p:cNvGraphicFramePr>
-            <a:graphicFrameLocks/>
-          </p:cNvGraphicFramePr>
-          <p:nvPr/>
-        </p:nvGraphicFramePr>
-        <p:xfrm>
-          <a:off x="2887102" y="2004274"/>
-          <a:ext cx="6259287" cy="4049486"/>
-        </p:xfrm>
-        <a:graphic>
-          <a:graphicData uri="http://schemas.openxmlformats.org/drawingml/2006/chart">
-            <c:chart xmlns:c="http://schemas.openxmlformats.org/drawingml/2006/chart" xmlns:r="http://schemas.openxmlformats.org/officeDocument/2006/relationships" r:id="rId2"/>
-          </a:graphicData>
-        </a:graphic>
-      </p:graphicFrame>
-      <p:sp>
-        <p:nvSpPr>
-          <p:cNvPr id="8" name="文本框 7">
-            <a:extLst>
-              <a:ext uri="{FF2B5EF4-FFF2-40B4-BE49-F238E27FC236}">
-                <a16:creationId xmlns:a16="http://schemas.microsoft.com/office/drawing/2014/main" id="{6ED8E134-2B38-4CDE-BC56-51C0BF918F16}"/>
-              </a:ext>
-            </a:extLst>
-          </p:cNvPr>
-          <p:cNvSpPr txBox="1"/>
-          <p:nvPr/>
-        </p:nvSpPr>
-        <p:spPr>
-          <a:xfrm>
-            <a:off x="6490011" y="5869094"/>
-            <a:ext cx="5490480" cy="369332"/>
-          </a:xfrm>
-          <a:prstGeom prst="rect">
-            <a:avLst/>
-          </a:prstGeom>
-          <a:noFill/>
-        </p:spPr>
-        <p:txBody>
-          <a:bodyPr wrap="square" rtlCol="0">
-            <a:spAutoFit/>
-          </a:bodyPr>
-          <a:lstStyle/>
-          <a:p>
-            <a:r>
-              <a:rPr lang="zh-CN" altLang="en-US" sz="1200" dirty="0">
-                <a:solidFill>
-                  <a:srgbClr val="000000">
-                    <a:lumMod val="75000"/>
-                    <a:lumOff val="25000"/>
-                  </a:srgbClr>
-                </a:solidFill>
-                <a:latin typeface="微软雅黑"/>
-                <a:ea typeface="微软雅黑"/>
-                <a:cs typeface="Calibri"/>
-              </a:rPr>
-              <a:t>（</a:t>
-            </a:r>
-            <a:r>
-              <a:rPr lang="en-US" altLang="zh-CN" sz="1200" dirty="0" err="1">
-                <a:solidFill>
-                  <a:srgbClr val="000000">
-                    <a:lumMod val="75000"/>
-                    <a:lumOff val="25000"/>
-                  </a:srgbClr>
-                </a:solidFill>
-                <a:latin typeface="微软雅黑"/>
-                <a:ea typeface="微软雅黑"/>
-                <a:cs typeface="Calibri"/>
-              </a:rPr>
-              <a:t>height:weight</a:t>
-            </a:r>
-            <a:r>
-              <a:rPr lang="en-US" altLang="zh-CN" sz="1200" dirty="0">
-                <a:solidFill>
-                  <a:srgbClr val="000000">
-                    <a:lumMod val="75000"/>
-                    <a:lumOff val="25000"/>
-                  </a:srgbClr>
-                </a:solidFill>
-                <a:latin typeface="微软雅黑"/>
-                <a:ea typeface="微软雅黑"/>
-                <a:cs typeface="Calibri"/>
-              </a:rPr>
-              <a:t>=145:110   x=0.85 </a:t>
-            </a:r>
-            <a:r>
-              <a:rPr lang="zh-CN" altLang="en-US" dirty="0"/>
-              <a:t>）</a:t>
-            </a:r>
-          </a:p>
-        </p:txBody>
-      </p:sp>
-    </p:spTree>
-    <p:extLst>
-      <p:ext uri="{BB962C8B-B14F-4D97-AF65-F5344CB8AC3E}">
-        <p14:creationId xmlns:p14="http://schemas.microsoft.com/office/powerpoint/2010/main" val="1228469668"/>
-      </p:ext>
-    </p:extLst>
-  </p:cSld>
-  <p:clrMapOvr>
-    <a:masterClrMapping/>
-  </p:clrMapOvr>
-</p:sld>
-</file>
-
-<file path=ppt/slides/slide15.xml><?xml version="1.0" encoding="utf-8"?>
+<file path=ppt/slides/slide11.xml><?xml version="1.0" encoding="utf-8"?>
 <p:sld xmlns:a="http://schemas.openxmlformats.org/drawingml/2006/main" xmlns:r="http://schemas.openxmlformats.org/officeDocument/2006/relationships" xmlns:p="http://schemas.openxmlformats.org/presentationml/2006/main">
   <p:cSld>
     <p:bg>
@@ -15052,12 +12990,12 @@
         </p:nvSpPr>
         <p:spPr>
           <a:xfrm>
-            <a:off x="1097279" y="2236304"/>
-            <a:ext cx="5977938" cy="3652667"/>
+            <a:off x="1097279" y="2654474"/>
+            <a:ext cx="5977938" cy="3234497"/>
           </a:xfrm>
         </p:spPr>
         <p:txBody>
-          <a:bodyPr>
+          <a:bodyPr vert="horz" lIns="0" tIns="45720" rIns="0" bIns="45720" rtlCol="0" anchor="t">
             <a:normAutofit/>
           </a:bodyPr>
           <a:lstStyle/>
@@ -15074,7 +13012,7 @@
                 <a:ea typeface="微软雅黑"/>
                 <a:cs typeface="Calibri"/>
               </a:rPr>
-              <a:t> </a:t>
+              <a:t> </a:t>
             </a:r>
             <a:r>
               <a:rPr lang="ja-JP" altLang="en-GB" sz="1800">
@@ -15085,7 +13023,7 @@
                 <a:ea typeface="微软雅黑"/>
                 <a:cs typeface="Calibri"/>
               </a:rPr>
-              <a:t>识别率只有50%左右</a:t>
+              <a:t>识别率只有50%-60%左右</a:t>
             </a:r>
           </a:p>
           <a:p>
@@ -15101,6 +13039,19 @@
               <a:t>1. </a:t>
             </a:r>
             <a:r>
+              <a:rPr lang="en-US" altLang="ja-JP" sz="1800" err="1">
+                <a:solidFill>
+                  <a:srgbClr val="FFFFFF"/>
+                </a:solidFill>
+                <a:latin typeface="微软雅黑"/>
+                <a:ea typeface="微软雅黑"/>
+                <a:cs typeface="Calibri"/>
+              </a:rPr>
+              <a:t>给kNN的算法根据特征值增加一些权重，可以提高识别率</a:t>
+            </a:r>
+          </a:p>
+          <a:p>
+            <a:r>
               <a:rPr lang="ja-JP" altLang="en-GB" sz="1800">
                 <a:solidFill>
                   <a:srgbClr val="FFFFFF"/>
@@ -15109,8 +13060,9 @@
                 <a:ea typeface="微软雅黑"/>
                 <a:cs typeface="Calibri"/>
               </a:rPr>
-              <a:t>在亮度和角度一样的时候效果最好</a:t>
-            </a:r>
+              <a:t>2. 使用PCA算法降维在亮度和角度一样的时候效果最好</a:t>
+            </a:r>
+            <a:endParaRPr lang="ja-JP"/>
           </a:p>
           <a:p>
             <a:r>
@@ -15122,7 +13074,7 @@
                 <a:ea typeface="微软雅黑"/>
                 <a:cs typeface="Calibri"/>
               </a:rPr>
-              <a:t>2. </a:t>
+              <a:t>3. </a:t>
             </a:r>
             <a:r>
               <a:rPr lang="ja-JP" altLang="en-GB" sz="1800">
@@ -15133,7 +13085,7 @@
                 <a:ea typeface="微软雅黑"/>
                 <a:cs typeface="Calibri"/>
               </a:rPr>
-              <a:t>如果图像数据库更大（有多张同角度的照片），可以更加优化</a:t>
+              <a:t>如果图像数据库更大（有多张同角度的照片），可以更加优化识别率</a:t>
             </a:r>
             <a:endParaRPr lang="zh-CN" altLang="en-US" sz="1800">
               <a:solidFill>
@@ -15429,7 +13381,7 @@
 </p:sld>
 </file>
 
-<file path=ppt/slides/slide16.xml><?xml version="1.0" encoding="utf-8"?>
+<file path=ppt/slides/slide12.xml><?xml version="1.0" encoding="utf-8"?>
 <p:sld xmlns:a="http://schemas.openxmlformats.org/drawingml/2006/main" xmlns:r="http://schemas.openxmlformats.org/officeDocument/2006/relationships" xmlns:p="http://schemas.openxmlformats.org/presentationml/2006/main">
   <p:cSld>
     <p:spTree>
@@ -15515,7 +13467,7 @@
 </p:sld>
 </file>
 
-<file path=ppt/slides/slide17.xml><?xml version="1.0" encoding="utf-8"?>
+<file path=ppt/slides/slide13.xml><?xml version="1.0" encoding="utf-8"?>
 <p:sld xmlns:a="http://schemas.openxmlformats.org/drawingml/2006/main" xmlns:r="http://schemas.openxmlformats.org/officeDocument/2006/relationships" xmlns:p="http://schemas.openxmlformats.org/presentationml/2006/main">
   <p:cSld>
     <p:spTree>
@@ -15554,11 +13506,11 @@
           <a:lstStyle/>
           <a:p>
             <a:r>
-              <a:rPr lang="zh-CN" altLang="en-US" dirty="0">
-                <a:latin typeface="微软雅黑" panose="020B0503020204020204" pitchFamily="34" charset="-122"/>
-                <a:ea typeface="微软雅黑" panose="020B0503020204020204" pitchFamily="34" charset="-122"/>
+              <a:rPr lang="zh-CN" altLang="en-US">
+                <a:latin typeface="微软雅黑"/>
+                <a:ea typeface="微软雅黑"/>
               </a:rPr>
-              <a:t>参考文献</a:t>
+              <a:t>参考链接</a:t>
             </a:r>
           </a:p>
         </p:txBody>
@@ -15590,69 +13542,69 @@
           <a:lstStyle/>
           <a:p>
             <a:r>
-              <a:rPr lang="en-US" altLang="zh-CN" dirty="0">
+              <a:rPr lang="en-US" altLang="zh-CN">
                 <a:latin typeface="微软雅黑" panose="020B0503020204020204" pitchFamily="34" charset="-122"/>
                 <a:ea typeface="微软雅黑" panose="020B0503020204020204" pitchFamily="34" charset="-122"/>
               </a:rPr>
               <a:t>1. </a:t>
             </a:r>
             <a:r>
-              <a:rPr lang="en-US" altLang="zh-CN" dirty="0">
+              <a:rPr lang="en-US" altLang="zh-CN">
                 <a:latin typeface="微软雅黑" panose="020B0503020204020204" pitchFamily="34" charset="-122"/>
                 <a:ea typeface="微软雅黑" panose="020B0503020204020204" pitchFamily="34" charset="-122"/>
                 <a:hlinkClick r:id="rId2"/>
               </a:rPr>
               <a:t>https://www.cs.ait.ac.th/~mdailey/matlab/</a:t>
             </a:r>
-            <a:endParaRPr lang="en-US" altLang="zh-CN" dirty="0">
+            <a:endParaRPr lang="en-US" altLang="zh-CN">
               <a:latin typeface="微软雅黑" panose="020B0503020204020204" pitchFamily="34" charset="-122"/>
               <a:ea typeface="微软雅黑" panose="020B0503020204020204" pitchFamily="34" charset="-122"/>
             </a:endParaRPr>
           </a:p>
           <a:p>
             <a:r>
-              <a:rPr lang="en-US" altLang="zh-CN" dirty="0">
+              <a:rPr lang="en-US" altLang="zh-CN">
                 <a:latin typeface="微软雅黑" panose="020B0503020204020204" pitchFamily="34" charset="-122"/>
                 <a:ea typeface="微软雅黑" panose="020B0503020204020204" pitchFamily="34" charset="-122"/>
               </a:rPr>
               <a:t>2. </a:t>
             </a:r>
             <a:r>
-              <a:rPr lang="en-US" altLang="zh-CN" dirty="0">
+              <a:rPr lang="en-US" altLang="zh-CN">
                 <a:latin typeface="微软雅黑" panose="020B0503020204020204" pitchFamily="34" charset="-122"/>
                 <a:ea typeface="微软雅黑" panose="020B0503020204020204" pitchFamily="34" charset="-122"/>
                 <a:hlinkClick r:id="rId3"/>
               </a:rPr>
               <a:t>https://ww2.mathworks.cn/help/stats/classification-using-nearest-neighbors.html</a:t>
             </a:r>
-            <a:endParaRPr lang="en-US" altLang="zh-CN" dirty="0">
+            <a:endParaRPr lang="en-US" altLang="zh-CN">
               <a:latin typeface="微软雅黑" panose="020B0503020204020204" pitchFamily="34" charset="-122"/>
               <a:ea typeface="微软雅黑" panose="020B0503020204020204" pitchFamily="34" charset="-122"/>
             </a:endParaRPr>
           </a:p>
           <a:p>
             <a:r>
-              <a:rPr lang="en-US" altLang="zh-CN" dirty="0">
+              <a:rPr lang="en-US" altLang="zh-CN">
                 <a:latin typeface="微软雅黑" panose="020B0503020204020204" pitchFamily="34" charset="-122"/>
                 <a:ea typeface="微软雅黑" panose="020B0503020204020204" pitchFamily="34" charset="-122"/>
               </a:rPr>
               <a:t>3. </a:t>
             </a:r>
             <a:r>
-              <a:rPr lang="en-US" altLang="zh-CN" dirty="0">
+              <a:rPr lang="en-US" altLang="zh-CN">
                 <a:latin typeface="微软雅黑" panose="020B0503020204020204" pitchFamily="34" charset="-122"/>
                 <a:ea typeface="微软雅黑" panose="020B0503020204020204" pitchFamily="34" charset="-122"/>
                 <a:hlinkClick r:id="rId4"/>
               </a:rPr>
               <a:t>https://en.wikipedia.org/wiki/Eigenface</a:t>
             </a:r>
-            <a:endParaRPr lang="en-US" altLang="zh-CN" dirty="0">
+            <a:endParaRPr lang="en-US" altLang="zh-CN">
               <a:latin typeface="微软雅黑" panose="020B0503020204020204" pitchFamily="34" charset="-122"/>
               <a:ea typeface="微软雅黑" panose="020B0503020204020204" pitchFamily="34" charset="-122"/>
             </a:endParaRPr>
           </a:p>
           <a:p>
-            <a:endParaRPr lang="zh-CN" altLang="en-US" dirty="0">
+            <a:endParaRPr lang="zh-CN" altLang="en-US">
               <a:latin typeface="微软雅黑" panose="020B0503020204020204" pitchFamily="34" charset="-122"/>
               <a:ea typeface="微软雅黑" panose="020B0503020204020204" pitchFamily="34" charset="-122"/>
             </a:endParaRPr>
@@ -15756,14 +13708,14 @@
             <p:ph idx="1"/>
             <p:extLst>
               <p:ext uri="{D42A27DB-BD31-4B8C-83A1-F6EECF244321}">
-                <p14:modId xmlns:p14="http://schemas.microsoft.com/office/powerpoint/2010/main" val="566449095"/>
+                <p14:modId xmlns:p14="http://schemas.microsoft.com/office/powerpoint/2010/main" val="4240938559"/>
               </p:ext>
             </p:extLst>
           </p:nvPr>
         </p:nvGraphicFramePr>
         <p:xfrm>
-          <a:off x="1096963" y="2098515"/>
-          <a:ext cx="10058400" cy="3786080"/>
+          <a:off x="1096963" y="3557466"/>
+          <a:ext cx="10058400" cy="2122690"/>
         </p:xfrm>
         <a:graphic>
           <a:graphicData uri="http://schemas.openxmlformats.org/drawingml/2006/diagram">
@@ -15771,6 +13723,116 @@
           </a:graphicData>
         </a:graphic>
       </p:graphicFrame>
+      <p:sp>
+        <p:nvSpPr>
+          <p:cNvPr id="263" name="文本框 262">
+            <a:extLst>
+              <a:ext uri="{FF2B5EF4-FFF2-40B4-BE49-F238E27FC236}">
+                <a16:creationId xmlns:a16="http://schemas.microsoft.com/office/drawing/2014/main" id="{8C664E8A-077B-40B1-A187-2D66FAB4FDF3}"/>
+              </a:ext>
+            </a:extLst>
+          </p:cNvPr>
+          <p:cNvSpPr txBox="1"/>
+          <p:nvPr/>
+        </p:nvSpPr>
+        <p:spPr>
+          <a:xfrm>
+            <a:off x="1016524" y="1912070"/>
+            <a:ext cx="10136151" cy="1135054"/>
+          </a:xfrm>
+          <a:prstGeom prst="rect">
+            <a:avLst/>
+          </a:prstGeom>
+          <a:noFill/>
+        </p:spPr>
+        <p:txBody>
+          <a:bodyPr rot="0" spcFirstLastPara="0" vertOverflow="overflow" horzOverflow="overflow" vert="horz" wrap="square" lIns="91440" tIns="45720" rIns="91440" bIns="45720" numCol="1" spcCol="0" rtlCol="0" fromWordArt="0" anchor="t" anchorCtr="0" forceAA="0" compatLnSpc="1">
+            <a:prstTxWarp prst="textNoShape">
+              <a:avLst/>
+            </a:prstTxWarp>
+            <a:spAutoFit/>
+          </a:bodyPr>
+          <a:lstStyle/>
+          <a:p>
+            <a:pPr>
+              <a:lnSpc>
+                <a:spcPct val="150000"/>
+              </a:lnSpc>
+            </a:pPr>
+            <a:r>
+              <a:rPr lang="en-US" altLang="zh-CN" sz="2400">
+                <a:latin typeface="微软雅黑"/>
+                <a:ea typeface="微软雅黑"/>
+              </a:rPr>
+              <a:t>1. </a:t>
+            </a:r>
+            <a:r>
+              <a:rPr lang="zh-CN" sz="2400">
+                <a:latin typeface="微软雅黑"/>
+                <a:ea typeface="微软雅黑"/>
+              </a:rPr>
+              <a:t>用</a:t>
+            </a:r>
+            <a:r>
+              <a:rPr lang="en-US" altLang="zh-CN" sz="2400">
+                <a:latin typeface="微软雅黑"/>
+                <a:ea typeface="微软雅黑"/>
+              </a:rPr>
+              <a:t>PCA</a:t>
+            </a:r>
+            <a:r>
+              <a:rPr lang="zh-CN" sz="2400">
+                <a:latin typeface="微软雅黑"/>
+                <a:ea typeface="微软雅黑"/>
+              </a:rPr>
+              <a:t>降维（压缩）后，所得到的人脸图片与原始人脸图片对比。</a:t>
+            </a:r>
+            <a:endParaRPr lang="en-US" altLang="zh-CN" sz="2400">
+              <a:ea typeface="宋体"/>
+              <a:cs typeface="Calibri"/>
+            </a:endParaRPr>
+          </a:p>
+          <a:p>
+            <a:pPr>
+              <a:lnSpc>
+                <a:spcPct val="150000"/>
+              </a:lnSpc>
+            </a:pPr>
+            <a:r>
+              <a:rPr lang="en-US" altLang="zh-CN" sz="2400">
+                <a:latin typeface="Microsoft YaHei"/>
+                <a:ea typeface="+mn-lt"/>
+              </a:rPr>
+              <a:t>2. </a:t>
+            </a:r>
+            <a:r>
+              <a:rPr lang="zh-CN" sz="2400">
+                <a:latin typeface="Microsoft YaHei"/>
+                <a:ea typeface="Microsoft YaHei"/>
+              </a:rPr>
+              <a:t>结合最近邻分类器，测试</a:t>
+            </a:r>
+            <a:r>
+              <a:rPr lang="en-US" altLang="zh-CN" sz="2400">
+                <a:latin typeface="Microsoft YaHei"/>
+                <a:ea typeface="+mn-lt"/>
+              </a:rPr>
+              <a:t>PCA</a:t>
+            </a:r>
+            <a:r>
+              <a:rPr lang="zh-CN" sz="2400">
+                <a:latin typeface="Microsoft YaHei"/>
+                <a:ea typeface="Microsoft YaHei"/>
+              </a:rPr>
+              <a:t>降维算法的识别率。</a:t>
+            </a:r>
+            <a:endParaRPr lang="zh-CN" altLang="en-US" sz="2400">
+              <a:latin typeface="微软雅黑"/>
+              <a:ea typeface="微软雅黑"/>
+            </a:endParaRPr>
+          </a:p>
+        </p:txBody>
+      </p:sp>
     </p:spTree>
     <p:extLst>
       <p:ext uri="{BB962C8B-B14F-4D97-AF65-F5344CB8AC3E}">
@@ -15877,7 +13939,7 @@
             <p:ph idx="1"/>
             <p:extLst>
               <p:ext uri="{D42A27DB-BD31-4B8C-83A1-F6EECF244321}">
-                <p14:modId xmlns:p14="http://schemas.microsoft.com/office/powerpoint/2010/main" val="2664142857"/>
+                <p14:modId xmlns:p14="http://schemas.microsoft.com/office/powerpoint/2010/main" val="3279719347"/>
               </p:ext>
             </p:extLst>
           </p:nvPr>
@@ -16003,14 +14065,14 @@
           <a:lstStyle/>
           <a:p>
             <a:r>
-              <a:rPr lang="en-GB" dirty="0">
+              <a:rPr lang="en-GB" sz="2200" b="1">
                 <a:latin typeface="微软雅黑"/>
                 <a:ea typeface="微软雅黑"/>
               </a:rPr>
               <a:t>1. </a:t>
             </a:r>
             <a:r>
-              <a:rPr lang="zh-CN" altLang="en-GB" dirty="0">
+              <a:rPr lang="zh-CN" altLang="en-GB" sz="2200" b="1">
                 <a:latin typeface="微软雅黑"/>
                 <a:ea typeface="微软雅黑"/>
               </a:rPr>
@@ -16020,7 +14082,7 @@
           <a:p>
             <a:pPr marL="383540" lvl="1"/>
             <a:r>
-              <a:rPr lang="en-GB" dirty="0">
+              <a:rPr lang="en-GB" sz="2200">
                 <a:latin typeface="微软雅黑"/>
                 <a:ea typeface="微软雅黑"/>
                 <a:cs typeface="+mn-lt"/>
@@ -16028,7 +14090,7 @@
               <a:t>I = </a:t>
             </a:r>
             <a:r>
-              <a:rPr lang="en-GB" dirty="0" err="1">
+              <a:rPr lang="en-GB" sz="2200" err="1">
                 <a:latin typeface="微软雅黑"/>
                 <a:ea typeface="微软雅黑"/>
                 <a:cs typeface="+mn-lt"/>
@@ -16036,7 +14098,7 @@
               <a:t>imread</a:t>
             </a:r>
             <a:r>
-              <a:rPr lang="en-GB" dirty="0">
+              <a:rPr lang="en-GB" sz="2200">
                 <a:latin typeface="微软雅黑"/>
                 <a:ea typeface="微软雅黑"/>
                 <a:cs typeface="+mn-lt"/>
@@ -16044,7 +14106,7 @@
               <a:t>([</a:t>
             </a:r>
             <a:r>
-              <a:rPr lang="en-GB" dirty="0" err="1">
+              <a:rPr lang="en-GB" sz="2200" err="1">
                 <a:latin typeface="微软雅黑"/>
                 <a:ea typeface="微软雅黑"/>
                 <a:cs typeface="+mn-lt"/>
@@ -16052,7 +14114,7 @@
               <a:t>path,currD</a:t>
             </a:r>
             <a:r>
-              <a:rPr lang="en-GB" dirty="0">
+              <a:rPr lang="en-GB" sz="2200">
                 <a:latin typeface="微软雅黑"/>
                 <a:ea typeface="微软雅黑"/>
                 <a:cs typeface="+mn-lt"/>
@@ -16062,7 +14124,7 @@
           </a:p>
           <a:p>
             <a:r>
-              <a:rPr lang="en-GB" dirty="0">
+              <a:rPr lang="en-GB" sz="2200" b="1">
                 <a:latin typeface="Microsoft YaHei"/>
                 <a:ea typeface="Microsoft YaHei"/>
                 <a:cs typeface="Calibri"/>
@@ -16070,7 +14132,7 @@
               <a:t>2.</a:t>
             </a:r>
             <a:r>
-              <a:rPr lang="en-GB" altLang="zh-CN" dirty="0">
+              <a:rPr lang="en-GB" altLang="zh-CN" sz="2200" b="1">
                 <a:latin typeface="Microsoft YaHei"/>
                 <a:ea typeface="Microsoft YaHei"/>
                 <a:cs typeface="Calibri"/>
@@ -16078,14 +14140,14 @@
               <a:t> </a:t>
             </a:r>
             <a:r>
-              <a:rPr lang="zh-CN" altLang="en-US" dirty="0">
+              <a:rPr lang="zh-CN" altLang="en-US" sz="2200" b="1">
                 <a:latin typeface="Microsoft YaHei"/>
                 <a:ea typeface="Microsoft YaHei"/>
                 <a:cs typeface="Calibri"/>
               </a:rPr>
               <a:t>处理成灰度图像</a:t>
             </a:r>
-            <a:endParaRPr lang="en-GB" altLang="zh-CN" dirty="0">
+            <a:endParaRPr lang="en-GB" altLang="zh-CN" sz="2200" b="1">
               <a:ea typeface="+mn-lt"/>
               <a:cs typeface="+mn-lt"/>
             </a:endParaRPr>
@@ -16093,7 +14155,7 @@
           <a:p>
             <a:pPr marL="383540" lvl="1"/>
             <a:r>
-              <a:rPr lang="en-US" altLang="zh-CN" dirty="0">
+              <a:rPr lang="en-US" altLang="zh-CN" sz="2200">
                 <a:latin typeface="Microsoft YaHei"/>
                 <a:ea typeface="Microsoft YaHei"/>
                 <a:cs typeface="Calibri"/>
@@ -16101,7 +14163,7 @@
               <a:t>I</a:t>
             </a:r>
             <a:r>
-              <a:rPr lang="zh-CN" altLang="en-US" dirty="0">
+              <a:rPr lang="zh-CN" altLang="en-US" sz="2200">
                 <a:latin typeface="Microsoft YaHei"/>
                 <a:ea typeface="Microsoft YaHei"/>
                 <a:cs typeface="Calibri"/>
@@ -16109,7 +14171,7 @@
               <a:t> </a:t>
             </a:r>
             <a:r>
-              <a:rPr lang="en-US" altLang="zh-CN" dirty="0">
+              <a:rPr lang="en-US" altLang="zh-CN" sz="2200">
                 <a:latin typeface="Microsoft YaHei"/>
                 <a:ea typeface="Microsoft YaHei"/>
                 <a:cs typeface="Calibri"/>
@@ -16117,7 +14179,7 @@
               <a:t>=</a:t>
             </a:r>
             <a:r>
-              <a:rPr lang="zh-CN" altLang="en-US" dirty="0">
+              <a:rPr lang="zh-CN" altLang="en-US" sz="2200">
                 <a:latin typeface="Microsoft YaHei"/>
                 <a:ea typeface="Microsoft YaHei"/>
                 <a:cs typeface="Calibri"/>
@@ -16125,27 +14187,27 @@
               <a:t> </a:t>
             </a:r>
             <a:r>
-              <a:rPr lang="en-US" altLang="zh-CN" dirty="0">
+              <a:rPr lang="en-US" altLang="zh-CN" sz="2200">
                 <a:latin typeface="Microsoft YaHei"/>
                 <a:ea typeface="Microsoft YaHei"/>
                 <a:cs typeface="Calibri"/>
               </a:rPr>
               <a:t>rgb2gray(I);</a:t>
             </a:r>
-            <a:endParaRPr lang="en-GB" dirty="0">
+            <a:endParaRPr lang="en-GB" sz="2200">
               <a:cs typeface="Calibri" panose="020F0502020204030204"/>
             </a:endParaRPr>
           </a:p>
           <a:p>
             <a:r>
-              <a:rPr lang="zh-CN" sz="2200" dirty="0">
+              <a:rPr lang="zh-CN" sz="2200" b="1">
                 <a:latin typeface="Microsoft YaHei"/>
                 <a:ea typeface="Microsoft YaHei"/>
                 <a:cs typeface="+mn-lt"/>
               </a:rPr>
               <a:t>3. 统一尺寸</a:t>
             </a:r>
-            <a:endParaRPr lang="zh-CN" sz="2200" dirty="0">
+            <a:endParaRPr lang="zh-CN" sz="2200" b="1">
               <a:ea typeface="+mn-lt"/>
               <a:cs typeface="+mn-lt"/>
             </a:endParaRPr>
@@ -16153,34 +14215,35 @@
           <a:p>
             <a:pPr marL="383540" lvl="1"/>
             <a:r>
-              <a:rPr lang="zh-CN" sz="2000" dirty="0">
+              <a:rPr lang="zh-CN" sz="2200">
                 <a:latin typeface="Microsoft YaHei"/>
                 <a:ea typeface="Microsoft YaHei"/>
                 <a:cs typeface="+mn-lt"/>
               </a:rPr>
               <a:t>I = imresize(I, [m, n]);</a:t>
             </a:r>
-            <a:endParaRPr lang="zh-CN" dirty="0">
+            <a:endParaRPr lang="zh-CN" sz="2200">
+              <a:ea typeface="宋体"/>
               <a:cs typeface="Calibri" panose="020F0502020204030204"/>
             </a:endParaRPr>
           </a:p>
           <a:p>
             <a:r>
-              <a:rPr lang="en-US" altLang="zh-CN" sz="2400" dirty="0">
+              <a:rPr lang="en-US" altLang="zh-CN" sz="2200" b="1">
                 <a:ea typeface="+mn-lt"/>
                 <a:cs typeface="+mn-lt"/>
               </a:rPr>
               <a:t>4.</a:t>
             </a:r>
             <a:r>
-              <a:rPr lang="zh-CN" altLang="en-US" sz="2400" dirty="0">
+              <a:rPr lang="zh-CN" altLang="en-US" sz="2200" b="1">
                 <a:latin typeface="Microsoft YaHei"/>
                 <a:ea typeface="Microsoft YaHei"/>
                 <a:cs typeface="+mn-lt"/>
               </a:rPr>
               <a:t> 将所有照片存入一个矩阵，每一张照片为一个列向量</a:t>
             </a:r>
-            <a:endParaRPr lang="en-US" altLang="zh-CN" sz="2400" dirty="0">
+            <a:endParaRPr lang="en-US" altLang="zh-CN" sz="2200" b="1">
               <a:ea typeface="+mn-lt"/>
               <a:cs typeface="+mn-lt"/>
             </a:endParaRPr>
@@ -16188,7 +14251,7 @@
           <a:p>
             <a:pPr marL="383540" lvl="1"/>
             <a:r>
-              <a:rPr lang="en-US" altLang="zh-CN" sz="2200" dirty="0">
+              <a:rPr lang="en-US" altLang="zh-CN" sz="2200">
                 <a:latin typeface="Microsoft YaHei"/>
                 <a:ea typeface="Microsoft YaHei"/>
                 <a:cs typeface="+mn-lt"/>
@@ -16196,7 +14259,7 @@
               <a:t>I</a:t>
             </a:r>
             <a:r>
-              <a:rPr lang="zh-CN" altLang="en-US" sz="2200" dirty="0">
+              <a:rPr lang="zh-CN" altLang="en-US" sz="2200">
                 <a:latin typeface="Microsoft YaHei"/>
                 <a:ea typeface="Microsoft YaHei"/>
                 <a:cs typeface="+mn-lt"/>
@@ -16204,7 +14267,7 @@
               <a:t> </a:t>
             </a:r>
             <a:r>
-              <a:rPr lang="en-US" altLang="zh-CN" sz="2200" dirty="0">
+              <a:rPr lang="en-US" altLang="zh-CN" sz="2200">
                 <a:latin typeface="Microsoft YaHei"/>
                 <a:ea typeface="Microsoft YaHei"/>
                 <a:cs typeface="+mn-lt"/>
@@ -16212,7 +14275,7 @@
               <a:t>=</a:t>
             </a:r>
             <a:r>
-              <a:rPr lang="zh-CN" altLang="en-US" sz="2200" dirty="0">
+              <a:rPr lang="zh-CN" altLang="en-US" sz="2200">
                 <a:latin typeface="Microsoft YaHei"/>
                 <a:ea typeface="Microsoft YaHei"/>
                 <a:cs typeface="+mn-lt"/>
@@ -16220,14 +14283,14 @@
               <a:t> </a:t>
             </a:r>
             <a:r>
-              <a:rPr lang="en-US" altLang="zh-CN" sz="2200" dirty="0">
+              <a:rPr lang="en-US" altLang="zh-CN" sz="2200">
                 <a:latin typeface="Microsoft YaHei"/>
                 <a:ea typeface="Microsoft YaHei"/>
                 <a:cs typeface="+mn-lt"/>
               </a:rPr>
               <a:t>reshape(I,[],1);</a:t>
             </a:r>
-            <a:endParaRPr lang="zh-CN" dirty="0">
+            <a:endParaRPr lang="zh-CN" sz="2200">
               <a:cs typeface="Calibri" panose="020F0502020204030204"/>
             </a:endParaRPr>
           </a:p>
@@ -16241,7 +14304,7 @@
               </a:spcAft>
               <a:buNone/>
             </a:pPr>
-            <a:endParaRPr lang="zh-CN" altLang="en-US" sz="2000" dirty="0">
+            <a:endParaRPr lang="zh-CN" altLang="en-US" sz="2000">
               <a:latin typeface="微软雅黑"/>
               <a:ea typeface="微软雅黑"/>
               <a:cs typeface="+mn-lt"/>
@@ -16265,6 +14328,14 @@
 <file path=ppt/slides/slide5.xml><?xml version="1.0" encoding="utf-8"?>
 <p:sld xmlns:a="http://schemas.openxmlformats.org/drawingml/2006/main" xmlns:r="http://schemas.openxmlformats.org/officeDocument/2006/relationships" xmlns:p="http://schemas.openxmlformats.org/presentationml/2006/main">
   <p:cSld>
+    <p:bg>
+      <p:bgPr>
+        <a:solidFill>
+          <a:schemeClr val="bg1"/>
+        </a:solidFill>
+        <a:effectLst/>
+      </p:bgPr>
+    </p:bg>
     <p:spTree>
       <p:nvGrpSpPr>
         <p:cNvPr id="1" name=""/>
@@ -16279,6 +14350,35 @@
           <a:chExt cx="0" cy="0"/>
         </a:xfrm>
       </p:grpSpPr>
+      <p:pic>
+        <p:nvPicPr>
+          <p:cNvPr id="13" name="图片 4" descr="图片包含 图形用户界面&#10;&#10;已自动生成说明">
+            <a:extLst>
+              <a:ext uri="{FF2B5EF4-FFF2-40B4-BE49-F238E27FC236}">
+                <a16:creationId xmlns:a16="http://schemas.microsoft.com/office/drawing/2014/main" id="{DBE9CCA4-AF7E-4B47-A0F2-0C2158743632}"/>
+              </a:ext>
+            </a:extLst>
+          </p:cNvPr>
+          <p:cNvPicPr>
+            <a:picLocks noChangeAspect="1"/>
+          </p:cNvPicPr>
+          <p:nvPr/>
+        </p:nvPicPr>
+        <p:blipFill rotWithShape="1">
+          <a:blip r:embed="rId3"/>
+          <a:srcRect t="6313" r="-2" b="810"/>
+          <a:stretch/>
+        </p:blipFill>
+        <p:spPr>
+          <a:xfrm>
+            <a:off x="5055344" y="2562860"/>
+            <a:ext cx="4272397" cy="2979912"/>
+          </a:xfrm>
+          <a:prstGeom prst="rect">
+            <a:avLst/>
+          </a:prstGeom>
+        </p:spPr>
+      </p:pic>
       <p:sp>
         <p:nvSpPr>
           <p:cNvPr id="2" name="Title 1">
@@ -16295,9 +14395,16 @@
             <p:ph type="title"/>
           </p:nvPr>
         </p:nvSpPr>
-        <p:spPr/>
+        <p:spPr>
+          <a:xfrm>
+            <a:off x="1097280" y="286603"/>
+            <a:ext cx="10058400" cy="1450757"/>
+          </a:xfrm>
+        </p:spPr>
         <p:txBody>
-          <a:bodyPr/>
+          <a:bodyPr>
+            <a:normAutofit/>
+          </a:bodyPr>
           <a:lstStyle/>
           <a:p>
             <a:r>
@@ -16331,6 +14438,64 @@
           </a:p>
         </p:txBody>
       </p:sp>
+      <p:pic>
+        <p:nvPicPr>
+          <p:cNvPr id="9" name="图片 5" descr="图片包含 图形用户界面&#10;&#10;已自动生成说明">
+            <a:extLst>
+              <a:ext uri="{FF2B5EF4-FFF2-40B4-BE49-F238E27FC236}">
+                <a16:creationId xmlns:a16="http://schemas.microsoft.com/office/drawing/2014/main" id="{DCB20538-1743-4D31-8C9B-68BAEA5B8DAD}"/>
+              </a:ext>
+            </a:extLst>
+          </p:cNvPr>
+          <p:cNvPicPr>
+            <a:picLocks noChangeAspect="1"/>
+          </p:cNvPicPr>
+          <p:nvPr/>
+        </p:nvPicPr>
+        <p:blipFill rotWithShape="1">
+          <a:blip r:embed="rId4"/>
+          <a:srcRect l="23934" r="24725"/>
+          <a:stretch/>
+        </p:blipFill>
+        <p:spPr>
+          <a:xfrm>
+            <a:off x="9082009" y="3864192"/>
+            <a:ext cx="1562103" cy="2284716"/>
+          </a:xfrm>
+          <a:prstGeom prst="rect">
+            <a:avLst/>
+          </a:prstGeom>
+        </p:spPr>
+      </p:pic>
+      <p:pic>
+        <p:nvPicPr>
+          <p:cNvPr id="5" name="图片 6" descr="图片包含 图形用户界面&#10;&#10;已自动生成说明">
+            <a:extLst>
+              <a:ext uri="{FF2B5EF4-FFF2-40B4-BE49-F238E27FC236}">
+                <a16:creationId xmlns:a16="http://schemas.microsoft.com/office/drawing/2014/main" id="{F3D046DD-72D5-48AC-9349-A42025500782}"/>
+              </a:ext>
+            </a:extLst>
+          </p:cNvPr>
+          <p:cNvPicPr>
+            <a:picLocks noChangeAspect="1"/>
+          </p:cNvPicPr>
+          <p:nvPr/>
+        </p:nvPicPr>
+        <p:blipFill rotWithShape="1">
+          <a:blip r:embed="rId5"/>
+          <a:srcRect t="7125" r="-2" b="-2"/>
+          <a:stretch/>
+        </p:blipFill>
+        <p:spPr>
+          <a:xfrm>
+            <a:off x="8415071" y="2011147"/>
+            <a:ext cx="2826329" cy="1966799"/>
+          </a:xfrm>
+          <a:prstGeom prst="rect">
+            <a:avLst/>
+          </a:prstGeom>
+        </p:spPr>
+      </p:pic>
       <p:sp>
         <p:nvSpPr>
           <p:cNvPr id="3" name="Content Placeholder 2">
@@ -16347,263 +14512,291 @@
             <p:ph idx="1"/>
           </p:nvPr>
         </p:nvSpPr>
-        <p:spPr/>
+        <p:spPr>
+          <a:xfrm>
+            <a:off x="1175615" y="1892197"/>
+            <a:ext cx="4804041" cy="4326428"/>
+          </a:xfrm>
+        </p:spPr>
         <p:txBody>
           <a:bodyPr vert="horz" lIns="0" tIns="45720" rIns="0" bIns="45720" rtlCol="0" anchor="t">
-            <a:normAutofit fontScale="85000" lnSpcReduction="20000"/>
+            <a:noAutofit/>
           </a:bodyPr>
           <a:lstStyle/>
           <a:p>
             <a:r>
-              <a:rPr lang="en-GB">
+              <a:rPr lang="en-GB" sz="1600" b="1">
                 <a:ea typeface="+mn-lt"/>
                 <a:cs typeface="+mn-lt"/>
               </a:rPr>
               <a:t>1. </a:t>
             </a:r>
             <a:r>
-              <a:rPr lang="zh-CN" altLang="en-GB">
+              <a:rPr lang="zh-CN" altLang="en-GB" sz="1600" b="1">
                 <a:ea typeface="+mn-lt"/>
                 <a:cs typeface="+mn-lt"/>
               </a:rPr>
               <a:t>计算并减去每张照片的平均灰度值</a:t>
             </a:r>
-          </a:p>
-          <a:p>
-            <a:r>
-              <a:rPr lang="zh-CN" altLang="en-GB">
+            <a:endParaRPr lang="en-US" altLang="zh-CN" sz="1600">
+              <a:ea typeface="宋体"/>
+              <a:cs typeface="Calibri" panose="020F0502020204030204"/>
+            </a:endParaRPr>
+          </a:p>
+          <a:p>
+            <a:r>
+              <a:rPr lang="zh-CN" altLang="en-GB" sz="1600">
                 <a:ea typeface="+mn-lt"/>
                 <a:cs typeface="+mn-lt"/>
               </a:rPr>
               <a:t>    </a:t>
             </a:r>
             <a:r>
-              <a:rPr lang="zh-CN">
+              <a:rPr lang="zh-CN" sz="1600">
                 <a:ea typeface="+mn-lt"/>
                 <a:cs typeface="+mn-lt"/>
               </a:rPr>
               <a:t>A2 = A - mean(A);</a:t>
             </a:r>
-            <a:endParaRPr lang="zh-CN" altLang="en-GB">
+            <a:endParaRPr lang="zh-CN" altLang="en-GB" sz="1600">
               <a:ea typeface="+mn-lt"/>
               <a:cs typeface="+mn-lt"/>
             </a:endParaRPr>
           </a:p>
           <a:p>
             <a:r>
-              <a:rPr lang="zh-CN">
+              <a:rPr lang="zh-CN" sz="1600" b="1">
                 <a:ea typeface="+mn-lt"/>
                 <a:cs typeface="+mn-lt"/>
               </a:rPr>
               <a:t>2.  </a:t>
             </a:r>
             <a:r>
-              <a:rPr lang="zh-CN" altLang="en-US">
+              <a:rPr lang="zh-CN" altLang="en-US" sz="1600" b="1">
                 <a:ea typeface="+mn-lt"/>
                 <a:cs typeface="+mn-lt"/>
               </a:rPr>
               <a:t>计算协方差矩阵</a:t>
             </a:r>
             <a:r>
-              <a:rPr lang="en-US" altLang="zh-CN">
+              <a:rPr lang="en-US" altLang="zh-CN" sz="1600" b="1">
                 <a:ea typeface="+mn-lt"/>
                 <a:cs typeface="+mn-lt"/>
               </a:rPr>
               <a:t>A’*A</a:t>
             </a:r>
-            <a:endParaRPr lang="en-US"/>
-          </a:p>
-          <a:p>
-            <a:r>
-              <a:rPr lang="en-GB">
+            <a:endParaRPr lang="en-US" sz="1600" b="1">
+              <a:cs typeface="Calibri"/>
+            </a:endParaRPr>
+          </a:p>
+          <a:p>
+            <a:r>
+              <a:rPr lang="en-GB" sz="1600">
                 <a:ea typeface="+mn-lt"/>
                 <a:cs typeface="+mn-lt"/>
               </a:rPr>
               <a:t>    C = </a:t>
             </a:r>
             <a:r>
-              <a:rPr lang="en-GB" err="1">
+              <a:rPr lang="en-GB" sz="1600" err="1">
                 <a:ea typeface="+mn-lt"/>
                 <a:cs typeface="+mn-lt"/>
               </a:rPr>
               <a:t>cov</a:t>
             </a:r>
             <a:r>
-              <a:rPr lang="en-GB">
+              <a:rPr lang="en-GB" sz="1600">
                 <a:ea typeface="+mn-lt"/>
                 <a:cs typeface="+mn-lt"/>
               </a:rPr>
               <a:t>(A);</a:t>
             </a:r>
-            <a:endParaRPr lang="en-US"/>
+            <a:endParaRPr lang="en-US" sz="1600">
+              <a:cs typeface="Calibri"/>
+            </a:endParaRPr>
           </a:p>
           <a:p>
             <a:pPr marL="0" indent="0">
               <a:buNone/>
             </a:pPr>
             <a:r>
-              <a:rPr lang="en-GB">
+              <a:rPr lang="en-GB" sz="1600">
                 <a:ea typeface="+mn-lt"/>
                 <a:cs typeface="+mn-lt"/>
               </a:rPr>
-              <a:t>  3. </a:t>
-            </a:r>
-            <a:r>
-              <a:rPr lang="zh-CN" altLang="en-GB">
+              <a:t>  </a:t>
+            </a:r>
+            <a:r>
+              <a:rPr lang="en-GB" sz="1600" b="1">
+                <a:ea typeface="+mn-lt"/>
+                <a:cs typeface="+mn-lt"/>
+              </a:rPr>
+              <a:t>3. </a:t>
+            </a:r>
+            <a:r>
+              <a:rPr lang="zh-CN" altLang="en-GB" sz="1600" b="1">
                 <a:ea typeface="+mn-lt"/>
                 <a:cs typeface="+mn-lt"/>
               </a:rPr>
               <a:t>计算特征值D和特征向量V</a:t>
             </a:r>
-            <a:endParaRPr lang="en-GB">
+            <a:endParaRPr lang="en-GB" sz="1600" b="1">
               <a:cs typeface="Calibri" panose="020F0502020204030204"/>
             </a:endParaRPr>
           </a:p>
           <a:p>
             <a:r>
-              <a:rPr lang="en-GB">
+              <a:rPr lang="en-GB" sz="1600">
                 <a:ea typeface="+mn-lt"/>
                 <a:cs typeface="+mn-lt"/>
               </a:rPr>
               <a:t>     [V, D] = </a:t>
             </a:r>
             <a:r>
-              <a:rPr lang="en-GB" err="1">
+              <a:rPr lang="en-GB" sz="1600" err="1">
                 <a:ea typeface="+mn-lt"/>
                 <a:cs typeface="+mn-lt"/>
               </a:rPr>
               <a:t>eig</a:t>
             </a:r>
             <a:r>
-              <a:rPr lang="en-GB">
+              <a:rPr lang="en-GB" sz="1600">
                 <a:ea typeface="+mn-lt"/>
                 <a:cs typeface="+mn-lt"/>
               </a:rPr>
               <a:t>(C);</a:t>
             </a:r>
-            <a:endParaRPr lang="en-GB">
+            <a:endParaRPr lang="en-GB" sz="1600">
               <a:cs typeface="Calibri" panose="020F0502020204030204"/>
             </a:endParaRPr>
           </a:p>
           <a:p>
             <a:r>
-              <a:rPr lang="en-GB">
+              <a:rPr lang="en-GB" sz="1600" b="1">
                 <a:ea typeface="+mn-lt"/>
                 <a:cs typeface="+mn-lt"/>
               </a:rPr>
               <a:t>4. </a:t>
             </a:r>
             <a:r>
-              <a:rPr lang="zh-CN" altLang="en-GB">
+              <a:rPr lang="zh-CN" altLang="en-GB" sz="1600" b="1">
                 <a:ea typeface="+mn-lt"/>
                 <a:cs typeface="+mn-lt"/>
               </a:rPr>
               <a:t>将它们排序</a:t>
             </a:r>
-            <a:endParaRPr lang="en-GB">
+            <a:endParaRPr lang="en-GB" sz="1600" b="1">
               <a:ea typeface="+mn-lt"/>
               <a:cs typeface="+mn-lt"/>
             </a:endParaRPr>
           </a:p>
           <a:p>
             <a:r>
-              <a:rPr lang="en-GB">
+              <a:rPr lang="en-GB" sz="1600">
                 <a:ea typeface="+mn-lt"/>
                 <a:cs typeface="+mn-lt"/>
               </a:rPr>
               <a:t>     [d, </a:t>
             </a:r>
             <a:r>
-              <a:rPr lang="en-GB" err="1">
+              <a:rPr lang="en-GB" sz="1600" err="1">
                 <a:ea typeface="+mn-lt"/>
                 <a:cs typeface="+mn-lt"/>
               </a:rPr>
               <a:t>ind</a:t>
             </a:r>
             <a:r>
-              <a:rPr lang="en-GB">
+              <a:rPr lang="en-GB" sz="1600">
                 <a:ea typeface="+mn-lt"/>
                 <a:cs typeface="+mn-lt"/>
               </a:rPr>
               <a:t>] = sort(</a:t>
             </a:r>
             <a:r>
-              <a:rPr lang="en-GB" err="1">
+              <a:rPr lang="en-GB" sz="1600" err="1">
                 <a:ea typeface="+mn-lt"/>
                 <a:cs typeface="+mn-lt"/>
               </a:rPr>
               <a:t>diag</a:t>
             </a:r>
             <a:r>
-              <a:rPr lang="en-GB">
+              <a:rPr lang="en-GB" sz="1600">
                 <a:ea typeface="+mn-lt"/>
                 <a:cs typeface="+mn-lt"/>
               </a:rPr>
               <a:t>(D), 'descend');</a:t>
             </a:r>
-            <a:endParaRPr lang="en-GB"/>
+            <a:endParaRPr lang="en-GB" sz="1600">
+              <a:cs typeface="Calibri"/>
+            </a:endParaRPr>
           </a:p>
           <a:p>
             <a:pPr marL="0" indent="0">
               <a:buNone/>
             </a:pPr>
             <a:r>
-              <a:rPr lang="en-GB">
+              <a:rPr lang="en-GB" sz="1600">
                 <a:ea typeface="+mn-lt"/>
                 <a:cs typeface="+mn-lt"/>
               </a:rPr>
               <a:t>       Vs = V(:,</a:t>
             </a:r>
             <a:r>
-              <a:rPr lang="en-GB" err="1">
+              <a:rPr lang="en-GB" sz="1600" err="1">
                 <a:ea typeface="+mn-lt"/>
                 <a:cs typeface="+mn-lt"/>
               </a:rPr>
               <a:t>ind</a:t>
             </a:r>
             <a:r>
-              <a:rPr lang="en-GB">
+              <a:rPr lang="en-GB" sz="1600">
                 <a:ea typeface="+mn-lt"/>
                 <a:cs typeface="+mn-lt"/>
               </a:rPr>
               <a:t>);</a:t>
             </a:r>
-            <a:endParaRPr lang="en-GB">
+            <a:endParaRPr lang="en-GB" sz="1600">
               <a:cs typeface="Calibri" panose="020F0502020204030204"/>
             </a:endParaRPr>
           </a:p>
           <a:p>
             <a:r>
-              <a:rPr lang="en-GB">
+              <a:rPr lang="en-GB" sz="1600" b="1">
                 <a:ea typeface="+mn-lt"/>
                 <a:cs typeface="+mn-lt"/>
               </a:rPr>
               <a:t>5. </a:t>
             </a:r>
             <a:r>
-              <a:rPr lang="zh-CN" altLang="en-GB">
+              <a:rPr lang="zh-CN" altLang="en-GB" sz="1600" b="1">
                 <a:ea typeface="+mn-lt"/>
                 <a:cs typeface="+mn-lt"/>
               </a:rPr>
               <a:t>与原矩阵相乘得到特征脸</a:t>
             </a:r>
-            <a:endParaRPr lang="en-GB"/>
-          </a:p>
-          <a:p>
-            <a:r>
-              <a:rPr lang="en-GB">
+            <a:endParaRPr lang="en-GB" sz="1600" b="1">
+              <a:cs typeface="Calibri"/>
+            </a:endParaRPr>
+          </a:p>
+          <a:p>
+            <a:r>
+              <a:rPr lang="en-GB" sz="1600">
                 <a:ea typeface="+mn-lt"/>
                 <a:cs typeface="+mn-lt"/>
               </a:rPr>
               <a:t>     U1 = A*Vs;</a:t>
             </a:r>
-            <a:endParaRPr lang="en-GB"/>
-          </a:p>
-          <a:p>
-            <a:endParaRPr lang="en-US"/>
-          </a:p>
-          <a:p>
-            <a:endParaRPr lang="en-GB">
+            <a:endParaRPr lang="en-GB" sz="1600">
+              <a:cs typeface="Calibri" panose="020F0502020204030204"/>
+            </a:endParaRPr>
+          </a:p>
+          <a:p>
+            <a:endParaRPr lang="en-US" sz="1400">
+              <a:cs typeface="Calibri" panose="020F0502020204030204"/>
+            </a:endParaRPr>
+          </a:p>
+          <a:p>
+            <a:endParaRPr lang="en-GB" sz="1400">
               <a:cs typeface="Calibri"/>
             </a:endParaRPr>
           </a:p>
@@ -16649,583 +14842,6 @@
       </p:grpSpPr>
       <p:sp>
         <p:nvSpPr>
-          <p:cNvPr id="22" name="Rectangle 10">
-            <a:extLst>
-              <a:ext uri="{FF2B5EF4-FFF2-40B4-BE49-F238E27FC236}">
-                <a16:creationId xmlns:a16="http://schemas.microsoft.com/office/drawing/2014/main" id="{3F87243A-F810-42AD-AA74-3FA38B1D8A8F}"/>
-              </a:ext>
-              <a:ext uri="{C183D7F6-B498-43B3-948B-1728B52AA6E4}">
-                <adec:decorative xmlns:adec="http://schemas.microsoft.com/office/drawing/2017/decorative" val="1"/>
-              </a:ext>
-            </a:extLst>
-          </p:cNvPr>
-          <p:cNvSpPr>
-            <a:spLocks noGrp="1" noRot="1" noChangeAspect="1" noMove="1" noResize="1" noEditPoints="1" noAdjustHandles="1" noChangeArrowheads="1" noChangeShapeType="1" noTextEdit="1"/>
-          </p:cNvSpPr>
-          <p:nvPr>
-            <p:extLst>
-              <p:ext uri="{386F3935-93C4-4BCD-93E2-E3B085C9AB24}">
-                <p16:designElem xmlns:p16="http://schemas.microsoft.com/office/powerpoint/2015/main" val="1"/>
-              </p:ext>
-            </p:extLst>
-          </p:nvPr>
-        </p:nvSpPr>
-        <p:spPr>
-          <a:xfrm>
-            <a:off x="3175" y="6400800"/>
-            <a:ext cx="12188825" cy="457200"/>
-          </a:xfrm>
-          <a:prstGeom prst="rect">
-            <a:avLst/>
-          </a:prstGeom>
-          <a:solidFill>
-            <a:schemeClr val="accent2"/>
-          </a:solidFill>
-          <a:ln>
-            <a:noFill/>
-          </a:ln>
-        </p:spPr>
-        <p:style>
-          <a:lnRef idx="2">
-            <a:schemeClr val="accent1">
-              <a:shade val="50000"/>
-            </a:schemeClr>
-          </a:lnRef>
-          <a:fillRef idx="1">
-            <a:schemeClr val="accent1"/>
-          </a:fillRef>
-          <a:effectRef idx="0">
-            <a:schemeClr val="accent1"/>
-          </a:effectRef>
-          <a:fontRef idx="minor">
-            <a:schemeClr val="lt1"/>
-          </a:fontRef>
-        </p:style>
-      </p:sp>
-      <p:sp>
-        <p:nvSpPr>
-          <p:cNvPr id="24" name="Rectangle 12">
-            <a:extLst>
-              <a:ext uri="{FF2B5EF4-FFF2-40B4-BE49-F238E27FC236}">
-                <a16:creationId xmlns:a16="http://schemas.microsoft.com/office/drawing/2014/main" id="{E4710C0A-057C-4274-BA2D-001F1025E83E}"/>
-              </a:ext>
-              <a:ext uri="{C183D7F6-B498-43B3-948B-1728B52AA6E4}">
-                <adec:decorative xmlns:adec="http://schemas.microsoft.com/office/drawing/2017/decorative" val="1"/>
-              </a:ext>
-            </a:extLst>
-          </p:cNvPr>
-          <p:cNvSpPr>
-            <a:spLocks noGrp="1" noRot="1" noChangeAspect="1" noMove="1" noResize="1" noEditPoints="1" noAdjustHandles="1" noChangeArrowheads="1" noChangeShapeType="1" noTextEdit="1"/>
-          </p:cNvSpPr>
-          <p:nvPr>
-            <p:extLst>
-              <p:ext uri="{386F3935-93C4-4BCD-93E2-E3B085C9AB24}">
-                <p16:designElem xmlns:p16="http://schemas.microsoft.com/office/powerpoint/2015/main" val="1"/>
-              </p:ext>
-            </p:extLst>
-          </p:nvPr>
-        </p:nvSpPr>
-        <p:spPr>
-          <a:xfrm>
-            <a:off x="15" y="6334316"/>
-            <a:ext cx="12188825" cy="64008"/>
-          </a:xfrm>
-          <a:prstGeom prst="rect">
-            <a:avLst/>
-          </a:prstGeom>
-          <a:solidFill>
-            <a:schemeClr val="accent1"/>
-          </a:solidFill>
-          <a:ln>
-            <a:noFill/>
-          </a:ln>
-        </p:spPr>
-        <p:style>
-          <a:lnRef idx="2">
-            <a:schemeClr val="accent1">
-              <a:shade val="50000"/>
-            </a:schemeClr>
-          </a:lnRef>
-          <a:fillRef idx="1">
-            <a:schemeClr val="accent1"/>
-          </a:fillRef>
-          <a:effectRef idx="0">
-            <a:schemeClr val="accent1"/>
-          </a:effectRef>
-          <a:fontRef idx="minor">
-            <a:schemeClr val="lt1"/>
-          </a:fontRef>
-        </p:style>
-      </p:sp>
-      <p:cxnSp>
-        <p:nvCxnSpPr>
-          <p:cNvPr id="26" name="Straight Connector 14">
-            <a:extLst>
-              <a:ext uri="{FF2B5EF4-FFF2-40B4-BE49-F238E27FC236}">
-                <a16:creationId xmlns:a16="http://schemas.microsoft.com/office/drawing/2014/main" id="{BEFAE2A0-B30D-40C7-BB2F-AE3D6D5D001F}"/>
-              </a:ext>
-              <a:ext uri="{C183D7F6-B498-43B3-948B-1728B52AA6E4}">
-                <adec:decorative xmlns:adec="http://schemas.microsoft.com/office/drawing/2017/decorative" val="1"/>
-              </a:ext>
-            </a:extLst>
-          </p:cNvPr>
-          <p:cNvCxnSpPr>
-            <a:cxnSpLocks noGrp="1" noRot="1" noChangeAspect="1" noMove="1" noResize="1" noEditPoints="1" noAdjustHandles="1" noChangeArrowheads="1" noChangeShapeType="1"/>
-          </p:cNvCxnSpPr>
-          <p:nvPr>
-            <p:extLst>
-              <p:ext uri="{386F3935-93C4-4BCD-93E2-E3B085C9AB24}">
-                <p16:designElem xmlns:p16="http://schemas.microsoft.com/office/powerpoint/2015/main" val="1"/>
-              </p:ext>
-            </p:extLst>
-          </p:nvPr>
-        </p:nvCxnSpPr>
-        <p:spPr>
-          <a:xfrm>
-            <a:off x="1207658" y="4343400"/>
-            <a:ext cx="9875520" cy="0"/>
-          </a:xfrm>
-          <a:prstGeom prst="line">
-            <a:avLst/>
-          </a:prstGeom>
-          <a:ln w="6350">
-            <a:solidFill>
-              <a:schemeClr val="tx1">
-                <a:lumMod val="50000"/>
-                <a:lumOff val="50000"/>
-              </a:schemeClr>
-            </a:solidFill>
-          </a:ln>
-        </p:spPr>
-        <p:style>
-          <a:lnRef idx="1">
-            <a:schemeClr val="accent1"/>
-          </a:lnRef>
-          <a:fillRef idx="0">
-            <a:schemeClr val="accent1"/>
-          </a:fillRef>
-          <a:effectRef idx="0">
-            <a:schemeClr val="accent1"/>
-          </a:effectRef>
-          <a:fontRef idx="minor">
-            <a:schemeClr val="tx1"/>
-          </a:fontRef>
-        </p:style>
-      </p:cxnSp>
-      <p:sp useBgFill="1">
-        <p:nvSpPr>
-          <p:cNvPr id="28" name="Rectangle 16">
-            <a:extLst>
-              <a:ext uri="{FF2B5EF4-FFF2-40B4-BE49-F238E27FC236}">
-                <a16:creationId xmlns:a16="http://schemas.microsoft.com/office/drawing/2014/main" id="{7527CA15-1C7B-4C0C-86EE-385C1D6C98C0}"/>
-              </a:ext>
-              <a:ext uri="{C183D7F6-B498-43B3-948B-1728B52AA6E4}">
-                <adec:decorative xmlns:adec="http://schemas.microsoft.com/office/drawing/2017/decorative" val="1"/>
-              </a:ext>
-            </a:extLst>
-          </p:cNvPr>
-          <p:cNvSpPr>
-            <a:spLocks noGrp="1" noRot="1" noChangeAspect="1" noMove="1" noResize="1" noEditPoints="1" noAdjustHandles="1" noChangeArrowheads="1" noChangeShapeType="1" noTextEdit="1"/>
-          </p:cNvSpPr>
-          <p:nvPr>
-            <p:extLst>
-              <p:ext uri="{386F3935-93C4-4BCD-93E2-E3B085C9AB24}">
-                <p16:designElem xmlns:p16="http://schemas.microsoft.com/office/powerpoint/2015/main" val="1"/>
-              </p:ext>
-            </p:extLst>
-          </p:nvPr>
-        </p:nvSpPr>
-        <p:spPr>
-          <a:xfrm>
-            <a:off x="0" y="0"/>
-            <a:ext cx="12190459" cy="6858000"/>
-          </a:xfrm>
-          <a:prstGeom prst="rect">
-            <a:avLst/>
-          </a:prstGeom>
-          <a:ln>
-            <a:noFill/>
-          </a:ln>
-        </p:spPr>
-        <p:style>
-          <a:lnRef idx="2">
-            <a:schemeClr val="accent1">
-              <a:shade val="50000"/>
-            </a:schemeClr>
-          </a:lnRef>
-          <a:fillRef idx="1">
-            <a:schemeClr val="accent1"/>
-          </a:fillRef>
-          <a:effectRef idx="0">
-            <a:schemeClr val="accent1"/>
-          </a:effectRef>
-          <a:fontRef idx="minor">
-            <a:schemeClr val="lt1"/>
-          </a:fontRef>
-        </p:style>
-        <p:txBody>
-          <a:bodyPr rtlCol="0" anchor="ctr"/>
-          <a:lstStyle/>
-          <a:p>
-            <a:pPr algn="ctr"/>
-            <a:endParaRPr lang="en-US"/>
-          </a:p>
-        </p:txBody>
-      </p:sp>
-      <p:sp>
-        <p:nvSpPr>
-          <p:cNvPr id="29" name="Rectangle 18">
-            <a:extLst>
-              <a:ext uri="{FF2B5EF4-FFF2-40B4-BE49-F238E27FC236}">
-                <a16:creationId xmlns:a16="http://schemas.microsoft.com/office/drawing/2014/main" id="{ED643915-9209-40AB-8194-9D9125C0A3F3}"/>
-              </a:ext>
-              <a:ext uri="{C183D7F6-B498-43B3-948B-1728B52AA6E4}">
-                <adec:decorative xmlns:adec="http://schemas.microsoft.com/office/drawing/2017/decorative" val="1"/>
-              </a:ext>
-            </a:extLst>
-          </p:cNvPr>
-          <p:cNvSpPr>
-            <a:spLocks noGrp="1" noRot="1" noChangeAspect="1" noMove="1" noResize="1" noEditPoints="1" noAdjustHandles="1" noChangeArrowheads="1" noChangeShapeType="1" noTextEdit="1"/>
-          </p:cNvSpPr>
-          <p:nvPr>
-            <p:extLst>
-              <p:ext uri="{386F3935-93C4-4BCD-93E2-E3B085C9AB24}">
-                <p16:designElem xmlns:p16="http://schemas.microsoft.com/office/powerpoint/2015/main" val="1"/>
-              </p:ext>
-            </p:extLst>
-          </p:nvPr>
-        </p:nvSpPr>
-        <p:spPr bwMode="white">
-          <a:xfrm>
-            <a:off x="1507" y="4953000"/>
-            <a:ext cx="12188952" cy="1905000"/>
-          </a:xfrm>
-          <a:prstGeom prst="rect">
-            <a:avLst/>
-          </a:prstGeom>
-          <a:solidFill>
-            <a:schemeClr val="accent2"/>
-          </a:solidFill>
-          <a:ln>
-            <a:noFill/>
-          </a:ln>
-        </p:spPr>
-        <p:style>
-          <a:lnRef idx="2">
-            <a:schemeClr val="accent1">
-              <a:shade val="50000"/>
-            </a:schemeClr>
-          </a:lnRef>
-          <a:fillRef idx="1">
-            <a:schemeClr val="accent1"/>
-          </a:fillRef>
-          <a:effectRef idx="0">
-            <a:schemeClr val="accent1"/>
-          </a:effectRef>
-          <a:fontRef idx="minor">
-            <a:schemeClr val="lt1"/>
-          </a:fontRef>
-        </p:style>
-      </p:sp>
-      <p:pic>
-        <p:nvPicPr>
-          <p:cNvPr id="6" name="图片 6" descr="图片包含 图形用户界面&#10;&#10;已自动生成说明">
-            <a:extLst>
-              <a:ext uri="{FF2B5EF4-FFF2-40B4-BE49-F238E27FC236}">
-                <a16:creationId xmlns:a16="http://schemas.microsoft.com/office/drawing/2014/main" id="{E564B181-FD8E-4368-95CE-78DC64479B3A}"/>
-              </a:ext>
-            </a:extLst>
-          </p:cNvPr>
-          <p:cNvPicPr>
-            <a:picLocks noChangeAspect="1"/>
-          </p:cNvPicPr>
-          <p:nvPr/>
-        </p:nvPicPr>
-        <p:blipFill>
-          <a:blip r:embed="rId2"/>
-          <a:stretch>
-            <a:fillRect/>
-          </a:stretch>
-        </p:blipFill>
-        <p:spPr>
-          <a:xfrm>
-            <a:off x="8292018" y="1210699"/>
-            <a:ext cx="3312784" cy="2484588"/>
-          </a:xfrm>
-          <a:prstGeom prst="rect">
-            <a:avLst/>
-          </a:prstGeom>
-        </p:spPr>
-      </p:pic>
-      <p:sp>
-        <p:nvSpPr>
-          <p:cNvPr id="30" name="Rectangle 20">
-            <a:extLst>
-              <a:ext uri="{FF2B5EF4-FFF2-40B4-BE49-F238E27FC236}">
-                <a16:creationId xmlns:a16="http://schemas.microsoft.com/office/drawing/2014/main" id="{8A54198A-4950-48AB-BDD3-16D7F9084A50}"/>
-              </a:ext>
-              <a:ext uri="{C183D7F6-B498-43B3-948B-1728B52AA6E4}">
-                <adec:decorative xmlns:adec="http://schemas.microsoft.com/office/drawing/2017/decorative" val="1"/>
-              </a:ext>
-            </a:extLst>
-          </p:cNvPr>
-          <p:cNvSpPr>
-            <a:spLocks noGrp="1" noRot="1" noChangeAspect="1" noMove="1" noResize="1" noEditPoints="1" noAdjustHandles="1" noChangeArrowheads="1" noChangeShapeType="1" noTextEdit="1"/>
-          </p:cNvSpPr>
-          <p:nvPr>
-            <p:extLst>
-              <p:ext uri="{386F3935-93C4-4BCD-93E2-E3B085C9AB24}">
-                <p16:designElem xmlns:p16="http://schemas.microsoft.com/office/powerpoint/2015/main" val="1"/>
-              </p:ext>
-            </p:extLst>
-          </p:nvPr>
-        </p:nvSpPr>
-        <p:spPr>
-          <a:xfrm>
-            <a:off x="4158553" y="886968"/>
-            <a:ext cx="64008" cy="3108960"/>
-          </a:xfrm>
-          <a:prstGeom prst="rect">
-            <a:avLst/>
-          </a:prstGeom>
-          <a:ln>
-            <a:noFill/>
-          </a:ln>
-        </p:spPr>
-        <p:style>
-          <a:lnRef idx="2">
-            <a:schemeClr val="accent1">
-              <a:shade val="50000"/>
-            </a:schemeClr>
-          </a:lnRef>
-          <a:fillRef idx="1">
-            <a:schemeClr val="accent1"/>
-          </a:fillRef>
-          <a:effectRef idx="0">
-            <a:schemeClr val="accent1"/>
-          </a:effectRef>
-          <a:fontRef idx="minor">
-            <a:schemeClr val="lt1"/>
-          </a:fontRef>
-        </p:style>
-        <p:txBody>
-          <a:bodyPr rtlCol="0" anchor="ctr"/>
-          <a:lstStyle/>
-          <a:p>
-            <a:pPr algn="ctr"/>
-            <a:endParaRPr lang="en-US"/>
-          </a:p>
-        </p:txBody>
-      </p:sp>
-      <p:pic>
-        <p:nvPicPr>
-          <p:cNvPr id="5" name="图片 5" descr="图片包含 图形用户界面&#10;&#10;已自动生成说明">
-            <a:extLst>
-              <a:ext uri="{FF2B5EF4-FFF2-40B4-BE49-F238E27FC236}">
-                <a16:creationId xmlns:a16="http://schemas.microsoft.com/office/drawing/2014/main" id="{56D64595-7F6E-43C1-9CBF-531DAEF5ECE8}"/>
-              </a:ext>
-            </a:extLst>
-          </p:cNvPr>
-          <p:cNvPicPr>
-            <a:picLocks noChangeAspect="1"/>
-          </p:cNvPicPr>
-          <p:nvPr/>
-        </p:nvPicPr>
-        <p:blipFill>
-          <a:blip r:embed="rId3"/>
-          <a:stretch>
-            <a:fillRect/>
-          </a:stretch>
-        </p:blipFill>
-        <p:spPr>
-          <a:xfrm>
-            <a:off x="4432872" y="1199154"/>
-            <a:ext cx="3312785" cy="2484588"/>
-          </a:xfrm>
-          <a:prstGeom prst="rect">
-            <a:avLst/>
-          </a:prstGeom>
-        </p:spPr>
-      </p:pic>
-      <p:sp>
-        <p:nvSpPr>
-          <p:cNvPr id="31" name="Rectangle 22">
-            <a:extLst>
-              <a:ext uri="{FF2B5EF4-FFF2-40B4-BE49-F238E27FC236}">
-                <a16:creationId xmlns:a16="http://schemas.microsoft.com/office/drawing/2014/main" id="{30F05B05-D1D0-4D96-A6C6-E0095E789EF8}"/>
-              </a:ext>
-              <a:ext uri="{C183D7F6-B498-43B3-948B-1728B52AA6E4}">
-                <adec:decorative xmlns:adec="http://schemas.microsoft.com/office/drawing/2017/decorative" val="1"/>
-              </a:ext>
-            </a:extLst>
-          </p:cNvPr>
-          <p:cNvSpPr>
-            <a:spLocks noGrp="1" noRot="1" noChangeAspect="1" noMove="1" noResize="1" noEditPoints="1" noAdjustHandles="1" noChangeArrowheads="1" noChangeShapeType="1" noTextEdit="1"/>
-          </p:cNvSpPr>
-          <p:nvPr>
-            <p:extLst>
-              <p:ext uri="{386F3935-93C4-4BCD-93E2-E3B085C9AB24}">
-                <p16:designElem xmlns:p16="http://schemas.microsoft.com/office/powerpoint/2015/main" val="1"/>
-              </p:ext>
-            </p:extLst>
-          </p:nvPr>
-        </p:nvSpPr>
-        <p:spPr>
-          <a:xfrm>
-            <a:off x="7955969" y="886968"/>
-            <a:ext cx="64008" cy="3108960"/>
-          </a:xfrm>
-          <a:prstGeom prst="rect">
-            <a:avLst/>
-          </a:prstGeom>
-          <a:ln>
-            <a:noFill/>
-          </a:ln>
-        </p:spPr>
-        <p:style>
-          <a:lnRef idx="2">
-            <a:schemeClr val="accent1">
-              <a:shade val="50000"/>
-            </a:schemeClr>
-          </a:lnRef>
-          <a:fillRef idx="1">
-            <a:schemeClr val="accent1"/>
-          </a:fillRef>
-          <a:effectRef idx="0">
-            <a:schemeClr val="accent1"/>
-          </a:effectRef>
-          <a:fontRef idx="minor">
-            <a:schemeClr val="lt1"/>
-          </a:fontRef>
-        </p:style>
-        <p:txBody>
-          <a:bodyPr rtlCol="0" anchor="ctr"/>
-          <a:lstStyle/>
-          <a:p>
-            <a:pPr algn="ctr"/>
-            <a:endParaRPr lang="en-US"/>
-          </a:p>
-        </p:txBody>
-      </p:sp>
-      <p:pic>
-        <p:nvPicPr>
-          <p:cNvPr id="4" name="图片 4" descr="图片包含 图形用户界面&#10;&#10;已自动生成说明">
-            <a:extLst>
-              <a:ext uri="{FF2B5EF4-FFF2-40B4-BE49-F238E27FC236}">
-                <a16:creationId xmlns:a16="http://schemas.microsoft.com/office/drawing/2014/main" id="{A5EB5B36-46F2-44FA-A77F-8627EE83AEAB}"/>
-              </a:ext>
-            </a:extLst>
-          </p:cNvPr>
-          <p:cNvPicPr>
-            <a:picLocks noGrp="1" noChangeAspect="1"/>
-          </p:cNvPicPr>
-          <p:nvPr>
-            <p:ph idx="1"/>
-          </p:nvPr>
-        </p:nvPicPr>
-        <p:blipFill>
-          <a:blip r:embed="rId4"/>
-          <a:stretch>
-            <a:fillRect/>
-          </a:stretch>
-        </p:blipFill>
-        <p:spPr>
-          <a:xfrm>
-            <a:off x="494834" y="1210699"/>
-            <a:ext cx="3312784" cy="2484588"/>
-          </a:xfrm>
-          <a:prstGeom prst="rect">
-            <a:avLst/>
-          </a:prstGeom>
-        </p:spPr>
-      </p:pic>
-      <p:sp>
-        <p:nvSpPr>
-          <p:cNvPr id="32" name="Rectangle 24">
-            <a:extLst>
-              <a:ext uri="{FF2B5EF4-FFF2-40B4-BE49-F238E27FC236}">
-                <a16:creationId xmlns:a16="http://schemas.microsoft.com/office/drawing/2014/main" id="{6561554E-8EEC-420C-93A0-4E77A8A0EB7B}"/>
-              </a:ext>
-              <a:ext uri="{C183D7F6-B498-43B3-948B-1728B52AA6E4}">
-                <adec:decorative xmlns:adec="http://schemas.microsoft.com/office/drawing/2017/decorative" val="1"/>
-              </a:ext>
-            </a:extLst>
-          </p:cNvPr>
-          <p:cNvSpPr>
-            <a:spLocks noGrp="1" noRot="1" noChangeAspect="1" noMove="1" noResize="1" noEditPoints="1" noAdjustHandles="1" noChangeArrowheads="1" noChangeShapeType="1" noTextEdit="1"/>
-          </p:cNvSpPr>
-          <p:nvPr>
-            <p:extLst>
-              <p:ext uri="{386F3935-93C4-4BCD-93E2-E3B085C9AB24}">
-                <p16:designElem xmlns:p16="http://schemas.microsoft.com/office/powerpoint/2015/main" val="1"/>
-              </p:ext>
-            </p:extLst>
-          </p:nvPr>
-        </p:nvSpPr>
-        <p:spPr>
-          <a:xfrm>
-            <a:off x="1507" y="4906176"/>
-            <a:ext cx="12188952" cy="64008"/>
-          </a:xfrm>
-          <a:prstGeom prst="rect">
-            <a:avLst/>
-          </a:prstGeom>
-          <a:solidFill>
-            <a:schemeClr val="accent1"/>
-          </a:solidFill>
-          <a:ln>
-            <a:noFill/>
-          </a:ln>
-        </p:spPr>
-        <p:style>
-          <a:lnRef idx="2">
-            <a:schemeClr val="accent1">
-              <a:shade val="50000"/>
-            </a:schemeClr>
-          </a:lnRef>
-          <a:fillRef idx="1">
-            <a:schemeClr val="accent1"/>
-          </a:fillRef>
-          <a:effectRef idx="0">
-            <a:schemeClr val="accent1"/>
-          </a:effectRef>
-          <a:fontRef idx="minor">
-            <a:schemeClr val="lt1"/>
-          </a:fontRef>
-        </p:style>
-      </p:sp>
-    </p:spTree>
-    <p:extLst>
-      <p:ext uri="{BB962C8B-B14F-4D97-AF65-F5344CB8AC3E}">
-        <p14:creationId xmlns:p14="http://schemas.microsoft.com/office/powerpoint/2010/main" val="3386360409"/>
-      </p:ext>
-    </p:extLst>
-  </p:cSld>
-  <p:clrMapOvr>
-    <a:masterClrMapping/>
-  </p:clrMapOvr>
-</p:sld>
-</file>
-
-<file path=ppt/slides/slide7.xml><?xml version="1.0" encoding="utf-8"?>
-<p:sld xmlns:a="http://schemas.openxmlformats.org/drawingml/2006/main" xmlns:r="http://schemas.openxmlformats.org/officeDocument/2006/relationships" xmlns:p="http://schemas.openxmlformats.org/presentationml/2006/main">
-  <p:cSld>
-    <p:spTree>
-      <p:nvGrpSpPr>
-        <p:cNvPr id="1" name=""/>
-        <p:cNvGrpSpPr/>
-        <p:nvPr/>
-      </p:nvGrpSpPr>
-      <p:grpSpPr>
-        <a:xfrm>
-          <a:off x="0" y="0"/>
-          <a:ext cx="0" cy="0"/>
-          <a:chOff x="0" y="0"/>
-          <a:chExt cx="0" cy="0"/>
-        </a:xfrm>
-      </p:grpSpPr>
-      <p:sp>
-        <p:nvSpPr>
           <p:cNvPr id="2" name="标题 1">
             <a:extLst>
               <a:ext uri="{FF2B5EF4-FFF2-40B4-BE49-F238E27FC236}">
@@ -17240,9 +14856,16 @@
             <p:ph type="title"/>
           </p:nvPr>
         </p:nvSpPr>
-        <p:spPr/>
+        <p:spPr>
+          <a:xfrm>
+            <a:off x="1097280" y="286603"/>
+            <a:ext cx="10058400" cy="1450757"/>
+          </a:xfrm>
+        </p:spPr>
         <p:txBody>
-          <a:bodyPr/>
+          <a:bodyPr>
+            <a:normAutofit/>
+          </a:bodyPr>
           <a:lstStyle/>
           <a:p>
             <a:r>
@@ -17262,8 +14885,78 @@
           </a:p>
         </p:txBody>
       </p:sp>
-      <mc:AlternateContent xmlns:mc="http://schemas.openxmlformats.org/markup-compatibility/2006" xmlns:a14="http://schemas.microsoft.com/office/drawing/2010/main">
-        <mc:Choice Requires="a14">
+      <p:pic>
+        <p:nvPicPr>
+          <p:cNvPr id="7" name="图片 6">
+            <a:extLst>
+              <a:ext uri="{FF2B5EF4-FFF2-40B4-BE49-F238E27FC236}">
+                <a16:creationId xmlns:a16="http://schemas.microsoft.com/office/drawing/2014/main" id="{FC4F2CCA-C354-4CE7-A54B-20E9D6483BDF}"/>
+              </a:ext>
+            </a:extLst>
+          </p:cNvPr>
+          <p:cNvPicPr>
+            <a:picLocks noChangeAspect="1"/>
+          </p:cNvPicPr>
+          <p:nvPr/>
+        </p:nvPicPr>
+        <p:blipFill rotWithShape="1">
+          <a:blip r:embed="rId2">
+            <a:extLst>
+              <a:ext uri="{28A0092B-C50C-407E-A947-70E740481C1C}">
+                <a14:useLocalDpi xmlns:a14="http://schemas.microsoft.com/office/drawing/2010/main" val="0"/>
+              </a:ext>
+            </a:extLst>
+          </a:blip>
+          <a:srcRect l="25830" r="22829"/>
+          <a:stretch/>
+        </p:blipFill>
+        <p:spPr>
+          <a:xfrm>
+            <a:off x="1183017" y="1916318"/>
+            <a:ext cx="2376058" cy="3471012"/>
+          </a:xfrm>
+          <a:prstGeom prst="rect">
+            <a:avLst/>
+          </a:prstGeom>
+        </p:spPr>
+      </p:pic>
+      <p:pic>
+        <p:nvPicPr>
+          <p:cNvPr id="9" name="图片 8">
+            <a:extLst>
+              <a:ext uri="{FF2B5EF4-FFF2-40B4-BE49-F238E27FC236}">
+                <a16:creationId xmlns:a16="http://schemas.microsoft.com/office/drawing/2014/main" id="{1D296A12-4F9A-4587-A049-549D640A5D33}"/>
+              </a:ext>
+            </a:extLst>
+          </p:cNvPr>
+          <p:cNvPicPr>
+            <a:picLocks noChangeAspect="1"/>
+          </p:cNvPicPr>
+          <p:nvPr/>
+        </p:nvPicPr>
+        <p:blipFill rotWithShape="1">
+          <a:blip r:embed="rId3">
+            <a:extLst>
+              <a:ext uri="{28A0092B-C50C-407E-A947-70E740481C1C}">
+                <a14:useLocalDpi xmlns:a14="http://schemas.microsoft.com/office/drawing/2010/main" val="0"/>
+              </a:ext>
+            </a:extLst>
+          </a:blip>
+          <a:srcRect l="25955" r="22704"/>
+          <a:stretch/>
+        </p:blipFill>
+        <p:spPr>
+          <a:xfrm>
+            <a:off x="3719942" y="1916318"/>
+            <a:ext cx="2376057" cy="3471012"/>
+          </a:xfrm>
+          <a:prstGeom prst="rect">
+            <a:avLst/>
+          </a:prstGeom>
+        </p:spPr>
+      </p:pic>
+      <mc:AlternateContent xmlns:mc="http://schemas.openxmlformats.org/markup-compatibility/2006">
+        <mc:Choice xmlns:a14="http://schemas.microsoft.com/office/drawing/2010/main" Requires="a14">
           <p:sp>
             <p:nvSpPr>
               <p:cNvPr id="3" name="内容占位符 2">
@@ -17280,28 +14973,33 @@
                 <p:ph idx="1"/>
               </p:nvPr>
             </p:nvSpPr>
-            <p:spPr/>
+            <p:spPr>
+              <a:xfrm>
+                <a:off x="6351639" y="2143100"/>
+                <a:ext cx="4804041" cy="4023360"/>
+              </a:xfrm>
+            </p:spPr>
             <p:txBody>
-              <a:bodyPr vert="horz" lIns="0" tIns="45720" rIns="0" bIns="45720" rtlCol="0" anchor="t">
+              <a:bodyPr vert="horz" lIns="0" tIns="45720" rIns="0" bIns="45720" rtlCol="0">
                 <a:normAutofit/>
               </a:bodyPr>
               <a:lstStyle/>
               <a:p>
                 <a:r>
-                  <a:rPr lang="zh-CN" altLang="en-US">
+                  <a:rPr lang="zh-CN" altLang="en-US" dirty="0">
                     <a:latin typeface="微软雅黑"/>
                     <a:ea typeface="微软雅黑"/>
                   </a:rPr>
                   <a:t>SVD分解实现压缩：</a:t>
                 </a:r>
-                <a:endParaRPr lang="en-US" altLang="zh-CN">
+                <a:endParaRPr lang="en-US" altLang="zh-CN" dirty="0">
                   <a:latin typeface="微软雅黑"/>
                   <a:ea typeface="微软雅黑"/>
                 </a:endParaRPr>
               </a:p>
               <a:p>
                 <a:r>
-                  <a:rPr lang="en-US" altLang="zh-CN">
+                  <a:rPr lang="en-US" altLang="zh-CN" dirty="0">
                     <a:latin typeface="微软雅黑"/>
                     <a:ea typeface="微软雅黑"/>
                   </a:rPr>
@@ -17370,38 +15068,38 @@
                     </m:sSup>
                   </m:oMath>
                 </a14:m>
-                <a:endParaRPr lang="zh-CN"/>
+                <a:endParaRPr lang="zh-CN" dirty="0"/>
               </a:p>
               <a:p>
                 <a:r>
-                  <a:rPr lang="zh-CN" altLang="en-US">
+                  <a:rPr lang="zh-CN" altLang="en-US" dirty="0">
                     <a:latin typeface="微软雅黑"/>
                     <a:ea typeface="微软雅黑"/>
                   </a:rPr>
                   <a:t>    前面求得的</a:t>
                 </a:r>
                 <a:r>
-                  <a:rPr lang="en-US" altLang="zh-CN">
+                  <a:rPr lang="en-US" altLang="zh-CN" dirty="0">
                     <a:latin typeface="微软雅黑"/>
                     <a:ea typeface="微软雅黑"/>
                   </a:rPr>
                   <a:t>U1 = U</a:t>
                 </a:r>
                 <a:r>
-                  <a:rPr lang="el-GR" altLang="zh-CN">
+                  <a:rPr lang="el-GR" altLang="zh-CN" dirty="0">
                     <a:latin typeface="微软雅黑"/>
                     <a:ea typeface="微软雅黑"/>
                   </a:rPr>
                   <a:t>Σ</a:t>
                 </a:r>
-                <a:endParaRPr lang="en-US" altLang="zh-CN">
+                <a:endParaRPr lang="en-US" altLang="zh-CN" dirty="0">
                   <a:latin typeface="微软雅黑"/>
                   <a:ea typeface="微软雅黑"/>
                 </a:endParaRPr>
               </a:p>
               <a:p>
                 <a:r>
-                  <a:rPr lang="en-US" altLang="zh-CN">
+                  <a:rPr lang="en-US" altLang="zh-CN" dirty="0">
                     <a:latin typeface="微软雅黑"/>
                     <a:ea typeface="微软雅黑"/>
                     <a:cs typeface="+mn-lt"/>
@@ -17409,30 +15107,58 @@
                   <a:t>    </a:t>
                 </a:r>
                 <a:r>
-                  <a:rPr lang="zh-CN">
+                  <a:rPr lang="zh-CN" dirty="0">
                     <a:ea typeface="+mn-lt"/>
                     <a:cs typeface="+mn-lt"/>
                   </a:rPr>
                   <a:t>A3 = U</a:t>
                 </a:r>
                 <a:r>
-                  <a:rPr lang="en-US" altLang="zh-CN">
+                  <a:rPr lang="en-US" altLang="zh-CN" dirty="0">
                     <a:ea typeface="+mn-lt"/>
                     <a:cs typeface="+mn-lt"/>
                   </a:rPr>
                   <a:t>1</a:t>
                 </a:r>
                 <a:r>
+                  <a:rPr lang="zh-CN" dirty="0">
+                    <a:ea typeface="+mn-lt"/>
+                    <a:cs typeface="+mn-lt"/>
+                  </a:rPr>
+                  <a:t>(:, 1:i)*Vs</a:t>
+                </a:r>
+                <a:r>
+                  <a:rPr lang="zh-CN" altLang="en-US" dirty="0">
+                    <a:ea typeface="+mn-lt"/>
+                    <a:cs typeface="+mn-lt"/>
+                  </a:rPr>
+                  <a:t>‘</a:t>
+                </a:r>
+                <a:r>
+                  <a:rPr lang="zh-CN" dirty="0">
+                    <a:ea typeface="+mn-lt"/>
+                    <a:cs typeface="+mn-lt"/>
+                  </a:rPr>
+                  <a:t>(1:i, :)+mean(A); %im</a:t>
+                </a:r>
+                <a:r>
+                  <a:rPr lang="en-US" altLang="zh-CN">
+                    <a:ea typeface="+mn-lt"/>
+                    <a:cs typeface="+mn-lt"/>
+                  </a:rPr>
+                  <a:t>a</a:t>
+                </a:r>
+                <a:r>
                   <a:rPr lang="zh-CN">
                     <a:ea typeface="+mn-lt"/>
                     <a:cs typeface="+mn-lt"/>
                   </a:rPr>
-                  <a:t>(:, 1:i)*Vs1(1:i, :)+mean(A); %imgaes after compression</a:t>
+                  <a:t>ges after compression</a:t>
                 </a:r>
               </a:p>
               <a:p>
                 <a:r>
-                  <a:rPr lang="zh-CN" altLang="en-US">
+                  <a:rPr lang="zh-CN" altLang="en-US" dirty="0">
                     <a:ea typeface="+mn-lt"/>
                     <a:cs typeface="+mn-lt"/>
                   </a:rPr>
@@ -17442,7 +15168,7 @@
             </p:txBody>
           </p:sp>
         </mc:Choice>
-        <mc:Fallback xmlns="">
+        <mc:Fallback>
           <p:sp>
             <p:nvSpPr>
               <p:cNvPr id="3" name="内容占位符 2">
@@ -17460,10 +15186,14 @@
               </p:nvPr>
             </p:nvSpPr>
             <p:spPr>
+              <a:xfrm>
+                <a:off x="6351639" y="2143100"/>
+                <a:ext cx="4804041" cy="4023360"/>
+              </a:xfrm>
               <a:blipFill>
-                <a:blip r:embed="rId2"/>
+                <a:blip r:embed="rId4"/>
                 <a:stretch>
-                  <a:fillRect l="-606" t="-1667"/>
+                  <a:fillRect l="-1396" t="-1667"/>
                 </a:stretch>
               </a:blipFill>
             </p:spPr>
@@ -17472,7 +15202,7 @@
               <a:lstStyle/>
               <a:p>
                 <a:r>
-                  <a:rPr lang="en-US">
+                  <a:rPr lang="zh-CN" altLang="en-US">
                     <a:noFill/>
                   </a:rPr>
                   <a:t> </a:t>
@@ -17482,78 +15212,6 @@
           </p:sp>
         </mc:Fallback>
       </mc:AlternateContent>
-      <p:pic>
-        <p:nvPicPr>
-          <p:cNvPr id="7" name="图片 6">
-            <a:extLst>
-              <a:ext uri="{FF2B5EF4-FFF2-40B4-BE49-F238E27FC236}">
-                <a16:creationId xmlns:a16="http://schemas.microsoft.com/office/drawing/2014/main" id="{FC4F2CCA-C354-4CE7-A54B-20E9D6483BDF}"/>
-              </a:ext>
-            </a:extLst>
-          </p:cNvPr>
-          <p:cNvPicPr>
-            <a:picLocks noChangeAspect="1"/>
-          </p:cNvPicPr>
-          <p:nvPr/>
-        </p:nvPicPr>
-        <p:blipFill>
-          <a:blip r:embed="rId3">
-            <a:extLst>
-              <a:ext uri="{28A0092B-C50C-407E-A947-70E740481C1C}">
-                <a14:useLocalDpi xmlns:a14="http://schemas.microsoft.com/office/drawing/2010/main" val="0"/>
-              </a:ext>
-            </a:extLst>
-          </a:blip>
-          <a:stretch>
-            <a:fillRect/>
-          </a:stretch>
-        </p:blipFill>
-        <p:spPr>
-          <a:xfrm>
-            <a:off x="1537487" y="3768866"/>
-            <a:ext cx="3190958" cy="2393218"/>
-          </a:xfrm>
-          <a:prstGeom prst="rect">
-            <a:avLst/>
-          </a:prstGeom>
-        </p:spPr>
-      </p:pic>
-      <p:pic>
-        <p:nvPicPr>
-          <p:cNvPr id="9" name="图片 8">
-            <a:extLst>
-              <a:ext uri="{FF2B5EF4-FFF2-40B4-BE49-F238E27FC236}">
-                <a16:creationId xmlns:a16="http://schemas.microsoft.com/office/drawing/2014/main" id="{1D296A12-4F9A-4587-A049-549D640A5D33}"/>
-              </a:ext>
-            </a:extLst>
-          </p:cNvPr>
-          <p:cNvPicPr>
-            <a:picLocks noChangeAspect="1"/>
-          </p:cNvPicPr>
-          <p:nvPr/>
-        </p:nvPicPr>
-        <p:blipFill>
-          <a:blip r:embed="rId4">
-            <a:extLst>
-              <a:ext uri="{28A0092B-C50C-407E-A947-70E740481C1C}">
-                <a14:useLocalDpi xmlns:a14="http://schemas.microsoft.com/office/drawing/2010/main" val="0"/>
-              </a:ext>
-            </a:extLst>
-          </a:blip>
-          <a:stretch>
-            <a:fillRect/>
-          </a:stretch>
-        </p:blipFill>
-        <p:spPr>
-          <a:xfrm>
-            <a:off x="5106073" y="3768864"/>
-            <a:ext cx="3190957" cy="2393217"/>
-          </a:xfrm>
-          <a:prstGeom prst="rect">
-            <a:avLst/>
-          </a:prstGeom>
-        </p:spPr>
-      </p:pic>
     </p:spTree>
     <p:extLst>
       <p:ext uri="{BB962C8B-B14F-4D97-AF65-F5344CB8AC3E}">
@@ -17567,9 +15225,17 @@
 </p:sld>
 </file>
 
-<file path=ppt/slides/slide8.xml><?xml version="1.0" encoding="utf-8"?>
+<file path=ppt/slides/slide7.xml><?xml version="1.0" encoding="utf-8"?>
 <p:sld xmlns:a="http://schemas.openxmlformats.org/drawingml/2006/main" xmlns:r="http://schemas.openxmlformats.org/officeDocument/2006/relationships" xmlns:p="http://schemas.openxmlformats.org/presentationml/2006/main">
   <p:cSld>
+    <p:bg>
+      <p:bgPr>
+        <a:solidFill>
+          <a:schemeClr val="bg1"/>
+        </a:solidFill>
+        <a:effectLst/>
+      </p:bgPr>
+    </p:bg>
     <p:spTree>
       <p:nvGrpSpPr>
         <p:cNvPr id="1" name=""/>
@@ -17600,9 +15266,16 @@
             <p:ph type="title"/>
           </p:nvPr>
         </p:nvSpPr>
-        <p:spPr/>
+        <p:spPr>
+          <a:xfrm>
+            <a:off x="1097280" y="286603"/>
+            <a:ext cx="10058400" cy="1450757"/>
+          </a:xfrm>
+        </p:spPr>
         <p:txBody>
-          <a:bodyPr/>
+          <a:bodyPr>
+            <a:normAutofit/>
+          </a:bodyPr>
           <a:lstStyle/>
           <a:p>
             <a:r>
@@ -17628,6 +15301,52 @@
           </a:p>
         </p:txBody>
       </p:sp>
+      <p:pic>
+        <p:nvPicPr>
+          <p:cNvPr id="1026" name="Picture 2">
+            <a:extLst>
+              <a:ext uri="{FF2B5EF4-FFF2-40B4-BE49-F238E27FC236}">
+                <a16:creationId xmlns:a16="http://schemas.microsoft.com/office/drawing/2014/main" id="{92A1C0D1-2EC7-4EEE-A416-1B850C6F44AB}"/>
+              </a:ext>
+            </a:extLst>
+          </p:cNvPr>
+          <p:cNvPicPr>
+            <a:picLocks noChangeAspect="1" noChangeArrowheads="1"/>
+          </p:cNvPicPr>
+          <p:nvPr/>
+        </p:nvPicPr>
+        <p:blipFill>
+          <a:blip r:embed="rId2">
+            <a:extLst>
+              <a:ext uri="{28A0092B-C50C-407E-A947-70E740481C1C}">
+                <a14:useLocalDpi xmlns:a14="http://schemas.microsoft.com/office/drawing/2010/main" val="0"/>
+              </a:ext>
+            </a:extLst>
+          </a:blip>
+          <a:stretch>
+            <a:fillRect/>
+          </a:stretch>
+        </p:blipFill>
+        <p:spPr bwMode="auto">
+          <a:xfrm>
+            <a:off x="1076432" y="2252041"/>
+            <a:ext cx="3094997" cy="2799565"/>
+          </a:xfrm>
+          <a:prstGeom prst="rect">
+            <a:avLst/>
+          </a:prstGeom>
+          <a:noFill/>
+          <a:extLst>
+            <a:ext uri="{909E8E84-426E-40DD-AFC4-6F175D3DCCD1}">
+              <a14:hiddenFill xmlns:a14="http://schemas.microsoft.com/office/drawing/2010/main">
+                <a:solidFill>
+                  <a:srgbClr val="FFFFFF"/>
+                </a:solidFill>
+              </a14:hiddenFill>
+            </a:ext>
+          </a:extLst>
+        </p:spPr>
+      </p:pic>
       <p:sp>
         <p:nvSpPr>
           <p:cNvPr id="3" name="Content Placeholder 2">
@@ -17646,8 +15365,8 @@
         </p:nvSpPr>
         <p:spPr>
           <a:xfrm>
-            <a:off x="1097280" y="2080403"/>
-            <a:ext cx="7140412" cy="4023360"/>
+            <a:off x="4639733" y="2031588"/>
+            <a:ext cx="6515947" cy="4023360"/>
           </a:xfrm>
         </p:spPr>
         <p:txBody>
@@ -17656,25 +15375,90 @@
           </a:bodyPr>
           <a:lstStyle/>
           <a:p>
-            <a:endParaRPr lang="en-GB" altLang="zh-CN">
-              <a:latin typeface="微软雅黑"/>
+            <a:pPr>
+              <a:lnSpc>
+                <a:spcPct val="100000"/>
+              </a:lnSpc>
+            </a:pPr>
+            <a:r>
+              <a:rPr lang="zh-CN" altLang="en-GB">
+                <a:ea typeface="+mn-lt"/>
+                <a:cs typeface="+mn-lt"/>
+              </a:rPr>
+              <a:t>在模式识别领域中，最近邻居法</a:t>
+            </a:r>
+            <a:r>
+              <a:rPr lang="en-GB">
+                <a:ea typeface="+mn-lt"/>
+                <a:cs typeface="+mn-lt"/>
+              </a:rPr>
+              <a:t>（KNN</a:t>
+            </a:r>
+            <a:r>
+              <a:rPr lang="zh-CN" altLang="en-GB">
+                <a:ea typeface="+mn-lt"/>
+                <a:cs typeface="+mn-lt"/>
+              </a:rPr>
+              <a:t>算法，又译</a:t>
+            </a:r>
+            <a:r>
+              <a:rPr lang="en-GB">
+                <a:ea typeface="+mn-lt"/>
+                <a:cs typeface="+mn-lt"/>
+              </a:rPr>
+              <a:t>K-</a:t>
+            </a:r>
+            <a:r>
+              <a:rPr lang="zh-CN" altLang="en-GB">
+                <a:ea typeface="+mn-lt"/>
+                <a:cs typeface="+mn-lt"/>
+              </a:rPr>
+              <a:t>近邻算法）是一种用于分类和回归的非参数统计方法。在这两种情况下，输入包含特征空间</a:t>
+            </a:r>
+            <a:r>
+              <a:rPr lang="en-GB">
+                <a:ea typeface="+mn-lt"/>
+                <a:cs typeface="+mn-lt"/>
+              </a:rPr>
+              <a:t>（Feature Space</a:t>
+            </a:r>
+            <a:r>
+              <a:rPr lang="zh-CN" altLang="en-GB">
+                <a:ea typeface="+mn-lt"/>
+                <a:cs typeface="+mn-lt"/>
+              </a:rPr>
+              <a:t>）中的</a:t>
+            </a:r>
+            <a:r>
+              <a:rPr lang="en-GB">
+                <a:ea typeface="+mn-lt"/>
+                <a:cs typeface="+mn-lt"/>
+              </a:rPr>
+              <a:t>k</a:t>
+            </a:r>
+            <a:r>
+              <a:rPr lang="zh-CN" altLang="en-GB">
+                <a:ea typeface="+mn-lt"/>
+                <a:cs typeface="+mn-lt"/>
+              </a:rPr>
+              <a:t>个最接近的训练样本</a:t>
+            </a:r>
+            <a:r>
+              <a:rPr lang="en-GB">
+                <a:ea typeface="+mn-lt"/>
+                <a:cs typeface="+mn-lt"/>
+              </a:rPr>
+              <a:t>。</a:t>
+            </a:r>
+            <a:endParaRPr lang="en-GB">
+              <a:latin typeface="Calibri"/>
               <a:ea typeface="微软雅黑"/>
               <a:cs typeface="Calibri"/>
             </a:endParaRPr>
           </a:p>
           <a:p>
-            <a:endParaRPr lang="en-GB" altLang="zh-CN">
-              <a:latin typeface="微软雅黑"/>
-              <a:ea typeface="微软雅黑"/>
-              <a:cs typeface="Calibri"/>
-            </a:endParaRPr>
-          </a:p>
-          <a:p>
-            <a:pPr marL="0" indent="0">
-              <a:buNone/>
-            </a:pPr>
-            <a:endParaRPr lang="en-GB" altLang="zh-CN">
-              <a:latin typeface="微软雅黑"/>
+            <a:endParaRPr lang="en-GB">
+              <a:latin typeface="Calibri"/>
               <a:ea typeface="微软雅黑"/>
               <a:cs typeface="Calibri"/>
             </a:endParaRPr>
@@ -17694,7 +15478,7 @@
                 <a:ea typeface="微软雅黑"/>
                 <a:cs typeface="Calibri"/>
               </a:rPr>
-              <a:t>的简单例子如右图。</a:t>
+              <a:t>的简单例子如图。</a:t>
             </a:r>
             <a:endParaRPr lang="zh-CN" altLang="en-GB">
               <a:latin typeface="微软雅黑"/>
@@ -17749,82 +15533,6 @@
           </a:p>
         </p:txBody>
       </p:sp>
-      <p:pic>
-        <p:nvPicPr>
-          <p:cNvPr id="5" name="图片 4">
-            <a:extLst>
-              <a:ext uri="{FF2B5EF4-FFF2-40B4-BE49-F238E27FC236}">
-                <a16:creationId xmlns:a16="http://schemas.microsoft.com/office/drawing/2014/main" id="{0B4C0518-68EB-43BB-BD4F-EBADBC468AC4}"/>
-              </a:ext>
-            </a:extLst>
-          </p:cNvPr>
-          <p:cNvPicPr>
-            <a:picLocks noChangeAspect="1"/>
-          </p:cNvPicPr>
-          <p:nvPr/>
-        </p:nvPicPr>
-        <p:blipFill rotWithShape="1">
-          <a:blip r:embed="rId2"/>
-          <a:srcRect b="57077"/>
-          <a:stretch/>
-        </p:blipFill>
-        <p:spPr>
-          <a:xfrm>
-            <a:off x="1097280" y="1973183"/>
-            <a:ext cx="8127737" cy="1091675"/>
-          </a:xfrm>
-          <a:prstGeom prst="rect">
-            <a:avLst/>
-          </a:prstGeom>
-        </p:spPr>
-      </p:pic>
-      <p:pic>
-        <p:nvPicPr>
-          <p:cNvPr id="1026" name="Picture 2">
-            <a:extLst>
-              <a:ext uri="{FF2B5EF4-FFF2-40B4-BE49-F238E27FC236}">
-                <a16:creationId xmlns:a16="http://schemas.microsoft.com/office/drawing/2014/main" id="{92A1C0D1-2EC7-4EEE-A416-1B850C6F44AB}"/>
-              </a:ext>
-            </a:extLst>
-          </p:cNvPr>
-          <p:cNvPicPr>
-            <a:picLocks noChangeAspect="1" noChangeArrowheads="1"/>
-          </p:cNvPicPr>
-          <p:nvPr/>
-        </p:nvPicPr>
-        <p:blipFill>
-          <a:blip r:embed="rId3">
-            <a:extLst>
-              <a:ext uri="{28A0092B-C50C-407E-A947-70E740481C1C}">
-                <a14:useLocalDpi xmlns:a14="http://schemas.microsoft.com/office/drawing/2010/main" val="0"/>
-              </a:ext>
-            </a:extLst>
-          </a:blip>
-          <a:srcRect/>
-          <a:stretch>
-            <a:fillRect/>
-          </a:stretch>
-        </p:blipFill>
-        <p:spPr bwMode="auto">
-          <a:xfrm>
-            <a:off x="8859599" y="3324957"/>
-            <a:ext cx="2095500" cy="1895475"/>
-          </a:xfrm>
-          <a:prstGeom prst="rect">
-            <a:avLst/>
-          </a:prstGeom>
-          <a:noFill/>
-          <a:extLst>
-            <a:ext uri="{909E8E84-426E-40DD-AFC4-6F175D3DCCD1}">
-              <a14:hiddenFill xmlns:a14="http://schemas.microsoft.com/office/drawing/2010/main">
-                <a:solidFill>
-                  <a:srgbClr val="FFFFFF"/>
-                </a:solidFill>
-              </a14:hiddenFill>
-            </a:ext>
-          </a:extLst>
-        </p:spPr>
-      </p:pic>
     </p:spTree>
     <p:extLst>
       <p:ext uri="{BB962C8B-B14F-4D97-AF65-F5344CB8AC3E}">
@@ -17838,7 +15546,7 @@
 </p:sld>
 </file>
 
-<file path=ppt/slides/slide9.xml><?xml version="1.0" encoding="utf-8"?>
+<file path=ppt/slides/slide8.xml><?xml version="1.0" encoding="utf-8"?>
 <p:sld xmlns:a="http://schemas.openxmlformats.org/drawingml/2006/main" xmlns:r="http://schemas.openxmlformats.org/officeDocument/2006/relationships" xmlns:p="http://schemas.openxmlformats.org/presentationml/2006/main">
   <p:cSld>
     <p:spTree>
@@ -17920,10 +15628,15 @@
             <p:ph idx="1"/>
           </p:nvPr>
         </p:nvSpPr>
-        <p:spPr/>
+        <p:spPr>
+          <a:xfrm>
+            <a:off x="1097280" y="1938661"/>
+            <a:ext cx="10058400" cy="4023360"/>
+          </a:xfrm>
+        </p:spPr>
         <p:txBody>
           <a:bodyPr vert="horz" lIns="0" tIns="45720" rIns="0" bIns="45720" rtlCol="0" anchor="t">
-            <a:normAutofit/>
+            <a:normAutofit lnSpcReduction="10000"/>
           </a:bodyPr>
           <a:lstStyle/>
           <a:p>
@@ -18024,14 +15737,14 @@
           </a:p>
           <a:p>
             <a:r>
-              <a:rPr lang="zh-CN" altLang="en-US">
+              <a:rPr lang="zh-CN" altLang="en-US" b="1">
                 <a:latin typeface="微软雅黑"/>
                 <a:ea typeface="微软雅黑"/>
                 <a:cs typeface="Calibri"/>
               </a:rPr>
               <a:t>问题：使用何数据作为数据集中每张照片的坐标？</a:t>
             </a:r>
-            <a:endParaRPr lang="en-US" altLang="zh-CN">
+            <a:endParaRPr lang="en-US" altLang="zh-CN" b="1">
               <a:latin typeface="微软雅黑"/>
               <a:ea typeface="微软雅黑"/>
               <a:cs typeface="Calibri"/>
@@ -18059,7 +15772,71 @@
                 <a:ea typeface="Microsoft YaHei"/>
                 <a:cs typeface="Calibri"/>
               </a:rPr>
-              <a:t>对于数据集照片，回归方程的解已经存储在</a:t>
+              <a:t>根据</a:t>
+            </a:r>
+            <a:r>
+              <a:rPr lang="en-US" altLang="zh-CN">
+                <a:latin typeface="Microsoft YaHei"/>
+                <a:ea typeface="Microsoft YaHei"/>
+                <a:cs typeface="Calibri"/>
+              </a:rPr>
+              <a:t>PCA</a:t>
+            </a:r>
+            <a:r>
+              <a:rPr lang="zh-CN">
+                <a:latin typeface="Microsoft YaHei"/>
+                <a:ea typeface="Microsoft YaHei"/>
+                <a:cs typeface="Calibri"/>
+              </a:rPr>
+              <a:t>的原理，每一张照片</a:t>
+            </a:r>
+            <a:r>
+              <a:rPr lang="zh-CN" altLang="en-US">
+                <a:latin typeface="Microsoft YaHei"/>
+                <a:ea typeface="Microsoft YaHei"/>
+                <a:cs typeface="Calibri"/>
+              </a:rPr>
+              <a:t>都应是特征脸的线性组合。因此，</a:t>
+            </a:r>
+            <a:r>
+              <a:rPr lang="zh-CN">
+                <a:latin typeface="Microsoft YaHei"/>
+                <a:ea typeface="Microsoft YaHei"/>
+                <a:cs typeface="Calibri"/>
+              </a:rPr>
+              <a:t>对于数据集照片，</a:t>
+            </a:r>
+            <a:r>
+              <a:rPr lang="zh-CN" altLang="en-US">
+                <a:latin typeface="Microsoft YaHei"/>
+                <a:ea typeface="Microsoft YaHei"/>
+                <a:cs typeface="Calibri"/>
+              </a:rPr>
+              <a:t>我们需要的坐标</a:t>
+            </a:r>
+            <a:r>
+              <a:rPr lang="zh-CN">
+                <a:latin typeface="Microsoft YaHei"/>
+                <a:ea typeface="Microsoft YaHei"/>
+                <a:cs typeface="Calibri"/>
+              </a:rPr>
+              <a:t>已经</a:t>
+            </a:r>
+            <a:r>
+              <a:rPr lang="zh-CN" altLang="en-US">
+                <a:latin typeface="Microsoft YaHei"/>
+                <a:ea typeface="Microsoft YaHei"/>
+                <a:cs typeface="Calibri"/>
+              </a:rPr>
+              <a:t>存储在</a:t>
+            </a:r>
+            <a:r>
+              <a:rPr lang="zh-CN">
+                <a:latin typeface="Microsoft YaHei"/>
+                <a:ea typeface="Microsoft YaHei"/>
+                <a:cs typeface="Calibri"/>
+              </a:rPr>
+              <a:t>存储在</a:t>
             </a:r>
             <a:r>
               <a:rPr lang="en-US">
@@ -18092,7 +15869,7 @@
           </a:p>
           <a:p>
             <a:r>
-              <a:rPr lang="en-GB" altLang="zh-CN" err="1">
+              <a:rPr lang="en-GB" altLang="zh-CN" b="1" err="1">
                 <a:latin typeface="Calibri"/>
                 <a:ea typeface="微软雅黑"/>
                 <a:cs typeface="Calibri"/>
@@ -18100,7 +15877,7 @@
               <a:t>问题</a:t>
             </a:r>
             <a:r>
-              <a:rPr lang="en-GB" altLang="zh-CN">
+              <a:rPr lang="en-GB" altLang="zh-CN" b="1">
                 <a:latin typeface="Calibri"/>
                 <a:ea typeface="微软雅黑"/>
                 <a:cs typeface="Calibri"/>
@@ -18108,7 +15885,7 @@
               <a:t>：</a:t>
             </a:r>
             <a:r>
-              <a:rPr lang="zh-CN" altLang="en-US">
+              <a:rPr lang="zh-CN" altLang="en-US" b="1">
                 <a:latin typeface="Microsoft YaHei"/>
                 <a:ea typeface="Microsoft YaHei"/>
                 <a:cs typeface="Calibri"/>
@@ -18217,6 +15994,577 @@
     <p:extLst>
       <p:ext uri="{BB962C8B-B14F-4D97-AF65-F5344CB8AC3E}">
         <p14:creationId xmlns:p14="http://schemas.microsoft.com/office/powerpoint/2010/main" val="71501487"/>
+      </p:ext>
+    </p:extLst>
+  </p:cSld>
+  <p:clrMapOvr>
+    <a:masterClrMapping/>
+  </p:clrMapOvr>
+</p:sld>
+</file>
+
+<file path=ppt/slides/slide9.xml><?xml version="1.0" encoding="utf-8"?>
+<p:sld xmlns:a="http://schemas.openxmlformats.org/drawingml/2006/main" xmlns:r="http://schemas.openxmlformats.org/officeDocument/2006/relationships" xmlns:p="http://schemas.openxmlformats.org/presentationml/2006/main">
+  <p:cSld>
+    <p:spTree>
+      <p:nvGrpSpPr>
+        <p:cNvPr id="1" name=""/>
+        <p:cNvGrpSpPr/>
+        <p:nvPr/>
+      </p:nvGrpSpPr>
+      <p:grpSpPr>
+        <a:xfrm>
+          <a:off x="0" y="0"/>
+          <a:ext cx="0" cy="0"/>
+          <a:chOff x="0" y="0"/>
+          <a:chExt cx="0" cy="0"/>
+        </a:xfrm>
+      </p:grpSpPr>
+      <p:sp>
+        <p:nvSpPr>
+          <p:cNvPr id="2" name="Title 1">
+            <a:extLst>
+              <a:ext uri="{FF2B5EF4-FFF2-40B4-BE49-F238E27FC236}">
+                <a16:creationId xmlns:a16="http://schemas.microsoft.com/office/drawing/2014/main" id="{23968D9C-BDD4-4621-B769-EE769DBDC4BE}"/>
+              </a:ext>
+            </a:extLst>
+          </p:cNvPr>
+          <p:cNvSpPr>
+            <a:spLocks noGrp="1"/>
+          </p:cNvSpPr>
+          <p:nvPr>
+            <p:ph type="title"/>
+          </p:nvPr>
+        </p:nvSpPr>
+        <p:spPr/>
+        <p:txBody>
+          <a:bodyPr/>
+          <a:lstStyle/>
+          <a:p>
+            <a:r>
+              <a:rPr lang="ja-JP" altLang="en-GB">
+                <a:latin typeface="微软雅黑"/>
+                <a:ea typeface="微软雅黑"/>
+                <a:cs typeface="Calibri Light"/>
+              </a:rPr>
+              <a:t>结果展示与讨论 - 特征值</a:t>
+            </a:r>
+            <a:endParaRPr lang="en-GB">
+              <a:latin typeface="微软雅黑"/>
+              <a:ea typeface="微软雅黑"/>
+            </a:endParaRPr>
+          </a:p>
+        </p:txBody>
+      </p:sp>
+      <p:graphicFrame>
+        <p:nvGraphicFramePr>
+          <p:cNvPr id="4" name="表格 4">
+            <a:extLst>
+              <a:ext uri="{FF2B5EF4-FFF2-40B4-BE49-F238E27FC236}">
+                <a16:creationId xmlns:a16="http://schemas.microsoft.com/office/drawing/2014/main" id="{ED9188B6-B228-4C5C-8443-0DA78C6CB452}"/>
+              </a:ext>
+            </a:extLst>
+          </p:cNvPr>
+          <p:cNvGraphicFramePr>
+            <a:graphicFrameLocks noGrp="1"/>
+          </p:cNvGraphicFramePr>
+          <p:nvPr>
+            <p:extLst>
+              <p:ext uri="{D42A27DB-BD31-4B8C-83A1-F6EECF244321}">
+                <p14:modId xmlns:p14="http://schemas.microsoft.com/office/powerpoint/2010/main" val="2031922172"/>
+              </p:ext>
+            </p:extLst>
+          </p:nvPr>
+        </p:nvGraphicFramePr>
+        <p:xfrm>
+          <a:off x="1158488" y="2214370"/>
+          <a:ext cx="4095969" cy="3677920"/>
+        </p:xfrm>
+        <a:graphic>
+          <a:graphicData uri="http://schemas.openxmlformats.org/drawingml/2006/table">
+            <a:tbl>
+              <a:tblPr firstRow="1" bandRow="1">
+                <a:tableStyleId>{5C22544A-7EE6-4342-B048-85BDC9FD1C3A}</a:tableStyleId>
+              </a:tblPr>
+              <a:tblGrid>
+                <a:gridCol w="2499731">
+                  <a:extLst>
+                    <a:ext uri="{9D8B030D-6E8A-4147-A177-3AD203B41FA5}">
+                      <a16:colId xmlns:a16="http://schemas.microsoft.com/office/drawing/2014/main" val="1186702831"/>
+                    </a:ext>
+                  </a:extLst>
+                </a:gridCol>
+                <a:gridCol w="1596238">
+                  <a:extLst>
+                    <a:ext uri="{9D8B030D-6E8A-4147-A177-3AD203B41FA5}">
+                      <a16:colId xmlns:a16="http://schemas.microsoft.com/office/drawing/2014/main" val="1018640390"/>
+                    </a:ext>
+                  </a:extLst>
+                </a:gridCol>
+              </a:tblGrid>
+              <a:tr h="370840">
+                <a:tc>
+                  <a:txBody>
+                    <a:bodyPr/>
+                    <a:lstStyle/>
+                    <a:p>
+                      <a:pPr algn="ctr"/>
+                      <a:r>
+                        <a:rPr lang="zh-CN" altLang="en-US"/>
+                        <a:t>特征值解释的协方差%</a:t>
+                      </a:r>
+                    </a:p>
+                  </a:txBody>
+                  <a:tcPr/>
+                </a:tc>
+                <a:tc>
+                  <a:txBody>
+                    <a:bodyPr/>
+                    <a:lstStyle/>
+                    <a:p>
+                      <a:pPr algn="ctr"/>
+                      <a:r>
+                        <a:rPr lang="zh-CN" altLang="en-US"/>
+                        <a:t>正确率</a:t>
+                      </a:r>
+                    </a:p>
+                  </a:txBody>
+                  <a:tcPr/>
+                </a:tc>
+                <a:extLst>
+                  <a:ext uri="{0D108BD9-81ED-4DB2-BD59-A6C34878D82A}">
+                    <a16:rowId xmlns:a16="http://schemas.microsoft.com/office/drawing/2014/main" val="815035192"/>
+                  </a:ext>
+                </a:extLst>
+              </a:tr>
+              <a:tr h="370840">
+                <a:tc>
+                  <a:txBody>
+                    <a:bodyPr/>
+                    <a:lstStyle/>
+                    <a:p>
+                      <a:pPr algn="ctr"/>
+                      <a:r>
+                        <a:rPr lang="en-US" altLang="zh-CN"/>
+                        <a:t>98%</a:t>
+                      </a:r>
+                      <a:endParaRPr lang="zh-CN" altLang="en-US"/>
+                    </a:p>
+                  </a:txBody>
+                  <a:tcPr/>
+                </a:tc>
+                <a:tc>
+                  <a:txBody>
+                    <a:bodyPr/>
+                    <a:lstStyle/>
+                    <a:p>
+                      <a:pPr algn="ctr"/>
+                      <a:r>
+                        <a:rPr lang="en-US" altLang="zh-CN"/>
+                        <a:t>45.21%</a:t>
+                      </a:r>
+                      <a:endParaRPr lang="zh-CN" altLang="en-US"/>
+                    </a:p>
+                  </a:txBody>
+                  <a:tcPr/>
+                </a:tc>
+                <a:extLst>
+                  <a:ext uri="{0D108BD9-81ED-4DB2-BD59-A6C34878D82A}">
+                    <a16:rowId xmlns:a16="http://schemas.microsoft.com/office/drawing/2014/main" val="773171758"/>
+                  </a:ext>
+                </a:extLst>
+              </a:tr>
+              <a:tr h="370840">
+                <a:tc>
+                  <a:txBody>
+                    <a:bodyPr/>
+                    <a:lstStyle/>
+                    <a:p>
+                      <a:pPr algn="ctr"/>
+                      <a:r>
+                        <a:rPr lang="en-US" altLang="zh-CN"/>
+                        <a:t>95%</a:t>
+                      </a:r>
+                      <a:endParaRPr lang="zh-CN" altLang="en-US"/>
+                    </a:p>
+                  </a:txBody>
+                  <a:tcPr/>
+                </a:tc>
+                <a:tc>
+                  <a:txBody>
+                    <a:bodyPr/>
+                    <a:lstStyle/>
+                    <a:p>
+                      <a:pPr algn="ctr"/>
+                      <a:r>
+                        <a:rPr lang="en-US" altLang="zh-CN"/>
+                        <a:t>50.96%</a:t>
+                      </a:r>
+                      <a:endParaRPr lang="zh-CN" altLang="en-US"/>
+                    </a:p>
+                  </a:txBody>
+                  <a:tcPr/>
+                </a:tc>
+                <a:extLst>
+                  <a:ext uri="{0D108BD9-81ED-4DB2-BD59-A6C34878D82A}">
+                    <a16:rowId xmlns:a16="http://schemas.microsoft.com/office/drawing/2014/main" val="3435167938"/>
+                  </a:ext>
+                </a:extLst>
+              </a:tr>
+              <a:tr h="370840">
+                <a:tc>
+                  <a:txBody>
+                    <a:bodyPr/>
+                    <a:lstStyle/>
+                    <a:p>
+                      <a:pPr algn="ctr"/>
+                      <a:r>
+                        <a:rPr lang="en-US" altLang="zh-CN"/>
+                        <a:t>94%</a:t>
+                      </a:r>
+                      <a:endParaRPr lang="zh-CN" altLang="en-US"/>
+                    </a:p>
+                  </a:txBody>
+                  <a:tcPr/>
+                </a:tc>
+                <a:tc>
+                  <a:txBody>
+                    <a:bodyPr/>
+                    <a:lstStyle/>
+                    <a:p>
+                      <a:pPr algn="ctr"/>
+                      <a:r>
+                        <a:rPr lang="en-US" altLang="zh-CN"/>
+                        <a:t>51.72%</a:t>
+                      </a:r>
+                      <a:endParaRPr lang="zh-CN" altLang="en-US"/>
+                    </a:p>
+                  </a:txBody>
+                  <a:tcPr/>
+                </a:tc>
+                <a:extLst>
+                  <a:ext uri="{0D108BD9-81ED-4DB2-BD59-A6C34878D82A}">
+                    <a16:rowId xmlns:a16="http://schemas.microsoft.com/office/drawing/2014/main" val="2384143379"/>
+                  </a:ext>
+                </a:extLst>
+              </a:tr>
+              <a:tr h="185420">
+                <a:tc>
+                  <a:txBody>
+                    <a:bodyPr/>
+                    <a:lstStyle/>
+                    <a:p>
+                      <a:pPr algn="ctr"/>
+                      <a:r>
+                        <a:rPr lang="en-US" altLang="zh-CN"/>
+                        <a:t>93%</a:t>
+                      </a:r>
+                      <a:endParaRPr lang="zh-CN" altLang="en-US"/>
+                    </a:p>
+                  </a:txBody>
+                  <a:tcPr/>
+                </a:tc>
+                <a:tc>
+                  <a:txBody>
+                    <a:bodyPr/>
+                    <a:lstStyle/>
+                    <a:p>
+                      <a:pPr algn="ctr"/>
+                      <a:r>
+                        <a:rPr lang="en-US" altLang="zh-CN"/>
+                        <a:t>52.11%</a:t>
+                      </a:r>
+                      <a:endParaRPr lang="zh-CN" altLang="en-US"/>
+                    </a:p>
+                  </a:txBody>
+                  <a:tcPr/>
+                </a:tc>
+                <a:extLst>
+                  <a:ext uri="{0D108BD9-81ED-4DB2-BD59-A6C34878D82A}">
+                    <a16:rowId xmlns:a16="http://schemas.microsoft.com/office/drawing/2014/main" val="2234194236"/>
+                  </a:ext>
+                </a:extLst>
+              </a:tr>
+              <a:tr h="121920">
+                <a:tc>
+                  <a:txBody>
+                    <a:bodyPr/>
+                    <a:lstStyle/>
+                    <a:p>
+                      <a:pPr algn="ctr"/>
+                      <a:r>
+                        <a:rPr lang="en-US" altLang="zh-CN"/>
+                        <a:t>90%</a:t>
+                      </a:r>
+                      <a:endParaRPr lang="zh-CN" altLang="en-US"/>
+                    </a:p>
+                  </a:txBody>
+                  <a:tcPr/>
+                </a:tc>
+                <a:tc>
+                  <a:txBody>
+                    <a:bodyPr/>
+                    <a:lstStyle/>
+                    <a:p>
+                      <a:pPr algn="ctr"/>
+                      <a:r>
+                        <a:rPr lang="en-US" altLang="zh-CN"/>
+                        <a:t>53.26%</a:t>
+                      </a:r>
+                      <a:endParaRPr lang="zh-CN" altLang="en-US"/>
+                    </a:p>
+                  </a:txBody>
+                  <a:tcPr/>
+                </a:tc>
+                <a:extLst>
+                  <a:ext uri="{0D108BD9-81ED-4DB2-BD59-A6C34878D82A}">
+                    <a16:rowId xmlns:a16="http://schemas.microsoft.com/office/drawing/2014/main" val="536438998"/>
+                  </a:ext>
+                </a:extLst>
+              </a:tr>
+              <a:tr h="121920">
+                <a:tc>
+                  <a:txBody>
+                    <a:bodyPr/>
+                    <a:lstStyle/>
+                    <a:p>
+                      <a:pPr algn="ctr"/>
+                      <a:r>
+                        <a:rPr lang="en-US" altLang="zh-CN">
+                          <a:solidFill>
+                            <a:srgbClr val="FF0000"/>
+                          </a:solidFill>
+                        </a:rPr>
+                        <a:t>89%</a:t>
+                      </a:r>
+                      <a:endParaRPr lang="zh-CN" altLang="en-US">
+                        <a:solidFill>
+                          <a:srgbClr val="FF0000"/>
+                        </a:solidFill>
+                      </a:endParaRPr>
+                    </a:p>
+                  </a:txBody>
+                  <a:tcPr/>
+                </a:tc>
+                <a:tc>
+                  <a:txBody>
+                    <a:bodyPr/>
+                    <a:lstStyle/>
+                    <a:p>
+                      <a:pPr algn="ctr"/>
+                      <a:r>
+                        <a:rPr lang="en-US" altLang="zh-CN">
+                          <a:solidFill>
+                            <a:srgbClr val="FF0000"/>
+                          </a:solidFill>
+                        </a:rPr>
+                        <a:t>54.02%</a:t>
+                      </a:r>
+                      <a:endParaRPr lang="zh-CN" altLang="en-US">
+                        <a:solidFill>
+                          <a:srgbClr val="FF0000"/>
+                        </a:solidFill>
+                      </a:endParaRPr>
+                    </a:p>
+                  </a:txBody>
+                  <a:tcPr/>
+                </a:tc>
+                <a:extLst>
+                  <a:ext uri="{0D108BD9-81ED-4DB2-BD59-A6C34878D82A}">
+                    <a16:rowId xmlns:a16="http://schemas.microsoft.com/office/drawing/2014/main" val="605898583"/>
+                  </a:ext>
+                </a:extLst>
+              </a:tr>
+              <a:tr h="243840">
+                <a:tc>
+                  <a:txBody>
+                    <a:bodyPr/>
+                    <a:lstStyle/>
+                    <a:p>
+                      <a:pPr algn="ctr"/>
+                      <a:r>
+                        <a:rPr lang="en-US" altLang="zh-CN"/>
+                        <a:t>88%</a:t>
+                      </a:r>
+                      <a:endParaRPr lang="zh-CN" altLang="en-US"/>
+                    </a:p>
+                  </a:txBody>
+                  <a:tcPr/>
+                </a:tc>
+                <a:tc>
+                  <a:txBody>
+                    <a:bodyPr/>
+                    <a:lstStyle/>
+                    <a:p>
+                      <a:pPr algn="ctr"/>
+                      <a:r>
+                        <a:rPr lang="en-US" altLang="zh-CN"/>
+                        <a:t>52.49%</a:t>
+                      </a:r>
+                      <a:endParaRPr lang="zh-CN" altLang="en-US"/>
+                    </a:p>
+                  </a:txBody>
+                  <a:tcPr/>
+                </a:tc>
+                <a:extLst>
+                  <a:ext uri="{0D108BD9-81ED-4DB2-BD59-A6C34878D82A}">
+                    <a16:rowId xmlns:a16="http://schemas.microsoft.com/office/drawing/2014/main" val="1063227737"/>
+                  </a:ext>
+                </a:extLst>
+              </a:tr>
+              <a:tr h="121920">
+                <a:tc>
+                  <a:txBody>
+                    <a:bodyPr/>
+                    <a:lstStyle/>
+                    <a:p>
+                      <a:pPr algn="ctr"/>
+                      <a:r>
+                        <a:rPr lang="en-US" altLang="zh-CN"/>
+                        <a:t>87%</a:t>
+                      </a:r>
+                      <a:endParaRPr lang="zh-CN" altLang="en-US"/>
+                    </a:p>
+                  </a:txBody>
+                  <a:tcPr/>
+                </a:tc>
+                <a:tc>
+                  <a:txBody>
+                    <a:bodyPr/>
+                    <a:lstStyle/>
+                    <a:p>
+                      <a:pPr algn="ctr"/>
+                      <a:r>
+                        <a:rPr lang="en-US" altLang="zh-CN"/>
+                        <a:t>50.19%</a:t>
+                      </a:r>
+                      <a:endParaRPr lang="zh-CN" altLang="en-US"/>
+                    </a:p>
+                  </a:txBody>
+                  <a:tcPr/>
+                </a:tc>
+                <a:extLst>
+                  <a:ext uri="{0D108BD9-81ED-4DB2-BD59-A6C34878D82A}">
+                    <a16:rowId xmlns:a16="http://schemas.microsoft.com/office/drawing/2014/main" val="4158860659"/>
+                  </a:ext>
+                </a:extLst>
+              </a:tr>
+              <a:tr h="121920">
+                <a:tc>
+                  <a:txBody>
+                    <a:bodyPr/>
+                    <a:lstStyle/>
+                    <a:p>
+                      <a:pPr algn="ctr"/>
+                      <a:r>
+                        <a:rPr lang="en-US" altLang="zh-CN"/>
+                        <a:t>80%</a:t>
+                      </a:r>
+                      <a:endParaRPr lang="zh-CN" altLang="en-US"/>
+                    </a:p>
+                  </a:txBody>
+                  <a:tcPr/>
+                </a:tc>
+                <a:tc>
+                  <a:txBody>
+                    <a:bodyPr/>
+                    <a:lstStyle/>
+                    <a:p>
+                      <a:pPr algn="ctr"/>
+                      <a:r>
+                        <a:rPr lang="en-US" altLang="zh-CN"/>
+                        <a:t>49.43%</a:t>
+                      </a:r>
+                      <a:endParaRPr lang="en-US"/>
+                    </a:p>
+                  </a:txBody>
+                  <a:tcPr/>
+                </a:tc>
+                <a:extLst>
+                  <a:ext uri="{0D108BD9-81ED-4DB2-BD59-A6C34878D82A}">
+                    <a16:rowId xmlns:a16="http://schemas.microsoft.com/office/drawing/2014/main" val="1496792977"/>
+                  </a:ext>
+                </a:extLst>
+              </a:tr>
+            </a:tbl>
+          </a:graphicData>
+        </a:graphic>
+      </p:graphicFrame>
+      <p:sp>
+        <p:nvSpPr>
+          <p:cNvPr id="5" name="文本框 4">
+            <a:extLst>
+              <a:ext uri="{FF2B5EF4-FFF2-40B4-BE49-F238E27FC236}">
+                <a16:creationId xmlns:a16="http://schemas.microsoft.com/office/drawing/2014/main" id="{E351F5E4-CA97-4C1F-9378-DD3FF3A253B8}"/>
+              </a:ext>
+            </a:extLst>
+          </p:cNvPr>
+          <p:cNvSpPr txBox="1"/>
+          <p:nvPr/>
+        </p:nvSpPr>
+        <p:spPr>
+          <a:xfrm>
+            <a:off x="8275866" y="1862514"/>
+            <a:ext cx="3352800" cy="369332"/>
+          </a:xfrm>
+          <a:prstGeom prst="rect">
+            <a:avLst/>
+          </a:prstGeom>
+          <a:noFill/>
+        </p:spPr>
+        <p:txBody>
+          <a:bodyPr wrap="square" lIns="91440" tIns="45720" rIns="91440" bIns="45720" rtlCol="0" anchor="t">
+            <a:spAutoFit/>
+          </a:bodyPr>
+          <a:lstStyle/>
+          <a:p>
+            <a:r>
+              <a:rPr lang="en-US" altLang="zh-CN">
+                <a:ea typeface="宋体"/>
+              </a:rPr>
+              <a:t>( K=9, height=130, width=110 )</a:t>
+            </a:r>
+            <a:endParaRPr lang="zh-CN" altLang="en-US">
+              <a:ea typeface="宋体"/>
+              <a:cs typeface="Calibri"/>
+            </a:endParaRPr>
+          </a:p>
+        </p:txBody>
+      </p:sp>
+      <p:graphicFrame>
+        <p:nvGraphicFramePr>
+          <p:cNvPr id="3" name="图表 5">
+            <a:extLst>
+              <a:ext uri="{FF2B5EF4-FFF2-40B4-BE49-F238E27FC236}">
+                <a16:creationId xmlns:a16="http://schemas.microsoft.com/office/drawing/2014/main" id="{D65D738F-D253-4BD1-BB93-FCBAED865684}"/>
+              </a:ext>
+            </a:extLst>
+          </p:cNvPr>
+          <p:cNvGraphicFramePr>
+            <a:graphicFrameLocks/>
+          </p:cNvGraphicFramePr>
+          <p:nvPr>
+            <p:extLst>
+              <p:ext uri="{D42A27DB-BD31-4B8C-83A1-F6EECF244321}">
+                <p14:modId xmlns:p14="http://schemas.microsoft.com/office/powerpoint/2010/main" val="1274525375"/>
+              </p:ext>
+            </p:extLst>
+          </p:nvPr>
+        </p:nvGraphicFramePr>
+        <p:xfrm>
+          <a:off x="5357534" y="2328374"/>
+          <a:ext cx="5899036" cy="3637387"/>
+        </p:xfrm>
+        <a:graphic>
+          <a:graphicData uri="http://schemas.openxmlformats.org/drawingml/2006/chart">
+            <c:chart xmlns:c="http://schemas.openxmlformats.org/drawingml/2006/chart" xmlns:r="http://schemas.openxmlformats.org/officeDocument/2006/relationships" r:id="rId2"/>
+          </a:graphicData>
+        </a:graphic>
+      </p:graphicFrame>
+    </p:spTree>
+    <p:extLst>
+      <p:ext uri="{BB962C8B-B14F-4D97-AF65-F5344CB8AC3E}">
+        <p14:creationId xmlns:p14="http://schemas.microsoft.com/office/powerpoint/2010/main" val="3397154945"/>
       </p:ext>
     </p:extLst>
   </p:cSld>

--- a/pca.pptx
+++ b/pca.pptx
@@ -140,6 +140,38 @@
 
 <file path=ppt/changesInfos/changesInfo1.xml><?xml version="1.0" encoding="utf-8"?>
 <pc:chgInfo xmlns:a="http://schemas.openxmlformats.org/drawingml/2006/main" xmlns:r="http://schemas.openxmlformats.org/officeDocument/2006/relationships" xmlns:ac="http://schemas.microsoft.com/office/drawing/2013/main/command" xmlns:pc="http://schemas.microsoft.com/office/powerpoint/2013/main/command">
+  <pc:docChgLst>
+    <pc:chgData name="陈恩婷" userId="121524e8-c78b-4465-a461-3edab42cf960" providerId="ADAL" clId="{E541A3ED-05D2-4FAF-86A9-C3F672966481}"/>
+    <pc:docChg chg="modSld">
+      <pc:chgData name="陈恩婷" userId="121524e8-c78b-4465-a461-3edab42cf960" providerId="ADAL" clId="{E541A3ED-05D2-4FAF-86A9-C3F672966481}" dt="2021-05-31T15:16:45.656" v="11"/>
+      <pc:docMkLst>
+        <pc:docMk/>
+      </pc:docMkLst>
+      <pc:sldChg chg="addSp delSp modSp mod">
+        <pc:chgData name="陈恩婷" userId="121524e8-c78b-4465-a461-3edab42cf960" providerId="ADAL" clId="{E541A3ED-05D2-4FAF-86A9-C3F672966481}" dt="2021-05-31T15:16:45.656" v="11"/>
+        <pc:sldMkLst>
+          <pc:docMk/>
+          <pc:sldMk cId="1462570846" sldId="256"/>
+        </pc:sldMkLst>
+        <pc:spChg chg="mod">
+          <ac:chgData name="陈恩婷" userId="121524e8-c78b-4465-a461-3edab42cf960" providerId="ADAL" clId="{E541A3ED-05D2-4FAF-86A9-C3F672966481}" dt="2021-05-31T15:16:45.656" v="11"/>
+          <ac:spMkLst>
+            <pc:docMk/>
+            <pc:sldMk cId="1462570846" sldId="256"/>
+            <ac:spMk id="3" creationId="{BBFC9D1E-FF5D-4FB7-BF5D-B5254320024D}"/>
+          </ac:spMkLst>
+        </pc:spChg>
+        <pc:spChg chg="add del">
+          <ac:chgData name="陈恩婷" userId="121524e8-c78b-4465-a461-3edab42cf960" providerId="ADAL" clId="{E541A3ED-05D2-4FAF-86A9-C3F672966481}" dt="2021-05-31T15:16:43.055" v="9"/>
+          <ac:spMkLst>
+            <pc:docMk/>
+            <pc:sldMk cId="1462570846" sldId="256"/>
+            <ac:spMk id="4" creationId="{3C0682B9-8681-4F90-8F4A-701C7CD5662B}"/>
+          </ac:spMkLst>
+        </pc:spChg>
+      </pc:sldChg>
+    </pc:docChg>
+  </pc:docChgLst>
   <pc:docChgLst>
     <pc:chgData name="陈恩婷" userId="121524e8-c78b-4465-a461-3edab42cf960" providerId="ADAL" clId="{80B2935F-15CC-4C32-B2E6-5F403F19F563}"/>
     <pc:docChg chg="modSld">
@@ -12073,14 +12105,38 @@
           <a:lstStyle/>
           <a:p>
             <a:r>
-              <a:rPr lang="zh-CN" altLang="en-US">
+              <a:rPr lang="zh-CN" altLang="en-US" dirty="0">
                 <a:latin typeface="微软雅黑"/>
                 <a:ea typeface="微软雅黑"/>
                 <a:cs typeface="Calibri Light"/>
               </a:rPr>
-              <a:t>陈恩婷 王玺侗</a:t>
-            </a:r>
-            <a:endParaRPr lang="zh-CN" altLang="en-US">
+              <a:t>陈恩婷</a:t>
+            </a:r>
+            <a:r>
+              <a:rPr lang="en-US" altLang="zh-CN" dirty="0">
+                <a:latin typeface="微软雅黑"/>
+                <a:ea typeface="微软雅黑"/>
+                <a:cs typeface="Calibri Light"/>
+              </a:rPr>
+              <a:t>19335015</a:t>
+            </a:r>
+            <a:r>
+              <a:rPr lang="zh-CN" altLang="en-US" dirty="0">
+                <a:latin typeface="微软雅黑"/>
+                <a:ea typeface="微软雅黑"/>
+                <a:cs typeface="Calibri Light"/>
+              </a:rPr>
+              <a:t> 王玺侗</a:t>
+            </a:r>
+            <a:r>
+              <a:rPr lang="en-US" altLang="zh-CN">
+                <a:latin typeface="微软雅黑"/>
+                <a:ea typeface="微软雅黑"/>
+                <a:cs typeface="Calibri Light"/>
+              </a:rPr>
+              <a:t>18307056</a:t>
+            </a:r>
+            <a:endParaRPr lang="zh-CN" altLang="en-US" dirty="0">
               <a:latin typeface="微软雅黑"/>
               <a:ea typeface="微软雅黑"/>
             </a:endParaRPr>
@@ -14955,8 +15011,8 @@
           </a:prstGeom>
         </p:spPr>
       </p:pic>
-      <mc:AlternateContent xmlns:mc="http://schemas.openxmlformats.org/markup-compatibility/2006">
-        <mc:Choice xmlns:a14="http://schemas.microsoft.com/office/drawing/2010/main" Requires="a14">
+      <mc:AlternateContent xmlns:mc="http://schemas.openxmlformats.org/markup-compatibility/2006" xmlns:a14="http://schemas.microsoft.com/office/drawing/2010/main">
+        <mc:Choice Requires="a14">
           <p:sp>
             <p:nvSpPr>
               <p:cNvPr id="3" name="内容占位符 2">
@@ -15168,7 +15224,7 @@
             </p:txBody>
           </p:sp>
         </mc:Choice>
-        <mc:Fallback>
+        <mc:Fallback xmlns="">
           <p:sp>
             <p:nvSpPr>
               <p:cNvPr id="3" name="内容占位符 2">
